--- a/Presentazioni Powerpoint/Progetto1_versione_RIA.pptx
+++ b/Presentazioni Powerpoint/Progetto1_versione_RIA.pptx
@@ -8,12 +8,12 @@
     <p:notesMasterId r:id="rId8"/>
   </p:notesMasterIdLst>
   <p:sldIdLst>
-    <p:sldId id="258" r:id="rId2"/>
-    <p:sldId id="265" r:id="rId3"/>
-    <p:sldId id="257" r:id="rId4"/>
-    <p:sldId id="256" r:id="rId5"/>
-    <p:sldId id="283" r:id="rId6"/>
-    <p:sldId id="282" r:id="rId7"/>
+    <p:sldId id="283" r:id="rId2"/>
+    <p:sldId id="258" r:id="rId3"/>
+    <p:sldId id="265" r:id="rId4"/>
+    <p:sldId id="282" r:id="rId5"/>
+    <p:sldId id="257" r:id="rId6"/>
+    <p:sldId id="256" r:id="rId7"/>
   </p:sldIdLst>
   <p:sldSz cx="12192000" cy="6858000"/>
   <p:notesSz cx="6858000" cy="9144000"/>
@@ -112,6 +112,11 @@
       </a:defRPr>
     </a:lvl9pPr>
   </p:defaultTextStyle>
+  <p:extLst>
+    <p:ext uri="{EFAFB233-063F-42B5-8137-9DF3F51BA10A}">
+      <p15:sldGuideLst xmlns:p15="http://schemas.microsoft.com/office/powerpoint/2012/main"/>
+    </p:ext>
+  </p:extLst>
 </p:presentation>
 </file>
 
@@ -197,7 +202,7 @@
           <a:p>
             <a:fld id="{C25F5A86-D4B2-4CFB-9FC8-FAE097577B12}" type="datetimeFigureOut">
               <a:rPr lang="it-IT" smtClean="0"/>
-              <a:t>19/08/2020</a:t>
+              <a:t>21/08/2020</a:t>
             </a:fld>
             <a:endParaRPr lang="it-IT"/>
           </a:p>
@@ -465,6 +470,90 @@
 </file>
 
 <file path=ppt/notesSlides/notesSlide1.xml><?xml version="1.0" encoding="utf-8"?>
+<p:notes xmlns:a="http://schemas.openxmlformats.org/drawingml/2006/main" xmlns:r="http://schemas.openxmlformats.org/officeDocument/2006/relationships" xmlns:p="http://schemas.openxmlformats.org/presentationml/2006/main">
+  <p:cSld>
+    <p:spTree>
+      <p:nvGrpSpPr>
+        <p:cNvPr id="1" name=""/>
+        <p:cNvGrpSpPr/>
+        <p:nvPr/>
+      </p:nvGrpSpPr>
+      <p:grpSpPr>
+        <a:xfrm>
+          <a:off x="0" y="0"/>
+          <a:ext cx="0" cy="0"/>
+          <a:chOff x="0" y="0"/>
+          <a:chExt cx="0" cy="0"/>
+        </a:xfrm>
+      </p:grpSpPr>
+      <p:sp>
+        <p:nvSpPr>
+          <p:cNvPr id="2" name="Segnaposto immagine diapositiva 1"/>
+          <p:cNvSpPr>
+            <a:spLocks noGrp="1" noRot="1" noChangeAspect="1"/>
+          </p:cNvSpPr>
+          <p:nvPr>
+            <p:ph type="sldImg"/>
+          </p:nvPr>
+        </p:nvSpPr>
+        <p:spPr/>
+      </p:sp>
+      <p:sp>
+        <p:nvSpPr>
+          <p:cNvPr id="3" name="Segnaposto note 2"/>
+          <p:cNvSpPr>
+            <a:spLocks noGrp="1"/>
+          </p:cNvSpPr>
+          <p:nvPr>
+            <p:ph type="body" idx="1"/>
+          </p:nvPr>
+        </p:nvSpPr>
+        <p:spPr/>
+        <p:txBody>
+          <a:bodyPr/>
+          <a:lstStyle/>
+          <a:p>
+            <a:endParaRPr lang="en-US" dirty="0"/>
+          </a:p>
+        </p:txBody>
+      </p:sp>
+      <p:sp>
+        <p:nvSpPr>
+          <p:cNvPr id="4" name="Segnaposto numero diapositiva 3"/>
+          <p:cNvSpPr>
+            <a:spLocks noGrp="1"/>
+          </p:cNvSpPr>
+          <p:nvPr>
+            <p:ph type="sldNum" sz="quarter" idx="5"/>
+          </p:nvPr>
+        </p:nvSpPr>
+        <p:spPr/>
+        <p:txBody>
+          <a:bodyPr/>
+          <a:lstStyle/>
+          <a:p>
+            <a:fld id="{7BDF7005-1E7F-4685-8EDF-81C5D2154059}" type="slidenum">
+              <a:rPr lang="it-IT" smtClean="0"/>
+              <a:t>1</a:t>
+            </a:fld>
+            <a:endParaRPr lang="it-IT"/>
+          </a:p>
+        </p:txBody>
+      </p:sp>
+    </p:spTree>
+    <p:extLst>
+      <p:ext uri="{BB962C8B-B14F-4D97-AF65-F5344CB8AC3E}">
+        <p14:creationId xmlns:p14="http://schemas.microsoft.com/office/powerpoint/2010/main" val="2458273286"/>
+      </p:ext>
+    </p:extLst>
+  </p:cSld>
+  <p:clrMapOvr>
+    <a:masterClrMapping/>
+  </p:clrMapOvr>
+</p:notes>
+</file>
+
+<file path=ppt/notesSlides/notesSlide2.xml><?xml version="1.0" encoding="utf-8"?>
 <p:notes xmlns:a="http://schemas.openxmlformats.org/drawingml/2006/main" xmlns:r="http://schemas.openxmlformats.org/officeDocument/2006/relationships" xmlns:p="http://schemas.openxmlformats.org/presentationml/2006/main" showMasterSp="0" showMasterPhAnim="0">
   <p:cSld>
     <p:spTree>
@@ -715,7 +804,7 @@
           <a:p>
             <a:fld id="{FE1EE28F-F736-456D-A3C7-4F5EC37410C2}" type="datetimeFigureOut">
               <a:rPr lang="it-IT" smtClean="0"/>
-              <a:t>19/08/2020</a:t>
+              <a:t>21/08/2020</a:t>
             </a:fld>
             <a:endParaRPr lang="it-IT"/>
           </a:p>
@@ -913,7 +1002,7 @@
           <a:p>
             <a:fld id="{FE1EE28F-F736-456D-A3C7-4F5EC37410C2}" type="datetimeFigureOut">
               <a:rPr lang="it-IT" smtClean="0"/>
-              <a:t>19/08/2020</a:t>
+              <a:t>21/08/2020</a:t>
             </a:fld>
             <a:endParaRPr lang="it-IT"/>
           </a:p>
@@ -1121,7 +1210,7 @@
           <a:p>
             <a:fld id="{FE1EE28F-F736-456D-A3C7-4F5EC37410C2}" type="datetimeFigureOut">
               <a:rPr lang="it-IT" smtClean="0"/>
-              <a:t>19/08/2020</a:t>
+              <a:t>21/08/2020</a:t>
             </a:fld>
             <a:endParaRPr lang="it-IT"/>
           </a:p>
@@ -1319,7 +1408,7 @@
           <a:p>
             <a:fld id="{FE1EE28F-F736-456D-A3C7-4F5EC37410C2}" type="datetimeFigureOut">
               <a:rPr lang="it-IT" smtClean="0"/>
-              <a:t>19/08/2020</a:t>
+              <a:t>21/08/2020</a:t>
             </a:fld>
             <a:endParaRPr lang="it-IT"/>
           </a:p>
@@ -1594,7 +1683,7 @@
           <a:p>
             <a:fld id="{FE1EE28F-F736-456D-A3C7-4F5EC37410C2}" type="datetimeFigureOut">
               <a:rPr lang="it-IT" smtClean="0"/>
-              <a:t>19/08/2020</a:t>
+              <a:t>21/08/2020</a:t>
             </a:fld>
             <a:endParaRPr lang="it-IT"/>
           </a:p>
@@ -1859,7 +1948,7 @@
           <a:p>
             <a:fld id="{FE1EE28F-F736-456D-A3C7-4F5EC37410C2}" type="datetimeFigureOut">
               <a:rPr lang="it-IT" smtClean="0"/>
-              <a:t>19/08/2020</a:t>
+              <a:t>21/08/2020</a:t>
             </a:fld>
             <a:endParaRPr lang="it-IT"/>
           </a:p>
@@ -2271,7 +2360,7 @@
           <a:p>
             <a:fld id="{FE1EE28F-F736-456D-A3C7-4F5EC37410C2}" type="datetimeFigureOut">
               <a:rPr lang="it-IT" smtClean="0"/>
-              <a:t>19/08/2020</a:t>
+              <a:t>21/08/2020</a:t>
             </a:fld>
             <a:endParaRPr lang="it-IT"/>
           </a:p>
@@ -2412,7 +2501,7 @@
           <a:p>
             <a:fld id="{FE1EE28F-F736-456D-A3C7-4F5EC37410C2}" type="datetimeFigureOut">
               <a:rPr lang="it-IT" smtClean="0"/>
-              <a:t>19/08/2020</a:t>
+              <a:t>21/08/2020</a:t>
             </a:fld>
             <a:endParaRPr lang="it-IT"/>
           </a:p>
@@ -2525,7 +2614,7 @@
           <a:p>
             <a:fld id="{FE1EE28F-F736-456D-A3C7-4F5EC37410C2}" type="datetimeFigureOut">
               <a:rPr lang="it-IT" smtClean="0"/>
-              <a:t>19/08/2020</a:t>
+              <a:t>21/08/2020</a:t>
             </a:fld>
             <a:endParaRPr lang="it-IT"/>
           </a:p>
@@ -2836,7 +2925,7 @@
           <a:p>
             <a:fld id="{FE1EE28F-F736-456D-A3C7-4F5EC37410C2}" type="datetimeFigureOut">
               <a:rPr lang="it-IT" smtClean="0"/>
-              <a:t>19/08/2020</a:t>
+              <a:t>21/08/2020</a:t>
             </a:fld>
             <a:endParaRPr lang="it-IT"/>
           </a:p>
@@ -3124,7 +3213,7 @@
           <a:p>
             <a:fld id="{FE1EE28F-F736-456D-A3C7-4F5EC37410C2}" type="datetimeFigureOut">
               <a:rPr lang="it-IT" smtClean="0"/>
-              <a:t>19/08/2020</a:t>
+              <a:t>21/08/2020</a:t>
             </a:fld>
             <a:endParaRPr lang="it-IT"/>
           </a:p>
@@ -3365,7 +3454,7 @@
           <a:p>
             <a:fld id="{FE1EE28F-F736-456D-A3C7-4F5EC37410C2}" type="datetimeFigureOut">
               <a:rPr lang="it-IT" smtClean="0"/>
-              <a:t>19/08/2020</a:t>
+              <a:t>21/08/2020</a:t>
             </a:fld>
             <a:endParaRPr lang="it-IT"/>
           </a:p>
@@ -3784,6 +3873,912 @@
       </p:grpSpPr>
       <p:sp>
         <p:nvSpPr>
+          <p:cNvPr id="2" name="Title 1"/>
+          <p:cNvSpPr>
+            <a:spLocks noGrp="1"/>
+          </p:cNvSpPr>
+          <p:nvPr>
+            <p:ph type="title"/>
+          </p:nvPr>
+        </p:nvSpPr>
+        <p:spPr>
+          <a:xfrm>
+            <a:off x="0" y="1"/>
+            <a:ext cx="12192000" cy="779030"/>
+          </a:xfrm>
+        </p:spPr>
+        <p:txBody>
+          <a:bodyPr/>
+          <a:lstStyle/>
+          <a:p>
+            <a:pPr algn="ctr"/>
+            <a:r>
+              <a:rPr lang="en-US" dirty="0"/>
+              <a:t>Server side: DAO &amp; model objects</a:t>
+            </a:r>
+          </a:p>
+        </p:txBody>
+      </p:sp>
+      <p:sp>
+        <p:nvSpPr>
+          <p:cNvPr id="3" name="Text Placeholder 2"/>
+          <p:cNvSpPr>
+            <a:spLocks noGrp="1"/>
+          </p:cNvSpPr>
+          <p:nvPr>
+            <p:ph type="body" idx="1"/>
+          </p:nvPr>
+        </p:nvSpPr>
+        <p:spPr>
+          <a:xfrm>
+            <a:off x="0" y="2513194"/>
+            <a:ext cx="5382825" cy="3940574"/>
+          </a:xfrm>
+        </p:spPr>
+        <p:txBody>
+          <a:bodyPr>
+            <a:normAutofit fontScale="92500" lnSpcReduction="20000"/>
+          </a:bodyPr>
+          <a:lstStyle/>
+          <a:p>
+            <a:pPr marL="173725" indent="0">
+              <a:lnSpc>
+                <a:spcPct val="80000"/>
+              </a:lnSpc>
+              <a:spcBef>
+                <a:spcPts val="411"/>
+              </a:spcBef>
+              <a:buSzPts val="1750"/>
+              <a:buNone/>
+            </a:pPr>
+            <a:r>
+              <a:rPr lang="en-US" sz="2600" dirty="0"/>
+              <a:t>Data Access Objects (Classes)                             </a:t>
+            </a:r>
+          </a:p>
+          <a:p>
+            <a:pPr marL="822183" lvl="1" indent="-285750">
+              <a:lnSpc>
+                <a:spcPct val="80000"/>
+              </a:lnSpc>
+              <a:spcBef>
+                <a:spcPts val="352"/>
+              </a:spcBef>
+              <a:buSzPts val="1500"/>
+            </a:pPr>
+            <a:r>
+              <a:rPr lang="en-US" sz="1800" dirty="0" err="1"/>
+              <a:t>UserDAO</a:t>
+            </a:r>
+            <a:endParaRPr lang="en-US" sz="1800" dirty="0"/>
+          </a:p>
+          <a:p>
+            <a:pPr marL="1418219" lvl="2" indent="-285750">
+              <a:lnSpc>
+                <a:spcPct val="80000"/>
+              </a:lnSpc>
+              <a:spcBef>
+                <a:spcPts val="352"/>
+              </a:spcBef>
+              <a:buSzPts val="1200"/>
+            </a:pPr>
+            <a:r>
+              <a:rPr lang="en-US" sz="1800" dirty="0" err="1"/>
+              <a:t>checkCredentials</a:t>
+            </a:r>
+            <a:r>
+              <a:rPr lang="en-US" sz="1800" dirty="0"/>
+              <a:t>(username, </a:t>
+            </a:r>
+            <a:r>
+              <a:rPr lang="en-US" sz="1800" dirty="0" err="1"/>
+              <a:t>pwd</a:t>
+            </a:r>
+            <a:r>
+              <a:rPr lang="en-US" sz="1800" dirty="0"/>
+              <a:t>)</a:t>
+            </a:r>
+          </a:p>
+          <a:p>
+            <a:pPr marL="1418219" lvl="2" indent="-285750">
+              <a:lnSpc>
+                <a:spcPct val="80000"/>
+              </a:lnSpc>
+              <a:spcBef>
+                <a:spcPts val="352"/>
+              </a:spcBef>
+              <a:buSzPts val="1200"/>
+            </a:pPr>
+            <a:r>
+              <a:rPr lang="en-US" sz="1800" dirty="0" err="1"/>
+              <a:t>createNewUser</a:t>
+            </a:r>
+            <a:r>
+              <a:rPr lang="en-US" sz="1800" dirty="0"/>
+              <a:t>(username, </a:t>
+            </a:r>
+            <a:r>
+              <a:rPr lang="en-US" sz="1800" dirty="0" err="1"/>
+              <a:t>pwd</a:t>
+            </a:r>
+            <a:r>
+              <a:rPr lang="en-US" sz="1800" dirty="0"/>
+              <a:t>, email)</a:t>
+            </a:r>
+          </a:p>
+          <a:p>
+            <a:pPr marL="889237" lvl="1" indent="-285750">
+              <a:lnSpc>
+                <a:spcPct val="80000"/>
+              </a:lnSpc>
+              <a:spcBef>
+                <a:spcPts val="352"/>
+              </a:spcBef>
+              <a:buSzPts val="1500"/>
+            </a:pPr>
+            <a:r>
+              <a:rPr lang="en-US" sz="1800" dirty="0" err="1"/>
+              <a:t>AlbumDAO</a:t>
+            </a:r>
+            <a:endParaRPr lang="en-US" sz="1800" dirty="0"/>
+          </a:p>
+          <a:p>
+            <a:pPr marL="1418219" lvl="2" indent="-285750">
+              <a:lnSpc>
+                <a:spcPct val="80000"/>
+              </a:lnSpc>
+              <a:spcBef>
+                <a:spcPts val="352"/>
+              </a:spcBef>
+              <a:buSzPts val="1200"/>
+            </a:pPr>
+            <a:r>
+              <a:rPr lang="en-US" sz="1800" dirty="0" err="1"/>
+              <a:t>findAllAlbums</a:t>
+            </a:r>
+            <a:r>
+              <a:rPr lang="en-US" sz="1800" dirty="0"/>
+              <a:t>()</a:t>
+            </a:r>
+          </a:p>
+          <a:p>
+            <a:pPr marL="1418219" lvl="2" indent="-285750">
+              <a:lnSpc>
+                <a:spcPct val="80000"/>
+              </a:lnSpc>
+              <a:spcBef>
+                <a:spcPts val="352"/>
+              </a:spcBef>
+              <a:buSzPts val="1200"/>
+            </a:pPr>
+            <a:r>
+              <a:rPr lang="en-US" sz="1800" dirty="0" err="1"/>
+              <a:t>findInfoOfAlbumById</a:t>
+            </a:r>
+            <a:r>
+              <a:rPr lang="en-US" sz="1800" dirty="0"/>
+              <a:t>(</a:t>
+            </a:r>
+            <a:r>
+              <a:rPr lang="en-US" sz="1800" dirty="0" err="1"/>
+              <a:t>userid</a:t>
+            </a:r>
+            <a:r>
+              <a:rPr lang="en-US" sz="1800" dirty="0"/>
+              <a:t>)</a:t>
+            </a:r>
+          </a:p>
+          <a:p>
+            <a:pPr marL="822183" lvl="1" indent="-285750">
+              <a:lnSpc>
+                <a:spcPct val="80000"/>
+              </a:lnSpc>
+              <a:spcBef>
+                <a:spcPts val="352"/>
+              </a:spcBef>
+              <a:buSzPts val="1500"/>
+            </a:pPr>
+            <a:r>
+              <a:rPr lang="en-US" sz="1800" dirty="0" err="1"/>
+              <a:t>ImageDAO</a:t>
+            </a:r>
+            <a:endParaRPr lang="en-US" sz="1800" dirty="0"/>
+          </a:p>
+          <a:p>
+            <a:pPr marL="1418219" lvl="2" indent="-285750">
+              <a:lnSpc>
+                <a:spcPct val="80000"/>
+              </a:lnSpc>
+              <a:spcBef>
+                <a:spcPts val="352"/>
+              </a:spcBef>
+              <a:buSzPts val="1200"/>
+            </a:pPr>
+            <a:r>
+              <a:rPr lang="en-US" sz="1800" dirty="0" err="1"/>
+              <a:t>findImagesOfAlbum</a:t>
+            </a:r>
+            <a:r>
+              <a:rPr lang="en-US" sz="1800" dirty="0"/>
+              <a:t>(</a:t>
+            </a:r>
+            <a:r>
+              <a:rPr lang="en-US" sz="1800" dirty="0" err="1"/>
+              <a:t>albumId</a:t>
+            </a:r>
+            <a:r>
+              <a:rPr lang="en-US" sz="1800" dirty="0"/>
+              <a:t>)</a:t>
+            </a:r>
+          </a:p>
+          <a:p>
+            <a:pPr marL="1418219" lvl="2" indent="-285750">
+              <a:lnSpc>
+                <a:spcPct val="80000"/>
+              </a:lnSpc>
+              <a:spcBef>
+                <a:spcPts val="352"/>
+              </a:spcBef>
+              <a:buSzPts val="1200"/>
+            </a:pPr>
+            <a:r>
+              <a:rPr lang="en-US" sz="1800" dirty="0" err="1"/>
+              <a:t>findImageById</a:t>
+            </a:r>
+            <a:r>
+              <a:rPr lang="en-US" sz="1800" dirty="0"/>
+              <a:t>(</a:t>
+            </a:r>
+            <a:r>
+              <a:rPr lang="en-US" sz="1800" dirty="0" err="1"/>
+              <a:t>imageId</a:t>
+            </a:r>
+            <a:r>
+              <a:rPr lang="en-US" sz="1800" dirty="0"/>
+              <a:t>)</a:t>
+            </a:r>
+          </a:p>
+          <a:p>
+            <a:pPr marL="822183" lvl="1" indent="-285750">
+              <a:lnSpc>
+                <a:spcPct val="80000"/>
+              </a:lnSpc>
+              <a:spcBef>
+                <a:spcPts val="352"/>
+              </a:spcBef>
+              <a:buSzPts val="1500"/>
+            </a:pPr>
+            <a:r>
+              <a:rPr lang="en-US" sz="1800" dirty="0" err="1"/>
+              <a:t>CommentDAO</a:t>
+            </a:r>
+            <a:endParaRPr lang="en-US" sz="1800" dirty="0"/>
+          </a:p>
+          <a:p>
+            <a:pPr marL="1418219" lvl="2" indent="-285750">
+              <a:lnSpc>
+                <a:spcPct val="80000"/>
+              </a:lnSpc>
+              <a:spcBef>
+                <a:spcPts val="352"/>
+              </a:spcBef>
+              <a:buSzPts val="1200"/>
+            </a:pPr>
+            <a:r>
+              <a:rPr lang="en-US" sz="1800" dirty="0" err="1"/>
+              <a:t>findCommentsOfImage</a:t>
+            </a:r>
+            <a:r>
+              <a:rPr lang="en-US" sz="1800" dirty="0"/>
+              <a:t>(</a:t>
+            </a:r>
+            <a:r>
+              <a:rPr lang="en-US" sz="1800" dirty="0" err="1"/>
+              <a:t>imageId</a:t>
+            </a:r>
+            <a:r>
+              <a:rPr lang="en-US" sz="1800" dirty="0"/>
+              <a:t>)</a:t>
+            </a:r>
+          </a:p>
+          <a:p>
+            <a:pPr marL="1418219" lvl="2" indent="-285750">
+              <a:lnSpc>
+                <a:spcPct val="80000"/>
+              </a:lnSpc>
+              <a:spcBef>
+                <a:spcPts val="352"/>
+              </a:spcBef>
+              <a:buSzPts val="1200"/>
+            </a:pPr>
+            <a:r>
+              <a:rPr lang="en-US" sz="1800" dirty="0" err="1"/>
+              <a:t>createComment</a:t>
+            </a:r>
+            <a:r>
+              <a:rPr lang="en-US" sz="1800" dirty="0"/>
+              <a:t>(text, </a:t>
+            </a:r>
+            <a:r>
+              <a:rPr lang="en-US" sz="1800" dirty="0" err="1"/>
+              <a:t>imageId</a:t>
+            </a:r>
+            <a:r>
+              <a:rPr lang="en-US" sz="1800" dirty="0"/>
+              <a:t>, </a:t>
+            </a:r>
+            <a:r>
+              <a:rPr lang="en-US" sz="1800" dirty="0" err="1"/>
+              <a:t>userId</a:t>
+            </a:r>
+            <a:r>
+              <a:rPr lang="en-US" sz="1800" dirty="0"/>
+              <a:t>, date)</a:t>
+            </a:r>
+          </a:p>
+          <a:p>
+            <a:pPr marL="889237" lvl="1" indent="-285750">
+              <a:lnSpc>
+                <a:spcPct val="80000"/>
+              </a:lnSpc>
+              <a:spcBef>
+                <a:spcPts val="352"/>
+              </a:spcBef>
+              <a:buSzPts val="1500"/>
+            </a:pPr>
+            <a:r>
+              <a:rPr lang="en-US" sz="1800" dirty="0" err="1"/>
+              <a:t>RegistrationDAO</a:t>
+            </a:r>
+            <a:endParaRPr lang="en-US" sz="1800" dirty="0"/>
+          </a:p>
+          <a:p>
+            <a:pPr marL="1418219" lvl="2" indent="-285750">
+              <a:lnSpc>
+                <a:spcPct val="80000"/>
+              </a:lnSpc>
+              <a:spcBef>
+                <a:spcPts val="352"/>
+              </a:spcBef>
+              <a:buSzPts val="1200"/>
+            </a:pPr>
+            <a:r>
+              <a:rPr lang="en-US" sz="1800" dirty="0" err="1"/>
+              <a:t>createRegistrationOfUser</a:t>
+            </a:r>
+            <a:r>
+              <a:rPr lang="en-US" sz="1800" dirty="0"/>
+              <a:t>(</a:t>
+            </a:r>
+            <a:r>
+              <a:rPr lang="en-US" sz="1800" dirty="0" err="1"/>
+              <a:t>username,pwd,email</a:t>
+            </a:r>
+            <a:r>
+              <a:rPr lang="en-US" sz="1800" dirty="0"/>
+              <a:t>)</a:t>
+            </a:r>
+          </a:p>
+          <a:p>
+            <a:pPr marL="1418219" lvl="2" indent="-285750">
+              <a:lnSpc>
+                <a:spcPct val="80000"/>
+              </a:lnSpc>
+              <a:spcBef>
+                <a:spcPts val="352"/>
+              </a:spcBef>
+              <a:buSzPts val="1200"/>
+            </a:pPr>
+            <a:r>
+              <a:rPr lang="en-US" sz="1800" dirty="0" err="1"/>
+              <a:t>controlRegistrationOfUser</a:t>
+            </a:r>
+            <a:r>
+              <a:rPr lang="en-US" sz="1800" dirty="0"/>
+              <a:t>(</a:t>
+            </a:r>
+            <a:r>
+              <a:rPr lang="en-US" sz="1800" dirty="0" err="1"/>
+              <a:t>userid</a:t>
+            </a:r>
+            <a:r>
+              <a:rPr lang="en-US" sz="1800" dirty="0"/>
+              <a:t>)</a:t>
+            </a:r>
+          </a:p>
+          <a:p>
+            <a:pPr marL="1132469" lvl="2" indent="0">
+              <a:lnSpc>
+                <a:spcPct val="80000"/>
+              </a:lnSpc>
+              <a:spcBef>
+                <a:spcPts val="352"/>
+              </a:spcBef>
+              <a:buSzPts val="1200"/>
+              <a:buNone/>
+            </a:pPr>
+            <a:endParaRPr lang="en-US" sz="1400" dirty="0"/>
+          </a:p>
+        </p:txBody>
+      </p:sp>
+      <p:sp>
+        <p:nvSpPr>
+          <p:cNvPr id="6" name="CasellaDiTesto 5">
+            <a:extLst>
+              <a:ext uri="{FF2B5EF4-FFF2-40B4-BE49-F238E27FC236}">
+                <a16:creationId xmlns:a16="http://schemas.microsoft.com/office/drawing/2014/main" id="{D4BEC07E-F77A-4D9E-923B-1C6F01EBEDB9}"/>
+              </a:ext>
+            </a:extLst>
+          </p:cNvPr>
+          <p:cNvSpPr txBox="1"/>
+          <p:nvPr/>
+        </p:nvSpPr>
+        <p:spPr>
+          <a:xfrm>
+            <a:off x="5382825" y="654732"/>
+            <a:ext cx="5162083" cy="2400657"/>
+          </a:xfrm>
+          <a:prstGeom prst="rect">
+            <a:avLst/>
+          </a:prstGeom>
+          <a:noFill/>
+        </p:spPr>
+        <p:txBody>
+          <a:bodyPr wrap="square">
+            <a:spAutoFit/>
+          </a:bodyPr>
+          <a:lstStyle/>
+          <a:p>
+            <a:r>
+              <a:rPr lang="en-US" sz="2400" dirty="0"/>
+              <a:t>Controllers (servlets)</a:t>
+            </a:r>
+          </a:p>
+          <a:p>
+            <a:pPr marL="742950" lvl="1" indent="-285750">
+              <a:buFont typeface="Arial" panose="020B0604020202020204" pitchFamily="34" charset="0"/>
+              <a:buChar char="•"/>
+            </a:pPr>
+            <a:r>
+              <a:rPr lang="en-US" dirty="0" err="1"/>
+              <a:t>CheckLogin</a:t>
+            </a:r>
+            <a:r>
+              <a:rPr lang="en-US" dirty="0"/>
+              <a:t> (</a:t>
+            </a:r>
+            <a:r>
+              <a:rPr lang="en-US" dirty="0" err="1"/>
+              <a:t>LoggedUser</a:t>
+            </a:r>
+            <a:r>
+              <a:rPr lang="en-US" dirty="0"/>
+              <a:t>)</a:t>
+            </a:r>
+          </a:p>
+          <a:p>
+            <a:pPr marL="742950" lvl="1" indent="-285750">
+              <a:buFont typeface="Arial" panose="020B0604020202020204" pitchFamily="34" charset="0"/>
+              <a:buChar char="•"/>
+            </a:pPr>
+            <a:r>
+              <a:rPr lang="en-US" dirty="0" err="1"/>
+              <a:t>CheckGuest</a:t>
+            </a:r>
+            <a:r>
+              <a:rPr lang="en-US" dirty="0"/>
+              <a:t>(Guest)</a:t>
+            </a:r>
+          </a:p>
+          <a:p>
+            <a:pPr marL="742950" lvl="1" indent="-285750">
+              <a:buFont typeface="Arial" panose="020B0604020202020204" pitchFamily="34" charset="0"/>
+              <a:buChar char="•"/>
+            </a:pPr>
+            <a:r>
+              <a:rPr lang="en-US" dirty="0" err="1"/>
+              <a:t>CreateComment</a:t>
+            </a:r>
+            <a:r>
+              <a:rPr lang="en-US" dirty="0"/>
+              <a:t> (</a:t>
+            </a:r>
+            <a:r>
+              <a:rPr lang="en-US" dirty="0" err="1"/>
+              <a:t>LoggedUser</a:t>
+            </a:r>
+            <a:r>
+              <a:rPr lang="en-US" dirty="0"/>
+              <a:t>)</a:t>
+            </a:r>
+          </a:p>
+          <a:p>
+            <a:pPr marL="742950" lvl="1" indent="-285750">
+              <a:buFont typeface="Arial" panose="020B0604020202020204" pitchFamily="34" charset="0"/>
+              <a:buChar char="•"/>
+            </a:pPr>
+            <a:r>
+              <a:rPr lang="en-US" dirty="0" err="1"/>
+              <a:t>GetImagesOfAlbum</a:t>
+            </a:r>
+            <a:r>
+              <a:rPr lang="en-US" dirty="0"/>
+              <a:t> (all)</a:t>
+            </a:r>
+          </a:p>
+          <a:p>
+            <a:pPr marL="742950" lvl="1" indent="-285750">
+              <a:buFont typeface="Arial" panose="020B0604020202020204" pitchFamily="34" charset="0"/>
+              <a:buChar char="•"/>
+            </a:pPr>
+            <a:r>
+              <a:rPr lang="en-US" dirty="0"/>
+              <a:t>Logout (</a:t>
+            </a:r>
+            <a:r>
+              <a:rPr lang="en-US" dirty="0" err="1"/>
+              <a:t>LoggedUser</a:t>
+            </a:r>
+            <a:r>
+              <a:rPr lang="en-US" dirty="0"/>
+              <a:t>)</a:t>
+            </a:r>
+          </a:p>
+          <a:p>
+            <a:pPr marL="742950" lvl="1" indent="-285750">
+              <a:buFont typeface="Arial" panose="020B0604020202020204" pitchFamily="34" charset="0"/>
+              <a:buChar char="•"/>
+            </a:pPr>
+            <a:r>
+              <a:rPr lang="en-US" dirty="0" err="1"/>
+              <a:t>OpenRegistrationForm</a:t>
+            </a:r>
+            <a:r>
+              <a:rPr lang="en-US" dirty="0"/>
+              <a:t> (Guest)</a:t>
+            </a:r>
+          </a:p>
+          <a:p>
+            <a:pPr marL="742950" lvl="1" indent="-285750">
+              <a:buFont typeface="Arial" panose="020B0604020202020204" pitchFamily="34" charset="0"/>
+              <a:buChar char="•"/>
+            </a:pPr>
+            <a:r>
+              <a:rPr lang="en-US" dirty="0"/>
+              <a:t>Registration (Guest)</a:t>
+            </a:r>
+          </a:p>
+        </p:txBody>
+      </p:sp>
+      <p:sp>
+        <p:nvSpPr>
+          <p:cNvPr id="8" name="CasellaDiTesto 7">
+            <a:extLst>
+              <a:ext uri="{FF2B5EF4-FFF2-40B4-BE49-F238E27FC236}">
+                <a16:creationId xmlns:a16="http://schemas.microsoft.com/office/drawing/2014/main" id="{37A508B4-A9E3-4AAE-9946-1396116B7934}"/>
+              </a:ext>
+            </a:extLst>
+          </p:cNvPr>
+          <p:cNvSpPr txBox="1"/>
+          <p:nvPr/>
+        </p:nvSpPr>
+        <p:spPr>
+          <a:xfrm>
+            <a:off x="0" y="727416"/>
+            <a:ext cx="5382825" cy="1288430"/>
+          </a:xfrm>
+          <a:prstGeom prst="rect">
+            <a:avLst/>
+          </a:prstGeom>
+          <a:noFill/>
+        </p:spPr>
+        <p:txBody>
+          <a:bodyPr wrap="square">
+            <a:spAutoFit/>
+          </a:bodyPr>
+          <a:lstStyle/>
+          <a:p>
+            <a:pPr>
+              <a:lnSpc>
+                <a:spcPct val="80000"/>
+              </a:lnSpc>
+              <a:buSzPts val="1750"/>
+            </a:pPr>
+            <a:r>
+              <a:rPr lang="en-US" sz="2800" dirty="0"/>
+              <a:t>Model objects (Beans)</a:t>
+            </a:r>
+            <a:endParaRPr lang="en-US" sz="2400" dirty="0"/>
+          </a:p>
+          <a:p>
+            <a:pPr marL="889237" lvl="1" indent="-285750">
+              <a:lnSpc>
+                <a:spcPct val="60000"/>
+              </a:lnSpc>
+              <a:spcBef>
+                <a:spcPts val="352"/>
+              </a:spcBef>
+              <a:buSzPts val="1500"/>
+              <a:buFont typeface="Arial" panose="020B0604020202020204" pitchFamily="34" charset="0"/>
+              <a:buChar char="•"/>
+            </a:pPr>
+            <a:r>
+              <a:rPr lang="en-US" sz="1700" dirty="0"/>
+              <a:t>User</a:t>
+            </a:r>
+          </a:p>
+          <a:p>
+            <a:pPr marL="889237" lvl="1" indent="-285750">
+              <a:lnSpc>
+                <a:spcPct val="60000"/>
+              </a:lnSpc>
+              <a:spcBef>
+                <a:spcPts val="352"/>
+              </a:spcBef>
+              <a:buSzPts val="1500"/>
+              <a:buFont typeface="Arial" panose="020B0604020202020204" pitchFamily="34" charset="0"/>
+              <a:buChar char="•"/>
+            </a:pPr>
+            <a:r>
+              <a:rPr lang="en-US" sz="1700" dirty="0"/>
+              <a:t>Album</a:t>
+            </a:r>
+          </a:p>
+          <a:p>
+            <a:pPr marL="889237" lvl="1" indent="-285750">
+              <a:lnSpc>
+                <a:spcPct val="60000"/>
+              </a:lnSpc>
+              <a:spcBef>
+                <a:spcPts val="352"/>
+              </a:spcBef>
+              <a:buSzPts val="1500"/>
+              <a:buFont typeface="Arial" panose="020B0604020202020204" pitchFamily="34" charset="0"/>
+              <a:buChar char="•"/>
+            </a:pPr>
+            <a:r>
+              <a:rPr lang="en-US" sz="1700" dirty="0"/>
+              <a:t>Comment</a:t>
+            </a:r>
+          </a:p>
+          <a:p>
+            <a:pPr marL="889237" lvl="1" indent="-285750">
+              <a:lnSpc>
+                <a:spcPct val="60000"/>
+              </a:lnSpc>
+              <a:spcBef>
+                <a:spcPts val="352"/>
+              </a:spcBef>
+              <a:buSzPts val="1500"/>
+              <a:buFont typeface="Arial" panose="020B0604020202020204" pitchFamily="34" charset="0"/>
+              <a:buChar char="•"/>
+            </a:pPr>
+            <a:r>
+              <a:rPr lang="en-US" sz="1700" dirty="0"/>
+              <a:t>Image</a:t>
+            </a:r>
+          </a:p>
+        </p:txBody>
+      </p:sp>
+      <p:sp>
+        <p:nvSpPr>
+          <p:cNvPr id="10" name="CasellaDiTesto 9">
+            <a:extLst>
+              <a:ext uri="{FF2B5EF4-FFF2-40B4-BE49-F238E27FC236}">
+                <a16:creationId xmlns:a16="http://schemas.microsoft.com/office/drawing/2014/main" id="{28B7603A-8362-4896-A57D-3CB551A452EF}"/>
+              </a:ext>
+            </a:extLst>
+          </p:cNvPr>
+          <p:cNvSpPr txBox="1"/>
+          <p:nvPr/>
+        </p:nvSpPr>
+        <p:spPr>
+          <a:xfrm>
+            <a:off x="9482869" y="727416"/>
+            <a:ext cx="2124078" cy="1015663"/>
+          </a:xfrm>
+          <a:prstGeom prst="rect">
+            <a:avLst/>
+          </a:prstGeom>
+          <a:noFill/>
+        </p:spPr>
+        <p:txBody>
+          <a:bodyPr wrap="square">
+            <a:spAutoFit/>
+          </a:bodyPr>
+          <a:lstStyle/>
+          <a:p>
+            <a:r>
+              <a:rPr lang="en-US" sz="2400" dirty="0"/>
+              <a:t>Filter</a:t>
+            </a:r>
+            <a:endParaRPr lang="en-US" dirty="0"/>
+          </a:p>
+          <a:p>
+            <a:pPr marL="742950" lvl="1" indent="-285750">
+              <a:buFont typeface="Arial" panose="020B0604020202020204" pitchFamily="34" charset="0"/>
+              <a:buChar char="•"/>
+            </a:pPr>
+            <a:r>
+              <a:rPr lang="en-US" dirty="0" err="1"/>
+              <a:t>LoggedUser</a:t>
+            </a:r>
+            <a:endParaRPr lang="en-US" dirty="0"/>
+          </a:p>
+          <a:p>
+            <a:pPr marL="742950" lvl="1" indent="-285750">
+              <a:buFont typeface="Arial" panose="020B0604020202020204" pitchFamily="34" charset="0"/>
+              <a:buChar char="•"/>
+            </a:pPr>
+            <a:r>
+              <a:rPr lang="en-US" dirty="0" err="1"/>
+              <a:t>GuestCheck</a:t>
+            </a:r>
+            <a:endParaRPr lang="en-US" dirty="0"/>
+          </a:p>
+        </p:txBody>
+      </p:sp>
+      <p:sp>
+        <p:nvSpPr>
+          <p:cNvPr id="12" name="CasellaDiTesto 11">
+            <a:extLst>
+              <a:ext uri="{FF2B5EF4-FFF2-40B4-BE49-F238E27FC236}">
+                <a16:creationId xmlns:a16="http://schemas.microsoft.com/office/drawing/2014/main" id="{6A57EBFB-18A8-41A0-91BB-72CD6B51F391}"/>
+              </a:ext>
+            </a:extLst>
+          </p:cNvPr>
+          <p:cNvSpPr txBox="1"/>
+          <p:nvPr/>
+        </p:nvSpPr>
+        <p:spPr>
+          <a:xfrm>
+            <a:off x="5382825" y="3499113"/>
+            <a:ext cx="6096000" cy="2954655"/>
+          </a:xfrm>
+          <a:prstGeom prst="rect">
+            <a:avLst/>
+          </a:prstGeom>
+          <a:noFill/>
+        </p:spPr>
+        <p:txBody>
+          <a:bodyPr wrap="square">
+            <a:spAutoFit/>
+          </a:bodyPr>
+          <a:lstStyle/>
+          <a:p>
+            <a:r>
+              <a:rPr lang="en-US" sz="2400" dirty="0"/>
+              <a:t>Views (Templates) &amp; components</a:t>
+            </a:r>
+          </a:p>
+          <a:p>
+            <a:pPr marL="742950" lvl="1" indent="-285750">
+              <a:buFont typeface="Arial" panose="020B0604020202020204" pitchFamily="34" charset="0"/>
+              <a:buChar char="•"/>
+            </a:pPr>
+            <a:r>
+              <a:rPr lang="en-US" dirty="0"/>
+              <a:t>Index (all)</a:t>
+            </a:r>
+          </a:p>
+          <a:p>
+            <a:pPr marL="1200150" lvl="2" indent="-285750">
+              <a:buFont typeface="Arial" panose="020B0604020202020204" pitchFamily="34" charset="0"/>
+              <a:buChar char="•"/>
+            </a:pPr>
+            <a:r>
+              <a:rPr lang="en-US" dirty="0"/>
+              <a:t>Login form</a:t>
+            </a:r>
+          </a:p>
+          <a:p>
+            <a:pPr marL="1200150" lvl="2" indent="-285750">
+              <a:buFont typeface="Arial" panose="020B0604020202020204" pitchFamily="34" charset="0"/>
+              <a:buChar char="•"/>
+            </a:pPr>
+            <a:r>
+              <a:rPr lang="en-US" dirty="0"/>
+              <a:t>Register form</a:t>
+            </a:r>
+          </a:p>
+          <a:p>
+            <a:pPr marL="742950" lvl="1" indent="-285750">
+              <a:buFont typeface="Arial" panose="020B0604020202020204" pitchFamily="34" charset="0"/>
+              <a:buChar char="•"/>
+            </a:pPr>
+            <a:r>
+              <a:rPr lang="en-US" dirty="0" err="1"/>
+              <a:t>HomePage</a:t>
+            </a:r>
+            <a:r>
+              <a:rPr lang="en-US" dirty="0"/>
+              <a:t>  (all)</a:t>
+            </a:r>
+          </a:p>
+          <a:p>
+            <a:pPr marL="1200150" lvl="2" indent="-285750">
+              <a:buFont typeface="Arial" panose="020B0604020202020204" pitchFamily="34" charset="0"/>
+              <a:buChar char="•"/>
+            </a:pPr>
+            <a:r>
+              <a:rPr lang="en-US" dirty="0"/>
+              <a:t>Album list</a:t>
+            </a:r>
+          </a:p>
+          <a:p>
+            <a:pPr marL="1200150" lvl="2" indent="-285750">
+              <a:buFont typeface="Arial" panose="020B0604020202020204" pitchFamily="34" charset="0"/>
+              <a:buChar char="•"/>
+            </a:pPr>
+            <a:r>
+              <a:rPr lang="en-US" dirty="0"/>
+              <a:t>Image list</a:t>
+            </a:r>
+          </a:p>
+          <a:p>
+            <a:pPr marL="1200150" lvl="2" indent="-285750">
+              <a:buFont typeface="Arial" panose="020B0604020202020204" pitchFamily="34" charset="0"/>
+              <a:buChar char="•"/>
+            </a:pPr>
+            <a:r>
+              <a:rPr lang="en-US" dirty="0"/>
+              <a:t>Image Details</a:t>
+            </a:r>
+          </a:p>
+          <a:p>
+            <a:pPr marL="1200150" lvl="2" indent="-285750">
+              <a:buFont typeface="Arial" panose="020B0604020202020204" pitchFamily="34" charset="0"/>
+              <a:buChar char="•"/>
+            </a:pPr>
+            <a:r>
+              <a:rPr lang="en-US" dirty="0"/>
+              <a:t>Comment List</a:t>
+            </a:r>
+          </a:p>
+          <a:p>
+            <a:pPr marL="1200150" lvl="2" indent="-285750">
+              <a:buFont typeface="Arial" panose="020B0604020202020204" pitchFamily="34" charset="0"/>
+              <a:buChar char="•"/>
+            </a:pPr>
+            <a:r>
+              <a:rPr lang="en-US" dirty="0"/>
+              <a:t>Comment Form </a:t>
+            </a:r>
+          </a:p>
+        </p:txBody>
+      </p:sp>
+    </p:spTree>
+    <p:extLst>
+      <p:ext uri="{BB962C8B-B14F-4D97-AF65-F5344CB8AC3E}">
+        <p14:creationId xmlns:p14="http://schemas.microsoft.com/office/powerpoint/2010/main" val="160639521"/>
+      </p:ext>
+    </p:extLst>
+  </p:cSld>
+  <p:clrMapOvr>
+    <a:masterClrMapping/>
+  </p:clrMapOvr>
+</p:sld>
+</file>
+
+<file path=ppt/slides/slide2.xml><?xml version="1.0" encoding="utf-8"?>
+<p:sld xmlns:a="http://schemas.openxmlformats.org/drawingml/2006/main" xmlns:r="http://schemas.openxmlformats.org/officeDocument/2006/relationships" xmlns:p="http://schemas.openxmlformats.org/presentationml/2006/main">
+  <p:cSld>
+    <p:spTree>
+      <p:nvGrpSpPr>
+        <p:cNvPr id="1" name=""/>
+        <p:cNvGrpSpPr/>
+        <p:nvPr/>
+      </p:nvGrpSpPr>
+      <p:grpSpPr>
+        <a:xfrm>
+          <a:off x="0" y="0"/>
+          <a:ext cx="0" cy="0"/>
+          <a:chOff x="0" y="0"/>
+          <a:chExt cx="0" cy="0"/>
+        </a:xfrm>
+      </p:grpSpPr>
+      <p:sp>
+        <p:nvSpPr>
           <p:cNvPr id="4" name="Google Shape;197;p33">
             <a:extLst>
               <a:ext uri="{FF2B5EF4-FFF2-40B4-BE49-F238E27FC236}">
@@ -4723,8 +5718,8 @@
         </p:nvSpPr>
         <p:spPr>
           <a:xfrm>
-            <a:off x="7775476" y="2433516"/>
-            <a:ext cx="1681225" cy="369200"/>
+            <a:off x="7775477" y="2433516"/>
+            <a:ext cx="1025624" cy="369200"/>
           </a:xfrm>
           <a:prstGeom prst="rect">
             <a:avLst/>
@@ -5270,7 +6265,7 @@
 </p:sld>
 </file>
 
-<file path=ppt/slides/slide2.xml><?xml version="1.0" encoding="utf-8"?>
+<file path=ppt/slides/slide3.xml><?xml version="1.0" encoding="utf-8"?>
 <p:sld xmlns:a="http://schemas.openxmlformats.org/drawingml/2006/main" xmlns:r="http://schemas.openxmlformats.org/officeDocument/2006/relationships" xmlns:p="http://schemas.openxmlformats.org/presentationml/2006/main">
   <p:cSld>
     <p:spTree>
@@ -5442,7 +6437,7 @@
         <p:spPr>
           <a:xfrm>
             <a:off x="10496105" y="5125718"/>
-            <a:ext cx="1326325" cy="654400"/>
+            <a:ext cx="1505395" cy="654400"/>
           </a:xfrm>
           <a:prstGeom prst="parallelogram">
             <a:avLst>
@@ -5479,7 +6474,7 @@
                 <a:cs typeface="Calibri"/>
                 <a:sym typeface="Calibri"/>
               </a:rPr>
-              <a:t>Create mission</a:t>
+              <a:t>Create comment</a:t>
             </a:r>
             <a:endParaRPr dirty="0">
               <a:solidFill>
@@ -5504,8 +6499,8 @@
         </p:nvCxnSpPr>
         <p:spPr>
           <a:xfrm rot="5400000">
-            <a:off x="10307435" y="5332151"/>
-            <a:ext cx="403866" cy="1299800"/>
+            <a:off x="10352203" y="5287384"/>
+            <a:ext cx="403867" cy="1389334"/>
           </a:xfrm>
           <a:prstGeom prst="bentConnector2">
             <a:avLst/>
@@ -5710,192 +6705,8 @@
         </p:nvCxnSpPr>
         <p:spPr>
           <a:xfrm flipV="1">
-            <a:off x="3542207" y="2572355"/>
-            <a:ext cx="753770" cy="30114"/>
-          </a:xfrm>
-          <a:prstGeom prst="bentConnector3">
-            <a:avLst>
-              <a:gd name="adj1" fmla="val -8779"/>
-            </a:avLst>
-          </a:prstGeom>
-          <a:noFill/>
-          <a:ln w="25400" cap="flat" cmpd="sng">
-            <a:solidFill>
-              <a:schemeClr val="accent1"/>
-            </a:solidFill>
-            <a:prstDash val="solid"/>
-            <a:round/>
-            <a:headEnd type="none" w="sm" len="sm"/>
-            <a:tailEnd type="stealth" w="med" len="med"/>
-          </a:ln>
-          <a:effectLst>
-            <a:outerShdw blurRad="40000" dist="20000" dir="5400000" rotWithShape="0">
-              <a:srgbClr val="000000">
-                <a:alpha val="37650"/>
-              </a:srgbClr>
-            </a:outerShdw>
-          </a:effectLst>
-        </p:spPr>
-      </p:cxnSp>
-      <p:sp>
-        <p:nvSpPr>
-          <p:cNvPr id="29" name="Google Shape;236;p34"/>
-          <p:cNvSpPr txBox="1"/>
-          <p:nvPr/>
-        </p:nvSpPr>
-        <p:spPr>
-          <a:xfrm>
-            <a:off x="4592235" y="1484220"/>
-            <a:ext cx="1267175" cy="455600"/>
-          </a:xfrm>
-          <a:prstGeom prst="rect">
-            <a:avLst/>
-          </a:prstGeom>
-          <a:solidFill>
-            <a:schemeClr val="lt1"/>
-          </a:solidFill>
-          <a:ln w="25400" cap="flat" cmpd="sng">
-            <a:noFill/>
-            <a:prstDash val="solid"/>
-            <a:round/>
-            <a:headEnd type="none" w="sm" len="sm"/>
-            <a:tailEnd type="none" w="sm" len="sm"/>
-          </a:ln>
-        </p:spPr>
-        <p:txBody>
-          <a:bodyPr spcFirstLastPara="1" wrap="square" lIns="107269" tIns="53620" rIns="107269" bIns="53620" anchor="t" anchorCtr="0">
-            <a:noAutofit/>
-          </a:bodyPr>
-          <a:lstStyle/>
-          <a:p>
-            <a:r>
-              <a:rPr lang="es-419" dirty="0">
-                <a:solidFill>
-                  <a:schemeClr val="dk1"/>
-                </a:solidFill>
-                <a:latin typeface="Calibri"/>
-                <a:ea typeface="Calibri"/>
-                <a:cs typeface="Calibri"/>
-                <a:sym typeface="Calibri"/>
-              </a:rPr>
-              <a:t>album.id</a:t>
-            </a:r>
-            <a:endParaRPr dirty="0">
-              <a:solidFill>
-                <a:schemeClr val="dk1"/>
-              </a:solidFill>
-              <a:latin typeface="Calibri"/>
-              <a:ea typeface="Calibri"/>
-              <a:cs typeface="Calibri"/>
-              <a:sym typeface="Calibri"/>
-            </a:endParaRPr>
-          </a:p>
-        </p:txBody>
-      </p:sp>
-      <p:cxnSp>
-        <p:nvCxnSpPr>
-          <p:cNvPr id="30" name="Google Shape;237;p34"/>
-          <p:cNvCxnSpPr>
-            <a:cxnSpLocks/>
-            <a:stCxn id="29" idx="2"/>
-            <a:endCxn id="31" idx="0"/>
-          </p:cNvCxnSpPr>
-          <p:nvPr/>
-        </p:nvCxnSpPr>
-        <p:spPr>
-          <a:xfrm flipH="1">
-            <a:off x="4961053" y="1939820"/>
-            <a:ext cx="264770" cy="266052"/>
-          </a:xfrm>
-          <a:prstGeom prst="straightConnector1">
-            <a:avLst/>
-          </a:prstGeom>
-          <a:noFill/>
-          <a:ln w="9525" cap="flat" cmpd="sng">
-            <a:solidFill>
-              <a:srgbClr val="4A7DBA"/>
-            </a:solidFill>
-            <a:prstDash val="solid"/>
-            <a:round/>
-            <a:headEnd type="none" w="sm" len="sm"/>
-            <a:tailEnd type="none" w="sm" len="sm"/>
-          </a:ln>
-        </p:spPr>
-      </p:cxnSp>
-      <p:sp>
-        <p:nvSpPr>
-          <p:cNvPr id="31" name="Google Shape;234;p34"/>
-          <p:cNvSpPr/>
-          <p:nvPr/>
-        </p:nvSpPr>
-        <p:spPr>
-          <a:xfrm>
-            <a:off x="4204356" y="2205872"/>
-            <a:ext cx="1513394" cy="732965"/>
-          </a:xfrm>
-          <a:prstGeom prst="parallelogram">
-            <a:avLst>
-              <a:gd name="adj" fmla="val 25000"/>
-            </a:avLst>
-          </a:prstGeom>
-          <a:solidFill>
-            <a:schemeClr val="lt1"/>
-          </a:solidFill>
-          <a:ln w="25400" cap="flat" cmpd="sng">
-            <a:solidFill>
-              <a:schemeClr val="accent2"/>
-            </a:solidFill>
-            <a:prstDash val="solid"/>
-            <a:round/>
-            <a:headEnd type="none" w="sm" len="sm"/>
-            <a:tailEnd type="none" w="sm" len="sm"/>
-          </a:ln>
-        </p:spPr>
-        <p:txBody>
-          <a:bodyPr spcFirstLastPara="1" wrap="square" lIns="107269" tIns="53620" rIns="107269" bIns="53620" anchor="ctr" anchorCtr="0">
-            <a:noAutofit/>
-          </a:bodyPr>
-          <a:lstStyle/>
-          <a:p>
-            <a:pPr algn="ctr"/>
-            <a:r>
-              <a:rPr lang="es-419" dirty="0">
-                <a:solidFill>
-                  <a:schemeClr val="dk1"/>
-                </a:solidFill>
-                <a:latin typeface="Calibri"/>
-                <a:ea typeface="Calibri"/>
-                <a:cs typeface="Calibri"/>
-                <a:sym typeface="Calibri"/>
-              </a:rPr>
-              <a:t>Get Album Data </a:t>
-            </a:r>
-            <a:endParaRPr dirty="0">
-              <a:solidFill>
-                <a:schemeClr val="dk1"/>
-              </a:solidFill>
-              <a:latin typeface="Calibri"/>
-              <a:ea typeface="Calibri"/>
-              <a:cs typeface="Calibri"/>
-              <a:sym typeface="Calibri"/>
-            </a:endParaRPr>
-          </a:p>
-        </p:txBody>
-      </p:sp>
-      <p:cxnSp>
-        <p:nvCxnSpPr>
-          <p:cNvPr id="32" name="Google Shape;238;p34"/>
-          <p:cNvCxnSpPr>
-            <a:cxnSpLocks/>
-            <a:stCxn id="94" idx="2"/>
-            <a:endCxn id="37" idx="1"/>
-          </p:cNvCxnSpPr>
-          <p:nvPr/>
-        </p:nvCxnSpPr>
-        <p:spPr>
-          <a:xfrm flipV="1">
-            <a:off x="5456845" y="3852409"/>
-            <a:ext cx="900340" cy="1561228"/>
+            <a:off x="3542207" y="2601120"/>
+            <a:ext cx="832529" cy="1349"/>
           </a:xfrm>
           <a:prstGeom prst="bentConnector3">
             <a:avLst>
@@ -5923,6 +6734,190 @@
       </p:cxnSp>
       <p:sp>
         <p:nvSpPr>
+          <p:cNvPr id="29" name="Google Shape;236;p34"/>
+          <p:cNvSpPr txBox="1"/>
+          <p:nvPr/>
+        </p:nvSpPr>
+        <p:spPr>
+          <a:xfrm>
+            <a:off x="4592235" y="1484220"/>
+            <a:ext cx="1267175" cy="455600"/>
+          </a:xfrm>
+          <a:prstGeom prst="rect">
+            <a:avLst/>
+          </a:prstGeom>
+          <a:solidFill>
+            <a:schemeClr val="lt1"/>
+          </a:solidFill>
+          <a:ln w="25400" cap="flat" cmpd="sng">
+            <a:noFill/>
+            <a:prstDash val="solid"/>
+            <a:round/>
+            <a:headEnd type="none" w="sm" len="sm"/>
+            <a:tailEnd type="none" w="sm" len="sm"/>
+          </a:ln>
+        </p:spPr>
+        <p:txBody>
+          <a:bodyPr spcFirstLastPara="1" wrap="square" lIns="107269" tIns="53620" rIns="107269" bIns="53620" anchor="t" anchorCtr="0">
+            <a:noAutofit/>
+          </a:bodyPr>
+          <a:lstStyle/>
+          <a:p>
+            <a:r>
+              <a:rPr lang="es-419" dirty="0">
+                <a:solidFill>
+                  <a:schemeClr val="dk1"/>
+                </a:solidFill>
+                <a:latin typeface="Calibri"/>
+                <a:ea typeface="Calibri"/>
+                <a:cs typeface="Calibri"/>
+                <a:sym typeface="Calibri"/>
+              </a:rPr>
+              <a:t>album.id</a:t>
+            </a:r>
+            <a:endParaRPr dirty="0">
+              <a:solidFill>
+                <a:schemeClr val="dk1"/>
+              </a:solidFill>
+              <a:latin typeface="Calibri"/>
+              <a:ea typeface="Calibri"/>
+              <a:cs typeface="Calibri"/>
+              <a:sym typeface="Calibri"/>
+            </a:endParaRPr>
+          </a:p>
+        </p:txBody>
+      </p:sp>
+      <p:cxnSp>
+        <p:nvCxnSpPr>
+          <p:cNvPr id="30" name="Google Shape;237;p34"/>
+          <p:cNvCxnSpPr>
+            <a:cxnSpLocks/>
+            <a:stCxn id="29" idx="2"/>
+            <a:endCxn id="31" idx="0"/>
+          </p:cNvCxnSpPr>
+          <p:nvPr/>
+        </p:nvCxnSpPr>
+        <p:spPr>
+          <a:xfrm flipH="1">
+            <a:off x="5029468" y="1939820"/>
+            <a:ext cx="196355" cy="253441"/>
+          </a:xfrm>
+          <a:prstGeom prst="straightConnector1">
+            <a:avLst/>
+          </a:prstGeom>
+          <a:noFill/>
+          <a:ln w="9525" cap="flat" cmpd="sng">
+            <a:solidFill>
+              <a:srgbClr val="4A7DBA"/>
+            </a:solidFill>
+            <a:prstDash val="solid"/>
+            <a:round/>
+            <a:headEnd type="none" w="sm" len="sm"/>
+            <a:tailEnd type="none" w="sm" len="sm"/>
+          </a:ln>
+        </p:spPr>
+      </p:cxnSp>
+      <p:sp>
+        <p:nvSpPr>
+          <p:cNvPr id="31" name="Google Shape;234;p34"/>
+          <p:cNvSpPr/>
+          <p:nvPr/>
+        </p:nvSpPr>
+        <p:spPr>
+          <a:xfrm>
+            <a:off x="4272771" y="2193261"/>
+            <a:ext cx="1513394" cy="815718"/>
+          </a:xfrm>
+          <a:prstGeom prst="parallelogram">
+            <a:avLst>
+              <a:gd name="adj" fmla="val 25000"/>
+            </a:avLst>
+          </a:prstGeom>
+          <a:solidFill>
+            <a:schemeClr val="lt1"/>
+          </a:solidFill>
+          <a:ln w="25400" cap="flat" cmpd="sng">
+            <a:solidFill>
+              <a:schemeClr val="accent2"/>
+            </a:solidFill>
+            <a:prstDash val="solid"/>
+            <a:round/>
+            <a:headEnd type="none" w="sm" len="sm"/>
+            <a:tailEnd type="none" w="sm" len="sm"/>
+          </a:ln>
+        </p:spPr>
+        <p:txBody>
+          <a:bodyPr spcFirstLastPara="1" wrap="square" lIns="107269" tIns="53620" rIns="107269" bIns="53620" anchor="ctr" anchorCtr="0">
+            <a:noAutofit/>
+          </a:bodyPr>
+          <a:lstStyle/>
+          <a:p>
+            <a:pPr algn="ctr"/>
+            <a:r>
+              <a:rPr lang="es-419" dirty="0">
+                <a:solidFill>
+                  <a:schemeClr val="dk1"/>
+                </a:solidFill>
+                <a:latin typeface="Calibri"/>
+                <a:ea typeface="Calibri"/>
+                <a:cs typeface="Calibri"/>
+                <a:sym typeface="Calibri"/>
+              </a:rPr>
+              <a:t>Get Album Images </a:t>
+            </a:r>
+            <a:endParaRPr dirty="0">
+              <a:solidFill>
+                <a:schemeClr val="dk1"/>
+              </a:solidFill>
+              <a:latin typeface="Calibri"/>
+              <a:ea typeface="Calibri"/>
+              <a:cs typeface="Calibri"/>
+              <a:sym typeface="Calibri"/>
+            </a:endParaRPr>
+          </a:p>
+        </p:txBody>
+      </p:sp>
+      <p:cxnSp>
+        <p:nvCxnSpPr>
+          <p:cNvPr id="32" name="Google Shape;238;p34"/>
+          <p:cNvCxnSpPr>
+            <a:cxnSpLocks/>
+            <a:stCxn id="94" idx="2"/>
+            <a:endCxn id="37" idx="1"/>
+          </p:cNvCxnSpPr>
+          <p:nvPr/>
+        </p:nvCxnSpPr>
+        <p:spPr>
+          <a:xfrm flipV="1">
+            <a:off x="5445842" y="3852409"/>
+            <a:ext cx="911343" cy="1605241"/>
+          </a:xfrm>
+          <a:prstGeom prst="bentConnector3">
+            <a:avLst>
+              <a:gd name="adj1" fmla="val 50000"/>
+            </a:avLst>
+          </a:prstGeom>
+          <a:noFill/>
+          <a:ln w="25400" cap="flat" cmpd="sng">
+            <a:solidFill>
+              <a:schemeClr val="accent1"/>
+            </a:solidFill>
+            <a:prstDash val="solid"/>
+            <a:round/>
+            <a:headEnd type="none" w="sm" len="sm"/>
+            <a:tailEnd type="stealth" w="med" len="med"/>
+          </a:ln>
+          <a:effectLst>
+            <a:outerShdw blurRad="40000" dist="20000" dir="5400000" rotWithShape="0">
+              <a:srgbClr val="000000">
+                <a:alpha val="37650"/>
+              </a:srgbClr>
+            </a:outerShdw>
+          </a:effectLst>
+        </p:spPr>
+      </p:cxnSp>
+      <p:sp>
+        <p:nvSpPr>
           <p:cNvPr id="33" name="Google Shape;225;p34"/>
           <p:cNvSpPr txBox="1"/>
           <p:nvPr/>
@@ -5978,7 +6973,7 @@
         </p:nvSpPr>
         <p:spPr>
           <a:xfrm>
-            <a:off x="6332468" y="4427080"/>
+            <a:off x="6357185" y="4452456"/>
             <a:ext cx="1885882" cy="905256"/>
           </a:xfrm>
           <a:prstGeom prst="roundRect">
@@ -6201,8 +7196,8 @@
         </p:nvCxnSpPr>
         <p:spPr>
           <a:xfrm flipV="1">
-            <a:off x="5456845" y="4879708"/>
-            <a:ext cx="875623" cy="533929"/>
+            <a:off x="5445842" y="4905084"/>
+            <a:ext cx="911343" cy="552566"/>
           </a:xfrm>
           <a:prstGeom prst="bentConnector3">
             <a:avLst>
@@ -6240,8 +7235,8 @@
         </p:nvCxnSpPr>
         <p:spPr>
           <a:xfrm rot="16200000" flipH="1">
-            <a:off x="5448843" y="5123045"/>
-            <a:ext cx="251269" cy="1565416"/>
+            <a:off x="5492856" y="5167059"/>
+            <a:ext cx="163242" cy="1565416"/>
           </a:xfrm>
           <a:prstGeom prst="bentConnector2">
             <a:avLst/>
@@ -6503,7 +7498,7 @@
                 <a:cs typeface="Calibri"/>
                 <a:sym typeface="Calibri"/>
               </a:rPr>
-              <a:t>[databinding: image picture(src path)]</a:t>
+              <a:t>[databinding: image]</a:t>
             </a:r>
           </a:p>
         </p:txBody>
@@ -6526,8 +7521,8 @@
         </p:nvCxnSpPr>
         <p:spPr>
           <a:xfrm flipH="1">
-            <a:off x="2497458" y="3289076"/>
-            <a:ext cx="56421" cy="1480449"/>
+            <a:off x="2543914" y="3289076"/>
+            <a:ext cx="9965" cy="1480449"/>
           </a:xfrm>
           <a:prstGeom prst="straightConnector1">
             <a:avLst/>
@@ -6566,7 +7561,7 @@
         <p:spPr>
           <a:xfrm>
             <a:off x="1579454" y="4769525"/>
-            <a:ext cx="1646899" cy="756432"/>
+            <a:ext cx="1739811" cy="756432"/>
           </a:xfrm>
           <a:prstGeom prst="parallelogram">
             <a:avLst>
@@ -6603,7 +7598,7 @@
                 <a:cs typeface="Calibri"/>
                 <a:sym typeface="Calibri"/>
               </a:rPr>
-              <a:t>Save order album</a:t>
+              <a:t>Save album order</a:t>
             </a:r>
             <a:endParaRPr dirty="0">
               <a:solidFill>
@@ -6819,9 +7814,9 @@
           <p:nvPr/>
         </p:nvCxnSpPr>
         <p:spPr>
-          <a:xfrm>
-            <a:off x="4869432" y="2938837"/>
-            <a:ext cx="15073" cy="557209"/>
+          <a:xfrm flipH="1">
+            <a:off x="4884505" y="3008979"/>
+            <a:ext cx="42998" cy="487067"/>
           </a:xfrm>
           <a:prstGeom prst="straightConnector1">
             <a:avLst/>
@@ -6914,9 +7909,9 @@
           <p:nvPr/>
         </p:nvCxnSpPr>
         <p:spPr>
-          <a:xfrm flipH="1">
-            <a:off x="4883390" y="4317038"/>
-            <a:ext cx="1115" cy="730116"/>
+          <a:xfrm>
+            <a:off x="4884505" y="4317038"/>
+            <a:ext cx="9888" cy="730116"/>
           </a:xfrm>
           <a:prstGeom prst="straightConnector1">
             <a:avLst/>
@@ -6955,7 +7950,7 @@
         <p:spPr>
           <a:xfrm>
             <a:off x="4035072" y="5047154"/>
-            <a:ext cx="1513394" cy="732965"/>
+            <a:ext cx="1513394" cy="820992"/>
           </a:xfrm>
           <a:prstGeom prst="parallelogram">
             <a:avLst>
@@ -6992,7 +7987,7 @@
                 <a:cs typeface="Calibri"/>
                 <a:sym typeface="Calibri"/>
               </a:rPr>
-              <a:t>Get Album Data </a:t>
+              <a:t>Get Image Data </a:t>
             </a:r>
             <a:endParaRPr dirty="0">
               <a:solidFill>
@@ -7058,6 +8053,330 @@
           </a:p>
         </p:txBody>
       </p:sp>
+      <p:sp>
+        <p:nvSpPr>
+          <p:cNvPr id="40" name="Google Shape;225;p34">
+            <a:extLst>
+              <a:ext uri="{FF2B5EF4-FFF2-40B4-BE49-F238E27FC236}">
+                <a16:creationId xmlns:a16="http://schemas.microsoft.com/office/drawing/2014/main" id="{E9ED3C22-FDFF-4B0E-941E-D21430C78155}"/>
+              </a:ext>
+            </a:extLst>
+          </p:cNvPr>
+          <p:cNvSpPr txBox="1"/>
+          <p:nvPr/>
+        </p:nvSpPr>
+        <p:spPr>
+          <a:xfrm>
+            <a:off x="2605390" y="3180909"/>
+            <a:ext cx="901550" cy="675749"/>
+          </a:xfrm>
+          <a:prstGeom prst="rect">
+            <a:avLst/>
+          </a:prstGeom>
+          <a:noFill/>
+          <a:ln>
+            <a:noFill/>
+          </a:ln>
+        </p:spPr>
+        <p:txBody>
+          <a:bodyPr spcFirstLastPara="1" wrap="square" lIns="107269" tIns="53620" rIns="107269" bIns="53620" anchor="t" anchorCtr="0">
+            <a:noAutofit/>
+          </a:bodyPr>
+          <a:lstStyle/>
+          <a:p>
+            <a:r>
+              <a:rPr lang="es-419" dirty="0">
+                <a:solidFill>
+                  <a:schemeClr val="dk1"/>
+                </a:solidFill>
+                <a:latin typeface="Calibri"/>
+                <a:ea typeface="Calibri"/>
+                <a:cs typeface="Calibri"/>
+                <a:sym typeface="Calibri"/>
+              </a:rPr>
+              <a:t>Save order</a:t>
+            </a:r>
+            <a:endParaRPr dirty="0">
+              <a:solidFill>
+                <a:schemeClr val="dk1"/>
+              </a:solidFill>
+              <a:latin typeface="Calibri"/>
+              <a:ea typeface="Calibri"/>
+              <a:cs typeface="Calibri"/>
+              <a:sym typeface="Calibri"/>
+            </a:endParaRPr>
+          </a:p>
+        </p:txBody>
+      </p:sp>
+      <p:sp>
+        <p:nvSpPr>
+          <p:cNvPr id="42" name="Google Shape;225;p34">
+            <a:extLst>
+              <a:ext uri="{FF2B5EF4-FFF2-40B4-BE49-F238E27FC236}">
+                <a16:creationId xmlns:a16="http://schemas.microsoft.com/office/drawing/2014/main" id="{0B908C3F-C057-4F8B-B2D5-6B7C9DCDDEE2}"/>
+              </a:ext>
+            </a:extLst>
+          </p:cNvPr>
+          <p:cNvSpPr txBox="1"/>
+          <p:nvPr/>
+        </p:nvSpPr>
+        <p:spPr>
+          <a:xfrm>
+            <a:off x="4830733" y="4325738"/>
+            <a:ext cx="901550" cy="369200"/>
+          </a:xfrm>
+          <a:prstGeom prst="rect">
+            <a:avLst/>
+          </a:prstGeom>
+          <a:noFill/>
+          <a:ln>
+            <a:noFill/>
+          </a:ln>
+        </p:spPr>
+        <p:txBody>
+          <a:bodyPr spcFirstLastPara="1" wrap="square" lIns="107269" tIns="53620" rIns="107269" bIns="53620" anchor="t" anchorCtr="0">
+            <a:noAutofit/>
+          </a:bodyPr>
+          <a:lstStyle/>
+          <a:p>
+            <a:r>
+              <a:rPr lang="es-419" dirty="0">
+                <a:solidFill>
+                  <a:schemeClr val="dk1"/>
+                </a:solidFill>
+                <a:latin typeface="Calibri"/>
+                <a:ea typeface="Calibri"/>
+                <a:cs typeface="Calibri"/>
+                <a:sym typeface="Calibri"/>
+              </a:rPr>
+              <a:t>select</a:t>
+            </a:r>
+            <a:endParaRPr dirty="0">
+              <a:solidFill>
+                <a:schemeClr val="dk1"/>
+              </a:solidFill>
+              <a:latin typeface="Calibri"/>
+              <a:ea typeface="Calibri"/>
+              <a:cs typeface="Calibri"/>
+              <a:sym typeface="Calibri"/>
+            </a:endParaRPr>
+          </a:p>
+        </p:txBody>
+      </p:sp>
+      <p:sp>
+        <p:nvSpPr>
+          <p:cNvPr id="2" name="Google Shape;232;p34">
+            <a:extLst>
+              <a:ext uri="{FF2B5EF4-FFF2-40B4-BE49-F238E27FC236}">
+                <a16:creationId xmlns:a16="http://schemas.microsoft.com/office/drawing/2014/main" id="{C6A33A15-F65B-44E3-ABC9-977C4E8AD55D}"/>
+              </a:ext>
+            </a:extLst>
+          </p:cNvPr>
+          <p:cNvSpPr/>
+          <p:nvPr/>
+        </p:nvSpPr>
+        <p:spPr>
+          <a:xfrm>
+            <a:off x="5056610" y="3361195"/>
+            <a:ext cx="312000" cy="288000"/>
+          </a:xfrm>
+          <a:prstGeom prst="ellipse">
+            <a:avLst/>
+          </a:prstGeom>
+          <a:solidFill>
+            <a:schemeClr val="accent1"/>
+          </a:solidFill>
+          <a:ln w="25400" cap="flat" cmpd="sng">
+            <a:solidFill>
+              <a:srgbClr val="395E89"/>
+            </a:solidFill>
+            <a:prstDash val="solid"/>
+            <a:round/>
+            <a:headEnd type="none" w="sm" len="sm"/>
+            <a:tailEnd type="none" w="sm" len="sm"/>
+          </a:ln>
+        </p:spPr>
+        <p:txBody>
+          <a:bodyPr spcFirstLastPara="1" wrap="square" lIns="107269" tIns="53620" rIns="107269" bIns="53620" anchor="ctr" anchorCtr="0">
+            <a:noAutofit/>
+          </a:bodyPr>
+          <a:lstStyle/>
+          <a:p>
+            <a:pPr algn="ctr"/>
+            <a:endParaRPr sz="2100" dirty="0">
+              <a:solidFill>
+                <a:schemeClr val="lt1"/>
+              </a:solidFill>
+              <a:latin typeface="Calibri"/>
+              <a:ea typeface="Calibri"/>
+              <a:cs typeface="Calibri"/>
+              <a:sym typeface="Calibri"/>
+            </a:endParaRPr>
+          </a:p>
+        </p:txBody>
+      </p:sp>
+      <p:sp>
+        <p:nvSpPr>
+          <p:cNvPr id="3" name="Google Shape;232;p34">
+            <a:extLst>
+              <a:ext uri="{FF2B5EF4-FFF2-40B4-BE49-F238E27FC236}">
+                <a16:creationId xmlns:a16="http://schemas.microsoft.com/office/drawing/2014/main" id="{5F5BFA89-2C07-433F-B0D5-4B0577D15A62}"/>
+              </a:ext>
+            </a:extLst>
+          </p:cNvPr>
+          <p:cNvSpPr/>
+          <p:nvPr/>
+        </p:nvSpPr>
+        <p:spPr>
+          <a:xfrm>
+            <a:off x="5529613" y="3383700"/>
+            <a:ext cx="312000" cy="288000"/>
+          </a:xfrm>
+          <a:prstGeom prst="ellipse">
+            <a:avLst/>
+          </a:prstGeom>
+          <a:solidFill>
+            <a:schemeClr val="accent1"/>
+          </a:solidFill>
+          <a:ln w="25400" cap="flat" cmpd="sng">
+            <a:solidFill>
+              <a:srgbClr val="395E89"/>
+            </a:solidFill>
+            <a:prstDash val="solid"/>
+            <a:round/>
+            <a:headEnd type="none" w="sm" len="sm"/>
+            <a:tailEnd type="none" w="sm" len="sm"/>
+          </a:ln>
+        </p:spPr>
+        <p:txBody>
+          <a:bodyPr spcFirstLastPara="1" wrap="square" lIns="107269" tIns="53620" rIns="107269" bIns="53620" anchor="ctr" anchorCtr="0">
+            <a:noAutofit/>
+          </a:bodyPr>
+          <a:lstStyle/>
+          <a:p>
+            <a:pPr algn="ctr"/>
+            <a:endParaRPr sz="2100" dirty="0">
+              <a:solidFill>
+                <a:schemeClr val="lt1"/>
+              </a:solidFill>
+              <a:latin typeface="Calibri"/>
+              <a:ea typeface="Calibri"/>
+              <a:cs typeface="Calibri"/>
+              <a:sym typeface="Calibri"/>
+            </a:endParaRPr>
+          </a:p>
+        </p:txBody>
+      </p:sp>
+      <p:sp>
+        <p:nvSpPr>
+          <p:cNvPr id="4" name="Google Shape;225;p34">
+            <a:extLst>
+              <a:ext uri="{FF2B5EF4-FFF2-40B4-BE49-F238E27FC236}">
+                <a16:creationId xmlns:a16="http://schemas.microsoft.com/office/drawing/2014/main" id="{66B2BF12-F686-4430-B869-8394A84F3327}"/>
+              </a:ext>
+            </a:extLst>
+          </p:cNvPr>
+          <p:cNvSpPr txBox="1"/>
+          <p:nvPr/>
+        </p:nvSpPr>
+        <p:spPr>
+          <a:xfrm>
+            <a:off x="4830733" y="3013719"/>
+            <a:ext cx="901550" cy="369200"/>
+          </a:xfrm>
+          <a:prstGeom prst="rect">
+            <a:avLst/>
+          </a:prstGeom>
+          <a:noFill/>
+          <a:ln>
+            <a:noFill/>
+          </a:ln>
+        </p:spPr>
+        <p:txBody>
+          <a:bodyPr spcFirstLastPara="1" wrap="square" lIns="107269" tIns="53620" rIns="107269" bIns="53620" anchor="t" anchorCtr="0">
+            <a:noAutofit/>
+          </a:bodyPr>
+          <a:lstStyle/>
+          <a:p>
+            <a:r>
+              <a:rPr lang="it-IT" dirty="0">
+                <a:solidFill>
+                  <a:schemeClr val="dk1"/>
+                </a:solidFill>
+                <a:latin typeface="Calibri"/>
+                <a:ea typeface="Calibri"/>
+                <a:cs typeface="Calibri"/>
+                <a:sym typeface="Calibri"/>
+              </a:rPr>
+              <a:t>next</a:t>
+            </a:r>
+            <a:endParaRPr dirty="0">
+              <a:solidFill>
+                <a:schemeClr val="dk1"/>
+              </a:solidFill>
+              <a:latin typeface="Calibri"/>
+              <a:ea typeface="Calibri"/>
+              <a:cs typeface="Calibri"/>
+              <a:sym typeface="Calibri"/>
+            </a:endParaRPr>
+          </a:p>
+        </p:txBody>
+      </p:sp>
+      <p:sp>
+        <p:nvSpPr>
+          <p:cNvPr id="5" name="Google Shape;225;p34">
+            <a:extLst>
+              <a:ext uri="{FF2B5EF4-FFF2-40B4-BE49-F238E27FC236}">
+                <a16:creationId xmlns:a16="http://schemas.microsoft.com/office/drawing/2014/main" id="{6242DB1D-8067-4B30-9382-C6F17DEDD936}"/>
+              </a:ext>
+            </a:extLst>
+          </p:cNvPr>
+          <p:cNvSpPr txBox="1"/>
+          <p:nvPr/>
+        </p:nvSpPr>
+        <p:spPr>
+          <a:xfrm>
+            <a:off x="5466614" y="3057931"/>
+            <a:ext cx="1143521" cy="369200"/>
+          </a:xfrm>
+          <a:prstGeom prst="rect">
+            <a:avLst/>
+          </a:prstGeom>
+          <a:noFill/>
+          <a:ln>
+            <a:noFill/>
+          </a:ln>
+        </p:spPr>
+        <p:txBody>
+          <a:bodyPr spcFirstLastPara="1" wrap="square" lIns="107269" tIns="53620" rIns="107269" bIns="53620" anchor="t" anchorCtr="0">
+            <a:noAutofit/>
+          </a:bodyPr>
+          <a:lstStyle/>
+          <a:p>
+            <a:r>
+              <a:rPr lang="es-419" dirty="0">
+                <a:solidFill>
+                  <a:schemeClr val="dk1"/>
+                </a:solidFill>
+                <a:latin typeface="Calibri"/>
+                <a:ea typeface="Calibri"/>
+                <a:cs typeface="Calibri"/>
+                <a:sym typeface="Calibri"/>
+              </a:rPr>
+              <a:t>previous</a:t>
+            </a:r>
+            <a:endParaRPr dirty="0">
+              <a:solidFill>
+                <a:schemeClr val="dk1"/>
+              </a:solidFill>
+              <a:latin typeface="Calibri"/>
+              <a:ea typeface="Calibri"/>
+              <a:cs typeface="Calibri"/>
+              <a:sym typeface="Calibri"/>
+            </a:endParaRPr>
+          </a:p>
+        </p:txBody>
+      </p:sp>
     </p:spTree>
   </p:cSld>
   <p:clrMapOvr>
@@ -7066,7 +8385,394 @@
 </p:sld>
 </file>
 
-<file path=ppt/slides/slide3.xml><?xml version="1.0" encoding="utf-8"?>
+<file path=ppt/slides/slide4.xml><?xml version="1.0" encoding="utf-8"?>
+<p:sld xmlns:a="http://schemas.openxmlformats.org/drawingml/2006/main" xmlns:r="http://schemas.openxmlformats.org/officeDocument/2006/relationships" xmlns:p="http://schemas.openxmlformats.org/presentationml/2006/main">
+  <p:cSld>
+    <p:spTree>
+      <p:nvGrpSpPr>
+        <p:cNvPr id="1" name=""/>
+        <p:cNvGrpSpPr/>
+        <p:nvPr/>
+      </p:nvGrpSpPr>
+      <p:grpSpPr>
+        <a:xfrm>
+          <a:off x="0" y="0"/>
+          <a:ext cx="0" cy="0"/>
+          <a:chOff x="0" y="0"/>
+          <a:chExt cx="0" cy="0"/>
+        </a:xfrm>
+      </p:grpSpPr>
+      <p:sp>
+        <p:nvSpPr>
+          <p:cNvPr id="2" name="Title 1"/>
+          <p:cNvSpPr>
+            <a:spLocks noGrp="1"/>
+          </p:cNvSpPr>
+          <p:nvPr>
+            <p:ph type="title"/>
+          </p:nvPr>
+        </p:nvSpPr>
+        <p:spPr>
+          <a:xfrm>
+            <a:off x="0" y="0"/>
+            <a:ext cx="12192000" cy="695325"/>
+          </a:xfrm>
+        </p:spPr>
+        <p:txBody>
+          <a:bodyPr/>
+          <a:lstStyle/>
+          <a:p>
+            <a:pPr algn="ctr"/>
+            <a:r>
+              <a:rPr lang="en-US" dirty="0"/>
+              <a:t>Client side: view &amp; view component</a:t>
+            </a:r>
+          </a:p>
+        </p:txBody>
+      </p:sp>
+      <p:sp>
+        <p:nvSpPr>
+          <p:cNvPr id="4" name="Text Placeholder 3"/>
+          <p:cNvSpPr>
+            <a:spLocks noGrp="1"/>
+          </p:cNvSpPr>
+          <p:nvPr>
+            <p:ph type="body" idx="2"/>
+          </p:nvPr>
+        </p:nvSpPr>
+        <p:spPr>
+          <a:xfrm>
+            <a:off x="492452" y="2264985"/>
+            <a:ext cx="6439293" cy="4341044"/>
+          </a:xfrm>
+        </p:spPr>
+        <p:txBody>
+          <a:bodyPr>
+            <a:noAutofit/>
+          </a:bodyPr>
+          <a:lstStyle/>
+          <a:p>
+            <a:r>
+              <a:rPr lang="it-IT" sz="1800" dirty="0"/>
+              <a:t>Home</a:t>
+            </a:r>
+          </a:p>
+          <a:p>
+            <a:pPr lvl="1"/>
+            <a:r>
+              <a:rPr lang="it-IT" sz="1400" dirty="0" err="1"/>
+              <a:t>AlbumsList</a:t>
+            </a:r>
+            <a:endParaRPr lang="it-IT" sz="1400" dirty="0"/>
+          </a:p>
+          <a:p>
+            <a:pPr lvl="2"/>
+            <a:r>
+              <a:rPr lang="it-IT" sz="1200" dirty="0"/>
+              <a:t>show(): richiede al server i dati dell'elenco </a:t>
+            </a:r>
+            <a:r>
+              <a:rPr lang="it-IT" sz="1200" dirty="0" err="1"/>
+              <a:t>albums</a:t>
+            </a:r>
+            <a:endParaRPr lang="it-IT" sz="1200" dirty="0"/>
+          </a:p>
+          <a:p>
+            <a:pPr lvl="2"/>
+            <a:r>
+              <a:rPr lang="it-IT" sz="1200" dirty="0"/>
+              <a:t>update(): riceve dati server e aggiorna la lista</a:t>
+            </a:r>
+          </a:p>
+          <a:p>
+            <a:pPr lvl="2"/>
+            <a:r>
+              <a:rPr lang="it-IT" sz="1200" dirty="0" err="1"/>
+              <a:t>autoclick</a:t>
+            </a:r>
+            <a:r>
+              <a:rPr lang="it-IT" sz="1200" dirty="0"/>
+              <a:t>(): seleziona un elemento della lista per mostrare in automatico i dettagli</a:t>
+            </a:r>
+          </a:p>
+          <a:p>
+            <a:pPr lvl="1"/>
+            <a:r>
+              <a:rPr lang="it-IT" sz="1400" dirty="0" err="1"/>
+              <a:t>AlbumDetail</a:t>
+            </a:r>
+            <a:r>
+              <a:rPr lang="it-IT" sz="1400" dirty="0"/>
+              <a:t>(gestisce la lista delle immagini di un album)</a:t>
+            </a:r>
+          </a:p>
+          <a:p>
+            <a:pPr lvl="2"/>
+            <a:r>
+              <a:rPr lang="it-IT" sz="1200" dirty="0" err="1"/>
+              <a:t>registerEvents</a:t>
+            </a:r>
+            <a:r>
+              <a:rPr lang="it-IT" sz="1200" dirty="0"/>
+              <a:t>(): associa al componente le funzioni per gestirne gli eventi</a:t>
+            </a:r>
+          </a:p>
+          <a:p>
+            <a:pPr lvl="2"/>
+            <a:r>
+              <a:rPr lang="it-IT" sz="1200" dirty="0"/>
+              <a:t>show(): richiede al server i  dettagli dell’album(immagini presenti nell’album)</a:t>
+            </a:r>
+          </a:p>
+          <a:p>
+            <a:pPr lvl="2"/>
+            <a:r>
+              <a:rPr lang="it-IT" sz="1200" dirty="0"/>
+              <a:t>update(): riceve dati server e aggiorna  dettagli</a:t>
+            </a:r>
+          </a:p>
+          <a:p>
+            <a:pPr lvl="2"/>
+            <a:r>
+              <a:rPr lang="it-IT" sz="1200" dirty="0"/>
+              <a:t>reset(): imposta le condizioni di iniziali visibilità dei vari sotto-componenti </a:t>
+            </a:r>
+          </a:p>
+          <a:p>
+            <a:pPr lvl="2"/>
+            <a:r>
+              <a:rPr lang="it-IT" sz="1200" dirty="0" err="1"/>
+              <a:t>changeStep</a:t>
+            </a:r>
+            <a:r>
+              <a:rPr lang="it-IT" sz="1200" dirty="0"/>
+              <a:t>(): cambia il blocco di cinque immagini visualizzato</a:t>
+            </a:r>
+          </a:p>
+          <a:p>
+            <a:pPr marL="742950" lvl="1" indent="-285750">
+              <a:buFont typeface="Arial" panose="020B0604020202020204" pitchFamily="34" charset="0"/>
+              <a:buChar char="•"/>
+            </a:pPr>
+            <a:r>
+              <a:rPr lang="it-IT" sz="1400" dirty="0" err="1"/>
+              <a:t>ImageDetail</a:t>
+            </a:r>
+            <a:endParaRPr lang="it-IT" sz="1400" dirty="0"/>
+          </a:p>
+          <a:p>
+            <a:pPr marL="1085850" lvl="2" indent="-171450">
+              <a:buFont typeface="Arial" panose="020B0604020202020204" pitchFamily="34" charset="0"/>
+              <a:buChar char="•"/>
+            </a:pPr>
+            <a:r>
+              <a:rPr lang="it-IT" sz="1200" dirty="0" err="1"/>
+              <a:t>registerEvents</a:t>
+            </a:r>
+            <a:r>
+              <a:rPr lang="it-IT" sz="1200" dirty="0"/>
+              <a:t>(): associa al componente le funzioni per gestirne gli eventi</a:t>
+            </a:r>
+          </a:p>
+          <a:p>
+            <a:pPr marL="1085850" lvl="2" indent="-171450">
+              <a:buFont typeface="Arial" panose="020B0604020202020204" pitchFamily="34" charset="0"/>
+              <a:buChar char="•"/>
+            </a:pPr>
+            <a:r>
+              <a:rPr lang="it-IT" sz="1200" dirty="0"/>
+              <a:t>show(): richiede al server i  dettagli dell’immagine (picture e commenti)</a:t>
+            </a:r>
+          </a:p>
+          <a:p>
+            <a:pPr marL="1085850" lvl="2" indent="-171450">
+              <a:buFont typeface="Arial" panose="020B0604020202020204" pitchFamily="34" charset="0"/>
+              <a:buChar char="•"/>
+            </a:pPr>
+            <a:r>
+              <a:rPr lang="it-IT" sz="1200" dirty="0"/>
+              <a:t>update(): riceve dati server e aggiorna  dettagli</a:t>
+            </a:r>
+          </a:p>
+          <a:p>
+            <a:pPr marL="1085850" lvl="2" indent="-171450">
+              <a:buFont typeface="Arial" panose="020B0604020202020204" pitchFamily="34" charset="0"/>
+              <a:buChar char="•"/>
+            </a:pPr>
+            <a:r>
+              <a:rPr lang="it-IT" sz="1200" dirty="0"/>
+              <a:t>reset(): imposta le condizioni di iniziali visibilità dei vari sotto-componenti </a:t>
+            </a:r>
+          </a:p>
+          <a:p>
+            <a:pPr marL="914400" lvl="2" indent="0">
+              <a:buNone/>
+            </a:pPr>
+            <a:endParaRPr lang="it-IT" sz="1200" dirty="0"/>
+          </a:p>
+        </p:txBody>
+      </p:sp>
+      <p:sp>
+        <p:nvSpPr>
+          <p:cNvPr id="5" name="CasellaDiTesto 4">
+            <a:extLst>
+              <a:ext uri="{FF2B5EF4-FFF2-40B4-BE49-F238E27FC236}">
+                <a16:creationId xmlns:a16="http://schemas.microsoft.com/office/drawing/2014/main" id="{A2D38ACF-5C1F-4E09-9506-269FD5246F4D}"/>
+              </a:ext>
+            </a:extLst>
+          </p:cNvPr>
+          <p:cNvSpPr txBox="1"/>
+          <p:nvPr/>
+        </p:nvSpPr>
+        <p:spPr>
+          <a:xfrm>
+            <a:off x="492452" y="695325"/>
+            <a:ext cx="6439293" cy="1569660"/>
+          </a:xfrm>
+          <a:prstGeom prst="rect">
+            <a:avLst/>
+          </a:prstGeom>
+          <a:noFill/>
+        </p:spPr>
+        <p:txBody>
+          <a:bodyPr wrap="square" rtlCol="0">
+            <a:spAutoFit/>
+          </a:bodyPr>
+          <a:lstStyle/>
+          <a:p>
+            <a:r>
+              <a:rPr lang="it-IT" sz="1800" dirty="0"/>
+              <a:t>Index</a:t>
+            </a:r>
+          </a:p>
+          <a:p>
+            <a:pPr marL="742950" lvl="1" indent="-285750">
+              <a:buFont typeface="Arial" panose="020B0604020202020204" pitchFamily="34" charset="0"/>
+              <a:buChar char="•"/>
+            </a:pPr>
+            <a:r>
+              <a:rPr lang="it-IT" sz="1400" dirty="0"/>
+              <a:t>Login </a:t>
+            </a:r>
+            <a:r>
+              <a:rPr lang="it-IT" sz="1400" dirty="0" err="1"/>
+              <a:t>form</a:t>
+            </a:r>
+            <a:endParaRPr lang="it-IT" sz="1400" dirty="0"/>
+          </a:p>
+          <a:p>
+            <a:pPr marL="1085850" lvl="2" indent="-171450">
+              <a:buFont typeface="Arial" panose="020B0604020202020204" pitchFamily="34" charset="0"/>
+              <a:buChar char="•"/>
+            </a:pPr>
+            <a:r>
+              <a:rPr lang="it-IT" sz="1200" dirty="0"/>
+              <a:t>Gestione del submit ed errori</a:t>
+            </a:r>
+          </a:p>
+          <a:p>
+            <a:pPr marL="742950" lvl="1" indent="-285750">
+              <a:buFont typeface="Arial" panose="020B0604020202020204" pitchFamily="34" charset="0"/>
+              <a:buChar char="•"/>
+            </a:pPr>
+            <a:r>
+              <a:rPr lang="it-IT" sz="1400" dirty="0" err="1"/>
+              <a:t>Registration</a:t>
+            </a:r>
+            <a:r>
+              <a:rPr lang="it-IT" sz="1400" dirty="0"/>
+              <a:t> </a:t>
+            </a:r>
+            <a:r>
+              <a:rPr lang="it-IT" sz="1400" dirty="0" err="1"/>
+              <a:t>form</a:t>
+            </a:r>
+            <a:endParaRPr lang="it-IT" sz="1400" dirty="0"/>
+          </a:p>
+          <a:p>
+            <a:pPr marL="1085850" lvl="2" indent="-171450">
+              <a:buFont typeface="Arial" panose="020B0604020202020204" pitchFamily="34" charset="0"/>
+              <a:buChar char="•"/>
+            </a:pPr>
+            <a:r>
+              <a:rPr lang="it-IT" sz="1200" dirty="0"/>
+              <a:t>Gestione del submit ed errori</a:t>
+            </a:r>
+          </a:p>
+          <a:p>
+            <a:pPr marL="742950" lvl="1" indent="-285750">
+              <a:buFont typeface="Arial" panose="020B0604020202020204" pitchFamily="34" charset="0"/>
+              <a:buChar char="•"/>
+            </a:pPr>
+            <a:r>
+              <a:rPr lang="it-IT" sz="1400" dirty="0"/>
+              <a:t>Guest access</a:t>
+            </a:r>
+          </a:p>
+          <a:p>
+            <a:pPr marL="1085850" lvl="2" indent="-171450">
+              <a:buFont typeface="Arial" panose="020B0604020202020204" pitchFamily="34" charset="0"/>
+              <a:buChar char="•"/>
+            </a:pPr>
+            <a:r>
+              <a:rPr lang="it-IT" sz="1200" dirty="0"/>
+              <a:t>Accesso alla homepage</a:t>
+            </a:r>
+          </a:p>
+        </p:txBody>
+      </p:sp>
+      <p:sp>
+        <p:nvSpPr>
+          <p:cNvPr id="6" name="CasellaDiTesto 5">
+            <a:extLst>
+              <a:ext uri="{FF2B5EF4-FFF2-40B4-BE49-F238E27FC236}">
+                <a16:creationId xmlns:a16="http://schemas.microsoft.com/office/drawing/2014/main" id="{233FFC1C-D50F-4F3A-B9CE-27C582A9FBEA}"/>
+              </a:ext>
+            </a:extLst>
+          </p:cNvPr>
+          <p:cNvSpPr txBox="1"/>
+          <p:nvPr/>
+        </p:nvSpPr>
+        <p:spPr>
+          <a:xfrm>
+            <a:off x="6762947" y="3091992"/>
+            <a:ext cx="5231876" cy="553998"/>
+          </a:xfrm>
+          <a:prstGeom prst="rect">
+            <a:avLst/>
+          </a:prstGeom>
+          <a:noFill/>
+        </p:spPr>
+        <p:txBody>
+          <a:bodyPr wrap="square" rtlCol="0">
+            <a:spAutoFit/>
+          </a:bodyPr>
+          <a:lstStyle/>
+          <a:p>
+            <a:pPr marL="914400" lvl="2" indent="0">
+              <a:buNone/>
+            </a:pPr>
+            <a:endParaRPr lang="it-IT" sz="1200" dirty="0"/>
+          </a:p>
+          <a:p>
+            <a:endParaRPr lang="it-IT" dirty="0"/>
+          </a:p>
+        </p:txBody>
+      </p:sp>
+    </p:spTree>
+    <p:extLst>
+      <p:ext uri="{BB962C8B-B14F-4D97-AF65-F5344CB8AC3E}">
+        <p14:creationId xmlns:p14="http://schemas.microsoft.com/office/powerpoint/2010/main" val="471237171"/>
+      </p:ext>
+    </p:extLst>
+  </p:cSld>
+  <p:clrMapOvr>
+    <a:masterClrMapping/>
+  </p:clrMapOvr>
+</p:sld>
+</file>
+
+<file path=ppt/slides/slide5.xml><?xml version="1.0" encoding="utf-8"?>
 <p:sld xmlns:a="http://schemas.openxmlformats.org/drawingml/2006/main" xmlns:r="http://schemas.openxmlformats.org/officeDocument/2006/relationships" xmlns:p="http://schemas.openxmlformats.org/presentationml/2006/main">
   <p:cSld>
     <p:spTree>
@@ -7098,14 +8804,14 @@
           <p:nvPr>
             <p:extLst>
               <p:ext uri="{D42A27DB-BD31-4B8C-83A1-F6EECF244321}">
-                <p14:modId xmlns:p14="http://schemas.microsoft.com/office/powerpoint/2010/main" val="1305555426"/>
+                <p14:modId xmlns:p14="http://schemas.microsoft.com/office/powerpoint/2010/main" val="4175201611"/>
               </p:ext>
             </p:extLst>
           </p:nvPr>
         </p:nvGraphicFramePr>
         <p:xfrm>
           <a:off x="0" y="-31330"/>
-          <a:ext cx="12094590" cy="6920660"/>
+          <a:ext cx="12192000" cy="6920660"/>
         </p:xfrm>
         <a:graphic>
           <a:graphicData uri="http://schemas.openxmlformats.org/drawingml/2006/table">
@@ -7114,28 +8820,28 @@
                 <a:tableStyleId>{5C22544A-7EE6-4342-B048-85BDC9FD1C3A}</a:tableStyleId>
               </a:tblPr>
               <a:tblGrid>
-                <a:gridCol w="2987331">
+                <a:gridCol w="3011391">
                   <a:extLst>
                     <a:ext uri="{9D8B030D-6E8A-4147-A177-3AD203B41FA5}">
                       <a16:colId xmlns:a16="http://schemas.microsoft.com/office/drawing/2014/main" val="20000"/>
                     </a:ext>
                   </a:extLst>
                 </a:gridCol>
-                <a:gridCol w="3760841">
+                <a:gridCol w="3791131">
                   <a:extLst>
                     <a:ext uri="{9D8B030D-6E8A-4147-A177-3AD203B41FA5}">
                       <a16:colId xmlns:a16="http://schemas.microsoft.com/office/drawing/2014/main" val="20001"/>
                     </a:ext>
                   </a:extLst>
                 </a:gridCol>
-                <a:gridCol w="2365377">
+                <a:gridCol w="2384428">
                   <a:extLst>
                     <a:ext uri="{9D8B030D-6E8A-4147-A177-3AD203B41FA5}">
                       <a16:colId xmlns:a16="http://schemas.microsoft.com/office/drawing/2014/main" val="20002"/>
                     </a:ext>
                   </a:extLst>
                 </a:gridCol>
-                <a:gridCol w="2981041">
+                <a:gridCol w="3005050">
                   <a:extLst>
                     <a:ext uri="{9D8B030D-6E8A-4147-A177-3AD203B41FA5}">
                       <a16:colId xmlns:a16="http://schemas.microsoft.com/office/drawing/2014/main" val="20003"/>
@@ -8550,7 +10256,7 @@
 </p:sld>
 </file>
 
-<file path=ppt/slides/slide4.xml><?xml version="1.0" encoding="utf-8"?>
+<file path=ppt/slides/slide6.xml><?xml version="1.0" encoding="utf-8"?>
 <p:sld xmlns:a="http://schemas.openxmlformats.org/drawingml/2006/main" xmlns:r="http://schemas.openxmlformats.org/officeDocument/2006/relationships" xmlns:p="http://schemas.openxmlformats.org/presentationml/2006/main">
   <p:cSld>
     <p:spTree>
@@ -8582,14 +10288,14 @@
           <p:nvPr>
             <p:extLst>
               <p:ext uri="{D42A27DB-BD31-4B8C-83A1-F6EECF244321}">
-                <p14:modId xmlns:p14="http://schemas.microsoft.com/office/powerpoint/2010/main" val="3971265616"/>
+                <p14:modId xmlns:p14="http://schemas.microsoft.com/office/powerpoint/2010/main" val="2217533753"/>
               </p:ext>
             </p:extLst>
           </p:nvPr>
         </p:nvGraphicFramePr>
         <p:xfrm>
-          <a:off x="293802" y="101563"/>
-          <a:ext cx="11604395" cy="6654874"/>
+          <a:off x="0" y="-2"/>
+          <a:ext cx="12192000" cy="6857999"/>
         </p:xfrm>
         <a:graphic>
           <a:graphicData uri="http://schemas.openxmlformats.org/drawingml/2006/table">
@@ -8598,28 +10304,28 @@
                 <a:tableStyleId>{5C22544A-7EE6-4342-B048-85BDC9FD1C3A}</a:tableStyleId>
               </a:tblPr>
               <a:tblGrid>
-                <a:gridCol w="2866255">
+                <a:gridCol w="3011392">
                   <a:extLst>
                     <a:ext uri="{9D8B030D-6E8A-4147-A177-3AD203B41FA5}">
                       <a16:colId xmlns:a16="http://schemas.microsoft.com/office/drawing/2014/main" val="20000"/>
                     </a:ext>
                   </a:extLst>
                 </a:gridCol>
-                <a:gridCol w="3608413">
+                <a:gridCol w="3791130">
                   <a:extLst>
                     <a:ext uri="{9D8B030D-6E8A-4147-A177-3AD203B41FA5}">
                       <a16:colId xmlns:a16="http://schemas.microsoft.com/office/drawing/2014/main" val="20001"/>
                     </a:ext>
                   </a:extLst>
                 </a:gridCol>
-                <a:gridCol w="2269508">
+                <a:gridCol w="2384428">
                   <a:extLst>
                     <a:ext uri="{9D8B030D-6E8A-4147-A177-3AD203B41FA5}">
                       <a16:colId xmlns:a16="http://schemas.microsoft.com/office/drawing/2014/main" val="20002"/>
                     </a:ext>
                   </a:extLst>
                 </a:gridCol>
-                <a:gridCol w="2860219">
+                <a:gridCol w="3005050">
                   <a:extLst>
                     <a:ext uri="{9D8B030D-6E8A-4147-A177-3AD203B41FA5}">
                       <a16:colId xmlns:a16="http://schemas.microsoft.com/office/drawing/2014/main" val="20003"/>
@@ -8627,7 +10333,7 @@
                   </a:extLst>
                 </a:gridCol>
               </a:tblGrid>
-              <a:tr h="406141">
+              <a:tr h="530216">
                 <a:tc gridSpan="2">
                   <a:txBody>
                     <a:bodyPr/>
@@ -8686,7 +10392,7 @@
                   </a:ext>
                 </a:extLst>
               </a:tr>
-              <a:tr h="327547">
+              <a:tr h="359834">
                 <a:tc>
                   <a:txBody>
                     <a:bodyPr/>
@@ -8749,7 +10455,7 @@
                   </a:ext>
                 </a:extLst>
               </a:tr>
-              <a:tr h="419042">
+              <a:tr h="429564">
                 <a:tc>
                   <a:txBody>
                     <a:bodyPr/>
@@ -8897,7 +10603,7 @@
                   </a:ext>
                 </a:extLst>
               </a:tr>
-              <a:tr h="591762">
+              <a:tr h="606621">
                 <a:tc>
                   <a:txBody>
                     <a:bodyPr/>
@@ -9116,7 +10822,7 @@
                   </a:ext>
                 </a:extLst>
               </a:tr>
-              <a:tr h="310938">
+              <a:tr h="500639">
                 <a:tc>
                   <a:txBody>
                     <a:bodyPr/>
@@ -9326,7 +11032,7 @@
                   </a:ext>
                 </a:extLst>
               </a:tr>
-              <a:tr h="455660">
+              <a:tr h="500639">
                 <a:tc>
                   <a:txBody>
                     <a:bodyPr/>
@@ -9485,7 +11191,7 @@
                   </a:ext>
                 </a:extLst>
               </a:tr>
-              <a:tr h="568960">
+              <a:tr h="688378">
                 <a:tc>
                   <a:txBody>
                     <a:bodyPr/>
@@ -9609,7 +11315,7 @@
                   </a:ext>
                 </a:extLst>
               </a:tr>
-              <a:tr h="568960">
+              <a:tr h="583247">
                 <a:tc>
                   <a:txBody>
                     <a:bodyPr/>
@@ -9696,7 +11402,7 @@
                   </a:ext>
                 </a:extLst>
               </a:tr>
-              <a:tr h="568960">
+              <a:tr h="583247">
                 <a:tc>
                   <a:txBody>
                     <a:bodyPr/>
@@ -9785,7 +11491,7 @@
                   </a:ext>
                 </a:extLst>
               </a:tr>
-              <a:tr h="494453">
+              <a:tr h="506869">
                 <a:tc>
                   <a:txBody>
                     <a:bodyPr/>
@@ -9883,7 +11589,7 @@
                   </a:ext>
                 </a:extLst>
               </a:tr>
-              <a:tr h="541412">
+              <a:tr h="555007">
                 <a:tc>
                   <a:txBody>
                     <a:bodyPr/>
@@ -9978,7 +11684,7 @@
                   </a:ext>
                 </a:extLst>
               </a:tr>
-              <a:tr h="494453">
+              <a:tr h="506869">
                 <a:tc>
                   <a:txBody>
                     <a:bodyPr/>
@@ -10073,7 +11779,7 @@
                   </a:ext>
                 </a:extLst>
               </a:tr>
-              <a:tr h="494453">
+              <a:tr h="506869">
                 <a:tc>
                   <a:txBody>
                     <a:bodyPr/>
@@ -10156,1077 +11862,6 @@
     <p:extLst>
       <p:ext uri="{BB962C8B-B14F-4D97-AF65-F5344CB8AC3E}">
         <p14:creationId xmlns:p14="http://schemas.microsoft.com/office/powerpoint/2010/main" val="577903789"/>
-      </p:ext>
-    </p:extLst>
-  </p:cSld>
-  <p:clrMapOvr>
-    <a:masterClrMapping/>
-  </p:clrMapOvr>
-</p:sld>
-</file>
-
-<file path=ppt/slides/slide5.xml><?xml version="1.0" encoding="utf-8"?>
-<p:sld xmlns:a="http://schemas.openxmlformats.org/drawingml/2006/main" xmlns:r="http://schemas.openxmlformats.org/officeDocument/2006/relationships" xmlns:p="http://schemas.openxmlformats.org/presentationml/2006/main">
-  <p:cSld>
-    <p:spTree>
-      <p:nvGrpSpPr>
-        <p:cNvPr id="1" name=""/>
-        <p:cNvGrpSpPr/>
-        <p:nvPr/>
-      </p:nvGrpSpPr>
-      <p:grpSpPr>
-        <a:xfrm>
-          <a:off x="0" y="0"/>
-          <a:ext cx="0" cy="0"/>
-          <a:chOff x="0" y="0"/>
-          <a:chExt cx="0" cy="0"/>
-        </a:xfrm>
-      </p:grpSpPr>
-      <p:sp>
-        <p:nvSpPr>
-          <p:cNvPr id="2" name="Title 1"/>
-          <p:cNvSpPr>
-            <a:spLocks noGrp="1"/>
-          </p:cNvSpPr>
-          <p:nvPr>
-            <p:ph type="title"/>
-          </p:nvPr>
-        </p:nvSpPr>
-        <p:spPr/>
-        <p:txBody>
-          <a:bodyPr/>
-          <a:lstStyle/>
-          <a:p>
-            <a:r>
-              <a:rPr lang="en-US" dirty="0"/>
-              <a:t>Server side: DAO &amp; model objects</a:t>
-            </a:r>
-          </a:p>
-        </p:txBody>
-      </p:sp>
-      <p:sp>
-        <p:nvSpPr>
-          <p:cNvPr id="3" name="Text Placeholder 2"/>
-          <p:cNvSpPr>
-            <a:spLocks noGrp="1"/>
-          </p:cNvSpPr>
-          <p:nvPr>
-            <p:ph type="body" idx="1"/>
-          </p:nvPr>
-        </p:nvSpPr>
-        <p:spPr>
-          <a:xfrm>
-            <a:off x="838200" y="1825625"/>
-            <a:ext cx="5392918" cy="4351338"/>
-          </a:xfrm>
-        </p:spPr>
-        <p:txBody>
-          <a:bodyPr>
-            <a:normAutofit/>
-          </a:bodyPr>
-          <a:lstStyle/>
-          <a:p>
-            <a:pPr marL="402325">
-              <a:lnSpc>
-                <a:spcPct val="80000"/>
-              </a:lnSpc>
-              <a:spcBef>
-                <a:spcPts val="0"/>
-              </a:spcBef>
-              <a:buSzPts val="1750"/>
-            </a:pPr>
-            <a:r>
-              <a:rPr lang="en-US" sz="2100"/>
-              <a:t>Model objects (Beans)</a:t>
-            </a:r>
-            <a:endParaRPr lang="en-US"/>
-          </a:p>
-          <a:p>
-            <a:pPr marL="871703" lvl="1" indent="-335270">
-              <a:lnSpc>
-                <a:spcPct val="80000"/>
-              </a:lnSpc>
-              <a:spcBef>
-                <a:spcPts val="352"/>
-              </a:spcBef>
-              <a:buSzPts val="1500"/>
-            </a:pPr>
-            <a:r>
-              <a:rPr lang="en-US" sz="1800"/>
-              <a:t>User</a:t>
-            </a:r>
-            <a:endParaRPr lang="en-US"/>
-          </a:p>
-          <a:p>
-            <a:pPr marL="871703" lvl="1" indent="-335270">
-              <a:lnSpc>
-                <a:spcPct val="80000"/>
-              </a:lnSpc>
-              <a:spcBef>
-                <a:spcPts val="352"/>
-              </a:spcBef>
-              <a:buSzPts val="1500"/>
-            </a:pPr>
-            <a:r>
-              <a:rPr lang="en-US" sz="1800"/>
-              <a:t>Album</a:t>
-            </a:r>
-            <a:endParaRPr lang="en-US"/>
-          </a:p>
-          <a:p>
-            <a:pPr marL="871703" lvl="1" indent="-335270">
-              <a:lnSpc>
-                <a:spcPct val="80000"/>
-              </a:lnSpc>
-              <a:spcBef>
-                <a:spcPts val="352"/>
-              </a:spcBef>
-              <a:buSzPts val="1500"/>
-            </a:pPr>
-            <a:r>
-              <a:rPr lang="en-US" sz="1800"/>
-              <a:t>Comment</a:t>
-            </a:r>
-          </a:p>
-          <a:p>
-            <a:pPr marL="871703" lvl="1" indent="-335270">
-              <a:lnSpc>
-                <a:spcPct val="80000"/>
-              </a:lnSpc>
-              <a:spcBef>
-                <a:spcPts val="352"/>
-              </a:spcBef>
-              <a:buSzPts val="1500"/>
-            </a:pPr>
-            <a:r>
-              <a:rPr lang="en-US" sz="1800"/>
-              <a:t>Image</a:t>
-            </a:r>
-            <a:endParaRPr lang="en-US"/>
-          </a:p>
-          <a:p>
-            <a:pPr marL="402325">
-              <a:lnSpc>
-                <a:spcPct val="80000"/>
-              </a:lnSpc>
-              <a:spcBef>
-                <a:spcPts val="411"/>
-              </a:spcBef>
-              <a:buSzPts val="1750"/>
-            </a:pPr>
-            <a:r>
-              <a:rPr lang="en-US" sz="2100"/>
-              <a:t>Data Access Objects (Classes)                             </a:t>
-            </a:r>
-            <a:endParaRPr lang="en-US"/>
-          </a:p>
-          <a:p>
-            <a:pPr marL="871703" lvl="1" indent="-335270">
-              <a:lnSpc>
-                <a:spcPct val="80000"/>
-              </a:lnSpc>
-              <a:spcBef>
-                <a:spcPts val="352"/>
-              </a:spcBef>
-              <a:buSzPts val="1500"/>
-            </a:pPr>
-            <a:r>
-              <a:rPr lang="en-US" sz="1800"/>
-              <a:t>UserDAO</a:t>
-            </a:r>
-          </a:p>
-          <a:p>
-            <a:pPr marL="1341082" lvl="2" indent="-208613">
-              <a:lnSpc>
-                <a:spcPct val="80000"/>
-              </a:lnSpc>
-              <a:spcBef>
-                <a:spcPts val="352"/>
-              </a:spcBef>
-              <a:buSzPts val="1200"/>
-            </a:pPr>
-            <a:r>
-              <a:rPr lang="en-US" sz="1800"/>
-              <a:t>checkCredentials(username, pwd)</a:t>
-            </a:r>
-          </a:p>
-          <a:p>
-            <a:pPr marL="1341082" lvl="2" indent="-208613">
-              <a:lnSpc>
-                <a:spcPct val="80000"/>
-              </a:lnSpc>
-              <a:spcBef>
-                <a:spcPts val="352"/>
-              </a:spcBef>
-              <a:buSzPts val="1200"/>
-            </a:pPr>
-            <a:r>
-              <a:rPr lang="en-US" sz="1800"/>
-              <a:t>createNewUser(username, pwd, email)</a:t>
-            </a:r>
-          </a:p>
-          <a:p>
-            <a:pPr marL="871703" lvl="1" indent="-268216">
-              <a:lnSpc>
-                <a:spcPct val="80000"/>
-              </a:lnSpc>
-              <a:spcBef>
-                <a:spcPts val="352"/>
-              </a:spcBef>
-              <a:buSzPts val="1500"/>
-            </a:pPr>
-            <a:r>
-              <a:rPr lang="en-US" sz="1800"/>
-              <a:t>AlbumDAO</a:t>
-            </a:r>
-            <a:endParaRPr lang="en-US" sz="1400"/>
-          </a:p>
-          <a:p>
-            <a:pPr marL="1341082" lvl="2" indent="-208613">
-              <a:lnSpc>
-                <a:spcPct val="80000"/>
-              </a:lnSpc>
-              <a:spcBef>
-                <a:spcPts val="352"/>
-              </a:spcBef>
-              <a:buSzPts val="1200"/>
-            </a:pPr>
-            <a:r>
-              <a:rPr lang="en-US" sz="1400"/>
-              <a:t>findAllAlbums()</a:t>
-            </a:r>
-            <a:endParaRPr lang="en-US" sz="1800"/>
-          </a:p>
-          <a:p>
-            <a:pPr marL="1341082" lvl="2" indent="-208613">
-              <a:lnSpc>
-                <a:spcPct val="80000"/>
-              </a:lnSpc>
-              <a:spcBef>
-                <a:spcPts val="352"/>
-              </a:spcBef>
-              <a:buSzPts val="1200"/>
-            </a:pPr>
-            <a:r>
-              <a:rPr lang="en-US" sz="1400"/>
-              <a:t>findInfoOfAlbumById(userid)</a:t>
-            </a:r>
-          </a:p>
-          <a:p>
-            <a:pPr marL="871703" lvl="1" indent="-335270">
-              <a:lnSpc>
-                <a:spcPct val="80000"/>
-              </a:lnSpc>
-              <a:spcBef>
-                <a:spcPts val="352"/>
-              </a:spcBef>
-              <a:buSzPts val="1500"/>
-            </a:pPr>
-            <a:r>
-              <a:rPr lang="en-US" sz="1800"/>
-              <a:t>ImageDAO</a:t>
-            </a:r>
-          </a:p>
-          <a:p>
-            <a:pPr marL="1341082" lvl="2" indent="-208613">
-              <a:lnSpc>
-                <a:spcPct val="80000"/>
-              </a:lnSpc>
-              <a:spcBef>
-                <a:spcPts val="352"/>
-              </a:spcBef>
-              <a:buSzPts val="1200"/>
-            </a:pPr>
-            <a:r>
-              <a:rPr lang="en-US" sz="1400"/>
-              <a:t>findImagesOfAlbum(albumId)</a:t>
-            </a:r>
-          </a:p>
-          <a:p>
-            <a:pPr marL="1341082" lvl="2" indent="-208613">
-              <a:lnSpc>
-                <a:spcPct val="80000"/>
-              </a:lnSpc>
-              <a:spcBef>
-                <a:spcPts val="352"/>
-              </a:spcBef>
-              <a:buSzPts val="1200"/>
-            </a:pPr>
-            <a:r>
-              <a:rPr lang="en-US" sz="1400"/>
-              <a:t>findImageById(imageId)</a:t>
-            </a:r>
-          </a:p>
-          <a:p>
-            <a:pPr marL="1132469" lvl="2" indent="0">
-              <a:lnSpc>
-                <a:spcPct val="80000"/>
-              </a:lnSpc>
-              <a:spcBef>
-                <a:spcPts val="352"/>
-              </a:spcBef>
-              <a:buSzPts val="1200"/>
-              <a:buNone/>
-            </a:pPr>
-            <a:endParaRPr lang="en-US" sz="1400" dirty="0"/>
-          </a:p>
-        </p:txBody>
-      </p:sp>
-      <p:sp>
-        <p:nvSpPr>
-          <p:cNvPr id="4" name="Text Placeholder 2">
-            <a:extLst>
-              <a:ext uri="{FF2B5EF4-FFF2-40B4-BE49-F238E27FC236}">
-                <a16:creationId xmlns:a16="http://schemas.microsoft.com/office/drawing/2014/main" id="{F90DAFA4-16A8-4264-A7D2-4B7F85EF4708}"/>
-              </a:ext>
-            </a:extLst>
-          </p:cNvPr>
-          <p:cNvSpPr txBox="1">
-            <a:spLocks/>
-          </p:cNvSpPr>
-          <p:nvPr/>
-        </p:nvSpPr>
-        <p:spPr>
-          <a:xfrm>
-            <a:off x="6316744" y="3497344"/>
-            <a:ext cx="5392918" cy="2544682"/>
-          </a:xfrm>
-          <a:prstGeom prst="rect">
-            <a:avLst/>
-          </a:prstGeom>
-        </p:spPr>
-        <p:txBody>
-          <a:bodyPr vert="horz" lIns="91440" tIns="45720" rIns="91440" bIns="45720" rtlCol="0">
-            <a:normAutofit/>
-          </a:bodyPr>
-          <a:lstStyle>
-            <a:lvl1pPr marL="228600" indent="-228600" algn="l" defTabSz="914400" rtl="0" eaLnBrk="1" latinLnBrk="0" hangingPunct="1">
-              <a:lnSpc>
-                <a:spcPct val="90000"/>
-              </a:lnSpc>
-              <a:spcBef>
-                <a:spcPts val="1000"/>
-              </a:spcBef>
-              <a:buFont typeface="Arial" panose="020B0604020202020204" pitchFamily="34" charset="0"/>
-              <a:buChar char="•"/>
-              <a:defRPr sz="2800" kern="1200">
-                <a:solidFill>
-                  <a:schemeClr val="tx1"/>
-                </a:solidFill>
-                <a:latin typeface="+mn-lt"/>
-                <a:ea typeface="+mn-ea"/>
-                <a:cs typeface="+mn-cs"/>
-              </a:defRPr>
-            </a:lvl1pPr>
-            <a:lvl2pPr marL="685800" indent="-228600" algn="l" defTabSz="914400" rtl="0" eaLnBrk="1" latinLnBrk="0" hangingPunct="1">
-              <a:lnSpc>
-                <a:spcPct val="90000"/>
-              </a:lnSpc>
-              <a:spcBef>
-                <a:spcPts val="500"/>
-              </a:spcBef>
-              <a:buFont typeface="Arial" panose="020B0604020202020204" pitchFamily="34" charset="0"/>
-              <a:buChar char="•"/>
-              <a:defRPr sz="2400" kern="1200">
-                <a:solidFill>
-                  <a:schemeClr val="tx1"/>
-                </a:solidFill>
-                <a:latin typeface="+mn-lt"/>
-                <a:ea typeface="+mn-ea"/>
-                <a:cs typeface="+mn-cs"/>
-              </a:defRPr>
-            </a:lvl2pPr>
-            <a:lvl3pPr marL="1143000" indent="-228600" algn="l" defTabSz="914400" rtl="0" eaLnBrk="1" latinLnBrk="0" hangingPunct="1">
-              <a:lnSpc>
-                <a:spcPct val="90000"/>
-              </a:lnSpc>
-              <a:spcBef>
-                <a:spcPts val="500"/>
-              </a:spcBef>
-              <a:buFont typeface="Arial" panose="020B0604020202020204" pitchFamily="34" charset="0"/>
-              <a:buChar char="•"/>
-              <a:defRPr sz="2000" kern="1200">
-                <a:solidFill>
-                  <a:schemeClr val="tx1"/>
-                </a:solidFill>
-                <a:latin typeface="+mn-lt"/>
-                <a:ea typeface="+mn-ea"/>
-                <a:cs typeface="+mn-cs"/>
-              </a:defRPr>
-            </a:lvl3pPr>
-            <a:lvl4pPr marL="1600200" indent="-228600" algn="l" defTabSz="914400" rtl="0" eaLnBrk="1" latinLnBrk="0" hangingPunct="1">
-              <a:lnSpc>
-                <a:spcPct val="90000"/>
-              </a:lnSpc>
-              <a:spcBef>
-                <a:spcPts val="500"/>
-              </a:spcBef>
-              <a:buFont typeface="Arial" panose="020B0604020202020204" pitchFamily="34" charset="0"/>
-              <a:buChar char="•"/>
-              <a:defRPr sz="1800" kern="1200">
-                <a:solidFill>
-                  <a:schemeClr val="tx1"/>
-                </a:solidFill>
-                <a:latin typeface="+mn-lt"/>
-                <a:ea typeface="+mn-ea"/>
-                <a:cs typeface="+mn-cs"/>
-              </a:defRPr>
-            </a:lvl4pPr>
-            <a:lvl5pPr marL="2057400" indent="-228600" algn="l" defTabSz="914400" rtl="0" eaLnBrk="1" latinLnBrk="0" hangingPunct="1">
-              <a:lnSpc>
-                <a:spcPct val="90000"/>
-              </a:lnSpc>
-              <a:spcBef>
-                <a:spcPts val="500"/>
-              </a:spcBef>
-              <a:buFont typeface="Arial" panose="020B0604020202020204" pitchFamily="34" charset="0"/>
-              <a:buChar char="•"/>
-              <a:defRPr sz="1800" kern="1200">
-                <a:solidFill>
-                  <a:schemeClr val="tx1"/>
-                </a:solidFill>
-                <a:latin typeface="+mn-lt"/>
-                <a:ea typeface="+mn-ea"/>
-                <a:cs typeface="+mn-cs"/>
-              </a:defRPr>
-            </a:lvl5pPr>
-            <a:lvl6pPr marL="2514600" indent="-228600" algn="l" defTabSz="914400" rtl="0" eaLnBrk="1" latinLnBrk="0" hangingPunct="1">
-              <a:lnSpc>
-                <a:spcPct val="90000"/>
-              </a:lnSpc>
-              <a:spcBef>
-                <a:spcPts val="500"/>
-              </a:spcBef>
-              <a:buFont typeface="Arial" panose="020B0604020202020204" pitchFamily="34" charset="0"/>
-              <a:buChar char="•"/>
-              <a:defRPr sz="1800" kern="1200">
-                <a:solidFill>
-                  <a:schemeClr val="tx1"/>
-                </a:solidFill>
-                <a:latin typeface="+mn-lt"/>
-                <a:ea typeface="+mn-ea"/>
-                <a:cs typeface="+mn-cs"/>
-              </a:defRPr>
-            </a:lvl6pPr>
-            <a:lvl7pPr marL="2971800" indent="-228600" algn="l" defTabSz="914400" rtl="0" eaLnBrk="1" latinLnBrk="0" hangingPunct="1">
-              <a:lnSpc>
-                <a:spcPct val="90000"/>
-              </a:lnSpc>
-              <a:spcBef>
-                <a:spcPts val="500"/>
-              </a:spcBef>
-              <a:buFont typeface="Arial" panose="020B0604020202020204" pitchFamily="34" charset="0"/>
-              <a:buChar char="•"/>
-              <a:defRPr sz="1800" kern="1200">
-                <a:solidFill>
-                  <a:schemeClr val="tx1"/>
-                </a:solidFill>
-                <a:latin typeface="+mn-lt"/>
-                <a:ea typeface="+mn-ea"/>
-                <a:cs typeface="+mn-cs"/>
-              </a:defRPr>
-            </a:lvl7pPr>
-            <a:lvl8pPr marL="3429000" indent="-228600" algn="l" defTabSz="914400" rtl="0" eaLnBrk="1" latinLnBrk="0" hangingPunct="1">
-              <a:lnSpc>
-                <a:spcPct val="90000"/>
-              </a:lnSpc>
-              <a:spcBef>
-                <a:spcPts val="500"/>
-              </a:spcBef>
-              <a:buFont typeface="Arial" panose="020B0604020202020204" pitchFamily="34" charset="0"/>
-              <a:buChar char="•"/>
-              <a:defRPr sz="1800" kern="1200">
-                <a:solidFill>
-                  <a:schemeClr val="tx1"/>
-                </a:solidFill>
-                <a:latin typeface="+mn-lt"/>
-                <a:ea typeface="+mn-ea"/>
-                <a:cs typeface="+mn-cs"/>
-              </a:defRPr>
-            </a:lvl8pPr>
-            <a:lvl9pPr marL="3886200" indent="-228600" algn="l" defTabSz="914400" rtl="0" eaLnBrk="1" latinLnBrk="0" hangingPunct="1">
-              <a:lnSpc>
-                <a:spcPct val="90000"/>
-              </a:lnSpc>
-              <a:spcBef>
-                <a:spcPts val="500"/>
-              </a:spcBef>
-              <a:buFont typeface="Arial" panose="020B0604020202020204" pitchFamily="34" charset="0"/>
-              <a:buChar char="•"/>
-              <a:defRPr sz="1800" kern="1200">
-                <a:solidFill>
-                  <a:schemeClr val="tx1"/>
-                </a:solidFill>
-                <a:latin typeface="+mn-lt"/>
-                <a:ea typeface="+mn-ea"/>
-                <a:cs typeface="+mn-cs"/>
-              </a:defRPr>
-            </a:lvl9pPr>
-          </a:lstStyle>
-          <a:p>
-            <a:pPr marL="871703" lvl="1" indent="-335270">
-              <a:lnSpc>
-                <a:spcPct val="80000"/>
-              </a:lnSpc>
-              <a:spcBef>
-                <a:spcPts val="352"/>
-              </a:spcBef>
-              <a:buSzPts val="1500"/>
-            </a:pPr>
-            <a:r>
-              <a:rPr lang="en-US" sz="1800" dirty="0" err="1"/>
-              <a:t>CommentDAO</a:t>
-            </a:r>
-            <a:endParaRPr lang="en-US" sz="1800" dirty="0"/>
-          </a:p>
-          <a:p>
-            <a:pPr marL="1341082" lvl="2" indent="-208613">
-              <a:lnSpc>
-                <a:spcPct val="80000"/>
-              </a:lnSpc>
-              <a:spcBef>
-                <a:spcPts val="352"/>
-              </a:spcBef>
-              <a:buSzPts val="1200"/>
-            </a:pPr>
-            <a:r>
-              <a:rPr lang="en-US" sz="1800" dirty="0" err="1"/>
-              <a:t>findCommentsOfImage</a:t>
-            </a:r>
-            <a:r>
-              <a:rPr lang="en-US" sz="1800" dirty="0"/>
-              <a:t>(</a:t>
-            </a:r>
-            <a:r>
-              <a:rPr lang="en-US" sz="1800" dirty="0" err="1"/>
-              <a:t>imageId</a:t>
-            </a:r>
-            <a:r>
-              <a:rPr lang="en-US" sz="1800" dirty="0"/>
-              <a:t>)</a:t>
-            </a:r>
-          </a:p>
-          <a:p>
-            <a:pPr marL="1341082" lvl="2" indent="-208613">
-              <a:lnSpc>
-                <a:spcPct val="80000"/>
-              </a:lnSpc>
-              <a:spcBef>
-                <a:spcPts val="352"/>
-              </a:spcBef>
-              <a:buSzPts val="1200"/>
-            </a:pPr>
-            <a:r>
-              <a:rPr lang="en-US" sz="1800" dirty="0" err="1"/>
-              <a:t>createComment</a:t>
-            </a:r>
-            <a:r>
-              <a:rPr lang="en-US" sz="1800" dirty="0"/>
-              <a:t>(text, </a:t>
-            </a:r>
-            <a:r>
-              <a:rPr lang="en-US" sz="1800" dirty="0" err="1"/>
-              <a:t>imageId</a:t>
-            </a:r>
-            <a:r>
-              <a:rPr lang="en-US" sz="1800" dirty="0"/>
-              <a:t>, </a:t>
-            </a:r>
-            <a:r>
-              <a:rPr lang="en-US" sz="1800" dirty="0" err="1"/>
-              <a:t>userId</a:t>
-            </a:r>
-            <a:r>
-              <a:rPr lang="en-US" sz="1800" dirty="0"/>
-              <a:t>, date)</a:t>
-            </a:r>
-          </a:p>
-          <a:p>
-            <a:pPr marL="871703" lvl="1" indent="-268216">
-              <a:lnSpc>
-                <a:spcPct val="80000"/>
-              </a:lnSpc>
-              <a:spcBef>
-                <a:spcPts val="352"/>
-              </a:spcBef>
-              <a:buSzPts val="1500"/>
-            </a:pPr>
-            <a:r>
-              <a:rPr lang="en-US" sz="1800" dirty="0" err="1"/>
-              <a:t>RegistrationDAO</a:t>
-            </a:r>
-            <a:endParaRPr lang="en-US" sz="1400" dirty="0"/>
-          </a:p>
-          <a:p>
-            <a:pPr marL="1341082" lvl="2" indent="-208613">
-              <a:lnSpc>
-                <a:spcPct val="80000"/>
-              </a:lnSpc>
-              <a:spcBef>
-                <a:spcPts val="352"/>
-              </a:spcBef>
-              <a:buSzPts val="1200"/>
-            </a:pPr>
-            <a:r>
-              <a:rPr lang="en-US" sz="1400" dirty="0" err="1"/>
-              <a:t>createRegistrationOfUser</a:t>
-            </a:r>
-            <a:r>
-              <a:rPr lang="en-US" sz="1400" dirty="0"/>
-              <a:t>(</a:t>
-            </a:r>
-            <a:r>
-              <a:rPr lang="en-US" sz="1400" dirty="0" err="1"/>
-              <a:t>username,pwd,email</a:t>
-            </a:r>
-            <a:r>
-              <a:rPr lang="en-US" sz="1400" dirty="0"/>
-              <a:t>)</a:t>
-            </a:r>
-            <a:endParaRPr lang="en-US" sz="1800" dirty="0"/>
-          </a:p>
-          <a:p>
-            <a:pPr marL="1341082" lvl="2" indent="-208613">
-              <a:lnSpc>
-                <a:spcPct val="80000"/>
-              </a:lnSpc>
-              <a:spcBef>
-                <a:spcPts val="352"/>
-              </a:spcBef>
-              <a:buSzPts val="1200"/>
-            </a:pPr>
-            <a:r>
-              <a:rPr lang="en-US" sz="1400" dirty="0" err="1"/>
-              <a:t>controlRegistrationOfUser</a:t>
-            </a:r>
-            <a:r>
-              <a:rPr lang="en-US" sz="1400" dirty="0"/>
-              <a:t>(</a:t>
-            </a:r>
-            <a:r>
-              <a:rPr lang="en-US" sz="1400" dirty="0" err="1"/>
-              <a:t>userid</a:t>
-            </a:r>
-            <a:r>
-              <a:rPr lang="en-US" sz="1400" dirty="0"/>
-              <a:t>)</a:t>
-            </a:r>
-          </a:p>
-          <a:p>
-            <a:pPr marL="1132469" lvl="2" indent="0">
-              <a:lnSpc>
-                <a:spcPct val="80000"/>
-              </a:lnSpc>
-              <a:spcBef>
-                <a:spcPts val="352"/>
-              </a:spcBef>
-              <a:buSzPts val="1200"/>
-              <a:buFont typeface="Arial" panose="020B0604020202020204" pitchFamily="34" charset="0"/>
-              <a:buNone/>
-            </a:pPr>
-            <a:endParaRPr lang="en-US" sz="1400" dirty="0"/>
-          </a:p>
-        </p:txBody>
-      </p:sp>
-    </p:spTree>
-    <p:extLst>
-      <p:ext uri="{BB962C8B-B14F-4D97-AF65-F5344CB8AC3E}">
-        <p14:creationId xmlns:p14="http://schemas.microsoft.com/office/powerpoint/2010/main" val="160639521"/>
-      </p:ext>
-    </p:extLst>
-  </p:cSld>
-  <p:clrMapOvr>
-    <a:masterClrMapping/>
-  </p:clrMapOvr>
-</p:sld>
-</file>
-
-<file path=ppt/slides/slide6.xml><?xml version="1.0" encoding="utf-8"?>
-<p:sld xmlns:a="http://schemas.openxmlformats.org/drawingml/2006/main" xmlns:r="http://schemas.openxmlformats.org/officeDocument/2006/relationships" xmlns:p="http://schemas.openxmlformats.org/presentationml/2006/main">
-  <p:cSld>
-    <p:spTree>
-      <p:nvGrpSpPr>
-        <p:cNvPr id="1" name=""/>
-        <p:cNvGrpSpPr/>
-        <p:nvPr/>
-      </p:nvGrpSpPr>
-      <p:grpSpPr>
-        <a:xfrm>
-          <a:off x="0" y="0"/>
-          <a:ext cx="0" cy="0"/>
-          <a:chOff x="0" y="0"/>
-          <a:chExt cx="0" cy="0"/>
-        </a:xfrm>
-      </p:grpSpPr>
-      <p:sp>
-        <p:nvSpPr>
-          <p:cNvPr id="2" name="Title 1"/>
-          <p:cNvSpPr>
-            <a:spLocks noGrp="1"/>
-          </p:cNvSpPr>
-          <p:nvPr>
-            <p:ph type="title"/>
-          </p:nvPr>
-        </p:nvSpPr>
-        <p:spPr>
-          <a:xfrm>
-            <a:off x="838200" y="-32526"/>
-            <a:ext cx="10515600" cy="1325563"/>
-          </a:xfrm>
-        </p:spPr>
-        <p:txBody>
-          <a:bodyPr/>
-          <a:lstStyle/>
-          <a:p>
-            <a:r>
-              <a:rPr lang="en-US" dirty="0"/>
-              <a:t>Client side: view &amp; view component</a:t>
-            </a:r>
-          </a:p>
-        </p:txBody>
-      </p:sp>
-      <p:sp>
-        <p:nvSpPr>
-          <p:cNvPr id="4" name="Text Placeholder 3"/>
-          <p:cNvSpPr>
-            <a:spLocks noGrp="1"/>
-          </p:cNvSpPr>
-          <p:nvPr>
-            <p:ph type="body" idx="2"/>
-          </p:nvPr>
-        </p:nvSpPr>
-        <p:spPr>
-          <a:xfrm>
-            <a:off x="197177" y="2516956"/>
-            <a:ext cx="6439293" cy="4341044"/>
-          </a:xfrm>
-        </p:spPr>
-        <p:txBody>
-          <a:bodyPr>
-            <a:noAutofit/>
-          </a:bodyPr>
-          <a:lstStyle/>
-          <a:p>
-            <a:pPr marL="914400" lvl="2" indent="0">
-              <a:buNone/>
-            </a:pPr>
-            <a:endParaRPr lang="it-IT" sz="1200" dirty="0"/>
-          </a:p>
-          <a:p>
-            <a:r>
-              <a:rPr lang="it-IT" sz="1800" dirty="0"/>
-              <a:t>Home</a:t>
-            </a:r>
-          </a:p>
-          <a:p>
-            <a:pPr lvl="1"/>
-            <a:r>
-              <a:rPr lang="it-IT" sz="1400" dirty="0" err="1"/>
-              <a:t>AlbumsList</a:t>
-            </a:r>
-            <a:endParaRPr lang="it-IT" sz="1400" dirty="0"/>
-          </a:p>
-          <a:p>
-            <a:pPr lvl="2"/>
-            <a:r>
-              <a:rPr lang="it-IT" sz="1200" dirty="0"/>
-              <a:t>show(): richiede al server i dati dell'elenco </a:t>
-            </a:r>
-            <a:r>
-              <a:rPr lang="it-IT" sz="1200" dirty="0" err="1"/>
-              <a:t>albums</a:t>
-            </a:r>
-            <a:endParaRPr lang="it-IT" sz="1200" dirty="0"/>
-          </a:p>
-          <a:p>
-            <a:pPr lvl="2"/>
-            <a:r>
-              <a:rPr lang="it-IT" sz="1200" dirty="0"/>
-              <a:t>update(): riceve dati server e aggiorna la lista</a:t>
-            </a:r>
-          </a:p>
-          <a:p>
-            <a:pPr lvl="2"/>
-            <a:r>
-              <a:rPr lang="it-IT" sz="1200" dirty="0" err="1"/>
-              <a:t>autoclick</a:t>
-            </a:r>
-            <a:r>
-              <a:rPr lang="it-IT" sz="1200" dirty="0"/>
-              <a:t>(): seleziona un elemento della lista per mostrare in automatico i dettagli</a:t>
-            </a:r>
-          </a:p>
-          <a:p>
-            <a:pPr lvl="1"/>
-            <a:r>
-              <a:rPr lang="it-IT" sz="1400" dirty="0" err="1"/>
-              <a:t>AlbumDetail</a:t>
-            </a:r>
-            <a:r>
-              <a:rPr lang="it-IT" sz="1400" dirty="0"/>
-              <a:t>(gestisce la lista delle immagini di un album)</a:t>
-            </a:r>
-          </a:p>
-          <a:p>
-            <a:pPr lvl="2"/>
-            <a:r>
-              <a:rPr lang="it-IT" sz="1200" dirty="0" err="1"/>
-              <a:t>registerEvents</a:t>
-            </a:r>
-            <a:r>
-              <a:rPr lang="it-IT" sz="1200" dirty="0"/>
-              <a:t>(): associa al componente le funzioni per gestirne gli eventi</a:t>
-            </a:r>
-          </a:p>
-          <a:p>
-            <a:pPr lvl="2"/>
-            <a:r>
-              <a:rPr lang="it-IT" sz="1200" dirty="0"/>
-              <a:t>show(): richiede al server i  dettagli dell’album(immagini presenti nell’album)</a:t>
-            </a:r>
-          </a:p>
-          <a:p>
-            <a:pPr lvl="2"/>
-            <a:r>
-              <a:rPr lang="it-IT" sz="1200" dirty="0"/>
-              <a:t>update(): riceve dati server e aggiorna  dettagli</a:t>
-            </a:r>
-          </a:p>
-          <a:p>
-            <a:pPr lvl="2"/>
-            <a:r>
-              <a:rPr lang="it-IT" sz="1200" dirty="0"/>
-              <a:t>reset(): imposta le condizioni di iniziali visibilità dei vari sotto-componenti </a:t>
-            </a:r>
-          </a:p>
-          <a:p>
-            <a:pPr lvl="2"/>
-            <a:r>
-              <a:rPr lang="it-IT" sz="1200" dirty="0" err="1"/>
-              <a:t>changeStep</a:t>
-            </a:r>
-            <a:r>
-              <a:rPr lang="it-IT" sz="1200" dirty="0"/>
-              <a:t>(): cambia il blocco di cinque immagini visualizzato</a:t>
-            </a:r>
-          </a:p>
-          <a:p>
-            <a:pPr marL="742950" lvl="1" indent="-285750">
-              <a:buFont typeface="Arial" panose="020B0604020202020204" pitchFamily="34" charset="0"/>
-              <a:buChar char="•"/>
-            </a:pPr>
-            <a:r>
-              <a:rPr lang="it-IT" sz="1400" dirty="0" err="1"/>
-              <a:t>ImageDetail</a:t>
-            </a:r>
-            <a:endParaRPr lang="it-IT" sz="1400" dirty="0"/>
-          </a:p>
-          <a:p>
-            <a:pPr marL="1085850" lvl="2" indent="-171450">
-              <a:buFont typeface="Arial" panose="020B0604020202020204" pitchFamily="34" charset="0"/>
-              <a:buChar char="•"/>
-            </a:pPr>
-            <a:r>
-              <a:rPr lang="it-IT" sz="1200" dirty="0" err="1"/>
-              <a:t>registerEvents</a:t>
-            </a:r>
-            <a:r>
-              <a:rPr lang="it-IT" sz="1200" dirty="0"/>
-              <a:t>(): associa al componente le funzioni per gestirne gli eventi</a:t>
-            </a:r>
-          </a:p>
-          <a:p>
-            <a:pPr marL="1085850" lvl="2" indent="-171450">
-              <a:buFont typeface="Arial" panose="020B0604020202020204" pitchFamily="34" charset="0"/>
-              <a:buChar char="•"/>
-            </a:pPr>
-            <a:r>
-              <a:rPr lang="it-IT" sz="1200" dirty="0"/>
-              <a:t>show(): richiede al server i  dettagli dell’immagine (picture e commenti)</a:t>
-            </a:r>
-          </a:p>
-          <a:p>
-            <a:pPr marL="1085850" lvl="2" indent="-171450">
-              <a:buFont typeface="Arial" panose="020B0604020202020204" pitchFamily="34" charset="0"/>
-              <a:buChar char="•"/>
-            </a:pPr>
-            <a:r>
-              <a:rPr lang="it-IT" sz="1200" dirty="0"/>
-              <a:t>update(): riceve dati server e aggiorna  dettagli</a:t>
-            </a:r>
-          </a:p>
-          <a:p>
-            <a:pPr marL="1085850" lvl="2" indent="-171450">
-              <a:buFont typeface="Arial" panose="020B0604020202020204" pitchFamily="34" charset="0"/>
-              <a:buChar char="•"/>
-            </a:pPr>
-            <a:r>
-              <a:rPr lang="it-IT" sz="1200" dirty="0"/>
-              <a:t>reset(): imposta le condizioni di iniziali visibilità dei vari sotto-componenti </a:t>
-            </a:r>
-          </a:p>
-          <a:p>
-            <a:pPr marL="914400" lvl="2" indent="0">
-              <a:buNone/>
-            </a:pPr>
-            <a:endParaRPr lang="it-IT" sz="1200" dirty="0"/>
-          </a:p>
-        </p:txBody>
-      </p:sp>
-      <p:sp>
-        <p:nvSpPr>
-          <p:cNvPr id="5" name="CasellaDiTesto 4">
-            <a:extLst>
-              <a:ext uri="{FF2B5EF4-FFF2-40B4-BE49-F238E27FC236}">
-                <a16:creationId xmlns:a16="http://schemas.microsoft.com/office/drawing/2014/main" id="{A2D38ACF-5C1F-4E09-9506-269FD5246F4D}"/>
-              </a:ext>
-            </a:extLst>
-          </p:cNvPr>
-          <p:cNvSpPr txBox="1"/>
-          <p:nvPr/>
-        </p:nvSpPr>
-        <p:spPr>
-          <a:xfrm>
-            <a:off x="310299" y="981668"/>
-            <a:ext cx="8173825" cy="1846659"/>
-          </a:xfrm>
-          <a:prstGeom prst="rect">
-            <a:avLst/>
-          </a:prstGeom>
-          <a:noFill/>
-        </p:spPr>
-        <p:txBody>
-          <a:bodyPr wrap="square" rtlCol="0">
-            <a:spAutoFit/>
-          </a:bodyPr>
-          <a:lstStyle/>
-          <a:p>
-            <a:r>
-              <a:rPr lang="it-IT" sz="1800" dirty="0"/>
-              <a:t>Index</a:t>
-            </a:r>
-          </a:p>
-          <a:p>
-            <a:pPr marL="742950" lvl="1" indent="-285750">
-              <a:buFont typeface="Arial" panose="020B0604020202020204" pitchFamily="34" charset="0"/>
-              <a:buChar char="•"/>
-            </a:pPr>
-            <a:r>
-              <a:rPr lang="it-IT" sz="1400" dirty="0"/>
-              <a:t>Login </a:t>
-            </a:r>
-            <a:r>
-              <a:rPr lang="it-IT" sz="1400" dirty="0" err="1"/>
-              <a:t>form</a:t>
-            </a:r>
-            <a:endParaRPr lang="it-IT" sz="1400" dirty="0"/>
-          </a:p>
-          <a:p>
-            <a:pPr marL="1085850" lvl="2" indent="-171450">
-              <a:buFont typeface="Arial" panose="020B0604020202020204" pitchFamily="34" charset="0"/>
-              <a:buChar char="•"/>
-            </a:pPr>
-            <a:r>
-              <a:rPr lang="it-IT" sz="1200" dirty="0"/>
-              <a:t>Gestione del submit ed errori</a:t>
-            </a:r>
-          </a:p>
-          <a:p>
-            <a:pPr marL="742950" lvl="1" indent="-285750">
-              <a:buFont typeface="Arial" panose="020B0604020202020204" pitchFamily="34" charset="0"/>
-              <a:buChar char="•"/>
-            </a:pPr>
-            <a:r>
-              <a:rPr lang="it-IT" sz="1400" dirty="0" err="1"/>
-              <a:t>Registration</a:t>
-            </a:r>
-            <a:r>
-              <a:rPr lang="it-IT" sz="1400" dirty="0"/>
-              <a:t> </a:t>
-            </a:r>
-            <a:r>
-              <a:rPr lang="it-IT" sz="1400" dirty="0" err="1"/>
-              <a:t>form</a:t>
-            </a:r>
-            <a:endParaRPr lang="it-IT" sz="1400" dirty="0"/>
-          </a:p>
-          <a:p>
-            <a:pPr marL="1085850" lvl="2" indent="-171450">
-              <a:buFont typeface="Arial" panose="020B0604020202020204" pitchFamily="34" charset="0"/>
-              <a:buChar char="•"/>
-            </a:pPr>
-            <a:r>
-              <a:rPr lang="it-IT" sz="1200" dirty="0"/>
-              <a:t>Gestione del submit ed errori</a:t>
-            </a:r>
-          </a:p>
-          <a:p>
-            <a:pPr marL="742950" lvl="1" indent="-285750">
-              <a:buFont typeface="Arial" panose="020B0604020202020204" pitchFamily="34" charset="0"/>
-              <a:buChar char="•"/>
-            </a:pPr>
-            <a:r>
-              <a:rPr lang="it-IT" sz="1400" dirty="0"/>
-              <a:t>Guest access</a:t>
-            </a:r>
-          </a:p>
-          <a:p>
-            <a:pPr marL="1085850" lvl="2" indent="-171450">
-              <a:buFont typeface="Arial" panose="020B0604020202020204" pitchFamily="34" charset="0"/>
-              <a:buChar char="•"/>
-            </a:pPr>
-            <a:r>
-              <a:rPr lang="it-IT" sz="1200" dirty="0"/>
-              <a:t>Accesso alla homepage</a:t>
-            </a:r>
-          </a:p>
-          <a:p>
-            <a:endParaRPr lang="it-IT" dirty="0"/>
-          </a:p>
-        </p:txBody>
-      </p:sp>
-      <p:sp>
-        <p:nvSpPr>
-          <p:cNvPr id="6" name="CasellaDiTesto 5">
-            <a:extLst>
-              <a:ext uri="{FF2B5EF4-FFF2-40B4-BE49-F238E27FC236}">
-                <a16:creationId xmlns:a16="http://schemas.microsoft.com/office/drawing/2014/main" id="{233FFC1C-D50F-4F3A-B9CE-27C582A9FBEA}"/>
-              </a:ext>
-            </a:extLst>
-          </p:cNvPr>
-          <p:cNvSpPr txBox="1"/>
-          <p:nvPr/>
-        </p:nvSpPr>
-        <p:spPr>
-          <a:xfrm>
-            <a:off x="6762947" y="3091992"/>
-            <a:ext cx="5231876" cy="553998"/>
-          </a:xfrm>
-          <a:prstGeom prst="rect">
-            <a:avLst/>
-          </a:prstGeom>
-          <a:noFill/>
-        </p:spPr>
-        <p:txBody>
-          <a:bodyPr wrap="square" rtlCol="0">
-            <a:spAutoFit/>
-          </a:bodyPr>
-          <a:lstStyle/>
-          <a:p>
-            <a:pPr marL="914400" lvl="2" indent="0">
-              <a:buNone/>
-            </a:pPr>
-            <a:endParaRPr lang="it-IT" sz="1200" dirty="0"/>
-          </a:p>
-          <a:p>
-            <a:endParaRPr lang="it-IT" dirty="0"/>
-          </a:p>
-        </p:txBody>
-      </p:sp>
-    </p:spTree>
-    <p:extLst>
-      <p:ext uri="{BB962C8B-B14F-4D97-AF65-F5344CB8AC3E}">
-        <p14:creationId xmlns:p14="http://schemas.microsoft.com/office/powerpoint/2010/main" val="471237171"/>
       </p:ext>
     </p:extLst>
   </p:cSld>

--- a/Presentazioni Powerpoint/Progetto1_versione_RIA.pptx
+++ b/Presentazioni Powerpoint/Progetto1_versione_RIA.pptx
@@ -202,7 +202,7 @@
           <a:p>
             <a:fld id="{C25F5A86-D4B2-4CFB-9FC8-FAE097577B12}" type="datetimeFigureOut">
               <a:rPr lang="it-IT" smtClean="0"/>
-              <a:t>21/08/2020</a:t>
+              <a:t>03/09/2020</a:t>
             </a:fld>
             <a:endParaRPr lang="it-IT"/>
           </a:p>
@@ -804,7 +804,7 @@
           <a:p>
             <a:fld id="{FE1EE28F-F736-456D-A3C7-4F5EC37410C2}" type="datetimeFigureOut">
               <a:rPr lang="it-IT" smtClean="0"/>
-              <a:t>21/08/2020</a:t>
+              <a:t>03/09/2020</a:t>
             </a:fld>
             <a:endParaRPr lang="it-IT"/>
           </a:p>
@@ -1002,7 +1002,7 @@
           <a:p>
             <a:fld id="{FE1EE28F-F736-456D-A3C7-4F5EC37410C2}" type="datetimeFigureOut">
               <a:rPr lang="it-IT" smtClean="0"/>
-              <a:t>21/08/2020</a:t>
+              <a:t>03/09/2020</a:t>
             </a:fld>
             <a:endParaRPr lang="it-IT"/>
           </a:p>
@@ -1210,7 +1210,7 @@
           <a:p>
             <a:fld id="{FE1EE28F-F736-456D-A3C7-4F5EC37410C2}" type="datetimeFigureOut">
               <a:rPr lang="it-IT" smtClean="0"/>
-              <a:t>21/08/2020</a:t>
+              <a:t>03/09/2020</a:t>
             </a:fld>
             <a:endParaRPr lang="it-IT"/>
           </a:p>
@@ -1408,7 +1408,7 @@
           <a:p>
             <a:fld id="{FE1EE28F-F736-456D-A3C7-4F5EC37410C2}" type="datetimeFigureOut">
               <a:rPr lang="it-IT" smtClean="0"/>
-              <a:t>21/08/2020</a:t>
+              <a:t>03/09/2020</a:t>
             </a:fld>
             <a:endParaRPr lang="it-IT"/>
           </a:p>
@@ -1683,7 +1683,7 @@
           <a:p>
             <a:fld id="{FE1EE28F-F736-456D-A3C7-4F5EC37410C2}" type="datetimeFigureOut">
               <a:rPr lang="it-IT" smtClean="0"/>
-              <a:t>21/08/2020</a:t>
+              <a:t>03/09/2020</a:t>
             </a:fld>
             <a:endParaRPr lang="it-IT"/>
           </a:p>
@@ -1948,7 +1948,7 @@
           <a:p>
             <a:fld id="{FE1EE28F-F736-456D-A3C7-4F5EC37410C2}" type="datetimeFigureOut">
               <a:rPr lang="it-IT" smtClean="0"/>
-              <a:t>21/08/2020</a:t>
+              <a:t>03/09/2020</a:t>
             </a:fld>
             <a:endParaRPr lang="it-IT"/>
           </a:p>
@@ -2360,7 +2360,7 @@
           <a:p>
             <a:fld id="{FE1EE28F-F736-456D-A3C7-4F5EC37410C2}" type="datetimeFigureOut">
               <a:rPr lang="it-IT" smtClean="0"/>
-              <a:t>21/08/2020</a:t>
+              <a:t>03/09/2020</a:t>
             </a:fld>
             <a:endParaRPr lang="it-IT"/>
           </a:p>
@@ -2501,7 +2501,7 @@
           <a:p>
             <a:fld id="{FE1EE28F-F736-456D-A3C7-4F5EC37410C2}" type="datetimeFigureOut">
               <a:rPr lang="it-IT" smtClean="0"/>
-              <a:t>21/08/2020</a:t>
+              <a:t>03/09/2020</a:t>
             </a:fld>
             <a:endParaRPr lang="it-IT"/>
           </a:p>
@@ -2614,7 +2614,7 @@
           <a:p>
             <a:fld id="{FE1EE28F-F736-456D-A3C7-4F5EC37410C2}" type="datetimeFigureOut">
               <a:rPr lang="it-IT" smtClean="0"/>
-              <a:t>21/08/2020</a:t>
+              <a:t>03/09/2020</a:t>
             </a:fld>
             <a:endParaRPr lang="it-IT"/>
           </a:p>
@@ -2925,7 +2925,7 @@
           <a:p>
             <a:fld id="{FE1EE28F-F736-456D-A3C7-4F5EC37410C2}" type="datetimeFigureOut">
               <a:rPr lang="it-IT" smtClean="0"/>
-              <a:t>21/08/2020</a:t>
+              <a:t>03/09/2020</a:t>
             </a:fld>
             <a:endParaRPr lang="it-IT"/>
           </a:p>
@@ -3213,7 +3213,7 @@
           <a:p>
             <a:fld id="{FE1EE28F-F736-456D-A3C7-4F5EC37410C2}" type="datetimeFigureOut">
               <a:rPr lang="it-IT" smtClean="0"/>
-              <a:t>21/08/2020</a:t>
+              <a:t>03/09/2020</a:t>
             </a:fld>
             <a:endParaRPr lang="it-IT"/>
           </a:p>
@@ -3454,7 +3454,7 @@
           <a:p>
             <a:fld id="{FE1EE28F-F736-456D-A3C7-4F5EC37410C2}" type="datetimeFigureOut">
               <a:rPr lang="it-IT" smtClean="0"/>
-              <a:t>21/08/2020</a:t>
+              <a:t>03/09/2020</a:t>
             </a:fld>
             <a:endParaRPr lang="it-IT"/>
           </a:p>
@@ -4791,8 +4791,8 @@
         </p:nvSpPr>
         <p:spPr>
           <a:xfrm>
-            <a:off x="350485" y="263950"/>
-            <a:ext cx="3042325" cy="3885332"/>
+            <a:off x="101600" y="1419650"/>
+            <a:ext cx="5994400" cy="3885332"/>
           </a:xfrm>
           <a:prstGeom prst="rect">
             <a:avLst/>
@@ -4816,8 +4816,9 @@
           </a:bodyPr>
           <a:lstStyle/>
           <a:p>
-            <a:r>
-              <a:rPr lang="es-419" sz="2100">
+            <a:pPr algn="ctr"/>
+            <a:r>
+              <a:rPr lang="es-419" sz="2100" b="1" dirty="0">
                 <a:solidFill>
                   <a:schemeClr val="dk1"/>
                 </a:solidFill>
@@ -4828,7 +4829,7 @@
               </a:rPr>
               <a:t>LOGIN PAGE</a:t>
             </a:r>
-            <a:endParaRPr sz="2100">
+            <a:endParaRPr sz="2100" b="1" dirty="0">
               <a:solidFill>
                 <a:schemeClr val="dk1"/>
               </a:solidFill>
@@ -4854,8 +4855,8 @@
         </p:nvSpPr>
         <p:spPr>
           <a:xfrm>
-            <a:off x="506398" y="2556558"/>
-            <a:ext cx="1989325" cy="1254079"/>
+            <a:off x="255890" y="3274446"/>
+            <a:ext cx="2799180" cy="1691942"/>
           </a:xfrm>
           <a:prstGeom prst="roundRect">
             <a:avLst>
@@ -4895,7 +4896,7 @@
           <a:p>
             <a:pPr algn="ctr"/>
             <a:r>
-              <a:rPr lang="es-419" dirty="0">
+              <a:rPr lang="es-419" b="1" dirty="0">
                 <a:solidFill>
                   <a:schemeClr val="dk1"/>
                 </a:solidFill>
@@ -4907,6 +4908,21 @@
               <a:t>Registration</a:t>
             </a:r>
             <a:r>
+              <a:rPr lang="es-419" sz="1800" b="1" dirty="0">
+                <a:solidFill>
+                  <a:schemeClr val="dk1"/>
+                </a:solidFill>
+                <a:latin typeface="Calibri"/>
+                <a:ea typeface="Calibri"/>
+                <a:cs typeface="Calibri"/>
+                <a:sym typeface="Calibri"/>
+              </a:rPr>
+              <a:t> form</a:t>
+            </a:r>
+          </a:p>
+          <a:p>
+            <a:pPr algn="ctr"/>
+            <a:r>
               <a:rPr lang="es-419" sz="1800" dirty="0">
                 <a:solidFill>
                   <a:schemeClr val="dk1"/>
@@ -4916,7 +4932,7 @@
                 <a:cs typeface="Calibri"/>
                 <a:sym typeface="Calibri"/>
               </a:rPr>
-              <a:t> form</a:t>
+              <a:t>:form</a:t>
             </a:r>
             <a:br>
               <a:rPr lang="es-419" sz="1800" dirty="0">
@@ -4930,7 +4946,7 @@
               </a:rPr>
             </a:br>
             <a:r>
-              <a:rPr lang="es-419" sz="1800" dirty="0">
+              <a:rPr lang="es-419" sz="1600" dirty="0">
                 <a:solidFill>
                   <a:schemeClr val="dk1"/>
                 </a:solidFill>
@@ -4941,12 +4957,12 @@
               </a:rPr>
               <a:t>[field: username</a:t>
             </a:r>
-            <a:endParaRPr sz="1200" dirty="0"/>
+            <a:endParaRPr sz="1600" dirty="0"/>
           </a:p>
           <a:p>
             <a:pPr algn="ctr"/>
             <a:r>
-              <a:rPr lang="es-419" sz="1800" dirty="0">
+              <a:rPr lang="es-419" sz="1600" dirty="0">
                 <a:solidFill>
                   <a:schemeClr val="dk1"/>
                 </a:solidFill>
@@ -4961,7 +4977,7 @@
           <a:p>
             <a:pPr algn="ctr"/>
             <a:r>
-              <a:rPr lang="es-419" sz="1800" dirty="0">
+              <a:rPr lang="es-419" sz="1600" dirty="0">
                 <a:solidFill>
                   <a:schemeClr val="dk1"/>
                 </a:solidFill>
@@ -4970,7 +4986,22 @@
                 <a:cs typeface="Calibri"/>
                 <a:sym typeface="Calibri"/>
               </a:rPr>
-              <a:t>field: email]</a:t>
+              <a:t>Field: passwordRepeated</a:t>
+            </a:r>
+          </a:p>
+          <a:p>
+            <a:pPr algn="ctr"/>
+            <a:r>
+              <a:rPr lang="es-419" sz="1600" dirty="0">
+                <a:solidFill>
+                  <a:schemeClr val="dk1"/>
+                </a:solidFill>
+                <a:latin typeface="Calibri"/>
+                <a:ea typeface="Calibri"/>
+                <a:cs typeface="Calibri"/>
+                <a:sym typeface="Calibri"/>
+              </a:rPr>
+              <a:t>Field: email]</a:t>
             </a:r>
           </a:p>
           <a:p>
@@ -5001,7 +5032,7 @@
         </p:nvSpPr>
         <p:spPr>
           <a:xfrm>
-            <a:off x="6278393" y="2911467"/>
+            <a:off x="9250889" y="4430364"/>
             <a:ext cx="2730325" cy="1728000"/>
           </a:xfrm>
           <a:prstGeom prst="rect">
@@ -5026,8 +5057,9 @@
           </a:bodyPr>
           <a:lstStyle/>
           <a:p>
-            <a:r>
-              <a:rPr lang="es-419" sz="2100" dirty="0">
+            <a:pPr algn="ctr"/>
+            <a:r>
+              <a:rPr lang="es-419" sz="2100" b="1" dirty="0">
                 <a:solidFill>
                   <a:schemeClr val="dk1"/>
                 </a:solidFill>
@@ -5038,114 +5070,7 @@
               </a:rPr>
               <a:t>HOME PAGE</a:t>
             </a:r>
-            <a:endParaRPr sz="2100" dirty="0">
-              <a:solidFill>
-                <a:schemeClr val="dk1"/>
-              </a:solidFill>
-              <a:latin typeface="Calibri"/>
-              <a:ea typeface="Calibri"/>
-              <a:cs typeface="Calibri"/>
-              <a:sym typeface="Calibri"/>
-            </a:endParaRPr>
-          </a:p>
-        </p:txBody>
-      </p:sp>
-      <p:sp>
-        <p:nvSpPr>
-          <p:cNvPr id="7" name="Google Shape;200;p33">
-            <a:extLst>
-              <a:ext uri="{FF2B5EF4-FFF2-40B4-BE49-F238E27FC236}">
-                <a16:creationId xmlns:a16="http://schemas.microsoft.com/office/drawing/2014/main" id="{0F1966A2-65C1-4236-8B07-71E5C2EC0E4D}"/>
-              </a:ext>
-            </a:extLst>
-          </p:cNvPr>
-          <p:cNvSpPr/>
-          <p:nvPr/>
-        </p:nvSpPr>
-        <p:spPr>
-          <a:xfrm>
-            <a:off x="2456723" y="1380150"/>
-            <a:ext cx="312035" cy="288032"/>
-          </a:xfrm>
-          <a:prstGeom prst="ellipse">
-            <a:avLst/>
-          </a:prstGeom>
-          <a:solidFill>
-            <a:schemeClr val="accent1"/>
-          </a:solidFill>
-          <a:ln w="25400" cap="flat" cmpd="sng">
-            <a:solidFill>
-              <a:srgbClr val="395E89"/>
-            </a:solidFill>
-            <a:prstDash val="solid"/>
-            <a:round/>
-            <a:headEnd type="none" w="sm" len="sm"/>
-            <a:tailEnd type="none" w="sm" len="sm"/>
-          </a:ln>
-        </p:spPr>
-        <p:txBody>
-          <a:bodyPr spcFirstLastPara="1" wrap="square" lIns="107269" tIns="53620" rIns="107269" bIns="53620" anchor="ctr" anchorCtr="0">
-            <a:noAutofit/>
-          </a:bodyPr>
-          <a:lstStyle/>
-          <a:p>
-            <a:pPr algn="ctr"/>
-            <a:endParaRPr sz="2100">
-              <a:solidFill>
-                <a:schemeClr val="lt1"/>
-              </a:solidFill>
-              <a:latin typeface="Calibri"/>
-              <a:ea typeface="Calibri"/>
-              <a:cs typeface="Calibri"/>
-              <a:sym typeface="Calibri"/>
-            </a:endParaRPr>
-          </a:p>
-        </p:txBody>
-      </p:sp>
-      <p:sp>
-        <p:nvSpPr>
-          <p:cNvPr id="8" name="Google Shape;204;p33">
-            <a:extLst>
-              <a:ext uri="{FF2B5EF4-FFF2-40B4-BE49-F238E27FC236}">
-                <a16:creationId xmlns:a16="http://schemas.microsoft.com/office/drawing/2014/main" id="{321A2FE9-189F-4830-90C7-E3DAD2D3E249}"/>
-              </a:ext>
-            </a:extLst>
-          </p:cNvPr>
-          <p:cNvSpPr txBox="1"/>
-          <p:nvPr/>
-        </p:nvSpPr>
-        <p:spPr>
-          <a:xfrm>
-            <a:off x="2456723" y="1644105"/>
-            <a:ext cx="901550" cy="369200"/>
-          </a:xfrm>
-          <a:prstGeom prst="rect">
-            <a:avLst/>
-          </a:prstGeom>
-          <a:noFill/>
-          <a:ln>
-            <a:noFill/>
-          </a:ln>
-        </p:spPr>
-        <p:txBody>
-          <a:bodyPr spcFirstLastPara="1" wrap="square" lIns="107269" tIns="53620" rIns="107269" bIns="53620" anchor="t" anchorCtr="0">
-            <a:noAutofit/>
-          </a:bodyPr>
-          <a:lstStyle/>
-          <a:p>
-            <a:r>
-              <a:rPr lang="es-419" sz="1800" dirty="0">
-                <a:solidFill>
-                  <a:schemeClr val="dk1"/>
-                </a:solidFill>
-                <a:latin typeface="Calibri"/>
-                <a:ea typeface="Calibri"/>
-                <a:cs typeface="Calibri"/>
-                <a:sym typeface="Calibri"/>
-              </a:rPr>
-              <a:t>submit</a:t>
-            </a:r>
-            <a:endParaRPr sz="2100" dirty="0">
+            <a:endParaRPr sz="2100" b="1" dirty="0">
               <a:solidFill>
                 <a:schemeClr val="dk1"/>
               </a:solidFill>
@@ -5168,18 +5093,18 @@
           </p:cNvPr>
           <p:cNvCxnSpPr>
             <a:cxnSpLocks/>
+            <a:stCxn id="16" idx="4"/>
+            <a:endCxn id="4" idx="3"/>
           </p:cNvCxnSpPr>
           <p:nvPr/>
         </p:nvCxnSpPr>
         <p:spPr>
-          <a:xfrm rot="10800000" flipV="1">
-            <a:off x="3392810" y="2185279"/>
-            <a:ext cx="1155550" cy="328874"/>
+          <a:xfrm rot="5400000">
+            <a:off x="6012958" y="2501822"/>
+            <a:ext cx="943537" cy="777451"/>
           </a:xfrm>
-          <a:prstGeom prst="bentConnector3">
-            <a:avLst>
-              <a:gd name="adj1" fmla="val -579"/>
-            </a:avLst>
+          <a:prstGeom prst="bentConnector2">
+            <a:avLst/>
           </a:prstGeom>
           <a:noFill/>
           <a:ln w="25400" cap="flat" cmpd="sng">
@@ -5214,7 +5139,7 @@
         </p:nvSpPr>
         <p:spPr>
           <a:xfrm>
-            <a:off x="3309070" y="2585010"/>
+            <a:off x="6208638" y="3433698"/>
             <a:ext cx="2696200" cy="369200"/>
           </a:xfrm>
           <a:prstGeom prst="rect">
@@ -5241,7 +5166,7 @@
                 <a:cs typeface="Calibri"/>
                 <a:sym typeface="Calibri"/>
               </a:rPr>
-              <a:t>wrong user + pswd</a:t>
+              <a:t>Wrong user + pswd</a:t>
             </a:r>
             <a:endParaRPr sz="2000" dirty="0">
               <a:solidFill>
@@ -5269,8 +5194,8 @@
         </p:nvSpPr>
         <p:spPr>
           <a:xfrm>
-            <a:off x="3768537" y="413830"/>
-            <a:ext cx="2368925" cy="410400"/>
+            <a:off x="4359208" y="923508"/>
+            <a:ext cx="3216463" cy="410400"/>
           </a:xfrm>
           <a:prstGeom prst="rect">
             <a:avLst/>
@@ -5302,7 +5227,7 @@
                 <a:cs typeface="Calibri"/>
                 <a:sym typeface="Calibri"/>
               </a:rPr>
-              <a:t>username</a:t>
+              <a:t>Username/email</a:t>
             </a:r>
             <a:r>
               <a:rPr lang="es-419" sz="2100" dirty="0">
@@ -5349,13 +5274,15 @@
               </a:ext>
             </a:extLst>
           </p:cNvPr>
-          <p:cNvCxnSpPr/>
+          <p:cNvCxnSpPr>
+            <a:cxnSpLocks/>
+          </p:cNvCxnSpPr>
           <p:nvPr/>
         </p:nvCxnSpPr>
         <p:spPr>
           <a:xfrm flipH="1">
-            <a:off x="3462991" y="751555"/>
-            <a:ext cx="511875" cy="744400"/>
+            <a:off x="5044440" y="1275169"/>
+            <a:ext cx="352260" cy="868046"/>
           </a:xfrm>
           <a:prstGeom prst="straightConnector1">
             <a:avLst/>
@@ -5386,7 +5313,7 @@
         </p:nvSpPr>
         <p:spPr>
           <a:xfrm>
-            <a:off x="3782870" y="1212269"/>
+            <a:off x="6215850" y="1549164"/>
             <a:ext cx="1482165" cy="654359"/>
           </a:xfrm>
           <a:prstGeom prst="parallelogram">
@@ -5415,7 +5342,7 @@
           <a:p>
             <a:pPr algn="ctr"/>
             <a:r>
-              <a:rPr lang="es-419" sz="2100">
+              <a:rPr lang="es-419" sz="2100" dirty="0">
                 <a:solidFill>
                   <a:schemeClr val="dk1"/>
                 </a:solidFill>
@@ -5427,7 +5354,7 @@
               <a:t>Check</a:t>
             </a:r>
             <a:br>
-              <a:rPr lang="es-419" sz="2100">
+              <a:rPr lang="es-419" sz="2100" dirty="0">
                 <a:solidFill>
                   <a:schemeClr val="dk1"/>
                 </a:solidFill>
@@ -5438,7 +5365,7 @@
               </a:rPr>
             </a:br>
             <a:r>
-              <a:rPr lang="es-419" sz="2100">
+              <a:rPr lang="es-419" sz="2100" dirty="0">
                 <a:solidFill>
                   <a:schemeClr val="dk1"/>
                 </a:solidFill>
@@ -5449,7 +5376,7 @@
               </a:rPr>
               <a:t>Login</a:t>
             </a:r>
-            <a:endParaRPr sz="2100">
+            <a:endParaRPr sz="2100" dirty="0">
               <a:solidFill>
                 <a:schemeClr val="dk1"/>
               </a:solidFill>
@@ -5478,9 +5405,9 @@
           <p:nvPr/>
         </p:nvCxnSpPr>
         <p:spPr>
-          <a:xfrm>
-            <a:off x="2768758" y="1524166"/>
-            <a:ext cx="1080625" cy="15200"/>
+          <a:xfrm flipV="1">
+            <a:off x="3016047" y="1876344"/>
+            <a:ext cx="3281598" cy="470325"/>
           </a:xfrm>
           <a:prstGeom prst="straightConnector1">
             <a:avLst/>
@@ -5506,10 +5433,10 @@
       </p:cxnSp>
       <p:sp>
         <p:nvSpPr>
-          <p:cNvPr id="15" name="Google Shape;211;p33">
+          <p:cNvPr id="16" name="Google Shape;206;p33">
             <a:extLst>
               <a:ext uri="{FF2B5EF4-FFF2-40B4-BE49-F238E27FC236}">
-                <a16:creationId xmlns:a16="http://schemas.microsoft.com/office/drawing/2014/main" id="{847FAC4A-F19F-4CA9-8A2C-DBC3A407B446}"/>
+                <a16:creationId xmlns:a16="http://schemas.microsoft.com/office/drawing/2014/main" id="{1530CC92-D573-4B86-84EC-54D0C2A25F26}"/>
               </a:ext>
             </a:extLst>
           </p:cNvPr>
@@ -5518,7 +5445,7 @@
         </p:nvSpPr>
         <p:spPr>
           <a:xfrm>
-            <a:off x="5125745" y="1439833"/>
+            <a:off x="6717433" y="2130747"/>
             <a:ext cx="312035" cy="288032"/>
           </a:xfrm>
           <a:prstGeom prst="ellipse">
@@ -5558,58 +5485,6 @@
       </p:sp>
       <p:sp>
         <p:nvSpPr>
-          <p:cNvPr id="16" name="Google Shape;206;p33">
-            <a:extLst>
-              <a:ext uri="{FF2B5EF4-FFF2-40B4-BE49-F238E27FC236}">
-                <a16:creationId xmlns:a16="http://schemas.microsoft.com/office/drawing/2014/main" id="{1530CC92-D573-4B86-84EC-54D0C2A25F26}"/>
-              </a:ext>
-            </a:extLst>
-          </p:cNvPr>
-          <p:cNvSpPr/>
-          <p:nvPr/>
-        </p:nvSpPr>
-        <p:spPr>
-          <a:xfrm>
-            <a:off x="4386514" y="1877134"/>
-            <a:ext cx="312035" cy="288032"/>
-          </a:xfrm>
-          <a:prstGeom prst="ellipse">
-            <a:avLst/>
-          </a:prstGeom>
-          <a:solidFill>
-            <a:schemeClr val="accent1"/>
-          </a:solidFill>
-          <a:ln w="25400" cap="flat" cmpd="sng">
-            <a:solidFill>
-              <a:srgbClr val="395E89"/>
-            </a:solidFill>
-            <a:prstDash val="solid"/>
-            <a:round/>
-            <a:headEnd type="none" w="sm" len="sm"/>
-            <a:tailEnd type="none" w="sm" len="sm"/>
-          </a:ln>
-        </p:spPr>
-        <p:txBody>
-          <a:bodyPr spcFirstLastPara="1" wrap="square" lIns="107269" tIns="53620" rIns="107269" bIns="53620" anchor="ctr" anchorCtr="0">
-            <a:noAutofit/>
-          </a:bodyPr>
-          <a:lstStyle/>
-          <a:p>
-            <a:pPr algn="ctr"/>
-            <a:endParaRPr sz="2100">
-              <a:solidFill>
-                <a:schemeClr val="lt1"/>
-              </a:solidFill>
-              <a:latin typeface="Calibri"/>
-              <a:ea typeface="Calibri"/>
-              <a:cs typeface="Calibri"/>
-              <a:sym typeface="Calibri"/>
-            </a:endParaRPr>
-          </a:p>
-        </p:txBody>
-      </p:sp>
-      <p:sp>
-        <p:nvSpPr>
           <p:cNvPr id="17" name="Google Shape;212;p33">
             <a:extLst>
               <a:ext uri="{FF2B5EF4-FFF2-40B4-BE49-F238E27FC236}">
@@ -5622,8 +5497,8 @@
         </p:nvSpPr>
         <p:spPr>
           <a:xfrm>
-            <a:off x="5437780" y="907340"/>
-            <a:ext cx="1681225" cy="369200"/>
+            <a:off x="8904838" y="1357176"/>
+            <a:ext cx="2073855" cy="369200"/>
           </a:xfrm>
           <a:prstGeom prst="rect">
             <a:avLst/>
@@ -5674,13 +5549,15 @@
           </p:cNvPr>
           <p:cNvCxnSpPr>
             <a:cxnSpLocks/>
+            <a:stCxn id="15" idx="6"/>
+            <a:endCxn id="6" idx="0"/>
           </p:cNvCxnSpPr>
           <p:nvPr/>
         </p:nvCxnSpPr>
         <p:spPr>
           <a:xfrm>
-            <a:off x="5176499" y="1566812"/>
-            <a:ext cx="2335136" cy="1344655"/>
+            <a:off x="7816503" y="1876343"/>
+            <a:ext cx="2799549" cy="2554021"/>
           </a:xfrm>
           <a:prstGeom prst="bentConnector2">
             <a:avLst/>
@@ -5706,61 +5583,6 @@
       </p:cxnSp>
       <p:sp>
         <p:nvSpPr>
-          <p:cNvPr id="19" name="Google Shape;214;p33">
-            <a:extLst>
-              <a:ext uri="{FF2B5EF4-FFF2-40B4-BE49-F238E27FC236}">
-                <a16:creationId xmlns:a16="http://schemas.microsoft.com/office/drawing/2014/main" id="{DEFE3F8F-4F25-478A-AFAE-DDE5F7303F02}"/>
-              </a:ext>
-            </a:extLst>
-          </p:cNvPr>
-          <p:cNvSpPr txBox="1"/>
-          <p:nvPr/>
-        </p:nvSpPr>
-        <p:spPr>
-          <a:xfrm>
-            <a:off x="7775477" y="2433516"/>
-            <a:ext cx="1025624" cy="369200"/>
-          </a:xfrm>
-          <a:prstGeom prst="rect">
-            <a:avLst/>
-          </a:prstGeom>
-          <a:noFill/>
-          <a:ln>
-            <a:noFill/>
-          </a:ln>
-        </p:spPr>
-        <p:txBody>
-          <a:bodyPr spcFirstLastPara="1" wrap="square" lIns="107269" tIns="53620" rIns="107269" bIns="53620" anchor="t" anchorCtr="0">
-            <a:noAutofit/>
-          </a:bodyPr>
-          <a:lstStyle/>
-          <a:p>
-            <a:r>
-              <a:rPr lang="es-419" sz="2100" dirty="0">
-                <a:solidFill>
-                  <a:schemeClr val="dk1"/>
-                </a:solidFill>
-                <a:latin typeface="Calibri"/>
-                <a:ea typeface="Calibri"/>
-                <a:cs typeface="Calibri"/>
-                <a:sym typeface="Calibri"/>
-              </a:rPr>
-              <a:t>albums</a:t>
-            </a:r>
-            <a:endParaRPr sz="2100" dirty="0">
-              <a:solidFill>
-                <a:schemeClr val="dk1"/>
-              </a:solidFill>
-              <a:latin typeface="Calibri"/>
-              <a:ea typeface="Calibri"/>
-              <a:cs typeface="Calibri"/>
-              <a:sym typeface="Calibri"/>
-            </a:endParaRPr>
-          </a:p>
-        </p:txBody>
-      </p:sp>
-      <p:sp>
-        <p:nvSpPr>
           <p:cNvPr id="24" name="Google Shape;198;p33">
             <a:extLst>
               <a:ext uri="{FF2B5EF4-FFF2-40B4-BE49-F238E27FC236}">
@@ -5773,8 +5595,8 @@
         </p:nvSpPr>
         <p:spPr>
           <a:xfrm>
-            <a:off x="509890" y="1091940"/>
-            <a:ext cx="1989325" cy="1147200"/>
+            <a:off x="402418" y="1845179"/>
+            <a:ext cx="2450284" cy="1147200"/>
           </a:xfrm>
           <a:prstGeom prst="roundRect">
             <a:avLst>
@@ -5802,7 +5624,7 @@
           <a:p>
             <a:pPr algn="ctr"/>
             <a:r>
-              <a:rPr lang="es-419" sz="1800" dirty="0">
+              <a:rPr lang="es-419" sz="1800" b="1" dirty="0">
                 <a:solidFill>
                   <a:schemeClr val="dk1"/>
                 </a:solidFill>
@@ -5812,6 +5634,21 @@
                 <a:sym typeface="Calibri"/>
               </a:rPr>
               <a:t>Login form</a:t>
+            </a:r>
+          </a:p>
+          <a:p>
+            <a:pPr algn="ctr"/>
+            <a:r>
+              <a:rPr lang="es-419" sz="1600" dirty="0">
+                <a:solidFill>
+                  <a:schemeClr val="dk1"/>
+                </a:solidFill>
+                <a:latin typeface="Calibri"/>
+                <a:ea typeface="Calibri"/>
+                <a:cs typeface="Calibri"/>
+                <a:sym typeface="Calibri"/>
+              </a:rPr>
+              <a:t>:form</a:t>
             </a:r>
             <a:br>
               <a:rPr lang="es-419" sz="1800" dirty="0">
@@ -5825,7 +5662,7 @@
               </a:rPr>
             </a:br>
             <a:r>
-              <a:rPr lang="es-419" sz="1800" dirty="0">
+              <a:rPr lang="es-419" sz="1600" dirty="0">
                 <a:solidFill>
                   <a:schemeClr val="dk1"/>
                 </a:solidFill>
@@ -5834,14 +5671,14 @@
                 <a:cs typeface="Calibri"/>
                 <a:sym typeface="Calibri"/>
               </a:rPr>
-              <a:t>[field: username</a:t>
-            </a:r>
-            <a:endParaRPr sz="1200" dirty="0"/>
+              <a:t>[field: username/email</a:t>
+            </a:r>
+            <a:endParaRPr sz="1600" dirty="0"/>
           </a:p>
           <a:p>
             <a:pPr algn="ctr"/>
             <a:r>
-              <a:rPr lang="es-419" sz="1800" dirty="0">
+              <a:rPr lang="es-419" sz="1600" dirty="0">
                 <a:solidFill>
                   <a:schemeClr val="dk1"/>
                 </a:solidFill>
@@ -5852,7 +5689,7 @@
               </a:rPr>
               <a:t>field: password]</a:t>
             </a:r>
-            <a:endParaRPr sz="1800" dirty="0">
+            <a:endParaRPr sz="1600" dirty="0">
               <a:solidFill>
                 <a:schemeClr val="dk1"/>
               </a:solidFill>
@@ -5878,7 +5715,7 @@
         </p:nvSpPr>
         <p:spPr>
           <a:xfrm>
-            <a:off x="1345042" y="3775467"/>
+            <a:off x="1205342" y="4931167"/>
             <a:ext cx="312035" cy="288032"/>
           </a:xfrm>
           <a:prstGeom prst="ellipse">
@@ -5930,8 +5767,8 @@
         </p:nvSpPr>
         <p:spPr>
           <a:xfrm>
-            <a:off x="715222" y="4977272"/>
-            <a:ext cx="1482165" cy="654359"/>
+            <a:off x="210786" y="6132972"/>
+            <a:ext cx="2167724" cy="654359"/>
           </a:xfrm>
           <a:prstGeom prst="parallelogram">
             <a:avLst>
@@ -5968,30 +5805,7 @@
                 <a:cs typeface="Calibri"/>
                 <a:sym typeface="Calibri"/>
               </a:rPr>
-              <a:t>Check</a:t>
-            </a:r>
-            <a:br>
-              <a:rPr lang="es-419" sz="2100" dirty="0">
-                <a:solidFill>
-                  <a:schemeClr val="dk1"/>
-                </a:solidFill>
-                <a:latin typeface="Calibri"/>
-                <a:ea typeface="Calibri"/>
-                <a:cs typeface="Calibri"/>
-                <a:sym typeface="Calibri"/>
-              </a:rPr>
-            </a:br>
-            <a:r>
-              <a:rPr lang="es-419" sz="2100" dirty="0">
-                <a:solidFill>
-                  <a:schemeClr val="dk1"/>
-                </a:solidFill>
-                <a:latin typeface="Calibri"/>
-                <a:ea typeface="Calibri"/>
-                <a:cs typeface="Calibri"/>
-                <a:sym typeface="Calibri"/>
-              </a:rPr>
-              <a:t>Login</a:t>
+              <a:t>Registration</a:t>
             </a:r>
             <a:endParaRPr sz="2100" dirty="0">
               <a:solidFill>
@@ -6023,8 +5837,8 @@
         </p:nvCxnSpPr>
         <p:spPr>
           <a:xfrm>
-            <a:off x="1501060" y="4063499"/>
-            <a:ext cx="37039" cy="913773"/>
+            <a:off x="1361360" y="5219199"/>
+            <a:ext cx="15083" cy="913773"/>
           </a:xfrm>
           <a:prstGeom prst="straightConnector1">
             <a:avLst/>
@@ -6062,7 +5876,7 @@
         </p:nvSpPr>
         <p:spPr>
           <a:xfrm>
-            <a:off x="2041369" y="5160435"/>
+            <a:off x="2189797" y="6330235"/>
             <a:ext cx="312035" cy="288032"/>
           </a:xfrm>
           <a:prstGeom prst="ellipse">
@@ -6112,13 +5926,14 @@
           <p:cNvCxnSpPr>
             <a:cxnSpLocks/>
             <a:stCxn id="32" idx="6"/>
+            <a:endCxn id="4" idx="2"/>
           </p:cNvCxnSpPr>
           <p:nvPr/>
         </p:nvCxnSpPr>
         <p:spPr>
           <a:xfrm flipV="1">
-            <a:off x="2353404" y="4169395"/>
-            <a:ext cx="634893" cy="1135056"/>
+            <a:off x="2501832" y="5304982"/>
+            <a:ext cx="596968" cy="1169269"/>
           </a:xfrm>
           <a:prstGeom prst="bentConnector2">
             <a:avLst/>
@@ -6156,8 +5971,8 @@
         </p:nvSpPr>
         <p:spPr>
           <a:xfrm>
-            <a:off x="3012692" y="4608072"/>
-            <a:ext cx="2696200" cy="369200"/>
+            <a:off x="3183232" y="5889616"/>
+            <a:ext cx="2696200" cy="748579"/>
           </a:xfrm>
           <a:prstGeom prst="rect">
             <a:avLst/>
@@ -6211,7 +6026,7 @@
         </p:nvSpPr>
         <p:spPr>
           <a:xfrm>
-            <a:off x="1657077" y="3776190"/>
+            <a:off x="1517377" y="4931890"/>
             <a:ext cx="901550" cy="369200"/>
           </a:xfrm>
           <a:prstGeom prst="rect">
@@ -6249,6 +6064,668 @@
               <a:cs typeface="Calibri"/>
               <a:sym typeface="Calibri"/>
             </a:endParaRPr>
+          </a:p>
+        </p:txBody>
+      </p:sp>
+      <p:sp>
+        <p:nvSpPr>
+          <p:cNvPr id="8" name="Google Shape;204;p33">
+            <a:extLst>
+              <a:ext uri="{FF2B5EF4-FFF2-40B4-BE49-F238E27FC236}">
+                <a16:creationId xmlns:a16="http://schemas.microsoft.com/office/drawing/2014/main" id="{321A2FE9-189F-4830-90C7-E3DAD2D3E249}"/>
+              </a:ext>
+            </a:extLst>
+          </p:cNvPr>
+          <p:cNvSpPr txBox="1"/>
+          <p:nvPr/>
+        </p:nvSpPr>
+        <p:spPr>
+          <a:xfrm>
+            <a:off x="2860522" y="2454120"/>
+            <a:ext cx="901550" cy="369200"/>
+          </a:xfrm>
+          <a:prstGeom prst="rect">
+            <a:avLst/>
+          </a:prstGeom>
+          <a:noFill/>
+          <a:ln>
+            <a:noFill/>
+          </a:ln>
+        </p:spPr>
+        <p:txBody>
+          <a:bodyPr spcFirstLastPara="1" wrap="square" lIns="107269" tIns="53620" rIns="107269" bIns="53620" anchor="t" anchorCtr="0">
+            <a:noAutofit/>
+          </a:bodyPr>
+          <a:lstStyle/>
+          <a:p>
+            <a:r>
+              <a:rPr lang="es-419" sz="1800" dirty="0">
+                <a:solidFill>
+                  <a:schemeClr val="dk1"/>
+                </a:solidFill>
+                <a:latin typeface="Calibri"/>
+                <a:ea typeface="Calibri"/>
+                <a:cs typeface="Calibri"/>
+                <a:sym typeface="Calibri"/>
+              </a:rPr>
+              <a:t>submit</a:t>
+            </a:r>
+            <a:endParaRPr sz="2100" dirty="0">
+              <a:solidFill>
+                <a:schemeClr val="dk1"/>
+              </a:solidFill>
+              <a:latin typeface="Calibri"/>
+              <a:ea typeface="Calibri"/>
+              <a:cs typeface="Calibri"/>
+              <a:sym typeface="Calibri"/>
+            </a:endParaRPr>
+          </a:p>
+        </p:txBody>
+      </p:sp>
+      <p:sp>
+        <p:nvSpPr>
+          <p:cNvPr id="7" name="Google Shape;200;p33">
+            <a:extLst>
+              <a:ext uri="{FF2B5EF4-FFF2-40B4-BE49-F238E27FC236}">
+                <a16:creationId xmlns:a16="http://schemas.microsoft.com/office/drawing/2014/main" id="{0F1966A2-65C1-4236-8B07-71E5C2EC0E4D}"/>
+              </a:ext>
+            </a:extLst>
+          </p:cNvPr>
+          <p:cNvSpPr/>
+          <p:nvPr/>
+        </p:nvSpPr>
+        <p:spPr>
+          <a:xfrm>
+            <a:off x="2704012" y="2202653"/>
+            <a:ext cx="312035" cy="288032"/>
+          </a:xfrm>
+          <a:prstGeom prst="ellipse">
+            <a:avLst/>
+          </a:prstGeom>
+          <a:solidFill>
+            <a:schemeClr val="accent1"/>
+          </a:solidFill>
+          <a:ln w="25400" cap="flat" cmpd="sng">
+            <a:solidFill>
+              <a:srgbClr val="395E89"/>
+            </a:solidFill>
+            <a:prstDash val="solid"/>
+            <a:round/>
+            <a:headEnd type="none" w="sm" len="sm"/>
+            <a:tailEnd type="none" w="sm" len="sm"/>
+          </a:ln>
+        </p:spPr>
+        <p:txBody>
+          <a:bodyPr spcFirstLastPara="1" wrap="square" lIns="107269" tIns="53620" rIns="107269" bIns="53620" anchor="ctr" anchorCtr="0">
+            <a:noAutofit/>
+          </a:bodyPr>
+          <a:lstStyle/>
+          <a:p>
+            <a:pPr algn="ctr"/>
+            <a:endParaRPr sz="2100">
+              <a:solidFill>
+                <a:schemeClr val="lt1"/>
+              </a:solidFill>
+              <a:latin typeface="Calibri"/>
+              <a:ea typeface="Calibri"/>
+              <a:cs typeface="Calibri"/>
+              <a:sym typeface="Calibri"/>
+            </a:endParaRPr>
+          </a:p>
+        </p:txBody>
+      </p:sp>
+      <p:sp>
+        <p:nvSpPr>
+          <p:cNvPr id="15" name="Google Shape;211;p33">
+            <a:extLst>
+              <a:ext uri="{FF2B5EF4-FFF2-40B4-BE49-F238E27FC236}">
+                <a16:creationId xmlns:a16="http://schemas.microsoft.com/office/drawing/2014/main" id="{847FAC4A-F19F-4CA9-8A2C-DBC3A407B446}"/>
+              </a:ext>
+            </a:extLst>
+          </p:cNvPr>
+          <p:cNvSpPr/>
+          <p:nvPr/>
+        </p:nvSpPr>
+        <p:spPr>
+          <a:xfrm>
+            <a:off x="7504468" y="1732327"/>
+            <a:ext cx="312035" cy="288032"/>
+          </a:xfrm>
+          <a:prstGeom prst="ellipse">
+            <a:avLst/>
+          </a:prstGeom>
+          <a:solidFill>
+            <a:schemeClr val="accent1"/>
+          </a:solidFill>
+          <a:ln w="25400" cap="flat" cmpd="sng">
+            <a:solidFill>
+              <a:srgbClr val="395E89"/>
+            </a:solidFill>
+            <a:prstDash val="solid"/>
+            <a:round/>
+            <a:headEnd type="none" w="sm" len="sm"/>
+            <a:tailEnd type="none" w="sm" len="sm"/>
+          </a:ln>
+        </p:spPr>
+        <p:txBody>
+          <a:bodyPr spcFirstLastPara="1" wrap="square" lIns="107269" tIns="53620" rIns="107269" bIns="53620" anchor="ctr" anchorCtr="0">
+            <a:noAutofit/>
+          </a:bodyPr>
+          <a:lstStyle/>
+          <a:p>
+            <a:pPr algn="ctr"/>
+            <a:endParaRPr sz="2100">
+              <a:solidFill>
+                <a:schemeClr val="lt1"/>
+              </a:solidFill>
+              <a:latin typeface="Calibri"/>
+              <a:ea typeface="Calibri"/>
+              <a:cs typeface="Calibri"/>
+              <a:sym typeface="Calibri"/>
+            </a:endParaRPr>
+          </a:p>
+        </p:txBody>
+      </p:sp>
+      <p:sp>
+        <p:nvSpPr>
+          <p:cNvPr id="47" name="Google Shape;229;p34">
+            <a:extLst>
+              <a:ext uri="{FF2B5EF4-FFF2-40B4-BE49-F238E27FC236}">
+                <a16:creationId xmlns:a16="http://schemas.microsoft.com/office/drawing/2014/main" id="{82140637-2D6E-430C-A33A-847002249C76}"/>
+              </a:ext>
+            </a:extLst>
+          </p:cNvPr>
+          <p:cNvSpPr/>
+          <p:nvPr/>
+        </p:nvSpPr>
+        <p:spPr>
+          <a:xfrm>
+            <a:off x="3917665" y="3338196"/>
+            <a:ext cx="1880960" cy="842367"/>
+          </a:xfrm>
+          <a:prstGeom prst="roundRect">
+            <a:avLst>
+              <a:gd name="adj" fmla="val 16667"/>
+            </a:avLst>
+          </a:prstGeom>
+          <a:solidFill>
+            <a:schemeClr val="bg1"/>
+          </a:solidFill>
+          <a:ln w="25400" cap="flat" cmpd="sng">
+            <a:solidFill>
+              <a:schemeClr val="accent3"/>
+            </a:solidFill>
+            <a:prstDash val="solid"/>
+            <a:round/>
+            <a:headEnd type="none" w="sm" len="sm"/>
+            <a:tailEnd type="none" w="sm" len="sm"/>
+          </a:ln>
+        </p:spPr>
+        <p:txBody>
+          <a:bodyPr spcFirstLastPara="1" wrap="square" lIns="107269" tIns="53620" rIns="107269" bIns="53620" anchor="ctr" anchorCtr="0">
+            <a:noAutofit/>
+          </a:bodyPr>
+          <a:lstStyle/>
+          <a:p>
+            <a:pPr algn="ctr"/>
+            <a:r>
+              <a:rPr lang="it-IT" b="1" dirty="0">
+                <a:solidFill>
+                  <a:schemeClr val="dk1"/>
+                </a:solidFill>
+                <a:latin typeface="Calibri"/>
+                <a:ea typeface="Calibri"/>
+                <a:cs typeface="Calibri"/>
+                <a:sym typeface="Calibri"/>
+              </a:rPr>
+              <a:t>Continue </a:t>
+            </a:r>
+            <a:r>
+              <a:rPr lang="it-IT" b="1" dirty="0" err="1">
+                <a:solidFill>
+                  <a:schemeClr val="dk1"/>
+                </a:solidFill>
+                <a:latin typeface="Calibri"/>
+                <a:ea typeface="Calibri"/>
+                <a:cs typeface="Calibri"/>
+                <a:sym typeface="Calibri"/>
+              </a:rPr>
+              <a:t>as</a:t>
+            </a:r>
+            <a:r>
+              <a:rPr lang="it-IT" b="1" dirty="0">
+                <a:solidFill>
+                  <a:schemeClr val="dk1"/>
+                </a:solidFill>
+                <a:latin typeface="Calibri"/>
+                <a:ea typeface="Calibri"/>
+                <a:cs typeface="Calibri"/>
+                <a:sym typeface="Calibri"/>
+              </a:rPr>
+              <a:t> Guest</a:t>
+            </a:r>
+            <a:endParaRPr lang="it-IT" sz="1400" dirty="0">
+              <a:solidFill>
+                <a:schemeClr val="dk1"/>
+              </a:solidFill>
+              <a:latin typeface="Calibri"/>
+              <a:ea typeface="Calibri"/>
+              <a:cs typeface="Calibri"/>
+              <a:sym typeface="Calibri"/>
+            </a:endParaRPr>
+          </a:p>
+          <a:p>
+            <a:pPr algn="ctr"/>
+            <a:r>
+              <a:rPr lang="it-IT" sz="1600" dirty="0">
+                <a:solidFill>
+                  <a:schemeClr val="dk1"/>
+                </a:solidFill>
+                <a:latin typeface="Calibri"/>
+                <a:ea typeface="Calibri"/>
+                <a:cs typeface="Calibri"/>
+                <a:sym typeface="Calibri"/>
+              </a:rPr>
+              <a:t>:Button</a:t>
+            </a:r>
+          </a:p>
+        </p:txBody>
+      </p:sp>
+      <p:sp>
+        <p:nvSpPr>
+          <p:cNvPr id="43" name="Google Shape;206;p33">
+            <a:extLst>
+              <a:ext uri="{FF2B5EF4-FFF2-40B4-BE49-F238E27FC236}">
+                <a16:creationId xmlns:a16="http://schemas.microsoft.com/office/drawing/2014/main" id="{353B2AF9-C60F-4762-AD57-478928F3EB94}"/>
+              </a:ext>
+            </a:extLst>
+          </p:cNvPr>
+          <p:cNvSpPr/>
+          <p:nvPr/>
+        </p:nvSpPr>
+        <p:spPr>
+          <a:xfrm>
+            <a:off x="4668176" y="4171047"/>
+            <a:ext cx="312035" cy="288032"/>
+          </a:xfrm>
+          <a:prstGeom prst="ellipse">
+            <a:avLst/>
+          </a:prstGeom>
+          <a:solidFill>
+            <a:schemeClr val="accent1"/>
+          </a:solidFill>
+          <a:ln w="25400" cap="flat" cmpd="sng">
+            <a:solidFill>
+              <a:srgbClr val="395E89"/>
+            </a:solidFill>
+            <a:prstDash val="solid"/>
+            <a:round/>
+            <a:headEnd type="none" w="sm" len="sm"/>
+            <a:tailEnd type="none" w="sm" len="sm"/>
+          </a:ln>
+        </p:spPr>
+        <p:txBody>
+          <a:bodyPr spcFirstLastPara="1" wrap="square" lIns="107269" tIns="53620" rIns="107269" bIns="53620" anchor="ctr" anchorCtr="0">
+            <a:noAutofit/>
+          </a:bodyPr>
+          <a:lstStyle/>
+          <a:p>
+            <a:pPr algn="ctr"/>
+            <a:endParaRPr sz="2100">
+              <a:solidFill>
+                <a:schemeClr val="lt1"/>
+              </a:solidFill>
+              <a:latin typeface="Calibri"/>
+              <a:ea typeface="Calibri"/>
+              <a:cs typeface="Calibri"/>
+              <a:sym typeface="Calibri"/>
+            </a:endParaRPr>
+          </a:p>
+        </p:txBody>
+      </p:sp>
+      <p:cxnSp>
+        <p:nvCxnSpPr>
+          <p:cNvPr id="50" name="Google Shape;210;p33">
+            <a:extLst>
+              <a:ext uri="{FF2B5EF4-FFF2-40B4-BE49-F238E27FC236}">
+                <a16:creationId xmlns:a16="http://schemas.microsoft.com/office/drawing/2014/main" id="{836FC1DF-FA0B-418E-AAB0-EB5C6ED05935}"/>
+              </a:ext>
+            </a:extLst>
+          </p:cNvPr>
+          <p:cNvCxnSpPr>
+            <a:cxnSpLocks/>
+            <a:stCxn id="43" idx="4"/>
+            <a:endCxn id="57" idx="5"/>
+          </p:cNvCxnSpPr>
+          <p:nvPr/>
+        </p:nvCxnSpPr>
+        <p:spPr>
+          <a:xfrm>
+            <a:off x="4824194" y="4459079"/>
+            <a:ext cx="1880960" cy="227236"/>
+          </a:xfrm>
+          <a:prstGeom prst="straightConnector1">
+            <a:avLst/>
+          </a:prstGeom>
+          <a:noFill/>
+          <a:ln w="25400" cap="flat" cmpd="sng">
+            <a:solidFill>
+              <a:schemeClr val="accent1"/>
+            </a:solidFill>
+            <a:prstDash val="solid"/>
+            <a:round/>
+            <a:headEnd type="none" w="sm" len="sm"/>
+            <a:tailEnd type="stealth" w="med" len="med"/>
+          </a:ln>
+          <a:effectLst>
+            <a:outerShdw blurRad="40000" dist="20000" dir="5400000" rotWithShape="0">
+              <a:srgbClr val="000000">
+                <a:alpha val="37647"/>
+              </a:srgbClr>
+            </a:outerShdw>
+          </a:effectLst>
+        </p:spPr>
+      </p:cxnSp>
+      <p:sp>
+        <p:nvSpPr>
+          <p:cNvPr id="54" name="Google Shape;204;p33">
+            <a:extLst>
+              <a:ext uri="{FF2B5EF4-FFF2-40B4-BE49-F238E27FC236}">
+                <a16:creationId xmlns:a16="http://schemas.microsoft.com/office/drawing/2014/main" id="{8669C3D7-9CB9-44C6-8596-87734DCDD766}"/>
+              </a:ext>
+            </a:extLst>
+          </p:cNvPr>
+          <p:cNvSpPr txBox="1"/>
+          <p:nvPr/>
+        </p:nvSpPr>
+        <p:spPr>
+          <a:xfrm>
+            <a:off x="4386472" y="4491499"/>
+            <a:ext cx="901550" cy="369200"/>
+          </a:xfrm>
+          <a:prstGeom prst="rect">
+            <a:avLst/>
+          </a:prstGeom>
+          <a:noFill/>
+          <a:ln>
+            <a:noFill/>
+          </a:ln>
+        </p:spPr>
+        <p:txBody>
+          <a:bodyPr spcFirstLastPara="1" wrap="square" lIns="107269" tIns="53620" rIns="107269" bIns="53620" anchor="t" anchorCtr="0">
+            <a:noAutofit/>
+          </a:bodyPr>
+          <a:lstStyle/>
+          <a:p>
+            <a:r>
+              <a:rPr lang="es-419" sz="1800" dirty="0">
+                <a:solidFill>
+                  <a:schemeClr val="dk1"/>
+                </a:solidFill>
+                <a:latin typeface="Calibri"/>
+                <a:ea typeface="Calibri"/>
+                <a:cs typeface="Calibri"/>
+                <a:sym typeface="Calibri"/>
+              </a:rPr>
+              <a:t>submit</a:t>
+            </a:r>
+            <a:endParaRPr sz="2100" dirty="0">
+              <a:solidFill>
+                <a:schemeClr val="dk1"/>
+              </a:solidFill>
+              <a:latin typeface="Calibri"/>
+              <a:ea typeface="Calibri"/>
+              <a:cs typeface="Calibri"/>
+              <a:sym typeface="Calibri"/>
+            </a:endParaRPr>
+          </a:p>
+        </p:txBody>
+      </p:sp>
+      <p:sp>
+        <p:nvSpPr>
+          <p:cNvPr id="57" name="Google Shape;202;p33">
+            <a:extLst>
+              <a:ext uri="{FF2B5EF4-FFF2-40B4-BE49-F238E27FC236}">
+                <a16:creationId xmlns:a16="http://schemas.microsoft.com/office/drawing/2014/main" id="{DB97AEE1-8582-43C1-BF1D-EE5930A679D6}"/>
+              </a:ext>
+            </a:extLst>
+          </p:cNvPr>
+          <p:cNvSpPr/>
+          <p:nvPr/>
+        </p:nvSpPr>
+        <p:spPr>
+          <a:xfrm>
+            <a:off x="6623359" y="4359135"/>
+            <a:ext cx="1482165" cy="654359"/>
+          </a:xfrm>
+          <a:prstGeom prst="parallelogram">
+            <a:avLst>
+              <a:gd name="adj" fmla="val 25000"/>
+            </a:avLst>
+          </a:prstGeom>
+          <a:solidFill>
+            <a:schemeClr val="lt1"/>
+          </a:solidFill>
+          <a:ln w="25400" cap="flat" cmpd="sng">
+            <a:solidFill>
+              <a:schemeClr val="accent2"/>
+            </a:solidFill>
+            <a:prstDash val="solid"/>
+            <a:round/>
+            <a:headEnd type="none" w="sm" len="sm"/>
+            <a:tailEnd type="none" w="sm" len="sm"/>
+          </a:ln>
+        </p:spPr>
+        <p:txBody>
+          <a:bodyPr spcFirstLastPara="1" wrap="square" lIns="107269" tIns="53620" rIns="107269" bIns="53620" anchor="ctr" anchorCtr="0">
+            <a:noAutofit/>
+          </a:bodyPr>
+          <a:lstStyle/>
+          <a:p>
+            <a:pPr algn="ctr"/>
+            <a:r>
+              <a:rPr lang="es-419" sz="2100" dirty="0">
+                <a:solidFill>
+                  <a:schemeClr val="dk1"/>
+                </a:solidFill>
+                <a:latin typeface="Calibri"/>
+                <a:ea typeface="Calibri"/>
+                <a:cs typeface="Calibri"/>
+                <a:sym typeface="Calibri"/>
+              </a:rPr>
+              <a:t>Check</a:t>
+            </a:r>
+            <a:br>
+              <a:rPr lang="es-419" sz="2100" dirty="0">
+                <a:solidFill>
+                  <a:schemeClr val="dk1"/>
+                </a:solidFill>
+                <a:latin typeface="Calibri"/>
+                <a:ea typeface="Calibri"/>
+                <a:cs typeface="Calibri"/>
+                <a:sym typeface="Calibri"/>
+              </a:rPr>
+            </a:br>
+            <a:r>
+              <a:rPr lang="es-419" sz="2100" dirty="0">
+                <a:solidFill>
+                  <a:schemeClr val="dk1"/>
+                </a:solidFill>
+                <a:latin typeface="Calibri"/>
+                <a:ea typeface="Calibri"/>
+                <a:cs typeface="Calibri"/>
+                <a:sym typeface="Calibri"/>
+              </a:rPr>
+              <a:t>Guest</a:t>
+            </a:r>
+            <a:endParaRPr sz="2100" dirty="0">
+              <a:solidFill>
+                <a:schemeClr val="dk1"/>
+              </a:solidFill>
+              <a:latin typeface="Calibri"/>
+              <a:ea typeface="Calibri"/>
+              <a:cs typeface="Calibri"/>
+              <a:sym typeface="Calibri"/>
+            </a:endParaRPr>
+          </a:p>
+        </p:txBody>
+      </p:sp>
+      <p:sp>
+        <p:nvSpPr>
+          <p:cNvPr id="63" name="Google Shape;211;p33">
+            <a:extLst>
+              <a:ext uri="{FF2B5EF4-FFF2-40B4-BE49-F238E27FC236}">
+                <a16:creationId xmlns:a16="http://schemas.microsoft.com/office/drawing/2014/main" id="{95A36AA0-8FBE-46B4-A3D9-866FC554667A}"/>
+              </a:ext>
+            </a:extLst>
+          </p:cNvPr>
+          <p:cNvSpPr/>
+          <p:nvPr/>
+        </p:nvSpPr>
+        <p:spPr>
+          <a:xfrm>
+            <a:off x="7878155" y="4572667"/>
+            <a:ext cx="312035" cy="288032"/>
+          </a:xfrm>
+          <a:prstGeom prst="ellipse">
+            <a:avLst/>
+          </a:prstGeom>
+          <a:solidFill>
+            <a:schemeClr val="accent1"/>
+          </a:solidFill>
+          <a:ln w="25400" cap="flat" cmpd="sng">
+            <a:solidFill>
+              <a:srgbClr val="395E89"/>
+            </a:solidFill>
+            <a:prstDash val="solid"/>
+            <a:round/>
+            <a:headEnd type="none" w="sm" len="sm"/>
+            <a:tailEnd type="none" w="sm" len="sm"/>
+          </a:ln>
+        </p:spPr>
+        <p:txBody>
+          <a:bodyPr spcFirstLastPara="1" wrap="square" lIns="107269" tIns="53620" rIns="107269" bIns="53620" anchor="ctr" anchorCtr="0">
+            <a:noAutofit/>
+          </a:bodyPr>
+          <a:lstStyle/>
+          <a:p>
+            <a:pPr algn="ctr"/>
+            <a:endParaRPr sz="2100">
+              <a:solidFill>
+                <a:schemeClr val="lt1"/>
+              </a:solidFill>
+              <a:latin typeface="Calibri"/>
+              <a:ea typeface="Calibri"/>
+              <a:cs typeface="Calibri"/>
+              <a:sym typeface="Calibri"/>
+            </a:endParaRPr>
+          </a:p>
+        </p:txBody>
+      </p:sp>
+      <p:cxnSp>
+        <p:nvCxnSpPr>
+          <p:cNvPr id="64" name="Google Shape;213;p33">
+            <a:extLst>
+              <a:ext uri="{FF2B5EF4-FFF2-40B4-BE49-F238E27FC236}">
+                <a16:creationId xmlns:a16="http://schemas.microsoft.com/office/drawing/2014/main" id="{17989920-B045-4566-9C31-A82F8A621EFB}"/>
+              </a:ext>
+            </a:extLst>
+          </p:cNvPr>
+          <p:cNvCxnSpPr>
+            <a:cxnSpLocks/>
+            <a:stCxn id="63" idx="6"/>
+            <a:endCxn id="6" idx="1"/>
+          </p:cNvCxnSpPr>
+          <p:nvPr/>
+        </p:nvCxnSpPr>
+        <p:spPr>
+          <a:xfrm>
+            <a:off x="8190190" y="4716683"/>
+            <a:ext cx="1060699" cy="577681"/>
+          </a:xfrm>
+          <a:prstGeom prst="bentConnector3">
+            <a:avLst>
+              <a:gd name="adj1" fmla="val 50000"/>
+            </a:avLst>
+          </a:prstGeom>
+          <a:noFill/>
+          <a:ln w="25400" cap="flat" cmpd="sng">
+            <a:solidFill>
+              <a:schemeClr val="accent1"/>
+            </a:solidFill>
+            <a:prstDash val="solid"/>
+            <a:round/>
+            <a:headEnd type="none" w="sm" len="sm"/>
+            <a:tailEnd type="stealth" w="med" len="med"/>
+          </a:ln>
+          <a:effectLst>
+            <a:outerShdw blurRad="40000" dist="20000" dir="5400000" rotWithShape="0">
+              <a:srgbClr val="000000">
+                <a:alpha val="37650"/>
+              </a:srgbClr>
+            </a:outerShdw>
+          </a:effectLst>
+        </p:spPr>
+      </p:cxnSp>
+      <p:sp>
+        <p:nvSpPr>
+          <p:cNvPr id="71" name="Google Shape;219;p34">
+            <a:extLst>
+              <a:ext uri="{FF2B5EF4-FFF2-40B4-BE49-F238E27FC236}">
+                <a16:creationId xmlns:a16="http://schemas.microsoft.com/office/drawing/2014/main" id="{FB663126-BBB1-4CCF-A537-CA89AE610D07}"/>
+              </a:ext>
+            </a:extLst>
+          </p:cNvPr>
+          <p:cNvSpPr txBox="1">
+            <a:spLocks/>
+          </p:cNvSpPr>
+          <p:nvPr/>
+        </p:nvSpPr>
+        <p:spPr>
+          <a:xfrm>
+            <a:off x="2384923" y="111077"/>
+            <a:ext cx="7753830" cy="682039"/>
+          </a:xfrm>
+          <a:prstGeom prst="rect">
+            <a:avLst/>
+          </a:prstGeom>
+          <a:noFill/>
+          <a:ln>
+            <a:noFill/>
+          </a:ln>
+        </p:spPr>
+        <p:txBody>
+          <a:bodyPr spcFirstLastPara="1" vert="horz" wrap="square" lIns="107269" tIns="53620" rIns="107269" bIns="53620" rtlCol="0" anchor="ctr" anchorCtr="0">
+            <a:noAutofit/>
+          </a:bodyPr>
+          <a:lstStyle>
+            <a:lvl1pPr algn="ctr" defTabSz="914400" rtl="0" eaLnBrk="1" latinLnBrk="0" hangingPunct="1">
+              <a:lnSpc>
+                <a:spcPct val="90000"/>
+              </a:lnSpc>
+              <a:spcBef>
+                <a:spcPct val="0"/>
+              </a:spcBef>
+              <a:buNone/>
+              <a:defRPr sz="6000" kern="1200">
+                <a:solidFill>
+                  <a:schemeClr val="tx1"/>
+                </a:solidFill>
+                <a:latin typeface="+mj-lt"/>
+                <a:ea typeface="+mj-ea"/>
+                <a:cs typeface="+mj-cs"/>
+              </a:defRPr>
+            </a:lvl1pPr>
+          </a:lstStyle>
+          <a:p>
+            <a:pPr>
+              <a:buSzPts val="4400"/>
+            </a:pPr>
+            <a:r>
+              <a:rPr lang="es-419"/>
+              <a:t>Application design</a:t>
+            </a:r>
+            <a:endParaRPr lang="es-419" dirty="0"/>
           </a:p>
         </p:txBody>
       </p:sp>
@@ -6284,46 +6761,6 @@
       </p:grpSpPr>
       <p:sp>
         <p:nvSpPr>
-          <p:cNvPr id="219" name="Google Shape;219;p34"/>
-          <p:cNvSpPr txBox="1">
-            <a:spLocks noGrp="1"/>
-          </p:cNvSpPr>
-          <p:nvPr>
-            <p:ph type="title"/>
-          </p:nvPr>
-        </p:nvSpPr>
-        <p:spPr>
-          <a:xfrm>
-            <a:off x="5410986" y="274637"/>
-            <a:ext cx="5142714" cy="1143200"/>
-          </a:xfrm>
-          <a:prstGeom prst="rect">
-            <a:avLst/>
-          </a:prstGeom>
-          <a:noFill/>
-          <a:ln>
-            <a:noFill/>
-          </a:ln>
-        </p:spPr>
-        <p:txBody>
-          <a:bodyPr spcFirstLastPara="1" vert="horz" wrap="square" lIns="107269" tIns="53620" rIns="107269" bIns="53620" rtlCol="0" anchor="ctr" anchorCtr="0">
-            <a:noAutofit/>
-          </a:bodyPr>
-          <a:lstStyle/>
-          <a:p>
-            <a:pPr>
-              <a:buSzPts val="4400"/>
-            </a:pPr>
-            <a:r>
-              <a:rPr lang="es-419" dirty="0"/>
-              <a:t>Application design</a:t>
-            </a:r>
-            <a:endParaRPr dirty="0"/>
-          </a:p>
-        </p:txBody>
-      </p:sp>
-      <p:sp>
-        <p:nvSpPr>
           <p:cNvPr id="220" name="Google Shape;220;p34"/>
           <p:cNvSpPr/>
           <p:nvPr/>
@@ -6356,7 +6793,7 @@
           <a:lstStyle/>
           <a:p>
             <a:r>
-              <a:rPr lang="es-419" sz="2100" dirty="0">
+              <a:rPr lang="es-419" sz="2100" b="1" dirty="0">
                 <a:solidFill>
                   <a:schemeClr val="dk1"/>
                 </a:solidFill>
@@ -6367,7 +6804,7 @@
               </a:rPr>
               <a:t>HOME PAGE</a:t>
             </a:r>
-            <a:endParaRPr sz="2100" dirty="0">
+            <a:endParaRPr sz="2100" b="1" dirty="0">
               <a:solidFill>
                 <a:schemeClr val="dk1"/>
               </a:solidFill>
@@ -6387,7 +6824,7 @@
         </p:nvSpPr>
         <p:spPr>
           <a:xfrm>
-            <a:off x="8247255" y="5591670"/>
+            <a:off x="8157640" y="5548971"/>
             <a:ext cx="901550" cy="369200"/>
           </a:xfrm>
           <a:prstGeom prst="rect">
@@ -6436,7 +6873,7 @@
         </p:nvSpPr>
         <p:spPr>
           <a:xfrm>
-            <a:off x="10496105" y="5125718"/>
+            <a:off x="10484956" y="4055422"/>
             <a:ext cx="1505395" cy="654400"/>
           </a:xfrm>
           <a:prstGeom prst="parallelogram">
@@ -6499,7 +6936,7 @@
         </p:nvCxnSpPr>
         <p:spPr>
           <a:xfrm rot="5400000">
-            <a:off x="10352203" y="5287384"/>
+            <a:off x="10341054" y="4217088"/>
             <a:ext cx="403867" cy="1389334"/>
           </a:xfrm>
           <a:prstGeom prst="bentConnector2">
@@ -6532,8 +6969,8 @@
         </p:nvSpPr>
         <p:spPr>
           <a:xfrm>
-            <a:off x="1696200" y="1915876"/>
-            <a:ext cx="1715357" cy="1373200"/>
+            <a:off x="531323" y="1724200"/>
+            <a:ext cx="2354742" cy="686600"/>
           </a:xfrm>
           <a:prstGeom prst="roundRect">
             <a:avLst>
@@ -6616,14 +7053,16 @@
         <p:nvCxnSpPr>
           <p:cNvPr id="25" name="Google Shape;231;p34"/>
           <p:cNvCxnSpPr>
+            <a:cxnSpLocks/>
+            <a:stCxn id="78" idx="3"/>
             <a:endCxn id="23" idx="0"/>
           </p:cNvCxnSpPr>
           <p:nvPr/>
         </p:nvCxnSpPr>
         <p:spPr>
           <a:xfrm>
-            <a:off x="2410764" y="852287"/>
-            <a:ext cx="143114" cy="1063591"/>
+            <a:off x="1217766" y="728979"/>
+            <a:ext cx="490928" cy="995221"/>
           </a:xfrm>
           <a:prstGeom prst="straightConnector1">
             <a:avLst/>
@@ -6655,7 +7094,7 @@
         </p:nvSpPr>
         <p:spPr>
           <a:xfrm>
-            <a:off x="3230207" y="2458469"/>
+            <a:off x="2718523" y="1957578"/>
             <a:ext cx="312000" cy="288000"/>
           </a:xfrm>
           <a:prstGeom prst="ellipse">
@@ -6704,9 +7143,9 @@
           <p:nvPr/>
         </p:nvCxnSpPr>
         <p:spPr>
-          <a:xfrm flipV="1">
-            <a:off x="3542207" y="2601120"/>
-            <a:ext cx="832529" cy="1349"/>
+          <a:xfrm>
+            <a:off x="3030523" y="2101578"/>
+            <a:ext cx="662807" cy="4007"/>
           </a:xfrm>
           <a:prstGeom prst="bentConnector3">
             <a:avLst>
@@ -6740,7 +7179,7 @@
         </p:nvSpPr>
         <p:spPr>
           <a:xfrm>
-            <a:off x="4592235" y="1484220"/>
+            <a:off x="3068556" y="1370022"/>
             <a:ext cx="1267175" cy="455600"/>
           </a:xfrm>
           <a:prstGeom prst="rect">
@@ -6792,15 +7231,13 @@
           <p:cNvPr id="30" name="Google Shape;237;p34"/>
           <p:cNvCxnSpPr>
             <a:cxnSpLocks/>
-            <a:stCxn id="29" idx="2"/>
-            <a:endCxn id="31" idx="0"/>
           </p:cNvCxnSpPr>
           <p:nvPr/>
         </p:nvCxnSpPr>
         <p:spPr>
-          <a:xfrm flipH="1">
-            <a:off x="5029468" y="1939820"/>
-            <a:ext cx="196355" cy="253441"/>
+          <a:xfrm flipV="1">
+            <a:off x="3429050" y="1697726"/>
+            <a:ext cx="103903" cy="411028"/>
           </a:xfrm>
           <a:prstGeom prst="straightConnector1">
             <a:avLst/>
@@ -6825,7 +7262,7 @@
         </p:nvSpPr>
         <p:spPr>
           <a:xfrm>
-            <a:off x="4272771" y="2193261"/>
+            <a:off x="3591365" y="1697726"/>
             <a:ext cx="1513394" cy="815718"/>
           </a:xfrm>
           <a:prstGeom prst="parallelogram">
@@ -6889,8 +7326,8 @@
         </p:nvCxnSpPr>
         <p:spPr>
           <a:xfrm flipV="1">
-            <a:off x="5445842" y="3852409"/>
-            <a:ext cx="911343" cy="1605241"/>
+            <a:off x="4539544" y="2782113"/>
+            <a:ext cx="1806492" cy="2518608"/>
           </a:xfrm>
           <a:prstGeom prst="bentConnector3">
             <a:avLst>
@@ -6924,7 +7361,7 @@
         </p:nvSpPr>
         <p:spPr>
           <a:xfrm>
-            <a:off x="3444735" y="2767467"/>
+            <a:off x="2494767" y="2343878"/>
             <a:ext cx="901550" cy="369200"/>
           </a:xfrm>
           <a:prstGeom prst="rect">
@@ -6973,7 +7410,7 @@
         </p:nvSpPr>
         <p:spPr>
           <a:xfrm>
-            <a:off x="6357185" y="4452456"/>
+            <a:off x="6346036" y="3382160"/>
             <a:ext cx="1885882" cy="905256"/>
           </a:xfrm>
           <a:prstGeom prst="roundRect">
@@ -7040,7 +7477,7 @@
         </p:nvSpPr>
         <p:spPr>
           <a:xfrm>
-            <a:off x="6357185" y="5525957"/>
+            <a:off x="6267570" y="5483258"/>
             <a:ext cx="1885882" cy="1010861"/>
           </a:xfrm>
           <a:prstGeom prst="roundRect">
@@ -7138,52 +7575,6 @@
           </a:p>
         </p:txBody>
       </p:sp>
-      <p:sp>
-        <p:nvSpPr>
-          <p:cNvPr id="44" name="Google Shape;222;p34"/>
-          <p:cNvSpPr/>
-          <p:nvPr/>
-        </p:nvSpPr>
-        <p:spPr>
-          <a:xfrm>
-            <a:off x="2380085" y="3188182"/>
-            <a:ext cx="312000" cy="288000"/>
-          </a:xfrm>
-          <a:prstGeom prst="ellipse">
-            <a:avLst/>
-          </a:prstGeom>
-          <a:solidFill>
-            <a:schemeClr val="accent1"/>
-          </a:solidFill>
-          <a:ln w="25400" cap="flat" cmpd="sng">
-            <a:solidFill>
-              <a:srgbClr val="395E89"/>
-            </a:solidFill>
-            <a:prstDash val="solid"/>
-            <a:round/>
-            <a:headEnd type="none" w="sm" len="sm"/>
-            <a:tailEnd type="none" w="sm" len="sm"/>
-          </a:ln>
-        </p:spPr>
-        <p:txBody>
-          <a:bodyPr spcFirstLastPara="1" wrap="square" lIns="107269" tIns="53620" rIns="107269" bIns="53620" anchor="ctr" anchorCtr="0">
-            <a:noAutofit/>
-          </a:bodyPr>
-          <a:lstStyle/>
-          <a:p>
-            <a:pPr algn="ctr"/>
-            <a:endParaRPr sz="2100">
-              <a:solidFill>
-                <a:schemeClr val="lt1"/>
-              </a:solidFill>
-              <a:latin typeface="Calibri"/>
-              <a:ea typeface="Calibri"/>
-              <a:cs typeface="Calibri"/>
-              <a:sym typeface="Calibri"/>
-            </a:endParaRPr>
-          </a:p>
-        </p:txBody>
-      </p:sp>
       <p:cxnSp>
         <p:nvCxnSpPr>
           <p:cNvPr id="51" name="Google Shape;238;p34"/>
@@ -7196,8 +7587,8 @@
         </p:nvCxnSpPr>
         <p:spPr>
           <a:xfrm flipV="1">
-            <a:off x="5445842" y="4905084"/>
-            <a:ext cx="911343" cy="552566"/>
+            <a:off x="4539544" y="3834788"/>
+            <a:ext cx="1806492" cy="1465933"/>
           </a:xfrm>
           <a:prstGeom prst="bentConnector3">
             <a:avLst>
@@ -7235,8 +7626,8 @@
         </p:nvCxnSpPr>
         <p:spPr>
           <a:xfrm rot="16200000" flipH="1">
-            <a:off x="5492856" y="5167059"/>
-            <a:ext cx="163242" cy="1565416"/>
+            <a:off x="4937784" y="4658903"/>
+            <a:ext cx="277472" cy="2382099"/>
           </a:xfrm>
           <a:prstGeom prst="bentConnector2">
             <a:avLst/>
@@ -7272,8 +7663,8 @@
         </p:nvCxnSpPr>
         <p:spPr>
           <a:xfrm flipV="1">
-            <a:off x="8243067" y="5452918"/>
-            <a:ext cx="2334838" cy="578470"/>
+            <a:off x="8153452" y="4382622"/>
+            <a:ext cx="2413304" cy="1606067"/>
           </a:xfrm>
           <a:prstGeom prst="bentConnector3">
             <a:avLst>
@@ -7307,7 +7698,7 @@
         </p:nvSpPr>
         <p:spPr>
           <a:xfrm>
-            <a:off x="1696200" y="365994"/>
+            <a:off x="480767" y="65366"/>
             <a:ext cx="1639902" cy="663613"/>
           </a:xfrm>
           <a:prstGeom prst="parallelogram">
@@ -7367,7 +7758,7 @@
         </p:nvSpPr>
         <p:spPr>
           <a:xfrm>
-            <a:off x="3386208" y="118807"/>
+            <a:off x="2499364" y="-73753"/>
             <a:ext cx="912193" cy="455600"/>
           </a:xfrm>
           <a:prstGeom prst="rect">
@@ -7411,15 +7802,14 @@
           <p:cNvPr id="85" name="Google Shape;237;p34"/>
           <p:cNvCxnSpPr>
             <a:cxnSpLocks/>
-            <a:stCxn id="84" idx="2"/>
             <a:endCxn id="78" idx="2"/>
           </p:cNvCxnSpPr>
           <p:nvPr/>
         </p:nvCxnSpPr>
         <p:spPr>
           <a:xfrm flipH="1">
-            <a:off x="3253150" y="574407"/>
-            <a:ext cx="589155" cy="123394"/>
+            <a:off x="2037717" y="181793"/>
+            <a:ext cx="498368" cy="215380"/>
           </a:xfrm>
           <a:prstGeom prst="straightConnector1">
             <a:avLst/>
@@ -7444,7 +7834,7 @@
         </p:nvSpPr>
         <p:spPr>
           <a:xfrm>
-            <a:off x="6357185" y="3441913"/>
+            <a:off x="6346036" y="2371617"/>
             <a:ext cx="1885882" cy="820992"/>
           </a:xfrm>
           <a:prstGeom prst="roundRect">
@@ -7514,15 +7904,15 @@
           </p:cNvPr>
           <p:cNvCxnSpPr>
             <a:cxnSpLocks/>
-            <a:stCxn id="23" idx="2"/>
+            <a:stCxn id="44" idx="4"/>
             <a:endCxn id="13" idx="1"/>
           </p:cNvCxnSpPr>
           <p:nvPr/>
         </p:nvCxnSpPr>
         <p:spPr>
-          <a:xfrm flipH="1">
-            <a:off x="2543914" y="3289076"/>
-            <a:ext cx="9965" cy="1480449"/>
+          <a:xfrm>
+            <a:off x="1708694" y="3677784"/>
+            <a:ext cx="10722" cy="475755"/>
           </a:xfrm>
           <a:prstGeom prst="straightConnector1">
             <a:avLst/>
@@ -7560,7 +7950,7 @@
         </p:nvSpPr>
         <p:spPr>
           <a:xfrm>
-            <a:off x="1579454" y="4769525"/>
+            <a:off x="754956" y="4153539"/>
             <a:ext cx="1739811" cy="756432"/>
           </a:xfrm>
           <a:prstGeom prst="parallelogram">
@@ -7612,106 +8002,6 @@
           </a:p>
         </p:txBody>
       </p:sp>
-      <p:cxnSp>
-        <p:nvCxnSpPr>
-          <p:cNvPr id="69" name="Google Shape;238;p34">
-            <a:extLst>
-              <a:ext uri="{FF2B5EF4-FFF2-40B4-BE49-F238E27FC236}">
-                <a16:creationId xmlns:a16="http://schemas.microsoft.com/office/drawing/2014/main" id="{0B496CB8-B923-4CED-8D73-46776EF7C3AD}"/>
-              </a:ext>
-            </a:extLst>
-          </p:cNvPr>
-          <p:cNvCxnSpPr>
-            <a:cxnSpLocks/>
-            <a:stCxn id="13" idx="5"/>
-            <a:endCxn id="23" idx="1"/>
-          </p:cNvCxnSpPr>
-          <p:nvPr/>
-        </p:nvCxnSpPr>
-        <p:spPr>
-          <a:xfrm rot="10800000" flipH="1">
-            <a:off x="1674008" y="2602477"/>
-            <a:ext cx="22192" cy="2545265"/>
-          </a:xfrm>
-          <a:prstGeom prst="bentConnector3">
-            <a:avLst>
-              <a:gd name="adj1" fmla="val -1456173"/>
-            </a:avLst>
-          </a:prstGeom>
-          <a:noFill/>
-          <a:ln w="25400" cap="flat" cmpd="sng">
-            <a:solidFill>
-              <a:schemeClr val="accent1"/>
-            </a:solidFill>
-            <a:prstDash val="solid"/>
-            <a:round/>
-            <a:headEnd type="none" w="sm" len="sm"/>
-            <a:tailEnd type="stealth" w="med" len="med"/>
-          </a:ln>
-          <a:effectLst>
-            <a:outerShdw blurRad="40000" dist="20000" dir="5400000" rotWithShape="0">
-              <a:srgbClr val="000000">
-                <a:alpha val="37650"/>
-              </a:srgbClr>
-            </a:outerShdw>
-          </a:effectLst>
-        </p:spPr>
-      </p:cxnSp>
-      <p:sp>
-        <p:nvSpPr>
-          <p:cNvPr id="24" name="Google Shape;225;p34">
-            <a:extLst>
-              <a:ext uri="{FF2B5EF4-FFF2-40B4-BE49-F238E27FC236}">
-                <a16:creationId xmlns:a16="http://schemas.microsoft.com/office/drawing/2014/main" id="{1FC53053-1A45-4C70-A3BA-3C44C33C25EA}"/>
-              </a:ext>
-            </a:extLst>
-          </p:cNvPr>
-          <p:cNvSpPr txBox="1"/>
-          <p:nvPr/>
-        </p:nvSpPr>
-        <p:spPr>
-          <a:xfrm>
-            <a:off x="770735" y="5194086"/>
-            <a:ext cx="901550" cy="369200"/>
-          </a:xfrm>
-          <a:prstGeom prst="rect">
-            <a:avLst/>
-          </a:prstGeom>
-          <a:noFill/>
-          <a:ln>
-            <a:noFill/>
-          </a:ln>
-        </p:spPr>
-        <p:txBody>
-          <a:bodyPr spcFirstLastPara="1" wrap="square" lIns="107269" tIns="53620" rIns="107269" bIns="53620" anchor="t" anchorCtr="0">
-            <a:noAutofit/>
-          </a:bodyPr>
-          <a:lstStyle/>
-          <a:p>
-            <a:r>
-              <a:rPr lang="es-419" sz="2100" dirty="0">
-                <a:solidFill>
-                  <a:schemeClr val="dk1"/>
-                </a:solidFill>
-                <a:latin typeface="Calibri"/>
-                <a:ea typeface="Calibri"/>
-                <a:cs typeface="Calibri"/>
-                <a:sym typeface="Calibri"/>
-              </a:rPr>
-              <a:t>Status OK.</a:t>
-            </a:r>
-            <a:endParaRPr sz="2100" dirty="0">
-              <a:solidFill>
-                <a:schemeClr val="dk1"/>
-              </a:solidFill>
-              <a:latin typeface="Calibri"/>
-              <a:ea typeface="Calibri"/>
-              <a:cs typeface="Calibri"/>
-              <a:sym typeface="Calibri"/>
-            </a:endParaRPr>
-          </a:p>
-        </p:txBody>
-      </p:sp>
       <p:sp>
         <p:nvSpPr>
           <p:cNvPr id="67" name="Google Shape;229;p34">
@@ -7726,7 +8016,7 @@
         </p:nvSpPr>
         <p:spPr>
           <a:xfrm>
-            <a:off x="3941564" y="3496046"/>
+            <a:off x="3163533" y="3325927"/>
             <a:ext cx="1885882" cy="820992"/>
           </a:xfrm>
           <a:prstGeom prst="roundRect">
@@ -7815,8 +8105,8 @@
         </p:nvCxnSpPr>
         <p:spPr>
           <a:xfrm flipH="1">
-            <a:off x="4884505" y="3008979"/>
-            <a:ext cx="42998" cy="487067"/>
+            <a:off x="4106474" y="2513444"/>
+            <a:ext cx="139623" cy="812483"/>
           </a:xfrm>
           <a:prstGeom prst="straightConnector1">
             <a:avLst/>
@@ -7854,7 +8144,7 @@
         </p:nvSpPr>
         <p:spPr>
           <a:xfrm>
-            <a:off x="4726930" y="4201691"/>
+            <a:off x="3988095" y="4043172"/>
             <a:ext cx="312000" cy="288000"/>
           </a:xfrm>
           <a:prstGeom prst="ellipse">
@@ -7903,15 +8193,15 @@
           </p:cNvPr>
           <p:cNvCxnSpPr>
             <a:cxnSpLocks/>
-            <a:stCxn id="67" idx="2"/>
+            <a:stCxn id="77" idx="4"/>
             <a:endCxn id="94" idx="1"/>
           </p:cNvCxnSpPr>
           <p:nvPr/>
         </p:nvCxnSpPr>
         <p:spPr>
-          <a:xfrm>
-            <a:off x="4884505" y="4317038"/>
-            <a:ext cx="9888" cy="730116"/>
+          <a:xfrm flipH="1">
+            <a:off x="3988095" y="4331172"/>
+            <a:ext cx="156000" cy="559053"/>
           </a:xfrm>
           <a:prstGeom prst="straightConnector1">
             <a:avLst/>
@@ -7949,7 +8239,7 @@
         </p:nvSpPr>
         <p:spPr>
           <a:xfrm>
-            <a:off x="4035072" y="5047154"/>
+            <a:off x="3128774" y="4890225"/>
             <a:ext cx="1513394" cy="820992"/>
           </a:xfrm>
           <a:prstGeom prst="parallelogram">
@@ -8015,7 +8305,7 @@
         </p:nvSpPr>
         <p:spPr>
           <a:xfrm>
-            <a:off x="8087067" y="5895448"/>
+            <a:off x="7997452" y="5852749"/>
             <a:ext cx="312000" cy="288000"/>
           </a:xfrm>
           <a:prstGeom prst="ellipse">
@@ -8067,8 +8357,8 @@
         </p:nvSpPr>
         <p:spPr>
           <a:xfrm>
-            <a:off x="2605390" y="3180909"/>
-            <a:ext cx="901550" cy="675749"/>
+            <a:off x="1826624" y="3448025"/>
+            <a:ext cx="880920" cy="347214"/>
           </a:xfrm>
           <a:prstGeom prst="rect">
             <a:avLst/>
@@ -8094,7 +8384,7 @@
                 <a:cs typeface="Calibri"/>
                 <a:sym typeface="Calibri"/>
               </a:rPr>
-              <a:t>Save order</a:t>
+              <a:t>submit</a:t>
             </a:r>
             <a:endParaRPr dirty="0">
               <a:solidFill>
@@ -8122,7 +8412,7 @@
         </p:nvSpPr>
         <p:spPr>
           <a:xfrm>
-            <a:off x="4830733" y="4325738"/>
+            <a:off x="4142634" y="4339975"/>
             <a:ext cx="901550" cy="369200"/>
           </a:xfrm>
           <a:prstGeom prst="rect">
@@ -8177,7 +8467,7 @@
         </p:nvSpPr>
         <p:spPr>
           <a:xfrm>
-            <a:off x="5056610" y="3361195"/>
+            <a:off x="4278634" y="3192609"/>
             <a:ext cx="312000" cy="288000"/>
           </a:xfrm>
           <a:prstGeom prst="ellipse">
@@ -8229,7 +8519,7 @@
         </p:nvSpPr>
         <p:spPr>
           <a:xfrm>
-            <a:off x="5529613" y="3383700"/>
+            <a:off x="4828409" y="3292471"/>
             <a:ext cx="312000" cy="288000"/>
           </a:xfrm>
           <a:prstGeom prst="ellipse">
@@ -8281,7 +8571,7 @@
         </p:nvSpPr>
         <p:spPr>
           <a:xfrm>
-            <a:off x="4830733" y="3013719"/>
+            <a:off x="4224653" y="2862024"/>
             <a:ext cx="901550" cy="369200"/>
           </a:xfrm>
           <a:prstGeom prst="rect">
@@ -8336,7 +8626,7 @@
         </p:nvSpPr>
         <p:spPr>
           <a:xfrm>
-            <a:off x="5466614" y="3057931"/>
+            <a:off x="4537006" y="2991281"/>
             <a:ext cx="1143521" cy="369200"/>
           </a:xfrm>
           <a:prstGeom prst="rect">
@@ -8377,6 +8667,433 @@
           </a:p>
         </p:txBody>
       </p:sp>
+      <p:sp>
+        <p:nvSpPr>
+          <p:cNvPr id="9" name="Google Shape;229;p34">
+            <a:extLst>
+              <a:ext uri="{FF2B5EF4-FFF2-40B4-BE49-F238E27FC236}">
+                <a16:creationId xmlns:a16="http://schemas.microsoft.com/office/drawing/2014/main" id="{916BE761-6709-4807-9671-D975DFB1A324}"/>
+              </a:ext>
+            </a:extLst>
+          </p:cNvPr>
+          <p:cNvSpPr/>
+          <p:nvPr/>
+        </p:nvSpPr>
+        <p:spPr>
+          <a:xfrm>
+            <a:off x="769975" y="2892415"/>
+            <a:ext cx="1757522" cy="578470"/>
+          </a:xfrm>
+          <a:prstGeom prst="roundRect">
+            <a:avLst>
+              <a:gd name="adj" fmla="val 16667"/>
+            </a:avLst>
+          </a:prstGeom>
+          <a:solidFill>
+            <a:schemeClr val="bg1"/>
+          </a:solidFill>
+          <a:ln w="25400" cap="flat" cmpd="sng">
+            <a:solidFill>
+              <a:schemeClr val="accent3"/>
+            </a:solidFill>
+            <a:prstDash val="solid"/>
+            <a:round/>
+            <a:headEnd type="none" w="sm" len="sm"/>
+            <a:tailEnd type="none" w="sm" len="sm"/>
+          </a:ln>
+        </p:spPr>
+        <p:txBody>
+          <a:bodyPr spcFirstLastPara="1" wrap="square" lIns="107269" tIns="53620" rIns="107269" bIns="53620" anchor="ctr" anchorCtr="0">
+            <a:noAutofit/>
+          </a:bodyPr>
+          <a:lstStyle/>
+          <a:p>
+            <a:pPr algn="ctr"/>
+            <a:r>
+              <a:rPr lang="it-IT" sz="1400" b="1" dirty="0">
+                <a:solidFill>
+                  <a:schemeClr val="dk1"/>
+                </a:solidFill>
+                <a:latin typeface="Calibri"/>
+                <a:ea typeface="Calibri"/>
+                <a:cs typeface="Calibri"/>
+                <a:sym typeface="Calibri"/>
+              </a:rPr>
+              <a:t>Save  Album Order</a:t>
+            </a:r>
+            <a:endParaRPr lang="it-IT" sz="1100" dirty="0">
+              <a:solidFill>
+                <a:schemeClr val="dk1"/>
+              </a:solidFill>
+              <a:latin typeface="Calibri"/>
+              <a:ea typeface="Calibri"/>
+              <a:cs typeface="Calibri"/>
+              <a:sym typeface="Calibri"/>
+            </a:endParaRPr>
+          </a:p>
+          <a:p>
+            <a:pPr algn="ctr"/>
+            <a:r>
+              <a:rPr lang="it-IT" sz="1200" dirty="0">
+                <a:solidFill>
+                  <a:schemeClr val="dk1"/>
+                </a:solidFill>
+                <a:latin typeface="Calibri"/>
+                <a:ea typeface="Calibri"/>
+                <a:cs typeface="Calibri"/>
+                <a:sym typeface="Calibri"/>
+              </a:rPr>
+              <a:t>:Button</a:t>
+            </a:r>
+          </a:p>
+        </p:txBody>
+      </p:sp>
+      <p:sp>
+        <p:nvSpPr>
+          <p:cNvPr id="10" name="Google Shape;229;p34">
+            <a:extLst>
+              <a:ext uri="{FF2B5EF4-FFF2-40B4-BE49-F238E27FC236}">
+                <a16:creationId xmlns:a16="http://schemas.microsoft.com/office/drawing/2014/main" id="{187B6351-9A6E-414C-936C-EF66B93E79C3}"/>
+              </a:ext>
+            </a:extLst>
+          </p:cNvPr>
+          <p:cNvSpPr/>
+          <p:nvPr/>
+        </p:nvSpPr>
+        <p:spPr>
+          <a:xfrm>
+            <a:off x="6902701" y="1345987"/>
+            <a:ext cx="1343006" cy="611591"/>
+          </a:xfrm>
+          <a:prstGeom prst="roundRect">
+            <a:avLst>
+              <a:gd name="adj" fmla="val 16667"/>
+            </a:avLst>
+          </a:prstGeom>
+          <a:solidFill>
+            <a:schemeClr val="bg1"/>
+          </a:solidFill>
+          <a:ln w="25400" cap="flat" cmpd="sng">
+            <a:solidFill>
+              <a:schemeClr val="accent3"/>
+            </a:solidFill>
+            <a:prstDash val="solid"/>
+            <a:round/>
+            <a:headEnd type="none" w="sm" len="sm"/>
+            <a:tailEnd type="none" w="sm" len="sm"/>
+          </a:ln>
+        </p:spPr>
+        <p:txBody>
+          <a:bodyPr spcFirstLastPara="1" wrap="square" lIns="107269" tIns="53620" rIns="107269" bIns="53620" anchor="ctr" anchorCtr="0">
+            <a:noAutofit/>
+          </a:bodyPr>
+          <a:lstStyle/>
+          <a:p>
+            <a:pPr algn="ctr"/>
+            <a:r>
+              <a:rPr lang="it-IT" b="1" dirty="0">
+                <a:solidFill>
+                  <a:schemeClr val="dk1"/>
+                </a:solidFill>
+                <a:latin typeface="Calibri"/>
+                <a:ea typeface="Calibri"/>
+                <a:cs typeface="Calibri"/>
+                <a:sym typeface="Calibri"/>
+              </a:rPr>
+              <a:t>Logout</a:t>
+            </a:r>
+            <a:endParaRPr lang="it-IT" sz="1400" dirty="0">
+              <a:solidFill>
+                <a:schemeClr val="dk1"/>
+              </a:solidFill>
+              <a:latin typeface="Calibri"/>
+              <a:ea typeface="Calibri"/>
+              <a:cs typeface="Calibri"/>
+              <a:sym typeface="Calibri"/>
+            </a:endParaRPr>
+          </a:p>
+          <a:p>
+            <a:pPr algn="ctr"/>
+            <a:r>
+              <a:rPr lang="it-IT" sz="1600" dirty="0">
+                <a:solidFill>
+                  <a:schemeClr val="dk1"/>
+                </a:solidFill>
+                <a:latin typeface="Calibri"/>
+                <a:ea typeface="Calibri"/>
+                <a:cs typeface="Calibri"/>
+                <a:sym typeface="Calibri"/>
+              </a:rPr>
+              <a:t>:Button</a:t>
+            </a:r>
+          </a:p>
+        </p:txBody>
+      </p:sp>
+      <p:sp>
+        <p:nvSpPr>
+          <p:cNvPr id="11" name="Google Shape;229;p34">
+            <a:extLst>
+              <a:ext uri="{FF2B5EF4-FFF2-40B4-BE49-F238E27FC236}">
+                <a16:creationId xmlns:a16="http://schemas.microsoft.com/office/drawing/2014/main" id="{8703A9C1-1CA6-48E5-8C0E-734EC6BF3A6B}"/>
+              </a:ext>
+            </a:extLst>
+          </p:cNvPr>
+          <p:cNvSpPr/>
+          <p:nvPr/>
+        </p:nvSpPr>
+        <p:spPr>
+          <a:xfrm>
+            <a:off x="8434727" y="1354734"/>
+            <a:ext cx="1238351" cy="611592"/>
+          </a:xfrm>
+          <a:prstGeom prst="roundRect">
+            <a:avLst>
+              <a:gd name="adj" fmla="val 16667"/>
+            </a:avLst>
+          </a:prstGeom>
+          <a:solidFill>
+            <a:schemeClr val="bg1"/>
+          </a:solidFill>
+          <a:ln w="25400" cap="flat" cmpd="sng">
+            <a:solidFill>
+              <a:schemeClr val="accent3"/>
+            </a:solidFill>
+            <a:prstDash val="solid"/>
+            <a:round/>
+            <a:headEnd type="none" w="sm" len="sm"/>
+            <a:tailEnd type="none" w="sm" len="sm"/>
+          </a:ln>
+        </p:spPr>
+        <p:txBody>
+          <a:bodyPr spcFirstLastPara="1" wrap="square" lIns="107269" tIns="53620" rIns="107269" bIns="53620" anchor="ctr" anchorCtr="0">
+            <a:noAutofit/>
+          </a:bodyPr>
+          <a:lstStyle/>
+          <a:p>
+            <a:pPr algn="ctr"/>
+            <a:r>
+              <a:rPr lang="it-IT" b="1" dirty="0">
+                <a:solidFill>
+                  <a:schemeClr val="dk1"/>
+                </a:solidFill>
+                <a:latin typeface="Calibri"/>
+                <a:ea typeface="Calibri"/>
+                <a:cs typeface="Calibri"/>
+                <a:sym typeface="Calibri"/>
+              </a:rPr>
+              <a:t>Login</a:t>
+            </a:r>
+            <a:endParaRPr lang="it-IT" sz="1400" dirty="0">
+              <a:solidFill>
+                <a:schemeClr val="dk1"/>
+              </a:solidFill>
+              <a:latin typeface="Calibri"/>
+              <a:ea typeface="Calibri"/>
+              <a:cs typeface="Calibri"/>
+              <a:sym typeface="Calibri"/>
+            </a:endParaRPr>
+          </a:p>
+          <a:p>
+            <a:pPr algn="ctr"/>
+            <a:r>
+              <a:rPr lang="it-IT" sz="1600" dirty="0">
+                <a:solidFill>
+                  <a:schemeClr val="dk1"/>
+                </a:solidFill>
+                <a:latin typeface="Calibri"/>
+                <a:ea typeface="Calibri"/>
+                <a:cs typeface="Calibri"/>
+                <a:sym typeface="Calibri"/>
+              </a:rPr>
+              <a:t>:Button</a:t>
+            </a:r>
+          </a:p>
+        </p:txBody>
+      </p:sp>
+      <p:sp>
+        <p:nvSpPr>
+          <p:cNvPr id="12" name="Google Shape;229;p34">
+            <a:extLst>
+              <a:ext uri="{FF2B5EF4-FFF2-40B4-BE49-F238E27FC236}">
+                <a16:creationId xmlns:a16="http://schemas.microsoft.com/office/drawing/2014/main" id="{01F2998B-BFC4-4E66-B562-3335F28ACE18}"/>
+              </a:ext>
+            </a:extLst>
+          </p:cNvPr>
+          <p:cNvSpPr/>
+          <p:nvPr/>
+        </p:nvSpPr>
+        <p:spPr>
+          <a:xfrm>
+            <a:off x="6317101" y="4794669"/>
+            <a:ext cx="1680351" cy="603177"/>
+          </a:xfrm>
+          <a:prstGeom prst="roundRect">
+            <a:avLst>
+              <a:gd name="adj" fmla="val 16667"/>
+            </a:avLst>
+          </a:prstGeom>
+          <a:solidFill>
+            <a:schemeClr val="bg1"/>
+          </a:solidFill>
+          <a:ln w="25400" cap="flat" cmpd="sng">
+            <a:solidFill>
+              <a:schemeClr val="accent3"/>
+            </a:solidFill>
+            <a:prstDash val="solid"/>
+            <a:round/>
+            <a:headEnd type="none" w="sm" len="sm"/>
+            <a:tailEnd type="none" w="sm" len="sm"/>
+          </a:ln>
+        </p:spPr>
+        <p:txBody>
+          <a:bodyPr spcFirstLastPara="1" wrap="square" lIns="107269" tIns="53620" rIns="107269" bIns="53620" anchor="ctr" anchorCtr="0">
+            <a:noAutofit/>
+          </a:bodyPr>
+          <a:lstStyle/>
+          <a:p>
+            <a:pPr algn="ctr"/>
+            <a:r>
+              <a:rPr lang="it-IT" sz="1400" b="1" dirty="0">
+                <a:solidFill>
+                  <a:schemeClr val="dk1"/>
+                </a:solidFill>
+                <a:latin typeface="Calibri"/>
+                <a:ea typeface="Calibri"/>
+                <a:cs typeface="Calibri"/>
+                <a:sym typeface="Calibri"/>
+              </a:rPr>
+              <a:t>Login to </a:t>
+            </a:r>
+            <a:r>
+              <a:rPr lang="it-IT" sz="1400" b="1" dirty="0" err="1">
+                <a:solidFill>
+                  <a:schemeClr val="dk1"/>
+                </a:solidFill>
+                <a:latin typeface="Calibri"/>
+                <a:ea typeface="Calibri"/>
+                <a:cs typeface="Calibri"/>
+                <a:sym typeface="Calibri"/>
+              </a:rPr>
+              <a:t>Comment</a:t>
+            </a:r>
+            <a:endParaRPr lang="it-IT" sz="1100" dirty="0">
+              <a:solidFill>
+                <a:schemeClr val="dk1"/>
+              </a:solidFill>
+              <a:latin typeface="Calibri"/>
+              <a:ea typeface="Calibri"/>
+              <a:cs typeface="Calibri"/>
+              <a:sym typeface="Calibri"/>
+            </a:endParaRPr>
+          </a:p>
+          <a:p>
+            <a:pPr algn="ctr"/>
+            <a:r>
+              <a:rPr lang="it-IT" sz="1200" dirty="0">
+                <a:solidFill>
+                  <a:schemeClr val="dk1"/>
+                </a:solidFill>
+                <a:latin typeface="Calibri"/>
+                <a:ea typeface="Calibri"/>
+                <a:cs typeface="Calibri"/>
+                <a:sym typeface="Calibri"/>
+              </a:rPr>
+              <a:t>:Button</a:t>
+            </a:r>
+          </a:p>
+        </p:txBody>
+      </p:sp>
+      <p:sp>
+        <p:nvSpPr>
+          <p:cNvPr id="44" name="Google Shape;222;p34"/>
+          <p:cNvSpPr/>
+          <p:nvPr/>
+        </p:nvSpPr>
+        <p:spPr>
+          <a:xfrm>
+            <a:off x="1552694" y="3389784"/>
+            <a:ext cx="312000" cy="288000"/>
+          </a:xfrm>
+          <a:prstGeom prst="ellipse">
+            <a:avLst/>
+          </a:prstGeom>
+          <a:solidFill>
+            <a:schemeClr val="accent1"/>
+          </a:solidFill>
+          <a:ln w="25400" cap="flat" cmpd="sng">
+            <a:solidFill>
+              <a:srgbClr val="395E89"/>
+            </a:solidFill>
+            <a:prstDash val="solid"/>
+            <a:round/>
+            <a:headEnd type="none" w="sm" len="sm"/>
+            <a:tailEnd type="none" w="sm" len="sm"/>
+          </a:ln>
+        </p:spPr>
+        <p:txBody>
+          <a:bodyPr spcFirstLastPara="1" wrap="square" lIns="107269" tIns="53620" rIns="107269" bIns="53620" anchor="ctr" anchorCtr="0">
+            <a:noAutofit/>
+          </a:bodyPr>
+          <a:lstStyle/>
+          <a:p>
+            <a:pPr algn="ctr"/>
+            <a:endParaRPr sz="2100">
+              <a:solidFill>
+                <a:schemeClr val="lt1"/>
+              </a:solidFill>
+              <a:latin typeface="Calibri"/>
+              <a:ea typeface="Calibri"/>
+              <a:cs typeface="Calibri"/>
+              <a:sym typeface="Calibri"/>
+            </a:endParaRPr>
+          </a:p>
+        </p:txBody>
+      </p:sp>
+      <p:cxnSp>
+        <p:nvCxnSpPr>
+          <p:cNvPr id="109" name="Google Shape;238;p34">
+            <a:extLst>
+              <a:ext uri="{FF2B5EF4-FFF2-40B4-BE49-F238E27FC236}">
+                <a16:creationId xmlns:a16="http://schemas.microsoft.com/office/drawing/2014/main" id="{568C5E7F-69FD-4A6A-BF71-E393CE0DF5E4}"/>
+              </a:ext>
+            </a:extLst>
+          </p:cNvPr>
+          <p:cNvCxnSpPr>
+            <a:cxnSpLocks/>
+            <a:stCxn id="94" idx="2"/>
+            <a:endCxn id="12" idx="1"/>
+          </p:cNvCxnSpPr>
+          <p:nvPr/>
+        </p:nvCxnSpPr>
+        <p:spPr>
+          <a:xfrm flipV="1">
+            <a:off x="4539544" y="5096258"/>
+            <a:ext cx="1777557" cy="204463"/>
+          </a:xfrm>
+          <a:prstGeom prst="bentConnector3">
+            <a:avLst>
+              <a:gd name="adj1" fmla="val 50000"/>
+            </a:avLst>
+          </a:prstGeom>
+          <a:noFill/>
+          <a:ln w="25400" cap="flat" cmpd="sng">
+            <a:solidFill>
+              <a:schemeClr val="accent1"/>
+            </a:solidFill>
+            <a:prstDash val="solid"/>
+            <a:round/>
+            <a:headEnd type="none" w="sm" len="sm"/>
+            <a:tailEnd type="stealth" w="med" len="med"/>
+          </a:ln>
+          <a:effectLst>
+            <a:outerShdw blurRad="40000" dist="20000" dir="5400000" rotWithShape="0">
+              <a:srgbClr val="000000">
+                <a:alpha val="37650"/>
+              </a:srgbClr>
+            </a:outerShdw>
+          </a:effectLst>
+        </p:spPr>
+      </p:cxnSp>
     </p:spTree>
   </p:cSld>
   <p:clrMapOvr>

--- a/Presentazioni Powerpoint/Progetto1_versione_RIA.pptx
+++ b/Presentazioni Powerpoint/Progetto1_versione_RIA.pptx
@@ -5,15 +5,17 @@
     <p:sldMasterId id="2147483648" r:id="rId1"/>
   </p:sldMasterIdLst>
   <p:notesMasterIdLst>
-    <p:notesMasterId r:id="rId8"/>
+    <p:notesMasterId r:id="rId10"/>
   </p:notesMasterIdLst>
   <p:sldIdLst>
     <p:sldId id="283" r:id="rId2"/>
-    <p:sldId id="258" r:id="rId3"/>
-    <p:sldId id="265" r:id="rId4"/>
-    <p:sldId id="282" r:id="rId5"/>
-    <p:sldId id="257" r:id="rId6"/>
-    <p:sldId id="256" r:id="rId7"/>
+    <p:sldId id="284" r:id="rId3"/>
+    <p:sldId id="258" r:id="rId4"/>
+    <p:sldId id="265" r:id="rId5"/>
+    <p:sldId id="282" r:id="rId6"/>
+    <p:sldId id="285" r:id="rId7"/>
+    <p:sldId id="257" r:id="rId8"/>
+    <p:sldId id="256" r:id="rId9"/>
   </p:sldIdLst>
   <p:sldSz cx="12192000" cy="6858000"/>
   <p:notesSz cx="6858000" cy="9144000"/>
@@ -169,7 +171,7 @@
             </a:lvl1pPr>
           </a:lstStyle>
           <a:p>
-            <a:endParaRPr lang="it-IT"/>
+            <a:endParaRPr lang="it-IT" dirty="0"/>
           </a:p>
         </p:txBody>
       </p:sp>
@@ -202,9 +204,9 @@
           <a:p>
             <a:fld id="{C25F5A86-D4B2-4CFB-9FC8-FAE097577B12}" type="datetimeFigureOut">
               <a:rPr lang="it-IT" smtClean="0"/>
-              <a:t>03/09/2020</a:t>
+              <a:t>04/09/2020</a:t>
             </a:fld>
-            <a:endParaRPr lang="it-IT"/>
+            <a:endParaRPr lang="it-IT" dirty="0"/>
           </a:p>
         </p:txBody>
       </p:sp>
@@ -237,7 +239,7 @@
           <a:bodyPr vert="horz" lIns="91440" tIns="45720" rIns="91440" bIns="45720" rtlCol="0" anchor="ctr"/>
           <a:lstStyle/>
           <a:p>
-            <a:endParaRPr lang="it-IT"/>
+            <a:endParaRPr lang="it-IT" dirty="0"/>
           </a:p>
         </p:txBody>
       </p:sp>
@@ -327,7 +329,7 @@
             </a:lvl1pPr>
           </a:lstStyle>
           <a:p>
-            <a:endParaRPr lang="it-IT"/>
+            <a:endParaRPr lang="it-IT" dirty="0"/>
           </a:p>
         </p:txBody>
       </p:sp>
@@ -362,7 +364,7 @@
               <a:rPr lang="it-IT" smtClean="0"/>
               <a:t>‹N›</a:t>
             </a:fld>
-            <a:endParaRPr lang="it-IT"/>
+            <a:endParaRPr lang="it-IT" dirty="0"/>
           </a:p>
         </p:txBody>
       </p:sp>
@@ -536,7 +538,7 @@
               <a:rPr lang="it-IT" smtClean="0"/>
               <a:t>1</a:t>
             </a:fld>
-            <a:endParaRPr lang="it-IT"/>
+            <a:endParaRPr lang="it-IT" dirty="0"/>
           </a:p>
         </p:txBody>
       </p:sp>
@@ -604,7 +606,7 @@
               </a:spcAft>
               <a:buNone/>
             </a:pPr>
-            <a:endParaRPr/>
+            <a:endParaRPr dirty="0"/>
           </a:p>
         </p:txBody>
       </p:sp>
@@ -804,9 +806,9 @@
           <a:p>
             <a:fld id="{FE1EE28F-F736-456D-A3C7-4F5EC37410C2}" type="datetimeFigureOut">
               <a:rPr lang="it-IT" smtClean="0"/>
-              <a:t>03/09/2020</a:t>
+              <a:t>04/09/2020</a:t>
             </a:fld>
-            <a:endParaRPr lang="it-IT"/>
+            <a:endParaRPr lang="it-IT" dirty="0"/>
           </a:p>
         </p:txBody>
       </p:sp>
@@ -831,7 +833,7 @@
           <a:bodyPr/>
           <a:lstStyle/>
           <a:p>
-            <a:endParaRPr lang="it-IT"/>
+            <a:endParaRPr lang="it-IT" dirty="0"/>
           </a:p>
         </p:txBody>
       </p:sp>
@@ -860,7 +862,7 @@
               <a:rPr lang="it-IT" smtClean="0"/>
               <a:t>‹N›</a:t>
             </a:fld>
-            <a:endParaRPr lang="it-IT"/>
+            <a:endParaRPr lang="it-IT" dirty="0"/>
           </a:p>
         </p:txBody>
       </p:sp>
@@ -1002,9 +1004,9 @@
           <a:p>
             <a:fld id="{FE1EE28F-F736-456D-A3C7-4F5EC37410C2}" type="datetimeFigureOut">
               <a:rPr lang="it-IT" smtClean="0"/>
-              <a:t>03/09/2020</a:t>
+              <a:t>04/09/2020</a:t>
             </a:fld>
-            <a:endParaRPr lang="it-IT"/>
+            <a:endParaRPr lang="it-IT" dirty="0"/>
           </a:p>
         </p:txBody>
       </p:sp>
@@ -1029,7 +1031,7 @@
           <a:bodyPr/>
           <a:lstStyle/>
           <a:p>
-            <a:endParaRPr lang="it-IT"/>
+            <a:endParaRPr lang="it-IT" dirty="0"/>
           </a:p>
         </p:txBody>
       </p:sp>
@@ -1058,7 +1060,7 @@
               <a:rPr lang="it-IT" smtClean="0"/>
               <a:t>‹N›</a:t>
             </a:fld>
-            <a:endParaRPr lang="it-IT"/>
+            <a:endParaRPr lang="it-IT" dirty="0"/>
           </a:p>
         </p:txBody>
       </p:sp>
@@ -1210,9 +1212,9 @@
           <a:p>
             <a:fld id="{FE1EE28F-F736-456D-A3C7-4F5EC37410C2}" type="datetimeFigureOut">
               <a:rPr lang="it-IT" smtClean="0"/>
-              <a:t>03/09/2020</a:t>
+              <a:t>04/09/2020</a:t>
             </a:fld>
-            <a:endParaRPr lang="it-IT"/>
+            <a:endParaRPr lang="it-IT" dirty="0"/>
           </a:p>
         </p:txBody>
       </p:sp>
@@ -1237,7 +1239,7 @@
           <a:bodyPr/>
           <a:lstStyle/>
           <a:p>
-            <a:endParaRPr lang="it-IT"/>
+            <a:endParaRPr lang="it-IT" dirty="0"/>
           </a:p>
         </p:txBody>
       </p:sp>
@@ -1266,7 +1268,7 @@
               <a:rPr lang="it-IT" smtClean="0"/>
               <a:t>‹N›</a:t>
             </a:fld>
-            <a:endParaRPr lang="it-IT"/>
+            <a:endParaRPr lang="it-IT" dirty="0"/>
           </a:p>
         </p:txBody>
       </p:sp>
@@ -1408,9 +1410,9 @@
           <a:p>
             <a:fld id="{FE1EE28F-F736-456D-A3C7-4F5EC37410C2}" type="datetimeFigureOut">
               <a:rPr lang="it-IT" smtClean="0"/>
-              <a:t>03/09/2020</a:t>
+              <a:t>04/09/2020</a:t>
             </a:fld>
-            <a:endParaRPr lang="it-IT"/>
+            <a:endParaRPr lang="it-IT" dirty="0"/>
           </a:p>
         </p:txBody>
       </p:sp>
@@ -1435,7 +1437,7 @@
           <a:bodyPr/>
           <a:lstStyle/>
           <a:p>
-            <a:endParaRPr lang="it-IT"/>
+            <a:endParaRPr lang="it-IT" dirty="0"/>
           </a:p>
         </p:txBody>
       </p:sp>
@@ -1464,7 +1466,7 @@
               <a:rPr lang="it-IT" smtClean="0"/>
               <a:t>‹N›</a:t>
             </a:fld>
-            <a:endParaRPr lang="it-IT"/>
+            <a:endParaRPr lang="it-IT" dirty="0"/>
           </a:p>
         </p:txBody>
       </p:sp>
@@ -1683,9 +1685,9 @@
           <a:p>
             <a:fld id="{FE1EE28F-F736-456D-A3C7-4F5EC37410C2}" type="datetimeFigureOut">
               <a:rPr lang="it-IT" smtClean="0"/>
-              <a:t>03/09/2020</a:t>
+              <a:t>04/09/2020</a:t>
             </a:fld>
-            <a:endParaRPr lang="it-IT"/>
+            <a:endParaRPr lang="it-IT" dirty="0"/>
           </a:p>
         </p:txBody>
       </p:sp>
@@ -1710,7 +1712,7 @@
           <a:bodyPr/>
           <a:lstStyle/>
           <a:p>
-            <a:endParaRPr lang="it-IT"/>
+            <a:endParaRPr lang="it-IT" dirty="0"/>
           </a:p>
         </p:txBody>
       </p:sp>
@@ -1739,7 +1741,7 @@
               <a:rPr lang="it-IT" smtClean="0"/>
               <a:t>‹N›</a:t>
             </a:fld>
-            <a:endParaRPr lang="it-IT"/>
+            <a:endParaRPr lang="it-IT" dirty="0"/>
           </a:p>
         </p:txBody>
       </p:sp>
@@ -1948,9 +1950,9 @@
           <a:p>
             <a:fld id="{FE1EE28F-F736-456D-A3C7-4F5EC37410C2}" type="datetimeFigureOut">
               <a:rPr lang="it-IT" smtClean="0"/>
-              <a:t>03/09/2020</a:t>
+              <a:t>04/09/2020</a:t>
             </a:fld>
-            <a:endParaRPr lang="it-IT"/>
+            <a:endParaRPr lang="it-IT" dirty="0"/>
           </a:p>
         </p:txBody>
       </p:sp>
@@ -1975,7 +1977,7 @@
           <a:bodyPr/>
           <a:lstStyle/>
           <a:p>
-            <a:endParaRPr lang="it-IT"/>
+            <a:endParaRPr lang="it-IT" dirty="0"/>
           </a:p>
         </p:txBody>
       </p:sp>
@@ -2004,7 +2006,7 @@
               <a:rPr lang="it-IT" smtClean="0"/>
               <a:t>‹N›</a:t>
             </a:fld>
-            <a:endParaRPr lang="it-IT"/>
+            <a:endParaRPr lang="it-IT" dirty="0"/>
           </a:p>
         </p:txBody>
       </p:sp>
@@ -2360,9 +2362,9 @@
           <a:p>
             <a:fld id="{FE1EE28F-F736-456D-A3C7-4F5EC37410C2}" type="datetimeFigureOut">
               <a:rPr lang="it-IT" smtClean="0"/>
-              <a:t>03/09/2020</a:t>
+              <a:t>04/09/2020</a:t>
             </a:fld>
-            <a:endParaRPr lang="it-IT"/>
+            <a:endParaRPr lang="it-IT" dirty="0"/>
           </a:p>
         </p:txBody>
       </p:sp>
@@ -2387,7 +2389,7 @@
           <a:bodyPr/>
           <a:lstStyle/>
           <a:p>
-            <a:endParaRPr lang="it-IT"/>
+            <a:endParaRPr lang="it-IT" dirty="0"/>
           </a:p>
         </p:txBody>
       </p:sp>
@@ -2416,7 +2418,7 @@
               <a:rPr lang="it-IT" smtClean="0"/>
               <a:t>‹N›</a:t>
             </a:fld>
-            <a:endParaRPr lang="it-IT"/>
+            <a:endParaRPr lang="it-IT" dirty="0"/>
           </a:p>
         </p:txBody>
       </p:sp>
@@ -2501,9 +2503,9 @@
           <a:p>
             <a:fld id="{FE1EE28F-F736-456D-A3C7-4F5EC37410C2}" type="datetimeFigureOut">
               <a:rPr lang="it-IT" smtClean="0"/>
-              <a:t>03/09/2020</a:t>
+              <a:t>04/09/2020</a:t>
             </a:fld>
-            <a:endParaRPr lang="it-IT"/>
+            <a:endParaRPr lang="it-IT" dirty="0"/>
           </a:p>
         </p:txBody>
       </p:sp>
@@ -2528,7 +2530,7 @@
           <a:bodyPr/>
           <a:lstStyle/>
           <a:p>
-            <a:endParaRPr lang="it-IT"/>
+            <a:endParaRPr lang="it-IT" dirty="0"/>
           </a:p>
         </p:txBody>
       </p:sp>
@@ -2557,7 +2559,7 @@
               <a:rPr lang="it-IT" smtClean="0"/>
               <a:t>‹N›</a:t>
             </a:fld>
-            <a:endParaRPr lang="it-IT"/>
+            <a:endParaRPr lang="it-IT" dirty="0"/>
           </a:p>
         </p:txBody>
       </p:sp>
@@ -2614,9 +2616,9 @@
           <a:p>
             <a:fld id="{FE1EE28F-F736-456D-A3C7-4F5EC37410C2}" type="datetimeFigureOut">
               <a:rPr lang="it-IT" smtClean="0"/>
-              <a:t>03/09/2020</a:t>
+              <a:t>04/09/2020</a:t>
             </a:fld>
-            <a:endParaRPr lang="it-IT"/>
+            <a:endParaRPr lang="it-IT" dirty="0"/>
           </a:p>
         </p:txBody>
       </p:sp>
@@ -2641,7 +2643,7 @@
           <a:bodyPr/>
           <a:lstStyle/>
           <a:p>
-            <a:endParaRPr lang="it-IT"/>
+            <a:endParaRPr lang="it-IT" dirty="0"/>
           </a:p>
         </p:txBody>
       </p:sp>
@@ -2670,7 +2672,7 @@
               <a:rPr lang="it-IT" smtClean="0"/>
               <a:t>‹N›</a:t>
             </a:fld>
-            <a:endParaRPr lang="it-IT"/>
+            <a:endParaRPr lang="it-IT" dirty="0"/>
           </a:p>
         </p:txBody>
       </p:sp>
@@ -2925,9 +2927,9 @@
           <a:p>
             <a:fld id="{FE1EE28F-F736-456D-A3C7-4F5EC37410C2}" type="datetimeFigureOut">
               <a:rPr lang="it-IT" smtClean="0"/>
-              <a:t>03/09/2020</a:t>
+              <a:t>04/09/2020</a:t>
             </a:fld>
-            <a:endParaRPr lang="it-IT"/>
+            <a:endParaRPr lang="it-IT" dirty="0"/>
           </a:p>
         </p:txBody>
       </p:sp>
@@ -2952,7 +2954,7 @@
           <a:bodyPr/>
           <a:lstStyle/>
           <a:p>
-            <a:endParaRPr lang="it-IT"/>
+            <a:endParaRPr lang="it-IT" dirty="0"/>
           </a:p>
         </p:txBody>
       </p:sp>
@@ -2981,7 +2983,7 @@
               <a:rPr lang="it-IT" smtClean="0"/>
               <a:t>‹N›</a:t>
             </a:fld>
-            <a:endParaRPr lang="it-IT"/>
+            <a:endParaRPr lang="it-IT" dirty="0"/>
           </a:p>
         </p:txBody>
       </p:sp>
@@ -3115,7 +3117,7 @@
             </a:lvl9pPr>
           </a:lstStyle>
           <a:p>
-            <a:endParaRPr lang="it-IT"/>
+            <a:endParaRPr lang="it-IT" dirty="0"/>
           </a:p>
         </p:txBody>
       </p:sp>
@@ -3213,9 +3215,9 @@
           <a:p>
             <a:fld id="{FE1EE28F-F736-456D-A3C7-4F5EC37410C2}" type="datetimeFigureOut">
               <a:rPr lang="it-IT" smtClean="0"/>
-              <a:t>03/09/2020</a:t>
+              <a:t>04/09/2020</a:t>
             </a:fld>
-            <a:endParaRPr lang="it-IT"/>
+            <a:endParaRPr lang="it-IT" dirty="0"/>
           </a:p>
         </p:txBody>
       </p:sp>
@@ -3240,7 +3242,7 @@
           <a:bodyPr/>
           <a:lstStyle/>
           <a:p>
-            <a:endParaRPr lang="it-IT"/>
+            <a:endParaRPr lang="it-IT" dirty="0"/>
           </a:p>
         </p:txBody>
       </p:sp>
@@ -3269,7 +3271,7 @@
               <a:rPr lang="it-IT" smtClean="0"/>
               <a:t>‹N›</a:t>
             </a:fld>
-            <a:endParaRPr lang="it-IT"/>
+            <a:endParaRPr lang="it-IT" dirty="0"/>
           </a:p>
         </p:txBody>
       </p:sp>
@@ -3454,9 +3456,9 @@
           <a:p>
             <a:fld id="{FE1EE28F-F736-456D-A3C7-4F5EC37410C2}" type="datetimeFigureOut">
               <a:rPr lang="it-IT" smtClean="0"/>
-              <a:t>03/09/2020</a:t>
+              <a:t>04/09/2020</a:t>
             </a:fld>
-            <a:endParaRPr lang="it-IT"/>
+            <a:endParaRPr lang="it-IT" dirty="0"/>
           </a:p>
         </p:txBody>
       </p:sp>
@@ -3499,7 +3501,7 @@
             </a:lvl1pPr>
           </a:lstStyle>
           <a:p>
-            <a:endParaRPr lang="it-IT"/>
+            <a:endParaRPr lang="it-IT" dirty="0"/>
           </a:p>
         </p:txBody>
       </p:sp>
@@ -3546,7 +3548,7 @@
               <a:rPr lang="it-IT" smtClean="0"/>
               <a:t>‹N›</a:t>
             </a:fld>
-            <a:endParaRPr lang="it-IT"/>
+            <a:endParaRPr lang="it-IT" dirty="0"/>
           </a:p>
         </p:txBody>
       </p:sp>
@@ -3911,19 +3913,19 @@
         </p:nvSpPr>
         <p:spPr>
           <a:xfrm>
-            <a:off x="0" y="2513194"/>
-            <a:ext cx="5382825" cy="3940574"/>
+            <a:off x="279400" y="2388756"/>
+            <a:ext cx="5816600" cy="3878694"/>
           </a:xfrm>
         </p:spPr>
         <p:txBody>
           <a:bodyPr>
-            <a:normAutofit fontScale="92500" lnSpcReduction="20000"/>
+            <a:noAutofit/>
           </a:bodyPr>
           <a:lstStyle/>
           <a:p>
             <a:pPr marL="173725" indent="0">
               <a:lnSpc>
-                <a:spcPct val="80000"/>
+                <a:spcPct val="100000"/>
               </a:lnSpc>
               <a:spcBef>
                 <a:spcPts val="411"/>
@@ -3932,14 +3934,14 @@
               <a:buNone/>
             </a:pPr>
             <a:r>
-              <a:rPr lang="en-US" sz="2600" dirty="0"/>
+              <a:rPr lang="en-US" sz="2000" b="1" dirty="0"/>
               <a:t>Data Access Objects (Classes)                             </a:t>
             </a:r>
           </a:p>
           <a:p>
             <a:pPr marL="822183" lvl="1" indent="-285750">
               <a:lnSpc>
-                <a:spcPct val="80000"/>
+                <a:spcPct val="100000"/>
               </a:lnSpc>
               <a:spcBef>
                 <a:spcPts val="352"/>
@@ -3947,15 +3949,14 @@
               <a:buSzPts val="1500"/>
             </a:pPr>
             <a:r>
-              <a:rPr lang="en-US" sz="1800" dirty="0" err="1"/>
+              <a:rPr lang="en-US" sz="1600" b="1" dirty="0"/>
               <a:t>UserDAO</a:t>
             </a:r>
-            <a:endParaRPr lang="en-US" sz="1800" dirty="0"/>
           </a:p>
           <a:p>
             <a:pPr marL="1418219" lvl="2" indent="-285750">
               <a:lnSpc>
-                <a:spcPct val="80000"/>
+                <a:spcPct val="100000"/>
               </a:lnSpc>
               <a:spcBef>
                 <a:spcPts val="352"/>
@@ -3963,26 +3964,14 @@
               <a:buSzPts val="1200"/>
             </a:pPr>
             <a:r>
-              <a:rPr lang="en-US" sz="1800" dirty="0" err="1"/>
-              <a:t>checkCredentials</a:t>
-            </a:r>
-            <a:r>
-              <a:rPr lang="en-US" sz="1800" dirty="0"/>
-              <a:t>(username, </a:t>
-            </a:r>
-            <a:r>
-              <a:rPr lang="en-US" sz="1800" dirty="0" err="1"/>
-              <a:t>pwd</a:t>
-            </a:r>
-            <a:r>
-              <a:rPr lang="en-US" sz="1800" dirty="0"/>
-              <a:t>)</a:t>
+              <a:rPr lang="en-US" sz="1600" dirty="0"/>
+              <a:t>checkCredentials(usrnOrEmail, pwd)</a:t>
             </a:r>
           </a:p>
           <a:p>
             <a:pPr marL="1418219" lvl="2" indent="-285750">
               <a:lnSpc>
-                <a:spcPct val="80000"/>
+                <a:spcPct val="100000"/>
               </a:lnSpc>
               <a:spcBef>
                 <a:spcPts val="352"/>
@@ -3990,26 +3979,74 @@
               <a:buSzPts val="1200"/>
             </a:pPr>
             <a:r>
-              <a:rPr lang="en-US" sz="1800" dirty="0" err="1"/>
-              <a:t>createNewUser</a:t>
-            </a:r>
-            <a:r>
-              <a:rPr lang="en-US" sz="1800" dirty="0"/>
-              <a:t>(username, </a:t>
-            </a:r>
-            <a:r>
-              <a:rPr lang="en-US" sz="1800" dirty="0" err="1"/>
-              <a:t>pwd</a:t>
-            </a:r>
-            <a:r>
-              <a:rPr lang="en-US" sz="1800" dirty="0"/>
-              <a:t>, email)</a:t>
+              <a:rPr lang="en-US" sz="1600" dirty="0"/>
+              <a:t>checkUserAlbumPreference(User)</a:t>
+            </a:r>
+          </a:p>
+          <a:p>
+            <a:pPr marL="1418219" lvl="2" indent="-285750">
+              <a:lnSpc>
+                <a:spcPct val="100000"/>
+              </a:lnSpc>
+              <a:spcBef>
+                <a:spcPts val="352"/>
+              </a:spcBef>
+              <a:buSzPts val="1200"/>
+            </a:pPr>
+            <a:r>
+              <a:rPr lang="en-US" sz="1600" dirty="0"/>
+              <a:t>findUserByUsername(username)</a:t>
+            </a:r>
+          </a:p>
+          <a:p>
+            <a:pPr marL="1418219" lvl="2" indent="-285750">
+              <a:lnSpc>
+                <a:spcPct val="100000"/>
+              </a:lnSpc>
+              <a:spcBef>
+                <a:spcPts val="352"/>
+              </a:spcBef>
+              <a:buSzPts val="1200"/>
+            </a:pPr>
+            <a:r>
+              <a:rPr lang="en-US" sz="1600" dirty="0"/>
+              <a:t>isExistingUsername(String)</a:t>
+            </a:r>
+          </a:p>
+          <a:p>
+            <a:pPr marL="1418219" lvl="2" indent="-285750">
+              <a:lnSpc>
+                <a:spcPct val="100000"/>
+              </a:lnSpc>
+              <a:spcBef>
+                <a:spcPts val="352"/>
+              </a:spcBef>
+              <a:buSzPts val="1200"/>
+            </a:pPr>
+            <a:r>
+              <a:rPr lang="en-US" sz="1600" dirty="0"/>
+              <a:t>isExistingEmail(String)</a:t>
+            </a:r>
+          </a:p>
+          <a:p>
+            <a:pPr marL="1418219" lvl="2" indent="-285750">
+              <a:lnSpc>
+                <a:spcPct val="100000"/>
+              </a:lnSpc>
+              <a:spcBef>
+                <a:spcPts val="352"/>
+              </a:spcBef>
+              <a:buSzPts val="1200"/>
+            </a:pPr>
+            <a:r>
+              <a:rPr lang="en-US" sz="1600" dirty="0"/>
+              <a:t>updatePreferenceAlbum(username, albumPref)</a:t>
             </a:r>
           </a:p>
           <a:p>
             <a:pPr marL="889237" lvl="1" indent="-285750">
               <a:lnSpc>
-                <a:spcPct val="80000"/>
+                <a:spcPct val="100000"/>
               </a:lnSpc>
               <a:spcBef>
                 <a:spcPts val="352"/>
@@ -4017,15 +4054,14 @@
               <a:buSzPts val="1500"/>
             </a:pPr>
             <a:r>
-              <a:rPr lang="en-US" sz="1800" dirty="0" err="1"/>
+              <a:rPr lang="en-US" sz="1600" b="1" dirty="0"/>
               <a:t>AlbumDAO</a:t>
             </a:r>
-            <a:endParaRPr lang="en-US" sz="1800" dirty="0"/>
           </a:p>
           <a:p>
             <a:pPr marL="1418219" lvl="2" indent="-285750">
               <a:lnSpc>
-                <a:spcPct val="80000"/>
+                <a:spcPct val="100000"/>
               </a:lnSpc>
               <a:spcBef>
                 <a:spcPts val="352"/>
@@ -4033,18 +4069,14 @@
               <a:buSzPts val="1200"/>
             </a:pPr>
             <a:r>
-              <a:rPr lang="en-US" sz="1800" dirty="0" err="1"/>
-              <a:t>findAllAlbums</a:t>
-            </a:r>
-            <a:r>
-              <a:rPr lang="en-US" sz="1800" dirty="0"/>
-              <a:t>()</a:t>
+              <a:rPr lang="en-US" sz="1600" dirty="0"/>
+              <a:t>findAlbumsOrderedByDate()</a:t>
             </a:r>
           </a:p>
           <a:p>
             <a:pPr marL="1418219" lvl="2" indent="-285750">
               <a:lnSpc>
-                <a:spcPct val="80000"/>
+                <a:spcPct val="100000"/>
               </a:lnSpc>
               <a:spcBef>
                 <a:spcPts val="352"/>
@@ -4052,42 +4084,14 @@
               <a:buSzPts val="1200"/>
             </a:pPr>
             <a:r>
-              <a:rPr lang="en-US" sz="1800" dirty="0" err="1"/>
-              <a:t>findInfoOfAlbumById</a:t>
-            </a:r>
-            <a:r>
-              <a:rPr lang="en-US" sz="1800" dirty="0"/>
-              <a:t>(</a:t>
-            </a:r>
-            <a:r>
-              <a:rPr lang="en-US" sz="1800" dirty="0" err="1"/>
-              <a:t>userid</a:t>
-            </a:r>
-            <a:r>
-              <a:rPr lang="en-US" sz="1800" dirty="0"/>
-              <a:t>)</a:t>
-            </a:r>
-          </a:p>
-          <a:p>
-            <a:pPr marL="822183" lvl="1" indent="-285750">
-              <a:lnSpc>
-                <a:spcPct val="80000"/>
-              </a:lnSpc>
-              <a:spcBef>
-                <a:spcPts val="352"/>
-              </a:spcBef>
-              <a:buSzPts val="1500"/>
-            </a:pPr>
-            <a:r>
-              <a:rPr lang="en-US" sz="1800" dirty="0" err="1"/>
-              <a:t>ImageDAO</a:t>
-            </a:r>
-            <a:endParaRPr lang="en-US" sz="1800" dirty="0"/>
+              <a:rPr lang="en-US" sz="1600" dirty="0"/>
+              <a:t>findAlbumsOrderedById()</a:t>
+            </a:r>
           </a:p>
           <a:p>
             <a:pPr marL="1418219" lvl="2" indent="-285750">
               <a:lnSpc>
-                <a:spcPct val="80000"/>
+                <a:spcPct val="100000"/>
               </a:lnSpc>
               <a:spcBef>
                 <a:spcPts val="352"/>
@@ -4095,218 +4099,18 @@
               <a:buSzPts val="1200"/>
             </a:pPr>
             <a:r>
-              <a:rPr lang="en-US" sz="1800" dirty="0" err="1"/>
-              <a:t>findImagesOfAlbum</a:t>
-            </a:r>
-            <a:r>
-              <a:rPr lang="en-US" sz="1800" dirty="0"/>
-              <a:t>(</a:t>
-            </a:r>
-            <a:r>
-              <a:rPr lang="en-US" sz="1800" dirty="0" err="1"/>
-              <a:t>albumId</a:t>
-            </a:r>
-            <a:r>
-              <a:rPr lang="en-US" sz="1800" dirty="0"/>
-              <a:t>)</a:t>
-            </a:r>
-          </a:p>
-          <a:p>
-            <a:pPr marL="1418219" lvl="2" indent="-285750">
-              <a:lnSpc>
-                <a:spcPct val="80000"/>
-              </a:lnSpc>
-              <a:spcBef>
-                <a:spcPts val="352"/>
-              </a:spcBef>
-              <a:buSzPts val="1200"/>
-            </a:pPr>
-            <a:r>
-              <a:rPr lang="en-US" sz="1800" dirty="0" err="1"/>
-              <a:t>findImageById</a:t>
-            </a:r>
-            <a:r>
-              <a:rPr lang="en-US" sz="1800" dirty="0"/>
-              <a:t>(</a:t>
-            </a:r>
-            <a:r>
-              <a:rPr lang="en-US" sz="1800" dirty="0" err="1"/>
-              <a:t>imageId</a:t>
-            </a:r>
-            <a:r>
-              <a:rPr lang="en-US" sz="1800" dirty="0"/>
-              <a:t>)</a:t>
-            </a:r>
-          </a:p>
-          <a:p>
-            <a:pPr marL="822183" lvl="1" indent="-285750">
-              <a:lnSpc>
-                <a:spcPct val="80000"/>
-              </a:lnSpc>
-              <a:spcBef>
-                <a:spcPts val="352"/>
-              </a:spcBef>
-              <a:buSzPts val="1500"/>
-            </a:pPr>
-            <a:r>
-              <a:rPr lang="en-US" sz="1800" dirty="0" err="1"/>
-              <a:t>CommentDAO</a:t>
-            </a:r>
-            <a:endParaRPr lang="en-US" sz="1800" dirty="0"/>
-          </a:p>
-          <a:p>
-            <a:pPr marL="1418219" lvl="2" indent="-285750">
-              <a:lnSpc>
-                <a:spcPct val="80000"/>
-              </a:lnSpc>
-              <a:spcBef>
-                <a:spcPts val="352"/>
-              </a:spcBef>
-              <a:buSzPts val="1200"/>
-            </a:pPr>
-            <a:r>
-              <a:rPr lang="en-US" sz="1800" dirty="0" err="1"/>
-              <a:t>findCommentsOfImage</a:t>
-            </a:r>
-            <a:r>
-              <a:rPr lang="en-US" sz="1800" dirty="0"/>
-              <a:t>(</a:t>
-            </a:r>
-            <a:r>
-              <a:rPr lang="en-US" sz="1800" dirty="0" err="1"/>
-              <a:t>imageId</a:t>
-            </a:r>
-            <a:r>
-              <a:rPr lang="en-US" sz="1800" dirty="0"/>
-              <a:t>)</a:t>
-            </a:r>
-          </a:p>
-          <a:p>
-            <a:pPr marL="1418219" lvl="2" indent="-285750">
-              <a:lnSpc>
-                <a:spcPct val="80000"/>
-              </a:lnSpc>
-              <a:spcBef>
-                <a:spcPts val="352"/>
-              </a:spcBef>
-              <a:buSzPts val="1200"/>
-            </a:pPr>
-            <a:r>
-              <a:rPr lang="en-US" sz="1800" dirty="0" err="1"/>
-              <a:t>createComment</a:t>
-            </a:r>
-            <a:r>
-              <a:rPr lang="en-US" sz="1800" dirty="0"/>
-              <a:t>(text, </a:t>
-            </a:r>
-            <a:r>
-              <a:rPr lang="en-US" sz="1800" dirty="0" err="1"/>
-              <a:t>imageId</a:t>
-            </a:r>
-            <a:r>
-              <a:rPr lang="en-US" sz="1800" dirty="0"/>
-              <a:t>, </a:t>
-            </a:r>
-            <a:r>
-              <a:rPr lang="en-US" sz="1800" dirty="0" err="1"/>
-              <a:t>userId</a:t>
-            </a:r>
-            <a:r>
-              <a:rPr lang="en-US" sz="1800" dirty="0"/>
-              <a:t>, date)</a:t>
-            </a:r>
-          </a:p>
-          <a:p>
-            <a:pPr marL="889237" lvl="1" indent="-285750">
-              <a:lnSpc>
-                <a:spcPct val="80000"/>
-              </a:lnSpc>
-              <a:spcBef>
-                <a:spcPts val="352"/>
-              </a:spcBef>
-              <a:buSzPts val="1500"/>
-            </a:pPr>
-            <a:r>
-              <a:rPr lang="en-US" sz="1800" dirty="0" err="1"/>
-              <a:t>RegistrationDAO</a:t>
-            </a:r>
-            <a:endParaRPr lang="en-US" sz="1800" dirty="0"/>
-          </a:p>
-          <a:p>
-            <a:pPr marL="1418219" lvl="2" indent="-285750">
-              <a:lnSpc>
-                <a:spcPct val="80000"/>
-              </a:lnSpc>
-              <a:spcBef>
-                <a:spcPts val="352"/>
-              </a:spcBef>
-              <a:buSzPts val="1200"/>
-            </a:pPr>
-            <a:r>
-              <a:rPr lang="en-US" sz="1800" dirty="0" err="1"/>
-              <a:t>createRegistrationOfUser</a:t>
-            </a:r>
-            <a:r>
-              <a:rPr lang="en-US" sz="1800" dirty="0"/>
-              <a:t>(</a:t>
-            </a:r>
-            <a:r>
-              <a:rPr lang="en-US" sz="1800" dirty="0" err="1"/>
-              <a:t>username,pwd,email</a:t>
-            </a:r>
-            <a:r>
-              <a:rPr lang="en-US" sz="1800" dirty="0"/>
-              <a:t>)</a:t>
-            </a:r>
-          </a:p>
-          <a:p>
-            <a:pPr marL="1418219" lvl="2" indent="-285750">
-              <a:lnSpc>
-                <a:spcPct val="80000"/>
-              </a:lnSpc>
-              <a:spcBef>
-                <a:spcPts val="352"/>
-              </a:spcBef>
-              <a:buSzPts val="1200"/>
-            </a:pPr>
-            <a:r>
-              <a:rPr lang="en-US" sz="1800" dirty="0" err="1"/>
-              <a:t>controlRegistrationOfUser</a:t>
-            </a:r>
-            <a:r>
-              <a:rPr lang="en-US" sz="1800" dirty="0"/>
-              <a:t>(</a:t>
-            </a:r>
-            <a:r>
-              <a:rPr lang="en-US" sz="1800" dirty="0" err="1"/>
-              <a:t>userid</a:t>
-            </a:r>
-            <a:r>
-              <a:rPr lang="en-US" sz="1800" dirty="0"/>
-              <a:t>)</a:t>
-            </a:r>
-          </a:p>
-          <a:p>
-            <a:pPr marL="1132469" lvl="2" indent="0">
-              <a:lnSpc>
-                <a:spcPct val="80000"/>
-              </a:lnSpc>
-              <a:spcBef>
-                <a:spcPts val="352"/>
-              </a:spcBef>
-              <a:buSzPts val="1200"/>
-              <a:buNone/>
-            </a:pPr>
-            <a:endParaRPr lang="en-US" sz="1400" dirty="0"/>
-          </a:p>
-        </p:txBody>
-      </p:sp>
-      <p:sp>
-        <p:nvSpPr>
-          <p:cNvPr id="6" name="CasellaDiTesto 5">
-            <a:extLst>
-              <a:ext uri="{FF2B5EF4-FFF2-40B4-BE49-F238E27FC236}">
-                <a16:creationId xmlns:a16="http://schemas.microsoft.com/office/drawing/2014/main" id="{D4BEC07E-F77A-4D9E-923B-1C6F01EBEDB9}"/>
+              <a:rPr lang="en-US" sz="1600" dirty="0"/>
+              <a:t>findAlbumById(albumId)</a:t>
+            </a:r>
+          </a:p>
+        </p:txBody>
+      </p:sp>
+      <p:sp>
+        <p:nvSpPr>
+          <p:cNvPr id="8" name="CasellaDiTesto 7">
+            <a:extLst>
+              <a:ext uri="{FF2B5EF4-FFF2-40B4-BE49-F238E27FC236}">
+                <a16:creationId xmlns:a16="http://schemas.microsoft.com/office/drawing/2014/main" id="{37A508B4-A9E3-4AAE-9946-1396116B7934}"/>
               </a:ext>
             </a:extLst>
           </p:cNvPr>
@@ -4315,8 +4119,8 @@
         </p:nvSpPr>
         <p:spPr>
           <a:xfrm>
-            <a:off x="5382825" y="654732"/>
-            <a:ext cx="5162083" cy="2400657"/>
+            <a:off x="577056" y="779031"/>
+            <a:ext cx="3873500" cy="1400127"/>
           </a:xfrm>
           <a:prstGeom prst="rect">
             <a:avLst/>
@@ -4329,155 +4133,6 @@
           </a:bodyPr>
           <a:lstStyle/>
           <a:p>
-            <a:r>
-              <a:rPr lang="en-US" sz="2400" dirty="0"/>
-              <a:t>Controllers (servlets)</a:t>
-            </a:r>
-          </a:p>
-          <a:p>
-            <a:pPr marL="742950" lvl="1" indent="-285750">
-              <a:buFont typeface="Arial" panose="020B0604020202020204" pitchFamily="34" charset="0"/>
-              <a:buChar char="•"/>
-            </a:pPr>
-            <a:r>
-              <a:rPr lang="en-US" dirty="0" err="1"/>
-              <a:t>CheckLogin</a:t>
-            </a:r>
-            <a:r>
-              <a:rPr lang="en-US" dirty="0"/>
-              <a:t> (</a:t>
-            </a:r>
-            <a:r>
-              <a:rPr lang="en-US" dirty="0" err="1"/>
-              <a:t>LoggedUser</a:t>
-            </a:r>
-            <a:r>
-              <a:rPr lang="en-US" dirty="0"/>
-              <a:t>)</a:t>
-            </a:r>
-          </a:p>
-          <a:p>
-            <a:pPr marL="742950" lvl="1" indent="-285750">
-              <a:buFont typeface="Arial" panose="020B0604020202020204" pitchFamily="34" charset="0"/>
-              <a:buChar char="•"/>
-            </a:pPr>
-            <a:r>
-              <a:rPr lang="en-US" dirty="0" err="1"/>
-              <a:t>CheckGuest</a:t>
-            </a:r>
-            <a:r>
-              <a:rPr lang="en-US" dirty="0"/>
-              <a:t>(Guest)</a:t>
-            </a:r>
-          </a:p>
-          <a:p>
-            <a:pPr marL="742950" lvl="1" indent="-285750">
-              <a:buFont typeface="Arial" panose="020B0604020202020204" pitchFamily="34" charset="0"/>
-              <a:buChar char="•"/>
-            </a:pPr>
-            <a:r>
-              <a:rPr lang="en-US" dirty="0" err="1"/>
-              <a:t>CreateComment</a:t>
-            </a:r>
-            <a:r>
-              <a:rPr lang="en-US" dirty="0"/>
-              <a:t> (</a:t>
-            </a:r>
-            <a:r>
-              <a:rPr lang="en-US" dirty="0" err="1"/>
-              <a:t>LoggedUser</a:t>
-            </a:r>
-            <a:r>
-              <a:rPr lang="en-US" dirty="0"/>
-              <a:t>)</a:t>
-            </a:r>
-          </a:p>
-          <a:p>
-            <a:pPr marL="742950" lvl="1" indent="-285750">
-              <a:buFont typeface="Arial" panose="020B0604020202020204" pitchFamily="34" charset="0"/>
-              <a:buChar char="•"/>
-            </a:pPr>
-            <a:r>
-              <a:rPr lang="en-US" dirty="0" err="1"/>
-              <a:t>GetImagesOfAlbum</a:t>
-            </a:r>
-            <a:r>
-              <a:rPr lang="en-US" dirty="0"/>
-              <a:t> (all)</a:t>
-            </a:r>
-          </a:p>
-          <a:p>
-            <a:pPr marL="742950" lvl="1" indent="-285750">
-              <a:buFont typeface="Arial" panose="020B0604020202020204" pitchFamily="34" charset="0"/>
-              <a:buChar char="•"/>
-            </a:pPr>
-            <a:r>
-              <a:rPr lang="en-US" dirty="0"/>
-              <a:t>Logout (</a:t>
-            </a:r>
-            <a:r>
-              <a:rPr lang="en-US" dirty="0" err="1"/>
-              <a:t>LoggedUser</a:t>
-            </a:r>
-            <a:r>
-              <a:rPr lang="en-US" dirty="0"/>
-              <a:t>)</a:t>
-            </a:r>
-          </a:p>
-          <a:p>
-            <a:pPr marL="742950" lvl="1" indent="-285750">
-              <a:buFont typeface="Arial" panose="020B0604020202020204" pitchFamily="34" charset="0"/>
-              <a:buChar char="•"/>
-            </a:pPr>
-            <a:r>
-              <a:rPr lang="en-US" dirty="0" err="1"/>
-              <a:t>OpenRegistrationForm</a:t>
-            </a:r>
-            <a:r>
-              <a:rPr lang="en-US" dirty="0"/>
-              <a:t> (Guest)</a:t>
-            </a:r>
-          </a:p>
-          <a:p>
-            <a:pPr marL="742950" lvl="1" indent="-285750">
-              <a:buFont typeface="Arial" panose="020B0604020202020204" pitchFamily="34" charset="0"/>
-              <a:buChar char="•"/>
-            </a:pPr>
-            <a:r>
-              <a:rPr lang="en-US" dirty="0"/>
-              <a:t>Registration (Guest)</a:t>
-            </a:r>
-          </a:p>
-        </p:txBody>
-      </p:sp>
-      <p:sp>
-        <p:nvSpPr>
-          <p:cNvPr id="8" name="CasellaDiTesto 7">
-            <a:extLst>
-              <a:ext uri="{FF2B5EF4-FFF2-40B4-BE49-F238E27FC236}">
-                <a16:creationId xmlns:a16="http://schemas.microsoft.com/office/drawing/2014/main" id="{37A508B4-A9E3-4AAE-9946-1396116B7934}"/>
-              </a:ext>
-            </a:extLst>
-          </p:cNvPr>
-          <p:cNvSpPr txBox="1"/>
-          <p:nvPr/>
-        </p:nvSpPr>
-        <p:spPr>
-          <a:xfrm>
-            <a:off x="0" y="727416"/>
-            <a:ext cx="5382825" cy="1288430"/>
-          </a:xfrm>
-          <a:prstGeom prst="rect">
-            <a:avLst/>
-          </a:prstGeom>
-          <a:noFill/>
-        </p:spPr>
-        <p:txBody>
-          <a:bodyPr wrap="square">
-            <a:spAutoFit/>
-          </a:bodyPr>
-          <a:lstStyle/>
-          <a:p>
             <a:pPr>
               <a:lnSpc>
                 <a:spcPct val="80000"/>
@@ -4485,10 +4140,9 @@
               <a:buSzPts val="1750"/>
             </a:pPr>
             <a:r>
-              <a:rPr lang="en-US" sz="2800" dirty="0"/>
+              <a:rPr lang="en-US" sz="2000" b="1" dirty="0"/>
               <a:t>Model objects (Beans)</a:t>
             </a:r>
-            <a:endParaRPr lang="en-US" sz="2400" dirty="0"/>
           </a:p>
           <a:p>
             <a:pPr marL="889237" lvl="1" indent="-285750">
@@ -4503,7 +4157,7 @@
               <a:buChar char="•"/>
             </a:pPr>
             <a:r>
-              <a:rPr lang="en-US" sz="1700" dirty="0"/>
+              <a:rPr lang="en-US" sz="1600" dirty="0"/>
               <a:t>User</a:t>
             </a:r>
           </a:p>
@@ -4520,7 +4174,7 @@
               <a:buChar char="•"/>
             </a:pPr>
             <a:r>
-              <a:rPr lang="en-US" sz="1700" dirty="0"/>
+              <a:rPr lang="en-US" sz="1600" dirty="0"/>
               <a:t>Album</a:t>
             </a:r>
           </a:p>
@@ -4537,7 +4191,7 @@
               <a:buChar char="•"/>
             </a:pPr>
             <a:r>
-              <a:rPr lang="en-US" sz="1700" dirty="0"/>
+              <a:rPr lang="en-US" sz="1600" dirty="0"/>
               <a:t>Comment</a:t>
             </a:r>
           </a:p>
@@ -4554,18 +4208,35 @@
               <a:buChar char="•"/>
             </a:pPr>
             <a:r>
-              <a:rPr lang="en-US" sz="1700" dirty="0"/>
+              <a:rPr lang="en-US" sz="1600" dirty="0"/>
               <a:t>Image</a:t>
             </a:r>
           </a:p>
-        </p:txBody>
-      </p:sp>
-      <p:sp>
-        <p:nvSpPr>
-          <p:cNvPr id="10" name="CasellaDiTesto 9">
-            <a:extLst>
-              <a:ext uri="{FF2B5EF4-FFF2-40B4-BE49-F238E27FC236}">
-                <a16:creationId xmlns:a16="http://schemas.microsoft.com/office/drawing/2014/main" id="{28B7603A-8362-4896-A57D-3CB551A452EF}"/>
+          <a:p>
+            <a:pPr marL="889237" lvl="1" indent="-285750">
+              <a:lnSpc>
+                <a:spcPct val="60000"/>
+              </a:lnSpc>
+              <a:spcBef>
+                <a:spcPts val="352"/>
+              </a:spcBef>
+              <a:buSzPts val="1500"/>
+              <a:buFont typeface="Arial" panose="020B0604020202020204" pitchFamily="34" charset="0"/>
+              <a:buChar char="•"/>
+            </a:pPr>
+            <a:r>
+              <a:rPr lang="en-US" sz="1600" dirty="0"/>
+              <a:t>ImageAndComment</a:t>
+            </a:r>
+          </a:p>
+        </p:txBody>
+      </p:sp>
+      <p:sp>
+        <p:nvSpPr>
+          <p:cNvPr id="9" name="CasellaDiTesto 8">
+            <a:extLst>
+              <a:ext uri="{FF2B5EF4-FFF2-40B4-BE49-F238E27FC236}">
+                <a16:creationId xmlns:a16="http://schemas.microsoft.com/office/drawing/2014/main" id="{3489459C-01F7-4520-B31E-DBBB7A0F6B0B}"/>
               </a:ext>
             </a:extLst>
           </p:cNvPr>
@@ -4574,8 +4245,8 @@
         </p:nvSpPr>
         <p:spPr>
           <a:xfrm>
-            <a:off x="9482869" y="727416"/>
-            <a:ext cx="2124078" cy="1015663"/>
+            <a:off x="6096000" y="2656205"/>
+            <a:ext cx="5816601" cy="3611245"/>
           </a:xfrm>
           <a:prstGeom prst="rect">
             <a:avLst/>
@@ -4588,161 +4259,207 @@
           </a:bodyPr>
           <a:lstStyle/>
           <a:p>
-            <a:r>
-              <a:rPr lang="en-US" sz="2400" dirty="0"/>
-              <a:t>Filter</a:t>
-            </a:r>
-            <a:endParaRPr lang="en-US" dirty="0"/>
-          </a:p>
-          <a:p>
-            <a:pPr marL="742950" lvl="1" indent="-285750">
+            <a:pPr marL="822183" lvl="1" indent="-285750">
+              <a:lnSpc>
+                <a:spcPct val="100000"/>
+              </a:lnSpc>
+              <a:spcBef>
+                <a:spcPts val="352"/>
+              </a:spcBef>
+              <a:buSzPts val="1500"/>
               <a:buFont typeface="Arial" panose="020B0604020202020204" pitchFamily="34" charset="0"/>
               <a:buChar char="•"/>
             </a:pPr>
             <a:r>
-              <a:rPr lang="en-US" dirty="0" err="1"/>
-              <a:t>LoggedUser</a:t>
-            </a:r>
-            <a:endParaRPr lang="en-US" dirty="0"/>
-          </a:p>
-          <a:p>
-            <a:pPr marL="742950" lvl="1" indent="-285750">
+              <a:rPr lang="en-US" sz="1600" b="1" dirty="0"/>
+              <a:t>ImageDAO</a:t>
+            </a:r>
+          </a:p>
+          <a:p>
+            <a:pPr marL="1418219" lvl="2" indent="-285750">
+              <a:lnSpc>
+                <a:spcPct val="100000"/>
+              </a:lnSpc>
+              <a:spcBef>
+                <a:spcPts val="352"/>
+              </a:spcBef>
+              <a:buSzPts val="1200"/>
               <a:buFont typeface="Arial" panose="020B0604020202020204" pitchFamily="34" charset="0"/>
               <a:buChar char="•"/>
             </a:pPr>
             <a:r>
-              <a:rPr lang="en-US" dirty="0" err="1"/>
-              <a:t>GuestCheck</a:t>
-            </a:r>
-            <a:endParaRPr lang="en-US" dirty="0"/>
-          </a:p>
-        </p:txBody>
-      </p:sp>
-      <p:sp>
-        <p:nvSpPr>
-          <p:cNvPr id="12" name="CasellaDiTesto 11">
-            <a:extLst>
-              <a:ext uri="{FF2B5EF4-FFF2-40B4-BE49-F238E27FC236}">
-                <a16:creationId xmlns:a16="http://schemas.microsoft.com/office/drawing/2014/main" id="{6A57EBFB-18A8-41A0-91BB-72CD6B51F391}"/>
-              </a:ext>
-            </a:extLst>
-          </p:cNvPr>
-          <p:cNvSpPr txBox="1"/>
-          <p:nvPr/>
-        </p:nvSpPr>
-        <p:spPr>
-          <a:xfrm>
-            <a:off x="5382825" y="3499113"/>
-            <a:ext cx="6096000" cy="2954655"/>
-          </a:xfrm>
-          <a:prstGeom prst="rect">
-            <a:avLst/>
-          </a:prstGeom>
-          <a:noFill/>
-        </p:spPr>
-        <p:txBody>
-          <a:bodyPr wrap="square">
-            <a:spAutoFit/>
-          </a:bodyPr>
-          <a:lstStyle/>
-          <a:p>
-            <a:r>
-              <a:rPr lang="en-US" sz="2400" dirty="0"/>
-              <a:t>Views (Templates) &amp; components</a:t>
-            </a:r>
-          </a:p>
-          <a:p>
-            <a:pPr marL="742950" lvl="1" indent="-285750">
+              <a:rPr lang="en-US" sz="1600" dirty="0"/>
+              <a:t>findImagesByAlbum(albumId)</a:t>
+            </a:r>
+          </a:p>
+          <a:p>
+            <a:pPr marL="1418219" lvl="2" indent="-285750">
+              <a:lnSpc>
+                <a:spcPct val="100000"/>
+              </a:lnSpc>
+              <a:spcBef>
+                <a:spcPts val="352"/>
+              </a:spcBef>
+              <a:buSzPts val="1200"/>
               <a:buFont typeface="Arial" panose="020B0604020202020204" pitchFamily="34" charset="0"/>
               <a:buChar char="•"/>
             </a:pPr>
             <a:r>
-              <a:rPr lang="en-US" dirty="0"/>
-              <a:t>Index (all)</a:t>
-            </a:r>
-          </a:p>
-          <a:p>
-            <a:pPr marL="1200150" lvl="2" indent="-285750">
+              <a:rPr lang="en-US" sz="1600" dirty="0"/>
+              <a:t>findImageById(imageId)</a:t>
+            </a:r>
+          </a:p>
+          <a:p>
+            <a:pPr marL="822183" lvl="1" indent="-285750">
+              <a:lnSpc>
+                <a:spcPct val="100000"/>
+              </a:lnSpc>
+              <a:spcBef>
+                <a:spcPts val="352"/>
+              </a:spcBef>
+              <a:buSzPts val="1500"/>
               <a:buFont typeface="Arial" panose="020B0604020202020204" pitchFamily="34" charset="0"/>
               <a:buChar char="•"/>
             </a:pPr>
             <a:r>
-              <a:rPr lang="en-US" dirty="0"/>
-              <a:t>Login form</a:t>
-            </a:r>
-          </a:p>
-          <a:p>
-            <a:pPr marL="1200150" lvl="2" indent="-285750">
+              <a:rPr lang="en-US" sz="1600" b="1" dirty="0"/>
+              <a:t>CommentDAO</a:t>
+            </a:r>
+          </a:p>
+          <a:p>
+            <a:pPr marL="1418219" lvl="2" indent="-285750">
+              <a:lnSpc>
+                <a:spcPct val="100000"/>
+              </a:lnSpc>
+              <a:spcBef>
+                <a:spcPts val="352"/>
+              </a:spcBef>
+              <a:buSzPts val="1200"/>
               <a:buFont typeface="Arial" panose="020B0604020202020204" pitchFamily="34" charset="0"/>
               <a:buChar char="•"/>
             </a:pPr>
             <a:r>
-              <a:rPr lang="en-US" dirty="0"/>
-              <a:t>Register form</a:t>
-            </a:r>
-          </a:p>
-          <a:p>
-            <a:pPr marL="742950" lvl="1" indent="-285750">
+              <a:rPr lang="en-US" sz="1600" dirty="0"/>
+              <a:t>findCommentsOfImage(imageId)</a:t>
+            </a:r>
+          </a:p>
+          <a:p>
+            <a:pPr marL="1418219" lvl="2" indent="-285750">
+              <a:lnSpc>
+                <a:spcPct val="100000"/>
+              </a:lnSpc>
+              <a:spcBef>
+                <a:spcPts val="352"/>
+              </a:spcBef>
+              <a:buSzPts val="1200"/>
               <a:buFont typeface="Arial" panose="020B0604020202020204" pitchFamily="34" charset="0"/>
               <a:buChar char="•"/>
             </a:pPr>
             <a:r>
-              <a:rPr lang="en-US" dirty="0" err="1"/>
-              <a:t>HomePage</a:t>
-            </a:r>
-            <a:r>
-              <a:rPr lang="en-US" dirty="0"/>
-              <a:t>  (all)</a:t>
-            </a:r>
-          </a:p>
-          <a:p>
-            <a:pPr marL="1200150" lvl="2" indent="-285750">
+              <a:rPr lang="en-US" sz="1600" dirty="0"/>
+              <a:t>createComment(text, imageId, userId)</a:t>
+            </a:r>
+          </a:p>
+          <a:p>
+            <a:pPr marL="1418219" lvl="2" indent="-285750">
+              <a:lnSpc>
+                <a:spcPct val="100000"/>
+              </a:lnSpc>
+              <a:spcBef>
+                <a:spcPts val="352"/>
+              </a:spcBef>
+              <a:buSzPts val="1200"/>
               <a:buFont typeface="Arial" panose="020B0604020202020204" pitchFamily="34" charset="0"/>
               <a:buChar char="•"/>
             </a:pPr>
             <a:r>
-              <a:rPr lang="en-US" dirty="0"/>
-              <a:t>Album list</a:t>
-            </a:r>
-          </a:p>
-          <a:p>
-            <a:pPr marL="1200150" lvl="2" indent="-285750">
+              <a:rPr lang="en-US" sz="1600" dirty="0"/>
+              <a:t>findUsernameOfComments(List&lt;Comment&gt;)</a:t>
+            </a:r>
+          </a:p>
+          <a:p>
+            <a:pPr marL="1418219" lvl="2" indent="-285750">
+              <a:lnSpc>
+                <a:spcPct val="100000"/>
+              </a:lnSpc>
+              <a:spcBef>
+                <a:spcPts val="352"/>
+              </a:spcBef>
+              <a:buSzPts val="1200"/>
               <a:buFont typeface="Arial" panose="020B0604020202020204" pitchFamily="34" charset="0"/>
               <a:buChar char="•"/>
             </a:pPr>
             <a:r>
-              <a:rPr lang="en-US" dirty="0"/>
-              <a:t>Image list</a:t>
-            </a:r>
-          </a:p>
-          <a:p>
-            <a:pPr marL="1200150" lvl="2" indent="-285750">
+              <a:rPr lang="en-US" sz="1600" dirty="0"/>
+              <a:t>findUsernameOfComment(Comment)</a:t>
+            </a:r>
+          </a:p>
+          <a:p>
+            <a:pPr marL="1418219" lvl="2" indent="-285750">
+              <a:lnSpc>
+                <a:spcPct val="100000"/>
+              </a:lnSpc>
+              <a:spcBef>
+                <a:spcPts val="352"/>
+              </a:spcBef>
+              <a:buSzPts val="1200"/>
               <a:buFont typeface="Arial" panose="020B0604020202020204" pitchFamily="34" charset="0"/>
               <a:buChar char="•"/>
             </a:pPr>
             <a:r>
-              <a:rPr lang="en-US" dirty="0"/>
-              <a:t>Image Details</a:t>
-            </a:r>
-          </a:p>
-          <a:p>
-            <a:pPr marL="1200150" lvl="2" indent="-285750">
+              <a:rPr lang="en-US" sz="1600" dirty="0"/>
+              <a:t>findLastInsertedComment()</a:t>
+            </a:r>
+          </a:p>
+          <a:p>
+            <a:pPr marL="889237" lvl="1" indent="-285750">
+              <a:lnSpc>
+                <a:spcPct val="100000"/>
+              </a:lnSpc>
+              <a:spcBef>
+                <a:spcPts val="352"/>
+              </a:spcBef>
+              <a:buSzPts val="1500"/>
               <a:buFont typeface="Arial" panose="020B0604020202020204" pitchFamily="34" charset="0"/>
               <a:buChar char="•"/>
             </a:pPr>
             <a:r>
-              <a:rPr lang="en-US" dirty="0"/>
-              <a:t>Comment List</a:t>
-            </a:r>
-          </a:p>
-          <a:p>
-            <a:pPr marL="1200150" lvl="2" indent="-285750">
+              <a:rPr lang="en-US" sz="1600" b="1" dirty="0"/>
+              <a:t>RegistrationDAO</a:t>
+            </a:r>
+          </a:p>
+          <a:p>
+            <a:pPr marL="1418219" lvl="2" indent="-285750">
+              <a:lnSpc>
+                <a:spcPct val="100000"/>
+              </a:lnSpc>
+              <a:spcBef>
+                <a:spcPts val="352"/>
+              </a:spcBef>
+              <a:buSzPts val="1200"/>
               <a:buFont typeface="Arial" panose="020B0604020202020204" pitchFamily="34" charset="0"/>
               <a:buChar char="•"/>
             </a:pPr>
             <a:r>
-              <a:rPr lang="en-US" dirty="0"/>
-              <a:t>Comment Form </a:t>
+              <a:rPr lang="en-US" sz="1600" dirty="0"/>
+              <a:t>createRegistrationOfUser(username, pwd, email)</a:t>
+            </a:r>
+          </a:p>
+          <a:p>
+            <a:pPr marL="1418219" lvl="2" indent="-285750">
+              <a:lnSpc>
+                <a:spcPct val="100000"/>
+              </a:lnSpc>
+              <a:spcBef>
+                <a:spcPts val="352"/>
+              </a:spcBef>
+              <a:buSzPts val="1200"/>
+              <a:buFont typeface="Arial" panose="020B0604020202020204" pitchFamily="34" charset="0"/>
+              <a:buChar char="•"/>
+            </a:pPr>
+            <a:r>
+              <a:rPr lang="en-US" sz="1600" dirty="0"/>
+              <a:t>controlRegistrationOfUser(username)</a:t>
             </a:r>
           </a:p>
         </p:txBody>
@@ -4779,6 +4496,463 @@
       </p:grpSpPr>
       <p:sp>
         <p:nvSpPr>
+          <p:cNvPr id="5" name="CasellaDiTesto 4">
+            <a:extLst>
+              <a:ext uri="{FF2B5EF4-FFF2-40B4-BE49-F238E27FC236}">
+                <a16:creationId xmlns:a16="http://schemas.microsoft.com/office/drawing/2014/main" id="{EE9B08A6-96DE-4F41-8E62-19F42B3237F4}"/>
+              </a:ext>
+            </a:extLst>
+          </p:cNvPr>
+          <p:cNvSpPr txBox="1"/>
+          <p:nvPr/>
+        </p:nvSpPr>
+        <p:spPr>
+          <a:xfrm>
+            <a:off x="574514" y="343912"/>
+            <a:ext cx="3970725" cy="2862322"/>
+          </a:xfrm>
+          <a:prstGeom prst="rect">
+            <a:avLst/>
+          </a:prstGeom>
+          <a:noFill/>
+        </p:spPr>
+        <p:txBody>
+          <a:bodyPr wrap="square">
+            <a:spAutoFit/>
+          </a:bodyPr>
+          <a:lstStyle/>
+          <a:p>
+            <a:r>
+              <a:rPr lang="en-US" sz="2000" b="1" dirty="0"/>
+              <a:t>Controllers (servlets)</a:t>
+            </a:r>
+          </a:p>
+          <a:p>
+            <a:pPr marL="742950" lvl="1" indent="-285750">
+              <a:buFont typeface="Arial" panose="020B0604020202020204" pitchFamily="34" charset="0"/>
+              <a:buChar char="•"/>
+            </a:pPr>
+            <a:r>
+              <a:rPr lang="en-US" sz="1600" dirty="0"/>
+              <a:t>CheckGuest(Guest)</a:t>
+            </a:r>
+          </a:p>
+          <a:p>
+            <a:pPr marL="742950" lvl="1" indent="-285750">
+              <a:buFont typeface="Arial" panose="020B0604020202020204" pitchFamily="34" charset="0"/>
+              <a:buChar char="•"/>
+            </a:pPr>
+            <a:r>
+              <a:rPr lang="en-US" sz="1600" dirty="0"/>
+              <a:t>CheckLogin (LoggedUser)</a:t>
+            </a:r>
+          </a:p>
+          <a:p>
+            <a:pPr marL="742950" lvl="1" indent="-285750">
+              <a:buFont typeface="Arial" panose="020B0604020202020204" pitchFamily="34" charset="0"/>
+              <a:buChar char="•"/>
+            </a:pPr>
+            <a:r>
+              <a:rPr lang="en-US" sz="1600" dirty="0"/>
+              <a:t>CreateComment (LoggedUser)</a:t>
+            </a:r>
+          </a:p>
+          <a:p>
+            <a:pPr marL="742950" lvl="1" indent="-285750">
+              <a:buFont typeface="Arial" panose="020B0604020202020204" pitchFamily="34" charset="0"/>
+              <a:buChar char="•"/>
+            </a:pPr>
+            <a:r>
+              <a:rPr lang="en-US" sz="1600" dirty="0"/>
+              <a:t>GetAlbumList(All)</a:t>
+            </a:r>
+          </a:p>
+          <a:p>
+            <a:pPr marL="742950" lvl="1" indent="-285750">
+              <a:buFont typeface="Arial" panose="020B0604020202020204" pitchFamily="34" charset="0"/>
+              <a:buChar char="•"/>
+            </a:pPr>
+            <a:r>
+              <a:rPr lang="en-US" sz="1600" dirty="0"/>
+              <a:t>GetImageAndComments(All)</a:t>
+            </a:r>
+          </a:p>
+          <a:p>
+            <a:pPr marL="742950" lvl="1" indent="-285750">
+              <a:buFont typeface="Arial" panose="020B0604020202020204" pitchFamily="34" charset="0"/>
+              <a:buChar char="•"/>
+            </a:pPr>
+            <a:r>
+              <a:rPr lang="en-US" sz="1600" dirty="0"/>
+              <a:t>GetImagesOfAlbum (All)</a:t>
+            </a:r>
+          </a:p>
+          <a:p>
+            <a:pPr marL="742950" lvl="1" indent="-285750">
+              <a:buFont typeface="Arial" panose="020B0604020202020204" pitchFamily="34" charset="0"/>
+              <a:buChar char="•"/>
+            </a:pPr>
+            <a:r>
+              <a:rPr lang="en-US" sz="1600" dirty="0"/>
+              <a:t>GoLogin(Guest)</a:t>
+            </a:r>
+          </a:p>
+          <a:p>
+            <a:pPr marL="742950" lvl="1" indent="-285750">
+              <a:buFont typeface="Arial" panose="020B0604020202020204" pitchFamily="34" charset="0"/>
+              <a:buChar char="•"/>
+            </a:pPr>
+            <a:r>
+              <a:rPr lang="en-US" sz="1600" dirty="0"/>
+              <a:t>Logout (LoggedUser)</a:t>
+            </a:r>
+          </a:p>
+          <a:p>
+            <a:pPr marL="742950" lvl="1" indent="-285750">
+              <a:buFont typeface="Arial" panose="020B0604020202020204" pitchFamily="34" charset="0"/>
+              <a:buChar char="•"/>
+            </a:pPr>
+            <a:r>
+              <a:rPr lang="en-US" sz="1600" dirty="0"/>
+              <a:t>Registration (Guest)</a:t>
+            </a:r>
+          </a:p>
+          <a:p>
+            <a:pPr marL="742950" lvl="1" indent="-285750">
+              <a:buFont typeface="Arial" panose="020B0604020202020204" pitchFamily="34" charset="0"/>
+              <a:buChar char="•"/>
+            </a:pPr>
+            <a:r>
+              <a:rPr lang="en-US" sz="1600" dirty="0"/>
+              <a:t>SaveAlbumOrder(LoggedUser)</a:t>
+            </a:r>
+          </a:p>
+        </p:txBody>
+      </p:sp>
+      <p:sp>
+        <p:nvSpPr>
+          <p:cNvPr id="7" name="CasellaDiTesto 6">
+            <a:extLst>
+              <a:ext uri="{FF2B5EF4-FFF2-40B4-BE49-F238E27FC236}">
+                <a16:creationId xmlns:a16="http://schemas.microsoft.com/office/drawing/2014/main" id="{6EB93510-4E1F-4A0D-901A-6C374715FF47}"/>
+              </a:ext>
+            </a:extLst>
+          </p:cNvPr>
+          <p:cNvSpPr txBox="1"/>
+          <p:nvPr/>
+        </p:nvSpPr>
+        <p:spPr>
+          <a:xfrm>
+            <a:off x="574514" y="3998674"/>
+            <a:ext cx="2124078" cy="1231106"/>
+          </a:xfrm>
+          <a:prstGeom prst="rect">
+            <a:avLst/>
+          </a:prstGeom>
+          <a:noFill/>
+        </p:spPr>
+        <p:txBody>
+          <a:bodyPr wrap="square">
+            <a:spAutoFit/>
+          </a:bodyPr>
+          <a:lstStyle/>
+          <a:p>
+            <a:r>
+              <a:rPr lang="en-US" sz="2000" b="1" dirty="0"/>
+              <a:t>Filter</a:t>
+            </a:r>
+          </a:p>
+          <a:p>
+            <a:pPr marL="742950" lvl="1" indent="-285750">
+              <a:buFont typeface="Arial" panose="020B0604020202020204" pitchFamily="34" charset="0"/>
+              <a:buChar char="•"/>
+            </a:pPr>
+            <a:r>
+              <a:rPr lang="en-US" dirty="0"/>
+              <a:t>LoggedUser</a:t>
+            </a:r>
+          </a:p>
+          <a:p>
+            <a:pPr marL="742950" lvl="1" indent="-285750">
+              <a:buFont typeface="Arial" panose="020B0604020202020204" pitchFamily="34" charset="0"/>
+              <a:buChar char="•"/>
+            </a:pPr>
+            <a:r>
+              <a:rPr lang="en-US" dirty="0"/>
+              <a:t>GuestCheck</a:t>
+            </a:r>
+          </a:p>
+          <a:p>
+            <a:pPr marL="742950" lvl="1" indent="-285750">
+              <a:buFont typeface="Arial" panose="020B0604020202020204" pitchFamily="34" charset="0"/>
+              <a:buChar char="•"/>
+            </a:pPr>
+            <a:r>
+              <a:rPr lang="en-US" dirty="0"/>
+              <a:t>NoCacher</a:t>
+            </a:r>
+          </a:p>
+        </p:txBody>
+      </p:sp>
+      <p:sp>
+        <p:nvSpPr>
+          <p:cNvPr id="9" name="CasellaDiTesto 8">
+            <a:extLst>
+              <a:ext uri="{FF2B5EF4-FFF2-40B4-BE49-F238E27FC236}">
+                <a16:creationId xmlns:a16="http://schemas.microsoft.com/office/drawing/2014/main" id="{CBD70E15-843F-48A9-B87F-7F970B9CD2E2}"/>
+              </a:ext>
+            </a:extLst>
+          </p:cNvPr>
+          <p:cNvSpPr txBox="1"/>
+          <p:nvPr/>
+        </p:nvSpPr>
+        <p:spPr>
+          <a:xfrm>
+            <a:off x="5882730" y="343912"/>
+            <a:ext cx="6096000" cy="5724644"/>
+          </a:xfrm>
+          <a:prstGeom prst="rect">
+            <a:avLst/>
+          </a:prstGeom>
+          <a:noFill/>
+        </p:spPr>
+        <p:txBody>
+          <a:bodyPr wrap="square">
+            <a:spAutoFit/>
+          </a:bodyPr>
+          <a:lstStyle/>
+          <a:p>
+            <a:r>
+              <a:rPr lang="en-US" sz="2000" b="1" dirty="0"/>
+              <a:t>Views (Templates) &amp; components</a:t>
+            </a:r>
+          </a:p>
+          <a:p>
+            <a:pPr marL="742950" lvl="1" indent="-285750">
+              <a:buFont typeface="Arial" panose="020B0604020202020204" pitchFamily="34" charset="0"/>
+              <a:buChar char="•"/>
+            </a:pPr>
+            <a:r>
+              <a:rPr lang="en-US" dirty="0"/>
+              <a:t>Index (All)</a:t>
+            </a:r>
+          </a:p>
+          <a:p>
+            <a:pPr marL="1200150" lvl="2" indent="-285750">
+              <a:buFont typeface="Arial" panose="020B0604020202020204" pitchFamily="34" charset="0"/>
+              <a:buChar char="•"/>
+            </a:pPr>
+            <a:r>
+              <a:rPr lang="en-US" dirty="0"/>
+              <a:t>Login (form)</a:t>
+            </a:r>
+          </a:p>
+          <a:p>
+            <a:pPr marL="1200150" lvl="2" indent="-285750">
+              <a:buFont typeface="Arial" panose="020B0604020202020204" pitchFamily="34" charset="0"/>
+              <a:buChar char="•"/>
+            </a:pPr>
+            <a:r>
+              <a:rPr lang="en-US" dirty="0"/>
+              <a:t>Create New Account (button)</a:t>
+            </a:r>
+          </a:p>
+          <a:p>
+            <a:pPr marL="1200150" lvl="2" indent="-285750">
+              <a:buFont typeface="Arial" panose="020B0604020202020204" pitchFamily="34" charset="0"/>
+              <a:buChar char="•"/>
+            </a:pPr>
+            <a:r>
+              <a:rPr lang="en-US" dirty="0"/>
+              <a:t>Register (form)</a:t>
+            </a:r>
+          </a:p>
+          <a:p>
+            <a:pPr marL="1200150" lvl="2" indent="-285750">
+              <a:buFont typeface="Arial" panose="020B0604020202020204" pitchFamily="34" charset="0"/>
+              <a:buChar char="•"/>
+            </a:pPr>
+            <a:r>
+              <a:rPr lang="en-US" dirty="0"/>
+              <a:t>Continue As Guest (button)</a:t>
+            </a:r>
+          </a:p>
+          <a:p>
+            <a:pPr marL="1200150" lvl="2" indent="-285750">
+              <a:buFont typeface="Arial" panose="020B0604020202020204" pitchFamily="34" charset="0"/>
+              <a:buChar char="•"/>
+            </a:pPr>
+            <a:endParaRPr lang="en-US" dirty="0"/>
+          </a:p>
+          <a:p>
+            <a:pPr marL="742950" lvl="1" indent="-285750">
+              <a:buFont typeface="Arial" panose="020B0604020202020204" pitchFamily="34" charset="0"/>
+              <a:buChar char="•"/>
+            </a:pPr>
+            <a:r>
+              <a:rPr lang="en-US" dirty="0"/>
+              <a:t>HomePage  (</a:t>
+            </a:r>
+            <a:r>
+              <a:rPr lang="en-US" u="sng" dirty="0"/>
+              <a:t>All</a:t>
+            </a:r>
+            <a:r>
+              <a:rPr lang="en-US" dirty="0"/>
+              <a:t>)</a:t>
+            </a:r>
+          </a:p>
+          <a:p>
+            <a:pPr marL="1200150" lvl="2" indent="-285750">
+              <a:buFont typeface="Arial" panose="020B0604020202020204" pitchFamily="34" charset="0"/>
+              <a:buChar char="•"/>
+            </a:pPr>
+            <a:r>
+              <a:rPr lang="en-US" dirty="0"/>
+              <a:t>Alert (modal window)</a:t>
+            </a:r>
+          </a:p>
+          <a:p>
+            <a:pPr marL="1200150" lvl="2" indent="-285750">
+              <a:buFont typeface="Arial" panose="020B0604020202020204" pitchFamily="34" charset="0"/>
+              <a:buChar char="•"/>
+            </a:pPr>
+            <a:r>
+              <a:rPr lang="en-US" dirty="0"/>
+              <a:t>Login/Logout(button)</a:t>
+            </a:r>
+          </a:p>
+          <a:p>
+            <a:pPr marL="1200150" lvl="2" indent="-285750">
+              <a:buFont typeface="Arial" panose="020B0604020202020204" pitchFamily="34" charset="0"/>
+              <a:buChar char="•"/>
+            </a:pPr>
+            <a:r>
+              <a:rPr lang="en-US" dirty="0"/>
+              <a:t>Album (list)</a:t>
+            </a:r>
+          </a:p>
+          <a:p>
+            <a:pPr marL="1200150" lvl="2" indent="-285750">
+              <a:buFont typeface="Arial" panose="020B0604020202020204" pitchFamily="34" charset="0"/>
+              <a:buChar char="•"/>
+            </a:pPr>
+            <a:r>
+              <a:rPr lang="en-US" dirty="0"/>
+              <a:t>Save Album Order (button)</a:t>
+            </a:r>
+          </a:p>
+          <a:p>
+            <a:pPr marL="1200150" lvl="2" indent="-285750">
+              <a:buFont typeface="Arial" panose="020B0604020202020204" pitchFamily="34" charset="0"/>
+              <a:buChar char="•"/>
+            </a:pPr>
+            <a:r>
+              <a:rPr lang="en-US" dirty="0"/>
+              <a:t>Image (list)</a:t>
+            </a:r>
+          </a:p>
+          <a:p>
+            <a:pPr marL="1200150" lvl="2" indent="-285750">
+              <a:buFont typeface="Arial" panose="020B0604020202020204" pitchFamily="34" charset="0"/>
+              <a:buChar char="•"/>
+            </a:pPr>
+            <a:r>
+              <a:rPr lang="en-US" dirty="0"/>
+              <a:t>Previous &amp; next (button)</a:t>
+            </a:r>
+          </a:p>
+          <a:p>
+            <a:pPr marL="1200150" lvl="2" indent="-285750">
+              <a:buFont typeface="Arial" panose="020B0604020202020204" pitchFamily="34" charset="0"/>
+              <a:buChar char="•"/>
+            </a:pPr>
+            <a:r>
+              <a:rPr lang="en-US" dirty="0"/>
+              <a:t>Image Details (modal window):</a:t>
+            </a:r>
+          </a:p>
+          <a:p>
+            <a:pPr marL="1657350" lvl="3" indent="-285750">
+              <a:buFont typeface="Arial" panose="020B0604020202020204" pitchFamily="34" charset="0"/>
+              <a:buChar char="•"/>
+            </a:pPr>
+            <a:r>
+              <a:rPr lang="en-US" dirty="0"/>
+              <a:t>Image (Details)</a:t>
+            </a:r>
+          </a:p>
+          <a:p>
+            <a:pPr marL="1657350" lvl="3" indent="-285750">
+              <a:buFont typeface="Arial" panose="020B0604020202020204" pitchFamily="34" charset="0"/>
+              <a:buChar char="•"/>
+            </a:pPr>
+            <a:r>
+              <a:rPr lang="en-US" dirty="0"/>
+              <a:t>Comment (List)</a:t>
+            </a:r>
+          </a:p>
+          <a:p>
+            <a:pPr marL="1657350" lvl="3" indent="-285750">
+              <a:buFont typeface="Arial" panose="020B0604020202020204" pitchFamily="34" charset="0"/>
+              <a:buChar char="•"/>
+            </a:pPr>
+            <a:r>
+              <a:rPr lang="en-US" dirty="0"/>
+              <a:t>Comment (Form)</a:t>
+            </a:r>
+          </a:p>
+          <a:p>
+            <a:pPr marL="1657350" lvl="3" indent="-285750">
+              <a:buFont typeface="Arial" panose="020B0604020202020204" pitchFamily="34" charset="0"/>
+              <a:buChar char="•"/>
+            </a:pPr>
+            <a:r>
+              <a:rPr lang="en-US" dirty="0"/>
+              <a:t>Login To comment (button)</a:t>
+            </a:r>
+          </a:p>
+          <a:p>
+            <a:pPr marL="1200150" lvl="2" indent="-285750">
+              <a:buFont typeface="Arial" panose="020B0604020202020204" pitchFamily="34" charset="0"/>
+              <a:buChar char="•"/>
+            </a:pPr>
+            <a:endParaRPr lang="en-US" dirty="0"/>
+          </a:p>
+        </p:txBody>
+      </p:sp>
+    </p:spTree>
+    <p:extLst>
+      <p:ext uri="{BB962C8B-B14F-4D97-AF65-F5344CB8AC3E}">
+        <p14:creationId xmlns:p14="http://schemas.microsoft.com/office/powerpoint/2010/main" val="1434981750"/>
+      </p:ext>
+    </p:extLst>
+  </p:cSld>
+  <p:clrMapOvr>
+    <a:masterClrMapping/>
+  </p:clrMapOvr>
+</p:sld>
+</file>
+
+<file path=ppt/slides/slide3.xml><?xml version="1.0" encoding="utf-8"?>
+<p:sld xmlns:a="http://schemas.openxmlformats.org/drawingml/2006/main" xmlns:r="http://schemas.openxmlformats.org/officeDocument/2006/relationships" xmlns:p="http://schemas.openxmlformats.org/presentationml/2006/main">
+  <p:cSld>
+    <p:spTree>
+      <p:nvGrpSpPr>
+        <p:cNvPr id="1" name=""/>
+        <p:cNvGrpSpPr/>
+        <p:nvPr/>
+      </p:nvGrpSpPr>
+      <p:grpSpPr>
+        <a:xfrm>
+          <a:off x="0" y="0"/>
+          <a:ext cx="0" cy="0"/>
+          <a:chOff x="0" y="0"/>
+          <a:chExt cx="0" cy="0"/>
+        </a:xfrm>
+      </p:grpSpPr>
+      <p:sp>
+        <p:nvSpPr>
           <p:cNvPr id="4" name="Google Shape;197;p33">
             <a:extLst>
               <a:ext uri="{FF2B5EF4-FFF2-40B4-BE49-F238E27FC236}">
@@ -4791,8 +4965,8 @@
         </p:nvSpPr>
         <p:spPr>
           <a:xfrm>
-            <a:off x="101600" y="1419650"/>
-            <a:ext cx="5994400" cy="3885332"/>
+            <a:off x="101600" y="860356"/>
+            <a:ext cx="5994400" cy="4680594"/>
           </a:xfrm>
           <a:prstGeom prst="rect">
             <a:avLst/>
@@ -4855,7 +5029,7 @@
         </p:nvSpPr>
         <p:spPr>
           <a:xfrm>
-            <a:off x="255890" y="3274446"/>
+            <a:off x="156778" y="3522699"/>
             <a:ext cx="2799180" cy="1691942"/>
           </a:xfrm>
           <a:prstGeom prst="roundRect">
@@ -5032,8 +5206,8 @@
         </p:nvSpPr>
         <p:spPr>
           <a:xfrm>
-            <a:off x="9250889" y="4430364"/>
-            <a:ext cx="2730325" cy="1728000"/>
+            <a:off x="8904839" y="3871070"/>
+            <a:ext cx="3076376" cy="2409260"/>
           </a:xfrm>
           <a:prstGeom prst="rect">
             <a:avLst/>
@@ -5100,8 +5274,8 @@
         </p:nvCxnSpPr>
         <p:spPr>
           <a:xfrm rot="5400000">
-            <a:off x="6012958" y="2501822"/>
-            <a:ext cx="943537" cy="777451"/>
+            <a:off x="5814142" y="2141344"/>
+            <a:ext cx="1341168" cy="777451"/>
           </a:xfrm>
           <a:prstGeom prst="bentConnector2">
             <a:avLst/>
@@ -5139,7 +5313,7 @@
         </p:nvSpPr>
         <p:spPr>
           <a:xfrm>
-            <a:off x="6208638" y="3433698"/>
+            <a:off x="7003412" y="2538513"/>
             <a:ext cx="2696200" cy="369200"/>
           </a:xfrm>
           <a:prstGeom prst="rect">
@@ -5194,7 +5368,7 @@
         </p:nvSpPr>
         <p:spPr>
           <a:xfrm>
-            <a:off x="4359208" y="923508"/>
+            <a:off x="4359208" y="364214"/>
             <a:ext cx="3216463" cy="410400"/>
           </a:xfrm>
           <a:prstGeom prst="rect">
@@ -5220,7 +5394,7 @@
             <a:r>
               <a:rPr lang="es-419" sz="2000" dirty="0">
                 <a:solidFill>
-                  <a:schemeClr val="dk1"/>
+                  <a:srgbClr val="C00000"/>
                 </a:solidFill>
                 <a:latin typeface="Calibri"/>
                 <a:ea typeface="Calibri"/>
@@ -5232,7 +5406,7 @@
             <a:r>
               <a:rPr lang="es-419" sz="2100" dirty="0">
                 <a:solidFill>
-                  <a:schemeClr val="dk1"/>
+                  <a:srgbClr val="C00000"/>
                 </a:solidFill>
                 <a:latin typeface="Calibri"/>
                 <a:ea typeface="Calibri"/>
@@ -5244,7 +5418,7 @@
             <a:r>
               <a:rPr lang="es-419" sz="2000" dirty="0">
                 <a:solidFill>
-                  <a:schemeClr val="dk1"/>
+                  <a:srgbClr val="C00000"/>
                 </a:solidFill>
                 <a:latin typeface="Calibri"/>
                 <a:ea typeface="Calibri"/>
@@ -5255,7 +5429,7 @@
             </a:r>
             <a:endParaRPr sz="2100" dirty="0">
               <a:solidFill>
-                <a:schemeClr val="dk1"/>
+                <a:srgbClr val="C00000"/>
               </a:solidFill>
               <a:latin typeface="Calibri"/>
               <a:ea typeface="Calibri"/>
@@ -5281,8 +5455,8 @@
         </p:nvCxnSpPr>
         <p:spPr>
           <a:xfrm flipH="1">
-            <a:off x="5044440" y="1275169"/>
-            <a:ext cx="352260" cy="868046"/>
+            <a:off x="5009027" y="715875"/>
+            <a:ext cx="387673" cy="801067"/>
           </a:xfrm>
           <a:prstGeom prst="straightConnector1">
             <a:avLst/>
@@ -5290,7 +5464,7 @@
           <a:noFill/>
           <a:ln w="9525" cap="flat" cmpd="sng">
             <a:solidFill>
-              <a:srgbClr val="4A7DBA"/>
+              <a:srgbClr val="C00000"/>
             </a:solidFill>
             <a:prstDash val="solid"/>
             <a:round/>
@@ -5313,7 +5487,7 @@
         </p:nvSpPr>
         <p:spPr>
           <a:xfrm>
-            <a:off x="6215850" y="1549164"/>
+            <a:off x="6215850" y="989870"/>
             <a:ext cx="1482165" cy="654359"/>
           </a:xfrm>
           <a:prstGeom prst="parallelogram">
@@ -5406,7 +5580,7 @@
         </p:nvCxnSpPr>
         <p:spPr>
           <a:xfrm flipV="1">
-            <a:off x="3016047" y="1876344"/>
+            <a:off x="3016047" y="1317050"/>
             <a:ext cx="3281598" cy="470325"/>
           </a:xfrm>
           <a:prstGeom prst="straightConnector1">
@@ -5445,7 +5619,7 @@
         </p:nvSpPr>
         <p:spPr>
           <a:xfrm>
-            <a:off x="6717433" y="2130747"/>
+            <a:off x="6717433" y="1571453"/>
             <a:ext cx="312035" cy="288032"/>
           </a:xfrm>
           <a:prstGeom prst="ellipse">
@@ -5471,7 +5645,7 @@
           <a:lstStyle/>
           <a:p>
             <a:pPr algn="ctr"/>
-            <a:endParaRPr sz="2100">
+            <a:endParaRPr sz="2100" dirty="0">
               <a:solidFill>
                 <a:schemeClr val="lt1"/>
               </a:solidFill>
@@ -5497,7 +5671,7 @@
         </p:nvSpPr>
         <p:spPr>
           <a:xfrm>
-            <a:off x="8904838" y="1357176"/>
+            <a:off x="8547514" y="795122"/>
             <a:ext cx="2073855" cy="369200"/>
           </a:xfrm>
           <a:prstGeom prst="rect">
@@ -5556,8 +5730,8 @@
         </p:nvCxnSpPr>
         <p:spPr>
           <a:xfrm>
-            <a:off x="7816503" y="1876343"/>
-            <a:ext cx="2799549" cy="2554021"/>
+            <a:off x="7816503" y="1317049"/>
+            <a:ext cx="2626524" cy="2554021"/>
           </a:xfrm>
           <a:prstGeom prst="bentConnector2">
             <a:avLst/>
@@ -5595,7 +5769,7 @@
         </p:nvSpPr>
         <p:spPr>
           <a:xfrm>
-            <a:off x="402418" y="1845179"/>
+            <a:off x="402418" y="1285885"/>
             <a:ext cx="2450284" cy="1147200"/>
           </a:xfrm>
           <a:prstGeom prst="roundRect">
@@ -5715,7 +5889,7 @@
         </p:nvSpPr>
         <p:spPr>
           <a:xfrm>
-            <a:off x="1205342" y="4931167"/>
+            <a:off x="1222795" y="5135411"/>
             <a:ext cx="312035" cy="288032"/>
           </a:xfrm>
           <a:prstGeom prst="ellipse">
@@ -5741,7 +5915,7 @@
           <a:lstStyle/>
           <a:p>
             <a:pPr algn="ctr"/>
-            <a:endParaRPr sz="2100">
+            <a:endParaRPr sz="2100" dirty="0">
               <a:solidFill>
                 <a:schemeClr val="lt1"/>
               </a:solidFill>
@@ -5767,7 +5941,7 @@
         </p:nvSpPr>
         <p:spPr>
           <a:xfrm>
-            <a:off x="210786" y="6132972"/>
+            <a:off x="178090" y="6079861"/>
             <a:ext cx="2167724" cy="654359"/>
           </a:xfrm>
           <a:prstGeom prst="parallelogram">
@@ -5836,9 +6010,9 @@
           <p:nvPr/>
         </p:nvCxnSpPr>
         <p:spPr>
-          <a:xfrm>
-            <a:off x="1361360" y="5219199"/>
-            <a:ext cx="15083" cy="913773"/>
+          <a:xfrm flipH="1">
+            <a:off x="1343747" y="5423443"/>
+            <a:ext cx="35066" cy="656418"/>
           </a:xfrm>
           <a:prstGeom prst="straightConnector1">
             <a:avLst/>
@@ -5876,7 +6050,7 @@
         </p:nvSpPr>
         <p:spPr>
           <a:xfrm>
-            <a:off x="2189797" y="6330235"/>
+            <a:off x="2106892" y="6280330"/>
             <a:ext cx="312035" cy="288032"/>
           </a:xfrm>
           <a:prstGeom prst="ellipse">
@@ -5902,7 +6076,7 @@
           <a:lstStyle/>
           <a:p>
             <a:pPr algn="ctr"/>
-            <a:endParaRPr sz="2100">
+            <a:endParaRPr sz="2100" dirty="0">
               <a:solidFill>
                 <a:schemeClr val="lt1"/>
               </a:solidFill>
@@ -5932,8 +6106,8 @@
         </p:nvCxnSpPr>
         <p:spPr>
           <a:xfrm flipV="1">
-            <a:off x="2501832" y="5304982"/>
-            <a:ext cx="596968" cy="1169269"/>
+            <a:off x="2418927" y="5540950"/>
+            <a:ext cx="679873" cy="883396"/>
           </a:xfrm>
           <a:prstGeom prst="bentConnector2">
             <a:avLst/>
@@ -5971,7 +6145,7 @@
         </p:nvSpPr>
         <p:spPr>
           <a:xfrm>
-            <a:off x="3183232" y="5889616"/>
+            <a:off x="3135123" y="5982648"/>
             <a:ext cx="2696200" cy="748579"/>
           </a:xfrm>
           <a:prstGeom prst="rect">
@@ -6026,7 +6200,7 @@
         </p:nvSpPr>
         <p:spPr>
           <a:xfrm>
-            <a:off x="1517377" y="4931890"/>
+            <a:off x="1538471" y="5166974"/>
             <a:ext cx="901550" cy="369200"/>
           </a:xfrm>
           <a:prstGeom prst="rect">
@@ -6081,7 +6255,7 @@
         </p:nvSpPr>
         <p:spPr>
           <a:xfrm>
-            <a:off x="2860522" y="2454120"/>
+            <a:off x="2860522" y="1894826"/>
             <a:ext cx="901550" cy="369200"/>
           </a:xfrm>
           <a:prstGeom prst="rect">
@@ -6136,7 +6310,7 @@
         </p:nvSpPr>
         <p:spPr>
           <a:xfrm>
-            <a:off x="2704012" y="2202653"/>
+            <a:off x="2704012" y="1643359"/>
             <a:ext cx="312035" cy="288032"/>
           </a:xfrm>
           <a:prstGeom prst="ellipse">
@@ -6162,7 +6336,7 @@
           <a:lstStyle/>
           <a:p>
             <a:pPr algn="ctr"/>
-            <a:endParaRPr sz="2100">
+            <a:endParaRPr sz="2100" dirty="0">
               <a:solidFill>
                 <a:schemeClr val="lt1"/>
               </a:solidFill>
@@ -6188,7 +6362,7 @@
         </p:nvSpPr>
         <p:spPr>
           <a:xfrm>
-            <a:off x="7504468" y="1732327"/>
+            <a:off x="7504468" y="1173033"/>
             <a:ext cx="312035" cy="288032"/>
           </a:xfrm>
           <a:prstGeom prst="ellipse">
@@ -6214,7 +6388,7 @@
           <a:lstStyle/>
           <a:p>
             <a:pPr algn="ctr"/>
-            <a:endParaRPr sz="2100">
+            <a:endParaRPr sz="2100" dirty="0">
               <a:solidFill>
                 <a:schemeClr val="lt1"/>
               </a:solidFill>
@@ -6240,7 +6414,7 @@
         </p:nvSpPr>
         <p:spPr>
           <a:xfrm>
-            <a:off x="3917665" y="3338196"/>
+            <a:off x="3917665" y="2778902"/>
             <a:ext cx="1880960" cy="842367"/>
           </a:xfrm>
           <a:prstGeom prst="roundRect">
@@ -6278,31 +6452,7 @@
                 <a:cs typeface="Calibri"/>
                 <a:sym typeface="Calibri"/>
               </a:rPr>
-              <a:t>Continue </a:t>
-            </a:r>
-            <a:r>
-              <a:rPr lang="it-IT" b="1" dirty="0" err="1">
-                <a:solidFill>
-                  <a:schemeClr val="dk1"/>
-                </a:solidFill>
-                <a:latin typeface="Calibri"/>
-                <a:ea typeface="Calibri"/>
-                <a:cs typeface="Calibri"/>
-                <a:sym typeface="Calibri"/>
-              </a:rPr>
-              <a:t>as</a:t>
-            </a:r>
-            <a:r>
-              <a:rPr lang="it-IT" b="1" dirty="0">
-                <a:solidFill>
-                  <a:schemeClr val="dk1"/>
-                </a:solidFill>
-                <a:latin typeface="Calibri"/>
-                <a:ea typeface="Calibri"/>
-                <a:cs typeface="Calibri"/>
-                <a:sym typeface="Calibri"/>
-              </a:rPr>
-              <a:t> Guest</a:t>
+              <a:t>Continue as Guest</a:t>
             </a:r>
             <a:endParaRPr lang="it-IT" sz="1400" dirty="0">
               <a:solidFill>
@@ -6345,7 +6495,7 @@
         </p:nvSpPr>
         <p:spPr>
           <a:xfrm>
-            <a:off x="4668176" y="4171047"/>
+            <a:off x="4702127" y="3554086"/>
             <a:ext cx="312035" cy="288032"/>
           </a:xfrm>
           <a:prstGeom prst="ellipse">
@@ -6371,7 +6521,7 @@
           <a:lstStyle/>
           <a:p>
             <a:pPr algn="ctr"/>
-            <a:endParaRPr sz="2100">
+            <a:endParaRPr sz="2100" dirty="0">
               <a:solidFill>
                 <a:schemeClr val="lt1"/>
               </a:solidFill>
@@ -6394,15 +6544,15 @@
           </p:cNvPr>
           <p:cNvCxnSpPr>
             <a:cxnSpLocks/>
-            <a:stCxn id="43" idx="4"/>
+            <a:stCxn id="43" idx="5"/>
             <a:endCxn id="57" idx="5"/>
           </p:cNvCxnSpPr>
           <p:nvPr/>
         </p:nvCxnSpPr>
         <p:spPr>
           <a:xfrm>
-            <a:off x="4824194" y="4459079"/>
-            <a:ext cx="1880960" cy="227236"/>
+            <a:off x="4968466" y="3799937"/>
+            <a:ext cx="1736688" cy="327084"/>
           </a:xfrm>
           <a:prstGeom prst="straightConnector1">
             <a:avLst/>
@@ -6440,7 +6590,7 @@
         </p:nvSpPr>
         <p:spPr>
           <a:xfrm>
-            <a:off x="4386472" y="4491499"/>
+            <a:off x="4416168" y="3851661"/>
             <a:ext cx="901550" cy="369200"/>
           </a:xfrm>
           <a:prstGeom prst="rect">
@@ -6495,7 +6645,7 @@
         </p:nvSpPr>
         <p:spPr>
           <a:xfrm>
-            <a:off x="6623359" y="4359135"/>
+            <a:off x="6623359" y="3799841"/>
             <a:ext cx="1482165" cy="654359"/>
           </a:xfrm>
           <a:prstGeom prst="parallelogram">
@@ -6584,7 +6734,7 @@
         </p:nvSpPr>
         <p:spPr>
           <a:xfrm>
-            <a:off x="7878155" y="4572667"/>
+            <a:off x="7878155" y="4013373"/>
             <a:ext cx="312035" cy="288032"/>
           </a:xfrm>
           <a:prstGeom prst="ellipse">
@@ -6610,7 +6760,7 @@
           <a:lstStyle/>
           <a:p>
             <a:pPr algn="ctr"/>
-            <a:endParaRPr sz="2100">
+            <a:endParaRPr sz="2100" dirty="0">
               <a:solidFill>
                 <a:schemeClr val="lt1"/>
               </a:solidFill>
@@ -6640,8 +6790,8 @@
         </p:nvCxnSpPr>
         <p:spPr>
           <a:xfrm>
-            <a:off x="8190190" y="4716683"/>
-            <a:ext cx="1060699" cy="577681"/>
+            <a:off x="8190190" y="4157389"/>
+            <a:ext cx="714649" cy="918311"/>
           </a:xfrm>
           <a:prstGeom prst="bentConnector3">
             <a:avLst>
@@ -6683,8 +6833,8 @@
         </p:nvSpPr>
         <p:spPr>
           <a:xfrm>
-            <a:off x="2384923" y="111077"/>
-            <a:ext cx="7753830" cy="682039"/>
+            <a:off x="81843" y="57750"/>
+            <a:ext cx="4401380" cy="572214"/>
           </a:xfrm>
           <a:prstGeom prst="rect">
             <a:avLst/>
@@ -6718,17 +6868,347 @@
             </a:lvl1pPr>
           </a:lstStyle>
           <a:p>
-            <a:pPr>
+            <a:pPr algn="l">
               <a:buSzPts val="4400"/>
             </a:pPr>
             <a:r>
-              <a:rPr lang="es-419"/>
+              <a:rPr lang="es-419" sz="4400" dirty="0">
+                <a:solidFill>
+                  <a:srgbClr val="C00000"/>
+                </a:solidFill>
+              </a:rPr>
               <a:t>Application design</a:t>
             </a:r>
-            <a:endParaRPr lang="es-419" dirty="0"/>
-          </a:p>
-        </p:txBody>
-      </p:sp>
+          </a:p>
+        </p:txBody>
+      </p:sp>
+      <p:sp>
+        <p:nvSpPr>
+          <p:cNvPr id="2" name="Google Shape;229;p34">
+            <a:extLst>
+              <a:ext uri="{FF2B5EF4-FFF2-40B4-BE49-F238E27FC236}">
+                <a16:creationId xmlns:a16="http://schemas.microsoft.com/office/drawing/2014/main" id="{DA718B77-F4E8-47B9-B449-142CB1A3769F}"/>
+              </a:ext>
+            </a:extLst>
+          </p:cNvPr>
+          <p:cNvSpPr/>
+          <p:nvPr/>
+        </p:nvSpPr>
+        <p:spPr>
+          <a:xfrm>
+            <a:off x="301284" y="2694553"/>
+            <a:ext cx="1843021" cy="578470"/>
+          </a:xfrm>
+          <a:prstGeom prst="roundRect">
+            <a:avLst>
+              <a:gd name="adj" fmla="val 16667"/>
+            </a:avLst>
+          </a:prstGeom>
+          <a:solidFill>
+            <a:schemeClr val="bg1"/>
+          </a:solidFill>
+          <a:ln w="25400" cap="flat" cmpd="sng">
+            <a:solidFill>
+              <a:schemeClr val="accent3"/>
+            </a:solidFill>
+            <a:prstDash val="solid"/>
+            <a:round/>
+            <a:headEnd type="none" w="sm" len="sm"/>
+            <a:tailEnd type="none" w="sm" len="sm"/>
+          </a:ln>
+        </p:spPr>
+        <p:txBody>
+          <a:bodyPr spcFirstLastPara="1" wrap="square" lIns="107269" tIns="53620" rIns="107269" bIns="53620" anchor="ctr" anchorCtr="0">
+            <a:noAutofit/>
+          </a:bodyPr>
+          <a:lstStyle/>
+          <a:p>
+            <a:pPr algn="ctr"/>
+            <a:r>
+              <a:rPr lang="it-IT" sz="1400" b="1" dirty="0">
+                <a:solidFill>
+                  <a:schemeClr val="dk1"/>
+                </a:solidFill>
+                <a:latin typeface="Calibri"/>
+                <a:ea typeface="Calibri"/>
+                <a:cs typeface="Calibri"/>
+                <a:sym typeface="Calibri"/>
+              </a:rPr>
+              <a:t>Create New Account</a:t>
+            </a:r>
+            <a:endParaRPr lang="it-IT" sz="1100" dirty="0">
+              <a:solidFill>
+                <a:schemeClr val="dk1"/>
+              </a:solidFill>
+              <a:latin typeface="Calibri"/>
+              <a:ea typeface="Calibri"/>
+              <a:cs typeface="Calibri"/>
+              <a:sym typeface="Calibri"/>
+            </a:endParaRPr>
+          </a:p>
+          <a:p>
+            <a:pPr algn="ctr"/>
+            <a:r>
+              <a:rPr lang="it-IT" sz="1200" dirty="0">
+                <a:solidFill>
+                  <a:schemeClr val="dk1"/>
+                </a:solidFill>
+                <a:latin typeface="Calibri"/>
+                <a:ea typeface="Calibri"/>
+                <a:cs typeface="Calibri"/>
+                <a:sym typeface="Calibri"/>
+              </a:rPr>
+              <a:t>:Button</a:t>
+            </a:r>
+          </a:p>
+        </p:txBody>
+      </p:sp>
+      <p:sp>
+        <p:nvSpPr>
+          <p:cNvPr id="28" name="Google Shape;200;p33">
+            <a:extLst>
+              <a:ext uri="{FF2B5EF4-FFF2-40B4-BE49-F238E27FC236}">
+                <a16:creationId xmlns:a16="http://schemas.microsoft.com/office/drawing/2014/main" id="{C06F8F4D-535A-403D-BA03-F27DDEFD2803}"/>
+              </a:ext>
+            </a:extLst>
+          </p:cNvPr>
+          <p:cNvSpPr/>
+          <p:nvPr/>
+        </p:nvSpPr>
+        <p:spPr>
+          <a:xfrm>
+            <a:off x="2038855" y="2858614"/>
+            <a:ext cx="312035" cy="288032"/>
+          </a:xfrm>
+          <a:prstGeom prst="ellipse">
+            <a:avLst/>
+          </a:prstGeom>
+          <a:solidFill>
+            <a:schemeClr val="accent1"/>
+          </a:solidFill>
+          <a:ln w="25400" cap="flat" cmpd="sng">
+            <a:solidFill>
+              <a:srgbClr val="395E89"/>
+            </a:solidFill>
+            <a:prstDash val="solid"/>
+            <a:round/>
+            <a:headEnd type="none" w="sm" len="sm"/>
+            <a:tailEnd type="none" w="sm" len="sm"/>
+          </a:ln>
+        </p:spPr>
+        <p:txBody>
+          <a:bodyPr spcFirstLastPara="1" wrap="square" lIns="107269" tIns="53620" rIns="107269" bIns="53620" anchor="ctr" anchorCtr="0">
+            <a:noAutofit/>
+          </a:bodyPr>
+          <a:lstStyle/>
+          <a:p>
+            <a:pPr algn="ctr"/>
+            <a:endParaRPr sz="2100" dirty="0">
+              <a:solidFill>
+                <a:schemeClr val="lt1"/>
+              </a:solidFill>
+              <a:latin typeface="Calibri"/>
+              <a:ea typeface="Calibri"/>
+              <a:cs typeface="Calibri"/>
+              <a:sym typeface="Calibri"/>
+            </a:endParaRPr>
+          </a:p>
+        </p:txBody>
+      </p:sp>
+      <p:cxnSp>
+        <p:nvCxnSpPr>
+          <p:cNvPr id="46" name="Google Shape;205;p33">
+            <a:extLst>
+              <a:ext uri="{FF2B5EF4-FFF2-40B4-BE49-F238E27FC236}">
+                <a16:creationId xmlns:a16="http://schemas.microsoft.com/office/drawing/2014/main" id="{4EB23E49-04F0-4B2E-A686-E520CD123552}"/>
+              </a:ext>
+            </a:extLst>
+          </p:cNvPr>
+          <p:cNvCxnSpPr>
+            <a:cxnSpLocks/>
+            <a:stCxn id="28" idx="6"/>
+            <a:endCxn id="5" idx="3"/>
+          </p:cNvCxnSpPr>
+          <p:nvPr/>
+        </p:nvCxnSpPr>
+        <p:spPr>
+          <a:xfrm>
+            <a:off x="2350890" y="3002630"/>
+            <a:ext cx="605068" cy="1366040"/>
+          </a:xfrm>
+          <a:prstGeom prst="bentConnector3">
+            <a:avLst>
+              <a:gd name="adj1" fmla="val 137781"/>
+            </a:avLst>
+          </a:prstGeom>
+          <a:noFill/>
+          <a:ln w="25400" cap="flat" cmpd="sng">
+            <a:solidFill>
+              <a:schemeClr val="accent1"/>
+            </a:solidFill>
+            <a:prstDash val="solid"/>
+            <a:round/>
+            <a:headEnd type="none" w="sm" len="sm"/>
+            <a:tailEnd type="stealth" w="med" len="med"/>
+          </a:ln>
+          <a:effectLst>
+            <a:outerShdw blurRad="40000" dist="20000" dir="5400000" rotWithShape="0">
+              <a:srgbClr val="000000">
+                <a:alpha val="37647"/>
+              </a:srgbClr>
+            </a:outerShdw>
+          </a:effectLst>
+        </p:spPr>
+      </p:cxnSp>
+      <p:sp>
+        <p:nvSpPr>
+          <p:cNvPr id="36" name="Google Shape;204;p33">
+            <a:extLst>
+              <a:ext uri="{FF2B5EF4-FFF2-40B4-BE49-F238E27FC236}">
+                <a16:creationId xmlns:a16="http://schemas.microsoft.com/office/drawing/2014/main" id="{D6EAA73C-CECD-4CB2-A1D1-F4FB01E873B5}"/>
+              </a:ext>
+            </a:extLst>
+          </p:cNvPr>
+          <p:cNvSpPr txBox="1"/>
+          <p:nvPr/>
+        </p:nvSpPr>
+        <p:spPr>
+          <a:xfrm>
+            <a:off x="2238185" y="3012195"/>
+            <a:ext cx="901550" cy="369200"/>
+          </a:xfrm>
+          <a:prstGeom prst="rect">
+            <a:avLst/>
+          </a:prstGeom>
+          <a:noFill/>
+          <a:ln>
+            <a:noFill/>
+          </a:ln>
+        </p:spPr>
+        <p:txBody>
+          <a:bodyPr spcFirstLastPara="1" wrap="square" lIns="107269" tIns="53620" rIns="107269" bIns="53620" anchor="t" anchorCtr="0">
+            <a:noAutofit/>
+          </a:bodyPr>
+          <a:lstStyle/>
+          <a:p>
+            <a:r>
+              <a:rPr lang="es-419" sz="1800" dirty="0">
+                <a:solidFill>
+                  <a:schemeClr val="dk1"/>
+                </a:solidFill>
+                <a:latin typeface="Calibri"/>
+                <a:ea typeface="Calibri"/>
+                <a:cs typeface="Calibri"/>
+                <a:sym typeface="Calibri"/>
+              </a:rPr>
+              <a:t>display</a:t>
+            </a:r>
+            <a:endParaRPr sz="2100" dirty="0">
+              <a:solidFill>
+                <a:schemeClr val="dk1"/>
+              </a:solidFill>
+              <a:latin typeface="Calibri"/>
+              <a:ea typeface="Calibri"/>
+              <a:cs typeface="Calibri"/>
+              <a:sym typeface="Calibri"/>
+            </a:endParaRPr>
+          </a:p>
+        </p:txBody>
+      </p:sp>
+      <p:sp>
+        <p:nvSpPr>
+          <p:cNvPr id="56" name="Google Shape;236;p34">
+            <a:extLst>
+              <a:ext uri="{FF2B5EF4-FFF2-40B4-BE49-F238E27FC236}">
+                <a16:creationId xmlns:a16="http://schemas.microsoft.com/office/drawing/2014/main" id="{96B1B240-7A7B-46D1-94DF-EAF04B25B190}"/>
+              </a:ext>
+            </a:extLst>
+          </p:cNvPr>
+          <p:cNvSpPr txBox="1"/>
+          <p:nvPr/>
+        </p:nvSpPr>
+        <p:spPr>
+          <a:xfrm>
+            <a:off x="3208756" y="5163354"/>
+            <a:ext cx="2799180" cy="327084"/>
+          </a:xfrm>
+          <a:prstGeom prst="rect">
+            <a:avLst/>
+          </a:prstGeom>
+          <a:noFill/>
+          <a:ln w="25400" cap="flat" cmpd="sng">
+            <a:noFill/>
+            <a:prstDash val="solid"/>
+            <a:round/>
+            <a:headEnd type="none" w="sm" len="sm"/>
+            <a:tailEnd type="none" w="sm" len="sm"/>
+          </a:ln>
+        </p:spPr>
+        <p:txBody>
+          <a:bodyPr spcFirstLastPara="1" wrap="square" lIns="107269" tIns="53620" rIns="107269" bIns="53620" anchor="t" anchorCtr="0">
+            <a:noAutofit/>
+          </a:bodyPr>
+          <a:lstStyle/>
+          <a:p>
+            <a:r>
+              <a:rPr lang="es-419" dirty="0">
+                <a:solidFill>
+                  <a:srgbClr val="C00000"/>
+                </a:solidFill>
+                <a:latin typeface="Calibri"/>
+                <a:ea typeface="Calibri"/>
+                <a:cs typeface="Calibri"/>
+                <a:sym typeface="Calibri"/>
+              </a:rPr>
+              <a:t>Username, password, email</a:t>
+            </a:r>
+            <a:endParaRPr dirty="0">
+              <a:solidFill>
+                <a:srgbClr val="C00000"/>
+              </a:solidFill>
+              <a:latin typeface="Calibri"/>
+              <a:ea typeface="Calibri"/>
+              <a:cs typeface="Calibri"/>
+              <a:sym typeface="Calibri"/>
+            </a:endParaRPr>
+          </a:p>
+        </p:txBody>
+      </p:sp>
+      <p:cxnSp>
+        <p:nvCxnSpPr>
+          <p:cNvPr id="58" name="Google Shape;237;p34">
+            <a:extLst>
+              <a:ext uri="{FF2B5EF4-FFF2-40B4-BE49-F238E27FC236}">
+                <a16:creationId xmlns:a16="http://schemas.microsoft.com/office/drawing/2014/main" id="{23A09208-3CA3-48F8-826B-2043BAA2E9C2}"/>
+              </a:ext>
+            </a:extLst>
+          </p:cNvPr>
+          <p:cNvCxnSpPr>
+            <a:cxnSpLocks/>
+            <a:stCxn id="56" idx="1"/>
+          </p:cNvCxnSpPr>
+          <p:nvPr/>
+        </p:nvCxnSpPr>
+        <p:spPr>
+          <a:xfrm flipH="1">
+            <a:off x="1357276" y="5326896"/>
+            <a:ext cx="1851480" cy="437377"/>
+          </a:xfrm>
+          <a:prstGeom prst="straightConnector1">
+            <a:avLst/>
+          </a:prstGeom>
+          <a:noFill/>
+          <a:ln w="9525" cap="flat" cmpd="sng">
+            <a:solidFill>
+              <a:srgbClr val="C00000"/>
+            </a:solidFill>
+            <a:prstDash val="solid"/>
+            <a:round/>
+            <a:headEnd type="none" w="sm" len="sm"/>
+            <a:tailEnd type="none" w="sm" len="sm"/>
+          </a:ln>
+        </p:spPr>
+      </p:cxnSp>
     </p:spTree>
     <p:extLst>
       <p:ext uri="{BB962C8B-B14F-4D97-AF65-F5344CB8AC3E}">
@@ -6742,7 +7222,7 @@
 </p:sld>
 </file>
 
-<file path=ppt/slides/slide3.xml><?xml version="1.0" encoding="utf-8"?>
+<file path=ppt/slides/slide4.xml><?xml version="1.0" encoding="utf-8"?>
 <p:sld xmlns:a="http://schemas.openxmlformats.org/drawingml/2006/main" xmlns:r="http://schemas.openxmlformats.org/officeDocument/2006/relationships" xmlns:p="http://schemas.openxmlformats.org/presentationml/2006/main">
   <p:cSld>
     <p:spTree>
@@ -6824,7 +7304,7 @@
         </p:nvSpPr>
         <p:spPr>
           <a:xfrm>
-            <a:off x="8157640" y="5548971"/>
+            <a:off x="8165174" y="5493779"/>
             <a:ext cx="901550" cy="369200"/>
           </a:xfrm>
           <a:prstGeom prst="rect">
@@ -6842,7 +7322,7 @@
           <a:lstStyle/>
           <a:p>
             <a:r>
-              <a:rPr lang="es-419" sz="1900" dirty="0">
+              <a:rPr lang="es-419" sz="1400" dirty="0">
                 <a:solidFill>
                   <a:schemeClr val="dk1"/>
                 </a:solidFill>
@@ -6853,7 +7333,7 @@
               </a:rPr>
               <a:t>submit</a:t>
             </a:r>
-            <a:endParaRPr sz="2100" dirty="0">
+            <a:endParaRPr sz="1400" dirty="0">
               <a:solidFill>
                 <a:schemeClr val="dk1"/>
               </a:solidFill>
@@ -6873,7 +7353,7 @@
         </p:nvSpPr>
         <p:spPr>
           <a:xfrm>
-            <a:off x="10484956" y="4055422"/>
+            <a:off x="10485411" y="4582771"/>
             <a:ext cx="1505395" cy="654400"/>
           </a:xfrm>
           <a:prstGeom prst="parallelogram">
@@ -6936,7 +7416,7 @@
         </p:nvCxnSpPr>
         <p:spPr>
           <a:xfrm rot="5400000">
-            <a:off x="10341054" y="4217088"/>
+            <a:off x="10341509" y="4744437"/>
             <a:ext cx="403867" cy="1389334"/>
           </a:xfrm>
           <a:prstGeom prst="bentConnector2">
@@ -6998,7 +7478,7 @@
           <a:p>
             <a:pPr algn="ctr"/>
             <a:r>
-              <a:rPr lang="es-419" sz="1900" dirty="0">
+              <a:rPr lang="es-419" dirty="0">
                 <a:solidFill>
                   <a:schemeClr val="dk1"/>
                 </a:solidFill>
@@ -7010,7 +7490,7 @@
               <a:t>:</a:t>
             </a:r>
             <a:r>
-              <a:rPr lang="es-419" sz="1900" b="1" dirty="0">
+              <a:rPr lang="es-419" b="1" dirty="0">
                 <a:solidFill>
                   <a:schemeClr val="dk1"/>
                 </a:solidFill>
@@ -7019,14 +7499,14 @@
                 <a:cs typeface="Calibri"/>
                 <a:sym typeface="Calibri"/>
               </a:rPr>
-              <a:t>List</a:t>
+              <a:t>Table</a:t>
             </a:r>
             <a:endParaRPr b="1" dirty="0"/>
           </a:p>
           <a:p>
             <a:pPr algn="ctr"/>
             <a:r>
-              <a:rPr lang="es-419" sz="1900" dirty="0">
+              <a:rPr lang="es-419" dirty="0">
                 <a:solidFill>
                   <a:schemeClr val="dk1"/>
                 </a:solidFill>
@@ -7037,7 +7517,7 @@
               </a:rPr>
               <a:t>[databinding: album]</a:t>
             </a:r>
-            <a:endParaRPr sz="1900" dirty="0">
+            <a:endParaRPr dirty="0">
               <a:solidFill>
                 <a:schemeClr val="dk1"/>
               </a:solidFill>
@@ -7060,9 +7540,9 @@
           <p:nvPr/>
         </p:nvCxnSpPr>
         <p:spPr>
-          <a:xfrm>
-            <a:off x="1217766" y="728979"/>
-            <a:ext cx="490928" cy="995221"/>
+          <a:xfrm flipH="1">
+            <a:off x="1708694" y="1025485"/>
+            <a:ext cx="274468" cy="698715"/>
           </a:xfrm>
           <a:prstGeom prst="straightConnector1">
             <a:avLst/>
@@ -7120,7 +7600,7 @@
           <a:lstStyle/>
           <a:p>
             <a:pPr algn="ctr"/>
-            <a:endParaRPr sz="2100">
+            <a:endParaRPr sz="2100" dirty="0">
               <a:solidFill>
                 <a:schemeClr val="lt1"/>
               </a:solidFill>
@@ -7145,7 +7625,7 @@
         <p:spPr>
           <a:xfrm>
             <a:off x="3030523" y="2101578"/>
-            <a:ext cx="662807" cy="4007"/>
+            <a:ext cx="662806" cy="4007"/>
           </a:xfrm>
           <a:prstGeom prst="bentConnector3">
             <a:avLst>
@@ -7205,7 +7685,7 @@
             <a:r>
               <a:rPr lang="es-419" dirty="0">
                 <a:solidFill>
-                  <a:schemeClr val="dk1"/>
+                  <a:srgbClr val="C00000"/>
                 </a:solidFill>
                 <a:latin typeface="Calibri"/>
                 <a:ea typeface="Calibri"/>
@@ -7216,7 +7696,7 @@
             </a:r>
             <a:endParaRPr dirty="0">
               <a:solidFill>
-                <a:schemeClr val="dk1"/>
+                <a:srgbClr val="C00000"/>
               </a:solidFill>
               <a:latin typeface="Calibri"/>
               <a:ea typeface="Calibri"/>
@@ -7236,7 +7716,7 @@
         </p:nvCxnSpPr>
         <p:spPr>
           <a:xfrm flipV="1">
-            <a:off x="3429050" y="1697726"/>
+            <a:off x="3441890" y="1660530"/>
             <a:ext cx="103903" cy="411028"/>
           </a:xfrm>
           <a:prstGeom prst="straightConnector1">
@@ -7245,7 +7725,7 @@
           <a:noFill/>
           <a:ln w="9525" cap="flat" cmpd="sng">
             <a:solidFill>
-              <a:srgbClr val="4A7DBA"/>
+              <a:srgbClr val="C00000"/>
             </a:solidFill>
             <a:prstDash val="solid"/>
             <a:round/>
@@ -7262,8 +7742,8 @@
         </p:nvSpPr>
         <p:spPr>
           <a:xfrm>
-            <a:off x="3591365" y="1697726"/>
-            <a:ext cx="1513394" cy="815718"/>
+            <a:off x="3591364" y="1697726"/>
+            <a:ext cx="1774153" cy="815718"/>
           </a:xfrm>
           <a:prstGeom prst="parallelogram">
             <a:avLst>
@@ -7300,7 +7780,7 @@
                 <a:cs typeface="Calibri"/>
                 <a:sym typeface="Calibri"/>
               </a:rPr>
-              <a:t>Get Album Images </a:t>
+              <a:t>Get Images of Album</a:t>
             </a:r>
             <a:endParaRPr dirty="0">
               <a:solidFill>
@@ -7314,20 +7794,232 @@
           </a:p>
         </p:txBody>
       </p:sp>
+      <p:sp>
+        <p:nvSpPr>
+          <p:cNvPr id="33" name="Google Shape;225;p34"/>
+          <p:cNvSpPr txBox="1"/>
+          <p:nvPr/>
+        </p:nvSpPr>
+        <p:spPr>
+          <a:xfrm>
+            <a:off x="2866318" y="2135605"/>
+            <a:ext cx="662807" cy="334266"/>
+          </a:xfrm>
+          <a:prstGeom prst="rect">
+            <a:avLst/>
+          </a:prstGeom>
+          <a:noFill/>
+          <a:ln>
+            <a:noFill/>
+          </a:ln>
+        </p:spPr>
+        <p:txBody>
+          <a:bodyPr spcFirstLastPara="1" wrap="square" lIns="107269" tIns="53620" rIns="107269" bIns="53620" anchor="t" anchorCtr="0">
+            <a:noAutofit/>
+          </a:bodyPr>
+          <a:lstStyle/>
+          <a:p>
+            <a:r>
+              <a:rPr lang="es-419" sz="1400" dirty="0">
+                <a:solidFill>
+                  <a:schemeClr val="dk1"/>
+                </a:solidFill>
+                <a:latin typeface="Calibri"/>
+                <a:ea typeface="Calibri"/>
+                <a:cs typeface="Calibri"/>
+                <a:sym typeface="Calibri"/>
+              </a:rPr>
+              <a:t>select</a:t>
+            </a:r>
+            <a:endParaRPr sz="1400" dirty="0">
+              <a:solidFill>
+                <a:schemeClr val="dk1"/>
+              </a:solidFill>
+              <a:latin typeface="Calibri"/>
+              <a:ea typeface="Calibri"/>
+              <a:cs typeface="Calibri"/>
+              <a:sym typeface="Calibri"/>
+            </a:endParaRPr>
+          </a:p>
+        </p:txBody>
+      </p:sp>
+      <p:sp>
+        <p:nvSpPr>
+          <p:cNvPr id="38" name="Google Shape;229;p34"/>
+          <p:cNvSpPr/>
+          <p:nvPr/>
+        </p:nvSpPr>
+        <p:spPr>
+          <a:xfrm>
+            <a:off x="6339434" y="3496460"/>
+            <a:ext cx="1885882" cy="905256"/>
+          </a:xfrm>
+          <a:prstGeom prst="roundRect">
+            <a:avLst>
+              <a:gd name="adj" fmla="val 16667"/>
+            </a:avLst>
+          </a:prstGeom>
+          <a:solidFill>
+            <a:schemeClr val="lt1"/>
+          </a:solidFill>
+          <a:ln w="25400" cap="flat" cmpd="sng">
+            <a:solidFill>
+              <a:schemeClr val="accent3"/>
+            </a:solidFill>
+            <a:prstDash val="solid"/>
+            <a:round/>
+            <a:headEnd type="none" w="sm" len="sm"/>
+            <a:tailEnd type="none" w="sm" len="sm"/>
+          </a:ln>
+        </p:spPr>
+        <p:txBody>
+          <a:bodyPr spcFirstLastPara="1" wrap="square" lIns="107269" tIns="53620" rIns="107269" bIns="53620" anchor="ctr" anchorCtr="0">
+            <a:noAutofit/>
+          </a:bodyPr>
+          <a:lstStyle/>
+          <a:p>
+            <a:pPr algn="ctr"/>
+            <a:r>
+              <a:rPr lang="es-419" sz="1400" dirty="0">
+                <a:solidFill>
+                  <a:schemeClr val="dk1"/>
+                </a:solidFill>
+                <a:latin typeface="Calibri"/>
+                <a:ea typeface="Calibri"/>
+                <a:cs typeface="Calibri"/>
+                <a:sym typeface="Calibri"/>
+              </a:rPr>
+              <a:t>:List</a:t>
+            </a:r>
+            <a:endParaRPr sz="1400" dirty="0"/>
+          </a:p>
+          <a:p>
+            <a:pPr algn="ctr"/>
+            <a:r>
+              <a:rPr lang="es-419" sz="1400" dirty="0">
+                <a:solidFill>
+                  <a:schemeClr val="dk1"/>
+                </a:solidFill>
+                <a:latin typeface="Calibri"/>
+                <a:ea typeface="Calibri"/>
+                <a:cs typeface="Calibri"/>
+                <a:sym typeface="Calibri"/>
+              </a:rPr>
+              <a:t>[databinding: comment]</a:t>
+            </a:r>
+          </a:p>
+        </p:txBody>
+      </p:sp>
+      <p:sp>
+        <p:nvSpPr>
+          <p:cNvPr id="41" name="Google Shape;229;p34"/>
+          <p:cNvSpPr/>
+          <p:nvPr/>
+        </p:nvSpPr>
+        <p:spPr>
+          <a:xfrm>
+            <a:off x="6275581" y="5370067"/>
+            <a:ext cx="1885882" cy="1010861"/>
+          </a:xfrm>
+          <a:prstGeom prst="roundRect">
+            <a:avLst>
+              <a:gd name="adj" fmla="val 16667"/>
+            </a:avLst>
+          </a:prstGeom>
+          <a:solidFill>
+            <a:schemeClr val="lt1"/>
+          </a:solidFill>
+          <a:ln w="25400" cap="flat" cmpd="sng">
+            <a:solidFill>
+              <a:schemeClr val="accent3"/>
+            </a:solidFill>
+            <a:prstDash val="solid"/>
+            <a:round/>
+            <a:headEnd type="none" w="sm" len="sm"/>
+            <a:tailEnd type="none" w="sm" len="sm"/>
+          </a:ln>
+        </p:spPr>
+        <p:txBody>
+          <a:bodyPr spcFirstLastPara="1" wrap="square" lIns="107269" tIns="53620" rIns="107269" bIns="53620" anchor="ctr" anchorCtr="0">
+            <a:noAutofit/>
+          </a:bodyPr>
+          <a:lstStyle/>
+          <a:p>
+            <a:pPr algn="ctr"/>
+            <a:r>
+              <a:rPr lang="es-419" sz="1400" dirty="0">
+                <a:solidFill>
+                  <a:schemeClr val="dk1"/>
+                </a:solidFill>
+                <a:latin typeface="Calibri"/>
+                <a:ea typeface="Calibri"/>
+                <a:cs typeface="Calibri"/>
+                <a:sym typeface="Calibri"/>
+              </a:rPr>
+              <a:t>:Form</a:t>
+            </a:r>
+            <a:endParaRPr sz="1300" dirty="0"/>
+          </a:p>
+          <a:p>
+            <a:pPr algn="ctr"/>
+            <a:r>
+              <a:rPr lang="es-419" sz="1400" dirty="0">
+                <a:solidFill>
+                  <a:schemeClr val="dk1"/>
+                </a:solidFill>
+                <a:latin typeface="Calibri"/>
+                <a:ea typeface="Calibri"/>
+                <a:cs typeface="Calibri"/>
+                <a:sym typeface="Calibri"/>
+              </a:rPr>
+              <a:t>[text, imageId]</a:t>
+            </a:r>
+          </a:p>
+          <a:p>
+            <a:pPr algn="ctr"/>
+            <a:r>
+              <a:rPr lang="en-US" sz="1200" dirty="0">
+                <a:solidFill>
+                  <a:schemeClr val="accent6">
+                    <a:lumMod val="75000"/>
+                  </a:schemeClr>
+                </a:solidFill>
+                <a:latin typeface="Calibri"/>
+                <a:ea typeface="Calibri"/>
+                <a:cs typeface="Calibri"/>
+                <a:sym typeface="Calibri"/>
+              </a:rPr>
+              <a:t>Session.user!=NULL</a:t>
+            </a:r>
+          </a:p>
+          <a:p>
+            <a:pPr algn="ctr"/>
+            <a:endParaRPr sz="1400" dirty="0">
+              <a:solidFill>
+                <a:schemeClr val="dk1"/>
+              </a:solidFill>
+              <a:latin typeface="Calibri"/>
+              <a:ea typeface="Calibri"/>
+              <a:cs typeface="Calibri"/>
+              <a:sym typeface="Calibri"/>
+            </a:endParaRPr>
+          </a:p>
+        </p:txBody>
+      </p:sp>
       <p:cxnSp>
         <p:nvCxnSpPr>
-          <p:cNvPr id="32" name="Google Shape;238;p34"/>
+          <p:cNvPr id="21" name="Elbow Connector 20"/>
           <p:cNvCxnSpPr>
             <a:cxnSpLocks/>
-            <a:stCxn id="94" idx="2"/>
-            <a:endCxn id="37" idx="1"/>
+            <a:stCxn id="41" idx="3"/>
+            <a:endCxn id="224" idx="5"/>
           </p:cNvCxnSpPr>
           <p:nvPr/>
         </p:nvCxnSpPr>
         <p:spPr>
           <a:xfrm flipV="1">
-            <a:off x="4539544" y="2782113"/>
-            <a:ext cx="1806492" cy="2518608"/>
+            <a:off x="8161463" y="4909971"/>
+            <a:ext cx="2405748" cy="965527"/>
           </a:xfrm>
           <a:prstGeom prst="bentConnector3">
             <a:avLst>
@@ -7355,31 +8047,42 @@
       </p:cxnSp>
       <p:sp>
         <p:nvSpPr>
-          <p:cNvPr id="33" name="Google Shape;225;p34"/>
-          <p:cNvSpPr txBox="1"/>
+          <p:cNvPr id="78" name="Google Shape;234;p34"/>
+          <p:cNvSpPr/>
           <p:nvPr/>
         </p:nvSpPr>
         <p:spPr>
           <a:xfrm>
-            <a:off x="2494767" y="2343878"/>
-            <a:ext cx="901550" cy="369200"/>
+            <a:off x="1246163" y="361872"/>
+            <a:ext cx="1639902" cy="663613"/>
           </a:xfrm>
-          <a:prstGeom prst="rect">
-            <a:avLst/>
+          <a:prstGeom prst="parallelogram">
+            <a:avLst>
+              <a:gd name="adj" fmla="val 25000"/>
+            </a:avLst>
           </a:prstGeom>
-          <a:noFill/>
-          <a:ln>
-            <a:noFill/>
+          <a:solidFill>
+            <a:schemeClr val="lt1"/>
+          </a:solidFill>
+          <a:ln w="25400" cap="flat" cmpd="sng">
+            <a:solidFill>
+              <a:schemeClr val="accent2"/>
+            </a:solidFill>
+            <a:prstDash val="solid"/>
+            <a:round/>
+            <a:headEnd type="none" w="sm" len="sm"/>
+            <a:tailEnd type="none" w="sm" len="sm"/>
           </a:ln>
         </p:spPr>
         <p:txBody>
-          <a:bodyPr spcFirstLastPara="1" wrap="square" lIns="107269" tIns="53620" rIns="107269" bIns="53620" anchor="t" anchorCtr="0">
+          <a:bodyPr spcFirstLastPara="1" wrap="square" lIns="107269" tIns="53620" rIns="107269" bIns="53620" anchor="ctr" anchorCtr="0">
             <a:noAutofit/>
           </a:bodyPr>
           <a:lstStyle/>
           <a:p>
-            <a:r>
-              <a:rPr lang="es-419" sz="2100" dirty="0">
+            <a:pPr algn="ctr"/>
+            <a:r>
+              <a:rPr lang="es-419" dirty="0">
                 <a:solidFill>
                   <a:schemeClr val="dk1"/>
                 </a:solidFill>
@@ -7388,9 +8091,9 @@
                 <a:cs typeface="Calibri"/>
                 <a:sym typeface="Calibri"/>
               </a:rPr>
-              <a:t>select</a:t>
-            </a:r>
-            <a:endParaRPr sz="2100" dirty="0">
+              <a:t>Get albums list</a:t>
+            </a:r>
+            <a:endParaRPr dirty="0">
               <a:solidFill>
                 <a:schemeClr val="dk1"/>
               </a:solidFill>
@@ -7404,14 +8107,14 @@
       </p:sp>
       <p:sp>
         <p:nvSpPr>
-          <p:cNvPr id="38" name="Google Shape;229;p34"/>
+          <p:cNvPr id="37" name="Google Shape;229;p34"/>
           <p:cNvSpPr/>
           <p:nvPr/>
         </p:nvSpPr>
         <p:spPr>
           <a:xfrm>
-            <a:off x="6346036" y="3382160"/>
-            <a:ext cx="1885882" cy="905256"/>
+            <a:off x="6339434" y="2485917"/>
+            <a:ext cx="1885882" cy="820992"/>
           </a:xfrm>
           <a:prstGeom prst="roundRect">
             <a:avLst>
@@ -7419,7 +8122,7 @@
             </a:avLst>
           </a:prstGeom>
           <a:solidFill>
-            <a:schemeClr val="lt1"/>
+            <a:schemeClr val="bg1"/>
           </a:solidFill>
           <a:ln w="25400" cap="flat" cmpd="sng">
             <a:solidFill>
@@ -7448,9 +8151,9 @@
                 <a:cs typeface="Calibri"/>
                 <a:sym typeface="Calibri"/>
               </a:rPr>
-              <a:t>:List</a:t>
-            </a:r>
-            <a:endParaRPr sz="1400" dirty="0"/>
+              <a:t>:Detail</a:t>
+            </a:r>
+            <a:endParaRPr sz="1300" dirty="0"/>
           </a:p>
           <a:p>
             <a:pPr algn="ctr"/>
@@ -7464,21 +8167,557 @@
                 <a:cs typeface="Calibri"/>
                 <a:sym typeface="Calibri"/>
               </a:rPr>
-              <a:t>[databinding: comment]</a:t>
-            </a:r>
-          </a:p>
-        </p:txBody>
-      </p:sp>
-      <p:sp>
-        <p:nvSpPr>
-          <p:cNvPr id="41" name="Google Shape;229;p34"/>
+              <a:t>[databinding: image]</a:t>
+            </a:r>
+          </a:p>
+        </p:txBody>
+      </p:sp>
+      <p:cxnSp>
+        <p:nvCxnSpPr>
+          <p:cNvPr id="56" name="Straight Arrow Connector 15">
+            <a:extLst>
+              <a:ext uri="{FF2B5EF4-FFF2-40B4-BE49-F238E27FC236}">
+                <a16:creationId xmlns:a16="http://schemas.microsoft.com/office/drawing/2014/main" id="{D86C9E0D-C0B7-4245-A69B-C1317F4F91A5}"/>
+              </a:ext>
+            </a:extLst>
+          </p:cNvPr>
+          <p:cNvCxnSpPr>
+            <a:cxnSpLocks/>
+            <a:stCxn id="44" idx="4"/>
+            <a:endCxn id="13" idx="1"/>
+          </p:cNvCxnSpPr>
+          <p:nvPr/>
+        </p:nvCxnSpPr>
+        <p:spPr>
+          <a:xfrm flipH="1">
+            <a:off x="1593148" y="3666324"/>
+            <a:ext cx="661" cy="523214"/>
+          </a:xfrm>
+          <a:prstGeom prst="straightConnector1">
+            <a:avLst/>
+          </a:prstGeom>
+          <a:noFill/>
+          <a:ln w="25400" cap="flat" cmpd="sng">
+            <a:solidFill>
+              <a:schemeClr val="accent1"/>
+            </a:solidFill>
+            <a:prstDash val="solid"/>
+            <a:round/>
+            <a:headEnd type="none" w="sm" len="sm"/>
+            <a:tailEnd type="stealth" w="med" len="med"/>
+          </a:ln>
+          <a:effectLst>
+            <a:outerShdw blurRad="40000" dist="20000" dir="5400000" rotWithShape="0">
+              <a:srgbClr val="000000">
+                <a:alpha val="37650"/>
+              </a:srgbClr>
+            </a:outerShdw>
+          </a:effectLst>
+        </p:spPr>
+      </p:cxnSp>
+      <p:sp>
+        <p:nvSpPr>
+          <p:cNvPr id="13" name="Google Shape;234;p34">
+            <a:extLst>
+              <a:ext uri="{FF2B5EF4-FFF2-40B4-BE49-F238E27FC236}">
+                <a16:creationId xmlns:a16="http://schemas.microsoft.com/office/drawing/2014/main" id="{DC9B855F-A80C-42CF-971C-B2BA40245008}"/>
+              </a:ext>
+            </a:extLst>
+          </p:cNvPr>
           <p:cNvSpPr/>
           <p:nvPr/>
         </p:nvSpPr>
         <p:spPr>
           <a:xfrm>
-            <a:off x="6267570" y="5483258"/>
-            <a:ext cx="1885882" cy="1010861"/>
+            <a:off x="628688" y="4189538"/>
+            <a:ext cx="1739811" cy="756432"/>
+          </a:xfrm>
+          <a:prstGeom prst="parallelogram">
+            <a:avLst>
+              <a:gd name="adj" fmla="val 25000"/>
+            </a:avLst>
+          </a:prstGeom>
+          <a:solidFill>
+            <a:schemeClr val="lt1"/>
+          </a:solidFill>
+          <a:ln w="25400" cap="flat" cmpd="sng">
+            <a:solidFill>
+              <a:schemeClr val="accent2"/>
+            </a:solidFill>
+            <a:prstDash val="solid"/>
+            <a:round/>
+            <a:headEnd type="none" w="sm" len="sm"/>
+            <a:tailEnd type="none" w="sm" len="sm"/>
+          </a:ln>
+        </p:spPr>
+        <p:txBody>
+          <a:bodyPr spcFirstLastPara="1" wrap="square" lIns="107269" tIns="53620" rIns="107269" bIns="53620" anchor="ctr" anchorCtr="0">
+            <a:noAutofit/>
+          </a:bodyPr>
+          <a:lstStyle/>
+          <a:p>
+            <a:pPr algn="ctr"/>
+            <a:r>
+              <a:rPr lang="es-419" dirty="0">
+                <a:solidFill>
+                  <a:schemeClr val="dk1"/>
+                </a:solidFill>
+                <a:latin typeface="Calibri"/>
+                <a:ea typeface="Calibri"/>
+                <a:cs typeface="Calibri"/>
+                <a:sym typeface="Calibri"/>
+              </a:rPr>
+              <a:t>Save album order</a:t>
+            </a:r>
+            <a:endParaRPr dirty="0">
+              <a:solidFill>
+                <a:schemeClr val="dk1"/>
+              </a:solidFill>
+              <a:latin typeface="Calibri"/>
+              <a:ea typeface="Calibri"/>
+              <a:cs typeface="Calibri"/>
+              <a:sym typeface="Calibri"/>
+            </a:endParaRPr>
+          </a:p>
+        </p:txBody>
+      </p:sp>
+      <p:cxnSp>
+        <p:nvCxnSpPr>
+          <p:cNvPr id="88" name="Straight Arrow Connector 15">
+            <a:extLst>
+              <a:ext uri="{FF2B5EF4-FFF2-40B4-BE49-F238E27FC236}">
+                <a16:creationId xmlns:a16="http://schemas.microsoft.com/office/drawing/2014/main" id="{92298A18-CA99-414B-9BCE-4ABB8F27637F}"/>
+              </a:ext>
+            </a:extLst>
+          </p:cNvPr>
+          <p:cNvCxnSpPr>
+            <a:cxnSpLocks/>
+            <a:stCxn id="31" idx="3"/>
+            <a:endCxn id="67" idx="0"/>
+          </p:cNvCxnSpPr>
+          <p:nvPr/>
+        </p:nvCxnSpPr>
+        <p:spPr>
+          <a:xfrm flipH="1">
+            <a:off x="4228491" y="2513444"/>
+            <a:ext cx="147985" cy="804241"/>
+          </a:xfrm>
+          <a:prstGeom prst="straightConnector1">
+            <a:avLst/>
+          </a:prstGeom>
+          <a:noFill/>
+          <a:ln w="25400" cap="flat" cmpd="sng">
+            <a:solidFill>
+              <a:schemeClr val="accent1"/>
+            </a:solidFill>
+            <a:prstDash val="solid"/>
+            <a:round/>
+            <a:headEnd type="none" w="sm" len="sm"/>
+            <a:tailEnd type="stealth" w="med" len="med"/>
+          </a:ln>
+          <a:effectLst>
+            <a:outerShdw blurRad="40000" dist="20000" dir="5400000" rotWithShape="0">
+              <a:srgbClr val="000000">
+                <a:alpha val="37650"/>
+              </a:srgbClr>
+            </a:outerShdw>
+          </a:effectLst>
+        </p:spPr>
+      </p:cxnSp>
+      <p:cxnSp>
+        <p:nvCxnSpPr>
+          <p:cNvPr id="95" name="Straight Arrow Connector 15">
+            <a:extLst>
+              <a:ext uri="{FF2B5EF4-FFF2-40B4-BE49-F238E27FC236}">
+                <a16:creationId xmlns:a16="http://schemas.microsoft.com/office/drawing/2014/main" id="{9639F11A-9AC0-49D0-B9B2-07D320B1CC96}"/>
+              </a:ext>
+            </a:extLst>
+          </p:cNvPr>
+          <p:cNvCxnSpPr>
+            <a:cxnSpLocks/>
+            <a:stCxn id="77" idx="4"/>
+            <a:endCxn id="94" idx="1"/>
+          </p:cNvCxnSpPr>
+          <p:nvPr/>
+        </p:nvCxnSpPr>
+        <p:spPr>
+          <a:xfrm flipH="1">
+            <a:off x="4096653" y="4331172"/>
+            <a:ext cx="47442" cy="559053"/>
+          </a:xfrm>
+          <a:prstGeom prst="straightConnector1">
+            <a:avLst/>
+          </a:prstGeom>
+          <a:noFill/>
+          <a:ln w="25400" cap="flat" cmpd="sng">
+            <a:solidFill>
+              <a:schemeClr val="accent1"/>
+            </a:solidFill>
+            <a:prstDash val="solid"/>
+            <a:round/>
+            <a:headEnd type="none" w="sm" len="sm"/>
+            <a:tailEnd type="stealth" w="med" len="med"/>
+          </a:ln>
+          <a:effectLst>
+            <a:outerShdw blurRad="40000" dist="20000" dir="5400000" rotWithShape="0">
+              <a:srgbClr val="000000">
+                <a:alpha val="37650"/>
+              </a:srgbClr>
+            </a:outerShdw>
+          </a:effectLst>
+        </p:spPr>
+      </p:cxnSp>
+      <p:sp>
+        <p:nvSpPr>
+          <p:cNvPr id="94" name="Google Shape;234;p34">
+            <a:extLst>
+              <a:ext uri="{FF2B5EF4-FFF2-40B4-BE49-F238E27FC236}">
+                <a16:creationId xmlns:a16="http://schemas.microsoft.com/office/drawing/2014/main" id="{6E61360C-125A-4C5D-B584-AC77C4E24793}"/>
+              </a:ext>
+            </a:extLst>
+          </p:cNvPr>
+          <p:cNvSpPr/>
+          <p:nvPr/>
+        </p:nvSpPr>
+        <p:spPr>
+          <a:xfrm>
+            <a:off x="3094552" y="4890225"/>
+            <a:ext cx="1798953" cy="820992"/>
+          </a:xfrm>
+          <a:prstGeom prst="parallelogram">
+            <a:avLst>
+              <a:gd name="adj" fmla="val 25000"/>
+            </a:avLst>
+          </a:prstGeom>
+          <a:solidFill>
+            <a:schemeClr val="lt1"/>
+          </a:solidFill>
+          <a:ln w="25400" cap="flat" cmpd="sng">
+            <a:solidFill>
+              <a:schemeClr val="accent2"/>
+            </a:solidFill>
+            <a:prstDash val="solid"/>
+            <a:round/>
+            <a:headEnd type="none" w="sm" len="sm"/>
+            <a:tailEnd type="none" w="sm" len="sm"/>
+          </a:ln>
+        </p:spPr>
+        <p:txBody>
+          <a:bodyPr spcFirstLastPara="1" wrap="square" lIns="107269" tIns="53620" rIns="107269" bIns="53620" anchor="ctr" anchorCtr="0">
+            <a:noAutofit/>
+          </a:bodyPr>
+          <a:lstStyle/>
+          <a:p>
+            <a:pPr algn="ctr"/>
+            <a:r>
+              <a:rPr lang="en-US" dirty="0">
+                <a:solidFill>
+                  <a:schemeClr val="dk1"/>
+                </a:solidFill>
+                <a:latin typeface="Calibri"/>
+                <a:cs typeface="Calibri"/>
+              </a:rPr>
+              <a:t>Get Image &amp; Comments</a:t>
+            </a:r>
+            <a:endParaRPr dirty="0">
+              <a:solidFill>
+                <a:schemeClr val="dk1"/>
+              </a:solidFill>
+              <a:latin typeface="Calibri"/>
+              <a:cs typeface="Calibri"/>
+              <a:sym typeface="Calibri"/>
+            </a:endParaRPr>
+          </a:p>
+        </p:txBody>
+      </p:sp>
+      <p:sp>
+        <p:nvSpPr>
+          <p:cNvPr id="112" name="Google Shape;232;p34">
+            <a:extLst>
+              <a:ext uri="{FF2B5EF4-FFF2-40B4-BE49-F238E27FC236}">
+                <a16:creationId xmlns:a16="http://schemas.microsoft.com/office/drawing/2014/main" id="{932729BA-4820-44EB-BF31-8303033287BE}"/>
+              </a:ext>
+            </a:extLst>
+          </p:cNvPr>
+          <p:cNvSpPr/>
+          <p:nvPr/>
+        </p:nvSpPr>
+        <p:spPr>
+          <a:xfrm>
+            <a:off x="8042927" y="5718979"/>
+            <a:ext cx="312000" cy="288000"/>
+          </a:xfrm>
+          <a:prstGeom prst="ellipse">
+            <a:avLst/>
+          </a:prstGeom>
+          <a:solidFill>
+            <a:schemeClr val="accent1"/>
+          </a:solidFill>
+          <a:ln w="25400" cap="flat" cmpd="sng">
+            <a:solidFill>
+              <a:srgbClr val="395E89"/>
+            </a:solidFill>
+            <a:prstDash val="solid"/>
+            <a:round/>
+            <a:headEnd type="none" w="sm" len="sm"/>
+            <a:tailEnd type="none" w="sm" len="sm"/>
+          </a:ln>
+        </p:spPr>
+        <p:txBody>
+          <a:bodyPr spcFirstLastPara="1" wrap="square" lIns="107269" tIns="53620" rIns="107269" bIns="53620" anchor="ctr" anchorCtr="0">
+            <a:noAutofit/>
+          </a:bodyPr>
+          <a:lstStyle/>
+          <a:p>
+            <a:pPr algn="ctr"/>
+            <a:endParaRPr sz="2100" dirty="0">
+              <a:solidFill>
+                <a:schemeClr val="lt1"/>
+              </a:solidFill>
+              <a:latin typeface="Calibri"/>
+              <a:ea typeface="Calibri"/>
+              <a:cs typeface="Calibri"/>
+              <a:sym typeface="Calibri"/>
+            </a:endParaRPr>
+          </a:p>
+        </p:txBody>
+      </p:sp>
+      <p:sp>
+        <p:nvSpPr>
+          <p:cNvPr id="40" name="Google Shape;225;p34">
+            <a:extLst>
+              <a:ext uri="{FF2B5EF4-FFF2-40B4-BE49-F238E27FC236}">
+                <a16:creationId xmlns:a16="http://schemas.microsoft.com/office/drawing/2014/main" id="{E9ED3C22-FDFF-4B0E-941E-D21430C78155}"/>
+              </a:ext>
+            </a:extLst>
+          </p:cNvPr>
+          <p:cNvSpPr txBox="1"/>
+          <p:nvPr/>
+        </p:nvSpPr>
+        <p:spPr>
+          <a:xfrm>
+            <a:off x="1792615" y="3482997"/>
+            <a:ext cx="764993" cy="319641"/>
+          </a:xfrm>
+          <a:prstGeom prst="rect">
+            <a:avLst/>
+          </a:prstGeom>
+          <a:noFill/>
+          <a:ln>
+            <a:noFill/>
+          </a:ln>
+        </p:spPr>
+        <p:txBody>
+          <a:bodyPr spcFirstLastPara="1" wrap="square" lIns="107269" tIns="53620" rIns="107269" bIns="53620" anchor="t" anchorCtr="0">
+            <a:noAutofit/>
+          </a:bodyPr>
+          <a:lstStyle/>
+          <a:p>
+            <a:r>
+              <a:rPr lang="es-419" sz="1400" dirty="0">
+                <a:solidFill>
+                  <a:schemeClr val="dk1"/>
+                </a:solidFill>
+                <a:latin typeface="Calibri"/>
+                <a:ea typeface="Calibri"/>
+                <a:cs typeface="Calibri"/>
+                <a:sym typeface="Calibri"/>
+              </a:rPr>
+              <a:t>submit</a:t>
+            </a:r>
+            <a:endParaRPr sz="1400" dirty="0">
+              <a:solidFill>
+                <a:schemeClr val="dk1"/>
+              </a:solidFill>
+              <a:latin typeface="Calibri"/>
+              <a:ea typeface="Calibri"/>
+              <a:cs typeface="Calibri"/>
+              <a:sym typeface="Calibri"/>
+            </a:endParaRPr>
+          </a:p>
+        </p:txBody>
+      </p:sp>
+      <p:sp>
+        <p:nvSpPr>
+          <p:cNvPr id="42" name="Google Shape;225;p34">
+            <a:extLst>
+              <a:ext uri="{FF2B5EF4-FFF2-40B4-BE49-F238E27FC236}">
+                <a16:creationId xmlns:a16="http://schemas.microsoft.com/office/drawing/2014/main" id="{0B908C3F-C057-4F8B-B2D5-6B7C9DCDDEE2}"/>
+              </a:ext>
+            </a:extLst>
+          </p:cNvPr>
+          <p:cNvSpPr txBox="1"/>
+          <p:nvPr/>
+        </p:nvSpPr>
+        <p:spPr>
+          <a:xfrm>
+            <a:off x="4249269" y="4157282"/>
+            <a:ext cx="753371" cy="354940"/>
+          </a:xfrm>
+          <a:prstGeom prst="rect">
+            <a:avLst/>
+          </a:prstGeom>
+          <a:noFill/>
+          <a:ln>
+            <a:noFill/>
+          </a:ln>
+        </p:spPr>
+        <p:txBody>
+          <a:bodyPr spcFirstLastPara="1" wrap="square" lIns="107269" tIns="53620" rIns="107269" bIns="53620" anchor="t" anchorCtr="0">
+            <a:noAutofit/>
+          </a:bodyPr>
+          <a:lstStyle/>
+          <a:p>
+            <a:r>
+              <a:rPr lang="es-419" sz="1400" dirty="0">
+                <a:solidFill>
+                  <a:schemeClr val="dk1"/>
+                </a:solidFill>
+                <a:latin typeface="Calibri"/>
+                <a:ea typeface="Calibri"/>
+                <a:cs typeface="Calibri"/>
+                <a:sym typeface="Calibri"/>
+              </a:rPr>
+              <a:t>select</a:t>
+            </a:r>
+            <a:endParaRPr sz="1400" dirty="0">
+              <a:solidFill>
+                <a:schemeClr val="dk1"/>
+              </a:solidFill>
+              <a:latin typeface="Calibri"/>
+              <a:ea typeface="Calibri"/>
+              <a:cs typeface="Calibri"/>
+              <a:sym typeface="Calibri"/>
+            </a:endParaRPr>
+          </a:p>
+        </p:txBody>
+      </p:sp>
+      <p:sp>
+        <p:nvSpPr>
+          <p:cNvPr id="4" name="Google Shape;225;p34">
+            <a:extLst>
+              <a:ext uri="{FF2B5EF4-FFF2-40B4-BE49-F238E27FC236}">
+                <a16:creationId xmlns:a16="http://schemas.microsoft.com/office/drawing/2014/main" id="{66B2BF12-F686-4430-B869-8394A84F3327}"/>
+              </a:ext>
+            </a:extLst>
+          </p:cNvPr>
+          <p:cNvSpPr txBox="1"/>
+          <p:nvPr/>
+        </p:nvSpPr>
+        <p:spPr>
+          <a:xfrm>
+            <a:off x="4690127" y="2872072"/>
+            <a:ext cx="629289" cy="288000"/>
+          </a:xfrm>
+          <a:prstGeom prst="rect">
+            <a:avLst/>
+          </a:prstGeom>
+          <a:noFill/>
+          <a:ln>
+            <a:noFill/>
+          </a:ln>
+        </p:spPr>
+        <p:txBody>
+          <a:bodyPr spcFirstLastPara="1" wrap="square" lIns="107269" tIns="53620" rIns="107269" bIns="53620" anchor="t" anchorCtr="0">
+            <a:noAutofit/>
+          </a:bodyPr>
+          <a:lstStyle/>
+          <a:p>
+            <a:r>
+              <a:rPr lang="it-IT" sz="1400" dirty="0">
+                <a:solidFill>
+                  <a:schemeClr val="dk1"/>
+                </a:solidFill>
+                <a:latin typeface="Calibri"/>
+                <a:ea typeface="Calibri"/>
+                <a:cs typeface="Calibri"/>
+                <a:sym typeface="Calibri"/>
+              </a:rPr>
+              <a:t>next</a:t>
+            </a:r>
+            <a:endParaRPr sz="1400" dirty="0">
+              <a:solidFill>
+                <a:schemeClr val="dk1"/>
+              </a:solidFill>
+              <a:latin typeface="Calibri"/>
+              <a:ea typeface="Calibri"/>
+              <a:cs typeface="Calibri"/>
+              <a:sym typeface="Calibri"/>
+            </a:endParaRPr>
+          </a:p>
+        </p:txBody>
+      </p:sp>
+      <p:sp>
+        <p:nvSpPr>
+          <p:cNvPr id="5" name="Google Shape;225;p34">
+            <a:extLst>
+              <a:ext uri="{FF2B5EF4-FFF2-40B4-BE49-F238E27FC236}">
+                <a16:creationId xmlns:a16="http://schemas.microsoft.com/office/drawing/2014/main" id="{6242DB1D-8067-4B30-9382-C6F17DEDD936}"/>
+              </a:ext>
+            </a:extLst>
+          </p:cNvPr>
+          <p:cNvSpPr txBox="1"/>
+          <p:nvPr/>
+        </p:nvSpPr>
+        <p:spPr>
+          <a:xfrm>
+            <a:off x="3094553" y="2932915"/>
+            <a:ext cx="902480" cy="292527"/>
+          </a:xfrm>
+          <a:prstGeom prst="rect">
+            <a:avLst/>
+          </a:prstGeom>
+          <a:noFill/>
+          <a:ln>
+            <a:noFill/>
+          </a:ln>
+        </p:spPr>
+        <p:txBody>
+          <a:bodyPr spcFirstLastPara="1" wrap="square" lIns="107269" tIns="53620" rIns="107269" bIns="53620" anchor="t" anchorCtr="0">
+            <a:noAutofit/>
+          </a:bodyPr>
+          <a:lstStyle/>
+          <a:p>
+            <a:r>
+              <a:rPr lang="es-419" sz="1400" dirty="0">
+                <a:solidFill>
+                  <a:schemeClr val="dk1"/>
+                </a:solidFill>
+                <a:latin typeface="Calibri"/>
+                <a:ea typeface="Calibri"/>
+                <a:cs typeface="Calibri"/>
+                <a:sym typeface="Calibri"/>
+              </a:rPr>
+              <a:t>previous</a:t>
+            </a:r>
+            <a:endParaRPr sz="1400" dirty="0">
+              <a:solidFill>
+                <a:schemeClr val="dk1"/>
+              </a:solidFill>
+              <a:latin typeface="Calibri"/>
+              <a:ea typeface="Calibri"/>
+              <a:cs typeface="Calibri"/>
+              <a:sym typeface="Calibri"/>
+            </a:endParaRPr>
+          </a:p>
+        </p:txBody>
+      </p:sp>
+      <p:sp>
+        <p:nvSpPr>
+          <p:cNvPr id="9" name="Google Shape;229;p34">
+            <a:extLst>
+              <a:ext uri="{FF2B5EF4-FFF2-40B4-BE49-F238E27FC236}">
+                <a16:creationId xmlns:a16="http://schemas.microsoft.com/office/drawing/2014/main" id="{916BE761-6709-4807-9671-D975DFB1A324}"/>
+              </a:ext>
+            </a:extLst>
+          </p:cNvPr>
+          <p:cNvSpPr/>
+          <p:nvPr/>
+        </p:nvSpPr>
+        <p:spPr>
+          <a:xfrm>
+            <a:off x="708591" y="2892414"/>
+            <a:ext cx="1757522" cy="578470"/>
           </a:xfrm>
           <a:prstGeom prst="roundRect">
             <a:avLst>
@@ -7486,7 +8725,7 @@
             </a:avLst>
           </a:prstGeom>
           <a:solidFill>
-            <a:schemeClr val="lt1"/>
+            <a:schemeClr val="bg1"/>
           </a:solidFill>
           <a:ln w="25400" cap="flat" cmpd="sng">
             <a:solidFill>
@@ -7506,6 +8745,476 @@
           <a:p>
             <a:pPr algn="ctr"/>
             <a:r>
+              <a:rPr lang="it-IT" sz="1400" b="1" dirty="0">
+                <a:solidFill>
+                  <a:schemeClr val="dk1"/>
+                </a:solidFill>
+                <a:latin typeface="Calibri"/>
+                <a:ea typeface="Calibri"/>
+                <a:cs typeface="Calibri"/>
+                <a:sym typeface="Calibri"/>
+              </a:rPr>
+              <a:t>Save  Album Order</a:t>
+            </a:r>
+            <a:endParaRPr lang="it-IT" sz="1100" dirty="0">
+              <a:solidFill>
+                <a:schemeClr val="dk1"/>
+              </a:solidFill>
+              <a:latin typeface="Calibri"/>
+              <a:ea typeface="Calibri"/>
+              <a:cs typeface="Calibri"/>
+              <a:sym typeface="Calibri"/>
+            </a:endParaRPr>
+          </a:p>
+          <a:p>
+            <a:pPr algn="ctr"/>
+            <a:r>
+              <a:rPr lang="it-IT" sz="1200" dirty="0">
+                <a:solidFill>
+                  <a:schemeClr val="dk1"/>
+                </a:solidFill>
+                <a:latin typeface="Calibri"/>
+                <a:ea typeface="Calibri"/>
+                <a:cs typeface="Calibri"/>
+                <a:sym typeface="Calibri"/>
+              </a:rPr>
+              <a:t>:Button</a:t>
+            </a:r>
+          </a:p>
+        </p:txBody>
+      </p:sp>
+      <p:sp>
+        <p:nvSpPr>
+          <p:cNvPr id="10" name="Google Shape;229;p34">
+            <a:extLst>
+              <a:ext uri="{FF2B5EF4-FFF2-40B4-BE49-F238E27FC236}">
+                <a16:creationId xmlns:a16="http://schemas.microsoft.com/office/drawing/2014/main" id="{187B6351-9A6E-414C-936C-EF66B93E79C3}"/>
+              </a:ext>
+            </a:extLst>
+          </p:cNvPr>
+          <p:cNvSpPr/>
+          <p:nvPr/>
+        </p:nvSpPr>
+        <p:spPr>
+          <a:xfrm>
+            <a:off x="6082117" y="1338309"/>
+            <a:ext cx="1774154" cy="733250"/>
+          </a:xfrm>
+          <a:prstGeom prst="roundRect">
+            <a:avLst>
+              <a:gd name="adj" fmla="val 16667"/>
+            </a:avLst>
+          </a:prstGeom>
+          <a:solidFill>
+            <a:schemeClr val="bg1"/>
+          </a:solidFill>
+          <a:ln w="25400" cap="flat" cmpd="sng">
+            <a:solidFill>
+              <a:schemeClr val="accent3"/>
+            </a:solidFill>
+            <a:prstDash val="solid"/>
+            <a:round/>
+            <a:headEnd type="none" w="sm" len="sm"/>
+            <a:tailEnd type="none" w="sm" len="sm"/>
+          </a:ln>
+        </p:spPr>
+        <p:txBody>
+          <a:bodyPr spcFirstLastPara="1" wrap="square" lIns="107269" tIns="53620" rIns="107269" bIns="53620" anchor="ctr" anchorCtr="0">
+            <a:noAutofit/>
+          </a:bodyPr>
+          <a:lstStyle/>
+          <a:p>
+            <a:pPr algn="ctr"/>
+            <a:r>
+              <a:rPr lang="it-IT" b="1" dirty="0">
+                <a:solidFill>
+                  <a:schemeClr val="dk1"/>
+                </a:solidFill>
+                <a:latin typeface="Calibri"/>
+                <a:ea typeface="Calibri"/>
+                <a:cs typeface="Calibri"/>
+                <a:sym typeface="Calibri"/>
+              </a:rPr>
+              <a:t>Logout</a:t>
+            </a:r>
+            <a:endParaRPr lang="it-IT" sz="1400" dirty="0">
+              <a:solidFill>
+                <a:schemeClr val="dk1"/>
+              </a:solidFill>
+              <a:latin typeface="Calibri"/>
+              <a:ea typeface="Calibri"/>
+              <a:cs typeface="Calibri"/>
+              <a:sym typeface="Calibri"/>
+            </a:endParaRPr>
+          </a:p>
+          <a:p>
+            <a:pPr algn="ctr"/>
+            <a:r>
+              <a:rPr lang="it-IT" sz="1600" dirty="0">
+                <a:solidFill>
+                  <a:schemeClr val="dk1"/>
+                </a:solidFill>
+                <a:latin typeface="Calibri"/>
+                <a:ea typeface="Calibri"/>
+                <a:cs typeface="Calibri"/>
+                <a:sym typeface="Calibri"/>
+              </a:rPr>
+              <a:t>:Button</a:t>
+            </a:r>
+          </a:p>
+          <a:p>
+            <a:pPr algn="ctr"/>
+            <a:r>
+              <a:rPr lang="en-US" sz="1200" dirty="0">
+                <a:solidFill>
+                  <a:schemeClr val="accent6">
+                    <a:lumMod val="75000"/>
+                  </a:schemeClr>
+                </a:solidFill>
+                <a:latin typeface="Calibri"/>
+                <a:ea typeface="Calibri"/>
+                <a:cs typeface="Calibri"/>
+                <a:sym typeface="Calibri"/>
+              </a:rPr>
+              <a:t>Session.user !=NULL</a:t>
+            </a:r>
+          </a:p>
+        </p:txBody>
+      </p:sp>
+      <p:sp>
+        <p:nvSpPr>
+          <p:cNvPr id="11" name="Google Shape;229;p34">
+            <a:extLst>
+              <a:ext uri="{FF2B5EF4-FFF2-40B4-BE49-F238E27FC236}">
+                <a16:creationId xmlns:a16="http://schemas.microsoft.com/office/drawing/2014/main" id="{8703A9C1-1CA6-48E5-8C0E-734EC6BF3A6B}"/>
+              </a:ext>
+            </a:extLst>
+          </p:cNvPr>
+          <p:cNvSpPr/>
+          <p:nvPr/>
+        </p:nvSpPr>
+        <p:spPr>
+          <a:xfrm>
+            <a:off x="7934081" y="1354733"/>
+            <a:ext cx="1738997" cy="716825"/>
+          </a:xfrm>
+          <a:prstGeom prst="roundRect">
+            <a:avLst>
+              <a:gd name="adj" fmla="val 16667"/>
+            </a:avLst>
+          </a:prstGeom>
+          <a:solidFill>
+            <a:schemeClr val="bg1"/>
+          </a:solidFill>
+          <a:ln w="25400" cap="flat" cmpd="sng">
+            <a:solidFill>
+              <a:schemeClr val="accent3"/>
+            </a:solidFill>
+            <a:prstDash val="solid"/>
+            <a:round/>
+            <a:headEnd type="none" w="sm" len="sm"/>
+            <a:tailEnd type="none" w="sm" len="sm"/>
+          </a:ln>
+        </p:spPr>
+        <p:txBody>
+          <a:bodyPr spcFirstLastPara="1" wrap="square" lIns="107269" tIns="53620" rIns="107269" bIns="53620" anchor="ctr" anchorCtr="0">
+            <a:noAutofit/>
+          </a:bodyPr>
+          <a:lstStyle/>
+          <a:p>
+            <a:pPr algn="ctr"/>
+            <a:r>
+              <a:rPr lang="it-IT" b="1" dirty="0">
+                <a:solidFill>
+                  <a:schemeClr val="dk1"/>
+                </a:solidFill>
+                <a:latin typeface="Calibri"/>
+                <a:ea typeface="Calibri"/>
+                <a:cs typeface="Calibri"/>
+                <a:sym typeface="Calibri"/>
+              </a:rPr>
+              <a:t>Login</a:t>
+            </a:r>
+            <a:endParaRPr lang="it-IT" sz="1400" dirty="0">
+              <a:solidFill>
+                <a:schemeClr val="dk1"/>
+              </a:solidFill>
+              <a:latin typeface="Calibri"/>
+              <a:ea typeface="Calibri"/>
+              <a:cs typeface="Calibri"/>
+              <a:sym typeface="Calibri"/>
+            </a:endParaRPr>
+          </a:p>
+          <a:p>
+            <a:pPr algn="ctr"/>
+            <a:r>
+              <a:rPr lang="it-IT" sz="1600" dirty="0">
+                <a:solidFill>
+                  <a:schemeClr val="dk1"/>
+                </a:solidFill>
+                <a:latin typeface="Calibri"/>
+                <a:ea typeface="Calibri"/>
+                <a:cs typeface="Calibri"/>
+                <a:sym typeface="Calibri"/>
+              </a:rPr>
+              <a:t>:Button</a:t>
+            </a:r>
+          </a:p>
+          <a:p>
+            <a:pPr algn="ctr"/>
+            <a:r>
+              <a:rPr lang="en-US" sz="1200" dirty="0">
+                <a:solidFill>
+                  <a:schemeClr val="accent6">
+                    <a:lumMod val="75000"/>
+                  </a:schemeClr>
+                </a:solidFill>
+                <a:latin typeface="Calibri"/>
+                <a:ea typeface="Calibri"/>
+                <a:cs typeface="Calibri"/>
+                <a:sym typeface="Calibri"/>
+              </a:rPr>
+              <a:t>Session.user=NULL</a:t>
+            </a:r>
+          </a:p>
+        </p:txBody>
+      </p:sp>
+      <p:sp>
+        <p:nvSpPr>
+          <p:cNvPr id="44" name="Google Shape;222;p34"/>
+          <p:cNvSpPr/>
+          <p:nvPr/>
+        </p:nvSpPr>
+        <p:spPr>
+          <a:xfrm>
+            <a:off x="1437809" y="3378324"/>
+            <a:ext cx="312000" cy="288000"/>
+          </a:xfrm>
+          <a:prstGeom prst="ellipse">
+            <a:avLst/>
+          </a:prstGeom>
+          <a:solidFill>
+            <a:schemeClr val="accent1"/>
+          </a:solidFill>
+          <a:ln w="25400" cap="flat" cmpd="sng">
+            <a:solidFill>
+              <a:srgbClr val="395E89"/>
+            </a:solidFill>
+            <a:prstDash val="solid"/>
+            <a:round/>
+            <a:headEnd type="none" w="sm" len="sm"/>
+            <a:tailEnd type="none" w="sm" len="sm"/>
+          </a:ln>
+        </p:spPr>
+        <p:txBody>
+          <a:bodyPr spcFirstLastPara="1" wrap="square" lIns="107269" tIns="53620" rIns="107269" bIns="53620" anchor="ctr" anchorCtr="0">
+            <a:noAutofit/>
+          </a:bodyPr>
+          <a:lstStyle/>
+          <a:p>
+            <a:pPr algn="ctr"/>
+            <a:endParaRPr sz="2100" dirty="0">
+              <a:solidFill>
+                <a:schemeClr val="lt1"/>
+              </a:solidFill>
+              <a:latin typeface="Calibri"/>
+              <a:ea typeface="Calibri"/>
+              <a:cs typeface="Calibri"/>
+              <a:sym typeface="Calibri"/>
+            </a:endParaRPr>
+          </a:p>
+        </p:txBody>
+      </p:sp>
+      <p:sp>
+        <p:nvSpPr>
+          <p:cNvPr id="45" name="Google Shape;236;p34">
+            <a:extLst>
+              <a:ext uri="{FF2B5EF4-FFF2-40B4-BE49-F238E27FC236}">
+                <a16:creationId xmlns:a16="http://schemas.microsoft.com/office/drawing/2014/main" id="{A39A1CC8-6B62-4200-BFE0-F79E62F8A7DD}"/>
+              </a:ext>
+            </a:extLst>
+          </p:cNvPr>
+          <p:cNvSpPr txBox="1"/>
+          <p:nvPr/>
+        </p:nvSpPr>
+        <p:spPr>
+          <a:xfrm>
+            <a:off x="2778971" y="4223682"/>
+            <a:ext cx="1117854" cy="383375"/>
+          </a:xfrm>
+          <a:prstGeom prst="rect">
+            <a:avLst/>
+          </a:prstGeom>
+          <a:solidFill>
+            <a:schemeClr val="lt1"/>
+          </a:solidFill>
+          <a:ln w="25400" cap="flat" cmpd="sng">
+            <a:noFill/>
+            <a:prstDash val="solid"/>
+            <a:round/>
+            <a:headEnd type="none" w="sm" len="sm"/>
+            <a:tailEnd type="none" w="sm" len="sm"/>
+          </a:ln>
+        </p:spPr>
+        <p:txBody>
+          <a:bodyPr spcFirstLastPara="1" wrap="square" lIns="107269" tIns="53620" rIns="107269" bIns="53620" anchor="t" anchorCtr="0">
+            <a:noAutofit/>
+          </a:bodyPr>
+          <a:lstStyle/>
+          <a:p>
+            <a:r>
+              <a:rPr lang="es-419" dirty="0">
+                <a:solidFill>
+                  <a:srgbClr val="C00000"/>
+                </a:solidFill>
+                <a:latin typeface="Calibri"/>
+                <a:ea typeface="Calibri"/>
+                <a:cs typeface="Calibri"/>
+                <a:sym typeface="Calibri"/>
+              </a:rPr>
+              <a:t>image.id</a:t>
+            </a:r>
+            <a:endParaRPr dirty="0">
+              <a:solidFill>
+                <a:srgbClr val="C00000"/>
+              </a:solidFill>
+              <a:latin typeface="Calibri"/>
+              <a:ea typeface="Calibri"/>
+              <a:cs typeface="Calibri"/>
+              <a:sym typeface="Calibri"/>
+            </a:endParaRPr>
+          </a:p>
+        </p:txBody>
+      </p:sp>
+      <p:cxnSp>
+        <p:nvCxnSpPr>
+          <p:cNvPr id="46" name="Google Shape;237;p34">
+            <a:extLst>
+              <a:ext uri="{FF2B5EF4-FFF2-40B4-BE49-F238E27FC236}">
+                <a16:creationId xmlns:a16="http://schemas.microsoft.com/office/drawing/2014/main" id="{CDCAAB04-E9ED-432A-96E4-1C9759BA127E}"/>
+              </a:ext>
+            </a:extLst>
+          </p:cNvPr>
+          <p:cNvCxnSpPr>
+            <a:cxnSpLocks/>
+          </p:cNvCxnSpPr>
+          <p:nvPr/>
+        </p:nvCxnSpPr>
+        <p:spPr>
+          <a:xfrm flipH="1" flipV="1">
+            <a:off x="3674906" y="4512222"/>
+            <a:ext cx="324865" cy="96422"/>
+          </a:xfrm>
+          <a:prstGeom prst="straightConnector1">
+            <a:avLst/>
+          </a:prstGeom>
+          <a:noFill/>
+          <a:ln w="9525" cap="flat" cmpd="sng">
+            <a:solidFill>
+              <a:srgbClr val="C00000"/>
+            </a:solidFill>
+            <a:prstDash val="solid"/>
+            <a:round/>
+            <a:headEnd type="none" w="sm" len="sm"/>
+            <a:tailEnd type="none" w="sm" len="sm"/>
+          </a:ln>
+        </p:spPr>
+      </p:cxnSp>
+      <p:sp>
+        <p:nvSpPr>
+          <p:cNvPr id="50" name="Google Shape;232;p34">
+            <a:extLst>
+              <a:ext uri="{FF2B5EF4-FFF2-40B4-BE49-F238E27FC236}">
+                <a16:creationId xmlns:a16="http://schemas.microsoft.com/office/drawing/2014/main" id="{1BC76F7D-1650-45C5-947A-4680484125A5}"/>
+              </a:ext>
+            </a:extLst>
+          </p:cNvPr>
+          <p:cNvSpPr/>
+          <p:nvPr/>
+        </p:nvSpPr>
+        <p:spPr>
+          <a:xfrm>
+            <a:off x="1437809" y="2272660"/>
+            <a:ext cx="312000" cy="288000"/>
+          </a:xfrm>
+          <a:prstGeom prst="ellipse">
+            <a:avLst/>
+          </a:prstGeom>
+          <a:solidFill>
+            <a:schemeClr val="accent1"/>
+          </a:solidFill>
+          <a:ln w="25400" cap="flat" cmpd="sng">
+            <a:solidFill>
+              <a:srgbClr val="395E89"/>
+            </a:solidFill>
+            <a:prstDash val="solid"/>
+            <a:round/>
+            <a:headEnd type="none" w="sm" len="sm"/>
+            <a:tailEnd type="none" w="sm" len="sm"/>
+          </a:ln>
+        </p:spPr>
+        <p:txBody>
+          <a:bodyPr spcFirstLastPara="1" wrap="square" lIns="107269" tIns="53620" rIns="107269" bIns="53620" anchor="ctr" anchorCtr="0">
+            <a:noAutofit/>
+          </a:bodyPr>
+          <a:lstStyle/>
+          <a:p>
+            <a:pPr algn="ctr"/>
+            <a:endParaRPr sz="2100" dirty="0">
+              <a:solidFill>
+                <a:schemeClr val="lt1"/>
+              </a:solidFill>
+              <a:latin typeface="Calibri"/>
+              <a:ea typeface="Calibri"/>
+              <a:cs typeface="Calibri"/>
+              <a:sym typeface="Calibri"/>
+            </a:endParaRPr>
+          </a:p>
+        </p:txBody>
+      </p:sp>
+      <p:sp>
+        <p:nvSpPr>
+          <p:cNvPr id="67" name="Google Shape;229;p34">
+            <a:extLst>
+              <a:ext uri="{FF2B5EF4-FFF2-40B4-BE49-F238E27FC236}">
+                <a16:creationId xmlns:a16="http://schemas.microsoft.com/office/drawing/2014/main" id="{B5AD09D8-1922-4C4A-A9DC-A7D98832973B}"/>
+              </a:ext>
+            </a:extLst>
+          </p:cNvPr>
+          <p:cNvSpPr/>
+          <p:nvPr/>
+        </p:nvSpPr>
+        <p:spPr>
+          <a:xfrm>
+            <a:off x="3285550" y="3317685"/>
+            <a:ext cx="1885882" cy="820992"/>
+          </a:xfrm>
+          <a:prstGeom prst="roundRect">
+            <a:avLst>
+              <a:gd name="adj" fmla="val 16667"/>
+            </a:avLst>
+          </a:prstGeom>
+          <a:solidFill>
+            <a:schemeClr val="bg1"/>
+          </a:solidFill>
+          <a:ln w="25400" cap="flat" cmpd="sng">
+            <a:solidFill>
+              <a:schemeClr val="accent3"/>
+            </a:solidFill>
+            <a:prstDash val="solid"/>
+            <a:round/>
+            <a:headEnd type="none" w="sm" len="sm"/>
+            <a:tailEnd type="none" w="sm" len="sm"/>
+          </a:ln>
+        </p:spPr>
+        <p:txBody>
+          <a:bodyPr spcFirstLastPara="1" wrap="square" lIns="107269" tIns="53620" rIns="107269" bIns="53620" anchor="ctr" anchorCtr="0">
+            <a:noAutofit/>
+          </a:bodyPr>
+          <a:lstStyle/>
+          <a:p>
+            <a:pPr algn="ctr"/>
+            <a:r>
               <a:rPr lang="es-419" sz="1400" dirty="0">
                 <a:solidFill>
                   <a:schemeClr val="dk1"/>
@@ -7515,9 +9224,21 @@
                 <a:cs typeface="Calibri"/>
                 <a:sym typeface="Calibri"/>
               </a:rPr>
-              <a:t>:Form</a:t>
-            </a:r>
-            <a:endParaRPr sz="1300" dirty="0"/>
+              <a:t>:</a:t>
+            </a:r>
+            <a:r>
+              <a:rPr lang="es-419" sz="1400" b="1" dirty="0">
+                <a:solidFill>
+                  <a:schemeClr val="dk1"/>
+                </a:solidFill>
+                <a:latin typeface="Calibri"/>
+                <a:ea typeface="Calibri"/>
+                <a:cs typeface="Calibri"/>
+                <a:sym typeface="Calibri"/>
+              </a:rPr>
+              <a:t>List</a:t>
+            </a:r>
+            <a:endParaRPr sz="1400" b="1" dirty="0"/>
           </a:p>
           <a:p>
             <a:pPr algn="ctr"/>
@@ -7531,64 +9252,31 @@
                 <a:cs typeface="Calibri"/>
                 <a:sym typeface="Calibri"/>
               </a:rPr>
-              <a:t>[text comment, date]</a:t>
-            </a:r>
-          </a:p>
-          <a:p>
-            <a:pPr algn="ctr"/>
-            <a:r>
-              <a:rPr lang="en-US" sz="1400" dirty="0" err="1">
-                <a:solidFill>
-                  <a:schemeClr val="dk1"/>
-                </a:solidFill>
-                <a:latin typeface="Calibri"/>
-                <a:ea typeface="Calibri"/>
-                <a:cs typeface="Calibri"/>
-                <a:sym typeface="Calibri"/>
-              </a:rPr>
-              <a:t>Session.user</a:t>
-            </a:r>
-            <a:r>
-              <a:rPr lang="en-US" sz="1400" dirty="0">
-                <a:solidFill>
-                  <a:schemeClr val="dk1"/>
-                </a:solidFill>
-                <a:latin typeface="Calibri"/>
-                <a:ea typeface="Calibri"/>
-                <a:cs typeface="Calibri"/>
-                <a:sym typeface="Calibri"/>
-              </a:rPr>
-              <a:t>!=NULL</a:t>
-            </a:r>
-          </a:p>
-          <a:p>
-            <a:pPr algn="ctr"/>
-            <a:endParaRPr sz="1400" dirty="0">
-              <a:solidFill>
-                <a:schemeClr val="dk1"/>
-              </a:solidFill>
-              <a:latin typeface="Calibri"/>
-              <a:ea typeface="Calibri"/>
-              <a:cs typeface="Calibri"/>
-              <a:sym typeface="Calibri"/>
-            </a:endParaRPr>
+              <a:t>[databinding: image]</a:t>
+            </a:r>
           </a:p>
         </p:txBody>
       </p:sp>
       <p:cxnSp>
         <p:nvCxnSpPr>
-          <p:cNvPr id="51" name="Google Shape;238;p34"/>
+          <p:cNvPr id="52" name="Google Shape;233;p34">
+            <a:extLst>
+              <a:ext uri="{FF2B5EF4-FFF2-40B4-BE49-F238E27FC236}">
+                <a16:creationId xmlns:a16="http://schemas.microsoft.com/office/drawing/2014/main" id="{8F2C05D4-AF99-4EAF-88D0-DBFCAC73184C}"/>
+              </a:ext>
+            </a:extLst>
+          </p:cNvPr>
           <p:cNvCxnSpPr>
             <a:cxnSpLocks/>
-            <a:stCxn id="94" idx="2"/>
-            <a:endCxn id="38" idx="1"/>
+            <a:stCxn id="50" idx="4"/>
+            <a:endCxn id="9" idx="0"/>
           </p:cNvCxnSpPr>
           <p:nvPr/>
         </p:nvCxnSpPr>
         <p:spPr>
-          <a:xfrm flipV="1">
-            <a:off x="4539544" y="3834788"/>
-            <a:ext cx="1806492" cy="1465933"/>
+          <a:xfrm rot="5400000">
+            <a:off x="1424704" y="2723309"/>
+            <a:ext cx="331754" cy="6457"/>
           </a:xfrm>
           <a:prstGeom prst="bentConnector3">
             <a:avLst>
@@ -7614,20 +9302,1030 @@
           </a:effectLst>
         </p:spPr>
       </p:cxnSp>
+      <p:sp>
+        <p:nvSpPr>
+          <p:cNvPr id="19" name="Google Shape;225;p34">
+            <a:extLst>
+              <a:ext uri="{FF2B5EF4-FFF2-40B4-BE49-F238E27FC236}">
+                <a16:creationId xmlns:a16="http://schemas.microsoft.com/office/drawing/2014/main" id="{2F499CA1-604C-4EC9-84CF-4161D2731B12}"/>
+              </a:ext>
+            </a:extLst>
+          </p:cNvPr>
+          <p:cNvSpPr txBox="1"/>
+          <p:nvPr/>
+        </p:nvSpPr>
+        <p:spPr>
+          <a:xfrm>
+            <a:off x="1687479" y="2379537"/>
+            <a:ext cx="1534082" cy="463779"/>
+          </a:xfrm>
+          <a:prstGeom prst="rect">
+            <a:avLst/>
+          </a:prstGeom>
+          <a:noFill/>
+          <a:ln>
+            <a:noFill/>
+          </a:ln>
+        </p:spPr>
+        <p:txBody>
+          <a:bodyPr spcFirstLastPara="1" wrap="square" lIns="107269" tIns="53620" rIns="107269" bIns="53620" anchor="t" anchorCtr="0">
+            <a:noAutofit/>
+          </a:bodyPr>
+          <a:lstStyle/>
+          <a:p>
+            <a:r>
+              <a:rPr lang="es-419" sz="1400" dirty="0">
+                <a:solidFill>
+                  <a:schemeClr val="dk1"/>
+                </a:solidFill>
+                <a:latin typeface="Calibri"/>
+                <a:ea typeface="Calibri"/>
+                <a:cs typeface="Calibri"/>
+                <a:sym typeface="Calibri"/>
+              </a:rPr>
+              <a:t>Drag&amp;drop</a:t>
+            </a:r>
+          </a:p>
+          <a:p>
+            <a:r>
+              <a:rPr lang="en-US" sz="1200" dirty="0">
+                <a:solidFill>
+                  <a:schemeClr val="accent6">
+                    <a:lumMod val="75000"/>
+                  </a:schemeClr>
+                </a:solidFill>
+                <a:latin typeface="Calibri"/>
+                <a:ea typeface="Calibri"/>
+                <a:cs typeface="Calibri"/>
+                <a:sym typeface="Calibri"/>
+              </a:rPr>
+              <a:t>Session.user !=NULL</a:t>
+            </a:r>
+          </a:p>
+        </p:txBody>
+      </p:sp>
+      <p:sp>
+        <p:nvSpPr>
+          <p:cNvPr id="60" name="Google Shape;236;p34">
+            <a:extLst>
+              <a:ext uri="{FF2B5EF4-FFF2-40B4-BE49-F238E27FC236}">
+                <a16:creationId xmlns:a16="http://schemas.microsoft.com/office/drawing/2014/main" id="{0FE7EEF1-AF7A-4264-AFB2-EA886B73B5D9}"/>
+              </a:ext>
+            </a:extLst>
+          </p:cNvPr>
+          <p:cNvSpPr txBox="1"/>
+          <p:nvPr/>
+        </p:nvSpPr>
+        <p:spPr>
+          <a:xfrm>
+            <a:off x="1888634" y="3731658"/>
+            <a:ext cx="1369101" cy="383375"/>
+          </a:xfrm>
+          <a:prstGeom prst="rect">
+            <a:avLst/>
+          </a:prstGeom>
+          <a:solidFill>
+            <a:schemeClr val="lt1"/>
+          </a:solidFill>
+          <a:ln w="25400" cap="flat" cmpd="sng">
+            <a:noFill/>
+            <a:prstDash val="solid"/>
+            <a:round/>
+            <a:headEnd type="none" w="sm" len="sm"/>
+            <a:tailEnd type="none" w="sm" len="sm"/>
+          </a:ln>
+        </p:spPr>
+        <p:txBody>
+          <a:bodyPr spcFirstLastPara="1" wrap="square" lIns="107269" tIns="53620" rIns="107269" bIns="53620" anchor="t" anchorCtr="0">
+            <a:noAutofit/>
+          </a:bodyPr>
+          <a:lstStyle/>
+          <a:p>
+            <a:r>
+              <a:rPr lang="es-419" dirty="0">
+                <a:solidFill>
+                  <a:srgbClr val="C00000"/>
+                </a:solidFill>
+                <a:latin typeface="Calibri"/>
+                <a:ea typeface="Calibri"/>
+                <a:cs typeface="Calibri"/>
+                <a:sym typeface="Calibri"/>
+              </a:rPr>
+              <a:t>albumOrder</a:t>
+            </a:r>
+            <a:endParaRPr dirty="0">
+              <a:solidFill>
+                <a:srgbClr val="C00000"/>
+              </a:solidFill>
+              <a:latin typeface="Calibri"/>
+              <a:ea typeface="Calibri"/>
+              <a:cs typeface="Calibri"/>
+              <a:sym typeface="Calibri"/>
+            </a:endParaRPr>
+          </a:p>
+        </p:txBody>
+      </p:sp>
       <p:cxnSp>
         <p:nvCxnSpPr>
-          <p:cNvPr id="54" name="Google Shape;238;p34"/>
+          <p:cNvPr id="61" name="Google Shape;237;p34">
+            <a:extLst>
+              <a:ext uri="{FF2B5EF4-FFF2-40B4-BE49-F238E27FC236}">
+                <a16:creationId xmlns:a16="http://schemas.microsoft.com/office/drawing/2014/main" id="{7EEB1031-569A-4CAE-963A-BF77DB6AF889}"/>
+              </a:ext>
+            </a:extLst>
+          </p:cNvPr>
           <p:cNvCxnSpPr>
             <a:cxnSpLocks/>
-            <a:stCxn id="94" idx="4"/>
-            <a:endCxn id="41" idx="1"/>
           </p:cNvCxnSpPr>
           <p:nvPr/>
         </p:nvCxnSpPr>
         <p:spPr>
-          <a:xfrm rot="16200000" flipH="1">
-            <a:off x="4937784" y="4658903"/>
-            <a:ext cx="277472" cy="2382099"/>
+          <a:xfrm flipH="1" flipV="1">
+            <a:off x="1621500" y="3871359"/>
+            <a:ext cx="324865" cy="96422"/>
+          </a:xfrm>
+          <a:prstGeom prst="straightConnector1">
+            <a:avLst/>
+          </a:prstGeom>
+          <a:noFill/>
+          <a:ln w="9525" cap="flat" cmpd="sng">
+            <a:solidFill>
+              <a:srgbClr val="C00000"/>
+            </a:solidFill>
+            <a:prstDash val="solid"/>
+            <a:round/>
+            <a:headEnd type="none" w="sm" len="sm"/>
+            <a:tailEnd type="none" w="sm" len="sm"/>
+          </a:ln>
+        </p:spPr>
+      </p:cxnSp>
+      <p:sp>
+        <p:nvSpPr>
+          <p:cNvPr id="77" name="Google Shape;232;p34">
+            <a:extLst>
+              <a:ext uri="{FF2B5EF4-FFF2-40B4-BE49-F238E27FC236}">
+                <a16:creationId xmlns:a16="http://schemas.microsoft.com/office/drawing/2014/main" id="{EF16693A-88C0-477C-A2B7-ADDEFAF8CEFA}"/>
+              </a:ext>
+            </a:extLst>
+          </p:cNvPr>
+          <p:cNvSpPr/>
+          <p:nvPr/>
+        </p:nvSpPr>
+        <p:spPr>
+          <a:xfrm>
+            <a:off x="3988095" y="4043172"/>
+            <a:ext cx="312000" cy="288000"/>
+          </a:xfrm>
+          <a:prstGeom prst="ellipse">
+            <a:avLst/>
+          </a:prstGeom>
+          <a:solidFill>
+            <a:schemeClr val="accent1"/>
+          </a:solidFill>
+          <a:ln w="25400" cap="flat" cmpd="sng">
+            <a:solidFill>
+              <a:srgbClr val="395E89"/>
+            </a:solidFill>
+            <a:prstDash val="solid"/>
+            <a:round/>
+            <a:headEnd type="none" w="sm" len="sm"/>
+            <a:tailEnd type="none" w="sm" len="sm"/>
+          </a:ln>
+        </p:spPr>
+        <p:txBody>
+          <a:bodyPr spcFirstLastPara="1" wrap="square" lIns="107269" tIns="53620" rIns="107269" bIns="53620" anchor="ctr" anchorCtr="0">
+            <a:noAutofit/>
+          </a:bodyPr>
+          <a:lstStyle/>
+          <a:p>
+            <a:pPr algn="ctr"/>
+            <a:endParaRPr sz="2100" dirty="0">
+              <a:solidFill>
+                <a:schemeClr val="lt1"/>
+              </a:solidFill>
+              <a:latin typeface="Calibri"/>
+              <a:ea typeface="Calibri"/>
+              <a:cs typeface="Calibri"/>
+              <a:sym typeface="Calibri"/>
+            </a:endParaRPr>
+          </a:p>
+        </p:txBody>
+      </p:sp>
+      <p:sp>
+        <p:nvSpPr>
+          <p:cNvPr id="2" name="Google Shape;232;p34">
+            <a:extLst>
+              <a:ext uri="{FF2B5EF4-FFF2-40B4-BE49-F238E27FC236}">
+                <a16:creationId xmlns:a16="http://schemas.microsoft.com/office/drawing/2014/main" id="{C6A33A15-F65B-44E3-ABC9-977C4E8AD55D}"/>
+              </a:ext>
+            </a:extLst>
+          </p:cNvPr>
+          <p:cNvSpPr/>
+          <p:nvPr/>
+        </p:nvSpPr>
+        <p:spPr>
+          <a:xfrm>
+            <a:off x="3327775" y="3211060"/>
+            <a:ext cx="312000" cy="288000"/>
+          </a:xfrm>
+          <a:prstGeom prst="ellipse">
+            <a:avLst/>
+          </a:prstGeom>
+          <a:solidFill>
+            <a:schemeClr val="accent1"/>
+          </a:solidFill>
+          <a:ln w="25400" cap="flat" cmpd="sng">
+            <a:solidFill>
+              <a:srgbClr val="395E89"/>
+            </a:solidFill>
+            <a:prstDash val="solid"/>
+            <a:round/>
+            <a:headEnd type="none" w="sm" len="sm"/>
+            <a:tailEnd type="none" w="sm" len="sm"/>
+          </a:ln>
+        </p:spPr>
+        <p:txBody>
+          <a:bodyPr spcFirstLastPara="1" wrap="square" lIns="107269" tIns="53620" rIns="107269" bIns="53620" anchor="ctr" anchorCtr="0">
+            <a:noAutofit/>
+          </a:bodyPr>
+          <a:lstStyle/>
+          <a:p>
+            <a:pPr algn="ctr"/>
+            <a:endParaRPr sz="2100" dirty="0">
+              <a:solidFill>
+                <a:schemeClr val="lt1"/>
+              </a:solidFill>
+              <a:latin typeface="Calibri"/>
+              <a:ea typeface="Calibri"/>
+              <a:cs typeface="Calibri"/>
+              <a:sym typeface="Calibri"/>
+            </a:endParaRPr>
+          </a:p>
+        </p:txBody>
+      </p:sp>
+      <p:sp>
+        <p:nvSpPr>
+          <p:cNvPr id="3" name="Google Shape;232;p34">
+            <a:extLst>
+              <a:ext uri="{FF2B5EF4-FFF2-40B4-BE49-F238E27FC236}">
+                <a16:creationId xmlns:a16="http://schemas.microsoft.com/office/drawing/2014/main" id="{5F5BFA89-2C07-433F-B0D5-4B0577D15A62}"/>
+              </a:ext>
+            </a:extLst>
+          </p:cNvPr>
+          <p:cNvSpPr/>
+          <p:nvPr/>
+        </p:nvSpPr>
+        <p:spPr>
+          <a:xfrm>
+            <a:off x="4815738" y="3173243"/>
+            <a:ext cx="312000" cy="288000"/>
+          </a:xfrm>
+          <a:prstGeom prst="ellipse">
+            <a:avLst/>
+          </a:prstGeom>
+          <a:solidFill>
+            <a:schemeClr val="accent1"/>
+          </a:solidFill>
+          <a:ln w="25400" cap="flat" cmpd="sng">
+            <a:solidFill>
+              <a:srgbClr val="395E89"/>
+            </a:solidFill>
+            <a:prstDash val="solid"/>
+            <a:round/>
+            <a:headEnd type="none" w="sm" len="sm"/>
+            <a:tailEnd type="none" w="sm" len="sm"/>
+          </a:ln>
+        </p:spPr>
+        <p:txBody>
+          <a:bodyPr spcFirstLastPara="1" wrap="square" lIns="107269" tIns="53620" rIns="107269" bIns="53620" anchor="ctr" anchorCtr="0">
+            <a:noAutofit/>
+          </a:bodyPr>
+          <a:lstStyle/>
+          <a:p>
+            <a:pPr algn="ctr"/>
+            <a:endParaRPr sz="2100" dirty="0">
+              <a:solidFill>
+                <a:schemeClr val="lt1"/>
+              </a:solidFill>
+              <a:latin typeface="Calibri"/>
+              <a:ea typeface="Calibri"/>
+              <a:cs typeface="Calibri"/>
+              <a:sym typeface="Calibri"/>
+            </a:endParaRPr>
+          </a:p>
+        </p:txBody>
+      </p:sp>
+      <p:sp>
+        <p:nvSpPr>
+          <p:cNvPr id="12" name="Google Shape;229;p34">
+            <a:extLst>
+              <a:ext uri="{FF2B5EF4-FFF2-40B4-BE49-F238E27FC236}">
+                <a16:creationId xmlns:a16="http://schemas.microsoft.com/office/drawing/2014/main" id="{01F2998B-BFC4-4E66-B562-3335F28ACE18}"/>
+              </a:ext>
+            </a:extLst>
+          </p:cNvPr>
+          <p:cNvSpPr/>
+          <p:nvPr/>
+        </p:nvSpPr>
+        <p:spPr>
+          <a:xfrm>
+            <a:off x="6442199" y="4461836"/>
+            <a:ext cx="1680351" cy="851227"/>
+          </a:xfrm>
+          <a:prstGeom prst="roundRect">
+            <a:avLst>
+              <a:gd name="adj" fmla="val 16667"/>
+            </a:avLst>
+          </a:prstGeom>
+          <a:solidFill>
+            <a:schemeClr val="bg1"/>
+          </a:solidFill>
+          <a:ln w="25400" cap="flat" cmpd="sng">
+            <a:solidFill>
+              <a:schemeClr val="accent3"/>
+            </a:solidFill>
+            <a:prstDash val="solid"/>
+            <a:round/>
+            <a:headEnd type="none" w="sm" len="sm"/>
+            <a:tailEnd type="none" w="sm" len="sm"/>
+          </a:ln>
+        </p:spPr>
+        <p:txBody>
+          <a:bodyPr spcFirstLastPara="1" wrap="square" lIns="107269" tIns="53620" rIns="107269" bIns="53620" anchor="ctr" anchorCtr="0">
+            <a:noAutofit/>
+          </a:bodyPr>
+          <a:lstStyle/>
+          <a:p>
+            <a:pPr algn="ctr"/>
+            <a:r>
+              <a:rPr lang="it-IT" sz="1400" b="1" dirty="0">
+                <a:solidFill>
+                  <a:schemeClr val="dk1"/>
+                </a:solidFill>
+                <a:latin typeface="Calibri"/>
+                <a:ea typeface="Calibri"/>
+                <a:cs typeface="Calibri"/>
+                <a:sym typeface="Calibri"/>
+              </a:rPr>
+              <a:t>Login to Comment</a:t>
+            </a:r>
+            <a:endParaRPr lang="it-IT" sz="1100" dirty="0">
+              <a:solidFill>
+                <a:schemeClr val="dk1"/>
+              </a:solidFill>
+              <a:latin typeface="Calibri"/>
+              <a:ea typeface="Calibri"/>
+              <a:cs typeface="Calibri"/>
+              <a:sym typeface="Calibri"/>
+            </a:endParaRPr>
+          </a:p>
+          <a:p>
+            <a:pPr algn="ctr"/>
+            <a:r>
+              <a:rPr lang="it-IT" sz="1400" dirty="0">
+                <a:solidFill>
+                  <a:schemeClr val="dk1"/>
+                </a:solidFill>
+                <a:latin typeface="Calibri"/>
+                <a:ea typeface="Calibri"/>
+                <a:cs typeface="Calibri"/>
+                <a:sym typeface="Calibri"/>
+              </a:rPr>
+              <a:t>:Button</a:t>
+            </a:r>
+          </a:p>
+          <a:p>
+            <a:pPr algn="ctr"/>
+            <a:r>
+              <a:rPr lang="en-US" sz="1200" dirty="0">
+                <a:solidFill>
+                  <a:schemeClr val="accent6">
+                    <a:lumMod val="75000"/>
+                  </a:schemeClr>
+                </a:solidFill>
+                <a:latin typeface="Calibri"/>
+                <a:ea typeface="Calibri"/>
+                <a:cs typeface="Calibri"/>
+                <a:sym typeface="Calibri"/>
+              </a:rPr>
+              <a:t>Session.user=NULL</a:t>
+            </a:r>
+          </a:p>
+          <a:p>
+            <a:pPr algn="ctr"/>
+            <a:endParaRPr lang="it-IT" sz="1200" dirty="0">
+              <a:solidFill>
+                <a:schemeClr val="dk1"/>
+              </a:solidFill>
+              <a:latin typeface="Calibri"/>
+              <a:ea typeface="Calibri"/>
+              <a:cs typeface="Calibri"/>
+              <a:sym typeface="Calibri"/>
+            </a:endParaRPr>
+          </a:p>
+        </p:txBody>
+      </p:sp>
+      <p:sp>
+        <p:nvSpPr>
+          <p:cNvPr id="108" name="Google Shape;220;p34">
+            <a:extLst>
+              <a:ext uri="{FF2B5EF4-FFF2-40B4-BE49-F238E27FC236}">
+                <a16:creationId xmlns:a16="http://schemas.microsoft.com/office/drawing/2014/main" id="{133D2FD7-6D83-4A14-A204-76A1B753562A}"/>
+              </a:ext>
+            </a:extLst>
+          </p:cNvPr>
+          <p:cNvSpPr/>
+          <p:nvPr/>
+        </p:nvSpPr>
+        <p:spPr>
+          <a:xfrm>
+            <a:off x="6082117" y="2131577"/>
+            <a:ext cx="3569259" cy="4382557"/>
+          </a:xfrm>
+          <a:prstGeom prst="rect">
+            <a:avLst/>
+          </a:prstGeom>
+          <a:noFill/>
+          <a:ln w="25400" cap="flat" cmpd="sng">
+            <a:solidFill>
+              <a:schemeClr val="dk1"/>
+            </a:solidFill>
+            <a:prstDash val="solid"/>
+            <a:round/>
+            <a:headEnd type="none" w="sm" len="sm"/>
+            <a:tailEnd type="none" w="sm" len="sm"/>
+          </a:ln>
+        </p:spPr>
+        <p:txBody>
+          <a:bodyPr spcFirstLastPara="1" wrap="square" lIns="107269" tIns="53620" rIns="107269" bIns="53620" anchor="t" anchorCtr="0">
+            <a:noAutofit/>
+          </a:bodyPr>
+          <a:lstStyle/>
+          <a:p>
+            <a:r>
+              <a:rPr lang="es-419" b="1" dirty="0">
+                <a:solidFill>
+                  <a:schemeClr val="dk1"/>
+                </a:solidFill>
+                <a:latin typeface="Calibri"/>
+                <a:ea typeface="Calibri"/>
+                <a:cs typeface="Calibri"/>
+                <a:sym typeface="Calibri"/>
+              </a:rPr>
+              <a:t>MODAL WINDOW</a:t>
+            </a:r>
+            <a:endParaRPr b="1" dirty="0">
+              <a:solidFill>
+                <a:schemeClr val="dk1"/>
+              </a:solidFill>
+              <a:latin typeface="Calibri"/>
+              <a:ea typeface="Calibri"/>
+              <a:cs typeface="Calibri"/>
+              <a:sym typeface="Calibri"/>
+            </a:endParaRPr>
+          </a:p>
+        </p:txBody>
+      </p:sp>
+      <p:cxnSp>
+        <p:nvCxnSpPr>
+          <p:cNvPr id="120" name="Elbow Connector 20">
+            <a:extLst>
+              <a:ext uri="{FF2B5EF4-FFF2-40B4-BE49-F238E27FC236}">
+                <a16:creationId xmlns:a16="http://schemas.microsoft.com/office/drawing/2014/main" id="{02E6EDA9-47A1-4287-9449-D392EBC848EE}"/>
+              </a:ext>
+            </a:extLst>
+          </p:cNvPr>
+          <p:cNvCxnSpPr>
+            <a:cxnSpLocks/>
+            <a:stCxn id="94" idx="4"/>
+            <a:endCxn id="108" idx="1"/>
+          </p:cNvCxnSpPr>
+          <p:nvPr/>
+        </p:nvCxnSpPr>
+        <p:spPr>
+          <a:xfrm rot="5400000" flipH="1" flipV="1">
+            <a:off x="4343892" y="3972993"/>
+            <a:ext cx="1388361" cy="2088088"/>
+          </a:xfrm>
+          <a:prstGeom prst="bentConnector4">
+            <a:avLst>
+              <a:gd name="adj1" fmla="val -16465"/>
+              <a:gd name="adj2" fmla="val 71538"/>
+            </a:avLst>
+          </a:prstGeom>
+          <a:noFill/>
+          <a:ln w="25400" cap="flat" cmpd="sng">
+            <a:solidFill>
+              <a:schemeClr val="accent1"/>
+            </a:solidFill>
+            <a:prstDash val="solid"/>
+            <a:round/>
+            <a:headEnd type="none" w="sm" len="sm"/>
+            <a:tailEnd type="stealth" w="med" len="med"/>
+          </a:ln>
+          <a:effectLst>
+            <a:outerShdw blurRad="40000" dist="20000" dir="5400000" rotWithShape="0">
+              <a:srgbClr val="000000">
+                <a:alpha val="37650"/>
+              </a:srgbClr>
+            </a:outerShdw>
+          </a:effectLst>
+        </p:spPr>
+      </p:cxnSp>
+      <p:sp>
+        <p:nvSpPr>
+          <p:cNvPr id="119" name="Google Shape;232;p34">
+            <a:extLst>
+              <a:ext uri="{FF2B5EF4-FFF2-40B4-BE49-F238E27FC236}">
+                <a16:creationId xmlns:a16="http://schemas.microsoft.com/office/drawing/2014/main" id="{4D9437C9-82E3-4B38-A359-85482AAD84A8}"/>
+              </a:ext>
+            </a:extLst>
+          </p:cNvPr>
+          <p:cNvSpPr/>
+          <p:nvPr/>
+        </p:nvSpPr>
+        <p:spPr>
+          <a:xfrm>
+            <a:off x="9040407" y="2467426"/>
+            <a:ext cx="312000" cy="288000"/>
+          </a:xfrm>
+          <a:prstGeom prst="ellipse">
+            <a:avLst/>
+          </a:prstGeom>
+          <a:solidFill>
+            <a:schemeClr val="accent1"/>
+          </a:solidFill>
+          <a:ln w="25400" cap="flat" cmpd="sng">
+            <a:solidFill>
+              <a:srgbClr val="395E89"/>
+            </a:solidFill>
+            <a:prstDash val="solid"/>
+            <a:round/>
+            <a:headEnd type="none" w="sm" len="sm"/>
+            <a:tailEnd type="none" w="sm" len="sm"/>
+          </a:ln>
+        </p:spPr>
+        <p:txBody>
+          <a:bodyPr spcFirstLastPara="1" wrap="square" lIns="107269" tIns="53620" rIns="107269" bIns="53620" anchor="ctr" anchorCtr="0">
+            <a:noAutofit/>
+          </a:bodyPr>
+          <a:lstStyle/>
+          <a:p>
+            <a:pPr algn="ctr"/>
+            <a:endParaRPr sz="2100" dirty="0">
+              <a:solidFill>
+                <a:schemeClr val="lt1"/>
+              </a:solidFill>
+              <a:latin typeface="Calibri"/>
+              <a:ea typeface="Calibri"/>
+              <a:cs typeface="Calibri"/>
+              <a:sym typeface="Calibri"/>
+            </a:endParaRPr>
+          </a:p>
+        </p:txBody>
+      </p:sp>
+      <p:sp>
+        <p:nvSpPr>
+          <p:cNvPr id="121" name="Google Shape;225;p34">
+            <a:extLst>
+              <a:ext uri="{FF2B5EF4-FFF2-40B4-BE49-F238E27FC236}">
+                <a16:creationId xmlns:a16="http://schemas.microsoft.com/office/drawing/2014/main" id="{BCB03FE0-31FE-464B-AB00-57401A4D805C}"/>
+              </a:ext>
+            </a:extLst>
+          </p:cNvPr>
+          <p:cNvSpPr txBox="1"/>
+          <p:nvPr/>
+        </p:nvSpPr>
+        <p:spPr>
+          <a:xfrm>
+            <a:off x="8914169" y="2180949"/>
+            <a:ext cx="629289" cy="288000"/>
+          </a:xfrm>
+          <a:prstGeom prst="rect">
+            <a:avLst/>
+          </a:prstGeom>
+          <a:noFill/>
+          <a:ln>
+            <a:noFill/>
+          </a:ln>
+        </p:spPr>
+        <p:txBody>
+          <a:bodyPr spcFirstLastPara="1" wrap="square" lIns="107269" tIns="53620" rIns="107269" bIns="53620" anchor="t" anchorCtr="0">
+            <a:noAutofit/>
+          </a:bodyPr>
+          <a:lstStyle/>
+          <a:p>
+            <a:r>
+              <a:rPr lang="it-IT" sz="1400" dirty="0">
+                <a:solidFill>
+                  <a:schemeClr val="dk1"/>
+                </a:solidFill>
+                <a:latin typeface="Calibri"/>
+                <a:ea typeface="Calibri"/>
+                <a:cs typeface="Calibri"/>
+                <a:sym typeface="Calibri"/>
+              </a:rPr>
+              <a:t>Close</a:t>
+            </a:r>
+            <a:endParaRPr sz="1400" dirty="0">
+              <a:solidFill>
+                <a:schemeClr val="dk1"/>
+              </a:solidFill>
+              <a:latin typeface="Calibri"/>
+              <a:ea typeface="Calibri"/>
+              <a:cs typeface="Calibri"/>
+              <a:sym typeface="Calibri"/>
+            </a:endParaRPr>
+          </a:p>
+        </p:txBody>
+      </p:sp>
+      <p:sp>
+        <p:nvSpPr>
+          <p:cNvPr id="122" name="Google Shape;232;p34">
+            <a:extLst>
+              <a:ext uri="{FF2B5EF4-FFF2-40B4-BE49-F238E27FC236}">
+                <a16:creationId xmlns:a16="http://schemas.microsoft.com/office/drawing/2014/main" id="{A08279AA-DFA7-494F-8FD7-72324C37F1EB}"/>
+              </a:ext>
+            </a:extLst>
+          </p:cNvPr>
+          <p:cNvSpPr/>
+          <p:nvPr/>
+        </p:nvSpPr>
+        <p:spPr>
+          <a:xfrm>
+            <a:off x="7972436" y="4701424"/>
+            <a:ext cx="312000" cy="288000"/>
+          </a:xfrm>
+          <a:prstGeom prst="ellipse">
+            <a:avLst/>
+          </a:prstGeom>
+          <a:solidFill>
+            <a:schemeClr val="accent1"/>
+          </a:solidFill>
+          <a:ln w="25400" cap="flat" cmpd="sng">
+            <a:solidFill>
+              <a:srgbClr val="395E89"/>
+            </a:solidFill>
+            <a:prstDash val="solid"/>
+            <a:round/>
+            <a:headEnd type="none" w="sm" len="sm"/>
+            <a:tailEnd type="none" w="sm" len="sm"/>
+          </a:ln>
+        </p:spPr>
+        <p:txBody>
+          <a:bodyPr spcFirstLastPara="1" wrap="square" lIns="107269" tIns="53620" rIns="107269" bIns="53620" anchor="ctr" anchorCtr="0">
+            <a:noAutofit/>
+          </a:bodyPr>
+          <a:lstStyle/>
+          <a:p>
+            <a:pPr algn="ctr"/>
+            <a:endParaRPr sz="2100" dirty="0">
+              <a:solidFill>
+                <a:schemeClr val="lt1"/>
+              </a:solidFill>
+              <a:latin typeface="Calibri"/>
+              <a:ea typeface="Calibri"/>
+              <a:cs typeface="Calibri"/>
+              <a:sym typeface="Calibri"/>
+            </a:endParaRPr>
+          </a:p>
+        </p:txBody>
+      </p:sp>
+      <p:sp>
+        <p:nvSpPr>
+          <p:cNvPr id="124" name="Google Shape;232;p34">
+            <a:extLst>
+              <a:ext uri="{FF2B5EF4-FFF2-40B4-BE49-F238E27FC236}">
+                <a16:creationId xmlns:a16="http://schemas.microsoft.com/office/drawing/2014/main" id="{55261F52-543B-4950-9317-61E046AF1FA4}"/>
+              </a:ext>
+            </a:extLst>
+          </p:cNvPr>
+          <p:cNvSpPr/>
+          <p:nvPr/>
+        </p:nvSpPr>
+        <p:spPr>
+          <a:xfrm>
+            <a:off x="7535058" y="1270643"/>
+            <a:ext cx="312000" cy="288000"/>
+          </a:xfrm>
+          <a:prstGeom prst="ellipse">
+            <a:avLst/>
+          </a:prstGeom>
+          <a:solidFill>
+            <a:schemeClr val="accent1"/>
+          </a:solidFill>
+          <a:ln w="25400" cap="flat" cmpd="sng">
+            <a:solidFill>
+              <a:srgbClr val="395E89"/>
+            </a:solidFill>
+            <a:prstDash val="solid"/>
+            <a:round/>
+            <a:headEnd type="none" w="sm" len="sm"/>
+            <a:tailEnd type="none" w="sm" len="sm"/>
+          </a:ln>
+        </p:spPr>
+        <p:txBody>
+          <a:bodyPr spcFirstLastPara="1" wrap="square" lIns="107269" tIns="53620" rIns="107269" bIns="53620" anchor="ctr" anchorCtr="0">
+            <a:noAutofit/>
+          </a:bodyPr>
+          <a:lstStyle/>
+          <a:p>
+            <a:pPr algn="ctr"/>
+            <a:endParaRPr sz="2100" dirty="0">
+              <a:solidFill>
+                <a:schemeClr val="lt1"/>
+              </a:solidFill>
+              <a:latin typeface="Calibri"/>
+              <a:ea typeface="Calibri"/>
+              <a:cs typeface="Calibri"/>
+              <a:sym typeface="Calibri"/>
+            </a:endParaRPr>
+          </a:p>
+        </p:txBody>
+      </p:sp>
+      <p:sp>
+        <p:nvSpPr>
+          <p:cNvPr id="126" name="Google Shape;232;p34">
+            <a:extLst>
+              <a:ext uri="{FF2B5EF4-FFF2-40B4-BE49-F238E27FC236}">
+                <a16:creationId xmlns:a16="http://schemas.microsoft.com/office/drawing/2014/main" id="{61FD5777-A96C-4EBE-A557-83F1032BFB49}"/>
+              </a:ext>
+            </a:extLst>
+          </p:cNvPr>
+          <p:cNvSpPr/>
+          <p:nvPr/>
+        </p:nvSpPr>
+        <p:spPr>
+          <a:xfrm>
+            <a:off x="9485344" y="1553726"/>
+            <a:ext cx="312000" cy="288000"/>
+          </a:xfrm>
+          <a:prstGeom prst="ellipse">
+            <a:avLst/>
+          </a:prstGeom>
+          <a:solidFill>
+            <a:schemeClr val="accent1"/>
+          </a:solidFill>
+          <a:ln w="25400" cap="flat" cmpd="sng">
+            <a:solidFill>
+              <a:srgbClr val="395E89"/>
+            </a:solidFill>
+            <a:prstDash val="solid"/>
+            <a:round/>
+            <a:headEnd type="none" w="sm" len="sm"/>
+            <a:tailEnd type="none" w="sm" len="sm"/>
+          </a:ln>
+        </p:spPr>
+        <p:txBody>
+          <a:bodyPr spcFirstLastPara="1" wrap="square" lIns="107269" tIns="53620" rIns="107269" bIns="53620" anchor="ctr" anchorCtr="0">
+            <a:noAutofit/>
+          </a:bodyPr>
+          <a:lstStyle/>
+          <a:p>
+            <a:pPr algn="ctr"/>
+            <a:endParaRPr sz="2100" dirty="0">
+              <a:solidFill>
+                <a:schemeClr val="lt1"/>
+              </a:solidFill>
+              <a:latin typeface="Calibri"/>
+              <a:ea typeface="Calibri"/>
+              <a:cs typeface="Calibri"/>
+              <a:sym typeface="Calibri"/>
+            </a:endParaRPr>
+          </a:p>
+        </p:txBody>
+      </p:sp>
+      <p:sp>
+        <p:nvSpPr>
+          <p:cNvPr id="128" name="Google Shape;224;p34">
+            <a:extLst>
+              <a:ext uri="{FF2B5EF4-FFF2-40B4-BE49-F238E27FC236}">
+                <a16:creationId xmlns:a16="http://schemas.microsoft.com/office/drawing/2014/main" id="{BE373ABE-1FAF-4C55-9C47-D82A341AA630}"/>
+              </a:ext>
+            </a:extLst>
+          </p:cNvPr>
+          <p:cNvSpPr/>
+          <p:nvPr/>
+        </p:nvSpPr>
+        <p:spPr>
+          <a:xfrm>
+            <a:off x="10311499" y="3496898"/>
+            <a:ext cx="1505395" cy="654400"/>
+          </a:xfrm>
+          <a:prstGeom prst="parallelogram">
+            <a:avLst>
+              <a:gd name="adj" fmla="val 25000"/>
+            </a:avLst>
+          </a:prstGeom>
+          <a:solidFill>
+            <a:schemeClr val="lt1"/>
+          </a:solidFill>
+          <a:ln w="25400" cap="flat" cmpd="sng">
+            <a:solidFill>
+              <a:schemeClr val="accent2"/>
+            </a:solidFill>
+            <a:prstDash val="solid"/>
+            <a:round/>
+            <a:headEnd type="none" w="sm" len="sm"/>
+            <a:tailEnd type="none" w="sm" len="sm"/>
+          </a:ln>
+        </p:spPr>
+        <p:txBody>
+          <a:bodyPr spcFirstLastPara="1" wrap="square" lIns="107269" tIns="53620" rIns="107269" bIns="53620" anchor="ctr" anchorCtr="0">
+            <a:noAutofit/>
+          </a:bodyPr>
+          <a:lstStyle/>
+          <a:p>
+            <a:pPr algn="ctr"/>
+            <a:r>
+              <a:rPr lang="es-419" dirty="0">
+                <a:solidFill>
+                  <a:schemeClr val="dk1"/>
+                </a:solidFill>
+                <a:latin typeface="Calibri"/>
+                <a:ea typeface="Calibri"/>
+                <a:cs typeface="Calibri"/>
+                <a:sym typeface="Calibri"/>
+              </a:rPr>
+              <a:t>Go Login</a:t>
+            </a:r>
+            <a:endParaRPr dirty="0">
+              <a:solidFill>
+                <a:schemeClr val="dk1"/>
+              </a:solidFill>
+              <a:latin typeface="Calibri"/>
+              <a:ea typeface="Calibri"/>
+              <a:cs typeface="Calibri"/>
+              <a:sym typeface="Calibri"/>
+            </a:endParaRPr>
+          </a:p>
+        </p:txBody>
+      </p:sp>
+      <p:sp>
+        <p:nvSpPr>
+          <p:cNvPr id="130" name="Google Shape;224;p34">
+            <a:extLst>
+              <a:ext uri="{FF2B5EF4-FFF2-40B4-BE49-F238E27FC236}">
+                <a16:creationId xmlns:a16="http://schemas.microsoft.com/office/drawing/2014/main" id="{D21001FE-B534-4969-91D2-1EC6A151B0D4}"/>
+              </a:ext>
+            </a:extLst>
+          </p:cNvPr>
+          <p:cNvSpPr/>
+          <p:nvPr/>
+        </p:nvSpPr>
+        <p:spPr>
+          <a:xfrm>
+            <a:off x="7298184" y="267562"/>
+            <a:ext cx="1505395" cy="654400"/>
+          </a:xfrm>
+          <a:prstGeom prst="parallelogram">
+            <a:avLst>
+              <a:gd name="adj" fmla="val 25000"/>
+            </a:avLst>
+          </a:prstGeom>
+          <a:solidFill>
+            <a:schemeClr val="lt1"/>
+          </a:solidFill>
+          <a:ln w="25400" cap="flat" cmpd="sng">
+            <a:solidFill>
+              <a:schemeClr val="accent2"/>
+            </a:solidFill>
+            <a:prstDash val="solid"/>
+            <a:round/>
+            <a:headEnd type="none" w="sm" len="sm"/>
+            <a:tailEnd type="none" w="sm" len="sm"/>
+          </a:ln>
+        </p:spPr>
+        <p:txBody>
+          <a:bodyPr spcFirstLastPara="1" wrap="square" lIns="107269" tIns="53620" rIns="107269" bIns="53620" anchor="ctr" anchorCtr="0">
+            <a:noAutofit/>
+          </a:bodyPr>
+          <a:lstStyle/>
+          <a:p>
+            <a:pPr algn="ctr"/>
+            <a:r>
+              <a:rPr lang="es-419" dirty="0">
+                <a:solidFill>
+                  <a:schemeClr val="dk1"/>
+                </a:solidFill>
+                <a:latin typeface="Calibri"/>
+                <a:ea typeface="Calibri"/>
+                <a:cs typeface="Calibri"/>
+                <a:sym typeface="Calibri"/>
+              </a:rPr>
+              <a:t>Logout</a:t>
+            </a:r>
+          </a:p>
+        </p:txBody>
+      </p:sp>
+      <p:cxnSp>
+        <p:nvCxnSpPr>
+          <p:cNvPr id="142" name="Straight Arrow Connector 15">
+            <a:extLst>
+              <a:ext uri="{FF2B5EF4-FFF2-40B4-BE49-F238E27FC236}">
+                <a16:creationId xmlns:a16="http://schemas.microsoft.com/office/drawing/2014/main" id="{7EF6D5D7-622B-4AE6-9A52-F8D27AD404F6}"/>
+              </a:ext>
+            </a:extLst>
+          </p:cNvPr>
+          <p:cNvCxnSpPr>
+            <a:cxnSpLocks/>
+            <a:stCxn id="124" idx="7"/>
+            <a:endCxn id="130" idx="4"/>
+          </p:cNvCxnSpPr>
+          <p:nvPr/>
+        </p:nvCxnSpPr>
+        <p:spPr>
+          <a:xfrm flipV="1">
+            <a:off x="7801367" y="921962"/>
+            <a:ext cx="249515" cy="390858"/>
+          </a:xfrm>
+          <a:prstGeom prst="straightConnector1">
+            <a:avLst/>
+          </a:prstGeom>
+          <a:noFill/>
+          <a:ln w="25400" cap="flat" cmpd="sng">
+            <a:solidFill>
+              <a:schemeClr val="accent1"/>
+            </a:solidFill>
+            <a:prstDash val="solid"/>
+            <a:round/>
+            <a:headEnd type="none" w="sm" len="sm"/>
+            <a:tailEnd type="stealth" w="med" len="med"/>
+          </a:ln>
+          <a:effectLst>
+            <a:outerShdw blurRad="40000" dist="20000" dir="5400000" rotWithShape="0">
+              <a:srgbClr val="000000">
+                <a:alpha val="37650"/>
+              </a:srgbClr>
+            </a:outerShdw>
+          </a:effectLst>
+        </p:spPr>
+      </p:cxnSp>
+      <p:cxnSp>
+        <p:nvCxnSpPr>
+          <p:cNvPr id="147" name="Elbow Connector 20">
+            <a:extLst>
+              <a:ext uri="{FF2B5EF4-FFF2-40B4-BE49-F238E27FC236}">
+                <a16:creationId xmlns:a16="http://schemas.microsoft.com/office/drawing/2014/main" id="{5F618908-C08E-4548-B6DD-6A26D8724B60}"/>
+              </a:ext>
+            </a:extLst>
+          </p:cNvPr>
+          <p:cNvCxnSpPr>
+            <a:cxnSpLocks/>
+            <a:stCxn id="122" idx="6"/>
+            <a:endCxn id="128" idx="5"/>
+          </p:cNvCxnSpPr>
+          <p:nvPr/>
+        </p:nvCxnSpPr>
+        <p:spPr>
+          <a:xfrm flipV="1">
+            <a:off x="8284436" y="3824098"/>
+            <a:ext cx="2108863" cy="1021326"/>
+          </a:xfrm>
+          <a:prstGeom prst="bentConnector3">
+            <a:avLst>
+              <a:gd name="adj1" fmla="val 26965"/>
+            </a:avLst>
+          </a:prstGeom>
+          <a:noFill/>
+          <a:ln w="25400" cap="flat" cmpd="sng">
+            <a:solidFill>
+              <a:schemeClr val="accent1"/>
+            </a:solidFill>
+            <a:prstDash val="solid"/>
+            <a:round/>
+            <a:headEnd type="none" w="sm" len="sm"/>
+            <a:tailEnd type="stealth" w="med" len="med"/>
+          </a:ln>
+          <a:effectLst>
+            <a:outerShdw blurRad="40000" dist="20000" dir="5400000" rotWithShape="0">
+              <a:srgbClr val="000000">
+                <a:alpha val="37650"/>
+              </a:srgbClr>
+            </a:outerShdw>
+          </a:effectLst>
+        </p:spPr>
+      </p:cxnSp>
+      <p:cxnSp>
+        <p:nvCxnSpPr>
+          <p:cNvPr id="150" name="Elbow Connector 20">
+            <a:extLst>
+              <a:ext uri="{FF2B5EF4-FFF2-40B4-BE49-F238E27FC236}">
+                <a16:creationId xmlns:a16="http://schemas.microsoft.com/office/drawing/2014/main" id="{DED402AF-8DBE-4A28-A4E9-6245EF6D3AD1}"/>
+              </a:ext>
+            </a:extLst>
+          </p:cNvPr>
+          <p:cNvCxnSpPr>
+            <a:cxnSpLocks/>
+            <a:stCxn id="126" idx="6"/>
+            <a:endCxn id="128" idx="1"/>
+          </p:cNvCxnSpPr>
+          <p:nvPr/>
+        </p:nvCxnSpPr>
+        <p:spPr>
+          <a:xfrm>
+            <a:off x="9797344" y="1697726"/>
+            <a:ext cx="1348653" cy="1799172"/>
           </a:xfrm>
           <a:prstGeom prst="bentConnector2">
             <a:avLst/>
@@ -7651,83 +10349,39 @@
           </a:effectLst>
         </p:spPr>
       </p:cxnSp>
-      <p:cxnSp>
-        <p:nvCxnSpPr>
-          <p:cNvPr id="21" name="Elbow Connector 20"/>
-          <p:cNvCxnSpPr>
-            <a:cxnSpLocks/>
-            <a:stCxn id="41" idx="3"/>
-            <a:endCxn id="224" idx="5"/>
-          </p:cNvCxnSpPr>
+      <p:sp>
+        <p:nvSpPr>
+          <p:cNvPr id="166" name="Google Shape;225;p34">
+            <a:extLst>
+              <a:ext uri="{FF2B5EF4-FFF2-40B4-BE49-F238E27FC236}">
+                <a16:creationId xmlns:a16="http://schemas.microsoft.com/office/drawing/2014/main" id="{2748DE25-E70F-4877-9DA0-74B4FB5C5C6F}"/>
+              </a:ext>
+            </a:extLst>
+          </p:cNvPr>
+          <p:cNvSpPr txBox="1"/>
           <p:nvPr/>
-        </p:nvCxnSpPr>
+        </p:nvSpPr>
         <p:spPr>
-          <a:xfrm flipV="1">
-            <a:off x="8153452" y="4382622"/>
-            <a:ext cx="2413304" cy="1606067"/>
+          <a:xfrm>
+            <a:off x="7101917" y="993179"/>
+            <a:ext cx="764993" cy="319641"/>
           </a:xfrm>
-          <a:prstGeom prst="bentConnector3">
-            <a:avLst>
-              <a:gd name="adj1" fmla="val 50000"/>
-            </a:avLst>
+          <a:prstGeom prst="rect">
+            <a:avLst/>
           </a:prstGeom>
           <a:noFill/>
-          <a:ln w="25400" cap="flat" cmpd="sng">
-            <a:solidFill>
-              <a:schemeClr val="accent1"/>
-            </a:solidFill>
-            <a:prstDash val="solid"/>
-            <a:round/>
-            <a:headEnd type="none" w="sm" len="sm"/>
-            <a:tailEnd type="stealth" w="med" len="med"/>
-          </a:ln>
-          <a:effectLst>
-            <a:outerShdw blurRad="40000" dist="20000" dir="5400000" rotWithShape="0">
-              <a:srgbClr val="000000">
-                <a:alpha val="37650"/>
-              </a:srgbClr>
-            </a:outerShdw>
-          </a:effectLst>
-        </p:spPr>
-      </p:cxnSp>
-      <p:sp>
-        <p:nvSpPr>
-          <p:cNvPr id="78" name="Google Shape;234;p34"/>
-          <p:cNvSpPr/>
-          <p:nvPr/>
-        </p:nvSpPr>
-        <p:spPr>
-          <a:xfrm>
-            <a:off x="480767" y="65366"/>
-            <a:ext cx="1639902" cy="663613"/>
-          </a:xfrm>
-          <a:prstGeom prst="parallelogram">
-            <a:avLst>
-              <a:gd name="adj" fmla="val 25000"/>
-            </a:avLst>
-          </a:prstGeom>
-          <a:solidFill>
-            <a:schemeClr val="lt1"/>
-          </a:solidFill>
-          <a:ln w="25400" cap="flat" cmpd="sng">
-            <a:solidFill>
-              <a:schemeClr val="accent2"/>
-            </a:solidFill>
-            <a:prstDash val="solid"/>
-            <a:round/>
-            <a:headEnd type="none" w="sm" len="sm"/>
-            <a:tailEnd type="none" w="sm" len="sm"/>
+          <a:ln>
+            <a:noFill/>
           </a:ln>
         </p:spPr>
         <p:txBody>
-          <a:bodyPr spcFirstLastPara="1" wrap="square" lIns="107269" tIns="53620" rIns="107269" bIns="53620" anchor="ctr" anchorCtr="0">
+          <a:bodyPr spcFirstLastPara="1" wrap="square" lIns="107269" tIns="53620" rIns="107269" bIns="53620" anchor="t" anchorCtr="0">
             <a:noAutofit/>
           </a:bodyPr>
           <a:lstStyle/>
           <a:p>
-            <a:pPr algn="ctr"/>
-            <a:r>
-              <a:rPr lang="es-419" dirty="0">
+            <a:r>
+              <a:rPr lang="es-419" sz="1400" dirty="0">
                 <a:solidFill>
                   <a:schemeClr val="dk1"/>
                 </a:solidFill>
@@ -7736,9 +10390,9 @@
                 <a:cs typeface="Calibri"/>
                 <a:sym typeface="Calibri"/>
               </a:rPr>
-              <a:t>Get albums list</a:t>
-            </a:r>
-            <a:endParaRPr dirty="0">
+              <a:t>submit</a:t>
+            </a:r>
+            <a:endParaRPr sz="1400" dirty="0">
               <a:solidFill>
                 <a:schemeClr val="dk1"/>
               </a:solidFill>
@@ -7752,14 +10406,130 @@
       </p:sp>
       <p:sp>
         <p:nvSpPr>
-          <p:cNvPr id="84" name="Google Shape;236;p34"/>
+          <p:cNvPr id="160" name="Google Shape;225;p34">
+            <a:extLst>
+              <a:ext uri="{FF2B5EF4-FFF2-40B4-BE49-F238E27FC236}">
+                <a16:creationId xmlns:a16="http://schemas.microsoft.com/office/drawing/2014/main" id="{375686CB-AFA6-4CCD-A877-5F5EC85F2FF3}"/>
+              </a:ext>
+            </a:extLst>
+          </p:cNvPr>
           <p:cNvSpPr txBox="1"/>
           <p:nvPr/>
         </p:nvSpPr>
         <p:spPr>
           <a:xfrm>
-            <a:off x="2499364" y="-73753"/>
-            <a:ext cx="912193" cy="455600"/>
+            <a:off x="9651376" y="1311297"/>
+            <a:ext cx="764993" cy="319641"/>
+          </a:xfrm>
+          <a:prstGeom prst="rect">
+            <a:avLst/>
+          </a:prstGeom>
+          <a:noFill/>
+          <a:ln>
+            <a:noFill/>
+          </a:ln>
+        </p:spPr>
+        <p:txBody>
+          <a:bodyPr spcFirstLastPara="1" wrap="square" lIns="107269" tIns="53620" rIns="107269" bIns="53620" anchor="t" anchorCtr="0">
+            <a:noAutofit/>
+          </a:bodyPr>
+          <a:lstStyle/>
+          <a:p>
+            <a:r>
+              <a:rPr lang="es-419" sz="1400" dirty="0">
+                <a:solidFill>
+                  <a:schemeClr val="dk1"/>
+                </a:solidFill>
+                <a:latin typeface="Calibri"/>
+                <a:ea typeface="Calibri"/>
+                <a:cs typeface="Calibri"/>
+                <a:sym typeface="Calibri"/>
+              </a:rPr>
+              <a:t>submit</a:t>
+            </a:r>
+            <a:endParaRPr sz="1400" dirty="0">
+              <a:solidFill>
+                <a:schemeClr val="dk1"/>
+              </a:solidFill>
+              <a:latin typeface="Calibri"/>
+              <a:ea typeface="Calibri"/>
+              <a:cs typeface="Calibri"/>
+              <a:sym typeface="Calibri"/>
+            </a:endParaRPr>
+          </a:p>
+        </p:txBody>
+      </p:sp>
+      <p:sp>
+        <p:nvSpPr>
+          <p:cNvPr id="161" name="Google Shape;225;p34">
+            <a:extLst>
+              <a:ext uri="{FF2B5EF4-FFF2-40B4-BE49-F238E27FC236}">
+                <a16:creationId xmlns:a16="http://schemas.microsoft.com/office/drawing/2014/main" id="{C469335F-97E7-4035-B1A8-3983CBBEB0C0}"/>
+              </a:ext>
+            </a:extLst>
+          </p:cNvPr>
+          <p:cNvSpPr txBox="1"/>
+          <p:nvPr/>
+        </p:nvSpPr>
+        <p:spPr>
+          <a:xfrm>
+            <a:off x="8142756" y="4904903"/>
+            <a:ext cx="764993" cy="319641"/>
+          </a:xfrm>
+          <a:prstGeom prst="rect">
+            <a:avLst/>
+          </a:prstGeom>
+          <a:noFill/>
+          <a:ln>
+            <a:noFill/>
+          </a:ln>
+        </p:spPr>
+        <p:txBody>
+          <a:bodyPr spcFirstLastPara="1" wrap="square" lIns="107269" tIns="53620" rIns="107269" bIns="53620" anchor="t" anchorCtr="0">
+            <a:noAutofit/>
+          </a:bodyPr>
+          <a:lstStyle/>
+          <a:p>
+            <a:r>
+              <a:rPr lang="es-419" sz="1400" dirty="0">
+                <a:solidFill>
+                  <a:schemeClr val="dk1"/>
+                </a:solidFill>
+                <a:latin typeface="Calibri"/>
+                <a:ea typeface="Calibri"/>
+                <a:cs typeface="Calibri"/>
+                <a:sym typeface="Calibri"/>
+              </a:rPr>
+              <a:t>submit</a:t>
+            </a:r>
+            <a:endParaRPr sz="1400" dirty="0">
+              <a:solidFill>
+                <a:schemeClr val="dk1"/>
+              </a:solidFill>
+              <a:latin typeface="Calibri"/>
+              <a:ea typeface="Calibri"/>
+              <a:cs typeface="Calibri"/>
+              <a:sym typeface="Calibri"/>
+            </a:endParaRPr>
+          </a:p>
+        </p:txBody>
+      </p:sp>
+      <p:sp>
+        <p:nvSpPr>
+          <p:cNvPr id="173" name="Google Shape;236;p34">
+            <a:extLst>
+              <a:ext uri="{FF2B5EF4-FFF2-40B4-BE49-F238E27FC236}">
+                <a16:creationId xmlns:a16="http://schemas.microsoft.com/office/drawing/2014/main" id="{62095740-29BF-495E-A149-26F86E625601}"/>
+              </a:ext>
+            </a:extLst>
+          </p:cNvPr>
+          <p:cNvSpPr txBox="1"/>
+          <p:nvPr/>
+        </p:nvSpPr>
+        <p:spPr>
+          <a:xfrm>
+            <a:off x="8289586" y="6118013"/>
+            <a:ext cx="1525929" cy="455600"/>
           </a:xfrm>
           <a:prstGeom prst="rect">
             <a:avLst/>
@@ -7781,14 +10551,20 @@
           <a:p>
             <a:r>
               <a:rPr lang="es-419" dirty="0">
+                <a:solidFill>
+                  <a:srgbClr val="C00000"/>
+                </a:solidFill>
                 <a:latin typeface="Calibri"/>
                 <a:ea typeface="Calibri"/>
                 <a:cs typeface="Calibri"/>
                 <a:sym typeface="Calibri"/>
               </a:rPr>
-              <a:t>user.id</a:t>
-            </a:r>
-            <a:endParaRPr strike="sngStrike" dirty="0">
+              <a:t>Text, imageId</a:t>
+            </a:r>
+            <a:endParaRPr dirty="0">
+              <a:solidFill>
+                <a:srgbClr val="C00000"/>
+              </a:solidFill>
               <a:latin typeface="Calibri"/>
               <a:ea typeface="Calibri"/>
               <a:cs typeface="Calibri"/>
@@ -7799,17 +10575,23 @@
       </p:sp>
       <p:cxnSp>
         <p:nvCxnSpPr>
-          <p:cNvPr id="85" name="Google Shape;237;p34"/>
+          <p:cNvPr id="174" name="Google Shape;237;p34">
+            <a:extLst>
+              <a:ext uri="{FF2B5EF4-FFF2-40B4-BE49-F238E27FC236}">
+                <a16:creationId xmlns:a16="http://schemas.microsoft.com/office/drawing/2014/main" id="{F90D4389-D881-4EB4-955C-4801E686099A}"/>
+              </a:ext>
+            </a:extLst>
+          </p:cNvPr>
           <p:cNvCxnSpPr>
             <a:cxnSpLocks/>
-            <a:endCxn id="78" idx="2"/>
+            <a:stCxn id="173" idx="0"/>
           </p:cNvCxnSpPr>
           <p:nvPr/>
         </p:nvCxnSpPr>
         <p:spPr>
-          <a:xfrm flipH="1">
-            <a:off x="2037717" y="181793"/>
-            <a:ext cx="498368" cy="215380"/>
+          <a:xfrm flipH="1" flipV="1">
+            <a:off x="8879174" y="5875498"/>
+            <a:ext cx="173377" cy="242515"/>
           </a:xfrm>
           <a:prstGeom prst="straightConnector1">
             <a:avLst/>
@@ -7817,1281 +10599,13 @@
           <a:noFill/>
           <a:ln w="9525" cap="flat" cmpd="sng">
             <a:solidFill>
-              <a:srgbClr val="4A7DBA"/>
+              <a:srgbClr val="C00000"/>
             </a:solidFill>
             <a:prstDash val="solid"/>
             <a:round/>
             <a:headEnd type="none" w="sm" len="sm"/>
             <a:tailEnd type="none" w="sm" len="sm"/>
           </a:ln>
-        </p:spPr>
-      </p:cxnSp>
-      <p:sp>
-        <p:nvSpPr>
-          <p:cNvPr id="37" name="Google Shape;229;p34"/>
-          <p:cNvSpPr/>
-          <p:nvPr/>
-        </p:nvSpPr>
-        <p:spPr>
-          <a:xfrm>
-            <a:off x="6346036" y="2371617"/>
-            <a:ext cx="1885882" cy="820992"/>
-          </a:xfrm>
-          <a:prstGeom prst="roundRect">
-            <a:avLst>
-              <a:gd name="adj" fmla="val 16667"/>
-            </a:avLst>
-          </a:prstGeom>
-          <a:solidFill>
-            <a:schemeClr val="bg1"/>
-          </a:solidFill>
-          <a:ln w="25400" cap="flat" cmpd="sng">
-            <a:solidFill>
-              <a:schemeClr val="accent3"/>
-            </a:solidFill>
-            <a:prstDash val="solid"/>
-            <a:round/>
-            <a:headEnd type="none" w="sm" len="sm"/>
-            <a:tailEnd type="none" w="sm" len="sm"/>
-          </a:ln>
-        </p:spPr>
-        <p:txBody>
-          <a:bodyPr spcFirstLastPara="1" wrap="square" lIns="107269" tIns="53620" rIns="107269" bIns="53620" anchor="ctr" anchorCtr="0">
-            <a:noAutofit/>
-          </a:bodyPr>
-          <a:lstStyle/>
-          <a:p>
-            <a:pPr algn="ctr"/>
-            <a:r>
-              <a:rPr lang="es-419" sz="1400" dirty="0">
-                <a:solidFill>
-                  <a:schemeClr val="dk1"/>
-                </a:solidFill>
-                <a:latin typeface="Calibri"/>
-                <a:ea typeface="Calibri"/>
-                <a:cs typeface="Calibri"/>
-                <a:sym typeface="Calibri"/>
-              </a:rPr>
-              <a:t>:Detail</a:t>
-            </a:r>
-            <a:endParaRPr sz="1300" dirty="0"/>
-          </a:p>
-          <a:p>
-            <a:pPr algn="ctr"/>
-            <a:r>
-              <a:rPr lang="es-419" sz="1400" dirty="0">
-                <a:solidFill>
-                  <a:schemeClr val="dk1"/>
-                </a:solidFill>
-                <a:latin typeface="Calibri"/>
-                <a:ea typeface="Calibri"/>
-                <a:cs typeface="Calibri"/>
-                <a:sym typeface="Calibri"/>
-              </a:rPr>
-              <a:t>[databinding: image]</a:t>
-            </a:r>
-          </a:p>
-        </p:txBody>
-      </p:sp>
-      <p:cxnSp>
-        <p:nvCxnSpPr>
-          <p:cNvPr id="56" name="Straight Arrow Connector 15">
-            <a:extLst>
-              <a:ext uri="{FF2B5EF4-FFF2-40B4-BE49-F238E27FC236}">
-                <a16:creationId xmlns:a16="http://schemas.microsoft.com/office/drawing/2014/main" id="{D86C9E0D-C0B7-4245-A69B-C1317F4F91A5}"/>
-              </a:ext>
-            </a:extLst>
-          </p:cNvPr>
-          <p:cNvCxnSpPr>
-            <a:cxnSpLocks/>
-            <a:stCxn id="44" idx="4"/>
-            <a:endCxn id="13" idx="1"/>
-          </p:cNvCxnSpPr>
-          <p:nvPr/>
-        </p:nvCxnSpPr>
-        <p:spPr>
-          <a:xfrm>
-            <a:off x="1708694" y="3677784"/>
-            <a:ext cx="10722" cy="475755"/>
-          </a:xfrm>
-          <a:prstGeom prst="straightConnector1">
-            <a:avLst/>
-          </a:prstGeom>
-          <a:noFill/>
-          <a:ln w="25400" cap="flat" cmpd="sng">
-            <a:solidFill>
-              <a:schemeClr val="accent1"/>
-            </a:solidFill>
-            <a:prstDash val="solid"/>
-            <a:round/>
-            <a:headEnd type="none" w="sm" len="sm"/>
-            <a:tailEnd type="stealth" w="med" len="med"/>
-          </a:ln>
-          <a:effectLst>
-            <a:outerShdw blurRad="40000" dist="20000" dir="5400000" rotWithShape="0">
-              <a:srgbClr val="000000">
-                <a:alpha val="37650"/>
-              </a:srgbClr>
-            </a:outerShdw>
-          </a:effectLst>
-        </p:spPr>
-      </p:cxnSp>
-      <p:sp>
-        <p:nvSpPr>
-          <p:cNvPr id="13" name="Google Shape;234;p34">
-            <a:extLst>
-              <a:ext uri="{FF2B5EF4-FFF2-40B4-BE49-F238E27FC236}">
-                <a16:creationId xmlns:a16="http://schemas.microsoft.com/office/drawing/2014/main" id="{DC9B855F-A80C-42CF-971C-B2BA40245008}"/>
-              </a:ext>
-            </a:extLst>
-          </p:cNvPr>
-          <p:cNvSpPr/>
-          <p:nvPr/>
-        </p:nvSpPr>
-        <p:spPr>
-          <a:xfrm>
-            <a:off x="754956" y="4153539"/>
-            <a:ext cx="1739811" cy="756432"/>
-          </a:xfrm>
-          <a:prstGeom prst="parallelogram">
-            <a:avLst>
-              <a:gd name="adj" fmla="val 25000"/>
-            </a:avLst>
-          </a:prstGeom>
-          <a:solidFill>
-            <a:schemeClr val="lt1"/>
-          </a:solidFill>
-          <a:ln w="25400" cap="flat" cmpd="sng">
-            <a:solidFill>
-              <a:schemeClr val="accent2"/>
-            </a:solidFill>
-            <a:prstDash val="solid"/>
-            <a:round/>
-            <a:headEnd type="none" w="sm" len="sm"/>
-            <a:tailEnd type="none" w="sm" len="sm"/>
-          </a:ln>
-        </p:spPr>
-        <p:txBody>
-          <a:bodyPr spcFirstLastPara="1" wrap="square" lIns="107269" tIns="53620" rIns="107269" bIns="53620" anchor="ctr" anchorCtr="0">
-            <a:noAutofit/>
-          </a:bodyPr>
-          <a:lstStyle/>
-          <a:p>
-            <a:pPr algn="ctr"/>
-            <a:r>
-              <a:rPr lang="es-419" dirty="0">
-                <a:solidFill>
-                  <a:schemeClr val="dk1"/>
-                </a:solidFill>
-                <a:latin typeface="Calibri"/>
-                <a:ea typeface="Calibri"/>
-                <a:cs typeface="Calibri"/>
-                <a:sym typeface="Calibri"/>
-              </a:rPr>
-              <a:t>Save album order</a:t>
-            </a:r>
-            <a:endParaRPr dirty="0">
-              <a:solidFill>
-                <a:schemeClr val="dk1"/>
-              </a:solidFill>
-              <a:latin typeface="Calibri"/>
-              <a:ea typeface="Calibri"/>
-              <a:cs typeface="Calibri"/>
-              <a:sym typeface="Calibri"/>
-            </a:endParaRPr>
-          </a:p>
-        </p:txBody>
-      </p:sp>
-      <p:sp>
-        <p:nvSpPr>
-          <p:cNvPr id="67" name="Google Shape;229;p34">
-            <a:extLst>
-              <a:ext uri="{FF2B5EF4-FFF2-40B4-BE49-F238E27FC236}">
-                <a16:creationId xmlns:a16="http://schemas.microsoft.com/office/drawing/2014/main" id="{B5AD09D8-1922-4C4A-A9DC-A7D98832973B}"/>
-              </a:ext>
-            </a:extLst>
-          </p:cNvPr>
-          <p:cNvSpPr/>
-          <p:nvPr/>
-        </p:nvSpPr>
-        <p:spPr>
-          <a:xfrm>
-            <a:off x="3163533" y="3325927"/>
-            <a:ext cx="1885882" cy="820992"/>
-          </a:xfrm>
-          <a:prstGeom prst="roundRect">
-            <a:avLst>
-              <a:gd name="adj" fmla="val 16667"/>
-            </a:avLst>
-          </a:prstGeom>
-          <a:solidFill>
-            <a:schemeClr val="bg1"/>
-          </a:solidFill>
-          <a:ln w="25400" cap="flat" cmpd="sng">
-            <a:solidFill>
-              <a:schemeClr val="accent3"/>
-            </a:solidFill>
-            <a:prstDash val="solid"/>
-            <a:round/>
-            <a:headEnd type="none" w="sm" len="sm"/>
-            <a:tailEnd type="none" w="sm" len="sm"/>
-          </a:ln>
-        </p:spPr>
-        <p:txBody>
-          <a:bodyPr spcFirstLastPara="1" wrap="square" lIns="107269" tIns="53620" rIns="107269" bIns="53620" anchor="ctr" anchorCtr="0">
-            <a:noAutofit/>
-          </a:bodyPr>
-          <a:lstStyle/>
-          <a:p>
-            <a:pPr algn="ctr"/>
-            <a:r>
-              <a:rPr lang="es-419" sz="1400" dirty="0">
-                <a:solidFill>
-                  <a:schemeClr val="dk1"/>
-                </a:solidFill>
-                <a:latin typeface="Calibri"/>
-                <a:ea typeface="Calibri"/>
-                <a:cs typeface="Calibri"/>
-                <a:sym typeface="Calibri"/>
-              </a:rPr>
-              <a:t>:</a:t>
-            </a:r>
-            <a:r>
-              <a:rPr lang="es-419" sz="1400" b="1" dirty="0">
-                <a:solidFill>
-                  <a:schemeClr val="dk1"/>
-                </a:solidFill>
-                <a:latin typeface="Calibri"/>
-                <a:ea typeface="Calibri"/>
-                <a:cs typeface="Calibri"/>
-                <a:sym typeface="Calibri"/>
-              </a:rPr>
-              <a:t>List</a:t>
-            </a:r>
-            <a:endParaRPr sz="1400" b="1" dirty="0"/>
-          </a:p>
-          <a:p>
-            <a:pPr algn="ctr"/>
-            <a:r>
-              <a:rPr lang="es-419" sz="1400" dirty="0">
-                <a:solidFill>
-                  <a:schemeClr val="dk1"/>
-                </a:solidFill>
-                <a:latin typeface="Calibri"/>
-                <a:ea typeface="Calibri"/>
-                <a:cs typeface="Calibri"/>
-                <a:sym typeface="Calibri"/>
-              </a:rPr>
-              <a:t>[databinding: image]</a:t>
-            </a:r>
-          </a:p>
-        </p:txBody>
-      </p:sp>
-      <p:cxnSp>
-        <p:nvCxnSpPr>
-          <p:cNvPr id="88" name="Straight Arrow Connector 15">
-            <a:extLst>
-              <a:ext uri="{FF2B5EF4-FFF2-40B4-BE49-F238E27FC236}">
-                <a16:creationId xmlns:a16="http://schemas.microsoft.com/office/drawing/2014/main" id="{92298A18-CA99-414B-9BCE-4ABB8F27637F}"/>
-              </a:ext>
-            </a:extLst>
-          </p:cNvPr>
-          <p:cNvCxnSpPr>
-            <a:cxnSpLocks/>
-            <a:stCxn id="31" idx="3"/>
-            <a:endCxn id="67" idx="0"/>
-          </p:cNvCxnSpPr>
-          <p:nvPr/>
-        </p:nvCxnSpPr>
-        <p:spPr>
-          <a:xfrm flipH="1">
-            <a:off x="4106474" y="2513444"/>
-            <a:ext cx="139623" cy="812483"/>
-          </a:xfrm>
-          <a:prstGeom prst="straightConnector1">
-            <a:avLst/>
-          </a:prstGeom>
-          <a:noFill/>
-          <a:ln w="25400" cap="flat" cmpd="sng">
-            <a:solidFill>
-              <a:schemeClr val="accent1"/>
-            </a:solidFill>
-            <a:prstDash val="solid"/>
-            <a:round/>
-            <a:headEnd type="none" w="sm" len="sm"/>
-            <a:tailEnd type="stealth" w="med" len="med"/>
-          </a:ln>
-          <a:effectLst>
-            <a:outerShdw blurRad="40000" dist="20000" dir="5400000" rotWithShape="0">
-              <a:srgbClr val="000000">
-                <a:alpha val="37650"/>
-              </a:srgbClr>
-            </a:outerShdw>
-          </a:effectLst>
-        </p:spPr>
-      </p:cxnSp>
-      <p:sp>
-        <p:nvSpPr>
-          <p:cNvPr id="77" name="Google Shape;232;p34">
-            <a:extLst>
-              <a:ext uri="{FF2B5EF4-FFF2-40B4-BE49-F238E27FC236}">
-                <a16:creationId xmlns:a16="http://schemas.microsoft.com/office/drawing/2014/main" id="{EF16693A-88C0-477C-A2B7-ADDEFAF8CEFA}"/>
-              </a:ext>
-            </a:extLst>
-          </p:cNvPr>
-          <p:cNvSpPr/>
-          <p:nvPr/>
-        </p:nvSpPr>
-        <p:spPr>
-          <a:xfrm>
-            <a:off x="3988095" y="4043172"/>
-            <a:ext cx="312000" cy="288000"/>
-          </a:xfrm>
-          <a:prstGeom prst="ellipse">
-            <a:avLst/>
-          </a:prstGeom>
-          <a:solidFill>
-            <a:schemeClr val="accent1"/>
-          </a:solidFill>
-          <a:ln w="25400" cap="flat" cmpd="sng">
-            <a:solidFill>
-              <a:srgbClr val="395E89"/>
-            </a:solidFill>
-            <a:prstDash val="solid"/>
-            <a:round/>
-            <a:headEnd type="none" w="sm" len="sm"/>
-            <a:tailEnd type="none" w="sm" len="sm"/>
-          </a:ln>
-        </p:spPr>
-        <p:txBody>
-          <a:bodyPr spcFirstLastPara="1" wrap="square" lIns="107269" tIns="53620" rIns="107269" bIns="53620" anchor="ctr" anchorCtr="0">
-            <a:noAutofit/>
-          </a:bodyPr>
-          <a:lstStyle/>
-          <a:p>
-            <a:pPr algn="ctr"/>
-            <a:endParaRPr sz="2100" dirty="0">
-              <a:solidFill>
-                <a:schemeClr val="lt1"/>
-              </a:solidFill>
-              <a:latin typeface="Calibri"/>
-              <a:ea typeface="Calibri"/>
-              <a:cs typeface="Calibri"/>
-              <a:sym typeface="Calibri"/>
-            </a:endParaRPr>
-          </a:p>
-        </p:txBody>
-      </p:sp>
-      <p:cxnSp>
-        <p:nvCxnSpPr>
-          <p:cNvPr id="95" name="Straight Arrow Connector 15">
-            <a:extLst>
-              <a:ext uri="{FF2B5EF4-FFF2-40B4-BE49-F238E27FC236}">
-                <a16:creationId xmlns:a16="http://schemas.microsoft.com/office/drawing/2014/main" id="{9639F11A-9AC0-49D0-B9B2-07D320B1CC96}"/>
-              </a:ext>
-            </a:extLst>
-          </p:cNvPr>
-          <p:cNvCxnSpPr>
-            <a:cxnSpLocks/>
-            <a:stCxn id="77" idx="4"/>
-            <a:endCxn id="94" idx="1"/>
-          </p:cNvCxnSpPr>
-          <p:nvPr/>
-        </p:nvCxnSpPr>
-        <p:spPr>
-          <a:xfrm flipH="1">
-            <a:off x="3988095" y="4331172"/>
-            <a:ext cx="156000" cy="559053"/>
-          </a:xfrm>
-          <a:prstGeom prst="straightConnector1">
-            <a:avLst/>
-          </a:prstGeom>
-          <a:noFill/>
-          <a:ln w="25400" cap="flat" cmpd="sng">
-            <a:solidFill>
-              <a:schemeClr val="accent1"/>
-            </a:solidFill>
-            <a:prstDash val="solid"/>
-            <a:round/>
-            <a:headEnd type="none" w="sm" len="sm"/>
-            <a:tailEnd type="stealth" w="med" len="med"/>
-          </a:ln>
-          <a:effectLst>
-            <a:outerShdw blurRad="40000" dist="20000" dir="5400000" rotWithShape="0">
-              <a:srgbClr val="000000">
-                <a:alpha val="37650"/>
-              </a:srgbClr>
-            </a:outerShdw>
-          </a:effectLst>
-        </p:spPr>
-      </p:cxnSp>
-      <p:sp>
-        <p:nvSpPr>
-          <p:cNvPr id="94" name="Google Shape;234;p34">
-            <a:extLst>
-              <a:ext uri="{FF2B5EF4-FFF2-40B4-BE49-F238E27FC236}">
-                <a16:creationId xmlns:a16="http://schemas.microsoft.com/office/drawing/2014/main" id="{6E61360C-125A-4C5D-B584-AC77C4E24793}"/>
-              </a:ext>
-            </a:extLst>
-          </p:cNvPr>
-          <p:cNvSpPr/>
-          <p:nvPr/>
-        </p:nvSpPr>
-        <p:spPr>
-          <a:xfrm>
-            <a:off x="3128774" y="4890225"/>
-            <a:ext cx="1513394" cy="820992"/>
-          </a:xfrm>
-          <a:prstGeom prst="parallelogram">
-            <a:avLst>
-              <a:gd name="adj" fmla="val 25000"/>
-            </a:avLst>
-          </a:prstGeom>
-          <a:solidFill>
-            <a:schemeClr val="lt1"/>
-          </a:solidFill>
-          <a:ln w="25400" cap="flat" cmpd="sng">
-            <a:solidFill>
-              <a:schemeClr val="accent2"/>
-            </a:solidFill>
-            <a:prstDash val="solid"/>
-            <a:round/>
-            <a:headEnd type="none" w="sm" len="sm"/>
-            <a:tailEnd type="none" w="sm" len="sm"/>
-          </a:ln>
-        </p:spPr>
-        <p:txBody>
-          <a:bodyPr spcFirstLastPara="1" wrap="square" lIns="107269" tIns="53620" rIns="107269" bIns="53620" anchor="ctr" anchorCtr="0">
-            <a:noAutofit/>
-          </a:bodyPr>
-          <a:lstStyle/>
-          <a:p>
-            <a:pPr algn="ctr"/>
-            <a:r>
-              <a:rPr lang="es-419" dirty="0">
-                <a:solidFill>
-                  <a:schemeClr val="dk1"/>
-                </a:solidFill>
-                <a:latin typeface="Calibri"/>
-                <a:ea typeface="Calibri"/>
-                <a:cs typeface="Calibri"/>
-                <a:sym typeface="Calibri"/>
-              </a:rPr>
-              <a:t>Get Image Data </a:t>
-            </a:r>
-            <a:endParaRPr dirty="0">
-              <a:solidFill>
-                <a:schemeClr val="dk1"/>
-              </a:solidFill>
-              <a:latin typeface="Calibri"/>
-              <a:ea typeface="Calibri"/>
-              <a:cs typeface="Calibri"/>
-              <a:sym typeface="Calibri"/>
-            </a:endParaRPr>
-          </a:p>
-        </p:txBody>
-      </p:sp>
-      <p:sp>
-        <p:nvSpPr>
-          <p:cNvPr id="112" name="Google Shape;232;p34">
-            <a:extLst>
-              <a:ext uri="{FF2B5EF4-FFF2-40B4-BE49-F238E27FC236}">
-                <a16:creationId xmlns:a16="http://schemas.microsoft.com/office/drawing/2014/main" id="{932729BA-4820-44EB-BF31-8303033287BE}"/>
-              </a:ext>
-            </a:extLst>
-          </p:cNvPr>
-          <p:cNvSpPr/>
-          <p:nvPr/>
-        </p:nvSpPr>
-        <p:spPr>
-          <a:xfrm>
-            <a:off x="7997452" y="5852749"/>
-            <a:ext cx="312000" cy="288000"/>
-          </a:xfrm>
-          <a:prstGeom prst="ellipse">
-            <a:avLst/>
-          </a:prstGeom>
-          <a:solidFill>
-            <a:schemeClr val="accent1"/>
-          </a:solidFill>
-          <a:ln w="25400" cap="flat" cmpd="sng">
-            <a:solidFill>
-              <a:srgbClr val="395E89"/>
-            </a:solidFill>
-            <a:prstDash val="solid"/>
-            <a:round/>
-            <a:headEnd type="none" w="sm" len="sm"/>
-            <a:tailEnd type="none" w="sm" len="sm"/>
-          </a:ln>
-        </p:spPr>
-        <p:txBody>
-          <a:bodyPr spcFirstLastPara="1" wrap="square" lIns="107269" tIns="53620" rIns="107269" bIns="53620" anchor="ctr" anchorCtr="0">
-            <a:noAutofit/>
-          </a:bodyPr>
-          <a:lstStyle/>
-          <a:p>
-            <a:pPr algn="ctr"/>
-            <a:endParaRPr sz="2100">
-              <a:solidFill>
-                <a:schemeClr val="lt1"/>
-              </a:solidFill>
-              <a:latin typeface="Calibri"/>
-              <a:ea typeface="Calibri"/>
-              <a:cs typeface="Calibri"/>
-              <a:sym typeface="Calibri"/>
-            </a:endParaRPr>
-          </a:p>
-        </p:txBody>
-      </p:sp>
-      <p:sp>
-        <p:nvSpPr>
-          <p:cNvPr id="40" name="Google Shape;225;p34">
-            <a:extLst>
-              <a:ext uri="{FF2B5EF4-FFF2-40B4-BE49-F238E27FC236}">
-                <a16:creationId xmlns:a16="http://schemas.microsoft.com/office/drawing/2014/main" id="{E9ED3C22-FDFF-4B0E-941E-D21430C78155}"/>
-              </a:ext>
-            </a:extLst>
-          </p:cNvPr>
-          <p:cNvSpPr txBox="1"/>
-          <p:nvPr/>
-        </p:nvSpPr>
-        <p:spPr>
-          <a:xfrm>
-            <a:off x="1826624" y="3448025"/>
-            <a:ext cx="880920" cy="347214"/>
-          </a:xfrm>
-          <a:prstGeom prst="rect">
-            <a:avLst/>
-          </a:prstGeom>
-          <a:noFill/>
-          <a:ln>
-            <a:noFill/>
-          </a:ln>
-        </p:spPr>
-        <p:txBody>
-          <a:bodyPr spcFirstLastPara="1" wrap="square" lIns="107269" tIns="53620" rIns="107269" bIns="53620" anchor="t" anchorCtr="0">
-            <a:noAutofit/>
-          </a:bodyPr>
-          <a:lstStyle/>
-          <a:p>
-            <a:r>
-              <a:rPr lang="es-419" dirty="0">
-                <a:solidFill>
-                  <a:schemeClr val="dk1"/>
-                </a:solidFill>
-                <a:latin typeface="Calibri"/>
-                <a:ea typeface="Calibri"/>
-                <a:cs typeface="Calibri"/>
-                <a:sym typeface="Calibri"/>
-              </a:rPr>
-              <a:t>submit</a:t>
-            </a:r>
-            <a:endParaRPr dirty="0">
-              <a:solidFill>
-                <a:schemeClr val="dk1"/>
-              </a:solidFill>
-              <a:latin typeface="Calibri"/>
-              <a:ea typeface="Calibri"/>
-              <a:cs typeface="Calibri"/>
-              <a:sym typeface="Calibri"/>
-            </a:endParaRPr>
-          </a:p>
-        </p:txBody>
-      </p:sp>
-      <p:sp>
-        <p:nvSpPr>
-          <p:cNvPr id="42" name="Google Shape;225;p34">
-            <a:extLst>
-              <a:ext uri="{FF2B5EF4-FFF2-40B4-BE49-F238E27FC236}">
-                <a16:creationId xmlns:a16="http://schemas.microsoft.com/office/drawing/2014/main" id="{0B908C3F-C057-4F8B-B2D5-6B7C9DCDDEE2}"/>
-              </a:ext>
-            </a:extLst>
-          </p:cNvPr>
-          <p:cNvSpPr txBox="1"/>
-          <p:nvPr/>
-        </p:nvSpPr>
-        <p:spPr>
-          <a:xfrm>
-            <a:off x="4142634" y="4339975"/>
-            <a:ext cx="901550" cy="369200"/>
-          </a:xfrm>
-          <a:prstGeom prst="rect">
-            <a:avLst/>
-          </a:prstGeom>
-          <a:noFill/>
-          <a:ln>
-            <a:noFill/>
-          </a:ln>
-        </p:spPr>
-        <p:txBody>
-          <a:bodyPr spcFirstLastPara="1" wrap="square" lIns="107269" tIns="53620" rIns="107269" bIns="53620" anchor="t" anchorCtr="0">
-            <a:noAutofit/>
-          </a:bodyPr>
-          <a:lstStyle/>
-          <a:p>
-            <a:r>
-              <a:rPr lang="es-419" dirty="0">
-                <a:solidFill>
-                  <a:schemeClr val="dk1"/>
-                </a:solidFill>
-                <a:latin typeface="Calibri"/>
-                <a:ea typeface="Calibri"/>
-                <a:cs typeface="Calibri"/>
-                <a:sym typeface="Calibri"/>
-              </a:rPr>
-              <a:t>select</a:t>
-            </a:r>
-            <a:endParaRPr dirty="0">
-              <a:solidFill>
-                <a:schemeClr val="dk1"/>
-              </a:solidFill>
-              <a:latin typeface="Calibri"/>
-              <a:ea typeface="Calibri"/>
-              <a:cs typeface="Calibri"/>
-              <a:sym typeface="Calibri"/>
-            </a:endParaRPr>
-          </a:p>
-        </p:txBody>
-      </p:sp>
-      <p:sp>
-        <p:nvSpPr>
-          <p:cNvPr id="2" name="Google Shape;232;p34">
-            <a:extLst>
-              <a:ext uri="{FF2B5EF4-FFF2-40B4-BE49-F238E27FC236}">
-                <a16:creationId xmlns:a16="http://schemas.microsoft.com/office/drawing/2014/main" id="{C6A33A15-F65B-44E3-ABC9-977C4E8AD55D}"/>
-              </a:ext>
-            </a:extLst>
-          </p:cNvPr>
-          <p:cNvSpPr/>
-          <p:nvPr/>
-        </p:nvSpPr>
-        <p:spPr>
-          <a:xfrm>
-            <a:off x="4278634" y="3192609"/>
-            <a:ext cx="312000" cy="288000"/>
-          </a:xfrm>
-          <a:prstGeom prst="ellipse">
-            <a:avLst/>
-          </a:prstGeom>
-          <a:solidFill>
-            <a:schemeClr val="accent1"/>
-          </a:solidFill>
-          <a:ln w="25400" cap="flat" cmpd="sng">
-            <a:solidFill>
-              <a:srgbClr val="395E89"/>
-            </a:solidFill>
-            <a:prstDash val="solid"/>
-            <a:round/>
-            <a:headEnd type="none" w="sm" len="sm"/>
-            <a:tailEnd type="none" w="sm" len="sm"/>
-          </a:ln>
-        </p:spPr>
-        <p:txBody>
-          <a:bodyPr spcFirstLastPara="1" wrap="square" lIns="107269" tIns="53620" rIns="107269" bIns="53620" anchor="ctr" anchorCtr="0">
-            <a:noAutofit/>
-          </a:bodyPr>
-          <a:lstStyle/>
-          <a:p>
-            <a:pPr algn="ctr"/>
-            <a:endParaRPr sz="2100" dirty="0">
-              <a:solidFill>
-                <a:schemeClr val="lt1"/>
-              </a:solidFill>
-              <a:latin typeface="Calibri"/>
-              <a:ea typeface="Calibri"/>
-              <a:cs typeface="Calibri"/>
-              <a:sym typeface="Calibri"/>
-            </a:endParaRPr>
-          </a:p>
-        </p:txBody>
-      </p:sp>
-      <p:sp>
-        <p:nvSpPr>
-          <p:cNvPr id="3" name="Google Shape;232;p34">
-            <a:extLst>
-              <a:ext uri="{FF2B5EF4-FFF2-40B4-BE49-F238E27FC236}">
-                <a16:creationId xmlns:a16="http://schemas.microsoft.com/office/drawing/2014/main" id="{5F5BFA89-2C07-433F-B0D5-4B0577D15A62}"/>
-              </a:ext>
-            </a:extLst>
-          </p:cNvPr>
-          <p:cNvSpPr/>
-          <p:nvPr/>
-        </p:nvSpPr>
-        <p:spPr>
-          <a:xfrm>
-            <a:off x="4828409" y="3292471"/>
-            <a:ext cx="312000" cy="288000"/>
-          </a:xfrm>
-          <a:prstGeom prst="ellipse">
-            <a:avLst/>
-          </a:prstGeom>
-          <a:solidFill>
-            <a:schemeClr val="accent1"/>
-          </a:solidFill>
-          <a:ln w="25400" cap="flat" cmpd="sng">
-            <a:solidFill>
-              <a:srgbClr val="395E89"/>
-            </a:solidFill>
-            <a:prstDash val="solid"/>
-            <a:round/>
-            <a:headEnd type="none" w="sm" len="sm"/>
-            <a:tailEnd type="none" w="sm" len="sm"/>
-          </a:ln>
-        </p:spPr>
-        <p:txBody>
-          <a:bodyPr spcFirstLastPara="1" wrap="square" lIns="107269" tIns="53620" rIns="107269" bIns="53620" anchor="ctr" anchorCtr="0">
-            <a:noAutofit/>
-          </a:bodyPr>
-          <a:lstStyle/>
-          <a:p>
-            <a:pPr algn="ctr"/>
-            <a:endParaRPr sz="2100" dirty="0">
-              <a:solidFill>
-                <a:schemeClr val="lt1"/>
-              </a:solidFill>
-              <a:latin typeface="Calibri"/>
-              <a:ea typeface="Calibri"/>
-              <a:cs typeface="Calibri"/>
-              <a:sym typeface="Calibri"/>
-            </a:endParaRPr>
-          </a:p>
-        </p:txBody>
-      </p:sp>
-      <p:sp>
-        <p:nvSpPr>
-          <p:cNvPr id="4" name="Google Shape;225;p34">
-            <a:extLst>
-              <a:ext uri="{FF2B5EF4-FFF2-40B4-BE49-F238E27FC236}">
-                <a16:creationId xmlns:a16="http://schemas.microsoft.com/office/drawing/2014/main" id="{66B2BF12-F686-4430-B869-8394A84F3327}"/>
-              </a:ext>
-            </a:extLst>
-          </p:cNvPr>
-          <p:cNvSpPr txBox="1"/>
-          <p:nvPr/>
-        </p:nvSpPr>
-        <p:spPr>
-          <a:xfrm>
-            <a:off x="4224653" y="2862024"/>
-            <a:ext cx="901550" cy="369200"/>
-          </a:xfrm>
-          <a:prstGeom prst="rect">
-            <a:avLst/>
-          </a:prstGeom>
-          <a:noFill/>
-          <a:ln>
-            <a:noFill/>
-          </a:ln>
-        </p:spPr>
-        <p:txBody>
-          <a:bodyPr spcFirstLastPara="1" wrap="square" lIns="107269" tIns="53620" rIns="107269" bIns="53620" anchor="t" anchorCtr="0">
-            <a:noAutofit/>
-          </a:bodyPr>
-          <a:lstStyle/>
-          <a:p>
-            <a:r>
-              <a:rPr lang="it-IT" dirty="0">
-                <a:solidFill>
-                  <a:schemeClr val="dk1"/>
-                </a:solidFill>
-                <a:latin typeface="Calibri"/>
-                <a:ea typeface="Calibri"/>
-                <a:cs typeface="Calibri"/>
-                <a:sym typeface="Calibri"/>
-              </a:rPr>
-              <a:t>next</a:t>
-            </a:r>
-            <a:endParaRPr dirty="0">
-              <a:solidFill>
-                <a:schemeClr val="dk1"/>
-              </a:solidFill>
-              <a:latin typeface="Calibri"/>
-              <a:ea typeface="Calibri"/>
-              <a:cs typeface="Calibri"/>
-              <a:sym typeface="Calibri"/>
-            </a:endParaRPr>
-          </a:p>
-        </p:txBody>
-      </p:sp>
-      <p:sp>
-        <p:nvSpPr>
-          <p:cNvPr id="5" name="Google Shape;225;p34">
-            <a:extLst>
-              <a:ext uri="{FF2B5EF4-FFF2-40B4-BE49-F238E27FC236}">
-                <a16:creationId xmlns:a16="http://schemas.microsoft.com/office/drawing/2014/main" id="{6242DB1D-8067-4B30-9382-C6F17DEDD936}"/>
-              </a:ext>
-            </a:extLst>
-          </p:cNvPr>
-          <p:cNvSpPr txBox="1"/>
-          <p:nvPr/>
-        </p:nvSpPr>
-        <p:spPr>
-          <a:xfrm>
-            <a:off x="4537006" y="2991281"/>
-            <a:ext cx="1143521" cy="369200"/>
-          </a:xfrm>
-          <a:prstGeom prst="rect">
-            <a:avLst/>
-          </a:prstGeom>
-          <a:noFill/>
-          <a:ln>
-            <a:noFill/>
-          </a:ln>
-        </p:spPr>
-        <p:txBody>
-          <a:bodyPr spcFirstLastPara="1" wrap="square" lIns="107269" tIns="53620" rIns="107269" bIns="53620" anchor="t" anchorCtr="0">
-            <a:noAutofit/>
-          </a:bodyPr>
-          <a:lstStyle/>
-          <a:p>
-            <a:r>
-              <a:rPr lang="es-419" dirty="0">
-                <a:solidFill>
-                  <a:schemeClr val="dk1"/>
-                </a:solidFill>
-                <a:latin typeface="Calibri"/>
-                <a:ea typeface="Calibri"/>
-                <a:cs typeface="Calibri"/>
-                <a:sym typeface="Calibri"/>
-              </a:rPr>
-              <a:t>previous</a:t>
-            </a:r>
-            <a:endParaRPr dirty="0">
-              <a:solidFill>
-                <a:schemeClr val="dk1"/>
-              </a:solidFill>
-              <a:latin typeface="Calibri"/>
-              <a:ea typeface="Calibri"/>
-              <a:cs typeface="Calibri"/>
-              <a:sym typeface="Calibri"/>
-            </a:endParaRPr>
-          </a:p>
-        </p:txBody>
-      </p:sp>
-      <p:sp>
-        <p:nvSpPr>
-          <p:cNvPr id="9" name="Google Shape;229;p34">
-            <a:extLst>
-              <a:ext uri="{FF2B5EF4-FFF2-40B4-BE49-F238E27FC236}">
-                <a16:creationId xmlns:a16="http://schemas.microsoft.com/office/drawing/2014/main" id="{916BE761-6709-4807-9671-D975DFB1A324}"/>
-              </a:ext>
-            </a:extLst>
-          </p:cNvPr>
-          <p:cNvSpPr/>
-          <p:nvPr/>
-        </p:nvSpPr>
-        <p:spPr>
-          <a:xfrm>
-            <a:off x="769975" y="2892415"/>
-            <a:ext cx="1757522" cy="578470"/>
-          </a:xfrm>
-          <a:prstGeom prst="roundRect">
-            <a:avLst>
-              <a:gd name="adj" fmla="val 16667"/>
-            </a:avLst>
-          </a:prstGeom>
-          <a:solidFill>
-            <a:schemeClr val="bg1"/>
-          </a:solidFill>
-          <a:ln w="25400" cap="flat" cmpd="sng">
-            <a:solidFill>
-              <a:schemeClr val="accent3"/>
-            </a:solidFill>
-            <a:prstDash val="solid"/>
-            <a:round/>
-            <a:headEnd type="none" w="sm" len="sm"/>
-            <a:tailEnd type="none" w="sm" len="sm"/>
-          </a:ln>
-        </p:spPr>
-        <p:txBody>
-          <a:bodyPr spcFirstLastPara="1" wrap="square" lIns="107269" tIns="53620" rIns="107269" bIns="53620" anchor="ctr" anchorCtr="0">
-            <a:noAutofit/>
-          </a:bodyPr>
-          <a:lstStyle/>
-          <a:p>
-            <a:pPr algn="ctr"/>
-            <a:r>
-              <a:rPr lang="it-IT" sz="1400" b="1" dirty="0">
-                <a:solidFill>
-                  <a:schemeClr val="dk1"/>
-                </a:solidFill>
-                <a:latin typeface="Calibri"/>
-                <a:ea typeface="Calibri"/>
-                <a:cs typeface="Calibri"/>
-                <a:sym typeface="Calibri"/>
-              </a:rPr>
-              <a:t>Save  Album Order</a:t>
-            </a:r>
-            <a:endParaRPr lang="it-IT" sz="1100" dirty="0">
-              <a:solidFill>
-                <a:schemeClr val="dk1"/>
-              </a:solidFill>
-              <a:latin typeface="Calibri"/>
-              <a:ea typeface="Calibri"/>
-              <a:cs typeface="Calibri"/>
-              <a:sym typeface="Calibri"/>
-            </a:endParaRPr>
-          </a:p>
-          <a:p>
-            <a:pPr algn="ctr"/>
-            <a:r>
-              <a:rPr lang="it-IT" sz="1200" dirty="0">
-                <a:solidFill>
-                  <a:schemeClr val="dk1"/>
-                </a:solidFill>
-                <a:latin typeface="Calibri"/>
-                <a:ea typeface="Calibri"/>
-                <a:cs typeface="Calibri"/>
-                <a:sym typeface="Calibri"/>
-              </a:rPr>
-              <a:t>:Button</a:t>
-            </a:r>
-          </a:p>
-        </p:txBody>
-      </p:sp>
-      <p:sp>
-        <p:nvSpPr>
-          <p:cNvPr id="10" name="Google Shape;229;p34">
-            <a:extLst>
-              <a:ext uri="{FF2B5EF4-FFF2-40B4-BE49-F238E27FC236}">
-                <a16:creationId xmlns:a16="http://schemas.microsoft.com/office/drawing/2014/main" id="{187B6351-9A6E-414C-936C-EF66B93E79C3}"/>
-              </a:ext>
-            </a:extLst>
-          </p:cNvPr>
-          <p:cNvSpPr/>
-          <p:nvPr/>
-        </p:nvSpPr>
-        <p:spPr>
-          <a:xfrm>
-            <a:off x="6902701" y="1345987"/>
-            <a:ext cx="1343006" cy="611591"/>
-          </a:xfrm>
-          <a:prstGeom prst="roundRect">
-            <a:avLst>
-              <a:gd name="adj" fmla="val 16667"/>
-            </a:avLst>
-          </a:prstGeom>
-          <a:solidFill>
-            <a:schemeClr val="bg1"/>
-          </a:solidFill>
-          <a:ln w="25400" cap="flat" cmpd="sng">
-            <a:solidFill>
-              <a:schemeClr val="accent3"/>
-            </a:solidFill>
-            <a:prstDash val="solid"/>
-            <a:round/>
-            <a:headEnd type="none" w="sm" len="sm"/>
-            <a:tailEnd type="none" w="sm" len="sm"/>
-          </a:ln>
-        </p:spPr>
-        <p:txBody>
-          <a:bodyPr spcFirstLastPara="1" wrap="square" lIns="107269" tIns="53620" rIns="107269" bIns="53620" anchor="ctr" anchorCtr="0">
-            <a:noAutofit/>
-          </a:bodyPr>
-          <a:lstStyle/>
-          <a:p>
-            <a:pPr algn="ctr"/>
-            <a:r>
-              <a:rPr lang="it-IT" b="1" dirty="0">
-                <a:solidFill>
-                  <a:schemeClr val="dk1"/>
-                </a:solidFill>
-                <a:latin typeface="Calibri"/>
-                <a:ea typeface="Calibri"/>
-                <a:cs typeface="Calibri"/>
-                <a:sym typeface="Calibri"/>
-              </a:rPr>
-              <a:t>Logout</a:t>
-            </a:r>
-            <a:endParaRPr lang="it-IT" sz="1400" dirty="0">
-              <a:solidFill>
-                <a:schemeClr val="dk1"/>
-              </a:solidFill>
-              <a:latin typeface="Calibri"/>
-              <a:ea typeface="Calibri"/>
-              <a:cs typeface="Calibri"/>
-              <a:sym typeface="Calibri"/>
-            </a:endParaRPr>
-          </a:p>
-          <a:p>
-            <a:pPr algn="ctr"/>
-            <a:r>
-              <a:rPr lang="it-IT" sz="1600" dirty="0">
-                <a:solidFill>
-                  <a:schemeClr val="dk1"/>
-                </a:solidFill>
-                <a:latin typeface="Calibri"/>
-                <a:ea typeface="Calibri"/>
-                <a:cs typeface="Calibri"/>
-                <a:sym typeface="Calibri"/>
-              </a:rPr>
-              <a:t>:Button</a:t>
-            </a:r>
-          </a:p>
-        </p:txBody>
-      </p:sp>
-      <p:sp>
-        <p:nvSpPr>
-          <p:cNvPr id="11" name="Google Shape;229;p34">
-            <a:extLst>
-              <a:ext uri="{FF2B5EF4-FFF2-40B4-BE49-F238E27FC236}">
-                <a16:creationId xmlns:a16="http://schemas.microsoft.com/office/drawing/2014/main" id="{8703A9C1-1CA6-48E5-8C0E-734EC6BF3A6B}"/>
-              </a:ext>
-            </a:extLst>
-          </p:cNvPr>
-          <p:cNvSpPr/>
-          <p:nvPr/>
-        </p:nvSpPr>
-        <p:spPr>
-          <a:xfrm>
-            <a:off x="8434727" y="1354734"/>
-            <a:ext cx="1238351" cy="611592"/>
-          </a:xfrm>
-          <a:prstGeom prst="roundRect">
-            <a:avLst>
-              <a:gd name="adj" fmla="val 16667"/>
-            </a:avLst>
-          </a:prstGeom>
-          <a:solidFill>
-            <a:schemeClr val="bg1"/>
-          </a:solidFill>
-          <a:ln w="25400" cap="flat" cmpd="sng">
-            <a:solidFill>
-              <a:schemeClr val="accent3"/>
-            </a:solidFill>
-            <a:prstDash val="solid"/>
-            <a:round/>
-            <a:headEnd type="none" w="sm" len="sm"/>
-            <a:tailEnd type="none" w="sm" len="sm"/>
-          </a:ln>
-        </p:spPr>
-        <p:txBody>
-          <a:bodyPr spcFirstLastPara="1" wrap="square" lIns="107269" tIns="53620" rIns="107269" bIns="53620" anchor="ctr" anchorCtr="0">
-            <a:noAutofit/>
-          </a:bodyPr>
-          <a:lstStyle/>
-          <a:p>
-            <a:pPr algn="ctr"/>
-            <a:r>
-              <a:rPr lang="it-IT" b="1" dirty="0">
-                <a:solidFill>
-                  <a:schemeClr val="dk1"/>
-                </a:solidFill>
-                <a:latin typeface="Calibri"/>
-                <a:ea typeface="Calibri"/>
-                <a:cs typeface="Calibri"/>
-                <a:sym typeface="Calibri"/>
-              </a:rPr>
-              <a:t>Login</a:t>
-            </a:r>
-            <a:endParaRPr lang="it-IT" sz="1400" dirty="0">
-              <a:solidFill>
-                <a:schemeClr val="dk1"/>
-              </a:solidFill>
-              <a:latin typeface="Calibri"/>
-              <a:ea typeface="Calibri"/>
-              <a:cs typeface="Calibri"/>
-              <a:sym typeface="Calibri"/>
-            </a:endParaRPr>
-          </a:p>
-          <a:p>
-            <a:pPr algn="ctr"/>
-            <a:r>
-              <a:rPr lang="it-IT" sz="1600" dirty="0">
-                <a:solidFill>
-                  <a:schemeClr val="dk1"/>
-                </a:solidFill>
-                <a:latin typeface="Calibri"/>
-                <a:ea typeface="Calibri"/>
-                <a:cs typeface="Calibri"/>
-                <a:sym typeface="Calibri"/>
-              </a:rPr>
-              <a:t>:Button</a:t>
-            </a:r>
-          </a:p>
-        </p:txBody>
-      </p:sp>
-      <p:sp>
-        <p:nvSpPr>
-          <p:cNvPr id="12" name="Google Shape;229;p34">
-            <a:extLst>
-              <a:ext uri="{FF2B5EF4-FFF2-40B4-BE49-F238E27FC236}">
-                <a16:creationId xmlns:a16="http://schemas.microsoft.com/office/drawing/2014/main" id="{01F2998B-BFC4-4E66-B562-3335F28ACE18}"/>
-              </a:ext>
-            </a:extLst>
-          </p:cNvPr>
-          <p:cNvSpPr/>
-          <p:nvPr/>
-        </p:nvSpPr>
-        <p:spPr>
-          <a:xfrm>
-            <a:off x="6317101" y="4794669"/>
-            <a:ext cx="1680351" cy="603177"/>
-          </a:xfrm>
-          <a:prstGeom prst="roundRect">
-            <a:avLst>
-              <a:gd name="adj" fmla="val 16667"/>
-            </a:avLst>
-          </a:prstGeom>
-          <a:solidFill>
-            <a:schemeClr val="bg1"/>
-          </a:solidFill>
-          <a:ln w="25400" cap="flat" cmpd="sng">
-            <a:solidFill>
-              <a:schemeClr val="accent3"/>
-            </a:solidFill>
-            <a:prstDash val="solid"/>
-            <a:round/>
-            <a:headEnd type="none" w="sm" len="sm"/>
-            <a:tailEnd type="none" w="sm" len="sm"/>
-          </a:ln>
-        </p:spPr>
-        <p:txBody>
-          <a:bodyPr spcFirstLastPara="1" wrap="square" lIns="107269" tIns="53620" rIns="107269" bIns="53620" anchor="ctr" anchorCtr="0">
-            <a:noAutofit/>
-          </a:bodyPr>
-          <a:lstStyle/>
-          <a:p>
-            <a:pPr algn="ctr"/>
-            <a:r>
-              <a:rPr lang="it-IT" sz="1400" b="1" dirty="0">
-                <a:solidFill>
-                  <a:schemeClr val="dk1"/>
-                </a:solidFill>
-                <a:latin typeface="Calibri"/>
-                <a:ea typeface="Calibri"/>
-                <a:cs typeface="Calibri"/>
-                <a:sym typeface="Calibri"/>
-              </a:rPr>
-              <a:t>Login to </a:t>
-            </a:r>
-            <a:r>
-              <a:rPr lang="it-IT" sz="1400" b="1" dirty="0" err="1">
-                <a:solidFill>
-                  <a:schemeClr val="dk1"/>
-                </a:solidFill>
-                <a:latin typeface="Calibri"/>
-                <a:ea typeface="Calibri"/>
-                <a:cs typeface="Calibri"/>
-                <a:sym typeface="Calibri"/>
-              </a:rPr>
-              <a:t>Comment</a:t>
-            </a:r>
-            <a:endParaRPr lang="it-IT" sz="1100" dirty="0">
-              <a:solidFill>
-                <a:schemeClr val="dk1"/>
-              </a:solidFill>
-              <a:latin typeface="Calibri"/>
-              <a:ea typeface="Calibri"/>
-              <a:cs typeface="Calibri"/>
-              <a:sym typeface="Calibri"/>
-            </a:endParaRPr>
-          </a:p>
-          <a:p>
-            <a:pPr algn="ctr"/>
-            <a:r>
-              <a:rPr lang="it-IT" sz="1200" dirty="0">
-                <a:solidFill>
-                  <a:schemeClr val="dk1"/>
-                </a:solidFill>
-                <a:latin typeface="Calibri"/>
-                <a:ea typeface="Calibri"/>
-                <a:cs typeface="Calibri"/>
-                <a:sym typeface="Calibri"/>
-              </a:rPr>
-              <a:t>:Button</a:t>
-            </a:r>
-          </a:p>
-        </p:txBody>
-      </p:sp>
-      <p:sp>
-        <p:nvSpPr>
-          <p:cNvPr id="44" name="Google Shape;222;p34"/>
-          <p:cNvSpPr/>
-          <p:nvPr/>
-        </p:nvSpPr>
-        <p:spPr>
-          <a:xfrm>
-            <a:off x="1552694" y="3389784"/>
-            <a:ext cx="312000" cy="288000"/>
-          </a:xfrm>
-          <a:prstGeom prst="ellipse">
-            <a:avLst/>
-          </a:prstGeom>
-          <a:solidFill>
-            <a:schemeClr val="accent1"/>
-          </a:solidFill>
-          <a:ln w="25400" cap="flat" cmpd="sng">
-            <a:solidFill>
-              <a:srgbClr val="395E89"/>
-            </a:solidFill>
-            <a:prstDash val="solid"/>
-            <a:round/>
-            <a:headEnd type="none" w="sm" len="sm"/>
-            <a:tailEnd type="none" w="sm" len="sm"/>
-          </a:ln>
-        </p:spPr>
-        <p:txBody>
-          <a:bodyPr spcFirstLastPara="1" wrap="square" lIns="107269" tIns="53620" rIns="107269" bIns="53620" anchor="ctr" anchorCtr="0">
-            <a:noAutofit/>
-          </a:bodyPr>
-          <a:lstStyle/>
-          <a:p>
-            <a:pPr algn="ctr"/>
-            <a:endParaRPr sz="2100">
-              <a:solidFill>
-                <a:schemeClr val="lt1"/>
-              </a:solidFill>
-              <a:latin typeface="Calibri"/>
-              <a:ea typeface="Calibri"/>
-              <a:cs typeface="Calibri"/>
-              <a:sym typeface="Calibri"/>
-            </a:endParaRPr>
-          </a:p>
-        </p:txBody>
-      </p:sp>
-      <p:cxnSp>
-        <p:nvCxnSpPr>
-          <p:cNvPr id="109" name="Google Shape;238;p34">
-            <a:extLst>
-              <a:ext uri="{FF2B5EF4-FFF2-40B4-BE49-F238E27FC236}">
-                <a16:creationId xmlns:a16="http://schemas.microsoft.com/office/drawing/2014/main" id="{568C5E7F-69FD-4A6A-BF71-E393CE0DF5E4}"/>
-              </a:ext>
-            </a:extLst>
-          </p:cNvPr>
-          <p:cNvCxnSpPr>
-            <a:cxnSpLocks/>
-            <a:stCxn id="94" idx="2"/>
-            <a:endCxn id="12" idx="1"/>
-          </p:cNvCxnSpPr>
-          <p:nvPr/>
-        </p:nvCxnSpPr>
-        <p:spPr>
-          <a:xfrm flipV="1">
-            <a:off x="4539544" y="5096258"/>
-            <a:ext cx="1777557" cy="204463"/>
-          </a:xfrm>
-          <a:prstGeom prst="bentConnector3">
-            <a:avLst>
-              <a:gd name="adj1" fmla="val 50000"/>
-            </a:avLst>
-          </a:prstGeom>
-          <a:noFill/>
-          <a:ln w="25400" cap="flat" cmpd="sng">
-            <a:solidFill>
-              <a:schemeClr val="accent1"/>
-            </a:solidFill>
-            <a:prstDash val="solid"/>
-            <a:round/>
-            <a:headEnd type="none" w="sm" len="sm"/>
-            <a:tailEnd type="stealth" w="med" len="med"/>
-          </a:ln>
-          <a:effectLst>
-            <a:outerShdw blurRad="40000" dist="20000" dir="5400000" rotWithShape="0">
-              <a:srgbClr val="000000">
-                <a:alpha val="37650"/>
-              </a:srgbClr>
-            </a:outerShdw>
-          </a:effectLst>
         </p:spPr>
       </p:cxnSp>
     </p:spTree>
@@ -9102,7 +10616,7 @@
 </p:sld>
 </file>
 
-<file path=ppt/slides/slide4.xml><?xml version="1.0" encoding="utf-8"?>
+<file path=ppt/slides/slide5.xml><?xml version="1.0" encoding="utf-8"?>
 <p:sld xmlns:a="http://schemas.openxmlformats.org/drawingml/2006/main" xmlns:r="http://schemas.openxmlformats.org/officeDocument/2006/relationships" xmlns:p="http://schemas.openxmlformats.org/presentationml/2006/main">
   <p:cSld>
     <p:spTree>
@@ -9149,202 +10663,20 @@
       </p:sp>
       <p:sp>
         <p:nvSpPr>
-          <p:cNvPr id="4" name="Text Placeholder 3"/>
-          <p:cNvSpPr>
-            <a:spLocks noGrp="1"/>
-          </p:cNvSpPr>
-          <p:nvPr>
-            <p:ph type="body" idx="2"/>
-          </p:nvPr>
+          <p:cNvPr id="5" name="CasellaDiTesto 4">
+            <a:extLst>
+              <a:ext uri="{FF2B5EF4-FFF2-40B4-BE49-F238E27FC236}">
+                <a16:creationId xmlns:a16="http://schemas.microsoft.com/office/drawing/2014/main" id="{A2D38ACF-5C1F-4E09-9506-269FD5246F4D}"/>
+              </a:ext>
+            </a:extLst>
+          </p:cNvPr>
+          <p:cNvSpPr txBox="1"/>
+          <p:nvPr/>
         </p:nvSpPr>
         <p:spPr>
           <a:xfrm>
-            <a:off x="492452" y="2264985"/>
-            <a:ext cx="6439293" cy="4341044"/>
-          </a:xfrm>
-        </p:spPr>
-        <p:txBody>
-          <a:bodyPr>
-            <a:noAutofit/>
-          </a:bodyPr>
-          <a:lstStyle/>
-          <a:p>
-            <a:r>
-              <a:rPr lang="it-IT" sz="1800" dirty="0"/>
-              <a:t>Home</a:t>
-            </a:r>
-          </a:p>
-          <a:p>
-            <a:pPr lvl="1"/>
-            <a:r>
-              <a:rPr lang="it-IT" sz="1400" dirty="0" err="1"/>
-              <a:t>AlbumsList</a:t>
-            </a:r>
-            <a:endParaRPr lang="it-IT" sz="1400" dirty="0"/>
-          </a:p>
-          <a:p>
-            <a:pPr lvl="2"/>
-            <a:r>
-              <a:rPr lang="it-IT" sz="1200" dirty="0"/>
-              <a:t>show(): richiede al server i dati dell'elenco </a:t>
-            </a:r>
-            <a:r>
-              <a:rPr lang="it-IT" sz="1200" dirty="0" err="1"/>
-              <a:t>albums</a:t>
-            </a:r>
-            <a:endParaRPr lang="it-IT" sz="1200" dirty="0"/>
-          </a:p>
-          <a:p>
-            <a:pPr lvl="2"/>
-            <a:r>
-              <a:rPr lang="it-IT" sz="1200" dirty="0"/>
-              <a:t>update(): riceve dati server e aggiorna la lista</a:t>
-            </a:r>
-          </a:p>
-          <a:p>
-            <a:pPr lvl="2"/>
-            <a:r>
-              <a:rPr lang="it-IT" sz="1200" dirty="0" err="1"/>
-              <a:t>autoclick</a:t>
-            </a:r>
-            <a:r>
-              <a:rPr lang="it-IT" sz="1200" dirty="0"/>
-              <a:t>(): seleziona un elemento della lista per mostrare in automatico i dettagli</a:t>
-            </a:r>
-          </a:p>
-          <a:p>
-            <a:pPr lvl="1"/>
-            <a:r>
-              <a:rPr lang="it-IT" sz="1400" dirty="0" err="1"/>
-              <a:t>AlbumDetail</a:t>
-            </a:r>
-            <a:r>
-              <a:rPr lang="it-IT" sz="1400" dirty="0"/>
-              <a:t>(gestisce la lista delle immagini di un album)</a:t>
-            </a:r>
-          </a:p>
-          <a:p>
-            <a:pPr lvl="2"/>
-            <a:r>
-              <a:rPr lang="it-IT" sz="1200" dirty="0" err="1"/>
-              <a:t>registerEvents</a:t>
-            </a:r>
-            <a:r>
-              <a:rPr lang="it-IT" sz="1200" dirty="0"/>
-              <a:t>(): associa al componente le funzioni per gestirne gli eventi</a:t>
-            </a:r>
-          </a:p>
-          <a:p>
-            <a:pPr lvl="2"/>
-            <a:r>
-              <a:rPr lang="it-IT" sz="1200" dirty="0"/>
-              <a:t>show(): richiede al server i  dettagli dell’album(immagini presenti nell’album)</a:t>
-            </a:r>
-          </a:p>
-          <a:p>
-            <a:pPr lvl="2"/>
-            <a:r>
-              <a:rPr lang="it-IT" sz="1200" dirty="0"/>
-              <a:t>update(): riceve dati server e aggiorna  dettagli</a:t>
-            </a:r>
-          </a:p>
-          <a:p>
-            <a:pPr lvl="2"/>
-            <a:r>
-              <a:rPr lang="it-IT" sz="1200" dirty="0"/>
-              <a:t>reset(): imposta le condizioni di iniziali visibilità dei vari sotto-componenti </a:t>
-            </a:r>
-          </a:p>
-          <a:p>
-            <a:pPr lvl="2"/>
-            <a:r>
-              <a:rPr lang="it-IT" sz="1200" dirty="0" err="1"/>
-              <a:t>changeStep</a:t>
-            </a:r>
-            <a:r>
-              <a:rPr lang="it-IT" sz="1200" dirty="0"/>
-              <a:t>(): cambia il blocco di cinque immagini visualizzato</a:t>
-            </a:r>
-          </a:p>
-          <a:p>
-            <a:pPr marL="742950" lvl="1" indent="-285750">
-              <a:buFont typeface="Arial" panose="020B0604020202020204" pitchFamily="34" charset="0"/>
-              <a:buChar char="•"/>
-            </a:pPr>
-            <a:r>
-              <a:rPr lang="it-IT" sz="1400" dirty="0" err="1"/>
-              <a:t>ImageDetail</a:t>
-            </a:r>
-            <a:endParaRPr lang="it-IT" sz="1400" dirty="0"/>
-          </a:p>
-          <a:p>
-            <a:pPr marL="1085850" lvl="2" indent="-171450">
-              <a:buFont typeface="Arial" panose="020B0604020202020204" pitchFamily="34" charset="0"/>
-              <a:buChar char="•"/>
-            </a:pPr>
-            <a:r>
-              <a:rPr lang="it-IT" sz="1200" dirty="0" err="1"/>
-              <a:t>registerEvents</a:t>
-            </a:r>
-            <a:r>
-              <a:rPr lang="it-IT" sz="1200" dirty="0"/>
-              <a:t>(): associa al componente le funzioni per gestirne gli eventi</a:t>
-            </a:r>
-          </a:p>
-          <a:p>
-            <a:pPr marL="1085850" lvl="2" indent="-171450">
-              <a:buFont typeface="Arial" panose="020B0604020202020204" pitchFamily="34" charset="0"/>
-              <a:buChar char="•"/>
-            </a:pPr>
-            <a:r>
-              <a:rPr lang="it-IT" sz="1200" dirty="0"/>
-              <a:t>show(): richiede al server i  dettagli dell’immagine (picture e commenti)</a:t>
-            </a:r>
-          </a:p>
-          <a:p>
-            <a:pPr marL="1085850" lvl="2" indent="-171450">
-              <a:buFont typeface="Arial" panose="020B0604020202020204" pitchFamily="34" charset="0"/>
-              <a:buChar char="•"/>
-            </a:pPr>
-            <a:r>
-              <a:rPr lang="it-IT" sz="1200" dirty="0"/>
-              <a:t>update(): riceve dati server e aggiorna  dettagli</a:t>
-            </a:r>
-          </a:p>
-          <a:p>
-            <a:pPr marL="1085850" lvl="2" indent="-171450">
-              <a:buFont typeface="Arial" panose="020B0604020202020204" pitchFamily="34" charset="0"/>
-              <a:buChar char="•"/>
-            </a:pPr>
-            <a:r>
-              <a:rPr lang="it-IT" sz="1200" dirty="0"/>
-              <a:t>reset(): imposta le condizioni di iniziali visibilità dei vari sotto-componenti </a:t>
-            </a:r>
-          </a:p>
-          <a:p>
-            <a:pPr marL="914400" lvl="2" indent="0">
-              <a:buNone/>
-            </a:pPr>
-            <a:endParaRPr lang="it-IT" sz="1200" dirty="0"/>
-          </a:p>
-        </p:txBody>
-      </p:sp>
-      <p:sp>
-        <p:nvSpPr>
-          <p:cNvPr id="5" name="CasellaDiTesto 4">
-            <a:extLst>
-              <a:ext uri="{FF2B5EF4-FFF2-40B4-BE49-F238E27FC236}">
-                <a16:creationId xmlns:a16="http://schemas.microsoft.com/office/drawing/2014/main" id="{A2D38ACF-5C1F-4E09-9506-269FD5246F4D}"/>
-              </a:ext>
-            </a:extLst>
-          </p:cNvPr>
-          <p:cNvSpPr txBox="1"/>
-          <p:nvPr/>
-        </p:nvSpPr>
-        <p:spPr>
-          <a:xfrm>
-            <a:off x="492452" y="695325"/>
-            <a:ext cx="6439293" cy="1569660"/>
+            <a:off x="492451" y="695325"/>
+            <a:ext cx="6439293" cy="3877985"/>
           </a:xfrm>
           <a:prstGeom prst="rect">
             <a:avLst/>
@@ -9368,12 +10700,29 @@
               <a:buChar char="•"/>
             </a:pPr>
             <a:r>
+              <a:rPr lang="it-IT" sz="1400" dirty="0" err="1"/>
+              <a:t>LoginForm</a:t>
+            </a:r>
+            <a:endParaRPr lang="it-IT" sz="1400" dirty="0"/>
+          </a:p>
+          <a:p>
+            <a:pPr marL="1200150" lvl="2" indent="-285750">
+              <a:buFont typeface="Arial" panose="020B0604020202020204" pitchFamily="34" charset="0"/>
+              <a:buChar char="•"/>
+            </a:pPr>
+            <a:r>
               <a:rPr lang="it-IT" sz="1400" dirty="0"/>
-              <a:t>Login </a:t>
-            </a:r>
+              <a:t>registerEvents(): associa all’evento «click» la funzione che interroga il server per controllare se le credenziali di login sono corrette.</a:t>
+            </a:r>
+          </a:p>
+          <a:p>
+            <a:pPr marL="742950" lvl="1" indent="-285750">
+              <a:buFont typeface="Arial" panose="020B0604020202020204" pitchFamily="34" charset="0"/>
+              <a:buChar char="•"/>
+            </a:pPr>
             <a:r>
               <a:rPr lang="it-IT" sz="1400" dirty="0" err="1"/>
-              <a:t>form</a:t>
+              <a:t>Registrationform</a:t>
             </a:r>
             <a:endParaRPr lang="it-IT" sz="1400" dirty="0"/>
           </a:p>
@@ -9384,7 +10733,27 @@
             </a:pPr>
             <a:r>
               <a:rPr lang="it-IT" sz="1200" dirty="0"/>
-              <a:t>Gestione del submit ed errori</a:t>
+              <a:t>Reset(): setta la visibilità allo stato iniziale</a:t>
+            </a:r>
+          </a:p>
+          <a:p>
+            <a:pPr marL="1085850" lvl="2" indent="-171450">
+              <a:buFont typeface="Arial" panose="020B0604020202020204" pitchFamily="34" charset="0"/>
+              <a:buChar char="•"/>
+            </a:pPr>
+            <a:r>
+              <a:rPr lang="it-IT" sz="1200" dirty="0"/>
+              <a:t>Show(); cambia la visibilità per mostrare la form</a:t>
+            </a:r>
+          </a:p>
+          <a:p>
+            <a:pPr marL="1085850" lvl="2" indent="-171450">
+              <a:buFont typeface="Arial" panose="020B0604020202020204" pitchFamily="34" charset="0"/>
+              <a:buChar char="•"/>
+            </a:pPr>
+            <a:r>
+              <a:rPr lang="it-IT" sz="1200" dirty="0"/>
+              <a:t>RegisterEvents(): associa all’evento «click» la funzione che controlla localmente la validità sintattica e logica dei dati inseriti e successivamente interroga il server per inserire un nuovo utente nel database</a:t>
             </a:r>
           </a:p>
           <a:p>
@@ -9394,15 +10763,7 @@
             </a:pPr>
             <a:r>
               <a:rPr lang="it-IT" sz="1400" dirty="0" err="1"/>
-              <a:t>Registration</a:t>
-            </a:r>
-            <a:r>
-              <a:rPr lang="it-IT" sz="1400" dirty="0"/>
-              <a:t> </a:t>
-            </a:r>
-            <a:r>
-              <a:rPr lang="it-IT" sz="1400" dirty="0" err="1"/>
-              <a:t>form</a:t>
+              <a:t>NewAccountButton</a:t>
             </a:r>
             <a:endParaRPr lang="it-IT" sz="1400" dirty="0"/>
           </a:p>
@@ -9413,7 +10774,31 @@
             </a:pPr>
             <a:r>
               <a:rPr lang="it-IT" sz="1200" dirty="0"/>
-              <a:t>Gestione del submit ed errori</a:t>
+              <a:t>Reset(): setta la visibilità allo stato iniziale</a:t>
+            </a:r>
+          </a:p>
+          <a:p>
+            <a:pPr marL="1085850" lvl="2" indent="-171450">
+              <a:buFont typeface="Arial" panose="020B0604020202020204" pitchFamily="34" charset="0"/>
+              <a:buChar char="•"/>
+            </a:pPr>
+            <a:r>
+              <a:rPr lang="it-IT" sz="1200" dirty="0" err="1"/>
+              <a:t>Hide</a:t>
+            </a:r>
+            <a:r>
+              <a:rPr lang="it-IT" sz="1200" dirty="0"/>
+              <a:t>(); cambia la visibilità per nascondere il bottone</a:t>
+            </a:r>
+          </a:p>
+          <a:p>
+            <a:pPr marL="1085850" lvl="2" indent="-171450">
+              <a:buFont typeface="Arial" panose="020B0604020202020204" pitchFamily="34" charset="0"/>
+              <a:buChar char="•"/>
+            </a:pPr>
+            <a:r>
+              <a:rPr lang="it-IT" sz="1200" dirty="0"/>
+              <a:t>RegisterEvents(): associa all’evento «click» la funzione che nasconde il bottone, e mostra la registration form</a:t>
             </a:r>
           </a:p>
           <a:p>
@@ -9422,9 +10807,10 @@
               <a:buChar char="•"/>
             </a:pPr>
             <a:r>
-              <a:rPr lang="it-IT" sz="1400" dirty="0"/>
-              <a:t>Guest access</a:t>
-            </a:r>
+              <a:rPr lang="it-IT" sz="1400" dirty="0" err="1"/>
+              <a:t>GuestButton</a:t>
+            </a:r>
+            <a:endParaRPr lang="it-IT" sz="1400" dirty="0"/>
           </a:p>
           <a:p>
             <a:pPr marL="1085850" lvl="2" indent="-171450">
@@ -9433,8 +10819,23 @@
             </a:pPr>
             <a:r>
               <a:rPr lang="it-IT" sz="1200" dirty="0"/>
-              <a:t>Accesso alla homepage</a:t>
-            </a:r>
+              <a:t>RegisterEvents(): associa all’evento «click» la funzione che interroga il server per controllare che l’ utente non sia loggato e reindirizza alla pagina «</a:t>
+            </a:r>
+            <a:r>
+              <a:rPr lang="it-IT" sz="1200" dirty="0" err="1"/>
+              <a:t>OnePage.Html</a:t>
+            </a:r>
+            <a:r>
+              <a:rPr lang="it-IT" sz="1200" dirty="0"/>
+              <a:t>»</a:t>
+            </a:r>
+          </a:p>
+          <a:p>
+            <a:pPr marL="1085850" lvl="2" indent="-171450">
+              <a:buFont typeface="Arial" panose="020B0604020202020204" pitchFamily="34" charset="0"/>
+              <a:buChar char="•"/>
+            </a:pPr>
+            <a:endParaRPr lang="it-IT" sz="1200" dirty="0"/>
           </a:p>
         </p:txBody>
       </p:sp>
@@ -9489,7 +10890,669 @@
 </p:sld>
 </file>
 
-<file path=ppt/slides/slide5.xml><?xml version="1.0" encoding="utf-8"?>
+<file path=ppt/slides/slide6.xml><?xml version="1.0" encoding="utf-8"?>
+<p:sld xmlns:a="http://schemas.openxmlformats.org/drawingml/2006/main" xmlns:r="http://schemas.openxmlformats.org/officeDocument/2006/relationships" xmlns:p="http://schemas.openxmlformats.org/presentationml/2006/main">
+  <p:cSld>
+    <p:spTree>
+      <p:nvGrpSpPr>
+        <p:cNvPr id="1" name=""/>
+        <p:cNvGrpSpPr/>
+        <p:nvPr/>
+      </p:nvGrpSpPr>
+      <p:grpSpPr>
+        <a:xfrm>
+          <a:off x="0" y="0"/>
+          <a:ext cx="0" cy="0"/>
+          <a:chOff x="0" y="0"/>
+          <a:chExt cx="0" cy="0"/>
+        </a:xfrm>
+      </p:grpSpPr>
+      <p:sp>
+        <p:nvSpPr>
+          <p:cNvPr id="5" name="Text Placeholder 3">
+            <a:extLst>
+              <a:ext uri="{FF2B5EF4-FFF2-40B4-BE49-F238E27FC236}">
+                <a16:creationId xmlns:a16="http://schemas.microsoft.com/office/drawing/2014/main" id="{86E83E91-E988-4994-8406-BD6F31E0538C}"/>
+              </a:ext>
+            </a:extLst>
+          </p:cNvPr>
+          <p:cNvSpPr txBox="1">
+            <a:spLocks/>
+          </p:cNvSpPr>
+          <p:nvPr/>
+        </p:nvSpPr>
+        <p:spPr>
+          <a:xfrm>
+            <a:off x="228600" y="274575"/>
+            <a:ext cx="6496050" cy="6308849"/>
+          </a:xfrm>
+          <a:prstGeom prst="rect">
+            <a:avLst/>
+          </a:prstGeom>
+        </p:spPr>
+        <p:txBody>
+          <a:bodyPr vert="horz" lIns="91440" tIns="45720" rIns="91440" bIns="45720" rtlCol="0">
+            <a:noAutofit/>
+          </a:bodyPr>
+          <a:lstStyle>
+            <a:lvl1pPr marL="228600" indent="-228600" algn="l" defTabSz="914400" rtl="0" eaLnBrk="1" latinLnBrk="0" hangingPunct="1">
+              <a:lnSpc>
+                <a:spcPct val="90000"/>
+              </a:lnSpc>
+              <a:spcBef>
+                <a:spcPts val="1000"/>
+              </a:spcBef>
+              <a:buFont typeface="Arial" panose="020B0604020202020204" pitchFamily="34" charset="0"/>
+              <a:buChar char="•"/>
+              <a:defRPr sz="2800" kern="1200">
+                <a:solidFill>
+                  <a:schemeClr val="tx1"/>
+                </a:solidFill>
+                <a:latin typeface="+mn-lt"/>
+                <a:ea typeface="+mn-ea"/>
+                <a:cs typeface="+mn-cs"/>
+              </a:defRPr>
+            </a:lvl1pPr>
+            <a:lvl2pPr marL="685800" indent="-228600" algn="l" defTabSz="914400" rtl="0" eaLnBrk="1" latinLnBrk="0" hangingPunct="1">
+              <a:lnSpc>
+                <a:spcPct val="90000"/>
+              </a:lnSpc>
+              <a:spcBef>
+                <a:spcPts val="500"/>
+              </a:spcBef>
+              <a:buFont typeface="Arial" panose="020B0604020202020204" pitchFamily="34" charset="0"/>
+              <a:buChar char="•"/>
+              <a:defRPr sz="2400" kern="1200">
+                <a:solidFill>
+                  <a:schemeClr val="tx1"/>
+                </a:solidFill>
+                <a:latin typeface="+mn-lt"/>
+                <a:ea typeface="+mn-ea"/>
+                <a:cs typeface="+mn-cs"/>
+              </a:defRPr>
+            </a:lvl2pPr>
+            <a:lvl3pPr marL="1143000" indent="-228600" algn="l" defTabSz="914400" rtl="0" eaLnBrk="1" latinLnBrk="0" hangingPunct="1">
+              <a:lnSpc>
+                <a:spcPct val="90000"/>
+              </a:lnSpc>
+              <a:spcBef>
+                <a:spcPts val="500"/>
+              </a:spcBef>
+              <a:buFont typeface="Arial" panose="020B0604020202020204" pitchFamily="34" charset="0"/>
+              <a:buChar char="•"/>
+              <a:defRPr sz="2000" kern="1200">
+                <a:solidFill>
+                  <a:schemeClr val="tx1"/>
+                </a:solidFill>
+                <a:latin typeface="+mn-lt"/>
+                <a:ea typeface="+mn-ea"/>
+                <a:cs typeface="+mn-cs"/>
+              </a:defRPr>
+            </a:lvl3pPr>
+            <a:lvl4pPr marL="1600200" indent="-228600" algn="l" defTabSz="914400" rtl="0" eaLnBrk="1" latinLnBrk="0" hangingPunct="1">
+              <a:lnSpc>
+                <a:spcPct val="90000"/>
+              </a:lnSpc>
+              <a:spcBef>
+                <a:spcPts val="500"/>
+              </a:spcBef>
+              <a:buFont typeface="Arial" panose="020B0604020202020204" pitchFamily="34" charset="0"/>
+              <a:buChar char="•"/>
+              <a:defRPr sz="1800" kern="1200">
+                <a:solidFill>
+                  <a:schemeClr val="tx1"/>
+                </a:solidFill>
+                <a:latin typeface="+mn-lt"/>
+                <a:ea typeface="+mn-ea"/>
+                <a:cs typeface="+mn-cs"/>
+              </a:defRPr>
+            </a:lvl4pPr>
+            <a:lvl5pPr marL="2057400" indent="-228600" algn="l" defTabSz="914400" rtl="0" eaLnBrk="1" latinLnBrk="0" hangingPunct="1">
+              <a:lnSpc>
+                <a:spcPct val="90000"/>
+              </a:lnSpc>
+              <a:spcBef>
+                <a:spcPts val="500"/>
+              </a:spcBef>
+              <a:buFont typeface="Arial" panose="020B0604020202020204" pitchFamily="34" charset="0"/>
+              <a:buChar char="•"/>
+              <a:defRPr sz="1800" kern="1200">
+                <a:solidFill>
+                  <a:schemeClr val="tx1"/>
+                </a:solidFill>
+                <a:latin typeface="+mn-lt"/>
+                <a:ea typeface="+mn-ea"/>
+                <a:cs typeface="+mn-cs"/>
+              </a:defRPr>
+            </a:lvl5pPr>
+            <a:lvl6pPr marL="2514600" indent="-228600" algn="l" defTabSz="914400" rtl="0" eaLnBrk="1" latinLnBrk="0" hangingPunct="1">
+              <a:lnSpc>
+                <a:spcPct val="90000"/>
+              </a:lnSpc>
+              <a:spcBef>
+                <a:spcPts val="500"/>
+              </a:spcBef>
+              <a:buFont typeface="Arial" panose="020B0604020202020204" pitchFamily="34" charset="0"/>
+              <a:buChar char="•"/>
+              <a:defRPr sz="1800" kern="1200">
+                <a:solidFill>
+                  <a:schemeClr val="tx1"/>
+                </a:solidFill>
+                <a:latin typeface="+mn-lt"/>
+                <a:ea typeface="+mn-ea"/>
+                <a:cs typeface="+mn-cs"/>
+              </a:defRPr>
+            </a:lvl6pPr>
+            <a:lvl7pPr marL="2971800" indent="-228600" algn="l" defTabSz="914400" rtl="0" eaLnBrk="1" latinLnBrk="0" hangingPunct="1">
+              <a:lnSpc>
+                <a:spcPct val="90000"/>
+              </a:lnSpc>
+              <a:spcBef>
+                <a:spcPts val="500"/>
+              </a:spcBef>
+              <a:buFont typeface="Arial" panose="020B0604020202020204" pitchFamily="34" charset="0"/>
+              <a:buChar char="•"/>
+              <a:defRPr sz="1800" kern="1200">
+                <a:solidFill>
+                  <a:schemeClr val="tx1"/>
+                </a:solidFill>
+                <a:latin typeface="+mn-lt"/>
+                <a:ea typeface="+mn-ea"/>
+                <a:cs typeface="+mn-cs"/>
+              </a:defRPr>
+            </a:lvl7pPr>
+            <a:lvl8pPr marL="3429000" indent="-228600" algn="l" defTabSz="914400" rtl="0" eaLnBrk="1" latinLnBrk="0" hangingPunct="1">
+              <a:lnSpc>
+                <a:spcPct val="90000"/>
+              </a:lnSpc>
+              <a:spcBef>
+                <a:spcPts val="500"/>
+              </a:spcBef>
+              <a:buFont typeface="Arial" panose="020B0604020202020204" pitchFamily="34" charset="0"/>
+              <a:buChar char="•"/>
+              <a:defRPr sz="1800" kern="1200">
+                <a:solidFill>
+                  <a:schemeClr val="tx1"/>
+                </a:solidFill>
+                <a:latin typeface="+mn-lt"/>
+                <a:ea typeface="+mn-ea"/>
+                <a:cs typeface="+mn-cs"/>
+              </a:defRPr>
+            </a:lvl8pPr>
+            <a:lvl9pPr marL="3886200" indent="-228600" algn="l" defTabSz="914400" rtl="0" eaLnBrk="1" latinLnBrk="0" hangingPunct="1">
+              <a:lnSpc>
+                <a:spcPct val="90000"/>
+              </a:lnSpc>
+              <a:spcBef>
+                <a:spcPts val="500"/>
+              </a:spcBef>
+              <a:buFont typeface="Arial" panose="020B0604020202020204" pitchFamily="34" charset="0"/>
+              <a:buChar char="•"/>
+              <a:defRPr sz="1800" kern="1200">
+                <a:solidFill>
+                  <a:schemeClr val="tx1"/>
+                </a:solidFill>
+                <a:latin typeface="+mn-lt"/>
+                <a:ea typeface="+mn-ea"/>
+                <a:cs typeface="+mn-cs"/>
+              </a:defRPr>
+            </a:lvl9pPr>
+          </a:lstStyle>
+          <a:p>
+            <a:r>
+              <a:rPr lang="it-IT" sz="1800" dirty="0"/>
+              <a:t>Home</a:t>
+            </a:r>
+          </a:p>
+          <a:p>
+            <a:pPr lvl="1"/>
+            <a:r>
+              <a:rPr lang="it-IT" sz="1400" b="1" dirty="0"/>
+              <a:t>AlbumsList</a:t>
+            </a:r>
+          </a:p>
+          <a:p>
+            <a:pPr lvl="2"/>
+            <a:r>
+              <a:rPr lang="it-IT" sz="1200" b="1" dirty="0"/>
+              <a:t>show</a:t>
+            </a:r>
+            <a:r>
+              <a:rPr lang="it-IT" sz="1200" dirty="0"/>
+              <a:t>(): richiede al server i dati dell'elenco albums</a:t>
+            </a:r>
+          </a:p>
+          <a:p>
+            <a:pPr lvl="2"/>
+            <a:r>
+              <a:rPr lang="it-IT" sz="1200" b="1" dirty="0"/>
+              <a:t>update</a:t>
+            </a:r>
+            <a:r>
+              <a:rPr lang="it-IT" sz="1200" dirty="0"/>
+              <a:t>(</a:t>
+            </a:r>
+            <a:r>
+              <a:rPr lang="en-US" sz="1200" dirty="0" err="1">
+                <a:solidFill>
+                  <a:srgbClr val="000000"/>
+                </a:solidFill>
+                <a:latin typeface="Consolas" panose="020B0609020204030204" pitchFamily="49" charset="0"/>
+              </a:rPr>
+              <a:t>arrayAlbums</a:t>
+            </a:r>
+            <a:r>
+              <a:rPr lang="it-IT" sz="1200" dirty="0"/>
+              <a:t>): riceve i dati server per aggiornare la lista e la mostra</a:t>
+            </a:r>
+          </a:p>
+          <a:p>
+            <a:pPr lvl="2"/>
+            <a:r>
+              <a:rPr lang="it-IT" sz="1200" b="1" dirty="0"/>
+              <a:t>reset</a:t>
+            </a:r>
+            <a:r>
+              <a:rPr lang="it-IT" sz="1200" dirty="0"/>
+              <a:t>(): nasconde la lista</a:t>
+            </a:r>
+          </a:p>
+          <a:p>
+            <a:pPr lvl="2"/>
+            <a:r>
+              <a:rPr lang="it-IT" sz="1200" b="1" dirty="0" err="1"/>
+              <a:t>setDraggable</a:t>
+            </a:r>
+            <a:r>
+              <a:rPr lang="it-IT" sz="1200" dirty="0"/>
+              <a:t>(): gestisce il drag &amp; drop aggiungendo ad ogni riga della tabella degli </a:t>
+            </a:r>
+            <a:r>
+              <a:rPr lang="it-IT" sz="1200" dirty="0" err="1"/>
+              <a:t>eventListener</a:t>
+            </a:r>
+            <a:r>
+              <a:rPr lang="it-IT" sz="1200" dirty="0"/>
+              <a:t> associati a «</a:t>
+            </a:r>
+            <a:r>
+              <a:rPr lang="it-IT" sz="1200" dirty="0" err="1"/>
+              <a:t>dragstart</a:t>
+            </a:r>
+            <a:r>
+              <a:rPr lang="it-IT" sz="1200" dirty="0"/>
+              <a:t>» «</a:t>
+            </a:r>
+            <a:r>
+              <a:rPr lang="it-IT" sz="1200" dirty="0" err="1"/>
+              <a:t>dragend</a:t>
+            </a:r>
+            <a:r>
+              <a:rPr lang="it-IT" sz="1200" dirty="0"/>
+              <a:t>» «</a:t>
+            </a:r>
+            <a:r>
+              <a:rPr lang="it-IT" sz="1200" dirty="0" err="1"/>
+              <a:t>dragover</a:t>
+            </a:r>
+            <a:r>
+              <a:rPr lang="it-IT" sz="1200" dirty="0"/>
+              <a:t>»</a:t>
+            </a:r>
+          </a:p>
+          <a:p>
+            <a:pPr lvl="1"/>
+            <a:r>
+              <a:rPr lang="it-IT" sz="1400" b="1" dirty="0" err="1"/>
+              <a:t>ImageList</a:t>
+            </a:r>
+            <a:endParaRPr lang="it-IT" sz="1400" b="1" dirty="0"/>
+          </a:p>
+          <a:p>
+            <a:pPr lvl="2"/>
+            <a:r>
+              <a:rPr lang="it-IT" sz="1200" b="1" dirty="0"/>
+              <a:t>show</a:t>
+            </a:r>
+            <a:r>
+              <a:rPr lang="it-IT" sz="1200" dirty="0"/>
+              <a:t>(albumId): richiede al server l’elenco delle immagini di un dato album le salva globalmente nel componente </a:t>
+            </a:r>
+            <a:r>
+              <a:rPr lang="it-IT" sz="1200" dirty="0" err="1"/>
+              <a:t>ImageList</a:t>
+            </a:r>
+            <a:r>
+              <a:rPr lang="it-IT" sz="1200" dirty="0"/>
+              <a:t> e invoca l’ update();</a:t>
+            </a:r>
+          </a:p>
+          <a:p>
+            <a:pPr lvl="2"/>
+            <a:r>
+              <a:rPr lang="it-IT" sz="1200" b="1" dirty="0"/>
+              <a:t>update</a:t>
+            </a:r>
+            <a:r>
+              <a:rPr lang="it-IT" sz="1200" dirty="0"/>
+              <a:t>(): visualizza 5 immagini in base ai parametri globali del componente </a:t>
+            </a:r>
+            <a:r>
+              <a:rPr lang="it-IT" sz="1200" dirty="0" err="1"/>
+              <a:t>ImageList</a:t>
+            </a:r>
+            <a:r>
+              <a:rPr lang="it-IT" sz="1200" dirty="0"/>
+              <a:t> e aggiunge un </a:t>
+            </a:r>
+            <a:r>
+              <a:rPr lang="it-IT" sz="1200" dirty="0" err="1"/>
+              <a:t>eventListener</a:t>
+            </a:r>
+            <a:r>
+              <a:rPr lang="it-IT" sz="1200" dirty="0"/>
+              <a:t> «</a:t>
+            </a:r>
+            <a:r>
+              <a:rPr lang="en-US" sz="1200" dirty="0" err="1"/>
+              <a:t>mouseenter</a:t>
+            </a:r>
+            <a:r>
+              <a:rPr lang="it-IT" sz="1200" dirty="0"/>
+              <a:t>»alle varie immagini. Inoltre si occupa della logica per visualizzare i bottoni Next e Previous.</a:t>
+            </a:r>
+          </a:p>
+          <a:p>
+            <a:pPr lvl="2"/>
+            <a:r>
+              <a:rPr lang="it-IT" sz="1200" b="1" dirty="0"/>
+              <a:t>next</a:t>
+            </a:r>
+            <a:r>
+              <a:rPr lang="it-IT" sz="1200" dirty="0"/>
+              <a:t>(): invoca la funzione update settando i parametri globali corretti per visualizzare il blocco successivo di immagini (se presente)</a:t>
+            </a:r>
+          </a:p>
+          <a:p>
+            <a:pPr lvl="2"/>
+            <a:r>
+              <a:rPr lang="it-IT" sz="1200" b="1" dirty="0"/>
+              <a:t>previous</a:t>
+            </a:r>
+            <a:r>
+              <a:rPr lang="it-IT" sz="1200" dirty="0"/>
+              <a:t>(): invoca la funzione update settando i parametri globali corretti per visualizzare il blocco precedente di immagini (se presente)</a:t>
+            </a:r>
+          </a:p>
+          <a:p>
+            <a:pPr lvl="2"/>
+            <a:r>
+              <a:rPr lang="it-IT" sz="1200" b="1" dirty="0"/>
+              <a:t>reset</a:t>
+            </a:r>
+            <a:r>
+              <a:rPr lang="it-IT" sz="1200" dirty="0"/>
+              <a:t>(): imposta le condizioni di iniziali visibilità dei vari sotto-componenti </a:t>
+            </a:r>
+          </a:p>
+          <a:p>
+            <a:pPr lvl="2"/>
+            <a:r>
+              <a:rPr lang="en-US" sz="1200" b="1" dirty="0" err="1"/>
+              <a:t>resetButtonsNextAndPrevious</a:t>
+            </a:r>
+            <a:r>
+              <a:rPr lang="it-IT" sz="1200" dirty="0"/>
+              <a:t>(): imposta le condizioni di iniziali visibilità dei bottoni next e previous</a:t>
+            </a:r>
+          </a:p>
+          <a:p>
+            <a:pPr lvl="2"/>
+            <a:r>
+              <a:rPr lang="en-US" sz="1200" b="1" dirty="0" err="1"/>
+              <a:t>resetImages</a:t>
+            </a:r>
+            <a:r>
+              <a:rPr lang="en-US" sz="1200" dirty="0"/>
+              <a:t>():</a:t>
+            </a:r>
+            <a:r>
+              <a:rPr lang="it-IT" sz="1200" dirty="0"/>
+              <a:t> imposta i parametri della funzione ai valori iniziali di default</a:t>
+            </a:r>
+          </a:p>
+          <a:p>
+            <a:pPr marL="742950" lvl="1" indent="-285750"/>
+            <a:r>
+              <a:rPr lang="it-IT" sz="1400" dirty="0" err="1"/>
+              <a:t>ImageDetails</a:t>
+            </a:r>
+            <a:endParaRPr lang="it-IT" sz="1400" dirty="0"/>
+          </a:p>
+          <a:p>
+            <a:pPr marL="1085850" lvl="2" indent="-171450"/>
+            <a:r>
+              <a:rPr lang="it-IT" sz="1200" dirty="0"/>
+              <a:t>registerEvents(): associa al componente le funzioni per gestirne gli eventi</a:t>
+            </a:r>
+          </a:p>
+          <a:p>
+            <a:pPr marL="1085850" lvl="2" indent="-171450"/>
+            <a:r>
+              <a:rPr lang="it-IT" sz="1200" dirty="0"/>
+              <a:t>show(): richiede al server i  dettagli dell’immagine (picture e commenti)</a:t>
+            </a:r>
+          </a:p>
+          <a:p>
+            <a:pPr marL="1085850" lvl="2" indent="-171450"/>
+            <a:r>
+              <a:rPr lang="it-IT" sz="1200" dirty="0"/>
+              <a:t>update(): riceve dati server e aggiorna  dettagli</a:t>
+            </a:r>
+          </a:p>
+          <a:p>
+            <a:pPr marL="1085850" lvl="2" indent="-171450"/>
+            <a:r>
+              <a:rPr lang="it-IT" sz="1200" dirty="0"/>
+              <a:t>reset(): imposta le condizioni di iniziali visibilità dei vari sotto-componenti </a:t>
+            </a:r>
+          </a:p>
+          <a:p>
+            <a:pPr marL="742950" lvl="1" indent="-285750"/>
+            <a:r>
+              <a:rPr lang="it-IT" sz="1400" dirty="0" err="1"/>
+              <a:t>AlertModal</a:t>
+            </a:r>
+            <a:endParaRPr lang="it-IT" sz="1400" dirty="0"/>
+          </a:p>
+          <a:p>
+            <a:pPr marL="1085850" lvl="2" indent="-171450"/>
+            <a:r>
+              <a:rPr lang="it-IT" sz="1200" dirty="0"/>
+              <a:t>registerEvents():</a:t>
+            </a:r>
+          </a:p>
+          <a:p>
+            <a:pPr marL="742950" lvl="1" indent="-285750"/>
+            <a:r>
+              <a:rPr lang="it-IT" sz="1400" dirty="0" err="1"/>
+              <a:t>CloseModalWindow</a:t>
+            </a:r>
+            <a:endParaRPr lang="it-IT" sz="1400" dirty="0"/>
+          </a:p>
+          <a:p>
+            <a:pPr marL="1085850" lvl="2" indent="-171450"/>
+            <a:r>
+              <a:rPr lang="it-IT" sz="1200" dirty="0"/>
+              <a:t>registerEvents():</a:t>
+            </a:r>
+          </a:p>
+          <a:p>
+            <a:pPr marL="1085850" lvl="2" indent="-171450"/>
+            <a:endParaRPr lang="it-IT" sz="1200" dirty="0"/>
+          </a:p>
+        </p:txBody>
+      </p:sp>
+      <p:sp>
+        <p:nvSpPr>
+          <p:cNvPr id="7" name="CasellaDiTesto 6">
+            <a:extLst>
+              <a:ext uri="{FF2B5EF4-FFF2-40B4-BE49-F238E27FC236}">
+                <a16:creationId xmlns:a16="http://schemas.microsoft.com/office/drawing/2014/main" id="{24AA37DD-1D36-4553-B88A-AEB95E5454A9}"/>
+              </a:ext>
+            </a:extLst>
+          </p:cNvPr>
+          <p:cNvSpPr txBox="1"/>
+          <p:nvPr/>
+        </p:nvSpPr>
+        <p:spPr>
+          <a:xfrm>
+            <a:off x="6981372" y="925308"/>
+            <a:ext cx="4086678" cy="3447098"/>
+          </a:xfrm>
+          <a:prstGeom prst="rect">
+            <a:avLst/>
+          </a:prstGeom>
+          <a:noFill/>
+        </p:spPr>
+        <p:txBody>
+          <a:bodyPr wrap="square">
+            <a:spAutoFit/>
+          </a:bodyPr>
+          <a:lstStyle/>
+          <a:p>
+            <a:pPr marL="742950" lvl="1" indent="-285750"/>
+            <a:r>
+              <a:rPr lang="it-IT" sz="1400" dirty="0" err="1"/>
+              <a:t>CommentForm</a:t>
+            </a:r>
+            <a:endParaRPr lang="it-IT" sz="1400" dirty="0"/>
+          </a:p>
+          <a:p>
+            <a:pPr marL="1085850" lvl="2" indent="-171450"/>
+            <a:r>
+              <a:rPr lang="it-IT" sz="1200" dirty="0"/>
+              <a:t>registerEvents():</a:t>
+            </a:r>
+          </a:p>
+          <a:p>
+            <a:pPr marL="742950" lvl="1" indent="-285750"/>
+            <a:r>
+              <a:rPr lang="it-IT" sz="1400" dirty="0" err="1"/>
+              <a:t>LoginButton</a:t>
+            </a:r>
+            <a:endParaRPr lang="it-IT" sz="1400" dirty="0"/>
+          </a:p>
+          <a:p>
+            <a:pPr marL="1085850" lvl="2" indent="-171450"/>
+            <a:r>
+              <a:rPr lang="it-IT" sz="1200" dirty="0"/>
+              <a:t>registerEvents():</a:t>
+            </a:r>
+          </a:p>
+          <a:p>
+            <a:pPr marL="742950" lvl="1" indent="-285750"/>
+            <a:r>
+              <a:rPr lang="it-IT" sz="1400" dirty="0" err="1"/>
+              <a:t>LogoutButton</a:t>
+            </a:r>
+            <a:endParaRPr lang="it-IT" sz="1400" dirty="0"/>
+          </a:p>
+          <a:p>
+            <a:pPr marL="1085850" lvl="2" indent="-171450"/>
+            <a:r>
+              <a:rPr lang="it-IT" sz="1200" dirty="0"/>
+              <a:t>registerEvents():</a:t>
+            </a:r>
+          </a:p>
+          <a:p>
+            <a:pPr marL="742950" lvl="1" indent="-285750"/>
+            <a:r>
+              <a:rPr lang="it-IT" sz="1400" dirty="0" err="1"/>
+              <a:t>NextButton</a:t>
+            </a:r>
+            <a:endParaRPr lang="it-IT" sz="1400" dirty="0"/>
+          </a:p>
+          <a:p>
+            <a:pPr marL="1085850" lvl="2" indent="-171450"/>
+            <a:r>
+              <a:rPr lang="it-IT" sz="1200" dirty="0"/>
+              <a:t>registerEvents():</a:t>
+            </a:r>
+          </a:p>
+          <a:p>
+            <a:pPr marL="1085850" lvl="2" indent="-171450"/>
+            <a:endParaRPr lang="it-IT" sz="1200" dirty="0"/>
+          </a:p>
+          <a:p>
+            <a:pPr marL="742950" lvl="1" indent="-285750"/>
+            <a:r>
+              <a:rPr lang="it-IT" sz="1400" dirty="0" err="1"/>
+              <a:t>PreviousButton</a:t>
+            </a:r>
+            <a:endParaRPr lang="it-IT" sz="1400" dirty="0"/>
+          </a:p>
+          <a:p>
+            <a:pPr marL="1085850" lvl="2" indent="-171450"/>
+            <a:r>
+              <a:rPr lang="it-IT" sz="1200" dirty="0"/>
+              <a:t>registerEvents():</a:t>
+            </a:r>
+          </a:p>
+          <a:p>
+            <a:pPr marL="1085850" lvl="2" indent="-171450"/>
+            <a:endParaRPr lang="it-IT" sz="1200" dirty="0"/>
+          </a:p>
+          <a:p>
+            <a:pPr marL="742950" lvl="1" indent="-285750"/>
+            <a:r>
+              <a:rPr lang="it-IT" sz="1400" dirty="0" err="1"/>
+              <a:t>RedirectToIndex</a:t>
+            </a:r>
+            <a:endParaRPr lang="it-IT" sz="1400" dirty="0"/>
+          </a:p>
+          <a:p>
+            <a:pPr marL="1085850" lvl="2" indent="-171450"/>
+            <a:r>
+              <a:rPr lang="it-IT" sz="1200" dirty="0"/>
+              <a:t>registerEvents():</a:t>
+            </a:r>
+          </a:p>
+          <a:p>
+            <a:pPr marL="1085850" lvl="2" indent="-171450"/>
+            <a:endParaRPr lang="it-IT" sz="1200" dirty="0"/>
+          </a:p>
+          <a:p>
+            <a:pPr marL="742950" lvl="1" indent="-285750"/>
+            <a:r>
+              <a:rPr lang="it-IT" sz="1400" dirty="0" err="1"/>
+              <a:t>SaveOrderButton</a:t>
+            </a:r>
+            <a:endParaRPr lang="it-IT" sz="1400" dirty="0"/>
+          </a:p>
+          <a:p>
+            <a:pPr marL="1085850" lvl="2" indent="-171450"/>
+            <a:r>
+              <a:rPr lang="it-IT" sz="1200" dirty="0"/>
+              <a:t>registerEvents():</a:t>
+            </a:r>
+          </a:p>
+        </p:txBody>
+      </p:sp>
+    </p:spTree>
+    <p:extLst>
+      <p:ext uri="{BB962C8B-B14F-4D97-AF65-F5344CB8AC3E}">
+        <p14:creationId xmlns:p14="http://schemas.microsoft.com/office/powerpoint/2010/main" val="3525781645"/>
+      </p:ext>
+    </p:extLst>
+  </p:cSld>
+  <p:clrMapOvr>
+    <a:masterClrMapping/>
+  </p:clrMapOvr>
+</p:sld>
+</file>
+
+<file path=ppt/slides/slide7.xml><?xml version="1.0" encoding="utf-8"?>
 <p:sld xmlns:a="http://schemas.openxmlformats.org/drawingml/2006/main" xmlns:r="http://schemas.openxmlformats.org/officeDocument/2006/relationships" xmlns:p="http://schemas.openxmlformats.org/presentationml/2006/main">
   <p:cSld>
     <p:spTree>
@@ -9857,31 +11920,7 @@
                         <a:rPr lang="it-IT" sz="1200" baseline="0" noProof="0" dirty="0">
                           <a:sym typeface="Wingdings" panose="05000000000000000000" pitchFamily="2" charset="2"/>
                         </a:rPr>
-                        <a:t> </a:t>
-                      </a:r>
-                      <a:r>
-                        <a:rPr lang="it-IT" sz="1200" baseline="0" noProof="0" dirty="0" err="1">
-                          <a:sym typeface="Wingdings" panose="05000000000000000000" pitchFamily="2" charset="2"/>
-                        </a:rPr>
-                        <a:t>registration</a:t>
-                      </a:r>
-                      <a:r>
-                        <a:rPr lang="it-IT" sz="1200" baseline="0" noProof="0" dirty="0">
-                          <a:sym typeface="Wingdings" panose="05000000000000000000" pitchFamily="2" charset="2"/>
-                        </a:rPr>
-                        <a:t> </a:t>
-                      </a:r>
-                      <a:r>
-                        <a:rPr lang="it-IT" sz="1200" baseline="0" noProof="0" dirty="0" err="1">
-                          <a:sym typeface="Wingdings" panose="05000000000000000000" pitchFamily="2" charset="2"/>
-                        </a:rPr>
-                        <a:t>form</a:t>
-                      </a:r>
-                      <a:r>
-                        <a:rPr lang="it-IT" sz="1200" baseline="0" noProof="0" dirty="0">
-                          <a:sym typeface="Wingdings" panose="05000000000000000000" pitchFamily="2" charset="2"/>
-                        </a:rPr>
-                        <a:t>  submit</a:t>
+                        <a:t> registration form  submit</a:t>
                       </a:r>
                       <a:endParaRPr lang="it-IT" sz="1200" noProof="0" dirty="0"/>
                     </a:p>
@@ -10254,13 +12293,7 @@
                         <a:rPr lang="it-IT" sz="1200" noProof="0" dirty="0">
                           <a:sym typeface="Wingdings" panose="05000000000000000000" pitchFamily="2" charset="2"/>
                         </a:rPr>
-                        <a:t> </a:t>
-                      </a:r>
-                      <a:r>
-                        <a:rPr lang="it-IT" sz="1200" noProof="0" dirty="0" err="1">
-                          <a:sym typeface="Wingdings" panose="05000000000000000000" pitchFamily="2" charset="2"/>
-                        </a:rPr>
-                        <a:t>load</a:t>
+                        <a:t> load</a:t>
                       </a:r>
                       <a:endParaRPr lang="it-IT" sz="1200" noProof="0" dirty="0"/>
                     </a:p>
@@ -10296,12 +12329,8 @@
                         <a:t>Aggiorna </a:t>
                       </a:r>
                       <a:r>
-                        <a:rPr lang="it-IT" sz="1200" baseline="0" noProof="0" dirty="0" err="1"/>
-                        <a:t>view</a:t>
-                      </a:r>
-                      <a:r>
                         <a:rPr lang="it-IT" sz="1200" baseline="0" noProof="0" dirty="0"/>
-                        <a:t> con dati elenco album</a:t>
+                        <a:t>view con dati elenco album</a:t>
                       </a:r>
                       <a:endParaRPr lang="it-IT" sz="1200" noProof="0" dirty="0"/>
                     </a:p>
@@ -10414,12 +12443,8 @@
                         <a:t>Aggiorna </a:t>
                       </a:r>
                       <a:r>
-                        <a:rPr lang="it-IT" sz="1200" baseline="0" noProof="0" dirty="0" err="1"/>
-                        <a:t>view</a:t>
-                      </a:r>
-                      <a:r>
                         <a:rPr lang="it-IT" sz="1200" baseline="0" noProof="0" dirty="0"/>
-                        <a:t> con la lista di tutte le immagini di quell’album divise in blocchi da 5.</a:t>
+                        <a:t>view con la lista di tutte le immagini di quell’album divise in blocchi da 5.</a:t>
                       </a:r>
                       <a:endParaRPr lang="it-IT" sz="1200" noProof="0" dirty="0"/>
                     </a:p>
@@ -10433,15 +12458,7 @@
                     <a:p>
                       <a:r>
                         <a:rPr lang="it-IT" sz="1200" noProof="0" dirty="0"/>
-                        <a:t>GET (</a:t>
-                      </a:r>
-                      <a:r>
-                        <a:rPr lang="it-IT" sz="1200" noProof="0" dirty="0" err="1"/>
-                        <a:t>albumId</a:t>
-                      </a:r>
-                      <a:r>
-                        <a:rPr lang="it-IT" sz="1200" noProof="0" dirty="0"/>
-                        <a:t>) </a:t>
+                        <a:t>GET (albumId) </a:t>
                       </a:r>
                     </a:p>
                     <a:p>
@@ -10486,19 +12503,7 @@
                         <a:rPr lang="it-IT" sz="1200" noProof="0" dirty="0">
                           <a:sym typeface="Wingdings" panose="05000000000000000000" pitchFamily="2" charset="2"/>
                         </a:rPr>
-                        <a:t> elenco album </a:t>
-                      </a:r>
-                      <a:r>
-                        <a:rPr lang="it-IT" sz="1200" noProof="0" dirty="0" err="1">
-                          <a:sym typeface="Wingdings" panose="05000000000000000000" pitchFamily="2" charset="2"/>
-                        </a:rPr>
-                        <a:t>drag&amp;drop</a:t>
-                      </a:r>
-                      <a:r>
-                        <a:rPr lang="it-IT" sz="1200" noProof="0" dirty="0">
-                          <a:sym typeface="Wingdings" panose="05000000000000000000" pitchFamily="2" charset="2"/>
-                        </a:rPr>
-                        <a:t> album</a:t>
+                        <a:t> elenco album drag&amp;drop album</a:t>
                       </a:r>
                       <a:endParaRPr lang="it-IT" sz="1200" noProof="0" dirty="0"/>
                     </a:p>
@@ -10512,15 +12517,7 @@
                     <a:p>
                       <a:r>
                         <a:rPr lang="it-IT" sz="1200" noProof="0" dirty="0"/>
-                        <a:t>Aggiorna </a:t>
-                      </a:r>
-                      <a:r>
-                        <a:rPr lang="it-IT" sz="1200" noProof="0" dirty="0" err="1"/>
-                        <a:t>view</a:t>
-                      </a:r>
-                      <a:r>
-                        <a:rPr lang="it-IT" sz="1200" noProof="0" dirty="0"/>
-                        <a:t> con un cambio ordinamento album</a:t>
+                        <a:t>Aggiorna view con un cambio ordinamento album</a:t>
                       </a:r>
                     </a:p>
                   </a:txBody>
@@ -10602,15 +12599,7 @@
                     <a:p>
                       <a:r>
                         <a:rPr lang="it-IT" sz="1200" noProof="0" dirty="0"/>
-                        <a:t>POST(</a:t>
-                      </a:r>
-                      <a:r>
-                        <a:rPr lang="it-IT" sz="1200" noProof="0" dirty="0" err="1"/>
-                        <a:t>userId</a:t>
-                      </a:r>
-                      <a:r>
-                        <a:rPr lang="it-IT" sz="1200" noProof="0" dirty="0"/>
-                        <a:t>, lista ordinamento album)</a:t>
+                        <a:t>POST(userId, lista ordinamento album)</a:t>
                       </a:r>
                     </a:p>
                   </a:txBody>
@@ -10652,28 +12641,8 @@
                         <a:t>immagini album  click </a:t>
                       </a:r>
                       <a:r>
-                        <a:rPr lang="it-IT" sz="1200" noProof="0" dirty="0" err="1"/>
-                        <a:t>next</a:t>
-                      </a:r>
-                      <a:r>
                         <a:rPr lang="it-IT" sz="1200" noProof="0" dirty="0"/>
-                        <a:t>, </a:t>
-                      </a:r>
-                      <a:r>
-                        <a:rPr lang="it-IT" sz="1200" noProof="0" dirty="0" err="1"/>
-                        <a:t>previous</a:t>
-                      </a:r>
-                      <a:r>
-                        <a:rPr lang="it-IT" sz="1200" noProof="0" dirty="0"/>
-                        <a:t> </a:t>
-                      </a:r>
-                      <a:r>
-                        <a:rPr lang="it-IT" sz="1200" noProof="0" dirty="0" err="1"/>
-                        <a:t>button</a:t>
-                      </a:r>
-                      <a:r>
-                        <a:rPr lang="it-IT" sz="1200" noProof="0" dirty="0"/>
-                        <a:t>.</a:t>
+                        <a:t>next, previous button.</a:t>
                       </a:r>
                     </a:p>
                   </a:txBody>
@@ -10746,23 +12715,7 @@
                     <a:p>
                       <a:r>
                         <a:rPr lang="it-IT" sz="1200" noProof="0" dirty="0"/>
-                        <a:t>Aggiorna </a:t>
-                      </a:r>
-                      <a:r>
-                        <a:rPr lang="it-IT" sz="1200" noProof="0" dirty="0" err="1"/>
-                        <a:t>view</a:t>
-                      </a:r>
-                      <a:r>
-                        <a:rPr lang="it-IT" sz="1200" noProof="0" dirty="0"/>
-                        <a:t> con comparsa finestra modale composta di picture, commenti e </a:t>
-                      </a:r>
-                      <a:r>
-                        <a:rPr lang="it-IT" sz="1200" noProof="0" dirty="0" err="1"/>
-                        <a:t>form</a:t>
-                      </a:r>
-                      <a:r>
-                        <a:rPr lang="it-IT" sz="1200" noProof="0" dirty="0"/>
-                        <a:t> commento se l’utente è loggato.</a:t>
+                        <a:t>Aggiorna view con comparsa finestra modale composta di picture, commenti e form commento se l’utente è loggato.</a:t>
                       </a:r>
                     </a:p>
                   </a:txBody>
@@ -10775,15 +12728,7 @@
                     <a:p>
                       <a:r>
                         <a:rPr lang="it-IT" sz="1200" noProof="0" dirty="0"/>
-                        <a:t>GET(</a:t>
-                      </a:r>
-                      <a:r>
-                        <a:rPr lang="it-IT" sz="1200" noProof="0" dirty="0" err="1"/>
-                        <a:t>imageId</a:t>
-                      </a:r>
-                      <a:r>
-                        <a:rPr lang="it-IT" sz="1200" noProof="0" dirty="0"/>
-                        <a:t>)</a:t>
+                        <a:t>GET(imageId)</a:t>
                       </a:r>
                     </a:p>
                   </a:txBody>
@@ -10816,11 +12761,7 @@
                     <a:p>
                       <a:r>
                         <a:rPr lang="it-IT" sz="1200" noProof="0" dirty="0"/>
-                        <a:t>Form </a:t>
-                      </a:r>
-                      <a:r>
-                        <a:rPr lang="it-IT" sz="1200" noProof="0" dirty="0" err="1"/>
-                        <a:t>comment</a:t>
+                        <a:t>Form comment</a:t>
                       </a:r>
                       <a:r>
                         <a:rPr lang="it-IT" sz="1200" baseline="0" noProof="0" dirty="0"/>
@@ -10910,15 +12851,7 @@
                     <a:p>
                       <a:r>
                         <a:rPr lang="it-IT" sz="1200" noProof="0" dirty="0"/>
-                        <a:t>Aggiorna </a:t>
-                      </a:r>
-                      <a:r>
-                        <a:rPr lang="it-IT" sz="1200" noProof="0" dirty="0" err="1"/>
-                        <a:t>view</a:t>
-                      </a:r>
-                      <a:r>
-                        <a:rPr lang="it-IT" sz="1200" noProof="0" dirty="0"/>
-                        <a:t> con scomparsa della finestra modale.</a:t>
+                        <a:t>Aggiorna view con scomparsa della finestra modale.</a:t>
                       </a:r>
                     </a:p>
                   </a:txBody>
@@ -10973,7 +12906,7 @@
 </p:sld>
 </file>
 
-<file path=ppt/slides/slide6.xml><?xml version="1.0" encoding="utf-8"?>
+<file path=ppt/slides/slide8.xml><?xml version="1.0" encoding="utf-8"?>
 <p:sld xmlns:a="http://schemas.openxmlformats.org/drawingml/2006/main" xmlns:r="http://schemas.openxmlformats.org/officeDocument/2006/relationships" xmlns:p="http://schemas.openxmlformats.org/presentationml/2006/main">
   <p:cSld>
     <p:spTree>
@@ -11241,18 +13174,9 @@
                         <a:defRPr/>
                       </a:pPr>
                       <a:r>
-                        <a:rPr lang="it-IT" sz="1200" noProof="0" dirty="0" err="1"/>
-                        <a:t>Function</a:t>
+                        <a:rPr lang="it-IT" sz="1200" noProof="0" dirty="0"/>
+                        <a:t>Function makeCall</a:t>
                       </a:r>
-                      <a:r>
-                        <a:rPr lang="it-IT" sz="1200" noProof="0" dirty="0"/>
-                        <a:t> </a:t>
-                      </a:r>
-                      <a:r>
-                        <a:rPr lang="it-IT" sz="1200" noProof="0" dirty="0" err="1"/>
-                        <a:t>makeCall</a:t>
-                      </a:r>
-                      <a:endParaRPr lang="it-IT" sz="1200" noProof="0" dirty="0"/>
                     </a:p>
                   </a:txBody>
                   <a:tcPr marL="99060" marR="99060" marT="60960" marB="60960"/>
@@ -11295,20 +13219,8 @@
                     <a:lstStyle/>
                     <a:p>
                       <a:r>
-                        <a:rPr lang="it-IT" sz="1200" noProof="0" dirty="0" err="1"/>
-                        <a:t>CheckLogin</a:t>
-                      </a:r>
-                      <a:r>
                         <a:rPr lang="it-IT" sz="1200" noProof="0" dirty="0"/>
-                        <a:t> (</a:t>
-                      </a:r>
-                      <a:r>
-                        <a:rPr lang="it-IT" sz="1200" noProof="0" dirty="0" err="1"/>
-                        <a:t>servlet</a:t>
-                      </a:r>
-                      <a:r>
-                        <a:rPr lang="it-IT" sz="1200" noProof="0" dirty="0"/>
-                        <a:t>)</a:t>
+                        <a:t>CheckLogin (servlet)</a:t>
                       </a:r>
                     </a:p>
                   </a:txBody>
@@ -11357,31 +13269,7 @@
                         <a:rPr lang="it-IT" sz="1200" baseline="0" noProof="0" dirty="0">
                           <a:sym typeface="Wingdings" panose="05000000000000000000" pitchFamily="2" charset="2"/>
                         </a:rPr>
-                        <a:t> </a:t>
-                      </a:r>
-                      <a:r>
-                        <a:rPr lang="it-IT" sz="1200" baseline="0" noProof="0" dirty="0" err="1">
-                          <a:sym typeface="Wingdings" panose="05000000000000000000" pitchFamily="2" charset="2"/>
-                        </a:rPr>
-                        <a:t>registration</a:t>
-                      </a:r>
-                      <a:r>
-                        <a:rPr lang="it-IT" sz="1200" baseline="0" noProof="0" dirty="0">
-                          <a:sym typeface="Wingdings" panose="05000000000000000000" pitchFamily="2" charset="2"/>
-                        </a:rPr>
-                        <a:t> </a:t>
-                      </a:r>
-                      <a:r>
-                        <a:rPr lang="it-IT" sz="1200" baseline="0" noProof="0" dirty="0" err="1">
-                          <a:sym typeface="Wingdings" panose="05000000000000000000" pitchFamily="2" charset="2"/>
-                        </a:rPr>
-                        <a:t>form</a:t>
-                      </a:r>
-                      <a:r>
-                        <a:rPr lang="it-IT" sz="1200" baseline="0" noProof="0" dirty="0">
-                          <a:sym typeface="Wingdings" panose="05000000000000000000" pitchFamily="2" charset="2"/>
-                        </a:rPr>
-                        <a:t>  submit</a:t>
+                        <a:t> registration form  submit</a:t>
                       </a:r>
                       <a:endParaRPr lang="it-IT" sz="1200" noProof="0" dirty="0"/>
                     </a:p>
@@ -11435,18 +13323,9 @@
                         <a:defRPr/>
                       </a:pPr>
                       <a:r>
-                        <a:rPr lang="it-IT" sz="1200" noProof="0" dirty="0" err="1"/>
-                        <a:t>Function</a:t>
+                        <a:rPr lang="it-IT" sz="1200" noProof="0" dirty="0"/>
+                        <a:t>Function makeCall</a:t>
                       </a:r>
-                      <a:r>
-                        <a:rPr lang="it-IT" sz="1200" noProof="0" dirty="0"/>
-                        <a:t> </a:t>
-                      </a:r>
-                      <a:r>
-                        <a:rPr lang="it-IT" sz="1200" noProof="0" dirty="0" err="1"/>
-                        <a:t>makeCall</a:t>
-                      </a:r>
-                      <a:endParaRPr lang="it-IT" sz="1200" noProof="0" dirty="0"/>
                     </a:p>
                   </a:txBody>
                   <a:tcPr marL="99060" marR="99060" marT="60960" marB="60960"/>
@@ -11511,20 +13390,8 @@
                     <a:lstStyle/>
                     <a:p>
                       <a:r>
-                        <a:rPr lang="it-IT" sz="1200" noProof="0" dirty="0" err="1"/>
-                        <a:t>CheckRegistration</a:t>
-                      </a:r>
-                      <a:r>
                         <a:rPr lang="it-IT" sz="1200" noProof="0" dirty="0"/>
-                        <a:t> (</a:t>
-                      </a:r>
-                      <a:r>
-                        <a:rPr lang="it-IT" sz="1200" noProof="0" dirty="0" err="1"/>
-                        <a:t>servlet</a:t>
-                      </a:r>
-                      <a:r>
-                        <a:rPr lang="it-IT" sz="1200" noProof="0" dirty="0"/>
-                        <a:t>)</a:t>
+                        <a:t>CheckRegistration (servlet)</a:t>
                       </a:r>
                     </a:p>
                     <a:p>
@@ -11604,18 +13471,9 @@
                         <a:defRPr/>
                       </a:pPr>
                       <a:r>
-                        <a:rPr lang="it-IT" sz="1200" noProof="0" dirty="0" err="1"/>
-                        <a:t>Function</a:t>
+                        <a:rPr lang="it-IT" sz="1200" noProof="0" dirty="0"/>
+                        <a:t>Function makeCall</a:t>
                       </a:r>
-                      <a:r>
-                        <a:rPr lang="it-IT" sz="1200" noProof="0" dirty="0"/>
-                        <a:t> </a:t>
-                      </a:r>
-                      <a:r>
-                        <a:rPr lang="it-IT" sz="1200" noProof="0" dirty="0" err="1"/>
-                        <a:t>makeCall</a:t>
-                      </a:r>
-                      <a:endParaRPr lang="it-IT" sz="1200" noProof="0" dirty="0"/>
                     </a:p>
                     <a:p>
                       <a:pPr marL="0" marR="0" indent="0" algn="l" defTabSz="914400" rtl="0" eaLnBrk="1" fontAlgn="auto" latinLnBrk="0" hangingPunct="1">
@@ -11782,13 +13640,7 @@
                         <a:rPr lang="it-IT" sz="1200" noProof="0" dirty="0">
                           <a:sym typeface="Wingdings" panose="05000000000000000000" pitchFamily="2" charset="2"/>
                         </a:rPr>
-                        <a:t> </a:t>
-                      </a:r>
-                      <a:r>
-                        <a:rPr lang="it-IT" sz="1200" noProof="0" dirty="0" err="1">
-                          <a:sym typeface="Wingdings" panose="05000000000000000000" pitchFamily="2" charset="2"/>
-                        </a:rPr>
-                        <a:t>load</a:t>
+                        <a:t> load</a:t>
                       </a:r>
                       <a:endParaRPr lang="it-IT" sz="1200" noProof="0" dirty="0"/>
                     </a:p>
@@ -11820,18 +13672,9 @@
                         <a:defRPr/>
                       </a:pPr>
                       <a:r>
-                        <a:rPr lang="it-IT" sz="1200" noProof="0" dirty="0" err="1"/>
-                        <a:t>Function</a:t>
+                        <a:rPr lang="it-IT" sz="1200" noProof="0" dirty="0"/>
+                        <a:t>Function PageOrchestrator</a:t>
                       </a:r>
-                      <a:r>
-                        <a:rPr lang="it-IT" sz="1200" noProof="0" dirty="0"/>
-                        <a:t> </a:t>
-                      </a:r>
-                      <a:r>
-                        <a:rPr lang="it-IT" sz="1200" noProof="0" dirty="0" err="1"/>
-                        <a:t>PageOrchestrator</a:t>
-                      </a:r>
-                      <a:endParaRPr lang="it-IT" sz="1200" noProof="0" dirty="0"/>
                     </a:p>
                   </a:txBody>
                   <a:tcPr marL="99060" marR="99060" marT="60960" marB="60960"/>
@@ -11879,7 +13722,7 @@
                     <a:lstStyle/>
                     <a:p>
                       <a:r>
-                        <a:rPr lang="it-IT" sz="1200" noProof="0" dirty="0" err="1"/>
+                        <a:rPr lang="it-IT" sz="1200" noProof="0" dirty="0"/>
                         <a:t>GetAlbumListData</a:t>
                       </a:r>
                       <a:r>
@@ -11888,15 +13731,7 @@
                       </a:r>
                       <a:r>
                         <a:rPr lang="it-IT" sz="1200" noProof="0" dirty="0"/>
-                        <a:t>(</a:t>
-                      </a:r>
-                      <a:r>
-                        <a:rPr lang="it-IT" sz="1200" noProof="0" dirty="0" err="1"/>
-                        <a:t>servlet</a:t>
-                      </a:r>
-                      <a:r>
-                        <a:rPr lang="it-IT" sz="1200" noProof="0" dirty="0"/>
-                        <a:t>)</a:t>
+                        <a:t>(servlet)</a:t>
                       </a:r>
                     </a:p>
                   </a:txBody>
@@ -11954,16 +13789,12 @@
                     <a:lstStyle/>
                     <a:p>
                       <a:r>
-                        <a:rPr lang="it-IT" sz="1200" noProof="0" dirty="0" err="1"/>
+                        <a:rPr lang="it-IT" sz="1200" noProof="0" dirty="0"/>
                         <a:t>Function</a:t>
                       </a:r>
                       <a:r>
                         <a:rPr lang="it-IT" sz="1200" baseline="0" noProof="0" dirty="0"/>
-                        <a:t> </a:t>
-                      </a:r>
-                      <a:r>
-                        <a:rPr lang="it-IT" sz="1200" baseline="0" noProof="0" dirty="0" err="1"/>
-                        <a:t>AlbumDetails.update</a:t>
+                        <a:t> AlbumDetails.update</a:t>
                       </a:r>
                       <a:endParaRPr lang="it-IT" sz="1200" noProof="0" dirty="0"/>
                     </a:p>
@@ -11977,15 +13808,7 @@
                     <a:p>
                       <a:r>
                         <a:rPr lang="it-IT" sz="1200" noProof="0" dirty="0"/>
-                        <a:t>GET (</a:t>
-                      </a:r>
-                      <a:r>
-                        <a:rPr lang="it-IT" sz="1200" noProof="0" dirty="0" err="1"/>
-                        <a:t>albumId</a:t>
-                      </a:r>
-                      <a:r>
-                        <a:rPr lang="it-IT" sz="1200" noProof="0" dirty="0"/>
-                        <a:t>) </a:t>
+                        <a:t>GET (albumId) </a:t>
                       </a:r>
                     </a:p>
                     <a:p>
@@ -12003,7 +13826,7 @@
                     <a:lstStyle/>
                     <a:p>
                       <a:r>
-                        <a:rPr lang="it-IT" sz="1200" noProof="0" dirty="0" err="1"/>
+                        <a:rPr lang="it-IT" sz="1200" noProof="0" dirty="0"/>
                         <a:t>GetImagesOfAlbum</a:t>
                       </a:r>
                       <a:r>
@@ -12012,15 +13835,7 @@
                       </a:r>
                       <a:r>
                         <a:rPr lang="it-IT" sz="1200" noProof="0" dirty="0"/>
-                        <a:t>(</a:t>
-                      </a:r>
-                      <a:r>
-                        <a:rPr lang="it-IT" sz="1200" noProof="0" dirty="0" err="1"/>
-                        <a:t>servlet</a:t>
-                      </a:r>
-                      <a:r>
-                        <a:rPr lang="it-IT" sz="1200" noProof="0" dirty="0"/>
-                        <a:t>)</a:t>
+                        <a:t>(servlet)</a:t>
                       </a:r>
                     </a:p>
                   </a:txBody>
@@ -12046,19 +13861,7 @@
                         <a:rPr lang="it-IT" sz="1200" noProof="0" dirty="0">
                           <a:sym typeface="Wingdings" panose="05000000000000000000" pitchFamily="2" charset="2"/>
                         </a:rPr>
-                        <a:t> elenco album </a:t>
-                      </a:r>
-                      <a:r>
-                        <a:rPr lang="it-IT" sz="1200" noProof="0" dirty="0" err="1">
-                          <a:sym typeface="Wingdings" panose="05000000000000000000" pitchFamily="2" charset="2"/>
-                        </a:rPr>
-                        <a:t>drag&amp;drop</a:t>
-                      </a:r>
-                      <a:r>
-                        <a:rPr lang="it-IT" sz="1200" noProof="0" dirty="0">
-                          <a:sym typeface="Wingdings" panose="05000000000000000000" pitchFamily="2" charset="2"/>
-                        </a:rPr>
-                        <a:t> album</a:t>
+                        <a:t> elenco album drag&amp;drop album</a:t>
                       </a:r>
                       <a:endParaRPr lang="it-IT" sz="1200" noProof="0" dirty="0"/>
                     </a:p>
@@ -12071,18 +13874,9 @@
                     <a:lstStyle/>
                     <a:p>
                       <a:r>
-                        <a:rPr lang="it-IT" sz="1200" noProof="0" dirty="0" err="1"/>
-                        <a:t>Function</a:t>
+                        <a:rPr lang="it-IT" sz="1200" noProof="0" dirty="0"/>
+                        <a:t>Function Drag&amp;Drop</a:t>
                       </a:r>
-                      <a:r>
-                        <a:rPr lang="it-IT" sz="1200" noProof="0" dirty="0"/>
-                        <a:t> </a:t>
-                      </a:r>
-                      <a:r>
-                        <a:rPr lang="it-IT" sz="1200" noProof="0" dirty="0" err="1"/>
-                        <a:t>Drag&amp;Drop</a:t>
-                      </a:r>
-                      <a:endParaRPr lang="it-IT" sz="1200" noProof="0" dirty="0"/>
                     </a:p>
                   </a:txBody>
                   <a:tcPr marL="99060" marR="99060" marT="60960" marB="60960"/>
@@ -12163,15 +13957,7 @@
                     <a:p>
                       <a:r>
                         <a:rPr lang="it-IT" sz="1200" noProof="0" dirty="0"/>
-                        <a:t>POST(</a:t>
-                      </a:r>
-                      <a:r>
-                        <a:rPr lang="it-IT" sz="1200" noProof="0" dirty="0" err="1"/>
-                        <a:t>userId</a:t>
-                      </a:r>
-                      <a:r>
-                        <a:rPr lang="it-IT" sz="1200" noProof="0" dirty="0"/>
-                        <a:t>, lista ordinamento album)</a:t>
+                        <a:t>POST(userId, lista ordinamento album)</a:t>
                       </a:r>
                     </a:p>
                   </a:txBody>
@@ -12183,20 +13969,8 @@
                     <a:lstStyle/>
                     <a:p>
                       <a:r>
-                        <a:rPr lang="it-IT" sz="1200" noProof="0" dirty="0" err="1"/>
-                        <a:t>SaveAlbumOrder</a:t>
-                      </a:r>
-                      <a:r>
                         <a:rPr lang="it-IT" sz="1200" noProof="0" dirty="0"/>
-                        <a:t>(</a:t>
-                      </a:r>
-                      <a:r>
-                        <a:rPr lang="it-IT" sz="1200" noProof="0" dirty="0" err="1"/>
-                        <a:t>servlet</a:t>
-                      </a:r>
-                      <a:r>
-                        <a:rPr lang="it-IT" sz="1200" noProof="0" dirty="0"/>
-                        <a:t>)</a:t>
+                        <a:t>SaveAlbumOrder(servlet)</a:t>
                       </a:r>
                     </a:p>
                   </a:txBody>
@@ -12225,28 +13999,8 @@
                         <a:t>immagini album  click </a:t>
                       </a:r>
                       <a:r>
-                        <a:rPr lang="it-IT" sz="1200" noProof="0" dirty="0" err="1"/>
-                        <a:t>next</a:t>
-                      </a:r>
-                      <a:r>
                         <a:rPr lang="it-IT" sz="1200" noProof="0" dirty="0"/>
-                        <a:t>, </a:t>
-                      </a:r>
-                      <a:r>
-                        <a:rPr lang="it-IT" sz="1200" noProof="0" dirty="0" err="1"/>
-                        <a:t>previous</a:t>
-                      </a:r>
-                      <a:r>
-                        <a:rPr lang="it-IT" sz="1200" noProof="0" dirty="0"/>
-                        <a:t> </a:t>
-                      </a:r>
-                      <a:r>
-                        <a:rPr lang="it-IT" sz="1200" noProof="0" dirty="0" err="1"/>
-                        <a:t>button</a:t>
-                      </a:r>
-                      <a:r>
-                        <a:rPr lang="it-IT" sz="1200" noProof="0" dirty="0"/>
-                        <a:t>.</a:t>
+                        <a:t>next, previous button.</a:t>
                       </a:r>
                     </a:p>
                   </a:txBody>
@@ -12258,16 +14012,12 @@
                     <a:lstStyle/>
                     <a:p>
                       <a:r>
-                        <a:rPr lang="it-IT" sz="1200" noProof="0" dirty="0" err="1"/>
+                        <a:rPr lang="it-IT" sz="1200" noProof="0" dirty="0"/>
                         <a:t>Function</a:t>
                       </a:r>
                       <a:r>
                         <a:rPr lang="it-IT" sz="1200" baseline="0" noProof="0" dirty="0"/>
-                        <a:t> </a:t>
-                      </a:r>
-                      <a:r>
-                        <a:rPr lang="it-IT" sz="1200" baseline="0" noProof="0" dirty="0" err="1"/>
-                        <a:t>changeBlockOfImages</a:t>
+                        <a:t> changeBlockOfImages</a:t>
                       </a:r>
                       <a:endParaRPr lang="it-IT" sz="1200" noProof="0" dirty="0"/>
                     </a:p>
@@ -12333,18 +14083,9 @@
                     <a:lstStyle/>
                     <a:p>
                       <a:r>
-                        <a:rPr lang="it-IT" sz="1200" noProof="0" dirty="0" err="1"/>
-                        <a:t>Function</a:t>
+                        <a:rPr lang="it-IT" sz="1200" noProof="0" dirty="0"/>
+                        <a:t>Function finestraModale.update</a:t>
                       </a:r>
-                      <a:r>
-                        <a:rPr lang="it-IT" sz="1200" noProof="0" dirty="0"/>
-                        <a:t> </a:t>
-                      </a:r>
-                      <a:r>
-                        <a:rPr lang="it-IT" sz="1200" noProof="0" dirty="0" err="1"/>
-                        <a:t>finestraModale.update</a:t>
-                      </a:r>
-                      <a:endParaRPr lang="it-IT" sz="1200" noProof="0" dirty="0"/>
                     </a:p>
                   </a:txBody>
                   <a:tcPr marL="99060" marR="99060" marT="60960" marB="60960"/>
@@ -12356,15 +14097,7 @@
                     <a:p>
                       <a:r>
                         <a:rPr lang="it-IT" sz="1200" noProof="0" dirty="0"/>
-                        <a:t>GET(</a:t>
-                      </a:r>
-                      <a:r>
-                        <a:rPr lang="it-IT" sz="1200" noProof="0" dirty="0" err="1"/>
-                        <a:t>imageId</a:t>
-                      </a:r>
-                      <a:r>
-                        <a:rPr lang="it-IT" sz="1200" noProof="0" dirty="0"/>
-                        <a:t>)</a:t>
+                        <a:t>GET(imageId)</a:t>
                       </a:r>
                     </a:p>
                   </a:txBody>
@@ -12376,20 +14109,8 @@
                     <a:lstStyle/>
                     <a:p>
                       <a:r>
-                        <a:rPr lang="it-IT" sz="1200" noProof="0" dirty="0" err="1"/>
-                        <a:t>GetImageInfo</a:t>
-                      </a:r>
-                      <a:r>
                         <a:rPr lang="it-IT" sz="1200" noProof="0" dirty="0"/>
-                        <a:t>(</a:t>
-                      </a:r>
-                      <a:r>
-                        <a:rPr lang="it-IT" sz="1200" noProof="0" dirty="0" err="1"/>
-                        <a:t>servlet</a:t>
-                      </a:r>
-                      <a:r>
-                        <a:rPr lang="it-IT" sz="1200" noProof="0" dirty="0"/>
-                        <a:t>)</a:t>
+                        <a:t>GetImageInfo(servlet)</a:t>
                       </a:r>
                     </a:p>
                   </a:txBody>
@@ -12409,11 +14130,7 @@
                     <a:p>
                       <a:r>
                         <a:rPr lang="it-IT" sz="1200" noProof="0" dirty="0"/>
-                        <a:t>Form </a:t>
-                      </a:r>
-                      <a:r>
-                        <a:rPr lang="it-IT" sz="1200" noProof="0" dirty="0" err="1"/>
-                        <a:t>comment</a:t>
+                        <a:t>Form comment</a:t>
                       </a:r>
                       <a:r>
                         <a:rPr lang="it-IT" sz="1200" baseline="0" noProof="0" dirty="0"/>
@@ -12436,18 +14153,9 @@
                     <a:lstStyle/>
                     <a:p>
                       <a:r>
-                        <a:rPr lang="it-IT" sz="1200" noProof="0" dirty="0" err="1"/>
-                        <a:t>Function</a:t>
+                        <a:rPr lang="it-IT" sz="1200" noProof="0" dirty="0"/>
+                        <a:t>Function makeCall</a:t>
                       </a:r>
-                      <a:r>
-                        <a:rPr lang="it-IT" sz="1200" noProof="0" dirty="0"/>
-                        <a:t> </a:t>
-                      </a:r>
-                      <a:r>
-                        <a:rPr lang="it-IT" sz="1200" noProof="0" dirty="0" err="1"/>
-                        <a:t>makeCall</a:t>
-                      </a:r>
-                      <a:endParaRPr lang="it-IT" sz="1200" noProof="0" dirty="0"/>
                     </a:p>
                   </a:txBody>
                   <a:tcPr marL="99060" marR="99060" marT="60960" marB="60960"/>
@@ -12471,20 +14179,8 @@
                     <a:lstStyle/>
                     <a:p>
                       <a:r>
-                        <a:rPr lang="it-IT" sz="1200" noProof="0" dirty="0" err="1"/>
-                        <a:t>CreateComment</a:t>
-                      </a:r>
-                      <a:r>
                         <a:rPr lang="it-IT" sz="1200" noProof="0" dirty="0"/>
-                        <a:t>(</a:t>
-                      </a:r>
-                      <a:r>
-                        <a:rPr lang="it-IT" sz="1200" noProof="0" dirty="0" err="1"/>
-                        <a:t>servlet</a:t>
-                      </a:r>
-                      <a:r>
-                        <a:rPr lang="it-IT" sz="1200" noProof="0" dirty="0"/>
-                        <a:t>)</a:t>
+                        <a:t>CreateComment(servlet)</a:t>
                       </a:r>
                     </a:p>
                   </a:txBody>
@@ -12523,18 +14219,9 @@
                     <a:lstStyle/>
                     <a:p>
                       <a:r>
-                        <a:rPr lang="it-IT" sz="1200" noProof="0" dirty="0" err="1"/>
-                        <a:t>Function</a:t>
+                        <a:rPr lang="it-IT" sz="1200" noProof="0" dirty="0"/>
+                        <a:t>Function finestraModale.update</a:t>
                       </a:r>
-                      <a:r>
-                        <a:rPr lang="it-IT" sz="1200" noProof="0" dirty="0"/>
-                        <a:t> </a:t>
-                      </a:r>
-                      <a:r>
-                        <a:rPr lang="it-IT" sz="1200" noProof="0" dirty="0" err="1"/>
-                        <a:t>finestraModale.update</a:t>
-                      </a:r>
-                      <a:endParaRPr lang="it-IT" sz="1200" noProof="0" dirty="0"/>
                     </a:p>
                   </a:txBody>
                   <a:tcPr marL="99060" marR="99060" marT="60960" marB="60960"/>

--- a/Presentazioni Powerpoint/Progetto1_versione_RIA.pptx
+++ b/Presentazioni Powerpoint/Progetto1_versione_RIA.pptx
@@ -5,7 +5,7 @@
     <p:sldMasterId id="2147483648" r:id="rId1"/>
   </p:sldMasterIdLst>
   <p:notesMasterIdLst>
-    <p:notesMasterId r:id="rId10"/>
+    <p:notesMasterId r:id="rId11"/>
   </p:notesMasterIdLst>
   <p:sldIdLst>
     <p:sldId id="283" r:id="rId2"/>
@@ -14,8 +14,9 @@
     <p:sldId id="265" r:id="rId5"/>
     <p:sldId id="282" r:id="rId6"/>
     <p:sldId id="285" r:id="rId7"/>
-    <p:sldId id="257" r:id="rId8"/>
-    <p:sldId id="256" r:id="rId9"/>
+    <p:sldId id="286" r:id="rId8"/>
+    <p:sldId id="257" r:id="rId9"/>
+    <p:sldId id="256" r:id="rId10"/>
   </p:sldIdLst>
   <p:sldSz cx="12192000" cy="6858000"/>
   <p:notesSz cx="6858000" cy="9144000"/>
@@ -204,7 +205,7 @@
           <a:p>
             <a:fld id="{C25F5A86-D4B2-4CFB-9FC8-FAE097577B12}" type="datetimeFigureOut">
               <a:rPr lang="it-IT" smtClean="0"/>
-              <a:t>04/09/2020</a:t>
+              <a:t>05/09/2020</a:t>
             </a:fld>
             <a:endParaRPr lang="it-IT" dirty="0"/>
           </a:p>
@@ -806,7 +807,7 @@
           <a:p>
             <a:fld id="{FE1EE28F-F736-456D-A3C7-4F5EC37410C2}" type="datetimeFigureOut">
               <a:rPr lang="it-IT" smtClean="0"/>
-              <a:t>04/09/2020</a:t>
+              <a:t>05/09/2020</a:t>
             </a:fld>
             <a:endParaRPr lang="it-IT" dirty="0"/>
           </a:p>
@@ -1004,7 +1005,7 @@
           <a:p>
             <a:fld id="{FE1EE28F-F736-456D-A3C7-4F5EC37410C2}" type="datetimeFigureOut">
               <a:rPr lang="it-IT" smtClean="0"/>
-              <a:t>04/09/2020</a:t>
+              <a:t>05/09/2020</a:t>
             </a:fld>
             <a:endParaRPr lang="it-IT" dirty="0"/>
           </a:p>
@@ -1212,7 +1213,7 @@
           <a:p>
             <a:fld id="{FE1EE28F-F736-456D-A3C7-4F5EC37410C2}" type="datetimeFigureOut">
               <a:rPr lang="it-IT" smtClean="0"/>
-              <a:t>04/09/2020</a:t>
+              <a:t>05/09/2020</a:t>
             </a:fld>
             <a:endParaRPr lang="it-IT" dirty="0"/>
           </a:p>
@@ -1410,7 +1411,7 @@
           <a:p>
             <a:fld id="{FE1EE28F-F736-456D-A3C7-4F5EC37410C2}" type="datetimeFigureOut">
               <a:rPr lang="it-IT" smtClean="0"/>
-              <a:t>04/09/2020</a:t>
+              <a:t>05/09/2020</a:t>
             </a:fld>
             <a:endParaRPr lang="it-IT" dirty="0"/>
           </a:p>
@@ -1685,7 +1686,7 @@
           <a:p>
             <a:fld id="{FE1EE28F-F736-456D-A3C7-4F5EC37410C2}" type="datetimeFigureOut">
               <a:rPr lang="it-IT" smtClean="0"/>
-              <a:t>04/09/2020</a:t>
+              <a:t>05/09/2020</a:t>
             </a:fld>
             <a:endParaRPr lang="it-IT" dirty="0"/>
           </a:p>
@@ -1950,7 +1951,7 @@
           <a:p>
             <a:fld id="{FE1EE28F-F736-456D-A3C7-4F5EC37410C2}" type="datetimeFigureOut">
               <a:rPr lang="it-IT" smtClean="0"/>
-              <a:t>04/09/2020</a:t>
+              <a:t>05/09/2020</a:t>
             </a:fld>
             <a:endParaRPr lang="it-IT" dirty="0"/>
           </a:p>
@@ -2362,7 +2363,7 @@
           <a:p>
             <a:fld id="{FE1EE28F-F736-456D-A3C7-4F5EC37410C2}" type="datetimeFigureOut">
               <a:rPr lang="it-IT" smtClean="0"/>
-              <a:t>04/09/2020</a:t>
+              <a:t>05/09/2020</a:t>
             </a:fld>
             <a:endParaRPr lang="it-IT" dirty="0"/>
           </a:p>
@@ -2503,7 +2504,7 @@
           <a:p>
             <a:fld id="{FE1EE28F-F736-456D-A3C7-4F5EC37410C2}" type="datetimeFigureOut">
               <a:rPr lang="it-IT" smtClean="0"/>
-              <a:t>04/09/2020</a:t>
+              <a:t>05/09/2020</a:t>
             </a:fld>
             <a:endParaRPr lang="it-IT" dirty="0"/>
           </a:p>
@@ -2616,7 +2617,7 @@
           <a:p>
             <a:fld id="{FE1EE28F-F736-456D-A3C7-4F5EC37410C2}" type="datetimeFigureOut">
               <a:rPr lang="it-IT" smtClean="0"/>
-              <a:t>04/09/2020</a:t>
+              <a:t>05/09/2020</a:t>
             </a:fld>
             <a:endParaRPr lang="it-IT" dirty="0"/>
           </a:p>
@@ -2927,7 +2928,7 @@
           <a:p>
             <a:fld id="{FE1EE28F-F736-456D-A3C7-4F5EC37410C2}" type="datetimeFigureOut">
               <a:rPr lang="it-IT" smtClean="0"/>
-              <a:t>04/09/2020</a:t>
+              <a:t>05/09/2020</a:t>
             </a:fld>
             <a:endParaRPr lang="it-IT" dirty="0"/>
           </a:p>
@@ -3215,7 +3216,7 @@
           <a:p>
             <a:fld id="{FE1EE28F-F736-456D-A3C7-4F5EC37410C2}" type="datetimeFigureOut">
               <a:rPr lang="it-IT" smtClean="0"/>
-              <a:t>04/09/2020</a:t>
+              <a:t>05/09/2020</a:t>
             </a:fld>
             <a:endParaRPr lang="it-IT" dirty="0"/>
           </a:p>
@@ -3456,7 +3457,7 @@
           <a:p>
             <a:fld id="{FE1EE28F-F736-456D-A3C7-4F5EC37410C2}" type="datetimeFigureOut">
               <a:rPr lang="it-IT" smtClean="0"/>
-              <a:t>04/09/2020</a:t>
+              <a:t>05/09/2020</a:t>
             </a:fld>
             <a:endParaRPr lang="it-IT" dirty="0"/>
           </a:p>
@@ -10923,7 +10924,7 @@
         </p:nvSpPr>
         <p:spPr>
           <a:xfrm>
-            <a:off x="228600" y="274575"/>
+            <a:off x="960120" y="-99894"/>
             <a:ext cx="6496050" cy="6308849"/>
           </a:xfrm>
           <a:prstGeom prst="rect">
@@ -11324,67 +11325,88 @@
           <a:p>
             <a:pPr marL="742950" lvl="1" indent="-285750"/>
             <a:r>
-              <a:rPr lang="it-IT" sz="1400" dirty="0" err="1"/>
+              <a:rPr lang="it-IT" sz="1400" b="1" dirty="0" err="1"/>
               <a:t>ImageDetails</a:t>
             </a:r>
-            <a:endParaRPr lang="it-IT" sz="1400" dirty="0"/>
+            <a:endParaRPr lang="it-IT" sz="1400" b="1" dirty="0"/>
           </a:p>
           <a:p>
             <a:pPr marL="1085850" lvl="2" indent="-171450"/>
             <a:r>
+              <a:rPr lang="it-IT" sz="1200" b="1" dirty="0"/>
+              <a:t>Show</a:t>
+            </a:r>
+            <a:r>
               <a:rPr lang="it-IT" sz="1200" dirty="0"/>
-              <a:t>registerEvents(): associa al componente le funzioni per gestirne gli eventi</a:t>
+              <a:t>(): richiede al server i  dettagli dell’immagine (picture e commenti) e invoca l’update();</a:t>
             </a:r>
           </a:p>
           <a:p>
             <a:pPr marL="1085850" lvl="2" indent="-171450"/>
             <a:r>
+              <a:rPr lang="it-IT" sz="1200" b="1" dirty="0"/>
+              <a:t>update</a:t>
+            </a:r>
+            <a:r>
               <a:rPr lang="it-IT" sz="1200" dirty="0"/>
-              <a:t>show(): richiede al server i  dettagli dell’immagine (picture e commenti)</a:t>
+              <a:t>(</a:t>
+            </a:r>
+            <a:r>
+              <a:rPr lang="it-IT" sz="1200" dirty="0" err="1"/>
+              <a:t>imageAndComments</a:t>
+            </a:r>
+            <a:r>
+              <a:rPr lang="it-IT" sz="1200" dirty="0"/>
+              <a:t>): riceve dati server e aggiorna i dettagli dell’immagine</a:t>
             </a:r>
           </a:p>
           <a:p>
             <a:pPr marL="1085850" lvl="2" indent="-171450"/>
             <a:r>
+              <a:rPr lang="it-IT" sz="1200" b="1" dirty="0" err="1"/>
+              <a:t>showComments</a:t>
+            </a:r>
+            <a:r>
               <a:rPr lang="it-IT" sz="1200" dirty="0"/>
-              <a:t>update(): riceve dati server e aggiorna  dettagli</a:t>
+              <a:t>(): mostra tutta la lista dei commenti di un’immagine</a:t>
             </a:r>
           </a:p>
           <a:p>
             <a:pPr marL="1085850" lvl="2" indent="-171450"/>
             <a:r>
+              <a:rPr lang="it-IT" sz="1200" b="1" dirty="0" err="1"/>
+              <a:t>addNewComment</a:t>
+            </a:r>
+            <a:r>
               <a:rPr lang="it-IT" sz="1200" dirty="0"/>
-              <a:t>reset(): imposta le condizioni di iniziali visibilità dei vari sotto-componenti </a:t>
-            </a:r>
-          </a:p>
-          <a:p>
-            <a:pPr marL="742950" lvl="1" indent="-285750"/>
-            <a:r>
-              <a:rPr lang="it-IT" sz="1400" dirty="0" err="1"/>
-              <a:t>AlertModal</a:t>
-            </a:r>
-            <a:endParaRPr lang="it-IT" sz="1400" dirty="0"/>
+              <a:t>(</a:t>
+            </a:r>
+            <a:r>
+              <a:rPr lang="it-IT" sz="1200" dirty="0" err="1"/>
+              <a:t>comment</a:t>
+            </a:r>
+            <a:r>
+              <a:rPr lang="it-IT" sz="1200" dirty="0"/>
+              <a:t>): aggiunge un nuovo commento da </a:t>
+            </a:r>
+            <a:r>
+              <a:rPr lang="it-IT" sz="1200" dirty="0" err="1"/>
+              <a:t>visuallizzare</a:t>
+            </a:r>
+            <a:r>
+              <a:rPr lang="it-IT" sz="1200" dirty="0"/>
+              <a:t> </a:t>
+            </a:r>
           </a:p>
           <a:p>
             <a:pPr marL="1085850" lvl="2" indent="-171450"/>
             <a:r>
+              <a:rPr lang="it-IT" sz="1200" b="1" dirty="0"/>
+              <a:t>reset</a:t>
+            </a:r>
+            <a:r>
               <a:rPr lang="it-IT" sz="1200" dirty="0"/>
-              <a:t>registerEvents():</a:t>
-            </a:r>
-          </a:p>
-          <a:p>
-            <a:pPr marL="742950" lvl="1" indent="-285750"/>
-            <a:r>
-              <a:rPr lang="it-IT" sz="1400" dirty="0" err="1"/>
-              <a:t>CloseModalWindow</a:t>
-            </a:r>
-            <a:endParaRPr lang="it-IT" sz="1400" dirty="0"/>
-          </a:p>
-          <a:p>
-            <a:pPr marL="1085850" lvl="2" indent="-171450"/>
-            <a:r>
-              <a:rPr lang="it-IT" sz="1200" dirty="0"/>
-              <a:t>registerEvents():</a:t>
+              <a:t>(): imposta le condizioni di iniziali visibilità dei vari sotto-componenti </a:t>
             </a:r>
           </a:p>
           <a:p>
@@ -11407,8 +11429,8 @@
         </p:nvSpPr>
         <p:spPr>
           <a:xfrm>
-            <a:off x="6981372" y="925308"/>
-            <a:ext cx="4086678" cy="3447098"/>
+            <a:off x="6929121" y="290048"/>
+            <a:ext cx="5062582" cy="4978799"/>
           </a:xfrm>
           <a:prstGeom prst="rect">
             <a:avLst/>
@@ -11421,120 +11443,348 @@
           </a:bodyPr>
           <a:lstStyle/>
           <a:p>
-            <a:pPr marL="742950" lvl="1" indent="-285750"/>
-            <a:r>
-              <a:rPr lang="it-IT" sz="1400" dirty="0" err="1"/>
+            <a:pPr marL="742950" lvl="1" indent="-285750">
+              <a:lnSpc>
+                <a:spcPct val="90000"/>
+              </a:lnSpc>
+              <a:spcBef>
+                <a:spcPts val="500"/>
+              </a:spcBef>
+              <a:buFont typeface="Arial" panose="020B0604020202020204" pitchFamily="34" charset="0"/>
+              <a:buChar char="•"/>
+            </a:pPr>
+            <a:r>
+              <a:rPr lang="it-IT" sz="1200" b="1" dirty="0" err="1"/>
+              <a:t>AlertModal</a:t>
+            </a:r>
+            <a:endParaRPr lang="it-IT" sz="1200" b="1" dirty="0"/>
+          </a:p>
+          <a:p>
+            <a:pPr marL="1085850" lvl="2" indent="-171450">
+              <a:lnSpc>
+                <a:spcPct val="90000"/>
+              </a:lnSpc>
+              <a:spcBef>
+                <a:spcPts val="500"/>
+              </a:spcBef>
+              <a:buFont typeface="Arial" panose="020B0604020202020204" pitchFamily="34" charset="0"/>
+              <a:buChar char="•"/>
+            </a:pPr>
+            <a:r>
+              <a:rPr lang="it-IT" sz="1200" b="1" dirty="0" err="1"/>
+              <a:t>registerEvents</a:t>
+            </a:r>
+            <a:r>
+              <a:rPr lang="it-IT" sz="1200" dirty="0"/>
+              <a:t>(): associa all’evento «click» la funzione che chiude la finestra modale dell’</a:t>
+            </a:r>
+            <a:r>
+              <a:rPr lang="it-IT" sz="1200" dirty="0" err="1"/>
+              <a:t>alert</a:t>
+            </a:r>
+            <a:r>
+              <a:rPr lang="it-IT" sz="1200" dirty="0"/>
+              <a:t>.</a:t>
+            </a:r>
+          </a:p>
+          <a:p>
+            <a:pPr marL="1085850" lvl="2" indent="-171450">
+              <a:lnSpc>
+                <a:spcPct val="90000"/>
+              </a:lnSpc>
+              <a:spcBef>
+                <a:spcPts val="500"/>
+              </a:spcBef>
+              <a:buFont typeface="Arial" panose="020B0604020202020204" pitchFamily="34" charset="0"/>
+              <a:buChar char="•"/>
+            </a:pPr>
+            <a:r>
+              <a:rPr lang="it-IT" sz="1200" b="1" dirty="0"/>
+              <a:t>Show</a:t>
+            </a:r>
+            <a:r>
+              <a:rPr lang="it-IT" sz="1200" dirty="0"/>
+              <a:t>(</a:t>
+            </a:r>
+            <a:r>
+              <a:rPr lang="it-IT" sz="1200" dirty="0" err="1"/>
+              <a:t>message</a:t>
+            </a:r>
+            <a:r>
+              <a:rPr lang="it-IT" sz="1200" dirty="0"/>
+              <a:t>): resetta l’</a:t>
+            </a:r>
+            <a:r>
+              <a:rPr lang="it-IT" sz="1200" dirty="0" err="1"/>
+              <a:t>alert</a:t>
+            </a:r>
+            <a:r>
+              <a:rPr lang="it-IT" sz="1200" dirty="0"/>
+              <a:t>, inserisce un nuovo messaggio e poi lo mostra.</a:t>
+            </a:r>
+          </a:p>
+          <a:p>
+            <a:pPr marL="1085850" lvl="2" indent="-171450">
+              <a:lnSpc>
+                <a:spcPct val="90000"/>
+              </a:lnSpc>
+              <a:spcBef>
+                <a:spcPts val="500"/>
+              </a:spcBef>
+              <a:buFont typeface="Arial" panose="020B0604020202020204" pitchFamily="34" charset="0"/>
+              <a:buChar char="•"/>
+            </a:pPr>
+            <a:r>
+              <a:rPr lang="it-IT" sz="1200" b="1" dirty="0"/>
+              <a:t>Update</a:t>
+            </a:r>
+            <a:r>
+              <a:rPr lang="it-IT" sz="1200" dirty="0"/>
+              <a:t>(</a:t>
+            </a:r>
+            <a:r>
+              <a:rPr lang="it-IT" sz="1200" dirty="0" err="1"/>
+              <a:t>message</a:t>
+            </a:r>
+            <a:r>
+              <a:rPr lang="it-IT" sz="1200" dirty="0"/>
+              <a:t>): inserisco un nuovo messaggio nell’</a:t>
+            </a:r>
+            <a:r>
+              <a:rPr lang="it-IT" sz="1200" dirty="0" err="1"/>
+              <a:t>alert</a:t>
+            </a:r>
+            <a:r>
+              <a:rPr lang="it-IT" sz="1200" dirty="0"/>
+              <a:t>.</a:t>
+            </a:r>
+          </a:p>
+          <a:p>
+            <a:pPr marL="1085850" lvl="2" indent="-171450">
+              <a:lnSpc>
+                <a:spcPct val="90000"/>
+              </a:lnSpc>
+              <a:spcBef>
+                <a:spcPts val="500"/>
+              </a:spcBef>
+              <a:buFont typeface="Arial" panose="020B0604020202020204" pitchFamily="34" charset="0"/>
+              <a:buChar char="•"/>
+            </a:pPr>
+            <a:r>
+              <a:rPr lang="it-IT" sz="1200" b="1" dirty="0"/>
+              <a:t>Reset</a:t>
+            </a:r>
+            <a:r>
+              <a:rPr lang="it-IT" sz="1200" dirty="0"/>
+              <a:t>(): svuota il contenuto html dell’</a:t>
+            </a:r>
+            <a:r>
+              <a:rPr lang="it-IT" sz="1200" dirty="0" err="1"/>
+              <a:t>alert</a:t>
+            </a:r>
+            <a:r>
+              <a:rPr lang="it-IT" sz="1200" dirty="0"/>
+              <a:t>; quindi reimposta le condizioni iniziali.</a:t>
+            </a:r>
+          </a:p>
+          <a:p>
+            <a:pPr marL="742950" lvl="1" indent="-285750">
+              <a:lnSpc>
+                <a:spcPct val="90000"/>
+              </a:lnSpc>
+              <a:spcBef>
+                <a:spcPts val="500"/>
+              </a:spcBef>
+              <a:buFont typeface="Arial" panose="020B0604020202020204" pitchFamily="34" charset="0"/>
+              <a:buChar char="•"/>
+            </a:pPr>
+            <a:r>
+              <a:rPr lang="it-IT" sz="1200" b="1" dirty="0" err="1"/>
+              <a:t>CloseModalWindow</a:t>
+            </a:r>
+            <a:endParaRPr lang="it-IT" sz="1200" b="1" dirty="0"/>
+          </a:p>
+          <a:p>
+            <a:pPr marL="1085850" lvl="2" indent="-171450">
+              <a:lnSpc>
+                <a:spcPct val="90000"/>
+              </a:lnSpc>
+              <a:spcBef>
+                <a:spcPts val="500"/>
+              </a:spcBef>
+              <a:buFont typeface="Arial" panose="020B0604020202020204" pitchFamily="34" charset="0"/>
+              <a:buChar char="•"/>
+            </a:pPr>
+            <a:r>
+              <a:rPr lang="it-IT" sz="1200" b="1" dirty="0" err="1"/>
+              <a:t>registerEvents</a:t>
+            </a:r>
+            <a:r>
+              <a:rPr lang="it-IT" sz="1200" dirty="0"/>
+              <a:t>(): associa all’evento «click» la funzione che chiude la finestra modale dell’immagine.</a:t>
+            </a:r>
+          </a:p>
+          <a:p>
+            <a:pPr marL="742950" lvl="1" indent="-285750">
+              <a:lnSpc>
+                <a:spcPct val="90000"/>
+              </a:lnSpc>
+              <a:spcBef>
+                <a:spcPts val="500"/>
+              </a:spcBef>
+              <a:buFont typeface="Arial" panose="020B0604020202020204" pitchFamily="34" charset="0"/>
+              <a:buChar char="•"/>
+            </a:pPr>
+            <a:r>
+              <a:rPr lang="it-IT" sz="1200" b="1" dirty="0" err="1"/>
               <a:t>CommentForm</a:t>
             </a:r>
-            <a:endParaRPr lang="it-IT" sz="1400" dirty="0"/>
-          </a:p>
-          <a:p>
-            <a:pPr marL="1085850" lvl="2" indent="-171450"/>
+            <a:endParaRPr lang="it-IT" sz="1200" b="1" dirty="0"/>
+          </a:p>
+          <a:p>
+            <a:pPr marL="1085850" lvl="2" indent="-171450">
+              <a:lnSpc>
+                <a:spcPct val="90000"/>
+              </a:lnSpc>
+              <a:spcBef>
+                <a:spcPts val="500"/>
+              </a:spcBef>
+              <a:buFont typeface="Arial" panose="020B0604020202020204" pitchFamily="34" charset="0"/>
+              <a:buChar char="•"/>
+            </a:pPr>
+            <a:r>
+              <a:rPr lang="it-IT" sz="1200" b="1" dirty="0" err="1"/>
+              <a:t>registerEvents</a:t>
+            </a:r>
+            <a:r>
+              <a:rPr lang="it-IT" sz="1200" dirty="0"/>
+              <a:t>(): associa all’evento «click» la funzione che richiede al server di creare un nuovo commento nel database con i dovuti controlli.</a:t>
+            </a:r>
+          </a:p>
+          <a:p>
+            <a:pPr marL="1085850" lvl="2" indent="-171450">
+              <a:lnSpc>
+                <a:spcPct val="90000"/>
+              </a:lnSpc>
+              <a:spcBef>
+                <a:spcPts val="500"/>
+              </a:spcBef>
+              <a:buFont typeface="Arial" panose="020B0604020202020204" pitchFamily="34" charset="0"/>
+              <a:buChar char="•"/>
+            </a:pPr>
+            <a:r>
+              <a:rPr lang="it-IT" sz="1200" b="1" dirty="0"/>
+              <a:t>Reset</a:t>
+            </a:r>
+            <a:r>
+              <a:rPr lang="it-IT" sz="1200" dirty="0"/>
+              <a:t>(): svuota il contenuto html della </a:t>
+            </a:r>
+            <a:r>
+              <a:rPr lang="it-IT" sz="1200" dirty="0" err="1"/>
+              <a:t>form</a:t>
+            </a:r>
+            <a:r>
+              <a:rPr lang="it-IT" sz="1200" dirty="0"/>
+              <a:t> e imposta le condizioni iniziali di visibilità dei vari sotto-componenti. </a:t>
+            </a:r>
+          </a:p>
+          <a:p>
+            <a:pPr marL="1085850" lvl="2" indent="-171450">
+              <a:lnSpc>
+                <a:spcPct val="90000"/>
+              </a:lnSpc>
+              <a:spcBef>
+                <a:spcPts val="500"/>
+              </a:spcBef>
+              <a:buFont typeface="Arial" panose="020B0604020202020204" pitchFamily="34" charset="0"/>
+              <a:buChar char="•"/>
+            </a:pPr>
+            <a:r>
+              <a:rPr lang="it-IT" sz="1200" b="1" dirty="0"/>
+              <a:t>Show</a:t>
+            </a:r>
+            <a:r>
+              <a:rPr lang="it-IT" sz="1200" dirty="0"/>
+              <a:t>(): se l’utente è loggato mostra la </a:t>
+            </a:r>
+            <a:r>
+              <a:rPr lang="it-IT" sz="1200" dirty="0" err="1"/>
+              <a:t>form</a:t>
+            </a:r>
+            <a:r>
+              <a:rPr lang="it-IT" sz="1200" dirty="0"/>
+              <a:t> per inserire un nuovo commento in caso contrario il bottone per loggarsi prima di commentare.</a:t>
+            </a:r>
+          </a:p>
+          <a:p>
+            <a:pPr marL="742950" lvl="1" indent="-285750">
+              <a:lnSpc>
+                <a:spcPct val="90000"/>
+              </a:lnSpc>
+              <a:spcBef>
+                <a:spcPts val="500"/>
+              </a:spcBef>
+              <a:buFont typeface="Arial" panose="020B0604020202020204" pitchFamily="34" charset="0"/>
+              <a:buChar char="•"/>
+            </a:pPr>
+            <a:r>
+              <a:rPr lang="it-IT" sz="1200" b="1" dirty="0" err="1"/>
+              <a:t>LoginButton</a:t>
+            </a:r>
+            <a:endParaRPr lang="it-IT" sz="1200" b="1" dirty="0"/>
+          </a:p>
+          <a:p>
+            <a:pPr marL="1085850" lvl="2" indent="-171450">
+              <a:lnSpc>
+                <a:spcPct val="90000"/>
+              </a:lnSpc>
+              <a:spcBef>
+                <a:spcPts val="500"/>
+              </a:spcBef>
+              <a:buFont typeface="Arial" panose="020B0604020202020204" pitchFamily="34" charset="0"/>
+              <a:buChar char="•"/>
+            </a:pPr>
             <a:r>
               <a:rPr lang="it-IT" sz="1200" dirty="0"/>
               <a:t>registerEvents():</a:t>
             </a:r>
           </a:p>
           <a:p>
-            <a:pPr marL="742950" lvl="1" indent="-285750"/>
-            <a:r>
-              <a:rPr lang="it-IT" sz="1400" dirty="0" err="1"/>
-              <a:t>LoginButton</a:t>
-            </a:r>
-            <a:endParaRPr lang="it-IT" sz="1400" dirty="0"/>
-          </a:p>
-          <a:p>
-            <a:pPr marL="1085850" lvl="2" indent="-171450"/>
+            <a:pPr marL="742950" lvl="1" indent="-285750">
+              <a:lnSpc>
+                <a:spcPct val="90000"/>
+              </a:lnSpc>
+              <a:spcBef>
+                <a:spcPts val="500"/>
+              </a:spcBef>
+              <a:buFont typeface="Arial" panose="020B0604020202020204" pitchFamily="34" charset="0"/>
+              <a:buChar char="•"/>
+            </a:pPr>
+            <a:r>
+              <a:rPr lang="it-IT" sz="1200" b="1" dirty="0" err="1"/>
+              <a:t>LogoutButton</a:t>
+            </a:r>
+            <a:endParaRPr lang="it-IT" sz="1200" b="1" dirty="0"/>
+          </a:p>
+          <a:p>
+            <a:pPr marL="1085850" lvl="2" indent="-171450">
+              <a:lnSpc>
+                <a:spcPct val="90000"/>
+              </a:lnSpc>
+              <a:spcBef>
+                <a:spcPts val="500"/>
+              </a:spcBef>
+              <a:buFont typeface="Arial" panose="020B0604020202020204" pitchFamily="34" charset="0"/>
+              <a:buChar char="•"/>
+            </a:pPr>
+            <a:r>
+              <a:rPr lang="it-IT" sz="1200" dirty="0" err="1"/>
+              <a:t>registerEvents</a:t>
+            </a:r>
             <a:r>
               <a:rPr lang="it-IT" sz="1200" dirty="0"/>
-              <a:t>registerEvents():</a:t>
-            </a:r>
-          </a:p>
-          <a:p>
-            <a:pPr marL="742950" lvl="1" indent="-285750"/>
-            <a:r>
-              <a:rPr lang="it-IT" sz="1400" dirty="0" err="1"/>
-              <a:t>LogoutButton</a:t>
-            </a:r>
-            <a:endParaRPr lang="it-IT" sz="1400" dirty="0"/>
-          </a:p>
-          <a:p>
-            <a:pPr marL="1085850" lvl="2" indent="-171450"/>
-            <a:r>
-              <a:rPr lang="it-IT" sz="1200" dirty="0"/>
-              <a:t>registerEvents():</a:t>
-            </a:r>
-          </a:p>
-          <a:p>
-            <a:pPr marL="742950" lvl="1" indent="-285750"/>
-            <a:r>
-              <a:rPr lang="it-IT" sz="1400" dirty="0" err="1"/>
-              <a:t>NextButton</a:t>
-            </a:r>
-            <a:endParaRPr lang="it-IT" sz="1400" dirty="0"/>
-          </a:p>
-          <a:p>
-            <a:pPr marL="1085850" lvl="2" indent="-171450"/>
-            <a:r>
-              <a:rPr lang="it-IT" sz="1200" dirty="0"/>
-              <a:t>registerEvents():</a:t>
-            </a:r>
-          </a:p>
-          <a:p>
-            <a:pPr marL="1085850" lvl="2" indent="-171450"/>
-            <a:endParaRPr lang="it-IT" sz="1200" dirty="0"/>
-          </a:p>
-          <a:p>
-            <a:pPr marL="742950" lvl="1" indent="-285750"/>
-            <a:r>
-              <a:rPr lang="it-IT" sz="1400" dirty="0" err="1"/>
-              <a:t>PreviousButton</a:t>
-            </a:r>
-            <a:endParaRPr lang="it-IT" sz="1400" dirty="0"/>
-          </a:p>
-          <a:p>
-            <a:pPr marL="1085850" lvl="2" indent="-171450"/>
-            <a:r>
-              <a:rPr lang="it-IT" sz="1200" dirty="0"/>
-              <a:t>registerEvents():</a:t>
-            </a:r>
-          </a:p>
-          <a:p>
-            <a:pPr marL="1085850" lvl="2" indent="-171450"/>
-            <a:endParaRPr lang="it-IT" sz="1200" dirty="0"/>
-          </a:p>
-          <a:p>
-            <a:pPr marL="742950" lvl="1" indent="-285750"/>
-            <a:r>
-              <a:rPr lang="it-IT" sz="1400" dirty="0" err="1"/>
-              <a:t>RedirectToIndex</a:t>
-            </a:r>
-            <a:endParaRPr lang="it-IT" sz="1400" dirty="0"/>
-          </a:p>
-          <a:p>
-            <a:pPr marL="1085850" lvl="2" indent="-171450"/>
-            <a:r>
-              <a:rPr lang="it-IT" sz="1200" dirty="0"/>
-              <a:t>registerEvents():</a:t>
-            </a:r>
-          </a:p>
-          <a:p>
-            <a:pPr marL="1085850" lvl="2" indent="-171450"/>
-            <a:endParaRPr lang="it-IT" sz="1200" dirty="0"/>
-          </a:p>
-          <a:p>
-            <a:pPr marL="742950" lvl="1" indent="-285750"/>
-            <a:r>
-              <a:rPr lang="it-IT" sz="1400" dirty="0" err="1"/>
-              <a:t>SaveOrderButton</a:t>
-            </a:r>
-            <a:endParaRPr lang="it-IT" sz="1400" dirty="0"/>
-          </a:p>
-          <a:p>
-            <a:pPr marL="1085850" lvl="2" indent="-171450"/>
-            <a:r>
-              <a:rPr lang="it-IT" sz="1200" dirty="0"/>
-              <a:t>registerEvents():</a:t>
+              <a:t>():</a:t>
             </a:r>
           </a:p>
         </p:txBody>
@@ -11553,6 +11803,320 @@
 </file>
 
 <file path=ppt/slides/slide7.xml><?xml version="1.0" encoding="utf-8"?>
+<p:sld xmlns:a="http://schemas.openxmlformats.org/drawingml/2006/main" xmlns:r="http://schemas.openxmlformats.org/officeDocument/2006/relationships" xmlns:p="http://schemas.openxmlformats.org/presentationml/2006/main">
+  <p:cSld>
+    <p:spTree>
+      <p:nvGrpSpPr>
+        <p:cNvPr id="1" name=""/>
+        <p:cNvGrpSpPr/>
+        <p:nvPr/>
+      </p:nvGrpSpPr>
+      <p:grpSpPr>
+        <a:xfrm>
+          <a:off x="0" y="0"/>
+          <a:ext cx="0" cy="0"/>
+          <a:chOff x="0" y="0"/>
+          <a:chExt cx="0" cy="0"/>
+        </a:xfrm>
+      </p:grpSpPr>
+      <p:sp>
+        <p:nvSpPr>
+          <p:cNvPr id="6" name="CasellaDiTesto 5">
+            <a:extLst>
+              <a:ext uri="{FF2B5EF4-FFF2-40B4-BE49-F238E27FC236}">
+                <a16:creationId xmlns:a16="http://schemas.microsoft.com/office/drawing/2014/main" id="{DCAD7AFC-16ED-4FBA-9117-28CE46A3366E}"/>
+              </a:ext>
+            </a:extLst>
+          </p:cNvPr>
+          <p:cNvSpPr txBox="1"/>
+          <p:nvPr/>
+        </p:nvSpPr>
+        <p:spPr>
+          <a:xfrm>
+            <a:off x="121920" y="323641"/>
+            <a:ext cx="6096000" cy="3585084"/>
+          </a:xfrm>
+          <a:prstGeom prst="rect">
+            <a:avLst/>
+          </a:prstGeom>
+          <a:noFill/>
+        </p:spPr>
+        <p:txBody>
+          <a:bodyPr wrap="square">
+            <a:spAutoFit/>
+          </a:bodyPr>
+          <a:lstStyle/>
+          <a:p>
+            <a:pPr marL="742950" lvl="1" indent="-285750">
+              <a:lnSpc>
+                <a:spcPct val="90000"/>
+              </a:lnSpc>
+              <a:spcBef>
+                <a:spcPts val="500"/>
+              </a:spcBef>
+              <a:buFont typeface="Arial" panose="020B0604020202020204" pitchFamily="34" charset="0"/>
+              <a:buChar char="•"/>
+            </a:pPr>
+            <a:r>
+              <a:rPr lang="it-IT" sz="1200" b="1" dirty="0" err="1"/>
+              <a:t>NextButton</a:t>
+            </a:r>
+            <a:endParaRPr lang="it-IT" sz="1200" b="1" dirty="0"/>
+          </a:p>
+          <a:p>
+            <a:pPr marL="1085850" lvl="2" indent="-171450">
+              <a:lnSpc>
+                <a:spcPct val="90000"/>
+              </a:lnSpc>
+              <a:spcBef>
+                <a:spcPts val="500"/>
+              </a:spcBef>
+              <a:buFont typeface="Arial" panose="020B0604020202020204" pitchFamily="34" charset="0"/>
+              <a:buChar char="•"/>
+            </a:pPr>
+            <a:r>
+              <a:rPr lang="it-IT" sz="1200" dirty="0" err="1"/>
+              <a:t>registerEvents</a:t>
+            </a:r>
+            <a:r>
+              <a:rPr lang="it-IT" sz="1200" dirty="0"/>
+              <a:t>():</a:t>
+            </a:r>
+          </a:p>
+          <a:p>
+            <a:pPr marL="1085850" lvl="2" indent="-171450">
+              <a:lnSpc>
+                <a:spcPct val="90000"/>
+              </a:lnSpc>
+              <a:spcBef>
+                <a:spcPts val="500"/>
+              </a:spcBef>
+              <a:buFont typeface="Arial" panose="020B0604020202020204" pitchFamily="34" charset="0"/>
+              <a:buChar char="•"/>
+            </a:pPr>
+            <a:endParaRPr lang="it-IT" sz="1200" dirty="0"/>
+          </a:p>
+          <a:p>
+            <a:pPr marL="742950" lvl="1" indent="-285750">
+              <a:lnSpc>
+                <a:spcPct val="90000"/>
+              </a:lnSpc>
+              <a:spcBef>
+                <a:spcPts val="500"/>
+              </a:spcBef>
+              <a:buFont typeface="Arial" panose="020B0604020202020204" pitchFamily="34" charset="0"/>
+              <a:buChar char="•"/>
+            </a:pPr>
+            <a:r>
+              <a:rPr lang="it-IT" sz="1200" b="1" dirty="0" err="1"/>
+              <a:t>PreviousButton</a:t>
+            </a:r>
+            <a:endParaRPr lang="it-IT" sz="1200" b="1" dirty="0"/>
+          </a:p>
+          <a:p>
+            <a:pPr marL="1085850" lvl="2" indent="-171450">
+              <a:lnSpc>
+                <a:spcPct val="90000"/>
+              </a:lnSpc>
+              <a:spcBef>
+                <a:spcPts val="500"/>
+              </a:spcBef>
+              <a:buFont typeface="Arial" panose="020B0604020202020204" pitchFamily="34" charset="0"/>
+              <a:buChar char="•"/>
+            </a:pPr>
+            <a:r>
+              <a:rPr lang="it-IT" sz="1200" dirty="0" err="1"/>
+              <a:t>registerEvents</a:t>
+            </a:r>
+            <a:r>
+              <a:rPr lang="it-IT" sz="1200" dirty="0"/>
+              <a:t>():</a:t>
+            </a:r>
+          </a:p>
+          <a:p>
+            <a:pPr marL="1085850" lvl="2" indent="-171450">
+              <a:lnSpc>
+                <a:spcPct val="90000"/>
+              </a:lnSpc>
+              <a:spcBef>
+                <a:spcPts val="500"/>
+              </a:spcBef>
+              <a:buFont typeface="Arial" panose="020B0604020202020204" pitchFamily="34" charset="0"/>
+              <a:buChar char="•"/>
+            </a:pPr>
+            <a:endParaRPr lang="it-IT" sz="1200" dirty="0"/>
+          </a:p>
+          <a:p>
+            <a:pPr marL="742950" lvl="1" indent="-285750">
+              <a:lnSpc>
+                <a:spcPct val="90000"/>
+              </a:lnSpc>
+              <a:spcBef>
+                <a:spcPts val="500"/>
+              </a:spcBef>
+              <a:buFont typeface="Arial" panose="020B0604020202020204" pitchFamily="34" charset="0"/>
+              <a:buChar char="•"/>
+            </a:pPr>
+            <a:r>
+              <a:rPr lang="it-IT" sz="1200" b="1" dirty="0" err="1"/>
+              <a:t>RedirectToIndex</a:t>
+            </a:r>
+            <a:endParaRPr lang="it-IT" sz="1200" b="1" dirty="0"/>
+          </a:p>
+          <a:p>
+            <a:pPr marL="1085850" lvl="2" indent="-171450">
+              <a:lnSpc>
+                <a:spcPct val="90000"/>
+              </a:lnSpc>
+              <a:spcBef>
+                <a:spcPts val="500"/>
+              </a:spcBef>
+              <a:buFont typeface="Arial" panose="020B0604020202020204" pitchFamily="34" charset="0"/>
+              <a:buChar char="•"/>
+            </a:pPr>
+            <a:r>
+              <a:rPr lang="it-IT" sz="1200" b="1" dirty="0" err="1"/>
+              <a:t>registerEvents</a:t>
+            </a:r>
+            <a:r>
+              <a:rPr lang="it-IT" sz="1200" dirty="0"/>
+              <a:t>(): associa all’evento «click» la funzione che ti reindirizza alla pagina: «index.html».</a:t>
+            </a:r>
+          </a:p>
+          <a:p>
+            <a:pPr marL="1085850" lvl="2" indent="-171450">
+              <a:lnSpc>
+                <a:spcPct val="90000"/>
+              </a:lnSpc>
+              <a:spcBef>
+                <a:spcPts val="500"/>
+              </a:spcBef>
+              <a:buFont typeface="Arial" panose="020B0604020202020204" pitchFamily="34" charset="0"/>
+              <a:buChar char="•"/>
+            </a:pPr>
+            <a:endParaRPr lang="it-IT" sz="1200" dirty="0"/>
+          </a:p>
+          <a:p>
+            <a:pPr marL="742950" lvl="1" indent="-285750">
+              <a:lnSpc>
+                <a:spcPct val="90000"/>
+              </a:lnSpc>
+              <a:spcBef>
+                <a:spcPts val="500"/>
+              </a:spcBef>
+              <a:buFont typeface="Arial" panose="020B0604020202020204" pitchFamily="34" charset="0"/>
+              <a:buChar char="•"/>
+            </a:pPr>
+            <a:r>
+              <a:rPr lang="it-IT" sz="1200" b="1" dirty="0" err="1"/>
+              <a:t>SaveOrderButton</a:t>
+            </a:r>
+            <a:endParaRPr lang="it-IT" sz="1200" b="1" dirty="0"/>
+          </a:p>
+          <a:p>
+            <a:pPr marL="1085850" lvl="2" indent="-171450">
+              <a:lnSpc>
+                <a:spcPct val="90000"/>
+              </a:lnSpc>
+              <a:spcBef>
+                <a:spcPts val="500"/>
+              </a:spcBef>
+              <a:buFont typeface="Arial" panose="020B0604020202020204" pitchFamily="34" charset="0"/>
+              <a:buChar char="•"/>
+            </a:pPr>
+            <a:r>
+              <a:rPr lang="it-IT" sz="1200" b="1" dirty="0" err="1"/>
+              <a:t>registerEvents</a:t>
+            </a:r>
+            <a:r>
+              <a:rPr lang="it-IT" sz="1200" dirty="0"/>
+              <a:t>(): associa all’evento «click» la funzione che invoca </a:t>
+            </a:r>
+            <a:r>
+              <a:rPr lang="it-IT" sz="1200" dirty="0" err="1"/>
+              <a:t>saveOrder</a:t>
+            </a:r>
+            <a:r>
+              <a:rPr lang="it-IT" sz="1200" dirty="0"/>
+              <a:t>().</a:t>
+            </a:r>
+          </a:p>
+          <a:p>
+            <a:pPr marL="1085850" lvl="2" indent="-171450">
+              <a:lnSpc>
+                <a:spcPct val="90000"/>
+              </a:lnSpc>
+              <a:spcBef>
+                <a:spcPts val="500"/>
+              </a:spcBef>
+              <a:buFont typeface="Arial" panose="020B0604020202020204" pitchFamily="34" charset="0"/>
+              <a:buChar char="•"/>
+            </a:pPr>
+            <a:r>
+              <a:rPr lang="it-IT" sz="1200" b="1" dirty="0"/>
+              <a:t>Show</a:t>
+            </a:r>
+            <a:r>
+              <a:rPr lang="it-IT" sz="1200" dirty="0"/>
+              <a:t>(): mostra il bottone</a:t>
+            </a:r>
+          </a:p>
+          <a:p>
+            <a:pPr marL="1085850" lvl="2" indent="-171450">
+              <a:lnSpc>
+                <a:spcPct val="90000"/>
+              </a:lnSpc>
+              <a:spcBef>
+                <a:spcPts val="500"/>
+              </a:spcBef>
+              <a:buFont typeface="Arial" panose="020B0604020202020204" pitchFamily="34" charset="0"/>
+              <a:buChar char="•"/>
+            </a:pPr>
+            <a:r>
+              <a:rPr lang="it-IT" sz="1200" b="1" dirty="0"/>
+              <a:t>Reset</a:t>
+            </a:r>
+            <a:r>
+              <a:rPr lang="it-IT" sz="1200" dirty="0"/>
+              <a:t>(): nasconde il bottone</a:t>
+            </a:r>
+          </a:p>
+          <a:p>
+            <a:pPr marL="1085850" lvl="2" indent="-171450">
+              <a:lnSpc>
+                <a:spcPct val="90000"/>
+              </a:lnSpc>
+              <a:spcBef>
+                <a:spcPts val="500"/>
+              </a:spcBef>
+              <a:buFont typeface="Arial" panose="020B0604020202020204" pitchFamily="34" charset="0"/>
+              <a:buChar char="•"/>
+            </a:pPr>
+            <a:r>
+              <a:rPr lang="it-IT" sz="1200" b="1" dirty="0" err="1"/>
+              <a:t>saveOrder</a:t>
+            </a:r>
+            <a:r>
+              <a:rPr lang="it-IT" sz="1200" dirty="0"/>
+              <a:t>(): richiede al server di salvare la nuova preferenza di album dell’utente.</a:t>
+            </a:r>
+          </a:p>
+        </p:txBody>
+      </p:sp>
+    </p:spTree>
+    <p:extLst>
+      <p:ext uri="{BB962C8B-B14F-4D97-AF65-F5344CB8AC3E}">
+        <p14:creationId xmlns:p14="http://schemas.microsoft.com/office/powerpoint/2010/main" val="4086008659"/>
+      </p:ext>
+    </p:extLst>
+  </p:cSld>
+  <p:clrMapOvr>
+    <a:masterClrMapping/>
+  </p:clrMapOvr>
+</p:sld>
+</file>
+
+<file path=ppt/slides/slide8.xml><?xml version="1.0" encoding="utf-8"?>
 <p:sld xmlns:a="http://schemas.openxmlformats.org/drawingml/2006/main" xmlns:r="http://schemas.openxmlformats.org/officeDocument/2006/relationships" xmlns:p="http://schemas.openxmlformats.org/presentationml/2006/main">
   <p:cSld>
     <p:spTree>
@@ -12906,7 +13470,7 @@
 </p:sld>
 </file>
 
-<file path=ppt/slides/slide8.xml><?xml version="1.0" encoding="utf-8"?>
+<file path=ppt/slides/slide9.xml><?xml version="1.0" encoding="utf-8"?>
 <p:sld xmlns:a="http://schemas.openxmlformats.org/drawingml/2006/main" xmlns:r="http://schemas.openxmlformats.org/officeDocument/2006/relationships" xmlns:p="http://schemas.openxmlformats.org/presentationml/2006/main">
   <p:cSld>
     <p:spTree>

--- a/Presentazioni Powerpoint/Progetto1_versione_RIA.pptx
+++ b/Presentazioni Powerpoint/Progetto1_versione_RIA.pptx
@@ -5,7 +5,7 @@
     <p:sldMasterId id="2147483648" r:id="rId1"/>
   </p:sldMasterIdLst>
   <p:notesMasterIdLst>
-    <p:notesMasterId r:id="rId11"/>
+    <p:notesMasterId r:id="rId13"/>
   </p:notesMasterIdLst>
   <p:sldIdLst>
     <p:sldId id="283" r:id="rId2"/>
@@ -16,7 +16,9 @@
     <p:sldId id="285" r:id="rId7"/>
     <p:sldId id="286" r:id="rId8"/>
     <p:sldId id="257" r:id="rId9"/>
-    <p:sldId id="256" r:id="rId10"/>
+    <p:sldId id="287" r:id="rId10"/>
+    <p:sldId id="256" r:id="rId11"/>
+    <p:sldId id="288" r:id="rId12"/>
   </p:sldIdLst>
   <p:sldSz cx="12192000" cy="6858000"/>
   <p:notesSz cx="6858000" cy="9144000"/>
@@ -653,6 +655,90 @@
         </p:spPr>
       </p:sp>
     </p:spTree>
+  </p:cSld>
+  <p:clrMapOvr>
+    <a:masterClrMapping/>
+  </p:clrMapOvr>
+</p:notes>
+</file>
+
+<file path=ppt/notesSlides/notesSlide3.xml><?xml version="1.0" encoding="utf-8"?>
+<p:notes xmlns:a="http://schemas.openxmlformats.org/drawingml/2006/main" xmlns:r="http://schemas.openxmlformats.org/officeDocument/2006/relationships" xmlns:p="http://schemas.openxmlformats.org/presentationml/2006/main">
+  <p:cSld>
+    <p:spTree>
+      <p:nvGrpSpPr>
+        <p:cNvPr id="1" name=""/>
+        <p:cNvGrpSpPr/>
+        <p:nvPr/>
+      </p:nvGrpSpPr>
+      <p:grpSpPr>
+        <a:xfrm>
+          <a:off x="0" y="0"/>
+          <a:ext cx="0" cy="0"/>
+          <a:chOff x="0" y="0"/>
+          <a:chExt cx="0" cy="0"/>
+        </a:xfrm>
+      </p:grpSpPr>
+      <p:sp>
+        <p:nvSpPr>
+          <p:cNvPr id="2" name="Segnaposto immagine diapositiva 1"/>
+          <p:cNvSpPr>
+            <a:spLocks noGrp="1" noRot="1" noChangeAspect="1"/>
+          </p:cNvSpPr>
+          <p:nvPr>
+            <p:ph type="sldImg"/>
+          </p:nvPr>
+        </p:nvSpPr>
+        <p:spPr/>
+      </p:sp>
+      <p:sp>
+        <p:nvSpPr>
+          <p:cNvPr id="3" name="Segnaposto note 2"/>
+          <p:cNvSpPr>
+            <a:spLocks noGrp="1"/>
+          </p:cNvSpPr>
+          <p:nvPr>
+            <p:ph type="body" idx="1"/>
+          </p:nvPr>
+        </p:nvSpPr>
+        <p:spPr/>
+        <p:txBody>
+          <a:bodyPr/>
+          <a:lstStyle/>
+          <a:p>
+            <a:endParaRPr lang="en-US" dirty="0"/>
+          </a:p>
+        </p:txBody>
+      </p:sp>
+      <p:sp>
+        <p:nvSpPr>
+          <p:cNvPr id="4" name="Segnaposto numero diapositiva 3"/>
+          <p:cNvSpPr>
+            <a:spLocks noGrp="1"/>
+          </p:cNvSpPr>
+          <p:nvPr>
+            <p:ph type="sldNum" sz="quarter" idx="5"/>
+          </p:nvPr>
+        </p:nvSpPr>
+        <p:spPr/>
+        <p:txBody>
+          <a:bodyPr/>
+          <a:lstStyle/>
+          <a:p>
+            <a:fld id="{7BDF7005-1E7F-4685-8EDF-81C5D2154059}" type="slidenum">
+              <a:rPr lang="it-IT" smtClean="0"/>
+              <a:t>9</a:t>
+            </a:fld>
+            <a:endParaRPr lang="it-IT" dirty="0"/>
+          </a:p>
+        </p:txBody>
+      </p:sp>
+    </p:spTree>
+    <p:extLst>
+      <p:ext uri="{BB962C8B-B14F-4D97-AF65-F5344CB8AC3E}">
+        <p14:creationId xmlns:p14="http://schemas.microsoft.com/office/powerpoint/2010/main" val="1253173287"/>
+      </p:ext>
+    </p:extLst>
   </p:cSld>
   <p:clrMapOvr>
     <a:masterClrMapping/>
@@ -4478,6 +4564,2082 @@
 </p:sld>
 </file>
 
+<file path=ppt/slides/slide10.xml><?xml version="1.0" encoding="utf-8"?>
+<p:sld xmlns:a="http://schemas.openxmlformats.org/drawingml/2006/main" xmlns:r="http://schemas.openxmlformats.org/officeDocument/2006/relationships" xmlns:p="http://schemas.openxmlformats.org/presentationml/2006/main">
+  <p:cSld>
+    <p:spTree>
+      <p:nvGrpSpPr>
+        <p:cNvPr id="1" name=""/>
+        <p:cNvGrpSpPr/>
+        <p:nvPr/>
+      </p:nvGrpSpPr>
+      <p:grpSpPr>
+        <a:xfrm>
+          <a:off x="0" y="0"/>
+          <a:ext cx="0" cy="0"/>
+          <a:chOff x="0" y="0"/>
+          <a:chExt cx="0" cy="0"/>
+        </a:xfrm>
+      </p:grpSpPr>
+      <p:graphicFrame>
+        <p:nvGraphicFramePr>
+          <p:cNvPr id="5" name="Table 5">
+            <a:extLst>
+              <a:ext uri="{FF2B5EF4-FFF2-40B4-BE49-F238E27FC236}">
+                <a16:creationId xmlns:a16="http://schemas.microsoft.com/office/drawing/2014/main" id="{7B9B8850-C3B7-48EA-A6FA-192DF2A007AE}"/>
+              </a:ext>
+            </a:extLst>
+          </p:cNvPr>
+          <p:cNvGraphicFramePr>
+            <a:graphicFrameLocks noGrp="1"/>
+          </p:cNvGraphicFramePr>
+          <p:nvPr>
+            <p:extLst>
+              <p:ext uri="{D42A27DB-BD31-4B8C-83A1-F6EECF244321}">
+                <p14:modId xmlns:p14="http://schemas.microsoft.com/office/powerpoint/2010/main" val="2853062719"/>
+              </p:ext>
+            </p:extLst>
+          </p:nvPr>
+        </p:nvGraphicFramePr>
+        <p:xfrm>
+          <a:off x="0" y="-2"/>
+          <a:ext cx="12192000" cy="6973552"/>
+        </p:xfrm>
+        <a:graphic>
+          <a:graphicData uri="http://schemas.openxmlformats.org/drawingml/2006/table">
+            <a:tbl>
+              <a:tblPr firstRow="1" bandRow="1">
+                <a:tableStyleId>{5C22544A-7EE6-4342-B048-85BDC9FD1C3A}</a:tableStyleId>
+              </a:tblPr>
+              <a:tblGrid>
+                <a:gridCol w="3011392">
+                  <a:extLst>
+                    <a:ext uri="{9D8B030D-6E8A-4147-A177-3AD203B41FA5}">
+                      <a16:colId xmlns:a16="http://schemas.microsoft.com/office/drawing/2014/main" val="20000"/>
+                    </a:ext>
+                  </a:extLst>
+                </a:gridCol>
+                <a:gridCol w="3791130">
+                  <a:extLst>
+                    <a:ext uri="{9D8B030D-6E8A-4147-A177-3AD203B41FA5}">
+                      <a16:colId xmlns:a16="http://schemas.microsoft.com/office/drawing/2014/main" val="20001"/>
+                    </a:ext>
+                  </a:extLst>
+                </a:gridCol>
+                <a:gridCol w="2384428">
+                  <a:extLst>
+                    <a:ext uri="{9D8B030D-6E8A-4147-A177-3AD203B41FA5}">
+                      <a16:colId xmlns:a16="http://schemas.microsoft.com/office/drawing/2014/main" val="20002"/>
+                    </a:ext>
+                  </a:extLst>
+                </a:gridCol>
+                <a:gridCol w="3005050">
+                  <a:extLst>
+                    <a:ext uri="{9D8B030D-6E8A-4147-A177-3AD203B41FA5}">
+                      <a16:colId xmlns:a16="http://schemas.microsoft.com/office/drawing/2014/main" val="20003"/>
+                    </a:ext>
+                  </a:extLst>
+                </a:gridCol>
+              </a:tblGrid>
+              <a:tr h="530216">
+                <a:tc gridSpan="2">
+                  <a:txBody>
+                    <a:bodyPr/>
+                    <a:lstStyle/>
+                    <a:p>
+                      <a:pPr algn="ctr"/>
+                      <a:r>
+                        <a:rPr lang="it-IT" sz="1500" b="1" noProof="0" dirty="0"/>
+                        <a:t>Client</a:t>
+                      </a:r>
+                      <a:r>
+                        <a:rPr lang="it-IT" sz="1500" b="1" baseline="0" noProof="0" dirty="0"/>
+                        <a:t> side</a:t>
+                      </a:r>
+                      <a:endParaRPr lang="it-IT" sz="1500" b="1" noProof="0" dirty="0"/>
+                    </a:p>
+                  </a:txBody>
+                  <a:tcPr marL="99060" marR="99060" marT="60960" marB="60960"/>
+                </a:tc>
+                <a:tc hMerge="1">
+                  <a:txBody>
+                    <a:bodyPr/>
+                    <a:lstStyle/>
+                    <a:p>
+                      <a:endParaRPr lang="en-US" sz="1200" dirty="0"/>
+                    </a:p>
+                  </a:txBody>
+                  <a:tcPr/>
+                </a:tc>
+                <a:tc gridSpan="2">
+                  <a:txBody>
+                    <a:bodyPr/>
+                    <a:lstStyle/>
+                    <a:p>
+                      <a:r>
+                        <a:rPr lang="it-IT" sz="1500" b="1" noProof="0" dirty="0"/>
+                        <a:t>Server side</a:t>
+                      </a:r>
+                    </a:p>
+                  </a:txBody>
+                  <a:tcPr marL="99060" marR="99060" marT="60960" marB="60960"/>
+                </a:tc>
+                <a:tc hMerge="1">
+                  <a:txBody>
+                    <a:bodyPr/>
+                    <a:lstStyle/>
+                    <a:p>
+                      <a:endParaRPr lang="en-US" sz="1200" dirty="0"/>
+                    </a:p>
+                  </a:txBody>
+                  <a:tcPr/>
+                </a:tc>
+                <a:extLst>
+                  <a:ext uri="{0D108BD9-81ED-4DB2-BD59-A6C34878D82A}">
+                    <a16:rowId xmlns:a16="http://schemas.microsoft.com/office/drawing/2014/main" val="10000"/>
+                  </a:ext>
+                </a:extLst>
+              </a:tr>
+              <a:tr h="359834">
+                <a:tc>
+                  <a:txBody>
+                    <a:bodyPr/>
+                    <a:lstStyle/>
+                    <a:p>
+                      <a:pPr algn="ctr"/>
+                      <a:r>
+                        <a:rPr lang="it-IT" sz="1500" b="1" noProof="0" dirty="0"/>
+                        <a:t>Evento</a:t>
+                      </a:r>
+                    </a:p>
+                  </a:txBody>
+                  <a:tcPr marL="99060" marR="99060" marT="60960" marB="60960"/>
+                </a:tc>
+                <a:tc>
+                  <a:txBody>
+                    <a:bodyPr/>
+                    <a:lstStyle/>
+                    <a:p>
+                      <a:pPr algn="ctr"/>
+                      <a:r>
+                        <a:rPr lang="it-IT" sz="1500" b="1" noProof="0" dirty="0"/>
+                        <a:t>Controllore</a:t>
+                      </a:r>
+                    </a:p>
+                  </a:txBody>
+                  <a:tcPr marL="99060" marR="99060" marT="60960" marB="60960"/>
+                </a:tc>
+                <a:tc>
+                  <a:txBody>
+                    <a:bodyPr/>
+                    <a:lstStyle/>
+                    <a:p>
+                      <a:pPr algn="ctr"/>
+                      <a:r>
+                        <a:rPr lang="it-IT" sz="1500" b="1" noProof="0" dirty="0"/>
+                        <a:t>Evento</a:t>
+                      </a:r>
+                    </a:p>
+                  </a:txBody>
+                  <a:tcPr marL="99060" marR="99060" marT="60960" marB="60960"/>
+                </a:tc>
+                <a:tc>
+                  <a:txBody>
+                    <a:bodyPr/>
+                    <a:lstStyle/>
+                    <a:p>
+                      <a:pPr algn="ctr"/>
+                      <a:r>
+                        <a:rPr lang="it-IT" sz="1500" b="1" noProof="0" dirty="0"/>
+                        <a:t>Controllore</a:t>
+                      </a:r>
+                    </a:p>
+                  </a:txBody>
+                  <a:tcPr marL="99060" marR="99060" marT="60960" marB="60960"/>
+                </a:tc>
+                <a:extLst>
+                  <a:ext uri="{0D108BD9-81ED-4DB2-BD59-A6C34878D82A}">
+                    <a16:rowId xmlns:a16="http://schemas.microsoft.com/office/drawing/2014/main" val="10001"/>
+                  </a:ext>
+                </a:extLst>
+              </a:tr>
+              <a:tr h="429564">
+                <a:tc>
+                  <a:txBody>
+                    <a:bodyPr/>
+                    <a:lstStyle/>
+                    <a:p>
+                      <a:pPr marL="0" marR="0" indent="0" algn="l" defTabSz="914400" rtl="0" eaLnBrk="1" fontAlgn="auto" latinLnBrk="0" hangingPunct="1">
+                        <a:lnSpc>
+                          <a:spcPct val="100000"/>
+                        </a:lnSpc>
+                        <a:spcBef>
+                          <a:spcPts val="0"/>
+                        </a:spcBef>
+                        <a:spcAft>
+                          <a:spcPts val="0"/>
+                        </a:spcAft>
+                        <a:buClr>
+                          <a:srgbClr val="000000"/>
+                        </a:buClr>
+                        <a:buSzTx/>
+                        <a:buFont typeface="Arial"/>
+                        <a:buNone/>
+                        <a:tabLst/>
+                        <a:defRPr/>
+                      </a:pPr>
+                      <a:r>
+                        <a:rPr lang="it-IT" sz="1200" noProof="0" dirty="0"/>
+                        <a:t>index</a:t>
+                      </a:r>
+                      <a:r>
+                        <a:rPr lang="it-IT" sz="1200" baseline="0" noProof="0" dirty="0"/>
+                        <a:t> </a:t>
+                      </a:r>
+                      <a:r>
+                        <a:rPr lang="it-IT" sz="1200" baseline="0" noProof="0" dirty="0">
+                          <a:sym typeface="Wingdings" panose="05000000000000000000" pitchFamily="2" charset="2"/>
+                        </a:rPr>
+                        <a:t> login form  submit</a:t>
+                      </a:r>
+                      <a:endParaRPr lang="it-IT" sz="1200" noProof="0" dirty="0"/>
+                    </a:p>
+                  </a:txBody>
+                  <a:tcPr marL="99060" marR="99060" marT="60960" marB="60960"/>
+                </a:tc>
+                <a:tc>
+                  <a:txBody>
+                    <a:bodyPr/>
+                    <a:lstStyle/>
+                    <a:p>
+                      <a:pPr marL="0" marR="0" indent="0" algn="l" defTabSz="914400" rtl="0" eaLnBrk="1" fontAlgn="auto" latinLnBrk="0" hangingPunct="1">
+                        <a:lnSpc>
+                          <a:spcPct val="100000"/>
+                        </a:lnSpc>
+                        <a:spcBef>
+                          <a:spcPts val="0"/>
+                        </a:spcBef>
+                        <a:spcAft>
+                          <a:spcPts val="0"/>
+                        </a:spcAft>
+                        <a:buClr>
+                          <a:srgbClr val="000000"/>
+                        </a:buClr>
+                        <a:buSzTx/>
+                        <a:buFont typeface="Arial"/>
+                        <a:buNone/>
+                        <a:tabLst/>
+                        <a:defRPr/>
+                      </a:pPr>
+                      <a:r>
+                        <a:rPr lang="it-IT" sz="1200" noProof="0" dirty="0"/>
+                        <a:t>Function makeCall</a:t>
+                      </a:r>
+                    </a:p>
+                  </a:txBody>
+                  <a:tcPr marL="99060" marR="99060" marT="60960" marB="60960"/>
+                </a:tc>
+                <a:tc>
+                  <a:txBody>
+                    <a:bodyPr/>
+                    <a:lstStyle/>
+                    <a:p>
+                      <a:pPr marL="0" marR="0" indent="0" algn="l" defTabSz="914400" rtl="0" eaLnBrk="1" fontAlgn="auto" latinLnBrk="0" hangingPunct="1">
+                        <a:lnSpc>
+                          <a:spcPct val="100000"/>
+                        </a:lnSpc>
+                        <a:spcBef>
+                          <a:spcPts val="0"/>
+                        </a:spcBef>
+                        <a:spcAft>
+                          <a:spcPts val="0"/>
+                        </a:spcAft>
+                        <a:buClr>
+                          <a:srgbClr val="000000"/>
+                        </a:buClr>
+                        <a:buSzTx/>
+                        <a:buFont typeface="Arial"/>
+                        <a:buNone/>
+                        <a:tabLst/>
+                        <a:defRPr/>
+                      </a:pPr>
+                      <a:r>
+                        <a:rPr lang="it-IT" sz="1200" noProof="0" dirty="0"/>
+                        <a:t>POST username password</a:t>
+                      </a:r>
+                    </a:p>
+                  </a:txBody>
+                  <a:tcPr marL="99060" marR="99060" marT="60960" marB="60960"/>
+                </a:tc>
+                <a:tc>
+                  <a:txBody>
+                    <a:bodyPr/>
+                    <a:lstStyle/>
+                    <a:p>
+                      <a:r>
+                        <a:rPr lang="it-IT" sz="1200" noProof="0" dirty="0"/>
+                        <a:t>CheckLogin (servlet)</a:t>
+                      </a:r>
+                    </a:p>
+                  </a:txBody>
+                  <a:tcPr marL="99060" marR="99060" marT="60960" marB="60960"/>
+                </a:tc>
+                <a:extLst>
+                  <a:ext uri="{0D108BD9-81ED-4DB2-BD59-A6C34878D82A}">
+                    <a16:rowId xmlns:a16="http://schemas.microsoft.com/office/drawing/2014/main" val="10002"/>
+                  </a:ext>
+                </a:extLst>
+              </a:tr>
+              <a:tr h="606621">
+                <a:tc>
+                  <a:txBody>
+                    <a:bodyPr/>
+                    <a:lstStyle/>
+                    <a:p>
+                      <a:pPr marL="0" marR="0" lvl="0" indent="0" algn="l" defTabSz="914400" rtl="0" eaLnBrk="1" fontAlgn="auto" latinLnBrk="0" hangingPunct="1">
+                        <a:lnSpc>
+                          <a:spcPct val="100000"/>
+                        </a:lnSpc>
+                        <a:spcBef>
+                          <a:spcPts val="0"/>
+                        </a:spcBef>
+                        <a:spcAft>
+                          <a:spcPts val="0"/>
+                        </a:spcAft>
+                        <a:buClr>
+                          <a:srgbClr val="000000"/>
+                        </a:buClr>
+                        <a:buSzTx/>
+                        <a:buFont typeface="Arial"/>
+                        <a:buNone/>
+                        <a:tabLst/>
+                        <a:defRPr/>
+                      </a:pPr>
+                      <a:r>
+                        <a:rPr lang="it-IT" sz="1200" noProof="0" dirty="0"/>
+                        <a:t>index</a:t>
+                      </a:r>
+                      <a:r>
+                        <a:rPr lang="it-IT" sz="1200" baseline="0" noProof="0" dirty="0"/>
+                        <a:t> </a:t>
+                      </a:r>
+                      <a:r>
+                        <a:rPr lang="it-IT" sz="1200" baseline="0" noProof="0" dirty="0">
+                          <a:sym typeface="Wingdings" panose="05000000000000000000" pitchFamily="2" charset="2"/>
+                        </a:rPr>
+                        <a:t> registration form  submit</a:t>
+                      </a:r>
+                      <a:endParaRPr lang="it-IT" sz="1200" noProof="0" dirty="0"/>
+                    </a:p>
+                    <a:p>
+                      <a:pPr marL="0" marR="0" indent="0" algn="l" defTabSz="914400" rtl="0" eaLnBrk="1" fontAlgn="auto" latinLnBrk="0" hangingPunct="1">
+                        <a:lnSpc>
+                          <a:spcPct val="100000"/>
+                        </a:lnSpc>
+                        <a:spcBef>
+                          <a:spcPts val="0"/>
+                        </a:spcBef>
+                        <a:spcAft>
+                          <a:spcPts val="0"/>
+                        </a:spcAft>
+                        <a:buClr>
+                          <a:srgbClr val="000000"/>
+                        </a:buClr>
+                        <a:buSzTx/>
+                        <a:buFont typeface="Arial"/>
+                        <a:buNone/>
+                        <a:tabLst/>
+                        <a:defRPr/>
+                      </a:pPr>
+                      <a:endParaRPr lang="it-IT" sz="1200" noProof="0" dirty="0"/>
+                    </a:p>
+                  </a:txBody>
+                  <a:tcPr marL="99060" marR="99060" marT="60960" marB="60960"/>
+                </a:tc>
+                <a:tc>
+                  <a:txBody>
+                    <a:bodyPr/>
+                    <a:lstStyle/>
+                    <a:p>
+                      <a:pPr marL="0" marR="0" indent="0" algn="l" defTabSz="914400" rtl="0" eaLnBrk="1" fontAlgn="auto" latinLnBrk="0" hangingPunct="1">
+                        <a:lnSpc>
+                          <a:spcPct val="100000"/>
+                        </a:lnSpc>
+                        <a:spcBef>
+                          <a:spcPts val="0"/>
+                        </a:spcBef>
+                        <a:spcAft>
+                          <a:spcPts val="0"/>
+                        </a:spcAft>
+                        <a:buClr>
+                          <a:srgbClr val="000000"/>
+                        </a:buClr>
+                        <a:buSzTx/>
+                        <a:buFont typeface="Arial"/>
+                        <a:buNone/>
+                        <a:tabLst/>
+                        <a:defRPr/>
+                      </a:pPr>
+                      <a:r>
+                        <a:rPr lang="it-IT" sz="1200" noProof="0" dirty="0"/>
+                        <a:t>Function makeCall</a:t>
+                      </a:r>
+                    </a:p>
+                  </a:txBody>
+                  <a:tcPr marL="99060" marR="99060" marT="60960" marB="60960"/>
+                </a:tc>
+                <a:tc>
+                  <a:txBody>
+                    <a:bodyPr/>
+                    <a:lstStyle/>
+                    <a:p>
+                      <a:pPr marL="0" marR="0" lvl="0" indent="0" algn="l" defTabSz="914400" rtl="0" eaLnBrk="1" fontAlgn="auto" latinLnBrk="0" hangingPunct="1">
+                        <a:lnSpc>
+                          <a:spcPct val="100000"/>
+                        </a:lnSpc>
+                        <a:spcBef>
+                          <a:spcPts val="0"/>
+                        </a:spcBef>
+                        <a:spcAft>
+                          <a:spcPts val="0"/>
+                        </a:spcAft>
+                        <a:buClr>
+                          <a:srgbClr val="000000"/>
+                        </a:buClr>
+                        <a:buSzTx/>
+                        <a:buFont typeface="Arial"/>
+                        <a:buNone/>
+                        <a:tabLst/>
+                        <a:defRPr/>
+                      </a:pPr>
+                      <a:r>
+                        <a:rPr lang="it-IT" sz="1200" noProof="0" dirty="0"/>
+                        <a:t>POST username password e email</a:t>
+                      </a:r>
+                    </a:p>
+                    <a:p>
+                      <a:pPr marL="0" marR="0" indent="0" algn="l" defTabSz="914400" rtl="0" eaLnBrk="1" fontAlgn="auto" latinLnBrk="0" hangingPunct="1">
+                        <a:lnSpc>
+                          <a:spcPct val="100000"/>
+                        </a:lnSpc>
+                        <a:spcBef>
+                          <a:spcPts val="0"/>
+                        </a:spcBef>
+                        <a:spcAft>
+                          <a:spcPts val="0"/>
+                        </a:spcAft>
+                        <a:buClr>
+                          <a:srgbClr val="000000"/>
+                        </a:buClr>
+                        <a:buSzTx/>
+                        <a:buFont typeface="Arial"/>
+                        <a:buNone/>
+                        <a:tabLst/>
+                        <a:defRPr/>
+                      </a:pPr>
+                      <a:endParaRPr lang="it-IT" sz="1200" noProof="0" dirty="0"/>
+                    </a:p>
+                  </a:txBody>
+                  <a:tcPr marL="99060" marR="99060" marT="60960" marB="60960"/>
+                </a:tc>
+                <a:tc>
+                  <a:txBody>
+                    <a:bodyPr/>
+                    <a:lstStyle/>
+                    <a:p>
+                      <a:r>
+                        <a:rPr lang="it-IT" sz="1200" noProof="0" dirty="0"/>
+                        <a:t>Registration (servlet)</a:t>
+                      </a:r>
+                    </a:p>
+                    <a:p>
+                      <a:endParaRPr lang="it-IT" sz="1200" noProof="0" dirty="0"/>
+                    </a:p>
+                  </a:txBody>
+                  <a:tcPr marL="99060" marR="99060" marT="60960" marB="60960"/>
+                </a:tc>
+                <a:extLst>
+                  <a:ext uri="{0D108BD9-81ED-4DB2-BD59-A6C34878D82A}">
+                    <a16:rowId xmlns:a16="http://schemas.microsoft.com/office/drawing/2014/main" val="376952003"/>
+                  </a:ext>
+                </a:extLst>
+              </a:tr>
+              <a:tr h="500639">
+                <a:tc>
+                  <a:txBody>
+                    <a:bodyPr/>
+                    <a:lstStyle/>
+                    <a:p>
+                      <a:pPr marL="0" marR="0" indent="0" algn="l" defTabSz="914400" rtl="0" eaLnBrk="1" fontAlgn="auto" latinLnBrk="0" hangingPunct="1">
+                        <a:lnSpc>
+                          <a:spcPct val="100000"/>
+                        </a:lnSpc>
+                        <a:spcBef>
+                          <a:spcPts val="0"/>
+                        </a:spcBef>
+                        <a:spcAft>
+                          <a:spcPts val="0"/>
+                        </a:spcAft>
+                        <a:buClr>
+                          <a:srgbClr val="000000"/>
+                        </a:buClr>
+                        <a:buSzTx/>
+                        <a:buFont typeface="Arial"/>
+                        <a:buNone/>
+                        <a:tabLst/>
+                        <a:defRPr/>
+                      </a:pPr>
+                      <a:r>
+                        <a:rPr lang="it-IT" sz="1200" noProof="0" dirty="0"/>
+                        <a:t>Index </a:t>
+                      </a:r>
+                      <a:r>
+                        <a:rPr lang="it-IT" sz="1200" baseline="0" noProof="0" dirty="0">
+                          <a:sym typeface="Wingdings" panose="05000000000000000000" pitchFamily="2" charset="2"/>
+                        </a:rPr>
+                        <a:t> guest access</a:t>
+                      </a:r>
+                      <a:endParaRPr lang="it-IT" sz="1200" noProof="0" dirty="0"/>
+                    </a:p>
+                  </a:txBody>
+                  <a:tcPr marL="99060" marR="99060" marT="60960" marB="60960"/>
+                </a:tc>
+                <a:tc>
+                  <a:txBody>
+                    <a:bodyPr/>
+                    <a:lstStyle/>
+                    <a:p>
+                      <a:pPr marL="0" marR="0" lvl="0" indent="0" algn="l" defTabSz="914400" rtl="0" eaLnBrk="1" fontAlgn="auto" latinLnBrk="0" hangingPunct="1">
+                        <a:lnSpc>
+                          <a:spcPct val="100000"/>
+                        </a:lnSpc>
+                        <a:spcBef>
+                          <a:spcPts val="0"/>
+                        </a:spcBef>
+                        <a:spcAft>
+                          <a:spcPts val="0"/>
+                        </a:spcAft>
+                        <a:buClr>
+                          <a:srgbClr val="000000"/>
+                        </a:buClr>
+                        <a:buSzTx/>
+                        <a:buFont typeface="Arial"/>
+                        <a:buNone/>
+                        <a:tabLst/>
+                        <a:defRPr/>
+                      </a:pPr>
+                      <a:r>
+                        <a:rPr lang="it-IT" sz="1200" noProof="0" dirty="0"/>
+                        <a:t>Function makeCall</a:t>
+                      </a:r>
+                    </a:p>
+                    <a:p>
+                      <a:pPr marL="0" marR="0" indent="0" algn="l" defTabSz="914400" rtl="0" eaLnBrk="1" fontAlgn="auto" latinLnBrk="0" hangingPunct="1">
+                        <a:lnSpc>
+                          <a:spcPct val="100000"/>
+                        </a:lnSpc>
+                        <a:spcBef>
+                          <a:spcPts val="0"/>
+                        </a:spcBef>
+                        <a:spcAft>
+                          <a:spcPts val="0"/>
+                        </a:spcAft>
+                        <a:buClr>
+                          <a:srgbClr val="000000"/>
+                        </a:buClr>
+                        <a:buSzTx/>
+                        <a:buFont typeface="Arial"/>
+                        <a:buNone/>
+                        <a:tabLst/>
+                        <a:defRPr/>
+                      </a:pPr>
+                      <a:endParaRPr lang="it-IT" sz="1200" noProof="0" dirty="0">
+                        <a:solidFill>
+                          <a:schemeClr val="tx1"/>
+                        </a:solidFill>
+                      </a:endParaRPr>
+                    </a:p>
+                  </a:txBody>
+                  <a:tcPr marL="99060" marR="99060" marT="60960" marB="60960"/>
+                </a:tc>
+                <a:tc>
+                  <a:txBody>
+                    <a:bodyPr/>
+                    <a:lstStyle/>
+                    <a:p>
+                      <a:pPr marL="0" marR="0" lvl="0" indent="0" algn="l" defTabSz="914400" rtl="0" eaLnBrk="1" fontAlgn="auto" latinLnBrk="0" hangingPunct="1">
+                        <a:lnSpc>
+                          <a:spcPct val="100000"/>
+                        </a:lnSpc>
+                        <a:spcBef>
+                          <a:spcPts val="0"/>
+                        </a:spcBef>
+                        <a:spcAft>
+                          <a:spcPts val="0"/>
+                        </a:spcAft>
+                        <a:buClr>
+                          <a:srgbClr val="000000"/>
+                        </a:buClr>
+                        <a:buSzTx/>
+                        <a:buFont typeface="Arial"/>
+                        <a:buNone/>
+                        <a:tabLst/>
+                        <a:defRPr/>
+                      </a:pPr>
+                      <a:r>
+                        <a:rPr lang="it-IT" sz="1200" noProof="0" dirty="0"/>
+                        <a:t>GET</a:t>
+                      </a:r>
+                      <a:r>
+                        <a:rPr lang="it-IT" sz="1200" baseline="0" noProof="0" dirty="0"/>
+                        <a:t> (nessun parametro) </a:t>
+                      </a:r>
+                      <a:endParaRPr lang="it-IT" sz="1200" noProof="0" dirty="0"/>
+                    </a:p>
+                    <a:p>
+                      <a:pPr marL="0" marR="0" indent="0" algn="l" defTabSz="914400" rtl="0" eaLnBrk="1" fontAlgn="auto" latinLnBrk="0" hangingPunct="1">
+                        <a:lnSpc>
+                          <a:spcPct val="100000"/>
+                        </a:lnSpc>
+                        <a:spcBef>
+                          <a:spcPts val="0"/>
+                        </a:spcBef>
+                        <a:spcAft>
+                          <a:spcPts val="0"/>
+                        </a:spcAft>
+                        <a:buClr>
+                          <a:srgbClr val="000000"/>
+                        </a:buClr>
+                        <a:buSzTx/>
+                        <a:buFont typeface="Arial"/>
+                        <a:buNone/>
+                        <a:tabLst/>
+                        <a:defRPr/>
+                      </a:pPr>
+                      <a:endParaRPr lang="it-IT" sz="1200" noProof="0" dirty="0"/>
+                    </a:p>
+                  </a:txBody>
+                  <a:tcPr marL="99060" marR="99060" marT="60960" marB="60960"/>
+                </a:tc>
+                <a:tc>
+                  <a:txBody>
+                    <a:bodyPr/>
+                    <a:lstStyle/>
+                    <a:p>
+                      <a:r>
+                        <a:rPr lang="it-IT" sz="1200" noProof="0" dirty="0"/>
+                        <a:t>CheckGuest (servlet)</a:t>
+                      </a:r>
+                    </a:p>
+                    <a:p>
+                      <a:endParaRPr lang="it-IT" sz="1200" noProof="0" dirty="0"/>
+                    </a:p>
+                  </a:txBody>
+                  <a:tcPr marL="99060" marR="99060" marT="60960" marB="60960"/>
+                </a:tc>
+                <a:extLst>
+                  <a:ext uri="{0D108BD9-81ED-4DB2-BD59-A6C34878D82A}">
+                    <a16:rowId xmlns:a16="http://schemas.microsoft.com/office/drawing/2014/main" val="2815778824"/>
+                  </a:ext>
+                </a:extLst>
+              </a:tr>
+              <a:tr h="500639">
+                <a:tc>
+                  <a:txBody>
+                    <a:bodyPr/>
+                    <a:lstStyle/>
+                    <a:p>
+                      <a:pPr marL="0" marR="0" indent="0" algn="l" defTabSz="914400" rtl="0" eaLnBrk="1" fontAlgn="auto" latinLnBrk="0" hangingPunct="1">
+                        <a:lnSpc>
+                          <a:spcPct val="100000"/>
+                        </a:lnSpc>
+                        <a:spcBef>
+                          <a:spcPts val="0"/>
+                        </a:spcBef>
+                        <a:spcAft>
+                          <a:spcPts val="0"/>
+                        </a:spcAft>
+                        <a:buClr>
+                          <a:srgbClr val="000000"/>
+                        </a:buClr>
+                        <a:buSzTx/>
+                        <a:buFont typeface="Arial"/>
+                        <a:buNone/>
+                        <a:tabLst/>
+                        <a:defRPr/>
+                      </a:pPr>
+                      <a:r>
+                        <a:rPr lang="it-IT" sz="1200" noProof="0" dirty="0"/>
+                        <a:t>Home page</a:t>
+                      </a:r>
+                      <a:r>
+                        <a:rPr lang="it-IT" sz="1200" noProof="0" dirty="0">
+                          <a:sym typeface="Wingdings" panose="05000000000000000000" pitchFamily="2" charset="2"/>
+                        </a:rPr>
+                        <a:t> load</a:t>
+                      </a:r>
+                      <a:endParaRPr lang="it-IT" sz="1200" noProof="0" dirty="0"/>
+                    </a:p>
+                  </a:txBody>
+                  <a:tcPr marL="99060" marR="99060" marT="60960" marB="60960"/>
+                </a:tc>
+                <a:tc>
+                  <a:txBody>
+                    <a:bodyPr/>
+                    <a:lstStyle/>
+                    <a:p>
+                      <a:pPr marL="0" marR="0" indent="0" algn="l" defTabSz="914400" rtl="0" eaLnBrk="1" fontAlgn="auto" latinLnBrk="0" hangingPunct="1">
+                        <a:lnSpc>
+                          <a:spcPct val="100000"/>
+                        </a:lnSpc>
+                        <a:spcBef>
+                          <a:spcPts val="0"/>
+                        </a:spcBef>
+                        <a:spcAft>
+                          <a:spcPts val="0"/>
+                        </a:spcAft>
+                        <a:buClr>
+                          <a:srgbClr val="000000"/>
+                        </a:buClr>
+                        <a:buSzTx/>
+                        <a:buFont typeface="Arial"/>
+                        <a:buNone/>
+                        <a:tabLst/>
+                        <a:defRPr/>
+                      </a:pPr>
+                      <a:r>
+                        <a:rPr lang="it-IT" sz="1200" noProof="0" dirty="0"/>
+                        <a:t>Function PageOrchestrator -&gt; Album List -&gt; Function makeCall</a:t>
+                      </a:r>
+                    </a:p>
+                  </a:txBody>
+                  <a:tcPr marL="99060" marR="99060" marT="60960" marB="60960"/>
+                </a:tc>
+                <a:tc>
+                  <a:txBody>
+                    <a:bodyPr/>
+                    <a:lstStyle/>
+                    <a:p>
+                      <a:pPr marL="0" marR="0" indent="0" algn="l" defTabSz="914400" rtl="0" eaLnBrk="1" fontAlgn="auto" latinLnBrk="0" hangingPunct="1">
+                        <a:lnSpc>
+                          <a:spcPct val="100000"/>
+                        </a:lnSpc>
+                        <a:spcBef>
+                          <a:spcPts val="0"/>
+                        </a:spcBef>
+                        <a:spcAft>
+                          <a:spcPts val="0"/>
+                        </a:spcAft>
+                        <a:buClr>
+                          <a:srgbClr val="000000"/>
+                        </a:buClr>
+                        <a:buSzTx/>
+                        <a:buFont typeface="Arial"/>
+                        <a:buNone/>
+                        <a:tabLst/>
+                        <a:defRPr/>
+                      </a:pPr>
+                      <a:r>
+                        <a:rPr lang="it-IT" sz="1200" noProof="0" dirty="0"/>
+                        <a:t>GET</a:t>
+                      </a:r>
+                      <a:r>
+                        <a:rPr lang="it-IT" sz="1200" baseline="0" noProof="0" dirty="0"/>
+                        <a:t> (nessun parametro) ottengo tutte le info degli album</a:t>
+                      </a:r>
+                      <a:endParaRPr lang="it-IT" sz="1200" noProof="0" dirty="0"/>
+                    </a:p>
+                  </a:txBody>
+                  <a:tcPr marL="99060" marR="99060" marT="60960" marB="60960"/>
+                </a:tc>
+                <a:tc>
+                  <a:txBody>
+                    <a:bodyPr/>
+                    <a:lstStyle/>
+                    <a:p>
+                      <a:r>
+                        <a:rPr lang="it-IT" sz="1200" noProof="0" dirty="0"/>
+                        <a:t>GetAlbumList</a:t>
+                      </a:r>
+                      <a:r>
+                        <a:rPr lang="it-IT" sz="1200" baseline="0" noProof="0" dirty="0"/>
+                        <a:t> </a:t>
+                      </a:r>
+                      <a:r>
+                        <a:rPr lang="it-IT" sz="1200" noProof="0" dirty="0"/>
+                        <a:t>(servlet)</a:t>
+                      </a:r>
+                    </a:p>
+                  </a:txBody>
+                  <a:tcPr marL="99060" marR="99060" marT="60960" marB="60960"/>
+                </a:tc>
+                <a:extLst>
+                  <a:ext uri="{0D108BD9-81ED-4DB2-BD59-A6C34878D82A}">
+                    <a16:rowId xmlns:a16="http://schemas.microsoft.com/office/drawing/2014/main" val="10003"/>
+                  </a:ext>
+                </a:extLst>
+              </a:tr>
+              <a:tr h="688378">
+                <a:tc>
+                  <a:txBody>
+                    <a:bodyPr/>
+                    <a:lstStyle/>
+                    <a:p>
+                      <a:pPr marL="0" marR="0" indent="0" algn="l" defTabSz="914400" rtl="0" eaLnBrk="1" fontAlgn="auto" latinLnBrk="0" hangingPunct="1">
+                        <a:lnSpc>
+                          <a:spcPct val="100000"/>
+                        </a:lnSpc>
+                        <a:spcBef>
+                          <a:spcPts val="0"/>
+                        </a:spcBef>
+                        <a:spcAft>
+                          <a:spcPts val="0"/>
+                        </a:spcAft>
+                        <a:buClr>
+                          <a:srgbClr val="000000"/>
+                        </a:buClr>
+                        <a:buSzTx/>
+                        <a:buFont typeface="Arial"/>
+                        <a:buNone/>
+                        <a:tabLst/>
+                        <a:defRPr/>
+                      </a:pPr>
+                      <a:r>
+                        <a:rPr lang="it-IT" sz="1200" noProof="0" dirty="0"/>
+                        <a:t>Home </a:t>
+                      </a:r>
+                      <a:r>
+                        <a:rPr lang="it-IT" sz="1200" noProof="0" dirty="0">
+                          <a:sym typeface="Wingdings" panose="05000000000000000000" pitchFamily="2" charset="2"/>
+                        </a:rPr>
+                        <a:t> elenco album  click album</a:t>
+                      </a:r>
+                      <a:endParaRPr lang="it-IT" sz="1200" noProof="0" dirty="0"/>
+                    </a:p>
+                  </a:txBody>
+                  <a:tcPr marL="99060" marR="99060" marT="60960" marB="60960"/>
+                </a:tc>
+                <a:tc>
+                  <a:txBody>
+                    <a:bodyPr/>
+                    <a:lstStyle/>
+                    <a:p>
+                      <a:r>
+                        <a:rPr lang="it-IT" sz="1200" noProof="0" dirty="0"/>
+                        <a:t>Function</a:t>
+                      </a:r>
+                      <a:r>
+                        <a:rPr lang="it-IT" sz="1200" baseline="0" noProof="0" dirty="0"/>
+                        <a:t> Orchestrator.afterClickAlbum -&gt; Image List -&gt; </a:t>
+                      </a:r>
+                      <a:r>
+                        <a:rPr lang="it-IT" sz="1200" noProof="0" dirty="0"/>
+                        <a:t>Function</a:t>
+                      </a:r>
+                      <a:r>
+                        <a:rPr lang="it-IT" sz="1200" baseline="0" noProof="0" dirty="0"/>
+                        <a:t> makeCall</a:t>
+                      </a:r>
+                      <a:endParaRPr lang="it-IT" sz="1200" noProof="0" dirty="0"/>
+                    </a:p>
+                  </a:txBody>
+                  <a:tcPr marL="99060" marR="99060" marT="60960" marB="60960"/>
+                </a:tc>
+                <a:tc>
+                  <a:txBody>
+                    <a:bodyPr/>
+                    <a:lstStyle/>
+                    <a:p>
+                      <a:r>
+                        <a:rPr lang="it-IT" sz="1200" noProof="0" dirty="0"/>
+                        <a:t>GET (albumId) </a:t>
+                      </a:r>
+                    </a:p>
+                    <a:p>
+                      <a:r>
+                        <a:rPr lang="it-IT" sz="1200" noProof="0" dirty="0"/>
+                        <a:t>ottengo tutte le immagini di un album specifico.</a:t>
+                      </a:r>
+                    </a:p>
+                  </a:txBody>
+                  <a:tcPr marL="99060" marR="99060" marT="60960" marB="60960"/>
+                </a:tc>
+                <a:tc>
+                  <a:txBody>
+                    <a:bodyPr/>
+                    <a:lstStyle/>
+                    <a:p>
+                      <a:r>
+                        <a:rPr lang="it-IT" sz="1200" noProof="0" dirty="0"/>
+                        <a:t>GetImagesOfAlbum</a:t>
+                      </a:r>
+                      <a:r>
+                        <a:rPr lang="it-IT" sz="1200" baseline="0" noProof="0" dirty="0"/>
+                        <a:t> </a:t>
+                      </a:r>
+                      <a:r>
+                        <a:rPr lang="it-IT" sz="1200" noProof="0" dirty="0"/>
+                        <a:t>(servlet)</a:t>
+                      </a:r>
+                    </a:p>
+                  </a:txBody>
+                  <a:tcPr marL="99060" marR="99060" marT="60960" marB="60960"/>
+                </a:tc>
+                <a:extLst>
+                  <a:ext uri="{0D108BD9-81ED-4DB2-BD59-A6C34878D82A}">
+                    <a16:rowId xmlns:a16="http://schemas.microsoft.com/office/drawing/2014/main" val="10004"/>
+                  </a:ext>
+                </a:extLst>
+              </a:tr>
+              <a:tr h="583247">
+                <a:tc>
+                  <a:txBody>
+                    <a:bodyPr/>
+                    <a:lstStyle/>
+                    <a:p>
+                      <a:r>
+                        <a:rPr lang="it-IT" sz="1200" noProof="0" dirty="0"/>
+                        <a:t>Home page</a:t>
+                      </a:r>
+                      <a:r>
+                        <a:rPr lang="it-IT" sz="1200" noProof="0" dirty="0">
+                          <a:sym typeface="Wingdings" panose="05000000000000000000" pitchFamily="2" charset="2"/>
+                        </a:rPr>
+                        <a:t> elenco album drag&amp;drop album</a:t>
+                      </a:r>
+                      <a:endParaRPr lang="it-IT" sz="1200" noProof="0" dirty="0"/>
+                    </a:p>
+                  </a:txBody>
+                  <a:tcPr marL="99060" marR="99060" marT="60960" marB="60960"/>
+                </a:tc>
+                <a:tc>
+                  <a:txBody>
+                    <a:bodyPr/>
+                    <a:lstStyle/>
+                    <a:p>
+                      <a:r>
+                        <a:rPr lang="it-IT" sz="1200" noProof="0" dirty="0"/>
+                        <a:t>Function setDraggable</a:t>
+                      </a:r>
+                    </a:p>
+                  </a:txBody>
+                  <a:tcPr marL="99060" marR="99060" marT="60960" marB="60960"/>
+                </a:tc>
+                <a:tc>
+                  <a:txBody>
+                    <a:bodyPr/>
+                    <a:lstStyle/>
+                    <a:p>
+                      <a:r>
+                        <a:rPr lang="it-IT" sz="1200" noProof="0" dirty="0"/>
+                        <a:t>-</a:t>
+                      </a:r>
+                    </a:p>
+                  </a:txBody>
+                  <a:tcPr marL="99060" marR="99060" marT="60960" marB="60960"/>
+                </a:tc>
+                <a:tc>
+                  <a:txBody>
+                    <a:bodyPr/>
+                    <a:lstStyle/>
+                    <a:p>
+                      <a:r>
+                        <a:rPr lang="it-IT" sz="1200" noProof="0" dirty="0"/>
+                        <a:t>-</a:t>
+                      </a:r>
+                    </a:p>
+                  </a:txBody>
+                  <a:tcPr marL="99060" marR="99060" marT="60960" marB="60960"/>
+                </a:tc>
+                <a:extLst>
+                  <a:ext uri="{0D108BD9-81ED-4DB2-BD59-A6C34878D82A}">
+                    <a16:rowId xmlns:a16="http://schemas.microsoft.com/office/drawing/2014/main" val="10005"/>
+                  </a:ext>
+                </a:extLst>
+              </a:tr>
+              <a:tr h="583247">
+                <a:tc>
+                  <a:txBody>
+                    <a:bodyPr/>
+                    <a:lstStyle/>
+                    <a:p>
+                      <a:r>
+                        <a:rPr lang="it-IT" sz="1200" noProof="0" dirty="0"/>
+                        <a:t>Home page </a:t>
+                      </a:r>
+                      <a:r>
+                        <a:rPr lang="it-IT" sz="1200" noProof="0" dirty="0">
+                          <a:sym typeface="Wingdings" panose="05000000000000000000" pitchFamily="2" charset="2"/>
+                        </a:rPr>
+                        <a:t>elenco album  click </a:t>
+                      </a:r>
+                      <a:r>
+                        <a:rPr lang="it-IT" sz="1200" noProof="0" dirty="0"/>
+                        <a:t>bottone «Salva ordine album»</a:t>
+                      </a:r>
+                    </a:p>
+                  </a:txBody>
+                  <a:tcPr marL="99060" marR="99060" marT="60960" marB="60960"/>
+                </a:tc>
+                <a:tc>
+                  <a:txBody>
+                    <a:bodyPr/>
+                    <a:lstStyle/>
+                    <a:p>
+                      <a:pPr marL="0" marR="0" lvl="0" indent="0" algn="l" defTabSz="914400" rtl="0" eaLnBrk="1" fontAlgn="auto" latinLnBrk="0" hangingPunct="1">
+                        <a:lnSpc>
+                          <a:spcPct val="100000"/>
+                        </a:lnSpc>
+                        <a:spcBef>
+                          <a:spcPts val="0"/>
+                        </a:spcBef>
+                        <a:spcAft>
+                          <a:spcPts val="0"/>
+                        </a:spcAft>
+                        <a:buClr>
+                          <a:srgbClr val="000000"/>
+                        </a:buClr>
+                        <a:buSzTx/>
+                        <a:buFont typeface="Arial"/>
+                        <a:buNone/>
+                        <a:tabLst/>
+                        <a:defRPr/>
+                      </a:pPr>
+                      <a:r>
+                        <a:rPr lang="it-IT" sz="1200" noProof="0" dirty="0"/>
+                        <a:t>Function makeCall</a:t>
+                      </a:r>
+                    </a:p>
+                  </a:txBody>
+                  <a:tcPr marL="99060" marR="99060" marT="60960" marB="60960"/>
+                </a:tc>
+                <a:tc>
+                  <a:txBody>
+                    <a:bodyPr/>
+                    <a:lstStyle/>
+                    <a:p>
+                      <a:r>
+                        <a:rPr lang="it-IT" sz="1200" noProof="0" dirty="0"/>
+                        <a:t>POST(lista ordinamento album)</a:t>
+                      </a:r>
+                    </a:p>
+                  </a:txBody>
+                  <a:tcPr marL="99060" marR="99060" marT="60960" marB="60960"/>
+                </a:tc>
+                <a:tc>
+                  <a:txBody>
+                    <a:bodyPr/>
+                    <a:lstStyle/>
+                    <a:p>
+                      <a:r>
+                        <a:rPr lang="it-IT" sz="1200" noProof="0" dirty="0"/>
+                        <a:t>SaveAlbumOrder(servlet)</a:t>
+                      </a:r>
+                    </a:p>
+                  </a:txBody>
+                  <a:tcPr marL="99060" marR="99060" marT="60960" marB="60960"/>
+                </a:tc>
+                <a:extLst>
+                  <a:ext uri="{0D108BD9-81ED-4DB2-BD59-A6C34878D82A}">
+                    <a16:rowId xmlns:a16="http://schemas.microsoft.com/office/drawing/2014/main" val="10006"/>
+                  </a:ext>
+                </a:extLst>
+              </a:tr>
+              <a:tr h="506869">
+                <a:tc>
+                  <a:txBody>
+                    <a:bodyPr/>
+                    <a:lstStyle/>
+                    <a:p>
+                      <a:r>
+                        <a:rPr lang="it-IT" sz="1200" noProof="0" dirty="0"/>
+                        <a:t>Home page </a:t>
+                      </a:r>
+                      <a:r>
+                        <a:rPr lang="it-IT" sz="1200" noProof="0" dirty="0">
+                          <a:sym typeface="Wingdings" panose="05000000000000000000" pitchFamily="2" charset="2"/>
+                        </a:rPr>
+                        <a:t>immagini album  click </a:t>
+                      </a:r>
+                      <a:r>
+                        <a:rPr lang="it-IT" sz="1200" noProof="0" dirty="0"/>
+                        <a:t>next / previous button.</a:t>
+                      </a:r>
+                    </a:p>
+                  </a:txBody>
+                  <a:tcPr marL="99060" marR="99060" marT="60960" marB="60960"/>
+                </a:tc>
+                <a:tc>
+                  <a:txBody>
+                    <a:bodyPr/>
+                    <a:lstStyle/>
+                    <a:p>
+                      <a:r>
+                        <a:rPr lang="it-IT" sz="1200" noProof="0" dirty="0"/>
+                        <a:t>Function</a:t>
+                      </a:r>
+                      <a:r>
+                        <a:rPr lang="it-IT" sz="1200" baseline="0" noProof="0" dirty="0"/>
+                        <a:t> moveImageNext /</a:t>
+                      </a:r>
+                      <a:r>
+                        <a:rPr lang="it-IT" sz="1200" noProof="0" dirty="0"/>
+                        <a:t>Function</a:t>
+                      </a:r>
+                      <a:r>
+                        <a:rPr lang="it-IT" sz="1200" baseline="0" noProof="0" dirty="0"/>
+                        <a:t> moveImagePrevious</a:t>
+                      </a:r>
+                      <a:endParaRPr lang="it-IT" sz="1200" noProof="0" dirty="0"/>
+                    </a:p>
+                  </a:txBody>
+                  <a:tcPr marL="99060" marR="99060" marT="60960" marB="60960"/>
+                </a:tc>
+                <a:tc>
+                  <a:txBody>
+                    <a:bodyPr/>
+                    <a:lstStyle/>
+                    <a:p>
+                      <a:r>
+                        <a:rPr lang="it-IT" sz="1200" noProof="0" dirty="0"/>
+                        <a:t>-</a:t>
+                      </a:r>
+                    </a:p>
+                  </a:txBody>
+                  <a:tcPr marL="99060" marR="99060" marT="60960" marB="60960"/>
+                </a:tc>
+                <a:tc>
+                  <a:txBody>
+                    <a:bodyPr/>
+                    <a:lstStyle/>
+                    <a:p>
+                      <a:r>
+                        <a:rPr lang="it-IT" sz="1200" noProof="0" dirty="0"/>
+                        <a:t>-</a:t>
+                      </a:r>
+                    </a:p>
+                  </a:txBody>
+                  <a:tcPr marL="99060" marR="99060" marT="60960" marB="60960"/>
+                </a:tc>
+                <a:extLst>
+                  <a:ext uri="{0D108BD9-81ED-4DB2-BD59-A6C34878D82A}">
+                    <a16:rowId xmlns:a16="http://schemas.microsoft.com/office/drawing/2014/main" val="10007"/>
+                  </a:ext>
+                </a:extLst>
+              </a:tr>
+              <a:tr h="555007">
+                <a:tc>
+                  <a:txBody>
+                    <a:bodyPr/>
+                    <a:lstStyle/>
+                    <a:p>
+                      <a:r>
+                        <a:rPr lang="it-IT" sz="1200" noProof="0" dirty="0"/>
+                        <a:t>Home page </a:t>
+                      </a:r>
+                      <a:r>
+                        <a:rPr lang="it-IT" sz="1200" noProof="0" dirty="0">
+                          <a:sym typeface="Wingdings" panose="05000000000000000000" pitchFamily="2" charset="2"/>
+                        </a:rPr>
+                        <a:t> elenco album  mouse sopra l’immagine</a:t>
+                      </a:r>
+                      <a:endParaRPr lang="it-IT" sz="1200" noProof="0" dirty="0"/>
+                    </a:p>
+                  </a:txBody>
+                  <a:tcPr marL="99060" marR="99060" marT="60960" marB="60960"/>
+                </a:tc>
+                <a:tc>
+                  <a:txBody>
+                    <a:bodyPr/>
+                    <a:lstStyle/>
+                    <a:p>
+                      <a:pPr marL="0" marR="0" lvl="0" indent="0" algn="l" defTabSz="914400" rtl="0" eaLnBrk="1" fontAlgn="auto" latinLnBrk="0" hangingPunct="1">
+                        <a:lnSpc>
+                          <a:spcPct val="100000"/>
+                        </a:lnSpc>
+                        <a:spcBef>
+                          <a:spcPts val="0"/>
+                        </a:spcBef>
+                        <a:spcAft>
+                          <a:spcPts val="0"/>
+                        </a:spcAft>
+                        <a:buClrTx/>
+                        <a:buSzTx/>
+                        <a:buFontTx/>
+                        <a:buNone/>
+                        <a:tabLst/>
+                        <a:defRPr/>
+                      </a:pPr>
+                      <a:r>
+                        <a:rPr lang="it-IT" sz="1200" noProof="0" dirty="0"/>
+                        <a:t>Function orchestrator.showImageDetails -&gt; Function makeCall</a:t>
+                      </a:r>
+                    </a:p>
+                    <a:p>
+                      <a:endParaRPr lang="it-IT" sz="1200" noProof="0" dirty="0"/>
+                    </a:p>
+                  </a:txBody>
+                  <a:tcPr marL="99060" marR="99060" marT="60960" marB="60960"/>
+                </a:tc>
+                <a:tc>
+                  <a:txBody>
+                    <a:bodyPr/>
+                    <a:lstStyle/>
+                    <a:p>
+                      <a:r>
+                        <a:rPr lang="it-IT" sz="1200" noProof="0" dirty="0"/>
+                        <a:t>GET(imageId)</a:t>
+                      </a:r>
+                    </a:p>
+                  </a:txBody>
+                  <a:tcPr marL="99060" marR="99060" marT="60960" marB="60960"/>
+                </a:tc>
+                <a:tc>
+                  <a:txBody>
+                    <a:bodyPr/>
+                    <a:lstStyle/>
+                    <a:p>
+                      <a:r>
+                        <a:rPr lang="it-IT" sz="1200" noProof="0" dirty="0"/>
+                        <a:t>GetImageAndComment(servlet)</a:t>
+                      </a:r>
+                    </a:p>
+                  </a:txBody>
+                  <a:tcPr marL="99060" marR="99060" marT="60960" marB="60960"/>
+                </a:tc>
+                <a:extLst>
+                  <a:ext uri="{0D108BD9-81ED-4DB2-BD59-A6C34878D82A}">
+                    <a16:rowId xmlns:a16="http://schemas.microsoft.com/office/drawing/2014/main" val="10008"/>
+                  </a:ext>
+                </a:extLst>
+              </a:tr>
+              <a:tr h="506869">
+                <a:tc>
+                  <a:txBody>
+                    <a:bodyPr/>
+                    <a:lstStyle/>
+                    <a:p>
+                      <a:r>
+                        <a:rPr lang="it-IT" sz="1200" noProof="0" dirty="0"/>
+                        <a:t>Form comment</a:t>
+                      </a:r>
+                      <a:r>
+                        <a:rPr lang="it-IT" sz="1200" baseline="0" noProof="0" dirty="0"/>
+                        <a:t> </a:t>
+                      </a:r>
+                      <a:r>
+                        <a:rPr lang="it-IT" sz="1200" baseline="0" noProof="0" dirty="0">
+                          <a:sym typeface="Wingdings" panose="05000000000000000000" pitchFamily="2" charset="2"/>
+                        </a:rPr>
+                        <a:t> submit</a:t>
+                      </a:r>
+                      <a:endParaRPr lang="it-IT" sz="1200" noProof="0" dirty="0"/>
+                    </a:p>
+                  </a:txBody>
+                  <a:tcPr marL="99060" marR="99060" marT="60960" marB="60960"/>
+                </a:tc>
+                <a:tc>
+                  <a:txBody>
+                    <a:bodyPr/>
+                    <a:lstStyle/>
+                    <a:p>
+                      <a:r>
+                        <a:rPr lang="it-IT" sz="1200" noProof="0" dirty="0"/>
+                        <a:t>Function makeCall</a:t>
+                      </a:r>
+                    </a:p>
+                  </a:txBody>
+                  <a:tcPr marL="99060" marR="99060" marT="60960" marB="60960"/>
+                </a:tc>
+                <a:tc>
+                  <a:txBody>
+                    <a:bodyPr/>
+                    <a:lstStyle/>
+                    <a:p>
+                      <a:r>
+                        <a:rPr lang="it-IT" sz="1200" noProof="0" dirty="0"/>
+                        <a:t>POST (dati commento)</a:t>
+                      </a:r>
+                    </a:p>
+                  </a:txBody>
+                  <a:tcPr marL="99060" marR="99060" marT="60960" marB="60960"/>
+                </a:tc>
+                <a:tc>
+                  <a:txBody>
+                    <a:bodyPr/>
+                    <a:lstStyle/>
+                    <a:p>
+                      <a:r>
+                        <a:rPr lang="it-IT" sz="1200" noProof="0" dirty="0"/>
+                        <a:t>CreateComment(servlet)</a:t>
+                      </a:r>
+                    </a:p>
+                  </a:txBody>
+                  <a:tcPr marL="99060" marR="99060" marT="60960" marB="60960"/>
+                </a:tc>
+                <a:extLst>
+                  <a:ext uri="{0D108BD9-81ED-4DB2-BD59-A6C34878D82A}">
+                    <a16:rowId xmlns:a16="http://schemas.microsoft.com/office/drawing/2014/main" val="10009"/>
+                  </a:ext>
+                </a:extLst>
+              </a:tr>
+              <a:tr h="506869">
+                <a:tc>
+                  <a:txBody>
+                    <a:bodyPr/>
+                    <a:lstStyle/>
+                    <a:p>
+                      <a:r>
+                        <a:rPr lang="it-IT" sz="1200" noProof="0" dirty="0"/>
+                        <a:t>Home page </a:t>
+                      </a:r>
+                      <a:r>
+                        <a:rPr lang="it-IT" sz="1200" noProof="0" dirty="0">
+                          <a:sym typeface="Wingdings" panose="05000000000000000000" pitchFamily="2" charset="2"/>
+                        </a:rPr>
+                        <a:t> finestra modale sposto al di fuori il mouse e click / chiudo con la X.</a:t>
+                      </a:r>
+                      <a:endParaRPr lang="it-IT" sz="1200" noProof="0" dirty="0"/>
+                    </a:p>
+                  </a:txBody>
+                  <a:tcPr marL="99060" marR="99060" marT="60960" marB="60960"/>
+                </a:tc>
+                <a:tc>
+                  <a:txBody>
+                    <a:bodyPr/>
+                    <a:lstStyle/>
+                    <a:p>
+                      <a:r>
+                        <a:rPr lang="it-IT" sz="1200" noProof="0" dirty="0"/>
+                        <a:t>Function orchestrator.resetImageContainer</a:t>
+                      </a:r>
+                    </a:p>
+                  </a:txBody>
+                  <a:tcPr marL="99060" marR="99060" marT="60960" marB="60960"/>
+                </a:tc>
+                <a:tc>
+                  <a:txBody>
+                    <a:bodyPr/>
+                    <a:lstStyle/>
+                    <a:p>
+                      <a:r>
+                        <a:rPr lang="it-IT" sz="1200" noProof="0" dirty="0"/>
+                        <a:t>-</a:t>
+                      </a:r>
+                    </a:p>
+                  </a:txBody>
+                  <a:tcPr marL="99060" marR="99060" marT="60960" marB="60960"/>
+                </a:tc>
+                <a:tc>
+                  <a:txBody>
+                    <a:bodyPr/>
+                    <a:lstStyle/>
+                    <a:p>
+                      <a:r>
+                        <a:rPr lang="it-IT" sz="1200" noProof="0" dirty="0"/>
+                        <a:t>-</a:t>
+                      </a:r>
+                    </a:p>
+                  </a:txBody>
+                  <a:tcPr marL="99060" marR="99060" marT="60960" marB="60960"/>
+                </a:tc>
+                <a:extLst>
+                  <a:ext uri="{0D108BD9-81ED-4DB2-BD59-A6C34878D82A}">
+                    <a16:rowId xmlns:a16="http://schemas.microsoft.com/office/drawing/2014/main" val="3617842898"/>
+                  </a:ext>
+                </a:extLst>
+              </a:tr>
+            </a:tbl>
+          </a:graphicData>
+        </a:graphic>
+      </p:graphicFrame>
+    </p:spTree>
+    <p:extLst>
+      <p:ext uri="{BB962C8B-B14F-4D97-AF65-F5344CB8AC3E}">
+        <p14:creationId xmlns:p14="http://schemas.microsoft.com/office/powerpoint/2010/main" val="577903789"/>
+      </p:ext>
+    </p:extLst>
+  </p:cSld>
+  <p:clrMapOvr>
+    <a:masterClrMapping/>
+  </p:clrMapOvr>
+</p:sld>
+</file>
+
+<file path=ppt/slides/slide11.xml><?xml version="1.0" encoding="utf-8"?>
+<p:sld xmlns:a="http://schemas.openxmlformats.org/drawingml/2006/main" xmlns:r="http://schemas.openxmlformats.org/officeDocument/2006/relationships" xmlns:p="http://schemas.openxmlformats.org/presentationml/2006/main">
+  <p:cSld>
+    <p:spTree>
+      <p:nvGrpSpPr>
+        <p:cNvPr id="1" name=""/>
+        <p:cNvGrpSpPr/>
+        <p:nvPr/>
+      </p:nvGrpSpPr>
+      <p:grpSpPr>
+        <a:xfrm>
+          <a:off x="0" y="0"/>
+          <a:ext cx="0" cy="0"/>
+          <a:chOff x="0" y="0"/>
+          <a:chExt cx="0" cy="0"/>
+        </a:xfrm>
+      </p:grpSpPr>
+      <p:graphicFrame>
+        <p:nvGraphicFramePr>
+          <p:cNvPr id="5" name="Table 5">
+            <a:extLst>
+              <a:ext uri="{FF2B5EF4-FFF2-40B4-BE49-F238E27FC236}">
+                <a16:creationId xmlns:a16="http://schemas.microsoft.com/office/drawing/2014/main" id="{92A69241-AB65-4F83-9777-0194BECA215A}"/>
+              </a:ext>
+            </a:extLst>
+          </p:cNvPr>
+          <p:cNvGraphicFramePr>
+            <a:graphicFrameLocks noGrp="1"/>
+          </p:cNvGraphicFramePr>
+          <p:nvPr>
+            <p:extLst>
+              <p:ext uri="{D42A27DB-BD31-4B8C-83A1-F6EECF244321}">
+                <p14:modId xmlns:p14="http://schemas.microsoft.com/office/powerpoint/2010/main" val="2637414909"/>
+              </p:ext>
+            </p:extLst>
+          </p:nvPr>
+        </p:nvGraphicFramePr>
+        <p:xfrm>
+          <a:off x="0" y="0"/>
+          <a:ext cx="12191999" cy="2769832"/>
+        </p:xfrm>
+        <a:graphic>
+          <a:graphicData uri="http://schemas.openxmlformats.org/drawingml/2006/table">
+            <a:tbl>
+              <a:tblPr firstRow="1" bandRow="1">
+                <a:tableStyleId>{5C22544A-7EE6-4342-B048-85BDC9FD1C3A}</a:tableStyleId>
+              </a:tblPr>
+              <a:tblGrid>
+                <a:gridCol w="2670528">
+                  <a:extLst>
+                    <a:ext uri="{9D8B030D-6E8A-4147-A177-3AD203B41FA5}">
+                      <a16:colId xmlns:a16="http://schemas.microsoft.com/office/drawing/2014/main" val="20000"/>
+                    </a:ext>
+                  </a:extLst>
+                </a:gridCol>
+                <a:gridCol w="4138645">
+                  <a:extLst>
+                    <a:ext uri="{9D8B030D-6E8A-4147-A177-3AD203B41FA5}">
+                      <a16:colId xmlns:a16="http://schemas.microsoft.com/office/drawing/2014/main" val="20001"/>
+                    </a:ext>
+                  </a:extLst>
+                </a:gridCol>
+                <a:gridCol w="2266203">
+                  <a:extLst>
+                    <a:ext uri="{9D8B030D-6E8A-4147-A177-3AD203B41FA5}">
+                      <a16:colId xmlns:a16="http://schemas.microsoft.com/office/drawing/2014/main" val="20002"/>
+                    </a:ext>
+                  </a:extLst>
+                </a:gridCol>
+                <a:gridCol w="3116623">
+                  <a:extLst>
+                    <a:ext uri="{9D8B030D-6E8A-4147-A177-3AD203B41FA5}">
+                      <a16:colId xmlns:a16="http://schemas.microsoft.com/office/drawing/2014/main" val="20003"/>
+                    </a:ext>
+                  </a:extLst>
+                </a:gridCol>
+              </a:tblGrid>
+              <a:tr h="500807">
+                <a:tc gridSpan="2">
+                  <a:txBody>
+                    <a:bodyPr/>
+                    <a:lstStyle/>
+                    <a:p>
+                      <a:pPr marL="0" algn="ctr" defTabSz="914400" rtl="0" eaLnBrk="1" latinLnBrk="0" hangingPunct="1"/>
+                      <a:r>
+                        <a:rPr lang="it-IT" sz="1500" b="1" kern="1200" noProof="0" dirty="0">
+                          <a:solidFill>
+                            <a:schemeClr val="lt1"/>
+                          </a:solidFill>
+                          <a:latin typeface="+mn-lt"/>
+                          <a:ea typeface="+mn-ea"/>
+                          <a:cs typeface="+mn-cs"/>
+                        </a:rPr>
+                        <a:t>Client side</a:t>
+                      </a:r>
+                    </a:p>
+                  </a:txBody>
+                  <a:tcPr marL="99060" marR="99060" marT="60960" marB="60960"/>
+                </a:tc>
+                <a:tc hMerge="1">
+                  <a:txBody>
+                    <a:bodyPr/>
+                    <a:lstStyle/>
+                    <a:p>
+                      <a:endParaRPr lang="en-US" sz="1200" dirty="0"/>
+                    </a:p>
+                  </a:txBody>
+                  <a:tcPr/>
+                </a:tc>
+                <a:tc gridSpan="2">
+                  <a:txBody>
+                    <a:bodyPr/>
+                    <a:lstStyle/>
+                    <a:p>
+                      <a:pPr marL="0" algn="ctr" defTabSz="914400" rtl="0" eaLnBrk="1" latinLnBrk="0" hangingPunct="1"/>
+                      <a:r>
+                        <a:rPr lang="it-IT" sz="1500" b="1" kern="1200" noProof="0" dirty="0">
+                          <a:solidFill>
+                            <a:schemeClr val="lt1"/>
+                          </a:solidFill>
+                          <a:latin typeface="+mn-lt"/>
+                          <a:ea typeface="+mn-ea"/>
+                          <a:cs typeface="+mn-cs"/>
+                        </a:rPr>
+                        <a:t>Server side</a:t>
+                      </a:r>
+                    </a:p>
+                  </a:txBody>
+                  <a:tcPr marL="99060" marR="99060" marT="60960" marB="60960"/>
+                </a:tc>
+                <a:tc hMerge="1">
+                  <a:txBody>
+                    <a:bodyPr/>
+                    <a:lstStyle/>
+                    <a:p>
+                      <a:endParaRPr lang="en-US" sz="1200" dirty="0"/>
+                    </a:p>
+                  </a:txBody>
+                  <a:tcPr/>
+                </a:tc>
+                <a:extLst>
+                  <a:ext uri="{0D108BD9-81ED-4DB2-BD59-A6C34878D82A}">
+                    <a16:rowId xmlns:a16="http://schemas.microsoft.com/office/drawing/2014/main" val="10000"/>
+                  </a:ext>
+                </a:extLst>
+              </a:tr>
+              <a:tr h="432221">
+                <a:tc>
+                  <a:txBody>
+                    <a:bodyPr/>
+                    <a:lstStyle/>
+                    <a:p>
+                      <a:pPr marL="0" algn="ctr" defTabSz="914400" rtl="0" eaLnBrk="1" latinLnBrk="0" hangingPunct="1"/>
+                      <a:r>
+                        <a:rPr lang="it-IT" sz="1500" b="1" kern="1200" noProof="0" dirty="0">
+                          <a:solidFill>
+                            <a:schemeClr val="dk1"/>
+                          </a:solidFill>
+                          <a:latin typeface="+mn-lt"/>
+                          <a:ea typeface="+mn-ea"/>
+                          <a:cs typeface="+mn-cs"/>
+                        </a:rPr>
+                        <a:t>Evento</a:t>
+                      </a:r>
+                    </a:p>
+                  </a:txBody>
+                  <a:tcPr marL="99060" marR="99060" marT="60960" marB="60960"/>
+                </a:tc>
+                <a:tc>
+                  <a:txBody>
+                    <a:bodyPr/>
+                    <a:lstStyle/>
+                    <a:p>
+                      <a:pPr marL="0" algn="ctr" defTabSz="914400" rtl="0" eaLnBrk="1" latinLnBrk="0" hangingPunct="1"/>
+                      <a:r>
+                        <a:rPr lang="it-IT" sz="1500" b="1" kern="1200" noProof="0" dirty="0">
+                          <a:solidFill>
+                            <a:schemeClr val="dk1"/>
+                          </a:solidFill>
+                          <a:latin typeface="+mn-lt"/>
+                          <a:ea typeface="+mn-ea"/>
+                          <a:cs typeface="+mn-cs"/>
+                        </a:rPr>
+                        <a:t>Controllore</a:t>
+                      </a:r>
+                    </a:p>
+                  </a:txBody>
+                  <a:tcPr marL="99060" marR="99060" marT="60960" marB="60960"/>
+                </a:tc>
+                <a:tc>
+                  <a:txBody>
+                    <a:bodyPr/>
+                    <a:lstStyle/>
+                    <a:p>
+                      <a:pPr marL="0" algn="ctr" defTabSz="914400" rtl="0" eaLnBrk="1" latinLnBrk="0" hangingPunct="1"/>
+                      <a:r>
+                        <a:rPr lang="it-IT" sz="1500" b="1" kern="1200" noProof="0" dirty="0">
+                          <a:solidFill>
+                            <a:schemeClr val="dk1"/>
+                          </a:solidFill>
+                          <a:latin typeface="+mn-lt"/>
+                          <a:ea typeface="+mn-ea"/>
+                          <a:cs typeface="+mn-cs"/>
+                        </a:rPr>
+                        <a:t>Evento</a:t>
+                      </a:r>
+                    </a:p>
+                  </a:txBody>
+                  <a:tcPr marL="99060" marR="99060" marT="60960" marB="60960"/>
+                </a:tc>
+                <a:tc>
+                  <a:txBody>
+                    <a:bodyPr/>
+                    <a:lstStyle/>
+                    <a:p>
+                      <a:pPr marL="0" algn="ctr" defTabSz="914400" rtl="0" eaLnBrk="1" latinLnBrk="0" hangingPunct="1"/>
+                      <a:r>
+                        <a:rPr lang="it-IT" sz="1500" b="1" kern="1200" noProof="0" dirty="0">
+                          <a:solidFill>
+                            <a:schemeClr val="dk1"/>
+                          </a:solidFill>
+                          <a:latin typeface="+mn-lt"/>
+                          <a:ea typeface="+mn-ea"/>
+                          <a:cs typeface="+mn-cs"/>
+                        </a:rPr>
+                        <a:t>Controllore</a:t>
+                      </a:r>
+                    </a:p>
+                  </a:txBody>
+                  <a:tcPr marL="99060" marR="99060" marT="60960" marB="60960"/>
+                </a:tc>
+                <a:extLst>
+                  <a:ext uri="{0D108BD9-81ED-4DB2-BD59-A6C34878D82A}">
+                    <a16:rowId xmlns:a16="http://schemas.microsoft.com/office/drawing/2014/main" val="10001"/>
+                  </a:ext>
+                </a:extLst>
+              </a:tr>
+              <a:tr h="516716">
+                <a:tc>
+                  <a:txBody>
+                    <a:bodyPr/>
+                    <a:lstStyle/>
+                    <a:p>
+                      <a:pPr marL="0" marR="0" indent="0" algn="l" defTabSz="914400" rtl="0" eaLnBrk="1" fontAlgn="auto" latinLnBrk="0" hangingPunct="1">
+                        <a:lnSpc>
+                          <a:spcPct val="100000"/>
+                        </a:lnSpc>
+                        <a:spcBef>
+                          <a:spcPts val="0"/>
+                        </a:spcBef>
+                        <a:spcAft>
+                          <a:spcPts val="0"/>
+                        </a:spcAft>
+                        <a:buClr>
+                          <a:srgbClr val="000000"/>
+                        </a:buClr>
+                        <a:buSzTx/>
+                        <a:buFont typeface="Arial"/>
+                        <a:buNone/>
+                        <a:tabLst/>
+                        <a:defRPr/>
+                      </a:pPr>
+                      <a:r>
+                        <a:rPr lang="it-IT" sz="1200" noProof="0" dirty="0"/>
+                        <a:t>Home</a:t>
+                      </a:r>
+                      <a:r>
+                        <a:rPr lang="it-IT" sz="1200" baseline="0" noProof="0" dirty="0"/>
+                        <a:t> </a:t>
+                      </a:r>
+                      <a:r>
+                        <a:rPr lang="it-IT" sz="1200" baseline="0" noProof="0" dirty="0">
+                          <a:sym typeface="Wingdings" panose="05000000000000000000" pitchFamily="2" charset="2"/>
+                        </a:rPr>
+                        <a:t> login Button  submit</a:t>
+                      </a:r>
+                      <a:endParaRPr lang="it-IT" sz="1200" noProof="0" dirty="0"/>
+                    </a:p>
+                  </a:txBody>
+                  <a:tcPr marL="99060" marR="99060" marT="60960" marB="60960"/>
+                </a:tc>
+                <a:tc>
+                  <a:txBody>
+                    <a:bodyPr/>
+                    <a:lstStyle/>
+                    <a:p>
+                      <a:pPr marL="0" marR="0" indent="0" algn="l" defTabSz="914400" rtl="0" eaLnBrk="1" fontAlgn="auto" latinLnBrk="0" hangingPunct="1">
+                        <a:lnSpc>
+                          <a:spcPct val="100000"/>
+                        </a:lnSpc>
+                        <a:spcBef>
+                          <a:spcPts val="0"/>
+                        </a:spcBef>
+                        <a:spcAft>
+                          <a:spcPts val="0"/>
+                        </a:spcAft>
+                        <a:buClr>
+                          <a:srgbClr val="000000"/>
+                        </a:buClr>
+                        <a:buSzTx/>
+                        <a:buFont typeface="Arial"/>
+                        <a:buNone/>
+                        <a:tabLst/>
+                        <a:defRPr/>
+                      </a:pPr>
+                      <a:r>
+                        <a:rPr lang="it-IT" sz="1200" noProof="0" dirty="0"/>
+                        <a:t>Function makeCall</a:t>
+                      </a:r>
+                    </a:p>
+                  </a:txBody>
+                  <a:tcPr marL="99060" marR="99060" marT="60960" marB="60960"/>
+                </a:tc>
+                <a:tc>
+                  <a:txBody>
+                    <a:bodyPr/>
+                    <a:lstStyle/>
+                    <a:p>
+                      <a:pPr marL="0" marR="0" lvl="0" indent="0" algn="l" defTabSz="914400" rtl="0" eaLnBrk="1" fontAlgn="auto" latinLnBrk="0" hangingPunct="1">
+                        <a:lnSpc>
+                          <a:spcPct val="100000"/>
+                        </a:lnSpc>
+                        <a:spcBef>
+                          <a:spcPts val="0"/>
+                        </a:spcBef>
+                        <a:spcAft>
+                          <a:spcPts val="0"/>
+                        </a:spcAft>
+                        <a:buClr>
+                          <a:srgbClr val="000000"/>
+                        </a:buClr>
+                        <a:buSzTx/>
+                        <a:buFont typeface="Arial"/>
+                        <a:buNone/>
+                        <a:tabLst/>
+                        <a:defRPr/>
+                      </a:pPr>
+                      <a:r>
+                        <a:rPr lang="it-IT" sz="1200" noProof="0" dirty="0"/>
+                        <a:t>GET</a:t>
+                      </a:r>
+                      <a:r>
+                        <a:rPr lang="it-IT" sz="1200" baseline="0" noProof="0" dirty="0"/>
+                        <a:t> (nessun parametro) </a:t>
+                      </a:r>
+                      <a:endParaRPr lang="it-IT" sz="1200" noProof="0" dirty="0"/>
+                    </a:p>
+                  </a:txBody>
+                  <a:tcPr marL="99060" marR="99060" marT="60960" marB="60960"/>
+                </a:tc>
+                <a:tc>
+                  <a:txBody>
+                    <a:bodyPr/>
+                    <a:lstStyle/>
+                    <a:p>
+                      <a:r>
+                        <a:rPr lang="it-IT" sz="1200" noProof="0" dirty="0"/>
+                        <a:t>GoLogin (servlet)</a:t>
+                      </a:r>
+                    </a:p>
+                  </a:txBody>
+                  <a:tcPr marL="99060" marR="99060" marT="60960" marB="60960"/>
+                </a:tc>
+                <a:extLst>
+                  <a:ext uri="{0D108BD9-81ED-4DB2-BD59-A6C34878D82A}">
+                    <a16:rowId xmlns:a16="http://schemas.microsoft.com/office/drawing/2014/main" val="10002"/>
+                  </a:ext>
+                </a:extLst>
+              </a:tr>
+              <a:tr h="729694">
+                <a:tc>
+                  <a:txBody>
+                    <a:bodyPr/>
+                    <a:lstStyle/>
+                    <a:p>
+                      <a:pPr marL="0" marR="0" lvl="0" indent="0" algn="l" defTabSz="914400" rtl="0" eaLnBrk="1" fontAlgn="auto" latinLnBrk="0" hangingPunct="1">
+                        <a:lnSpc>
+                          <a:spcPct val="100000"/>
+                        </a:lnSpc>
+                        <a:spcBef>
+                          <a:spcPts val="0"/>
+                        </a:spcBef>
+                        <a:spcAft>
+                          <a:spcPts val="0"/>
+                        </a:spcAft>
+                        <a:buClr>
+                          <a:srgbClr val="000000"/>
+                        </a:buClr>
+                        <a:buSzTx/>
+                        <a:buFont typeface="Arial"/>
+                        <a:buNone/>
+                        <a:tabLst/>
+                        <a:defRPr/>
+                      </a:pPr>
+                      <a:r>
+                        <a:rPr lang="it-IT" sz="1200" noProof="0" dirty="0"/>
+                        <a:t>Home</a:t>
+                      </a:r>
+                      <a:r>
+                        <a:rPr lang="it-IT" sz="1200" baseline="0" noProof="0" dirty="0"/>
+                        <a:t> </a:t>
+                      </a:r>
+                      <a:r>
+                        <a:rPr lang="it-IT" sz="1200" baseline="0" noProof="0" dirty="0">
+                          <a:sym typeface="Wingdings" panose="05000000000000000000" pitchFamily="2" charset="2"/>
+                        </a:rPr>
+                        <a:t> logout Button  submit</a:t>
+                      </a:r>
+                      <a:endParaRPr lang="it-IT" sz="1200" noProof="0" dirty="0"/>
+                    </a:p>
+                    <a:p>
+                      <a:pPr marL="0" marR="0" indent="0" algn="l" defTabSz="914400" rtl="0" eaLnBrk="1" fontAlgn="auto" latinLnBrk="0" hangingPunct="1">
+                        <a:lnSpc>
+                          <a:spcPct val="100000"/>
+                        </a:lnSpc>
+                        <a:spcBef>
+                          <a:spcPts val="0"/>
+                        </a:spcBef>
+                        <a:spcAft>
+                          <a:spcPts val="0"/>
+                        </a:spcAft>
+                        <a:buClr>
+                          <a:srgbClr val="000000"/>
+                        </a:buClr>
+                        <a:buSzTx/>
+                        <a:buFont typeface="Arial"/>
+                        <a:buNone/>
+                        <a:tabLst/>
+                        <a:defRPr/>
+                      </a:pPr>
+                      <a:endParaRPr lang="it-IT" sz="1200" noProof="0" dirty="0"/>
+                    </a:p>
+                  </a:txBody>
+                  <a:tcPr marL="99060" marR="99060" marT="60960" marB="60960"/>
+                </a:tc>
+                <a:tc>
+                  <a:txBody>
+                    <a:bodyPr/>
+                    <a:lstStyle/>
+                    <a:p>
+                      <a:pPr marL="0" marR="0" indent="0" algn="l" defTabSz="914400" rtl="0" eaLnBrk="1" fontAlgn="auto" latinLnBrk="0" hangingPunct="1">
+                        <a:lnSpc>
+                          <a:spcPct val="100000"/>
+                        </a:lnSpc>
+                        <a:spcBef>
+                          <a:spcPts val="0"/>
+                        </a:spcBef>
+                        <a:spcAft>
+                          <a:spcPts val="0"/>
+                        </a:spcAft>
+                        <a:buClr>
+                          <a:srgbClr val="000000"/>
+                        </a:buClr>
+                        <a:buSzTx/>
+                        <a:buFont typeface="Arial"/>
+                        <a:buNone/>
+                        <a:tabLst/>
+                        <a:defRPr/>
+                      </a:pPr>
+                      <a:r>
+                        <a:rPr lang="it-IT" sz="1200" noProof="0" dirty="0"/>
+                        <a:t>Function makeCall</a:t>
+                      </a:r>
+                    </a:p>
+                  </a:txBody>
+                  <a:tcPr marL="99060" marR="99060" marT="60960" marB="60960"/>
+                </a:tc>
+                <a:tc>
+                  <a:txBody>
+                    <a:bodyPr/>
+                    <a:lstStyle/>
+                    <a:p>
+                      <a:pPr marL="0" marR="0" lvl="0" indent="0" algn="l" defTabSz="914400" rtl="0" eaLnBrk="1" fontAlgn="auto" latinLnBrk="0" hangingPunct="1">
+                        <a:lnSpc>
+                          <a:spcPct val="100000"/>
+                        </a:lnSpc>
+                        <a:spcBef>
+                          <a:spcPts val="0"/>
+                        </a:spcBef>
+                        <a:spcAft>
+                          <a:spcPts val="0"/>
+                        </a:spcAft>
+                        <a:buClr>
+                          <a:srgbClr val="000000"/>
+                        </a:buClr>
+                        <a:buSzTx/>
+                        <a:buFont typeface="Arial"/>
+                        <a:buNone/>
+                        <a:tabLst/>
+                        <a:defRPr/>
+                      </a:pPr>
+                      <a:r>
+                        <a:rPr lang="it-IT" sz="1200" noProof="0" dirty="0"/>
+                        <a:t>GET</a:t>
+                      </a:r>
+                      <a:r>
+                        <a:rPr lang="it-IT" sz="1200" baseline="0" noProof="0" dirty="0"/>
+                        <a:t> (nessun parametro) </a:t>
+                      </a:r>
+                      <a:endParaRPr lang="it-IT" sz="1200" noProof="0" dirty="0"/>
+                    </a:p>
+                    <a:p>
+                      <a:pPr marL="0" marR="0" indent="0" algn="l" defTabSz="914400" rtl="0" eaLnBrk="1" fontAlgn="auto" latinLnBrk="0" hangingPunct="1">
+                        <a:lnSpc>
+                          <a:spcPct val="100000"/>
+                        </a:lnSpc>
+                        <a:spcBef>
+                          <a:spcPts val="0"/>
+                        </a:spcBef>
+                        <a:spcAft>
+                          <a:spcPts val="0"/>
+                        </a:spcAft>
+                        <a:buClr>
+                          <a:srgbClr val="000000"/>
+                        </a:buClr>
+                        <a:buSzTx/>
+                        <a:buFont typeface="Arial"/>
+                        <a:buNone/>
+                        <a:tabLst/>
+                        <a:defRPr/>
+                      </a:pPr>
+                      <a:endParaRPr lang="it-IT" sz="1200" noProof="0" dirty="0"/>
+                    </a:p>
+                  </a:txBody>
+                  <a:tcPr marL="99060" marR="99060" marT="60960" marB="60960"/>
+                </a:tc>
+                <a:tc>
+                  <a:txBody>
+                    <a:bodyPr/>
+                    <a:lstStyle/>
+                    <a:p>
+                      <a:r>
+                        <a:rPr lang="it-IT" sz="1200" noProof="0" dirty="0"/>
+                        <a:t>Logout (servlet)</a:t>
+                      </a:r>
+                    </a:p>
+                    <a:p>
+                      <a:endParaRPr lang="it-IT" sz="1200" noProof="0" dirty="0"/>
+                    </a:p>
+                  </a:txBody>
+                  <a:tcPr marL="99060" marR="99060" marT="60960" marB="60960"/>
+                </a:tc>
+                <a:extLst>
+                  <a:ext uri="{0D108BD9-81ED-4DB2-BD59-A6C34878D82A}">
+                    <a16:rowId xmlns:a16="http://schemas.microsoft.com/office/drawing/2014/main" val="376952003"/>
+                  </a:ext>
+                </a:extLst>
+              </a:tr>
+              <a:tr h="590394">
+                <a:tc>
+                  <a:txBody>
+                    <a:bodyPr/>
+                    <a:lstStyle/>
+                    <a:p>
+                      <a:r>
+                        <a:rPr lang="it-IT" sz="1200" noProof="0" dirty="0"/>
+                        <a:t>Home page </a:t>
+                      </a:r>
+                      <a:r>
+                        <a:rPr lang="it-IT" sz="1200" noProof="0" dirty="0">
+                          <a:sym typeface="Wingdings" panose="05000000000000000000" pitchFamily="2" charset="2"/>
+                        </a:rPr>
+                        <a:t> Finestra Modale  click bottone «Login to Comment»</a:t>
+                      </a:r>
+                      <a:endParaRPr lang="it-IT" sz="1200" noProof="0" dirty="0"/>
+                    </a:p>
+                  </a:txBody>
+                  <a:tcPr marL="99060" marR="99060" marT="60960" marB="60960"/>
+                </a:tc>
+                <a:tc>
+                  <a:txBody>
+                    <a:bodyPr/>
+                    <a:lstStyle/>
+                    <a:p>
+                      <a:pPr marL="0" marR="0" indent="0" algn="l" defTabSz="914400" rtl="0" eaLnBrk="1" fontAlgn="auto" latinLnBrk="0" hangingPunct="1">
+                        <a:lnSpc>
+                          <a:spcPct val="100000"/>
+                        </a:lnSpc>
+                        <a:spcBef>
+                          <a:spcPts val="0"/>
+                        </a:spcBef>
+                        <a:spcAft>
+                          <a:spcPts val="0"/>
+                        </a:spcAft>
+                        <a:buClr>
+                          <a:srgbClr val="000000"/>
+                        </a:buClr>
+                        <a:buSzTx/>
+                        <a:buFont typeface="Arial"/>
+                        <a:buNone/>
+                        <a:tabLst/>
+                        <a:defRPr/>
+                      </a:pPr>
+                      <a:r>
+                        <a:rPr lang="it-IT" sz="1200" noProof="0" dirty="0"/>
+                        <a:t>Function makeCall</a:t>
+                      </a:r>
+                    </a:p>
+                  </a:txBody>
+                  <a:tcPr marL="99060" marR="99060" marT="60960" marB="60960"/>
+                </a:tc>
+                <a:tc>
+                  <a:txBody>
+                    <a:bodyPr/>
+                    <a:lstStyle/>
+                    <a:p>
+                      <a:pPr marL="0" marR="0" lvl="0" indent="0" algn="l" defTabSz="914400" rtl="0" eaLnBrk="1" fontAlgn="auto" latinLnBrk="0" hangingPunct="1">
+                        <a:lnSpc>
+                          <a:spcPct val="100000"/>
+                        </a:lnSpc>
+                        <a:spcBef>
+                          <a:spcPts val="0"/>
+                        </a:spcBef>
+                        <a:spcAft>
+                          <a:spcPts val="0"/>
+                        </a:spcAft>
+                        <a:buClr>
+                          <a:srgbClr val="000000"/>
+                        </a:buClr>
+                        <a:buSzTx/>
+                        <a:buFont typeface="Arial"/>
+                        <a:buNone/>
+                        <a:tabLst/>
+                        <a:defRPr/>
+                      </a:pPr>
+                      <a:r>
+                        <a:rPr lang="it-IT" sz="1200" noProof="0" dirty="0"/>
+                        <a:t>GET</a:t>
+                      </a:r>
+                      <a:r>
+                        <a:rPr lang="it-IT" sz="1200" baseline="0" noProof="0" dirty="0"/>
+                        <a:t> (nessun parametro) </a:t>
+                      </a:r>
+                      <a:endParaRPr lang="it-IT" sz="1200" noProof="0" dirty="0"/>
+                    </a:p>
+                  </a:txBody>
+                  <a:tcPr marL="99060" marR="99060" marT="60960" marB="60960"/>
+                </a:tc>
+                <a:tc>
+                  <a:txBody>
+                    <a:bodyPr/>
+                    <a:lstStyle/>
+                    <a:p>
+                      <a:r>
+                        <a:rPr lang="it-IT" sz="1200" noProof="0" dirty="0"/>
+                        <a:t>GoLogin (servlet)</a:t>
+                      </a:r>
+                    </a:p>
+                  </a:txBody>
+                  <a:tcPr marL="99060" marR="99060" marT="60960" marB="60960"/>
+                </a:tc>
+                <a:extLst>
+                  <a:ext uri="{0D108BD9-81ED-4DB2-BD59-A6C34878D82A}">
+                    <a16:rowId xmlns:a16="http://schemas.microsoft.com/office/drawing/2014/main" val="2815778824"/>
+                  </a:ext>
+                </a:extLst>
+              </a:tr>
+            </a:tbl>
+          </a:graphicData>
+        </a:graphic>
+      </p:graphicFrame>
+    </p:spTree>
+    <p:extLst>
+      <p:ext uri="{BB962C8B-B14F-4D97-AF65-F5344CB8AC3E}">
+        <p14:creationId xmlns:p14="http://schemas.microsoft.com/office/powerpoint/2010/main" val="98046410"/>
+      </p:ext>
+    </p:extLst>
+  </p:cSld>
+  <p:clrMapOvr>
+    <a:masterClrMapping/>
+  </p:clrMapOvr>
+</p:sld>
+</file>
+
 <file path=ppt/slides/slide2.xml><?xml version="1.0" encoding="utf-8"?>
 <p:sld xmlns:a="http://schemas.openxmlformats.org/drawingml/2006/main" xmlns:r="http://schemas.openxmlformats.org/officeDocument/2006/relationships" xmlns:p="http://schemas.openxmlformats.org/presentationml/2006/main">
   <p:cSld>
@@ -7973,7 +10135,7 @@
                 <a:cs typeface="Calibri"/>
                 <a:sym typeface="Calibri"/>
               </a:rPr>
-              <a:t>[text, imageId]</a:t>
+              <a:t>[text]</a:t>
             </a:r>
           </a:p>
           <a:p>
@@ -10701,10 +12863,9 @@
               <a:buChar char="•"/>
             </a:pPr>
             <a:r>
-              <a:rPr lang="it-IT" sz="1400" dirty="0" err="1"/>
+              <a:rPr lang="it-IT" sz="1400" dirty="0"/>
               <a:t>LoginForm</a:t>
             </a:r>
-            <a:endParaRPr lang="it-IT" sz="1400" dirty="0"/>
           </a:p>
           <a:p>
             <a:pPr marL="1200150" lvl="2" indent="-285750">
@@ -10722,10 +12883,9 @@
               <a:buChar char="•"/>
             </a:pPr>
             <a:r>
-              <a:rPr lang="it-IT" sz="1400" dirty="0" err="1"/>
+              <a:rPr lang="it-IT" sz="1400" dirty="0"/>
               <a:t>Registrationform</a:t>
             </a:r>
-            <a:endParaRPr lang="it-IT" sz="1400" dirty="0"/>
           </a:p>
           <a:p>
             <a:pPr marL="1085850" lvl="2" indent="-171450">
@@ -10763,10 +12923,9 @@
               <a:buChar char="•"/>
             </a:pPr>
             <a:r>
-              <a:rPr lang="it-IT" sz="1400" dirty="0" err="1"/>
+              <a:rPr lang="it-IT" sz="1400" dirty="0"/>
               <a:t>NewAccountButton</a:t>
             </a:r>
-            <a:endParaRPr lang="it-IT" sz="1400" dirty="0"/>
           </a:p>
           <a:p>
             <a:pPr marL="1085850" lvl="2" indent="-171450">
@@ -10784,12 +12943,8 @@
               <a:buChar char="•"/>
             </a:pPr>
             <a:r>
-              <a:rPr lang="it-IT" sz="1200" dirty="0" err="1"/>
-              <a:t>Hide</a:t>
-            </a:r>
-            <a:r>
               <a:rPr lang="it-IT" sz="1200" dirty="0"/>
-              <a:t>(); cambia la visibilità per nascondere il bottone</a:t>
+              <a:t>Hide(); cambia la visibilità per nascondere il bottone</a:t>
             </a:r>
           </a:p>
           <a:p>
@@ -10808,10 +12963,9 @@
               <a:buChar char="•"/>
             </a:pPr>
             <a:r>
-              <a:rPr lang="it-IT" sz="1400" dirty="0" err="1"/>
+              <a:rPr lang="it-IT" sz="1400" dirty="0"/>
               <a:t>GuestButton</a:t>
             </a:r>
-            <a:endParaRPr lang="it-IT" sz="1400" dirty="0"/>
           </a:p>
           <a:p>
             <a:pPr marL="1085850" lvl="2" indent="-171450">
@@ -10820,15 +12974,7 @@
             </a:pPr>
             <a:r>
               <a:rPr lang="it-IT" sz="1200" dirty="0"/>
-              <a:t>RegisterEvents(): associa all’evento «click» la funzione che interroga il server per controllare che l’ utente non sia loggato e reindirizza alla pagina «</a:t>
-            </a:r>
-            <a:r>
-              <a:rPr lang="it-IT" sz="1200" dirty="0" err="1"/>
-              <a:t>OnePage.Html</a:t>
-            </a:r>
-            <a:r>
-              <a:rPr lang="it-IT" sz="1200" dirty="0"/>
-              <a:t>»</a:t>
+              <a:t>RegisterEvents(): associa all’evento «click» la funzione che interroga il server per controllare che l’ utente non sia loggato e reindirizza alla pagina «OnePage.Html»</a:t>
             </a:r>
           </a:p>
           <a:p>
@@ -10924,8 +13070,8 @@
         </p:nvSpPr>
         <p:spPr>
           <a:xfrm>
-            <a:off x="960120" y="-99894"/>
-            <a:ext cx="6496050" cy="6308849"/>
+            <a:off x="0" y="0"/>
+            <a:ext cx="6096000" cy="6308849"/>
           </a:xfrm>
           <a:prstGeom prst="rect">
             <a:avLst/>
@@ -11134,7 +13280,7 @@
               <a:t>(</a:t>
             </a:r>
             <a:r>
-              <a:rPr lang="en-US" sz="1200" dirty="0" err="1">
+              <a:rPr lang="en-US" sz="1200" dirty="0">
                 <a:solidFill>
                   <a:srgbClr val="000000"/>
                 </a:solidFill>
@@ -11161,53 +13307,20 @@
           <a:p>
             <a:pPr lvl="2"/>
             <a:r>
-              <a:rPr lang="it-IT" sz="1200" b="1" dirty="0" err="1"/>
+              <a:rPr lang="it-IT" sz="1200" b="1" dirty="0"/>
               <a:t>setDraggable</a:t>
             </a:r>
             <a:r>
               <a:rPr lang="it-IT" sz="1200" dirty="0"/>
-              <a:t>(): gestisce il drag &amp; drop aggiungendo ad ogni riga della tabella degli </a:t>
-            </a:r>
-            <a:r>
-              <a:rPr lang="it-IT" sz="1200" dirty="0" err="1"/>
-              <a:t>eventListener</a:t>
-            </a:r>
-            <a:r>
-              <a:rPr lang="it-IT" sz="1200" dirty="0"/>
-              <a:t> associati a «</a:t>
-            </a:r>
-            <a:r>
-              <a:rPr lang="it-IT" sz="1200" dirty="0" err="1"/>
-              <a:t>dragstart</a:t>
-            </a:r>
-            <a:r>
-              <a:rPr lang="it-IT" sz="1200" dirty="0"/>
-              <a:t>» «</a:t>
-            </a:r>
-            <a:r>
-              <a:rPr lang="it-IT" sz="1200" dirty="0" err="1"/>
-              <a:t>dragend</a:t>
-            </a:r>
-            <a:r>
-              <a:rPr lang="it-IT" sz="1200" dirty="0"/>
-              <a:t>» «</a:t>
-            </a:r>
-            <a:r>
-              <a:rPr lang="it-IT" sz="1200" dirty="0" err="1"/>
-              <a:t>dragover</a:t>
-            </a:r>
-            <a:r>
-              <a:rPr lang="it-IT" sz="1200" dirty="0"/>
-              <a:t>»</a:t>
+              <a:t>(): gestisce il drag &amp; drop aggiungendo ad ogni riga della tabella degli eventListener associati a «dragstart» «dragend» «dragover»</a:t>
             </a:r>
           </a:p>
           <a:p>
             <a:pPr lvl="1"/>
             <a:r>
-              <a:rPr lang="it-IT" sz="1400" b="1" dirty="0" err="1"/>
+              <a:rPr lang="it-IT" sz="1400" b="1" dirty="0"/>
               <a:t>ImageList</a:t>
             </a:r>
-            <a:endParaRPr lang="it-IT" sz="1400" b="1" dirty="0"/>
           </a:p>
           <a:p>
             <a:pPr lvl="2"/>
@@ -11217,15 +13330,7 @@
             </a:r>
             <a:r>
               <a:rPr lang="it-IT" sz="1200" dirty="0"/>
-              <a:t>(albumId): richiede al server l’elenco delle immagini di un dato album le salva globalmente nel componente </a:t>
-            </a:r>
-            <a:r>
-              <a:rPr lang="it-IT" sz="1200" dirty="0" err="1"/>
-              <a:t>ImageList</a:t>
-            </a:r>
-            <a:r>
-              <a:rPr lang="it-IT" sz="1200" dirty="0"/>
-              <a:t> e invoca l’ update();</a:t>
+              <a:t>(albumId): richiede al server l’elenco delle immagini di un dato album le salva globalmente nel componente ImageList e invoca l’ update();</a:t>
             </a:r>
           </a:p>
           <a:p>
@@ -11236,26 +13341,10 @@
             </a:r>
             <a:r>
               <a:rPr lang="it-IT" sz="1200" dirty="0"/>
-              <a:t>(): visualizza 5 immagini in base ai parametri globali del componente </a:t>
-            </a:r>
-            <a:r>
-              <a:rPr lang="it-IT" sz="1200" dirty="0" err="1"/>
-              <a:t>ImageList</a:t>
-            </a:r>
-            <a:r>
-              <a:rPr lang="it-IT" sz="1200" dirty="0"/>
-              <a:t> e aggiunge un </a:t>
-            </a:r>
-            <a:r>
-              <a:rPr lang="it-IT" sz="1200" dirty="0" err="1"/>
-              <a:t>eventListener</a:t>
-            </a:r>
-            <a:r>
-              <a:rPr lang="it-IT" sz="1200" dirty="0"/>
-              <a:t> «</a:t>
-            </a:r>
-            <a:r>
-              <a:rPr lang="en-US" sz="1200" dirty="0" err="1"/>
+              <a:t>(): visualizza 5 immagini in base ai parametri globali del componente ImageList e aggiunge un eventListener «</a:t>
+            </a:r>
+            <a:r>
+              <a:rPr lang="en-US" sz="1200" dirty="0"/>
               <a:t>mouseenter</a:t>
             </a:r>
             <a:r>
@@ -11299,7 +13388,7 @@
           <a:p>
             <a:pPr lvl="2"/>
             <a:r>
-              <a:rPr lang="en-US" sz="1200" b="1" dirty="0" err="1"/>
+              <a:rPr lang="en-US" sz="1200" b="1" dirty="0"/>
               <a:t>resetButtonsNextAndPrevious</a:t>
             </a:r>
             <a:r>
@@ -11310,7 +13399,7 @@
           <a:p>
             <a:pPr lvl="2"/>
             <a:r>
-              <a:rPr lang="en-US" sz="1200" b="1" dirty="0" err="1"/>
+              <a:rPr lang="en-US" sz="1200" b="1" dirty="0"/>
               <a:t>resetImages</a:t>
             </a:r>
             <a:r>
@@ -11325,10 +13414,9 @@
           <a:p>
             <a:pPr marL="742950" lvl="1" indent="-285750"/>
             <a:r>
-              <a:rPr lang="it-IT" sz="1400" b="1" dirty="0" err="1"/>
+              <a:rPr lang="it-IT" sz="1400" b="1" dirty="0"/>
               <a:t>ImageDetails</a:t>
             </a:r>
-            <a:endParaRPr lang="it-IT" sz="1400" b="1" dirty="0"/>
           </a:p>
           <a:p>
             <a:pPr marL="1085850" lvl="2" indent="-171450"/>
@@ -11349,21 +13437,13 @@
             </a:r>
             <a:r>
               <a:rPr lang="it-IT" sz="1200" dirty="0"/>
-              <a:t>(</a:t>
-            </a:r>
-            <a:r>
-              <a:rPr lang="it-IT" sz="1200" dirty="0" err="1"/>
-              <a:t>imageAndComments</a:t>
-            </a:r>
-            <a:r>
-              <a:rPr lang="it-IT" sz="1200" dirty="0"/>
-              <a:t>): riceve dati server e aggiorna i dettagli dell’immagine</a:t>
+              <a:t>(imageAndComments): riceve dati server e aggiorna i dettagli dell’immagine</a:t>
             </a:r>
           </a:p>
           <a:p>
             <a:pPr marL="1085850" lvl="2" indent="-171450"/>
             <a:r>
-              <a:rPr lang="it-IT" sz="1200" b="1" dirty="0" err="1"/>
+              <a:rPr lang="it-IT" sz="1200" b="1" dirty="0"/>
               <a:t>showComments</a:t>
             </a:r>
             <a:r>
@@ -11374,28 +13454,12 @@
           <a:p>
             <a:pPr marL="1085850" lvl="2" indent="-171450"/>
             <a:r>
-              <a:rPr lang="it-IT" sz="1200" b="1" dirty="0" err="1"/>
+              <a:rPr lang="it-IT" sz="1200" b="1" dirty="0"/>
               <a:t>addNewComment</a:t>
             </a:r>
             <a:r>
               <a:rPr lang="it-IT" sz="1200" dirty="0"/>
-              <a:t>(</a:t>
-            </a:r>
-            <a:r>
-              <a:rPr lang="it-IT" sz="1200" dirty="0" err="1"/>
-              <a:t>comment</a:t>
-            </a:r>
-            <a:r>
-              <a:rPr lang="it-IT" sz="1200" dirty="0"/>
-              <a:t>): aggiunge un nuovo commento da </a:t>
-            </a:r>
-            <a:r>
-              <a:rPr lang="it-IT" sz="1200" dirty="0" err="1"/>
-              <a:t>visuallizzare</a:t>
-            </a:r>
-            <a:r>
-              <a:rPr lang="it-IT" sz="1200" dirty="0"/>
-              <a:t> </a:t>
+              <a:t>(comment): aggiunge un nuovo commento da visualizzare </a:t>
             </a:r>
           </a:p>
           <a:p>
@@ -11429,8 +13493,8 @@
         </p:nvSpPr>
         <p:spPr>
           <a:xfrm>
-            <a:off x="6929121" y="290048"/>
-            <a:ext cx="5062582" cy="4978799"/>
+            <a:off x="6096000" y="287485"/>
+            <a:ext cx="6096000" cy="5816977"/>
           </a:xfrm>
           <a:prstGeom prst="rect">
             <a:avLst/>
@@ -11454,10 +13518,9 @@
               <a:buChar char="•"/>
             </a:pPr>
             <a:r>
-              <a:rPr lang="it-IT" sz="1200" b="1" dirty="0" err="1"/>
+              <a:rPr lang="it-IT" sz="1400" b="1" dirty="0"/>
               <a:t>AlertModal</a:t>
             </a:r>
-            <a:endParaRPr lang="it-IT" sz="1200" b="1" dirty="0"/>
           </a:p>
           <a:p>
             <a:pPr marL="1085850" lvl="2" indent="-171450">
@@ -11471,20 +13534,12 @@
               <a:buChar char="•"/>
             </a:pPr>
             <a:r>
-              <a:rPr lang="it-IT" sz="1200" b="1" dirty="0" err="1"/>
+              <a:rPr lang="it-IT" sz="1200" b="1" dirty="0"/>
               <a:t>registerEvents</a:t>
             </a:r>
             <a:r>
               <a:rPr lang="it-IT" sz="1200" dirty="0"/>
-              <a:t>(): associa all’evento «click» la funzione che chiude la finestra modale dell’</a:t>
-            </a:r>
-            <a:r>
-              <a:rPr lang="it-IT" sz="1200" dirty="0" err="1"/>
-              <a:t>alert</a:t>
-            </a:r>
-            <a:r>
-              <a:rPr lang="it-IT" sz="1200" dirty="0"/>
-              <a:t>.</a:t>
+              <a:t>(): associa all’evento «click» la funzione che chiude la finestra modale dell’alert.</a:t>
             </a:r>
           </a:p>
           <a:p>
@@ -11504,23 +13559,7 @@
             </a:r>
             <a:r>
               <a:rPr lang="it-IT" sz="1200" dirty="0"/>
-              <a:t>(</a:t>
-            </a:r>
-            <a:r>
-              <a:rPr lang="it-IT" sz="1200" dirty="0" err="1"/>
-              <a:t>message</a:t>
-            </a:r>
-            <a:r>
-              <a:rPr lang="it-IT" sz="1200" dirty="0"/>
-              <a:t>): resetta l’</a:t>
-            </a:r>
-            <a:r>
-              <a:rPr lang="it-IT" sz="1200" dirty="0" err="1"/>
-              <a:t>alert</a:t>
-            </a:r>
-            <a:r>
-              <a:rPr lang="it-IT" sz="1200" dirty="0"/>
-              <a:t>, inserisce un nuovo messaggio e poi lo mostra.</a:t>
+              <a:t>(message): resetta l’alert, inserisce un nuovo messaggio e poi lo mostra.</a:t>
             </a:r>
           </a:p>
           <a:p>
@@ -11540,23 +13579,7 @@
             </a:r>
             <a:r>
               <a:rPr lang="it-IT" sz="1200" dirty="0"/>
-              <a:t>(</a:t>
-            </a:r>
-            <a:r>
-              <a:rPr lang="it-IT" sz="1200" dirty="0" err="1"/>
-              <a:t>message</a:t>
-            </a:r>
-            <a:r>
-              <a:rPr lang="it-IT" sz="1200" dirty="0"/>
-              <a:t>): inserisco un nuovo messaggio nell’</a:t>
-            </a:r>
-            <a:r>
-              <a:rPr lang="it-IT" sz="1200" dirty="0" err="1"/>
-              <a:t>alert</a:t>
-            </a:r>
-            <a:r>
-              <a:rPr lang="it-IT" sz="1200" dirty="0"/>
-              <a:t>.</a:t>
+              <a:t>(message): inserisco un nuovo messaggio nell’alert.</a:t>
             </a:r>
           </a:p>
           <a:p>
@@ -11576,15 +13599,7 @@
             </a:r>
             <a:r>
               <a:rPr lang="it-IT" sz="1200" dirty="0"/>
-              <a:t>(): svuota il contenuto html dell’</a:t>
-            </a:r>
-            <a:r>
-              <a:rPr lang="it-IT" sz="1200" dirty="0" err="1"/>
-              <a:t>alert</a:t>
-            </a:r>
-            <a:r>
-              <a:rPr lang="it-IT" sz="1200" dirty="0"/>
-              <a:t>; quindi reimposta le condizioni iniziali.</a:t>
+              <a:t>(): svuota il contenuto html dell’alert; quindi reimposta le condizioni iniziali.</a:t>
             </a:r>
           </a:p>
           <a:p>
@@ -11599,10 +13614,9 @@
               <a:buChar char="•"/>
             </a:pPr>
             <a:r>
-              <a:rPr lang="it-IT" sz="1200" b="1" dirty="0" err="1"/>
+              <a:rPr lang="it-IT" sz="1400" b="1" dirty="0"/>
               <a:t>CloseModalWindow</a:t>
             </a:r>
-            <a:endParaRPr lang="it-IT" sz="1200" b="1" dirty="0"/>
           </a:p>
           <a:p>
             <a:pPr marL="1085850" lvl="2" indent="-171450">
@@ -11616,7 +13630,7 @@
               <a:buChar char="•"/>
             </a:pPr>
             <a:r>
-              <a:rPr lang="it-IT" sz="1200" b="1" dirty="0" err="1"/>
+              <a:rPr lang="it-IT" sz="1200" b="1" dirty="0"/>
               <a:t>registerEvents</a:t>
             </a:r>
             <a:r>
@@ -11636,10 +13650,9 @@
               <a:buChar char="•"/>
             </a:pPr>
             <a:r>
-              <a:rPr lang="it-IT" sz="1200" b="1" dirty="0" err="1"/>
+              <a:rPr lang="it-IT" sz="1400" b="1" dirty="0"/>
               <a:t>CommentForm</a:t>
             </a:r>
-            <a:endParaRPr lang="it-IT" sz="1200" b="1" dirty="0"/>
           </a:p>
           <a:p>
             <a:pPr marL="1085850" lvl="2" indent="-171450">
@@ -11653,7 +13666,7 @@
               <a:buChar char="•"/>
             </a:pPr>
             <a:r>
-              <a:rPr lang="it-IT" sz="1200" b="1" dirty="0" err="1"/>
+              <a:rPr lang="it-IT" sz="1200" b="1" dirty="0"/>
               <a:t>registerEvents</a:t>
             </a:r>
             <a:r>
@@ -11678,15 +13691,7 @@
             </a:r>
             <a:r>
               <a:rPr lang="it-IT" sz="1200" dirty="0"/>
-              <a:t>(): svuota il contenuto html della </a:t>
-            </a:r>
-            <a:r>
-              <a:rPr lang="it-IT" sz="1200" dirty="0" err="1"/>
-              <a:t>form</a:t>
-            </a:r>
-            <a:r>
-              <a:rPr lang="it-IT" sz="1200" dirty="0"/>
-              <a:t> e imposta le condizioni iniziali di visibilità dei vari sotto-componenti. </a:t>
+              <a:t>(): svuota il contenuto html della form e imposta le condizioni iniziali di visibilità dei vari sotto-componenti. </a:t>
             </a:r>
           </a:p>
           <a:p>
@@ -11706,15 +13711,7 @@
             </a:r>
             <a:r>
               <a:rPr lang="it-IT" sz="1200" dirty="0"/>
-              <a:t>(): se l’utente è loggato mostra la </a:t>
-            </a:r>
-            <a:r>
-              <a:rPr lang="it-IT" sz="1200" dirty="0" err="1"/>
-              <a:t>form</a:t>
-            </a:r>
-            <a:r>
-              <a:rPr lang="it-IT" sz="1200" dirty="0"/>
-              <a:t> per inserire un nuovo commento in caso contrario il bottone per loggarsi prima di commentare.</a:t>
+              <a:t>(): se l’utente è loggato mostra la form per inserire un nuovo commento in caso contrario il bottone per loggarsi prima di commentare.</a:t>
             </a:r>
           </a:p>
           <a:p>
@@ -11729,10 +13726,9 @@
               <a:buChar char="•"/>
             </a:pPr>
             <a:r>
-              <a:rPr lang="it-IT" sz="1200" b="1" dirty="0" err="1"/>
+              <a:rPr lang="it-IT" sz="1400" b="1" dirty="0"/>
               <a:t>LoginButton</a:t>
             </a:r>
-            <a:endParaRPr lang="it-IT" sz="1200" b="1" dirty="0"/>
           </a:p>
           <a:p>
             <a:pPr marL="1085850" lvl="2" indent="-171450">
@@ -11746,8 +13742,52 @@
               <a:buChar char="•"/>
             </a:pPr>
             <a:r>
+              <a:rPr lang="it-IT" sz="1200" b="1" dirty="0"/>
+              <a:t>registerEvents</a:t>
+            </a:r>
+            <a:r>
               <a:rPr lang="it-IT" sz="1200" dirty="0"/>
-              <a:t>registerEvents():</a:t>
+              <a:t>(): associa all’evento «click» la funzione che richiede al server il permesso di reindirizzare il sito alla pagina «index.html»</a:t>
+            </a:r>
+          </a:p>
+          <a:p>
+            <a:pPr marL="1085850" lvl="2" indent="-171450">
+              <a:lnSpc>
+                <a:spcPct val="90000"/>
+              </a:lnSpc>
+              <a:spcBef>
+                <a:spcPts val="500"/>
+              </a:spcBef>
+              <a:buFont typeface="Arial" panose="020B0604020202020204" pitchFamily="34" charset="0"/>
+              <a:buChar char="•"/>
+            </a:pPr>
+            <a:r>
+              <a:rPr lang="it-IT" sz="1200" b="1" dirty="0"/>
+              <a:t>Reset</a:t>
+            </a:r>
+            <a:r>
+              <a:rPr lang="it-IT" sz="1200" dirty="0"/>
+              <a:t>(): nasconde il bottone login</a:t>
+            </a:r>
+          </a:p>
+          <a:p>
+            <a:pPr marL="1085850" lvl="2" indent="-171450">
+              <a:lnSpc>
+                <a:spcPct val="90000"/>
+              </a:lnSpc>
+              <a:spcBef>
+                <a:spcPts val="500"/>
+              </a:spcBef>
+              <a:buFont typeface="Arial" panose="020B0604020202020204" pitchFamily="34" charset="0"/>
+              <a:buChar char="•"/>
+            </a:pPr>
+            <a:r>
+              <a:rPr lang="it-IT" sz="1200" b="1" dirty="0"/>
+              <a:t>Show</a:t>
+            </a:r>
+            <a:r>
+              <a:rPr lang="it-IT" sz="1200" dirty="0"/>
+              <a:t>(): mostra il bottone login</a:t>
             </a:r>
           </a:p>
           <a:p>
@@ -11762,10 +13802,9 @@
               <a:buChar char="•"/>
             </a:pPr>
             <a:r>
-              <a:rPr lang="it-IT" sz="1200" b="1" dirty="0" err="1"/>
+              <a:rPr lang="it-IT" sz="1400" b="1" dirty="0"/>
               <a:t>LogoutButton</a:t>
             </a:r>
-            <a:endParaRPr lang="it-IT" sz="1200" b="1" dirty="0"/>
           </a:p>
           <a:p>
             <a:pPr marL="1085850" lvl="2" indent="-171450">
@@ -11779,12 +13818,52 @@
               <a:buChar char="•"/>
             </a:pPr>
             <a:r>
-              <a:rPr lang="it-IT" sz="1200" dirty="0" err="1"/>
+              <a:rPr lang="it-IT" sz="1200" b="1" dirty="0"/>
               <a:t>registerEvents</a:t>
             </a:r>
             <a:r>
               <a:rPr lang="it-IT" sz="1200" dirty="0"/>
-              <a:t>():</a:t>
+              <a:t>(): associa all’evento «click» la funzione che richiede al server il permesso di sloggare e di reindirizzare il sito alla pagina «index.html»</a:t>
+            </a:r>
+          </a:p>
+          <a:p>
+            <a:pPr marL="1085850" lvl="2" indent="-171450">
+              <a:lnSpc>
+                <a:spcPct val="90000"/>
+              </a:lnSpc>
+              <a:spcBef>
+                <a:spcPts val="500"/>
+              </a:spcBef>
+              <a:buFont typeface="Arial" panose="020B0604020202020204" pitchFamily="34" charset="0"/>
+              <a:buChar char="•"/>
+            </a:pPr>
+            <a:r>
+              <a:rPr lang="it-IT" sz="1200" b="1" dirty="0"/>
+              <a:t>Show</a:t>
+            </a:r>
+            <a:r>
+              <a:rPr lang="it-IT" sz="1200" dirty="0"/>
+              <a:t>(): nasconde il bottone logout</a:t>
+            </a:r>
+          </a:p>
+          <a:p>
+            <a:pPr marL="1085850" lvl="2" indent="-171450">
+              <a:lnSpc>
+                <a:spcPct val="90000"/>
+              </a:lnSpc>
+              <a:spcBef>
+                <a:spcPts val="500"/>
+              </a:spcBef>
+              <a:buFont typeface="Arial" panose="020B0604020202020204" pitchFamily="34" charset="0"/>
+              <a:buChar char="•"/>
+            </a:pPr>
+            <a:r>
+              <a:rPr lang="it-IT" sz="1200" b="1" dirty="0"/>
+              <a:t>Reset</a:t>
+            </a:r>
+            <a:r>
+              <a:rPr lang="it-IT" sz="1200" dirty="0"/>
+              <a:t>(): nasconde il bottone logout</a:t>
             </a:r>
           </a:p>
         </p:txBody>
@@ -11834,7 +13913,7 @@
         <p:spPr>
           <a:xfrm>
             <a:off x="121920" y="323641"/>
-            <a:ext cx="6096000" cy="3585084"/>
+            <a:ext cx="6096000" cy="3337324"/>
           </a:xfrm>
           <a:prstGeom prst="rect">
             <a:avLst/>
@@ -11858,10 +13937,9 @@
               <a:buChar char="•"/>
             </a:pPr>
             <a:r>
-              <a:rPr lang="it-IT" sz="1200" b="1" dirty="0" err="1"/>
+              <a:rPr lang="it-IT" sz="1400" b="1" dirty="0"/>
               <a:t>NextButton</a:t>
             </a:r>
-            <a:endParaRPr lang="it-IT" sz="1200" b="1" dirty="0"/>
           </a:p>
           <a:p>
             <a:pPr marL="1085850" lvl="2" indent="-171450">
@@ -11875,12 +13953,24 @@
               <a:buChar char="•"/>
             </a:pPr>
             <a:r>
-              <a:rPr lang="it-IT" sz="1200" dirty="0" err="1"/>
-              <a:t>registerEvents</a:t>
-            </a:r>
-            <a:r>
               <a:rPr lang="it-IT" sz="1200" dirty="0"/>
-              <a:t>():</a:t>
+              <a:t>registerEvents(): associa all’evento «click» la funzione che muove la lista di immagini al blocco successivo</a:t>
+            </a:r>
+          </a:p>
+          <a:p>
+            <a:pPr marL="742950" lvl="1" indent="-285750">
+              <a:lnSpc>
+                <a:spcPct val="90000"/>
+              </a:lnSpc>
+              <a:spcBef>
+                <a:spcPts val="500"/>
+              </a:spcBef>
+              <a:buFont typeface="Arial" panose="020B0604020202020204" pitchFamily="34" charset="0"/>
+              <a:buChar char="•"/>
+            </a:pPr>
+            <a:r>
+              <a:rPr lang="it-IT" sz="1400" b="1" dirty="0"/>
+              <a:t>PreviousButton</a:t>
             </a:r>
           </a:p>
           <a:p>
@@ -11894,7 +13984,10 @@
               <a:buFont typeface="Arial" panose="020B0604020202020204" pitchFamily="34" charset="0"/>
               <a:buChar char="•"/>
             </a:pPr>
-            <a:endParaRPr lang="it-IT" sz="1200" dirty="0"/>
+            <a:r>
+              <a:rPr lang="it-IT" sz="1200" dirty="0"/>
+              <a:t>registerEvents(): associa all’evento «click» la funzione che muove la lista di immagini al blocco precedente</a:t>
+            </a:r>
           </a:p>
           <a:p>
             <a:pPr marL="742950" lvl="1" indent="-285750">
@@ -11908,10 +14001,9 @@
               <a:buChar char="•"/>
             </a:pPr>
             <a:r>
-              <a:rPr lang="it-IT" sz="1200" b="1" dirty="0" err="1"/>
-              <a:t>PreviousButton</a:t>
-            </a:r>
-            <a:endParaRPr lang="it-IT" sz="1200" b="1" dirty="0"/>
+              <a:rPr lang="it-IT" sz="1400" b="1" dirty="0"/>
+              <a:t>RedirectToIndex</a:t>
+            </a:r>
           </a:p>
           <a:p>
             <a:pPr marL="1085850" lvl="2" indent="-171450">
@@ -11925,12 +14017,28 @@
               <a:buChar char="•"/>
             </a:pPr>
             <a:r>
-              <a:rPr lang="it-IT" sz="1200" dirty="0" err="1"/>
+              <a:rPr lang="it-IT" sz="1200" b="1" dirty="0"/>
               <a:t>registerEvents</a:t>
             </a:r>
             <a:r>
               <a:rPr lang="it-IT" sz="1200" dirty="0"/>
-              <a:t>():</a:t>
+              <a:t>(): associa all’evento «click» la funzione che richiede al server il permesso di reindirizzare il sito alla pagina «index.html»</a:t>
+            </a:r>
+          </a:p>
+          <a:p>
+            <a:pPr marL="742950" lvl="1" indent="-285750">
+              <a:lnSpc>
+                <a:spcPct val="90000"/>
+              </a:lnSpc>
+              <a:spcBef>
+                <a:spcPts val="500"/>
+              </a:spcBef>
+              <a:buFont typeface="Arial" panose="020B0604020202020204" pitchFamily="34" charset="0"/>
+              <a:buChar char="•"/>
+            </a:pPr>
+            <a:r>
+              <a:rPr lang="it-IT" sz="1400" b="1" dirty="0"/>
+              <a:t>SaveOrderButton</a:t>
             </a:r>
           </a:p>
           <a:p>
@@ -11944,24 +14052,14 @@
               <a:buFont typeface="Arial" panose="020B0604020202020204" pitchFamily="34" charset="0"/>
               <a:buChar char="•"/>
             </a:pPr>
-            <a:endParaRPr lang="it-IT" sz="1200" dirty="0"/>
-          </a:p>
-          <a:p>
-            <a:pPr marL="742950" lvl="1" indent="-285750">
-              <a:lnSpc>
-                <a:spcPct val="90000"/>
-              </a:lnSpc>
-              <a:spcBef>
-                <a:spcPts val="500"/>
-              </a:spcBef>
-              <a:buFont typeface="Arial" panose="020B0604020202020204" pitchFamily="34" charset="0"/>
-              <a:buChar char="•"/>
-            </a:pPr>
-            <a:r>
-              <a:rPr lang="it-IT" sz="1200" b="1" dirty="0" err="1"/>
-              <a:t>RedirectToIndex</a:t>
-            </a:r>
-            <a:endParaRPr lang="it-IT" sz="1200" b="1" dirty="0"/>
+            <a:r>
+              <a:rPr lang="it-IT" sz="1200" b="1" dirty="0"/>
+              <a:t>registerEvents</a:t>
+            </a:r>
+            <a:r>
+              <a:rPr lang="it-IT" sz="1200" dirty="0"/>
+              <a:t>(): associa all’evento «click» la funzione che invoca saveOrder().</a:t>
+            </a:r>
           </a:p>
           <a:p>
             <a:pPr marL="1085850" lvl="2" indent="-171450">
@@ -11975,12 +14073,12 @@
               <a:buChar char="•"/>
             </a:pPr>
             <a:r>
-              <a:rPr lang="it-IT" sz="1200" b="1" dirty="0" err="1"/>
-              <a:t>registerEvents</a:t>
+              <a:rPr lang="it-IT" sz="1200" b="1" dirty="0"/>
+              <a:t>Show</a:t>
             </a:r>
             <a:r>
               <a:rPr lang="it-IT" sz="1200" dirty="0"/>
-              <a:t>(): associa all’evento «click» la funzione che ti reindirizza alla pagina: «index.html».</a:t>
+              <a:t>(): mostra il bottone</a:t>
             </a:r>
           </a:p>
           <a:p>
@@ -11994,24 +14092,14 @@
               <a:buFont typeface="Arial" panose="020B0604020202020204" pitchFamily="34" charset="0"/>
               <a:buChar char="•"/>
             </a:pPr>
-            <a:endParaRPr lang="it-IT" sz="1200" dirty="0"/>
-          </a:p>
-          <a:p>
-            <a:pPr marL="742950" lvl="1" indent="-285750">
-              <a:lnSpc>
-                <a:spcPct val="90000"/>
-              </a:lnSpc>
-              <a:spcBef>
-                <a:spcPts val="500"/>
-              </a:spcBef>
-              <a:buFont typeface="Arial" panose="020B0604020202020204" pitchFamily="34" charset="0"/>
-              <a:buChar char="•"/>
-            </a:pPr>
-            <a:r>
-              <a:rPr lang="it-IT" sz="1200" b="1" dirty="0" err="1"/>
-              <a:t>SaveOrderButton</a:t>
-            </a:r>
-            <a:endParaRPr lang="it-IT" sz="1200" b="1" dirty="0"/>
+            <a:r>
+              <a:rPr lang="it-IT" sz="1200" b="1" dirty="0"/>
+              <a:t>Reset</a:t>
+            </a:r>
+            <a:r>
+              <a:rPr lang="it-IT" sz="1200" dirty="0"/>
+              <a:t>(): nasconde il bottone</a:t>
+            </a:r>
           </a:p>
           <a:p>
             <a:pPr marL="1085850" lvl="2" indent="-171450">
@@ -12025,80 +14113,12 @@
               <a:buChar char="•"/>
             </a:pPr>
             <a:r>
-              <a:rPr lang="it-IT" sz="1200" b="1" dirty="0" err="1"/>
-              <a:t>registerEvents</a:t>
+              <a:rPr lang="it-IT" sz="1200" b="1" dirty="0"/>
+              <a:t>SaveOrder</a:t>
             </a:r>
             <a:r>
               <a:rPr lang="it-IT" sz="1200" dirty="0"/>
-              <a:t>(): associa all’evento «click» la funzione che invoca </a:t>
-            </a:r>
-            <a:r>
-              <a:rPr lang="it-IT" sz="1200" dirty="0" err="1"/>
-              <a:t>saveOrder</a:t>
-            </a:r>
-            <a:r>
-              <a:rPr lang="it-IT" sz="1200" dirty="0"/>
-              <a:t>().</a:t>
-            </a:r>
-          </a:p>
-          <a:p>
-            <a:pPr marL="1085850" lvl="2" indent="-171450">
-              <a:lnSpc>
-                <a:spcPct val="90000"/>
-              </a:lnSpc>
-              <a:spcBef>
-                <a:spcPts val="500"/>
-              </a:spcBef>
-              <a:buFont typeface="Arial" panose="020B0604020202020204" pitchFamily="34" charset="0"/>
-              <a:buChar char="•"/>
-            </a:pPr>
-            <a:r>
-              <a:rPr lang="it-IT" sz="1200" b="1" dirty="0"/>
-              <a:t>Show</a:t>
-            </a:r>
-            <a:r>
-              <a:rPr lang="it-IT" sz="1200" dirty="0"/>
-              <a:t>(): mostra il bottone</a:t>
-            </a:r>
-          </a:p>
-          <a:p>
-            <a:pPr marL="1085850" lvl="2" indent="-171450">
-              <a:lnSpc>
-                <a:spcPct val="90000"/>
-              </a:lnSpc>
-              <a:spcBef>
-                <a:spcPts val="500"/>
-              </a:spcBef>
-              <a:buFont typeface="Arial" panose="020B0604020202020204" pitchFamily="34" charset="0"/>
-              <a:buChar char="•"/>
-            </a:pPr>
-            <a:r>
-              <a:rPr lang="it-IT" sz="1200" b="1" dirty="0"/>
-              <a:t>Reset</a:t>
-            </a:r>
-            <a:r>
-              <a:rPr lang="it-IT" sz="1200" dirty="0"/>
-              <a:t>(): nasconde il bottone</a:t>
-            </a:r>
-          </a:p>
-          <a:p>
-            <a:pPr marL="1085850" lvl="2" indent="-171450">
-              <a:lnSpc>
-                <a:spcPct val="90000"/>
-              </a:lnSpc>
-              <a:spcBef>
-                <a:spcPts val="500"/>
-              </a:spcBef>
-              <a:buFont typeface="Arial" panose="020B0604020202020204" pitchFamily="34" charset="0"/>
-              <a:buChar char="•"/>
-            </a:pPr>
-            <a:r>
-              <a:rPr lang="it-IT" sz="1200" b="1" dirty="0" err="1"/>
-              <a:t>saveOrder</a:t>
-            </a:r>
-            <a:r>
-              <a:rPr lang="it-IT" sz="1200" dirty="0"/>
-              <a:t>(): richiede al server di salvare la nuova preferenza di album dell’utente.</a:t>
+              <a:t>(): richiede al server di salvare il nuovo ordinamento degli album all’utente loggato.</a:t>
             </a:r>
           </a:p>
         </p:txBody>
@@ -12148,14 +14168,14 @@
           <p:nvPr>
             <p:extLst>
               <p:ext uri="{D42A27DB-BD31-4B8C-83A1-F6EECF244321}">
-                <p14:modId xmlns:p14="http://schemas.microsoft.com/office/powerpoint/2010/main" val="4175201611"/>
+                <p14:modId xmlns:p14="http://schemas.microsoft.com/office/powerpoint/2010/main" val="3042379813"/>
               </p:ext>
             </p:extLst>
           </p:nvPr>
         </p:nvGraphicFramePr>
         <p:xfrm>
-          <a:off x="0" y="-31330"/>
-          <a:ext cx="12192000" cy="6920660"/>
+          <a:off x="0" y="-2"/>
+          <a:ext cx="12192000" cy="6857999"/>
         </p:xfrm>
         <a:graphic>
           <a:graphicData uri="http://schemas.openxmlformats.org/drawingml/2006/table">
@@ -12171,21 +14191,21 @@
                     </a:ext>
                   </a:extLst>
                 </a:gridCol>
-                <a:gridCol w="3791131">
+                <a:gridCol w="3904314">
                   <a:extLst>
                     <a:ext uri="{9D8B030D-6E8A-4147-A177-3AD203B41FA5}">
                       <a16:colId xmlns:a16="http://schemas.microsoft.com/office/drawing/2014/main" val="20001"/>
                     </a:ext>
                   </a:extLst>
                 </a:gridCol>
-                <a:gridCol w="2384428">
+                <a:gridCol w="2343705">
                   <a:extLst>
                     <a:ext uri="{9D8B030D-6E8A-4147-A177-3AD203B41FA5}">
                       <a16:colId xmlns:a16="http://schemas.microsoft.com/office/drawing/2014/main" val="20002"/>
                     </a:ext>
                   </a:extLst>
                 </a:gridCol>
-                <a:gridCol w="3005050">
+                <a:gridCol w="2932590">
                   <a:extLst>
                     <a:ext uri="{9D8B030D-6E8A-4147-A177-3AD203B41FA5}">
                       <a16:colId xmlns:a16="http://schemas.microsoft.com/office/drawing/2014/main" val="20003"/>
@@ -12193,7 +14213,7 @@
                   </a:extLst>
                 </a:gridCol>
               </a:tblGrid>
-              <a:tr h="426078">
+              <a:tr h="426460">
                 <a:tc gridSpan="2">
                   <a:txBody>
                     <a:bodyPr/>
@@ -12252,7 +14272,7 @@
                   </a:ext>
                 </a:extLst>
               </a:tr>
-              <a:tr h="367726">
+              <a:tr h="368056">
                 <a:tc>
                   <a:txBody>
                     <a:bodyPr/>
@@ -12315,7 +14335,7 @@
                   </a:ext>
                 </a:extLst>
               </a:tr>
-              <a:tr h="439612">
+              <a:tr h="440007">
                 <a:tc>
                   <a:txBody>
                     <a:bodyPr/>
@@ -12447,7 +14467,7 @@
                   </a:ext>
                 </a:extLst>
               </a:tr>
-              <a:tr h="620811">
+              <a:tr h="621369">
                 <a:tc>
                   <a:txBody>
                     <a:bodyPr/>
@@ -12645,7 +14665,7 @@
                   </a:ext>
                 </a:extLst>
               </a:tr>
-              <a:tr h="447667">
+              <a:tr h="448070">
                 <a:tc>
                   <a:txBody>
                     <a:bodyPr/>
@@ -12715,7 +14735,7 @@
                             <a:schemeClr val="tx1"/>
                           </a:solidFill>
                         </a:rPr>
-                        <a:t>-</a:t>
+                        <a:t>Reindirizza a OnePage.html</a:t>
                       </a:r>
                     </a:p>
                   </a:txBody>
@@ -12746,34 +14766,13 @@
                         <a:defRPr/>
                       </a:pPr>
                       <a:r>
-                        <a:rPr lang="it-IT" sz="1200" noProof="0" dirty="0">
-                          <a:solidFill>
-                            <a:schemeClr val="tx1"/>
-                          </a:solidFill>
-                        </a:rPr>
-                        <a:t>-</a:t>
-                      </a:r>
-                    </a:p>
-                    <a:p>
-                      <a:pPr marL="0" marR="0" indent="0" algn="l" defTabSz="914400" rtl="0" eaLnBrk="1" fontAlgn="auto" latinLnBrk="0" hangingPunct="1">
-                        <a:lnSpc>
-                          <a:spcPct val="100000"/>
-                        </a:lnSpc>
-                        <a:spcBef>
-                          <a:spcPts val="0"/>
-                        </a:spcBef>
-                        <a:spcAft>
-                          <a:spcPts val="0"/>
-                        </a:spcAft>
-                        <a:buClr>
-                          <a:srgbClr val="000000"/>
-                        </a:buClr>
-                        <a:buSzTx/>
-                        <a:buFont typeface="Arial"/>
-                        <a:buNone/>
-                        <a:tabLst/>
-                        <a:defRPr/>
-                      </a:pPr>
+                        <a:rPr lang="it-IT" sz="1200" noProof="0" dirty="0"/>
+                        <a:t>GET</a:t>
+                      </a:r>
+                      <a:r>
+                        <a:rPr lang="it-IT" sz="1200" baseline="0" noProof="0" dirty="0"/>
+                        <a:t> (nessun parametro) </a:t>
+                      </a:r>
                       <a:endParaRPr lang="it-IT" sz="1200" noProof="0" dirty="0"/>
                     </a:p>
                   </a:txBody>
@@ -12809,10 +14808,8 @@
                             <a:schemeClr val="tx1"/>
                           </a:solidFill>
                         </a:rPr>
-                        <a:t>-</a:t>
-                      </a:r>
-                    </a:p>
-                    <a:p>
+                        <a:t>Controllo user sloggato</a:t>
+                      </a:r>
                       <a:endParaRPr lang="it-IT" sz="1200" noProof="0" dirty="0"/>
                     </a:p>
                   </a:txBody>
@@ -12824,7 +14821,7 @@
                   </a:ext>
                 </a:extLst>
               </a:tr>
-              <a:tr h="478028">
+              <a:tr h="502730">
                 <a:tc>
                   <a:txBody>
                     <a:bodyPr/>
@@ -12890,11 +14887,11 @@
                       </a:pPr>
                       <a:r>
                         <a:rPr lang="it-IT" sz="1200" noProof="0" dirty="0"/>
-                        <a:t>Aggiorna </a:t>
+                        <a:t>Inizializza i componenti della pagina e aggiorna la </a:t>
                       </a:r>
                       <a:r>
                         <a:rPr lang="it-IT" sz="1200" baseline="0" noProof="0" dirty="0"/>
-                        <a:t>view con dati elenco album</a:t>
+                        <a:t>view con le informazioni degli album</a:t>
                       </a:r>
                       <a:endParaRPr lang="it-IT" sz="1200" noProof="0" dirty="0"/>
                     </a:p>
@@ -12957,7 +14954,7 @@
                   </a:ext>
                 </a:extLst>
               </a:tr>
-              <a:tr h="607548">
+              <a:tr h="691254">
                 <a:tc>
                   <a:txBody>
                     <a:bodyPr/>
@@ -12990,7 +14987,7 @@
                         <a:rPr lang="it-IT" sz="1200" noProof="0" dirty="0">
                           <a:sym typeface="Wingdings" panose="05000000000000000000" pitchFamily="2" charset="2"/>
                         </a:rPr>
-                        <a:t> elenco album  seleziona album</a:t>
+                        <a:t> elenco album  click album</a:t>
                       </a:r>
                       <a:endParaRPr lang="it-IT" sz="1200" noProof="0" dirty="0"/>
                     </a:p>
@@ -13008,7 +15005,7 @@
                       </a:r>
                       <a:r>
                         <a:rPr lang="it-IT" sz="1200" baseline="0" noProof="0" dirty="0"/>
-                        <a:t>view con la lista di tutte le immagini di quell’album divise in blocchi da 5.</a:t>
+                        <a:t>view con una lista di 5 immagini dell’ album selezionato e mostra i bottoni next e previous</a:t>
                       </a:r>
                       <a:endParaRPr lang="it-IT" sz="1200" noProof="0" dirty="0"/>
                     </a:p>
@@ -13053,7 +15050,7 @@
                   </a:ext>
                 </a:extLst>
               </a:tr>
-              <a:tr h="596889">
+              <a:tr h="597426">
                 <a:tc>
                   <a:txBody>
                     <a:bodyPr/>
@@ -13081,7 +15078,7 @@
                     <a:p>
                       <a:r>
                         <a:rPr lang="it-IT" sz="1200" noProof="0" dirty="0"/>
-                        <a:t>Aggiorna view con un cambio ordinamento album</a:t>
+                        <a:t>Aggiorna view con un cambio ordinamento album, e mostra il bottone «Salva ordine album»</a:t>
                       </a:r>
                     </a:p>
                   </a:txBody>
@@ -13119,7 +15116,7 @@
                   </a:ext>
                 </a:extLst>
               </a:tr>
-              <a:tr h="596889">
+              <a:tr h="502730">
                 <a:tc>
                   <a:txBody>
                     <a:bodyPr/>
@@ -13137,7 +15134,7 @@
                       </a:r>
                       <a:r>
                         <a:rPr lang="it-IT" sz="1200" noProof="0" dirty="0"/>
-                        <a:t>bottone «salva ordinamento».</a:t>
+                        <a:t>bottone «Salva ordine album»</a:t>
                       </a:r>
                     </a:p>
                   </a:txBody>
@@ -13150,7 +15147,7 @@
                     <a:p>
                       <a:r>
                         <a:rPr lang="it-IT" sz="1200" noProof="0" dirty="0"/>
-                        <a:t>-</a:t>
+                        <a:t>Nasconde bottone «salva ordine album»</a:t>
                       </a:r>
                     </a:p>
                   </a:txBody>
@@ -13163,7 +15160,7 @@
                     <a:p>
                       <a:r>
                         <a:rPr lang="it-IT" sz="1200" noProof="0" dirty="0"/>
-                        <a:t>POST(userId, lista ordinamento album)</a:t>
+                        <a:t>POST(lista ordinamento album)</a:t>
                       </a:r>
                     </a:p>
                   </a:txBody>
@@ -13176,7 +15173,7 @@
                     <a:p>
                       <a:r>
                         <a:rPr lang="it-IT" sz="1200" noProof="0" dirty="0"/>
-                        <a:t>Inserimento lista di ordinamento dell’utente.</a:t>
+                        <a:t>Inserimento lista preferenze ordine album.</a:t>
                       </a:r>
                     </a:p>
                   </a:txBody>
@@ -13188,7 +15185,7 @@
                   </a:ext>
                 </a:extLst>
               </a:tr>
-              <a:tr h="518725">
+              <a:tr h="519191">
                 <a:tc>
                   <a:txBody>
                     <a:bodyPr/>
@@ -13202,11 +15199,11 @@
                         <a:rPr lang="it-IT" sz="1200" noProof="0" dirty="0">
                           <a:sym typeface="Wingdings" panose="05000000000000000000" pitchFamily="2" charset="2"/>
                         </a:rPr>
-                        <a:t>immagini album  click </a:t>
+                        <a:t>elenco immagini click </a:t>
                       </a:r>
                       <a:r>
                         <a:rPr lang="it-IT" sz="1200" noProof="0" dirty="0"/>
-                        <a:t>next, previous button.</a:t>
+                        <a:t>next / previous button.</a:t>
                       </a:r>
                     </a:p>
                   </a:txBody>
@@ -13230,6 +15227,49 @@
                     <a:bodyPr/>
                     <a:lstStyle/>
                     <a:p>
+                      <a:r>
+                        <a:rPr lang="it-IT" sz="1200" noProof="0" dirty="0"/>
+                        <a:t>-</a:t>
+                      </a:r>
+                    </a:p>
+                  </a:txBody>
+                  <a:tcPr marL="99060" marR="99060" marT="60960" marB="60960"/>
+                </a:tc>
+                <a:tc>
+                  <a:txBody>
+                    <a:bodyPr/>
+                    <a:lstStyle/>
+                    <a:p>
+                      <a:r>
+                        <a:rPr lang="it-IT" sz="1200" noProof="0" dirty="0"/>
+                        <a:t>-</a:t>
+                      </a:r>
+                    </a:p>
+                  </a:txBody>
+                  <a:tcPr marL="99060" marR="99060" marT="60960" marB="60960"/>
+                </a:tc>
+                <a:extLst>
+                  <a:ext uri="{0D108BD9-81ED-4DB2-BD59-A6C34878D82A}">
+                    <a16:rowId xmlns:a16="http://schemas.microsoft.com/office/drawing/2014/main" val="10007"/>
+                  </a:ext>
+                </a:extLst>
+              </a:tr>
+              <a:tr h="702324">
+                <a:tc>
+                  <a:txBody>
+                    <a:bodyPr/>
+                    <a:lstStyle/>
+                    <a:p>
+                      <a:r>
+                        <a:rPr lang="it-IT" sz="1200" noProof="0" dirty="0"/>
+                        <a:t>Home page </a:t>
+                      </a:r>
+                      <a:r>
+                        <a:rPr lang="it-IT" sz="1200" noProof="0" dirty="0">
+                          <a:sym typeface="Wingdings" panose="05000000000000000000" pitchFamily="2" charset="2"/>
+                        </a:rPr>
+                        <a:t> elenco immagini mouse sopra l’immagine</a:t>
+                      </a:r>
                       <a:endParaRPr lang="it-IT" sz="1200" noProof="0" dirty="0"/>
                     </a:p>
                   </a:txBody>
@@ -13240,18 +15280,47 @@
                     <a:bodyPr/>
                     <a:lstStyle/>
                     <a:p>
-                      <a:endParaRPr lang="it-IT" sz="1200" noProof="0" dirty="0"/>
+                      <a:r>
+                        <a:rPr lang="it-IT" sz="1200" noProof="0" dirty="0"/>
+                        <a:t>Aggiorna view con comparsa finestra modale composta di picture, commenti e form per inserire un commento o bottone per loggare</a:t>
+                      </a:r>
+                    </a:p>
+                  </a:txBody>
+                  <a:tcPr marL="99060" marR="99060" marT="60960" marB="60960"/>
+                </a:tc>
+                <a:tc>
+                  <a:txBody>
+                    <a:bodyPr/>
+                    <a:lstStyle/>
+                    <a:p>
+                      <a:r>
+                        <a:rPr lang="it-IT" sz="1200" noProof="0" dirty="0"/>
+                        <a:t>GET(imageId)</a:t>
+                      </a:r>
+                    </a:p>
+                  </a:txBody>
+                  <a:tcPr marL="99060" marR="99060" marT="60960" marB="60960"/>
+                </a:tc>
+                <a:tc>
+                  <a:txBody>
+                    <a:bodyPr/>
+                    <a:lstStyle/>
+                    <a:p>
+                      <a:r>
+                        <a:rPr lang="it-IT" sz="1200" noProof="0" dirty="0"/>
+                        <a:t>Estrazione dati commenti.</a:t>
+                      </a:r>
                     </a:p>
                   </a:txBody>
                   <a:tcPr marL="99060" marR="99060" marT="60960" marB="60960"/>
                 </a:tc>
                 <a:extLst>
                   <a:ext uri="{0D108BD9-81ED-4DB2-BD59-A6C34878D82A}">
-                    <a16:rowId xmlns:a16="http://schemas.microsoft.com/office/drawing/2014/main" val="10007"/>
+                    <a16:rowId xmlns:a16="http://schemas.microsoft.com/office/drawing/2014/main" val="10008"/>
                   </a:ext>
                 </a:extLst>
               </a:tr>
-              <a:tr h="567989">
+              <a:tr h="519191">
                 <a:tc>
                   <a:txBody>
                     <a:bodyPr/>
@@ -13259,13 +15328,17 @@
                     <a:p>
                       <a:r>
                         <a:rPr lang="it-IT" sz="1200" noProof="0" dirty="0"/>
-                        <a:t>Home page </a:t>
-                      </a:r>
-                      <a:r>
-                        <a:rPr lang="it-IT" sz="1200" noProof="0" dirty="0">
+                        <a:t>Form comment</a:t>
+                      </a:r>
+                      <a:r>
+                        <a:rPr lang="it-IT" sz="1200" baseline="0" noProof="0" dirty="0"/>
+                        <a:t> </a:t>
+                      </a:r>
+                      <a:r>
+                        <a:rPr lang="it-IT" sz="1200" baseline="0" noProof="0" dirty="0">
                           <a:sym typeface="Wingdings" panose="05000000000000000000" pitchFamily="2" charset="2"/>
                         </a:rPr>
-                        <a:t> elenco album  mouse sopra l’immagine</a:t>
+                        <a:t> submit</a:t>
                       </a:r>
                       <a:endParaRPr lang="it-IT" sz="1200" noProof="0" dirty="0"/>
                     </a:p>
@@ -13279,76 +15352,6 @@
                     <a:p>
                       <a:r>
                         <a:rPr lang="it-IT" sz="1200" noProof="0" dirty="0"/>
-                        <a:t>Aggiorna view con comparsa finestra modale composta di picture, commenti e form commento se l’utente è loggato.</a:t>
-                      </a:r>
-                    </a:p>
-                  </a:txBody>
-                  <a:tcPr marL="99060" marR="99060" marT="60960" marB="60960"/>
-                </a:tc>
-                <a:tc>
-                  <a:txBody>
-                    <a:bodyPr/>
-                    <a:lstStyle/>
-                    <a:p>
-                      <a:r>
-                        <a:rPr lang="it-IT" sz="1200" noProof="0" dirty="0"/>
-                        <a:t>GET(imageId)</a:t>
-                      </a:r>
-                    </a:p>
-                  </a:txBody>
-                  <a:tcPr marL="99060" marR="99060" marT="60960" marB="60960"/>
-                </a:tc>
-                <a:tc>
-                  <a:txBody>
-                    <a:bodyPr/>
-                    <a:lstStyle/>
-                    <a:p>
-                      <a:r>
-                        <a:rPr lang="it-IT" sz="1200" noProof="0" dirty="0"/>
-                        <a:t>Estrazione dati.</a:t>
-                      </a:r>
-                    </a:p>
-                  </a:txBody>
-                  <a:tcPr marL="99060" marR="99060" marT="60960" marB="60960"/>
-                </a:tc>
-                <a:extLst>
-                  <a:ext uri="{0D108BD9-81ED-4DB2-BD59-A6C34878D82A}">
-                    <a16:rowId xmlns:a16="http://schemas.microsoft.com/office/drawing/2014/main" val="10008"/>
-                  </a:ext>
-                </a:extLst>
-              </a:tr>
-              <a:tr h="518725">
-                <a:tc>
-                  <a:txBody>
-                    <a:bodyPr/>
-                    <a:lstStyle/>
-                    <a:p>
-                      <a:r>
-                        <a:rPr lang="it-IT" sz="1200" noProof="0" dirty="0"/>
-                        <a:t>Form comment</a:t>
-                      </a:r>
-                      <a:r>
-                        <a:rPr lang="it-IT" sz="1200" baseline="0" noProof="0" dirty="0"/>
-                        <a:t> </a:t>
-                      </a:r>
-                      <a:r>
-                        <a:rPr lang="it-IT" sz="1200" baseline="0" noProof="0" dirty="0">
-                          <a:sym typeface="Wingdings" panose="05000000000000000000" pitchFamily="2" charset="2"/>
-                        </a:rPr>
-                        <a:t> submit</a:t>
-                      </a:r>
-                      <a:endParaRPr lang="it-IT" sz="1200" noProof="0" dirty="0"/>
-                    </a:p>
-                  </a:txBody>
-                  <a:tcPr marL="99060" marR="99060" marT="60960" marB="60960"/>
-                </a:tc>
-                <a:tc>
-                  <a:txBody>
-                    <a:bodyPr/>
-                    <a:lstStyle/>
-                    <a:p>
-                      <a:r>
-                        <a:rPr lang="it-IT" sz="1200" noProof="0" dirty="0"/>
                         <a:t>Controllo dati</a:t>
                       </a:r>
                     </a:p>
@@ -13387,7 +15390,7 @@
                   </a:ext>
                 </a:extLst>
               </a:tr>
-              <a:tr h="518725">
+              <a:tr h="519191">
                 <a:tc>
                   <a:txBody>
                     <a:bodyPr/>
@@ -13401,7 +15404,7 @@
                         <a:rPr lang="it-IT" sz="1200" noProof="0" dirty="0">
                           <a:sym typeface="Wingdings" panose="05000000000000000000" pitchFamily="2" charset="2"/>
                         </a:rPr>
-                        <a:t> finestra modale sposto al di fuori il mouse.</a:t>
+                        <a:t> finestra modale sposto al di fuori il mouse e click / chiudo con la X.</a:t>
                       </a:r>
                       <a:endParaRPr lang="it-IT" sz="1200" noProof="0" dirty="0"/>
                     </a:p>
@@ -13492,7 +15495,7 @@
           <p:cNvPr id="5" name="Table 5">
             <a:extLst>
               <a:ext uri="{FF2B5EF4-FFF2-40B4-BE49-F238E27FC236}">
-                <a16:creationId xmlns:a16="http://schemas.microsoft.com/office/drawing/2014/main" id="{7B9B8850-C3B7-48EA-A6FA-192DF2A007AE}"/>
+                <a16:creationId xmlns:a16="http://schemas.microsoft.com/office/drawing/2014/main" id="{43867EEC-9C35-47E7-8522-20C5758617AB}"/>
               </a:ext>
             </a:extLst>
           </p:cNvPr>
@@ -13502,14 +15505,14 @@
           <p:nvPr>
             <p:extLst>
               <p:ext uri="{D42A27DB-BD31-4B8C-83A1-F6EECF244321}">
-                <p14:modId xmlns:p14="http://schemas.microsoft.com/office/powerpoint/2010/main" val="2217533753"/>
+                <p14:modId xmlns:p14="http://schemas.microsoft.com/office/powerpoint/2010/main" val="1994079507"/>
               </p:ext>
             </p:extLst>
           </p:nvPr>
         </p:nvGraphicFramePr>
         <p:xfrm>
-          <a:off x="0" y="-2"/>
-          <a:ext cx="12192000" cy="6857999"/>
+          <a:off x="0" y="0"/>
+          <a:ext cx="12191999" cy="2769832"/>
         </p:xfrm>
         <a:graphic>
           <a:graphicData uri="http://schemas.openxmlformats.org/drawingml/2006/table">
@@ -13518,28 +15521,28 @@
                 <a:tableStyleId>{5C22544A-7EE6-4342-B048-85BDC9FD1C3A}</a:tableStyleId>
               </a:tblPr>
               <a:tblGrid>
-                <a:gridCol w="3011392">
+                <a:gridCol w="2670528">
                   <a:extLst>
                     <a:ext uri="{9D8B030D-6E8A-4147-A177-3AD203B41FA5}">
                       <a16:colId xmlns:a16="http://schemas.microsoft.com/office/drawing/2014/main" val="20000"/>
                     </a:ext>
                   </a:extLst>
                 </a:gridCol>
-                <a:gridCol w="3791130">
+                <a:gridCol w="3931890">
                   <a:extLst>
                     <a:ext uri="{9D8B030D-6E8A-4147-A177-3AD203B41FA5}">
                       <a16:colId xmlns:a16="http://schemas.microsoft.com/office/drawing/2014/main" val="20001"/>
                     </a:ext>
                   </a:extLst>
                 </a:gridCol>
-                <a:gridCol w="2384428">
+                <a:gridCol w="2472958">
                   <a:extLst>
                     <a:ext uri="{9D8B030D-6E8A-4147-A177-3AD203B41FA5}">
                       <a16:colId xmlns:a16="http://schemas.microsoft.com/office/drawing/2014/main" val="20002"/>
                     </a:ext>
                   </a:extLst>
                 </a:gridCol>
-                <a:gridCol w="3005050">
+                <a:gridCol w="3116623">
                   <a:extLst>
                     <a:ext uri="{9D8B030D-6E8A-4147-A177-3AD203B41FA5}">
                       <a16:colId xmlns:a16="http://schemas.microsoft.com/office/drawing/2014/main" val="20003"/>
@@ -13547,7 +15550,7 @@
                   </a:extLst>
                 </a:gridCol>
               </a:tblGrid>
-              <a:tr h="530216">
+              <a:tr h="500807">
                 <a:tc gridSpan="2">
                   <a:txBody>
                     <a:bodyPr/>
@@ -13555,14 +15558,14 @@
                     <a:p>
                       <a:pPr algn="ctr"/>
                       <a:r>
-                        <a:rPr lang="it-IT" sz="1500" b="1" noProof="0" dirty="0"/>
+                        <a:rPr lang="it-IT" sz="1400" b="1" noProof="0" dirty="0"/>
                         <a:t>Client</a:t>
                       </a:r>
                       <a:r>
-                        <a:rPr lang="it-IT" sz="1500" b="1" baseline="0" noProof="0" dirty="0"/>
+                        <a:rPr lang="it-IT" sz="1400" b="1" baseline="0" noProof="0" dirty="0"/>
                         <a:t> side</a:t>
                       </a:r>
-                      <a:endParaRPr lang="it-IT" sz="1500" b="1" noProof="0" dirty="0"/>
+                      <a:endParaRPr lang="it-IT" sz="1400" b="1" noProof="0" dirty="0"/>
                     </a:p>
                   </a:txBody>
                   <a:tcPr marL="99060" marR="99060" marT="60960" marB="60960"/>
@@ -13583,7 +15586,7 @@
                     <a:lstStyle/>
                     <a:p>
                       <a:r>
-                        <a:rPr lang="it-IT" sz="1500" b="1" noProof="0" dirty="0"/>
+                        <a:rPr lang="it-IT" sz="1400" b="1" noProof="0" dirty="0"/>
                         <a:t>Server side</a:t>
                       </a:r>
                     </a:p>
@@ -13606,7 +15609,7 @@
                   </a:ext>
                 </a:extLst>
               </a:tr>
-              <a:tr h="359834">
+              <a:tr h="432221">
                 <a:tc>
                   <a:txBody>
                     <a:bodyPr/>
@@ -13614,7 +15617,7 @@
                     <a:p>
                       <a:pPr algn="ctr"/>
                       <a:r>
-                        <a:rPr lang="it-IT" sz="1500" b="1" noProof="0" dirty="0"/>
+                        <a:rPr lang="it-IT" sz="1400" b="1" noProof="0" dirty="0"/>
                         <a:t>Evento</a:t>
                       </a:r>
                     </a:p>
@@ -13628,8 +15631,8 @@
                     <a:p>
                       <a:pPr algn="ctr"/>
                       <a:r>
-                        <a:rPr lang="it-IT" sz="1500" b="1" noProof="0" dirty="0"/>
-                        <a:t>Controllore</a:t>
+                        <a:rPr lang="it-IT" sz="1400" b="1" noProof="0" dirty="0"/>
+                        <a:t>Azione</a:t>
                       </a:r>
                     </a:p>
                   </a:txBody>
@@ -13642,7 +15645,7 @@
                     <a:p>
                       <a:pPr algn="ctr"/>
                       <a:r>
-                        <a:rPr lang="it-IT" sz="1500" b="1" noProof="0" dirty="0"/>
+                        <a:rPr lang="it-IT" sz="1400" b="1" noProof="0" dirty="0"/>
                         <a:t>Evento</a:t>
                       </a:r>
                     </a:p>
@@ -13656,8 +15659,8 @@
                     <a:p>
                       <a:pPr algn="ctr"/>
                       <a:r>
-                        <a:rPr lang="it-IT" sz="1500" b="1" noProof="0" dirty="0"/>
-                        <a:t>Controllore</a:t>
+                        <a:rPr lang="it-IT" sz="1400" b="1" noProof="0" dirty="0"/>
+                        <a:t>Azione</a:t>
                       </a:r>
                     </a:p>
                   </a:txBody>
@@ -13669,7 +15672,7 @@
                   </a:ext>
                 </a:extLst>
               </a:tr>
-              <a:tr h="429564">
+              <a:tr h="516716">
                 <a:tc>
                   <a:txBody>
                     <a:bodyPr/>
@@ -13696,7 +15699,7 @@
                       </a:pPr>
                       <a:r>
                         <a:rPr lang="it-IT" sz="1200" noProof="0" dirty="0"/>
-                        <a:t>index</a:t>
+                        <a:t>Home</a:t>
                       </a:r>
                       <a:r>
                         <a:rPr lang="it-IT" sz="1200" baseline="0" noProof="0" dirty="0"/>
@@ -13706,7 +15709,7 @@
                         <a:rPr lang="it-IT" sz="1200" baseline="0" noProof="0" dirty="0">
                           <a:sym typeface="Wingdings" panose="05000000000000000000" pitchFamily="2" charset="2"/>
                         </a:rPr>
-                        <a:t> login form  submit</a:t>
+                        <a:t> login Button  submit</a:t>
                       </a:r>
                       <a:endParaRPr lang="it-IT" sz="1200" noProof="0" dirty="0"/>
                     </a:p>
@@ -13738,65 +15741,17 @@
                         <a:defRPr/>
                       </a:pPr>
                       <a:r>
-                        <a:rPr lang="it-IT" sz="1200" noProof="0" dirty="0"/>
-                        <a:t>Function makeCall</a:t>
+                        <a:rPr lang="it-IT" sz="1200" noProof="0" dirty="0">
+                          <a:solidFill>
+                            <a:schemeClr val="tx1"/>
+                          </a:solidFill>
+                        </a:rPr>
+                        <a:t>Reindirizza a OnePage.html</a:t>
                       </a:r>
                     </a:p>
                   </a:txBody>
                   <a:tcPr marL="99060" marR="99060" marT="60960" marB="60960"/>
                 </a:tc>
-                <a:tc>
-                  <a:txBody>
-                    <a:bodyPr/>
-                    <a:lstStyle/>
-                    <a:p>
-                      <a:pPr marL="0" marR="0" indent="0" algn="l" defTabSz="914400" rtl="0" eaLnBrk="1" fontAlgn="auto" latinLnBrk="0" hangingPunct="1">
-                        <a:lnSpc>
-                          <a:spcPct val="100000"/>
-                        </a:lnSpc>
-                        <a:spcBef>
-                          <a:spcPts val="0"/>
-                        </a:spcBef>
-                        <a:spcAft>
-                          <a:spcPts val="0"/>
-                        </a:spcAft>
-                        <a:buClr>
-                          <a:srgbClr val="000000"/>
-                        </a:buClr>
-                        <a:buSzTx/>
-                        <a:buFont typeface="Arial"/>
-                        <a:buNone/>
-                        <a:tabLst/>
-                        <a:defRPr/>
-                      </a:pPr>
-                      <a:r>
-                        <a:rPr lang="it-IT" sz="1200" noProof="0" dirty="0"/>
-                        <a:t>POST username password</a:t>
-                      </a:r>
-                    </a:p>
-                  </a:txBody>
-                  <a:tcPr marL="99060" marR="99060" marT="60960" marB="60960"/>
-                </a:tc>
-                <a:tc>
-                  <a:txBody>
-                    <a:bodyPr/>
-                    <a:lstStyle/>
-                    <a:p>
-                      <a:r>
-                        <a:rPr lang="it-IT" sz="1200" noProof="0" dirty="0"/>
-                        <a:t>CheckLogin (servlet)</a:t>
-                      </a:r>
-                    </a:p>
-                  </a:txBody>
-                  <a:tcPr marL="99060" marR="99060" marT="60960" marB="60960"/>
-                </a:tc>
-                <a:extLst>
-                  <a:ext uri="{0D108BD9-81ED-4DB2-BD59-A6C34878D82A}">
-                    <a16:rowId xmlns:a16="http://schemas.microsoft.com/office/drawing/2014/main" val="10002"/>
-                  </a:ext>
-                </a:extLst>
-              </a:tr>
-              <a:tr h="606621">
                 <a:tc>
                   <a:txBody>
                     <a:bodyPr/>
@@ -13823,7 +15778,88 @@
                       </a:pPr>
                       <a:r>
                         <a:rPr lang="it-IT" sz="1200" noProof="0" dirty="0"/>
-                        <a:t>index</a:t>
+                        <a:t>GET</a:t>
+                      </a:r>
+                      <a:r>
+                        <a:rPr lang="it-IT" sz="1200" baseline="0" noProof="0" dirty="0"/>
+                        <a:t> (nessun parametro) </a:t>
+                      </a:r>
+                      <a:endParaRPr lang="it-IT" sz="1200" noProof="0" dirty="0"/>
+                    </a:p>
+                  </a:txBody>
+                  <a:tcPr marL="99060" marR="99060" marT="60960" marB="60960"/>
+                </a:tc>
+                <a:tc>
+                  <a:txBody>
+                    <a:bodyPr/>
+                    <a:lstStyle/>
+                    <a:p>
+                      <a:pPr marL="0" marR="0" lvl="0" indent="0" algn="l" defTabSz="914400" rtl="0" eaLnBrk="1" fontAlgn="auto" latinLnBrk="0" hangingPunct="1">
+                        <a:lnSpc>
+                          <a:spcPct val="100000"/>
+                        </a:lnSpc>
+                        <a:spcBef>
+                          <a:spcPts val="0"/>
+                        </a:spcBef>
+                        <a:spcAft>
+                          <a:spcPts val="0"/>
+                        </a:spcAft>
+                        <a:buClr>
+                          <a:srgbClr val="000000"/>
+                        </a:buClr>
+                        <a:buSzTx/>
+                        <a:buFont typeface="Arial"/>
+                        <a:buNone/>
+                        <a:tabLst/>
+                        <a:defRPr/>
+                      </a:pPr>
+                      <a:r>
+                        <a:rPr lang="it-IT" sz="1200" noProof="0" dirty="0">
+                          <a:solidFill>
+                            <a:schemeClr val="tx1"/>
+                          </a:solidFill>
+                        </a:rPr>
+                        <a:t>Controllo user sloggato</a:t>
+                      </a:r>
+                      <a:endParaRPr lang="it-IT" sz="1200" noProof="0" dirty="0"/>
+                    </a:p>
+                  </a:txBody>
+                  <a:tcPr marL="99060" marR="99060" marT="60960" marB="60960"/>
+                </a:tc>
+                <a:extLst>
+                  <a:ext uri="{0D108BD9-81ED-4DB2-BD59-A6C34878D82A}">
+                    <a16:rowId xmlns:a16="http://schemas.microsoft.com/office/drawing/2014/main" val="10002"/>
+                  </a:ext>
+                </a:extLst>
+              </a:tr>
+              <a:tr h="729695">
+                <a:tc>
+                  <a:txBody>
+                    <a:bodyPr/>
+                    <a:lstStyle/>
+                    <a:p>
+                      <a:pPr marL="0" marR="0" lvl="0" indent="0" algn="l" defTabSz="914400" rtl="0" eaLnBrk="1" fontAlgn="auto" latinLnBrk="0" hangingPunct="1">
+                        <a:lnSpc>
+                          <a:spcPct val="100000"/>
+                        </a:lnSpc>
+                        <a:spcBef>
+                          <a:spcPts val="0"/>
+                        </a:spcBef>
+                        <a:spcAft>
+                          <a:spcPts val="0"/>
+                        </a:spcAft>
+                        <a:buClr>
+                          <a:srgbClr val="000000"/>
+                        </a:buClr>
+                        <a:buSzTx/>
+                        <a:buFont typeface="Arial"/>
+                        <a:buNone/>
+                        <a:tabLst/>
+                        <a:defRPr/>
+                      </a:pPr>
+                      <a:r>
+                        <a:rPr lang="it-IT" sz="1200" noProof="0" dirty="0"/>
+                        <a:t>Home</a:t>
                       </a:r>
                       <a:r>
                         <a:rPr lang="it-IT" sz="1200" baseline="0" noProof="0" dirty="0"/>
@@ -13833,7 +15869,7 @@
                         <a:rPr lang="it-IT" sz="1200" baseline="0" noProof="0" dirty="0">
                           <a:sym typeface="Wingdings" panose="05000000000000000000" pitchFamily="2" charset="2"/>
                         </a:rPr>
-                        <a:t> registration form  submit</a:t>
+                        <a:t> logout Button  submit</a:t>
                       </a:r>
                       <a:endParaRPr lang="it-IT" sz="1200" noProof="0" dirty="0"/>
                     </a:p>
@@ -13887,8 +15923,12 @@
                         <a:defRPr/>
                       </a:pPr>
                       <a:r>
-                        <a:rPr lang="it-IT" sz="1200" noProof="0" dirty="0"/>
-                        <a:t>Function makeCall</a:t>
+                        <a:rPr lang="it-IT" sz="1200" noProof="0" dirty="0">
+                          <a:solidFill>
+                            <a:schemeClr val="tx1"/>
+                          </a:solidFill>
+                        </a:rPr>
+                        <a:t>Reindirizza a OnePage.html</a:t>
                       </a:r>
                     </a:p>
                   </a:txBody>
@@ -13920,186 +15960,13 @@
                       </a:pPr>
                       <a:r>
                         <a:rPr lang="it-IT" sz="1200" noProof="0" dirty="0"/>
-                        <a:t>POST username password e email</a:t>
-                      </a:r>
-                    </a:p>
-                    <a:p>
-                      <a:pPr marL="0" marR="0" indent="0" algn="l" defTabSz="914400" rtl="0" eaLnBrk="1" fontAlgn="auto" latinLnBrk="0" hangingPunct="1">
-                        <a:lnSpc>
-                          <a:spcPct val="100000"/>
-                        </a:lnSpc>
-                        <a:spcBef>
-                          <a:spcPts val="0"/>
-                        </a:spcBef>
-                        <a:spcAft>
-                          <a:spcPts val="0"/>
-                        </a:spcAft>
-                        <a:buClr>
-                          <a:srgbClr val="000000"/>
-                        </a:buClr>
-                        <a:buSzTx/>
-                        <a:buFont typeface="Arial"/>
-                        <a:buNone/>
-                        <a:tabLst/>
-                        <a:defRPr/>
-                      </a:pPr>
+                        <a:t>GET</a:t>
+                      </a:r>
+                      <a:r>
+                        <a:rPr lang="it-IT" sz="1200" baseline="0" noProof="0" dirty="0"/>
+                        <a:t> (nessun parametro) </a:t>
+                      </a:r>
                       <a:endParaRPr lang="it-IT" sz="1200" noProof="0" dirty="0"/>
-                    </a:p>
-                  </a:txBody>
-                  <a:tcPr marL="99060" marR="99060" marT="60960" marB="60960"/>
-                </a:tc>
-                <a:tc>
-                  <a:txBody>
-                    <a:bodyPr/>
-                    <a:lstStyle/>
-                    <a:p>
-                      <a:r>
-                        <a:rPr lang="it-IT" sz="1200" noProof="0" dirty="0"/>
-                        <a:t>CheckRegistration (servlet)</a:t>
-                      </a:r>
-                    </a:p>
-                    <a:p>
-                      <a:endParaRPr lang="it-IT" sz="1200" noProof="0" dirty="0"/>
-                    </a:p>
-                  </a:txBody>
-                  <a:tcPr marL="99060" marR="99060" marT="60960" marB="60960"/>
-                </a:tc>
-                <a:extLst>
-                  <a:ext uri="{0D108BD9-81ED-4DB2-BD59-A6C34878D82A}">
-                    <a16:rowId xmlns:a16="http://schemas.microsoft.com/office/drawing/2014/main" val="376952003"/>
-                  </a:ext>
-                </a:extLst>
-              </a:tr>
-              <a:tr h="500639">
-                <a:tc>
-                  <a:txBody>
-                    <a:bodyPr/>
-                    <a:lstStyle/>
-                    <a:p>
-                      <a:pPr marL="0" marR="0" indent="0" algn="l" defTabSz="914400" rtl="0" eaLnBrk="1" fontAlgn="auto" latinLnBrk="0" hangingPunct="1">
-                        <a:lnSpc>
-                          <a:spcPct val="100000"/>
-                        </a:lnSpc>
-                        <a:spcBef>
-                          <a:spcPts val="0"/>
-                        </a:spcBef>
-                        <a:spcAft>
-                          <a:spcPts val="0"/>
-                        </a:spcAft>
-                        <a:buClr>
-                          <a:srgbClr val="000000"/>
-                        </a:buClr>
-                        <a:buSzTx/>
-                        <a:buFont typeface="Arial"/>
-                        <a:buNone/>
-                        <a:tabLst/>
-                        <a:defRPr/>
-                      </a:pPr>
-                      <a:r>
-                        <a:rPr lang="it-IT" sz="1200" noProof="0" dirty="0"/>
-                        <a:t>Index </a:t>
-                      </a:r>
-                      <a:r>
-                        <a:rPr lang="it-IT" sz="1200" baseline="0" noProof="0" dirty="0">
-                          <a:sym typeface="Wingdings" panose="05000000000000000000" pitchFamily="2" charset="2"/>
-                        </a:rPr>
-                        <a:t> guest access</a:t>
-                      </a:r>
-                      <a:endParaRPr lang="it-IT" sz="1200" noProof="0" dirty="0"/>
-                    </a:p>
-                  </a:txBody>
-                  <a:tcPr marL="99060" marR="99060" marT="60960" marB="60960"/>
-                </a:tc>
-                <a:tc>
-                  <a:txBody>
-                    <a:bodyPr/>
-                    <a:lstStyle/>
-                    <a:p>
-                      <a:pPr marL="0" marR="0" lvl="0" indent="0" algn="l" defTabSz="914400" rtl="0" eaLnBrk="1" fontAlgn="auto" latinLnBrk="0" hangingPunct="1">
-                        <a:lnSpc>
-                          <a:spcPct val="100000"/>
-                        </a:lnSpc>
-                        <a:spcBef>
-                          <a:spcPts val="0"/>
-                        </a:spcBef>
-                        <a:spcAft>
-                          <a:spcPts val="0"/>
-                        </a:spcAft>
-                        <a:buClr>
-                          <a:srgbClr val="000000"/>
-                        </a:buClr>
-                        <a:buSzTx/>
-                        <a:buFont typeface="Arial"/>
-                        <a:buNone/>
-                        <a:tabLst/>
-                        <a:defRPr/>
-                      </a:pPr>
-                      <a:r>
-                        <a:rPr lang="it-IT" sz="1200" noProof="0" dirty="0"/>
-                        <a:t>Function makeCall</a:t>
-                      </a:r>
-                    </a:p>
-                    <a:p>
-                      <a:pPr marL="0" marR="0" indent="0" algn="l" defTabSz="914400" rtl="0" eaLnBrk="1" fontAlgn="auto" latinLnBrk="0" hangingPunct="1">
-                        <a:lnSpc>
-                          <a:spcPct val="100000"/>
-                        </a:lnSpc>
-                        <a:spcBef>
-                          <a:spcPts val="0"/>
-                        </a:spcBef>
-                        <a:spcAft>
-                          <a:spcPts val="0"/>
-                        </a:spcAft>
-                        <a:buClr>
-                          <a:srgbClr val="000000"/>
-                        </a:buClr>
-                        <a:buSzTx/>
-                        <a:buFont typeface="Arial"/>
-                        <a:buNone/>
-                        <a:tabLst/>
-                        <a:defRPr/>
-                      </a:pPr>
-                      <a:endParaRPr lang="it-IT" sz="1200" noProof="0" dirty="0">
-                        <a:solidFill>
-                          <a:schemeClr val="tx1"/>
-                        </a:solidFill>
-                      </a:endParaRPr>
-                    </a:p>
-                  </a:txBody>
-                  <a:tcPr marL="99060" marR="99060" marT="60960" marB="60960"/>
-                </a:tc>
-                <a:tc>
-                  <a:txBody>
-                    <a:bodyPr/>
-                    <a:lstStyle/>
-                    <a:p>
-                      <a:pPr marL="0" marR="0" lvl="0" indent="0" algn="l" defTabSz="914400" rtl="0" eaLnBrk="1" fontAlgn="auto" latinLnBrk="0" hangingPunct="1">
-                        <a:lnSpc>
-                          <a:spcPct val="100000"/>
-                        </a:lnSpc>
-                        <a:spcBef>
-                          <a:spcPts val="0"/>
-                        </a:spcBef>
-                        <a:spcAft>
-                          <a:spcPts val="0"/>
-                        </a:spcAft>
-                        <a:buClr>
-                          <a:srgbClr val="000000"/>
-                        </a:buClr>
-                        <a:buSzTx/>
-                        <a:buFont typeface="Arial"/>
-                        <a:buNone/>
-                        <a:tabLst/>
-                        <a:defRPr/>
-                      </a:pPr>
-                      <a:r>
-                        <a:rPr lang="it-IT" sz="1200" noProof="0" dirty="0">
-                          <a:solidFill>
-                            <a:schemeClr val="tx1"/>
-                          </a:solidFill>
-                        </a:rPr>
-                        <a:t>-</a:t>
-                      </a:r>
                     </a:p>
                     <a:p>
                       <a:pPr marL="0" marR="0" indent="0" algn="l" defTabSz="914400" rtl="0" eaLnBrk="1" fontAlgn="auto" latinLnBrk="0" hangingPunct="1">
@@ -14156,8 +16023,9 @@
                             <a:schemeClr val="tx1"/>
                           </a:solidFill>
                         </a:rPr>
-                        <a:t>-</a:t>
-                      </a:r>
+                        <a:t>Controllo user loggato</a:t>
+                      </a:r>
+                      <a:endParaRPr lang="it-IT" sz="1200" noProof="0" dirty="0"/>
                     </a:p>
                     <a:p>
                       <a:endParaRPr lang="it-IT" sz="1200" noProof="0" dirty="0"/>
@@ -14167,44 +16035,25 @@
                 </a:tc>
                 <a:extLst>
                   <a:ext uri="{0D108BD9-81ED-4DB2-BD59-A6C34878D82A}">
-                    <a16:rowId xmlns:a16="http://schemas.microsoft.com/office/drawing/2014/main" val="2815778824"/>
+                    <a16:rowId xmlns:a16="http://schemas.microsoft.com/office/drawing/2014/main" val="376952003"/>
                   </a:ext>
                 </a:extLst>
               </a:tr>
-              <a:tr h="500639">
+              <a:tr h="590393">
                 <a:tc>
                   <a:txBody>
                     <a:bodyPr/>
                     <a:lstStyle/>
                     <a:p>
-                      <a:pPr marL="0" marR="0" indent="0" algn="l" defTabSz="914400" rtl="0" eaLnBrk="1" fontAlgn="auto" latinLnBrk="0" hangingPunct="1">
-                        <a:lnSpc>
-                          <a:spcPct val="100000"/>
-                        </a:lnSpc>
-                        <a:spcBef>
-                          <a:spcPts val="0"/>
-                        </a:spcBef>
-                        <a:spcAft>
-                          <a:spcPts val="0"/>
-                        </a:spcAft>
-                        <a:buClr>
-                          <a:srgbClr val="000000"/>
-                        </a:buClr>
-                        <a:buSzTx/>
-                        <a:buFont typeface="Arial"/>
-                        <a:buNone/>
-                        <a:tabLst/>
-                        <a:defRPr/>
-                      </a:pPr>
                       <a:r>
                         <a:rPr lang="it-IT" sz="1200" noProof="0" dirty="0"/>
-                        <a:t>Home page</a:t>
+                        <a:t>Home page </a:t>
                       </a:r>
                       <a:r>
                         <a:rPr lang="it-IT" sz="1200" noProof="0" dirty="0">
                           <a:sym typeface="Wingdings" panose="05000000000000000000" pitchFamily="2" charset="2"/>
                         </a:rPr>
-                        <a:t> load</a:t>
+                        <a:t> Finestra Modale  click bottone «Login to Comment»</a:t>
                       </a:r>
                       <a:endParaRPr lang="it-IT" sz="1200" noProof="0" dirty="0"/>
                     </a:p>
@@ -14236,8 +16085,12 @@
                         <a:defRPr/>
                       </a:pPr>
                       <a:r>
-                        <a:rPr lang="it-IT" sz="1200" noProof="0" dirty="0"/>
-                        <a:t>Function PageOrchestrator</a:t>
+                        <a:rPr lang="it-IT" sz="1200" noProof="0" dirty="0">
+                          <a:solidFill>
+                            <a:schemeClr val="tx1"/>
+                          </a:solidFill>
+                        </a:rPr>
+                        <a:t>Reindirizza a OnePage.html</a:t>
                       </a:r>
                     </a:p>
                   </a:txBody>
@@ -14248,7 +16101,7 @@
                     <a:bodyPr/>
                     <a:lstStyle/>
                     <a:p>
-                      <a:pPr marL="0" marR="0" indent="0" algn="l" defTabSz="914400" rtl="0" eaLnBrk="1" fontAlgn="auto" latinLnBrk="0" hangingPunct="1">
+                      <a:pPr marL="0" marR="0" lvl="0" indent="0" algn="l" defTabSz="914400" rtl="0" eaLnBrk="1" fontAlgn="auto" latinLnBrk="0" hangingPunct="1">
                         <a:lnSpc>
                           <a:spcPct val="100000"/>
                         </a:lnSpc>
@@ -14273,7 +16126,7 @@
                       </a:r>
                       <a:r>
                         <a:rPr lang="it-IT" sz="1200" baseline="0" noProof="0" dirty="0"/>
-                        <a:t> (nessun parametro) ottengo tutte le info degli album</a:t>
+                        <a:t> (nessun parametro) </a:t>
                       </a:r>
                       <a:endParaRPr lang="it-IT" sz="1200" noProof="0" dirty="0"/>
                     </a:p>
@@ -14285,35 +16138,7 @@
                     <a:bodyPr/>
                     <a:lstStyle/>
                     <a:p>
-                      <a:r>
-                        <a:rPr lang="it-IT" sz="1200" noProof="0" dirty="0"/>
-                        <a:t>GetAlbumListData</a:t>
-                      </a:r>
-                      <a:r>
-                        <a:rPr lang="it-IT" sz="1200" baseline="0" noProof="0" dirty="0"/>
-                        <a:t> </a:t>
-                      </a:r>
-                      <a:r>
-                        <a:rPr lang="it-IT" sz="1200" noProof="0" dirty="0"/>
-                        <a:t>(servlet)</a:t>
-                      </a:r>
-                    </a:p>
-                  </a:txBody>
-                  <a:tcPr marL="99060" marR="99060" marT="60960" marB="60960"/>
-                </a:tc>
-                <a:extLst>
-                  <a:ext uri="{0D108BD9-81ED-4DB2-BD59-A6C34878D82A}">
-                    <a16:rowId xmlns:a16="http://schemas.microsoft.com/office/drawing/2014/main" val="10003"/>
-                  </a:ext>
-                </a:extLst>
-              </a:tr>
-              <a:tr h="688378">
-                <a:tc>
-                  <a:txBody>
-                    <a:bodyPr/>
-                    <a:lstStyle/>
-                    <a:p>
-                      <a:pPr marL="0" marR="0" indent="0" algn="l" defTabSz="914400" rtl="0" eaLnBrk="1" fontAlgn="auto" latinLnBrk="0" hangingPunct="1">
+                      <a:pPr marL="0" marR="0" lvl="0" indent="0" algn="l" defTabSz="914400" rtl="0" eaLnBrk="1" fontAlgn="auto" latinLnBrk="0" hangingPunct="1">
                         <a:lnSpc>
                           <a:spcPct val="100000"/>
                         </a:lnSpc>
@@ -14333,492 +16158,21 @@
                         <a:defRPr/>
                       </a:pPr>
                       <a:r>
-                        <a:rPr lang="it-IT" sz="1200" noProof="0" dirty="0"/>
-                        <a:t>Home </a:t>
-                      </a:r>
-                      <a:r>
                         <a:rPr lang="it-IT" sz="1200" noProof="0" dirty="0">
-                          <a:sym typeface="Wingdings" panose="05000000000000000000" pitchFamily="2" charset="2"/>
+                          <a:solidFill>
+                            <a:schemeClr val="tx1"/>
+                          </a:solidFill>
                         </a:rPr>
-                        <a:t> elenco album  seleziona album</a:t>
+                        <a:t>Controllo user sloggato</a:t>
                       </a:r>
                       <a:endParaRPr lang="it-IT" sz="1200" noProof="0" dirty="0"/>
-                    </a:p>
-                  </a:txBody>
-                  <a:tcPr marL="99060" marR="99060" marT="60960" marB="60960"/>
-                </a:tc>
-                <a:tc>
-                  <a:txBody>
-                    <a:bodyPr/>
-                    <a:lstStyle/>
-                    <a:p>
-                      <a:r>
-                        <a:rPr lang="it-IT" sz="1200" noProof="0" dirty="0"/>
-                        <a:t>Function</a:t>
-                      </a:r>
-                      <a:r>
-                        <a:rPr lang="it-IT" sz="1200" baseline="0" noProof="0" dirty="0"/>
-                        <a:t> AlbumDetails.update</a:t>
-                      </a:r>
-                      <a:endParaRPr lang="it-IT" sz="1200" noProof="0" dirty="0"/>
-                    </a:p>
-                  </a:txBody>
-                  <a:tcPr marL="99060" marR="99060" marT="60960" marB="60960"/>
-                </a:tc>
-                <a:tc>
-                  <a:txBody>
-                    <a:bodyPr/>
-                    <a:lstStyle/>
-                    <a:p>
-                      <a:r>
-                        <a:rPr lang="it-IT" sz="1200" noProof="0" dirty="0"/>
-                        <a:t>GET (albumId) </a:t>
-                      </a:r>
-                    </a:p>
-                    <a:p>
-                      <a:r>
-                        <a:rPr lang="it-IT" sz="1200" noProof="0" dirty="0"/>
-                        <a:t>ottengo tutte le immagini di un album specifico.</a:t>
-                      </a:r>
-                    </a:p>
-                  </a:txBody>
-                  <a:tcPr marL="99060" marR="99060" marT="60960" marB="60960"/>
-                </a:tc>
-                <a:tc>
-                  <a:txBody>
-                    <a:bodyPr/>
-                    <a:lstStyle/>
-                    <a:p>
-                      <a:r>
-                        <a:rPr lang="it-IT" sz="1200" noProof="0" dirty="0"/>
-                        <a:t>GetImagesOfAlbum</a:t>
-                      </a:r>
-                      <a:r>
-                        <a:rPr lang="it-IT" sz="1200" baseline="0" noProof="0" dirty="0"/>
-                        <a:t> </a:t>
-                      </a:r>
-                      <a:r>
-                        <a:rPr lang="it-IT" sz="1200" noProof="0" dirty="0"/>
-                        <a:t>(servlet)</a:t>
-                      </a:r>
                     </a:p>
                   </a:txBody>
                   <a:tcPr marL="99060" marR="99060" marT="60960" marB="60960"/>
                 </a:tc>
                 <a:extLst>
                   <a:ext uri="{0D108BD9-81ED-4DB2-BD59-A6C34878D82A}">
-                    <a16:rowId xmlns:a16="http://schemas.microsoft.com/office/drawing/2014/main" val="10004"/>
-                  </a:ext>
-                </a:extLst>
-              </a:tr>
-              <a:tr h="583247">
-                <a:tc>
-                  <a:txBody>
-                    <a:bodyPr/>
-                    <a:lstStyle/>
-                    <a:p>
-                      <a:r>
-                        <a:rPr lang="it-IT" sz="1200" noProof="0" dirty="0"/>
-                        <a:t>Home page</a:t>
-                      </a:r>
-                      <a:r>
-                        <a:rPr lang="it-IT" sz="1200" noProof="0" dirty="0">
-                          <a:sym typeface="Wingdings" panose="05000000000000000000" pitchFamily="2" charset="2"/>
-                        </a:rPr>
-                        <a:t> elenco album drag&amp;drop album</a:t>
-                      </a:r>
-                      <a:endParaRPr lang="it-IT" sz="1200" noProof="0" dirty="0"/>
-                    </a:p>
-                  </a:txBody>
-                  <a:tcPr marL="99060" marR="99060" marT="60960" marB="60960"/>
-                </a:tc>
-                <a:tc>
-                  <a:txBody>
-                    <a:bodyPr/>
-                    <a:lstStyle/>
-                    <a:p>
-                      <a:r>
-                        <a:rPr lang="it-IT" sz="1200" noProof="0" dirty="0"/>
-                        <a:t>Function Drag&amp;Drop</a:t>
-                      </a:r>
-                    </a:p>
-                  </a:txBody>
-                  <a:tcPr marL="99060" marR="99060" marT="60960" marB="60960"/>
-                </a:tc>
-                <a:tc>
-                  <a:txBody>
-                    <a:bodyPr/>
-                    <a:lstStyle/>
-                    <a:p>
-                      <a:r>
-                        <a:rPr lang="it-IT" sz="1200" noProof="0" dirty="0"/>
-                        <a:t>-</a:t>
-                      </a:r>
-                    </a:p>
-                  </a:txBody>
-                  <a:tcPr marL="99060" marR="99060" marT="60960" marB="60960"/>
-                </a:tc>
-                <a:tc>
-                  <a:txBody>
-                    <a:bodyPr/>
-                    <a:lstStyle/>
-                    <a:p>
-                      <a:r>
-                        <a:rPr lang="it-IT" sz="1200" noProof="0" dirty="0"/>
-                        <a:t>-</a:t>
-                      </a:r>
-                    </a:p>
-                  </a:txBody>
-                  <a:tcPr marL="99060" marR="99060" marT="60960" marB="60960"/>
-                </a:tc>
-                <a:extLst>
-                  <a:ext uri="{0D108BD9-81ED-4DB2-BD59-A6C34878D82A}">
-                    <a16:rowId xmlns:a16="http://schemas.microsoft.com/office/drawing/2014/main" val="10005"/>
-                  </a:ext>
-                </a:extLst>
-              </a:tr>
-              <a:tr h="583247">
-                <a:tc>
-                  <a:txBody>
-                    <a:bodyPr/>
-                    <a:lstStyle/>
-                    <a:p>
-                      <a:r>
-                        <a:rPr lang="it-IT" sz="1200" noProof="0" dirty="0"/>
-                        <a:t>Home page </a:t>
-                      </a:r>
-                      <a:r>
-                        <a:rPr lang="it-IT" sz="1200" noProof="0" dirty="0">
-                          <a:sym typeface="Wingdings" panose="05000000000000000000" pitchFamily="2" charset="2"/>
-                        </a:rPr>
-                        <a:t>elenco album  click </a:t>
-                      </a:r>
-                      <a:r>
-                        <a:rPr lang="it-IT" sz="1200" noProof="0" dirty="0"/>
-                        <a:t>bottone «salva ordinamento».</a:t>
-                      </a:r>
-                    </a:p>
-                  </a:txBody>
-                  <a:tcPr marL="99060" marR="99060" marT="60960" marB="60960"/>
-                </a:tc>
-                <a:tc>
-                  <a:txBody>
-                    <a:bodyPr/>
-                    <a:lstStyle/>
-                    <a:p>
-                      <a:r>
-                        <a:rPr lang="it-IT" sz="1200" noProof="0" dirty="0"/>
-                        <a:t>-</a:t>
-                      </a:r>
-                    </a:p>
-                  </a:txBody>
-                  <a:tcPr marL="99060" marR="99060" marT="60960" marB="60960"/>
-                </a:tc>
-                <a:tc>
-                  <a:txBody>
-                    <a:bodyPr/>
-                    <a:lstStyle/>
-                    <a:p>
-                      <a:r>
-                        <a:rPr lang="it-IT" sz="1200" noProof="0" dirty="0"/>
-                        <a:t>POST(userId, lista ordinamento album)</a:t>
-                      </a:r>
-                    </a:p>
-                  </a:txBody>
-                  <a:tcPr marL="99060" marR="99060" marT="60960" marB="60960"/>
-                </a:tc>
-                <a:tc>
-                  <a:txBody>
-                    <a:bodyPr/>
-                    <a:lstStyle/>
-                    <a:p>
-                      <a:r>
-                        <a:rPr lang="it-IT" sz="1200" noProof="0" dirty="0"/>
-                        <a:t>SaveAlbumOrder(servlet)</a:t>
-                      </a:r>
-                    </a:p>
-                  </a:txBody>
-                  <a:tcPr marL="99060" marR="99060" marT="60960" marB="60960"/>
-                </a:tc>
-                <a:extLst>
-                  <a:ext uri="{0D108BD9-81ED-4DB2-BD59-A6C34878D82A}">
-                    <a16:rowId xmlns:a16="http://schemas.microsoft.com/office/drawing/2014/main" val="10006"/>
-                  </a:ext>
-                </a:extLst>
-              </a:tr>
-              <a:tr h="506869">
-                <a:tc>
-                  <a:txBody>
-                    <a:bodyPr/>
-                    <a:lstStyle/>
-                    <a:p>
-                      <a:r>
-                        <a:rPr lang="it-IT" sz="1200" noProof="0" dirty="0"/>
-                        <a:t>Home page </a:t>
-                      </a:r>
-                      <a:r>
-                        <a:rPr lang="it-IT" sz="1200" noProof="0" dirty="0">
-                          <a:sym typeface="Wingdings" panose="05000000000000000000" pitchFamily="2" charset="2"/>
-                        </a:rPr>
-                        <a:t>immagini album  click </a:t>
-                      </a:r>
-                      <a:r>
-                        <a:rPr lang="it-IT" sz="1200" noProof="0" dirty="0"/>
-                        <a:t>next, previous button.</a:t>
-                      </a:r>
-                    </a:p>
-                  </a:txBody>
-                  <a:tcPr marL="99060" marR="99060" marT="60960" marB="60960"/>
-                </a:tc>
-                <a:tc>
-                  <a:txBody>
-                    <a:bodyPr/>
-                    <a:lstStyle/>
-                    <a:p>
-                      <a:r>
-                        <a:rPr lang="it-IT" sz="1200" noProof="0" dirty="0"/>
-                        <a:t>Function</a:t>
-                      </a:r>
-                      <a:r>
-                        <a:rPr lang="it-IT" sz="1200" baseline="0" noProof="0" dirty="0"/>
-                        <a:t> changeBlockOfImages</a:t>
-                      </a:r>
-                      <a:endParaRPr lang="it-IT" sz="1200" noProof="0" dirty="0"/>
-                    </a:p>
-                  </a:txBody>
-                  <a:tcPr marL="99060" marR="99060" marT="60960" marB="60960"/>
-                </a:tc>
-                <a:tc>
-                  <a:txBody>
-                    <a:bodyPr/>
-                    <a:lstStyle/>
-                    <a:p>
-                      <a:r>
-                        <a:rPr lang="it-IT" sz="1200" noProof="0" dirty="0"/>
-                        <a:t>-</a:t>
-                      </a:r>
-                    </a:p>
-                  </a:txBody>
-                  <a:tcPr marL="99060" marR="99060" marT="60960" marB="60960"/>
-                </a:tc>
-                <a:tc>
-                  <a:txBody>
-                    <a:bodyPr/>
-                    <a:lstStyle/>
-                    <a:p>
-                      <a:r>
-                        <a:rPr lang="it-IT" sz="1200" noProof="0" dirty="0"/>
-                        <a:t>-</a:t>
-                      </a:r>
-                    </a:p>
-                  </a:txBody>
-                  <a:tcPr marL="99060" marR="99060" marT="60960" marB="60960"/>
-                </a:tc>
-                <a:extLst>
-                  <a:ext uri="{0D108BD9-81ED-4DB2-BD59-A6C34878D82A}">
-                    <a16:rowId xmlns:a16="http://schemas.microsoft.com/office/drawing/2014/main" val="10007"/>
-                  </a:ext>
-                </a:extLst>
-              </a:tr>
-              <a:tr h="555007">
-                <a:tc>
-                  <a:txBody>
-                    <a:bodyPr/>
-                    <a:lstStyle/>
-                    <a:p>
-                      <a:r>
-                        <a:rPr lang="it-IT" sz="1200" noProof="0" dirty="0"/>
-                        <a:t>Home page </a:t>
-                      </a:r>
-                      <a:r>
-                        <a:rPr lang="it-IT" sz="1200" noProof="0" dirty="0">
-                          <a:sym typeface="Wingdings" panose="05000000000000000000" pitchFamily="2" charset="2"/>
-                        </a:rPr>
-                        <a:t> elenco album  mouse sopra l’immagine</a:t>
-                      </a:r>
-                      <a:endParaRPr lang="it-IT" sz="1200" noProof="0" dirty="0"/>
-                    </a:p>
-                  </a:txBody>
-                  <a:tcPr marL="99060" marR="99060" marT="60960" marB="60960"/>
-                </a:tc>
-                <a:tc>
-                  <a:txBody>
-                    <a:bodyPr/>
-                    <a:lstStyle/>
-                    <a:p>
-                      <a:r>
-                        <a:rPr lang="it-IT" sz="1200" noProof="0" dirty="0"/>
-                        <a:t>Function finestraModale.update</a:t>
-                      </a:r>
-                    </a:p>
-                  </a:txBody>
-                  <a:tcPr marL="99060" marR="99060" marT="60960" marB="60960"/>
-                </a:tc>
-                <a:tc>
-                  <a:txBody>
-                    <a:bodyPr/>
-                    <a:lstStyle/>
-                    <a:p>
-                      <a:r>
-                        <a:rPr lang="it-IT" sz="1200" noProof="0" dirty="0"/>
-                        <a:t>GET(imageId)</a:t>
-                      </a:r>
-                    </a:p>
-                  </a:txBody>
-                  <a:tcPr marL="99060" marR="99060" marT="60960" marB="60960"/>
-                </a:tc>
-                <a:tc>
-                  <a:txBody>
-                    <a:bodyPr/>
-                    <a:lstStyle/>
-                    <a:p>
-                      <a:r>
-                        <a:rPr lang="it-IT" sz="1200" noProof="0" dirty="0"/>
-                        <a:t>GetImageInfo(servlet)</a:t>
-                      </a:r>
-                    </a:p>
-                  </a:txBody>
-                  <a:tcPr marL="99060" marR="99060" marT="60960" marB="60960"/>
-                </a:tc>
-                <a:extLst>
-                  <a:ext uri="{0D108BD9-81ED-4DB2-BD59-A6C34878D82A}">
-                    <a16:rowId xmlns:a16="http://schemas.microsoft.com/office/drawing/2014/main" val="10008"/>
-                  </a:ext>
-                </a:extLst>
-              </a:tr>
-              <a:tr h="506869">
-                <a:tc>
-                  <a:txBody>
-                    <a:bodyPr/>
-                    <a:lstStyle/>
-                    <a:p>
-                      <a:r>
-                        <a:rPr lang="it-IT" sz="1200" noProof="0" dirty="0"/>
-                        <a:t>Form comment</a:t>
-                      </a:r>
-                      <a:r>
-                        <a:rPr lang="it-IT" sz="1200" baseline="0" noProof="0" dirty="0"/>
-                        <a:t> </a:t>
-                      </a:r>
-                      <a:r>
-                        <a:rPr lang="it-IT" sz="1200" baseline="0" noProof="0" dirty="0">
-                          <a:sym typeface="Wingdings" panose="05000000000000000000" pitchFamily="2" charset="2"/>
-                        </a:rPr>
-                        <a:t> submit</a:t>
-                      </a:r>
-                      <a:endParaRPr lang="it-IT" sz="1200" noProof="0" dirty="0"/>
-                    </a:p>
-                  </a:txBody>
-                  <a:tcPr marL="99060" marR="99060" marT="60960" marB="60960"/>
-                </a:tc>
-                <a:tc>
-                  <a:txBody>
-                    <a:bodyPr/>
-                    <a:lstStyle/>
-                    <a:p>
-                      <a:r>
-                        <a:rPr lang="it-IT" sz="1200" noProof="0" dirty="0"/>
-                        <a:t>Function makeCall</a:t>
-                      </a:r>
-                    </a:p>
-                  </a:txBody>
-                  <a:tcPr marL="99060" marR="99060" marT="60960" marB="60960"/>
-                </a:tc>
-                <a:tc>
-                  <a:txBody>
-                    <a:bodyPr/>
-                    <a:lstStyle/>
-                    <a:p>
-                      <a:r>
-                        <a:rPr lang="it-IT" sz="1200" noProof="0" dirty="0"/>
-                        <a:t>POST (dati commento)</a:t>
-                      </a:r>
-                    </a:p>
-                  </a:txBody>
-                  <a:tcPr marL="99060" marR="99060" marT="60960" marB="60960"/>
-                </a:tc>
-                <a:tc>
-                  <a:txBody>
-                    <a:bodyPr/>
-                    <a:lstStyle/>
-                    <a:p>
-                      <a:r>
-                        <a:rPr lang="it-IT" sz="1200" noProof="0" dirty="0"/>
-                        <a:t>CreateComment(servlet)</a:t>
-                      </a:r>
-                    </a:p>
-                  </a:txBody>
-                  <a:tcPr marL="99060" marR="99060" marT="60960" marB="60960"/>
-                </a:tc>
-                <a:extLst>
-                  <a:ext uri="{0D108BD9-81ED-4DB2-BD59-A6C34878D82A}">
-                    <a16:rowId xmlns:a16="http://schemas.microsoft.com/office/drawing/2014/main" val="10009"/>
-                  </a:ext>
-                </a:extLst>
-              </a:tr>
-              <a:tr h="506869">
-                <a:tc>
-                  <a:txBody>
-                    <a:bodyPr/>
-                    <a:lstStyle/>
-                    <a:p>
-                      <a:r>
-                        <a:rPr lang="it-IT" sz="1200" noProof="0" dirty="0"/>
-                        <a:t>Home page </a:t>
-                      </a:r>
-                      <a:r>
-                        <a:rPr lang="it-IT" sz="1200" noProof="0" dirty="0">
-                          <a:sym typeface="Wingdings" panose="05000000000000000000" pitchFamily="2" charset="2"/>
-                        </a:rPr>
-                        <a:t> finestra modale sposto al di fuori il mouse.</a:t>
-                      </a:r>
-                      <a:endParaRPr lang="it-IT" sz="1200" noProof="0" dirty="0"/>
-                    </a:p>
-                  </a:txBody>
-                  <a:tcPr marL="99060" marR="99060" marT="60960" marB="60960"/>
-                </a:tc>
-                <a:tc>
-                  <a:txBody>
-                    <a:bodyPr/>
-                    <a:lstStyle/>
-                    <a:p>
-                      <a:r>
-                        <a:rPr lang="it-IT" sz="1200" noProof="0" dirty="0"/>
-                        <a:t>Function finestraModale.update</a:t>
-                      </a:r>
-                    </a:p>
-                  </a:txBody>
-                  <a:tcPr marL="99060" marR="99060" marT="60960" marB="60960"/>
-                </a:tc>
-                <a:tc>
-                  <a:txBody>
-                    <a:bodyPr/>
-                    <a:lstStyle/>
-                    <a:p>
-                      <a:r>
-                        <a:rPr lang="it-IT" sz="1200" noProof="0" dirty="0"/>
-                        <a:t>-</a:t>
-                      </a:r>
-                    </a:p>
-                  </a:txBody>
-                  <a:tcPr marL="99060" marR="99060" marT="60960" marB="60960"/>
-                </a:tc>
-                <a:tc>
-                  <a:txBody>
-                    <a:bodyPr/>
-                    <a:lstStyle/>
-                    <a:p>
-                      <a:r>
-                        <a:rPr lang="it-IT" sz="1200" noProof="0" dirty="0"/>
-                        <a:t>-</a:t>
-                      </a:r>
-                    </a:p>
-                  </a:txBody>
-                  <a:tcPr marL="99060" marR="99060" marT="60960" marB="60960"/>
-                </a:tc>
-                <a:extLst>
-                  <a:ext uri="{0D108BD9-81ED-4DB2-BD59-A6C34878D82A}">
-                    <a16:rowId xmlns:a16="http://schemas.microsoft.com/office/drawing/2014/main" val="3617842898"/>
+                    <a16:rowId xmlns:a16="http://schemas.microsoft.com/office/drawing/2014/main" val="2815778824"/>
                   </a:ext>
                 </a:extLst>
               </a:tr>
@@ -14829,7 +16183,7 @@
     </p:spTree>
     <p:extLst>
       <p:ext uri="{BB962C8B-B14F-4D97-AF65-F5344CB8AC3E}">
-        <p14:creationId xmlns:p14="http://schemas.microsoft.com/office/powerpoint/2010/main" val="577903789"/>
+        <p14:creationId xmlns:p14="http://schemas.microsoft.com/office/powerpoint/2010/main" val="1149138350"/>
       </p:ext>
     </p:extLst>
   </p:cSld>

--- a/Presentazioni Powerpoint/Progetto1_versione_RIA.pptx
+++ b/Presentazioni Powerpoint/Progetto1_versione_RIA.pptx
@@ -212,7 +212,7 @@
           <a:p>
             <a:fld id="{C25F5A86-D4B2-4CFB-9FC8-FAE097577B12}" type="datetimeFigureOut">
               <a:rPr lang="it-IT" smtClean="0"/>
-              <a:t>05/09/2020</a:t>
+              <a:t>06/09/2020</a:t>
             </a:fld>
             <a:endParaRPr lang="it-IT" dirty="0"/>
           </a:p>
@@ -1114,7 +1114,7 @@
               </a:spcAft>
               <a:buNone/>
             </a:pPr>
-            <a:endParaRPr/>
+            <a:endParaRPr dirty="0"/>
           </a:p>
         </p:txBody>
       </p:sp>
@@ -1314,7 +1314,7 @@
           <a:p>
             <a:fld id="{FE1EE28F-F736-456D-A3C7-4F5EC37410C2}" type="datetimeFigureOut">
               <a:rPr lang="it-IT" smtClean="0"/>
-              <a:t>05/09/2020</a:t>
+              <a:t>06/09/2020</a:t>
             </a:fld>
             <a:endParaRPr lang="it-IT" dirty="0"/>
           </a:p>
@@ -1512,7 +1512,7 @@
           <a:p>
             <a:fld id="{FE1EE28F-F736-456D-A3C7-4F5EC37410C2}" type="datetimeFigureOut">
               <a:rPr lang="it-IT" smtClean="0"/>
-              <a:t>05/09/2020</a:t>
+              <a:t>06/09/2020</a:t>
             </a:fld>
             <a:endParaRPr lang="it-IT" dirty="0"/>
           </a:p>
@@ -1720,7 +1720,7 @@
           <a:p>
             <a:fld id="{FE1EE28F-F736-456D-A3C7-4F5EC37410C2}" type="datetimeFigureOut">
               <a:rPr lang="it-IT" smtClean="0"/>
-              <a:t>05/09/2020</a:t>
+              <a:t>06/09/2020</a:t>
             </a:fld>
             <a:endParaRPr lang="it-IT" dirty="0"/>
           </a:p>
@@ -1918,7 +1918,7 @@
           <a:p>
             <a:fld id="{FE1EE28F-F736-456D-A3C7-4F5EC37410C2}" type="datetimeFigureOut">
               <a:rPr lang="it-IT" smtClean="0"/>
-              <a:t>05/09/2020</a:t>
+              <a:t>06/09/2020</a:t>
             </a:fld>
             <a:endParaRPr lang="it-IT" dirty="0"/>
           </a:p>
@@ -2193,7 +2193,7 @@
           <a:p>
             <a:fld id="{FE1EE28F-F736-456D-A3C7-4F5EC37410C2}" type="datetimeFigureOut">
               <a:rPr lang="it-IT" smtClean="0"/>
-              <a:t>05/09/2020</a:t>
+              <a:t>06/09/2020</a:t>
             </a:fld>
             <a:endParaRPr lang="it-IT" dirty="0"/>
           </a:p>
@@ -2458,7 +2458,7 @@
           <a:p>
             <a:fld id="{FE1EE28F-F736-456D-A3C7-4F5EC37410C2}" type="datetimeFigureOut">
               <a:rPr lang="it-IT" smtClean="0"/>
-              <a:t>05/09/2020</a:t>
+              <a:t>06/09/2020</a:t>
             </a:fld>
             <a:endParaRPr lang="it-IT" dirty="0"/>
           </a:p>
@@ -2870,7 +2870,7 @@
           <a:p>
             <a:fld id="{FE1EE28F-F736-456D-A3C7-4F5EC37410C2}" type="datetimeFigureOut">
               <a:rPr lang="it-IT" smtClean="0"/>
-              <a:t>05/09/2020</a:t>
+              <a:t>06/09/2020</a:t>
             </a:fld>
             <a:endParaRPr lang="it-IT" dirty="0"/>
           </a:p>
@@ -3011,7 +3011,7 @@
           <a:p>
             <a:fld id="{FE1EE28F-F736-456D-A3C7-4F5EC37410C2}" type="datetimeFigureOut">
               <a:rPr lang="it-IT" smtClean="0"/>
-              <a:t>05/09/2020</a:t>
+              <a:t>06/09/2020</a:t>
             </a:fld>
             <a:endParaRPr lang="it-IT" dirty="0"/>
           </a:p>
@@ -3124,7 +3124,7 @@
           <a:p>
             <a:fld id="{FE1EE28F-F736-456D-A3C7-4F5EC37410C2}" type="datetimeFigureOut">
               <a:rPr lang="it-IT" smtClean="0"/>
-              <a:t>05/09/2020</a:t>
+              <a:t>06/09/2020</a:t>
             </a:fld>
             <a:endParaRPr lang="it-IT" dirty="0"/>
           </a:p>
@@ -3435,7 +3435,7 @@
           <a:p>
             <a:fld id="{FE1EE28F-F736-456D-A3C7-4F5EC37410C2}" type="datetimeFigureOut">
               <a:rPr lang="it-IT" smtClean="0"/>
-              <a:t>05/09/2020</a:t>
+              <a:t>06/09/2020</a:t>
             </a:fld>
             <a:endParaRPr lang="it-IT" dirty="0"/>
           </a:p>
@@ -3723,7 +3723,7 @@
           <a:p>
             <a:fld id="{FE1EE28F-F736-456D-A3C7-4F5EC37410C2}" type="datetimeFigureOut">
               <a:rPr lang="it-IT" smtClean="0"/>
-              <a:t>05/09/2020</a:t>
+              <a:t>06/09/2020</a:t>
             </a:fld>
             <a:endParaRPr lang="it-IT" dirty="0"/>
           </a:p>
@@ -3964,7 +3964,7 @@
           <a:p>
             <a:fld id="{FE1EE28F-F736-456D-A3C7-4F5EC37410C2}" type="datetimeFigureOut">
               <a:rPr lang="it-IT" smtClean="0"/>
-              <a:t>05/09/2020</a:t>
+              <a:t>06/09/2020</a:t>
             </a:fld>
             <a:endParaRPr lang="it-IT" dirty="0"/>
           </a:p>
@@ -7189,7 +7189,7 @@
           <a:p>
             <a:pPr algn="ctr"/>
             <a:r>
-              <a:rPr lang="es-419" sz="1200" dirty="0">
+              <a:rPr lang="es-419" sz="1400" dirty="0">
                 <a:solidFill>
                   <a:schemeClr val="dk1"/>
                 </a:solidFill>
@@ -7200,7 +7200,7 @@
               </a:rPr>
               <a:t>CheckLogin</a:t>
             </a:r>
-            <a:endParaRPr sz="1200" dirty="0">
+            <a:endParaRPr sz="1400" dirty="0">
               <a:solidFill>
                 <a:schemeClr val="dk1"/>
               </a:solidFill>
@@ -7365,7 +7365,7 @@
           <a:p>
             <a:pPr algn="ctr"/>
             <a:r>
-              <a:rPr lang="es-419" sz="1200" dirty="0">
+              <a:rPr lang="es-419" sz="1400" dirty="0">
                 <a:solidFill>
                   <a:schemeClr val="dk1"/>
                 </a:solidFill>
@@ -7376,7 +7376,7 @@
               </a:rPr>
               <a:t>UserDAO</a:t>
             </a:r>
-            <a:endParaRPr sz="1200" dirty="0">
+            <a:endParaRPr sz="1400" dirty="0">
               <a:solidFill>
                 <a:schemeClr val="dk1"/>
               </a:solidFill>
@@ -7557,7 +7557,7 @@
           <a:p>
             <a:pPr algn="ctr"/>
             <a:r>
-              <a:rPr lang="es-419" sz="1200" dirty="0">
+              <a:rPr lang="es-419" sz="1400" dirty="0">
                 <a:solidFill>
                   <a:schemeClr val="dk1"/>
                 </a:solidFill>
@@ -7568,7 +7568,7 @@
               </a:rPr>
               <a:t>Session</a:t>
             </a:r>
-            <a:endParaRPr sz="1200" dirty="0">
+            <a:endParaRPr sz="1400" dirty="0">
               <a:solidFill>
                 <a:schemeClr val="dk1"/>
               </a:solidFill>
@@ -8263,7 +8263,7 @@
         <p:spPr>
           <a:xfrm>
             <a:off x="8660396" y="1136084"/>
-            <a:ext cx="808868" cy="369200"/>
+            <a:ext cx="898232" cy="369200"/>
           </a:xfrm>
           <a:prstGeom prst="rect">
             <a:avLst/>
@@ -8289,7 +8289,7 @@
           <a:p>
             <a:pPr algn="ctr"/>
             <a:r>
-              <a:rPr lang="es-419" sz="1200" dirty="0">
+              <a:rPr lang="es-419" sz="1400" dirty="0">
                 <a:solidFill>
                   <a:schemeClr val="dk1"/>
                 </a:solidFill>
@@ -8300,7 +8300,7 @@
               </a:rPr>
               <a:t>Window</a:t>
             </a:r>
-            <a:endParaRPr sz="1200" dirty="0">
+            <a:endParaRPr sz="1400" dirty="0">
               <a:solidFill>
                 <a:schemeClr val="dk1"/>
               </a:solidFill>
@@ -8320,8 +8320,8 @@
         </p:nvSpPr>
         <p:spPr>
           <a:xfrm>
-            <a:off x="657693" y="994996"/>
-            <a:ext cx="1675536" cy="651379"/>
+            <a:off x="657692" y="994996"/>
+            <a:ext cx="1789951" cy="651379"/>
           </a:xfrm>
           <a:prstGeom prst="rect">
             <a:avLst/>
@@ -8347,7 +8347,7 @@
           <a:p>
             <a:pPr algn="ctr"/>
             <a:r>
-              <a:rPr lang="es-419" sz="1200" dirty="0">
+              <a:rPr lang="es-419" sz="1400" dirty="0">
                 <a:solidFill>
                   <a:schemeClr val="dk1"/>
                 </a:solidFill>
@@ -8358,7 +8358,7 @@
               </a:rPr>
               <a:t>index.html + indexManagement.js</a:t>
             </a:r>
-            <a:endParaRPr sz="1200" dirty="0">
+            <a:endParaRPr sz="1400" dirty="0">
               <a:solidFill>
                 <a:schemeClr val="dk1"/>
               </a:solidFill>
@@ -9274,7 +9274,7 @@
           <a:p>
             <a:pPr algn="ctr"/>
             <a:r>
-              <a:rPr lang="es-419" sz="1200" dirty="0">
+              <a:rPr lang="es-419" sz="1400" dirty="0">
                 <a:solidFill>
                   <a:schemeClr val="dk1"/>
                 </a:solidFill>
@@ -9285,7 +9285,7 @@
               </a:rPr>
               <a:t>Session storage</a:t>
             </a:r>
-            <a:endParaRPr sz="1200" dirty="0">
+            <a:endParaRPr sz="1400" dirty="0">
               <a:solidFill>
                 <a:schemeClr val="dk1"/>
               </a:solidFill>
@@ -9688,8 +9688,8 @@
         </p:nvSpPr>
         <p:spPr>
           <a:xfrm>
-            <a:off x="3812570" y="750916"/>
-            <a:ext cx="965456" cy="558842"/>
+            <a:off x="3727272" y="672535"/>
+            <a:ext cx="1129135" cy="558842"/>
           </a:xfrm>
           <a:prstGeom prst="rect">
             <a:avLst/>
@@ -9718,7 +9718,7 @@
           <a:p>
             <a:pPr algn="ctr"/>
             <a:r>
-              <a:rPr lang="es-419" sz="1200" dirty="0">
+              <a:rPr lang="es-419" sz="1400" dirty="0">
                 <a:solidFill>
                   <a:schemeClr val="dk1"/>
                 </a:solidFill>
@@ -9729,7 +9729,7 @@
               </a:rPr>
               <a:t>Registration</a:t>
             </a:r>
-            <a:endParaRPr sz="1200" dirty="0">
+            <a:endParaRPr sz="1400" dirty="0">
               <a:solidFill>
                 <a:schemeClr val="dk1"/>
               </a:solidFill>
@@ -9752,8 +9752,8 @@
         </p:nvCxnSpPr>
         <p:spPr>
           <a:xfrm flipH="1">
-            <a:off x="4271252" y="1309758"/>
-            <a:ext cx="24046" cy="4254510"/>
+            <a:off x="4274964" y="1231377"/>
+            <a:ext cx="16876" cy="5433942"/>
           </a:xfrm>
           <a:prstGeom prst="straightConnector1">
             <a:avLst/>
@@ -9964,8 +9964,8 @@
         </p:nvSpPr>
         <p:spPr>
           <a:xfrm>
-            <a:off x="7199829" y="782587"/>
-            <a:ext cx="1319500" cy="381200"/>
+            <a:off x="7191120" y="704649"/>
+            <a:ext cx="1319500" cy="563390"/>
           </a:xfrm>
           <a:prstGeom prst="rect">
             <a:avLst/>
@@ -9994,7 +9994,7 @@
           <a:p>
             <a:pPr algn="ctr"/>
             <a:r>
-              <a:rPr lang="es-419" sz="1200" dirty="0">
+              <a:rPr lang="es-419" sz="1400" dirty="0">
                 <a:solidFill>
                   <a:schemeClr val="dk1"/>
                 </a:solidFill>
@@ -10005,7 +10005,7 @@
               </a:rPr>
               <a:t>UserDAO</a:t>
             </a:r>
-            <a:endParaRPr sz="1200" dirty="0">
+            <a:endParaRPr sz="1400" dirty="0">
               <a:solidFill>
                 <a:schemeClr val="dk1"/>
               </a:solidFill>
@@ -10193,8 +10193,8 @@
         </p:nvSpPr>
         <p:spPr>
           <a:xfrm>
-            <a:off x="8824724" y="726785"/>
-            <a:ext cx="1319500" cy="634400"/>
+            <a:off x="8824723" y="674531"/>
+            <a:ext cx="1555893" cy="634400"/>
           </a:xfrm>
           <a:prstGeom prst="rect">
             <a:avLst/>
@@ -10224,7 +10224,7 @@
               </a:buClr>
             </a:pPr>
             <a:r>
-              <a:rPr lang="es-419" sz="1200" dirty="0">
+              <a:rPr lang="es-419" sz="1400" dirty="0">
                 <a:solidFill>
                   <a:schemeClr val="dk1"/>
                 </a:solidFill>
@@ -10248,7 +10248,7 @@
         </p:nvCxnSpPr>
         <p:spPr>
           <a:xfrm>
-            <a:off x="9515006" y="1383321"/>
+            <a:off x="9619512" y="1383321"/>
             <a:ext cx="19226" cy="5360379"/>
           </a:xfrm>
           <a:prstGeom prst="straightConnector1">
@@ -10281,7 +10281,7 @@
         </p:nvSpPr>
         <p:spPr>
           <a:xfrm>
-            <a:off x="9359519" y="5229608"/>
+            <a:off x="9481443" y="5229608"/>
             <a:ext cx="330200" cy="1161688"/>
           </a:xfrm>
           <a:prstGeom prst="rect">
@@ -10389,7 +10389,7 @@
           <a:p>
             <a:pPr algn="ctr"/>
             <a:r>
-              <a:rPr lang="es-419" sz="1200" dirty="0">
+              <a:rPr lang="es-419" sz="1400" dirty="0">
                 <a:solidFill>
                   <a:schemeClr val="dk1"/>
                 </a:solidFill>
@@ -10400,7 +10400,7 @@
               </a:rPr>
               <a:t>Index.html</a:t>
             </a:r>
-            <a:endParaRPr sz="1200" dirty="0">
+            <a:endParaRPr sz="1400" dirty="0">
               <a:solidFill>
                 <a:schemeClr val="dk1"/>
               </a:solidFill>
@@ -11666,8 +11666,8 @@
         </p:nvCxnSpPr>
         <p:spPr>
           <a:xfrm flipV="1">
-            <a:off x="1511017" y="6172190"/>
-            <a:ext cx="7766333" cy="48128"/>
+            <a:off x="1511017" y="6172191"/>
+            <a:ext cx="7868114" cy="48127"/>
           </a:xfrm>
           <a:prstGeom prst="straightConnector1">
             <a:avLst/>
@@ -15572,8 +15572,8 @@
         </p:nvSpPr>
         <p:spPr>
           <a:xfrm>
-            <a:off x="1726767" y="731371"/>
-            <a:ext cx="650933" cy="651379"/>
+            <a:off x="1639453" y="731371"/>
+            <a:ext cx="860173" cy="651379"/>
           </a:xfrm>
           <a:prstGeom prst="rect">
             <a:avLst/>
@@ -15599,7 +15599,7 @@
           <a:p>
             <a:pPr algn="ctr"/>
             <a:r>
-              <a:rPr lang="es-419" sz="1200" dirty="0">
+              <a:rPr lang="es-419" sz="1400" dirty="0">
                 <a:solidFill>
                   <a:schemeClr val="dk1"/>
                 </a:solidFill>
@@ -15610,7 +15610,7 @@
               </a:rPr>
               <a:t>Album List</a:t>
             </a:r>
-            <a:endParaRPr sz="1200" dirty="0">
+            <a:endParaRPr sz="1400" dirty="0">
               <a:solidFill>
                 <a:schemeClr val="dk1"/>
               </a:solidFill>
@@ -15963,8 +15963,8 @@
         </p:nvSpPr>
         <p:spPr>
           <a:xfrm>
-            <a:off x="3248937" y="731371"/>
-            <a:ext cx="887105" cy="624557"/>
+            <a:off x="3161850" y="731371"/>
+            <a:ext cx="1160138" cy="624557"/>
           </a:xfrm>
           <a:prstGeom prst="rect">
             <a:avLst/>
@@ -16283,7 +16283,7 @@
         </p:nvSpPr>
         <p:spPr>
           <a:xfrm>
-            <a:off x="5893579" y="696417"/>
+            <a:off x="5867452" y="696417"/>
             <a:ext cx="887105" cy="624557"/>
           </a:xfrm>
           <a:prstGeom prst="rect">
@@ -16900,7 +16900,7 @@
         </p:nvSpPr>
         <p:spPr>
           <a:xfrm>
-            <a:off x="5727622" y="3549491"/>
+            <a:off x="5553448" y="3584325"/>
             <a:ext cx="839843" cy="308000"/>
           </a:xfrm>
           <a:prstGeom prst="rect">
@@ -17191,7 +17191,7 @@
         </p:nvSpPr>
         <p:spPr>
           <a:xfrm>
-            <a:off x="5757743" y="5092158"/>
+            <a:off x="5592277" y="5144412"/>
             <a:ext cx="839843" cy="308000"/>
           </a:xfrm>
           <a:prstGeom prst="rect">
@@ -17566,8 +17566,8 @@
         </p:nvSpPr>
         <p:spPr>
           <a:xfrm>
-            <a:off x="5755686" y="2126521"/>
-            <a:ext cx="1077300" cy="959569"/>
+            <a:off x="5512004" y="3415781"/>
+            <a:ext cx="1260689" cy="993087"/>
           </a:xfrm>
           <a:prstGeom prst="rect">
             <a:avLst/>
@@ -17584,7 +17584,7 @@
           <a:lstStyle/>
           <a:p>
             <a:r>
-              <a:rPr lang="es-419" sz="1200" dirty="0">
+              <a:rPr lang="es-419" sz="1400" dirty="0">
                 <a:solidFill>
                   <a:schemeClr val="dk1"/>
                 </a:solidFill>
@@ -17597,7 +17597,7 @@
             </a:r>
           </a:p>
           <a:p>
-            <a:endParaRPr lang="es-419" sz="1200" dirty="0">
+            <a:endParaRPr lang="es-419" sz="1400" dirty="0">
               <a:solidFill>
                 <a:schemeClr val="dk1"/>
               </a:solidFill>
@@ -17609,7 +17609,7 @@
           </a:p>
           <a:p>
             <a:r>
-              <a:rPr lang="es-419" sz="1200" dirty="0">
+              <a:rPr lang="es-419" sz="1400" dirty="0">
                 <a:solidFill>
                   <a:schemeClr val="dk1"/>
                 </a:solidFill>
@@ -17618,32 +17618,11 @@
                 <a:cs typeface="Calibri"/>
                 <a:sym typeface="Calibri"/>
               </a:rPr>
-              <a:t>/GetMission</a:t>
-            </a:r>
-            <a:br>
-              <a:rPr lang="es-419" sz="1200" dirty="0">
-                <a:solidFill>
-                  <a:schemeClr val="dk1"/>
-                </a:solidFill>
-                <a:latin typeface="Calibri"/>
-                <a:ea typeface="Calibri"/>
-                <a:cs typeface="Calibri"/>
-                <a:sym typeface="Calibri"/>
-              </a:rPr>
-            </a:br>
-            <a:r>
-              <a:rPr lang="es-419" sz="1200" dirty="0">
-                <a:solidFill>
-                  <a:schemeClr val="dk1"/>
-                </a:solidFill>
-                <a:latin typeface="Calibri"/>
-                <a:ea typeface="Calibri"/>
-                <a:cs typeface="Calibri"/>
-                <a:sym typeface="Calibri"/>
-              </a:rPr>
-              <a:t>Details</a:t>
-            </a:r>
-            <a:endParaRPr sz="1200" dirty="0">
+              <a:t>/GetImagesOfAlbum?albumId=“albumId</a:t>
+            </a:r>
+          </a:p>
+          <a:p>
+            <a:endParaRPr sz="1400" dirty="0">
               <a:solidFill>
                 <a:schemeClr val="dk1"/>
               </a:solidFill>
@@ -17667,8 +17646,8 @@
         </p:nvSpPr>
         <p:spPr>
           <a:xfrm>
-            <a:off x="644312" y="129486"/>
-            <a:ext cx="7306524" cy="993088"/>
+            <a:off x="568685" y="25766"/>
+            <a:ext cx="7306524" cy="555655"/>
           </a:xfrm>
           <a:prstGeom prst="rect">
             <a:avLst/>
@@ -17703,8 +17682,8 @@
         </p:nvSpPr>
         <p:spPr>
           <a:xfrm>
-            <a:off x="6458144" y="1079287"/>
-            <a:ext cx="914400" cy="662124"/>
+            <a:off x="6590493" y="636781"/>
+            <a:ext cx="1055625" cy="662124"/>
           </a:xfrm>
           <a:prstGeom prst="rect">
             <a:avLst/>
@@ -17733,7 +17712,7 @@
           <a:p>
             <a:pPr algn="ctr"/>
             <a:r>
-              <a:rPr lang="es-419" sz="1200" dirty="0">
+              <a:rPr lang="es-419" sz="1400" dirty="0">
                 <a:solidFill>
                   <a:schemeClr val="dk1"/>
                 </a:solidFill>
@@ -17742,9 +17721,9 @@
                 <a:cs typeface="Calibri"/>
                 <a:sym typeface="Calibri"/>
               </a:rPr>
-              <a:t>GetMissionsData</a:t>
-            </a:r>
-            <a:endParaRPr dirty="0">
+              <a:t>GetImagesOfAlbum</a:t>
+            </a:r>
+            <a:endParaRPr sz="2000" dirty="0">
               <a:solidFill>
                 <a:schemeClr val="dk1"/>
               </a:solidFill>
@@ -17759,13 +17738,15 @@
       <p:cxnSp>
         <p:nvCxnSpPr>
           <p:cNvPr id="311" name="Google Shape;311;p38"/>
-          <p:cNvCxnSpPr/>
+          <p:cNvCxnSpPr>
+            <a:cxnSpLocks/>
+          </p:cNvCxnSpPr>
           <p:nvPr/>
         </p:nvCxnSpPr>
         <p:spPr>
-          <a:xfrm flipH="1">
-            <a:off x="6914172" y="1804742"/>
-            <a:ext cx="1172" cy="4343600"/>
+          <a:xfrm>
+            <a:off x="7109355" y="1367383"/>
+            <a:ext cx="0" cy="5268548"/>
           </a:xfrm>
           <a:prstGeom prst="straightConnector1">
             <a:avLst/>
@@ -17792,13 +17773,15 @@
       <p:cxnSp>
         <p:nvCxnSpPr>
           <p:cNvPr id="312" name="Google Shape;312;p38"/>
-          <p:cNvCxnSpPr/>
+          <p:cNvCxnSpPr>
+            <a:cxnSpLocks/>
+          </p:cNvCxnSpPr>
           <p:nvPr/>
         </p:nvCxnSpPr>
         <p:spPr>
           <a:xfrm>
-            <a:off x="5814707" y="2458466"/>
-            <a:ext cx="949325" cy="0"/>
+            <a:off x="5425440" y="3867991"/>
+            <a:ext cx="1523803" cy="0"/>
           </a:xfrm>
           <a:prstGeom prst="straightConnector1">
             <a:avLst/>
@@ -17830,8 +17813,8 @@
         </p:nvSpPr>
         <p:spPr>
           <a:xfrm>
-            <a:off x="6764876" y="2292980"/>
-            <a:ext cx="352002" cy="2636925"/>
+            <a:off x="6966897" y="1850473"/>
+            <a:ext cx="352002" cy="4370737"/>
           </a:xfrm>
           <a:prstGeom prst="rect">
             <a:avLst/>
@@ -17879,7 +17862,7 @@
         </p:nvSpPr>
         <p:spPr>
           <a:xfrm>
-            <a:off x="7986698" y="1079288"/>
+            <a:off x="9050865" y="636782"/>
             <a:ext cx="887105" cy="624557"/>
           </a:xfrm>
           <a:prstGeom prst="rect">
@@ -17918,7 +17901,7 @@
                 <a:cs typeface="Calibri"/>
                 <a:sym typeface="Calibri"/>
               </a:rPr>
-              <a:t>Mission</a:t>
+              <a:t>Image</a:t>
             </a:r>
           </a:p>
           <a:p>
@@ -17950,13 +17933,15 @@
       <p:cxnSp>
         <p:nvCxnSpPr>
           <p:cNvPr id="316" name="Google Shape;316;p38"/>
-          <p:cNvCxnSpPr/>
+          <p:cNvCxnSpPr>
+            <a:cxnSpLocks/>
+          </p:cNvCxnSpPr>
           <p:nvPr/>
         </p:nvCxnSpPr>
         <p:spPr>
           <a:xfrm flipH="1">
-            <a:off x="8401476" y="1804742"/>
-            <a:ext cx="28774" cy="4343600"/>
+            <a:off x="9460094" y="1324689"/>
+            <a:ext cx="34666" cy="5232865"/>
           </a:xfrm>
           <a:prstGeom prst="straightConnector1">
             <a:avLst/>
@@ -17980,88 +17965,6 @@
           </a:effectLst>
         </p:spPr>
       </p:cxnSp>
-      <p:cxnSp>
-        <p:nvCxnSpPr>
-          <p:cNvPr id="317" name="Google Shape;317;p38"/>
-          <p:cNvCxnSpPr/>
-          <p:nvPr/>
-        </p:nvCxnSpPr>
-        <p:spPr>
-          <a:xfrm flipH="1" flipV="1">
-            <a:off x="7141901" y="3473669"/>
-            <a:ext cx="1209201" cy="1"/>
-          </a:xfrm>
-          <a:prstGeom prst="straightConnector1">
-            <a:avLst/>
-          </a:prstGeom>
-          <a:noFill/>
-          <a:ln w="25400" cap="flat" cmpd="sng">
-            <a:solidFill>
-              <a:schemeClr val="accent1"/>
-            </a:solidFill>
-            <a:prstDash val="solid"/>
-            <a:round/>
-            <a:headEnd type="none" w="sm" len="sm"/>
-            <a:tailEnd type="stealth" w="med" len="med"/>
-          </a:ln>
-          <a:effectLst>
-            <a:outerShdw blurRad="40000" dist="20000" dir="5400000" rotWithShape="0">
-              <a:srgbClr val="000000">
-                <a:alpha val="37650"/>
-              </a:srgbClr>
-            </a:outerShdw>
-          </a:effectLst>
-        </p:spPr>
-      </p:cxnSp>
-      <p:sp>
-        <p:nvSpPr>
-          <p:cNvPr id="318" name="Google Shape;318;p38"/>
-          <p:cNvSpPr txBox="1"/>
-          <p:nvPr/>
-        </p:nvSpPr>
-        <p:spPr>
-          <a:xfrm>
-            <a:off x="7259122" y="3492881"/>
-            <a:ext cx="991900" cy="308000"/>
-          </a:xfrm>
-          <a:prstGeom prst="rect">
-            <a:avLst/>
-          </a:prstGeom>
-          <a:noFill/>
-          <a:ln>
-            <a:noFill/>
-          </a:ln>
-        </p:spPr>
-        <p:txBody>
-          <a:bodyPr spcFirstLastPara="1" wrap="square" lIns="107269" tIns="53620" rIns="107269" bIns="53620" anchor="t" anchorCtr="0">
-            <a:noAutofit/>
-          </a:bodyPr>
-          <a:lstStyle/>
-          <a:p>
-            <a:r>
-              <a:rPr lang="es-419" sz="1400" dirty="0">
-                <a:solidFill>
-                  <a:schemeClr val="dk1"/>
-                </a:solidFill>
-                <a:latin typeface="Calibri"/>
-                <a:ea typeface="Calibri"/>
-                <a:cs typeface="Calibri"/>
-                <a:sym typeface="Calibri"/>
-              </a:rPr>
-              <a:t>mission</a:t>
-            </a:r>
-            <a:endParaRPr sz="1400" dirty="0">
-              <a:solidFill>
-                <a:schemeClr val="dk1"/>
-              </a:solidFill>
-              <a:latin typeface="Calibri"/>
-              <a:ea typeface="Calibri"/>
-              <a:cs typeface="Calibri"/>
-              <a:sym typeface="Calibri"/>
-            </a:endParaRPr>
-          </a:p>
-        </p:txBody>
-      </p:sp>
       <p:sp>
         <p:nvSpPr>
           <p:cNvPr id="319" name="Google Shape;319;p38"/>
@@ -18070,7 +17973,7 @@
         </p:nvSpPr>
         <p:spPr>
           <a:xfrm>
-            <a:off x="8269213" y="2458467"/>
+            <a:off x="9313751" y="4840924"/>
             <a:ext cx="330200" cy="1422099"/>
           </a:xfrm>
           <a:prstGeom prst="rect">
@@ -18114,13 +18017,15 @@
       <p:cxnSp>
         <p:nvCxnSpPr>
           <p:cNvPr id="320" name="Google Shape;320;p38"/>
-          <p:cNvCxnSpPr/>
+          <p:cNvCxnSpPr>
+            <a:cxnSpLocks/>
+          </p:cNvCxnSpPr>
           <p:nvPr/>
         </p:nvCxnSpPr>
         <p:spPr>
           <a:xfrm>
-            <a:off x="7075934" y="2632098"/>
-            <a:ext cx="1175088" cy="0"/>
+            <a:off x="7378034" y="5364167"/>
+            <a:ext cx="1861760" cy="0"/>
           </a:xfrm>
           <a:prstGeom prst="straightConnector1">
             <a:avLst/>
@@ -18146,130 +18051,13 @@
       </p:cxnSp>
       <p:sp>
         <p:nvSpPr>
-          <p:cNvPr id="333" name="Google Shape;333;p38"/>
-          <p:cNvSpPr txBox="1"/>
-          <p:nvPr/>
-        </p:nvSpPr>
-        <p:spPr>
-          <a:xfrm>
-            <a:off x="7141900" y="2761379"/>
-            <a:ext cx="1209201" cy="590236"/>
-          </a:xfrm>
-          <a:prstGeom prst="rect">
-            <a:avLst/>
-          </a:prstGeom>
-          <a:noFill/>
-          <a:ln>
-            <a:noFill/>
-          </a:ln>
-        </p:spPr>
-        <p:txBody>
-          <a:bodyPr spcFirstLastPara="1" wrap="square" lIns="107269" tIns="53620" rIns="107269" bIns="53620" anchor="t" anchorCtr="0">
-            <a:noAutofit/>
-          </a:bodyPr>
-          <a:lstStyle/>
-          <a:p>
-            <a:r>
-              <a:rPr lang="es-419" sz="1200" dirty="0">
-                <a:solidFill>
-                  <a:schemeClr val="dk1"/>
-                </a:solidFill>
-                <a:latin typeface="Calibri"/>
-                <a:ea typeface="Calibri"/>
-                <a:cs typeface="Calibri"/>
-                <a:sym typeface="Calibri"/>
-              </a:rPr>
-              <a:t>findMissionsBy</a:t>
-            </a:r>
-            <a:br>
-              <a:rPr lang="es-419" sz="1200" dirty="0">
-                <a:solidFill>
-                  <a:schemeClr val="dk1"/>
-                </a:solidFill>
-                <a:latin typeface="Calibri"/>
-                <a:ea typeface="Calibri"/>
-                <a:cs typeface="Calibri"/>
-                <a:sym typeface="Calibri"/>
-              </a:rPr>
-            </a:br>
-            <a:r>
-              <a:rPr lang="es-419" sz="1200" dirty="0">
-                <a:solidFill>
-                  <a:schemeClr val="dk1"/>
-                </a:solidFill>
-                <a:latin typeface="Calibri"/>
-                <a:ea typeface="Calibri"/>
-                <a:cs typeface="Calibri"/>
-                <a:sym typeface="Calibri"/>
-              </a:rPr>
-              <a:t>Id(missionid</a:t>
-            </a:r>
-            <a:r>
-              <a:rPr lang="es-419" sz="1400" dirty="0">
-                <a:solidFill>
-                  <a:schemeClr val="dk1"/>
-                </a:solidFill>
-                <a:latin typeface="Calibri"/>
-                <a:ea typeface="Calibri"/>
-                <a:cs typeface="Calibri"/>
-                <a:sym typeface="Calibri"/>
-              </a:rPr>
-              <a:t>)</a:t>
-            </a:r>
-            <a:endParaRPr sz="1400" dirty="0">
-              <a:solidFill>
-                <a:schemeClr val="dk1"/>
-              </a:solidFill>
-              <a:latin typeface="Calibri"/>
-              <a:ea typeface="Calibri"/>
-              <a:cs typeface="Calibri"/>
-              <a:sym typeface="Calibri"/>
-            </a:endParaRPr>
-          </a:p>
-        </p:txBody>
-      </p:sp>
-      <p:cxnSp>
-        <p:nvCxnSpPr>
-          <p:cNvPr id="53" name="Straight Connector 52"/>
-          <p:cNvCxnSpPr/>
-          <p:nvPr/>
-        </p:nvCxnSpPr>
-        <p:spPr>
-          <a:xfrm flipH="1">
-            <a:off x="5612012" y="1742706"/>
-            <a:ext cx="10587" cy="4405636"/>
-          </a:xfrm>
-          <a:prstGeom prst="line">
-            <a:avLst/>
-          </a:prstGeom>
-          <a:noFill/>
-          <a:ln w="38100" cap="flat" cmpd="sng">
-            <a:solidFill>
-              <a:schemeClr val="accent1"/>
-            </a:solidFill>
-            <a:prstDash val="dot"/>
-            <a:round/>
-            <a:headEnd type="none" w="sm" len="sm"/>
-            <a:tailEnd type="none" w="sm" len="sm"/>
-          </a:ln>
-          <a:effectLst>
-            <a:outerShdw blurRad="40000" dist="23000" dir="5400000" rotWithShape="0">
-              <a:srgbClr val="000000">
-                <a:alpha val="34901"/>
-              </a:srgbClr>
-            </a:outerShdw>
-          </a:effectLst>
-        </p:spPr>
-      </p:cxnSp>
-      <p:sp>
-        <p:nvSpPr>
           <p:cNvPr id="54" name="Google Shape;290;p37"/>
           <p:cNvSpPr/>
           <p:nvPr/>
         </p:nvSpPr>
         <p:spPr>
           <a:xfrm>
-            <a:off x="2806575" y="1052466"/>
+            <a:off x="2806575" y="634449"/>
             <a:ext cx="1201264" cy="651379"/>
           </a:xfrm>
           <a:prstGeom prst="rect">
@@ -18296,7 +18084,7 @@
           <a:p>
             <a:pPr algn="ctr"/>
             <a:r>
-              <a:rPr lang="es-419" sz="1200" dirty="0">
+              <a:rPr lang="es-419" sz="1400" dirty="0">
                 <a:solidFill>
                   <a:schemeClr val="dk1"/>
                 </a:solidFill>
@@ -18307,7 +18095,7 @@
               </a:rPr>
               <a:t>Orchestrator</a:t>
             </a:r>
-            <a:endParaRPr sz="1200" dirty="0">
+            <a:endParaRPr sz="1400" dirty="0">
               <a:solidFill>
                 <a:schemeClr val="dk1"/>
               </a:solidFill>
@@ -18322,13 +18110,15 @@
       <p:cxnSp>
         <p:nvCxnSpPr>
           <p:cNvPr id="65" name="Google Shape;275;p37"/>
-          <p:cNvCxnSpPr/>
+          <p:cNvCxnSpPr>
+            <a:cxnSpLocks/>
+          </p:cNvCxnSpPr>
           <p:nvPr/>
         </p:nvCxnSpPr>
         <p:spPr>
           <a:xfrm>
-            <a:off x="1402231" y="2292980"/>
-            <a:ext cx="1802265" cy="0"/>
+            <a:off x="1568072" y="2057846"/>
+            <a:ext cx="1636424" cy="0"/>
           </a:xfrm>
           <a:prstGeom prst="straightConnector1">
             <a:avLst/>
@@ -18360,8 +18150,8 @@
         </p:nvSpPr>
         <p:spPr>
           <a:xfrm>
-            <a:off x="1632665" y="1938738"/>
-            <a:ext cx="1622203" cy="399458"/>
+            <a:off x="1568072" y="1349942"/>
+            <a:ext cx="1648995" cy="671166"/>
           </a:xfrm>
           <a:prstGeom prst="rect">
             <a:avLst/>
@@ -18387,7 +18177,7 @@
                 <a:cs typeface="Calibri"/>
                 <a:sym typeface="Calibri"/>
               </a:rPr>
-              <a:t>AfterClick</a:t>
+              <a:t>afterClickAlbum</a:t>
             </a:r>
             <a:r>
               <a:rPr lang="it-IT" sz="1400" dirty="0">
@@ -18399,12 +18189,51 @@
                 <a:cs typeface="Calibri"/>
                 <a:sym typeface="Calibri"/>
               </a:rPr>
-              <a:t> Album()</a:t>
-            </a:r>
-            <a:endParaRPr sz="1400" dirty="0">
-              <a:solidFill>
-                <a:schemeClr val="dk1"/>
-              </a:solidFill>
+              <a:t> </a:t>
+            </a:r>
+            <a:r>
+              <a:rPr lang="it-IT" sz="1200" dirty="0">
+                <a:latin typeface="Calibri"/>
+                <a:ea typeface="Calibri"/>
+                <a:cs typeface="Calibri"/>
+                <a:sym typeface="Calibri"/>
+              </a:rPr>
+              <a:t>(e.</a:t>
+            </a:r>
+            <a:r>
+              <a:rPr lang="en-US" sz="1200" dirty="0" err="1">
+                <a:latin typeface="Consolas" panose="020B0609020204030204" pitchFamily="49" charset="0"/>
+              </a:rPr>
+              <a:t>target.getAttribute</a:t>
+            </a:r>
+            <a:r>
+              <a:rPr lang="en-US" sz="1200" dirty="0">
+                <a:latin typeface="Consolas" panose="020B0609020204030204" pitchFamily="49" charset="0"/>
+              </a:rPr>
+              <a:t>("</a:t>
+            </a:r>
+            <a:r>
+              <a:rPr lang="en-US" sz="1200" dirty="0" err="1">
+                <a:latin typeface="Consolas" panose="020B0609020204030204" pitchFamily="49" charset="0"/>
+              </a:rPr>
+              <a:t>albumId</a:t>
+            </a:r>
+            <a:r>
+              <a:rPr lang="en-US" sz="1200" dirty="0">
+                <a:latin typeface="Consolas" panose="020B0609020204030204" pitchFamily="49" charset="0"/>
+              </a:rPr>
+              <a:t>")</a:t>
+            </a:r>
+            <a:r>
+              <a:rPr lang="it-IT" sz="1200" dirty="0">
+                <a:latin typeface="Calibri"/>
+                <a:ea typeface="Calibri"/>
+                <a:cs typeface="Calibri"/>
+                <a:sym typeface="Calibri"/>
+              </a:rPr>
+              <a:t>)</a:t>
+            </a:r>
+            <a:endParaRPr sz="1200" dirty="0">
               <a:latin typeface="Calibri"/>
               <a:ea typeface="Calibri"/>
               <a:cs typeface="Calibri"/>
@@ -18415,32 +18244,34 @@
       </p:sp>
       <p:cxnSp>
         <p:nvCxnSpPr>
-          <p:cNvPr id="83" name="Google Shape;317;p38"/>
-          <p:cNvCxnSpPr/>
+          <p:cNvPr id="73" name="Straight Connector 72"/>
+          <p:cNvCxnSpPr>
+            <a:cxnSpLocks/>
+          </p:cNvCxnSpPr>
           <p:nvPr/>
         </p:nvCxnSpPr>
         <p:spPr>
-          <a:xfrm flipH="1">
-            <a:off x="5814707" y="4775904"/>
-            <a:ext cx="920347" cy="0"/>
-          </a:xfrm>
-          <a:prstGeom prst="straightConnector1">
+          <a:xfrm>
+            <a:off x="1375230" y="1370247"/>
+            <a:ext cx="0" cy="5091513"/>
+          </a:xfrm>
+          <a:prstGeom prst="line">
             <a:avLst/>
           </a:prstGeom>
           <a:noFill/>
-          <a:ln w="25400" cap="flat" cmpd="sng">
+          <a:ln w="38100" cap="flat" cmpd="sng">
             <a:solidFill>
               <a:schemeClr val="accent1"/>
             </a:solidFill>
-            <a:prstDash val="dash"/>
+            <a:prstDash val="dot"/>
             <a:round/>
             <a:headEnd type="none" w="sm" len="sm"/>
-            <a:tailEnd type="stealth" w="med" len="med"/>
+            <a:tailEnd type="none" w="sm" len="sm"/>
           </a:ln>
           <a:effectLst>
-            <a:outerShdw blurRad="40000" dist="20000" dir="5400000" rotWithShape="0">
+            <a:outerShdw blurRad="40000" dist="23000" dir="5400000" rotWithShape="0">
               <a:srgbClr val="000000">
-                <a:alpha val="37650"/>
+                <a:alpha val="34901"/>
               </a:srgbClr>
             </a:outerShdw>
           </a:effectLst>
@@ -18448,75 +18279,14 @@
       </p:cxnSp>
       <p:sp>
         <p:nvSpPr>
-          <p:cNvPr id="84" name="Google Shape;318;p38"/>
-          <p:cNvSpPr txBox="1"/>
-          <p:nvPr/>
-        </p:nvSpPr>
-        <p:spPr>
-          <a:xfrm>
-            <a:off x="5791418" y="4221603"/>
-            <a:ext cx="957222" cy="715912"/>
-          </a:xfrm>
-          <a:prstGeom prst="rect">
-            <a:avLst/>
-          </a:prstGeom>
-          <a:noFill/>
-          <a:ln>
-            <a:noFill/>
-          </a:ln>
-        </p:spPr>
-        <p:txBody>
-          <a:bodyPr spcFirstLastPara="1" wrap="square" lIns="107269" tIns="53620" rIns="107269" bIns="53620" anchor="t" anchorCtr="0">
-            <a:noAutofit/>
-          </a:bodyPr>
-          <a:lstStyle/>
-          <a:p>
-            <a:r>
-              <a:rPr lang="en-US" sz="1400" dirty="0">
-                <a:solidFill>
-                  <a:schemeClr val="dk1"/>
-                </a:solidFill>
-                <a:latin typeface="Calibri"/>
-                <a:ea typeface="Calibri"/>
-                <a:cs typeface="Calibri"/>
-                <a:sym typeface="Calibri"/>
-              </a:rPr>
-              <a:t>m</a:t>
-            </a:r>
-            <a:r>
-              <a:rPr lang="es-419" sz="1400" dirty="0">
-                <a:solidFill>
-                  <a:schemeClr val="dk1"/>
-                </a:solidFill>
-                <a:latin typeface="Calibri"/>
-                <a:ea typeface="Calibri"/>
-                <a:cs typeface="Calibri"/>
-                <a:sym typeface="Calibri"/>
-              </a:rPr>
-              <a:t>ission &amp; expenses</a:t>
-            </a:r>
-            <a:endParaRPr sz="1400" dirty="0">
-              <a:solidFill>
-                <a:schemeClr val="dk1"/>
-              </a:solidFill>
-              <a:latin typeface="Calibri"/>
-              <a:ea typeface="Calibri"/>
-              <a:cs typeface="Calibri"/>
-              <a:sym typeface="Calibri"/>
-            </a:endParaRPr>
-          </a:p>
-        </p:txBody>
-      </p:sp>
-      <p:sp>
-        <p:nvSpPr>
-          <p:cNvPr id="55" name="Google Shape;292;p37"/>
+          <p:cNvPr id="74" name="Google Shape;290;p37"/>
           <p:cNvSpPr/>
           <p:nvPr/>
         </p:nvSpPr>
         <p:spPr>
           <a:xfrm>
-            <a:off x="5451540" y="1967976"/>
-            <a:ext cx="342116" cy="3444478"/>
+            <a:off x="952921" y="704557"/>
+            <a:ext cx="818867" cy="651379"/>
           </a:xfrm>
           <a:prstGeom prst="rect">
             <a:avLst/>
@@ -18541,7 +18311,19 @@
           <a:lstStyle/>
           <a:p>
             <a:pPr algn="ctr"/>
-            <a:endParaRPr sz="2100">
+            <a:r>
+              <a:rPr lang="es-419" sz="1400" dirty="0">
+                <a:solidFill>
+                  <a:schemeClr val="dk1"/>
+                </a:solidFill>
+                <a:latin typeface="Calibri"/>
+                <a:ea typeface="Calibri"/>
+                <a:cs typeface="Calibri"/>
+                <a:sym typeface="Calibri"/>
+              </a:rPr>
+              <a:t>Album List</a:t>
+            </a:r>
+            <a:endParaRPr sz="1400" dirty="0">
               <a:solidFill>
                 <a:schemeClr val="dk1"/>
               </a:solidFill>
@@ -18553,49 +18335,16 @@
           </a:p>
         </p:txBody>
       </p:sp>
-      <p:cxnSp>
-        <p:nvCxnSpPr>
-          <p:cNvPr id="73" name="Straight Connector 72"/>
-          <p:cNvCxnSpPr/>
-          <p:nvPr/>
-        </p:nvCxnSpPr>
-        <p:spPr>
-          <a:xfrm>
-            <a:off x="1375230" y="1788264"/>
-            <a:ext cx="0" cy="4426116"/>
-          </a:xfrm>
-          <a:prstGeom prst="line">
-            <a:avLst/>
-          </a:prstGeom>
-          <a:noFill/>
-          <a:ln w="38100" cap="flat" cmpd="sng">
-            <a:solidFill>
-              <a:schemeClr val="accent1"/>
-            </a:solidFill>
-            <a:prstDash val="dot"/>
-            <a:round/>
-            <a:headEnd type="none" w="sm" len="sm"/>
-            <a:tailEnd type="none" w="sm" len="sm"/>
-          </a:ln>
-          <a:effectLst>
-            <a:outerShdw blurRad="40000" dist="23000" dir="5400000" rotWithShape="0">
-              <a:srgbClr val="000000">
-                <a:alpha val="34901"/>
-              </a:srgbClr>
-            </a:outerShdw>
-          </a:effectLst>
-        </p:spPr>
-      </p:cxnSp>
-      <p:sp>
-        <p:nvSpPr>
-          <p:cNvPr id="74" name="Google Shape;290;p37"/>
+      <p:sp>
+        <p:nvSpPr>
+          <p:cNvPr id="75" name="Google Shape;292;p37"/>
           <p:cNvSpPr/>
           <p:nvPr/>
         </p:nvSpPr>
         <p:spPr>
           <a:xfrm>
-            <a:off x="952921" y="1122574"/>
-            <a:ext cx="818867" cy="651379"/>
+            <a:off x="1204172" y="1595255"/>
+            <a:ext cx="342116" cy="3707859"/>
           </a:xfrm>
           <a:prstGeom prst="rect">
             <a:avLst/>
@@ -18620,8 +18369,45 @@
           <a:lstStyle/>
           <a:p>
             <a:pPr algn="ctr"/>
-            <a:r>
-              <a:rPr lang="es-419" sz="1200" dirty="0">
+            <a:endParaRPr sz="2100">
+              <a:solidFill>
+                <a:schemeClr val="dk1"/>
+              </a:solidFill>
+              <a:latin typeface="Calibri"/>
+              <a:ea typeface="Calibri"/>
+              <a:cs typeface="Calibri"/>
+              <a:sym typeface="Calibri"/>
+            </a:endParaRPr>
+          </a:p>
+        </p:txBody>
+      </p:sp>
+      <p:sp>
+        <p:nvSpPr>
+          <p:cNvPr id="88" name="Google Shape;294;p37"/>
+          <p:cNvSpPr txBox="1"/>
+          <p:nvPr/>
+        </p:nvSpPr>
+        <p:spPr>
+          <a:xfrm>
+            <a:off x="20255" y="1549959"/>
+            <a:ext cx="1102732" cy="449165"/>
+          </a:xfrm>
+          <a:prstGeom prst="rect">
+            <a:avLst/>
+          </a:prstGeom>
+          <a:noFill/>
+          <a:ln>
+            <a:noFill/>
+          </a:ln>
+        </p:spPr>
+        <p:txBody>
+          <a:bodyPr spcFirstLastPara="1" wrap="square" lIns="107269" tIns="53620" rIns="107269" bIns="53620" anchor="t" anchorCtr="0">
+            <a:noAutofit/>
+          </a:bodyPr>
+          <a:lstStyle/>
+          <a:p>
+            <a:r>
+              <a:rPr lang="it-IT" sz="1400" dirty="0">
                 <a:solidFill>
                   <a:schemeClr val="dk1"/>
                 </a:solidFill>
@@ -18630,9 +18416,9 @@
                 <a:cs typeface="Calibri"/>
                 <a:sym typeface="Calibri"/>
               </a:rPr>
-              <a:t>Album List</a:t>
-            </a:r>
-            <a:endParaRPr sz="1200" dirty="0">
+              <a:t>Click album</a:t>
+            </a:r>
+            <a:endParaRPr dirty="0">
               <a:solidFill>
                 <a:schemeClr val="dk1"/>
               </a:solidFill>
@@ -18644,16 +18430,96 @@
           </a:p>
         </p:txBody>
       </p:sp>
-      <p:sp>
-        <p:nvSpPr>
-          <p:cNvPr id="75" name="Google Shape;292;p37"/>
+      <p:cxnSp>
+        <p:nvCxnSpPr>
+          <p:cNvPr id="89" name="Straight Arrow Connector 88"/>
+          <p:cNvCxnSpPr/>
+          <p:nvPr/>
+        </p:nvCxnSpPr>
+        <p:spPr>
+          <a:xfrm>
+            <a:off x="870184" y="1823475"/>
+            <a:ext cx="336277" cy="0"/>
+          </a:xfrm>
+          <a:prstGeom prst="straightConnector1">
+            <a:avLst/>
+          </a:prstGeom>
+          <a:noFill/>
+          <a:ln w="25400" cap="flat" cmpd="sng">
+            <a:solidFill>
+              <a:schemeClr val="accent1"/>
+            </a:solidFill>
+            <a:prstDash val="solid"/>
+            <a:round/>
+            <a:headEnd type="none" w="sm" len="sm"/>
+            <a:tailEnd type="stealth" w="med" len="med"/>
+          </a:ln>
+          <a:effectLst>
+            <a:outerShdw blurRad="40000" dist="20000" dir="5400000" rotWithShape="0">
+              <a:srgbClr val="000000">
+                <a:alpha val="37647"/>
+              </a:srgbClr>
+            </a:outerShdw>
+          </a:effectLst>
+        </p:spPr>
+      </p:cxnSp>
+      <p:cxnSp>
+        <p:nvCxnSpPr>
+          <p:cNvPr id="41" name="Straight Connector 52">
+            <a:extLst>
+              <a:ext uri="{FF2B5EF4-FFF2-40B4-BE49-F238E27FC236}">
+                <a16:creationId xmlns:a16="http://schemas.microsoft.com/office/drawing/2014/main" id="{928D1D6F-9098-47DF-8289-194D299E0C5F}"/>
+              </a:ext>
+            </a:extLst>
+          </p:cNvPr>
+          <p:cNvCxnSpPr>
+            <a:cxnSpLocks/>
+          </p:cNvCxnSpPr>
+          <p:nvPr/>
+        </p:nvCxnSpPr>
+        <p:spPr>
+          <a:xfrm flipH="1">
+            <a:off x="3375555" y="1324689"/>
+            <a:ext cx="1" cy="5232865"/>
+          </a:xfrm>
+          <a:prstGeom prst="line">
+            <a:avLst/>
+          </a:prstGeom>
+          <a:noFill/>
+          <a:ln w="38100" cap="flat" cmpd="sng">
+            <a:solidFill>
+              <a:schemeClr val="accent1"/>
+            </a:solidFill>
+            <a:prstDash val="dot"/>
+            <a:round/>
+            <a:headEnd type="none" w="sm" len="sm"/>
+            <a:tailEnd type="none" w="sm" len="sm"/>
+          </a:ln>
+          <a:effectLst>
+            <a:outerShdw blurRad="40000" dist="23000" dir="5400000" rotWithShape="0">
+              <a:srgbClr val="000000">
+                <a:alpha val="34901"/>
+              </a:srgbClr>
+            </a:outerShdw>
+          </a:effectLst>
+        </p:spPr>
+      </p:cxnSp>
+      <p:sp>
+        <p:nvSpPr>
+          <p:cNvPr id="42" name="Google Shape;292;p37">
+            <a:extLst>
+              <a:ext uri="{FF2B5EF4-FFF2-40B4-BE49-F238E27FC236}">
+                <a16:creationId xmlns:a16="http://schemas.microsoft.com/office/drawing/2014/main" id="{EC2375AF-7438-4CBB-8A8B-3AE68559F82D}"/>
+              </a:ext>
+            </a:extLst>
+          </p:cNvPr>
           <p:cNvSpPr/>
           <p:nvPr/>
         </p:nvSpPr>
         <p:spPr>
           <a:xfrm>
-            <a:off x="1204172" y="2013273"/>
-            <a:ext cx="342116" cy="2851074"/>
+            <a:off x="3204496" y="1549959"/>
+            <a:ext cx="342116" cy="2396400"/>
           </a:xfrm>
           <a:prstGeom prst="rect">
             <a:avLst/>
@@ -18690,16 +18556,220 @@
           </a:p>
         </p:txBody>
       </p:sp>
-      <p:sp>
-        <p:nvSpPr>
-          <p:cNvPr id="88" name="Google Shape;294;p37"/>
+      <p:cxnSp>
+        <p:nvCxnSpPr>
+          <p:cNvPr id="43" name="Straight Connector 52">
+            <a:extLst>
+              <a:ext uri="{FF2B5EF4-FFF2-40B4-BE49-F238E27FC236}">
+                <a16:creationId xmlns:a16="http://schemas.microsoft.com/office/drawing/2014/main" id="{F7A1ECA8-2323-49DC-9198-EACC74AA5269}"/>
+              </a:ext>
+            </a:extLst>
+          </p:cNvPr>
+          <p:cNvCxnSpPr>
+            <a:cxnSpLocks/>
+          </p:cNvCxnSpPr>
+          <p:nvPr/>
+        </p:nvCxnSpPr>
+        <p:spPr>
+          <a:xfrm>
+            <a:off x="5201413" y="1196859"/>
+            <a:ext cx="0" cy="5661141"/>
+          </a:xfrm>
+          <a:prstGeom prst="line">
+            <a:avLst/>
+          </a:prstGeom>
+          <a:noFill/>
+          <a:ln w="38100" cap="flat" cmpd="sng">
+            <a:solidFill>
+              <a:schemeClr val="accent1"/>
+            </a:solidFill>
+            <a:prstDash val="dot"/>
+            <a:round/>
+            <a:headEnd type="none" w="sm" len="sm"/>
+            <a:tailEnd type="none" w="sm" len="sm"/>
+          </a:ln>
+          <a:effectLst>
+            <a:outerShdw blurRad="40000" dist="23000" dir="5400000" rotWithShape="0">
+              <a:srgbClr val="000000">
+                <a:alpha val="34901"/>
+              </a:srgbClr>
+            </a:outerShdw>
+          </a:effectLst>
+        </p:spPr>
+      </p:cxnSp>
+      <p:sp>
+        <p:nvSpPr>
+          <p:cNvPr id="44" name="Google Shape;290;p37">
+            <a:extLst>
+              <a:ext uri="{FF2B5EF4-FFF2-40B4-BE49-F238E27FC236}">
+                <a16:creationId xmlns:a16="http://schemas.microsoft.com/office/drawing/2014/main" id="{47C34395-4DFA-44DE-8C89-5EEF352EEDEF}"/>
+              </a:ext>
+            </a:extLst>
+          </p:cNvPr>
+          <p:cNvSpPr/>
+          <p:nvPr/>
+        </p:nvSpPr>
+        <p:spPr>
+          <a:xfrm>
+            <a:off x="4799100" y="654146"/>
+            <a:ext cx="760417" cy="542713"/>
+          </a:xfrm>
+          <a:prstGeom prst="rect">
+            <a:avLst/>
+          </a:prstGeom>
+          <a:solidFill>
+            <a:schemeClr val="lt1"/>
+          </a:solidFill>
+          <a:ln w="25400" cap="flat" cmpd="sng">
+            <a:solidFill>
+              <a:schemeClr val="accent1"/>
+            </a:solidFill>
+            <a:prstDash val="solid"/>
+            <a:round/>
+            <a:headEnd type="none" w="sm" len="sm"/>
+            <a:tailEnd type="none" w="sm" len="sm"/>
+          </a:ln>
+        </p:spPr>
+        <p:txBody>
+          <a:bodyPr spcFirstLastPara="1" wrap="square" lIns="107269" tIns="53620" rIns="107269" bIns="53620" anchor="ctr" anchorCtr="0">
+            <a:noAutofit/>
+          </a:bodyPr>
+          <a:lstStyle/>
+          <a:p>
+            <a:pPr algn="ctr"/>
+            <a:r>
+              <a:rPr lang="es-419" sz="1400" dirty="0">
+                <a:solidFill>
+                  <a:schemeClr val="dk1"/>
+                </a:solidFill>
+                <a:latin typeface="Calibri"/>
+                <a:ea typeface="Calibri"/>
+                <a:cs typeface="Calibri"/>
+                <a:sym typeface="Calibri"/>
+              </a:rPr>
+              <a:t>Image List</a:t>
+            </a:r>
+            <a:endParaRPr sz="1400" dirty="0">
+              <a:solidFill>
+                <a:schemeClr val="dk1"/>
+              </a:solidFill>
+              <a:latin typeface="Calibri"/>
+              <a:ea typeface="Calibri"/>
+              <a:cs typeface="Calibri"/>
+              <a:sym typeface="Calibri"/>
+            </a:endParaRPr>
+          </a:p>
+        </p:txBody>
+      </p:sp>
+      <p:sp>
+        <p:nvSpPr>
+          <p:cNvPr id="45" name="Google Shape;292;p37">
+            <a:extLst>
+              <a:ext uri="{FF2B5EF4-FFF2-40B4-BE49-F238E27FC236}">
+                <a16:creationId xmlns:a16="http://schemas.microsoft.com/office/drawing/2014/main" id="{204CE6C8-D808-4272-A44B-096D244FAD07}"/>
+              </a:ext>
+            </a:extLst>
+          </p:cNvPr>
+          <p:cNvSpPr/>
+          <p:nvPr/>
+        </p:nvSpPr>
+        <p:spPr>
+          <a:xfrm>
+            <a:off x="5008251" y="1420292"/>
+            <a:ext cx="342116" cy="5041465"/>
+          </a:xfrm>
+          <a:prstGeom prst="rect">
+            <a:avLst/>
+          </a:prstGeom>
+          <a:solidFill>
+            <a:schemeClr val="lt1"/>
+          </a:solidFill>
+          <a:ln w="25400" cap="flat" cmpd="sng">
+            <a:solidFill>
+              <a:schemeClr val="accent1"/>
+            </a:solidFill>
+            <a:prstDash val="solid"/>
+            <a:round/>
+            <a:headEnd type="none" w="sm" len="sm"/>
+            <a:tailEnd type="none" w="sm" len="sm"/>
+          </a:ln>
+        </p:spPr>
+        <p:txBody>
+          <a:bodyPr spcFirstLastPara="1" wrap="square" lIns="107269" tIns="53620" rIns="107269" bIns="53620" anchor="ctr" anchorCtr="0">
+            <a:noAutofit/>
+          </a:bodyPr>
+          <a:lstStyle/>
+          <a:p>
+            <a:pPr algn="ctr"/>
+            <a:endParaRPr sz="2100">
+              <a:solidFill>
+                <a:schemeClr val="dk1"/>
+              </a:solidFill>
+              <a:latin typeface="Calibri"/>
+              <a:ea typeface="Calibri"/>
+              <a:cs typeface="Calibri"/>
+              <a:sym typeface="Calibri"/>
+            </a:endParaRPr>
+          </a:p>
+        </p:txBody>
+      </p:sp>
+      <p:cxnSp>
+        <p:nvCxnSpPr>
+          <p:cNvPr id="46" name="Google Shape;275;p37">
+            <a:extLst>
+              <a:ext uri="{FF2B5EF4-FFF2-40B4-BE49-F238E27FC236}">
+                <a16:creationId xmlns:a16="http://schemas.microsoft.com/office/drawing/2014/main" id="{334676E5-B578-4DEF-8E96-5DD79E7BEB30}"/>
+              </a:ext>
+            </a:extLst>
+          </p:cNvPr>
+          <p:cNvCxnSpPr>
+            <a:cxnSpLocks/>
+          </p:cNvCxnSpPr>
+          <p:nvPr/>
+        </p:nvCxnSpPr>
+        <p:spPr>
+          <a:xfrm>
+            <a:off x="3573612" y="2218838"/>
+            <a:ext cx="1359156" cy="0"/>
+          </a:xfrm>
+          <a:prstGeom prst="straightConnector1">
+            <a:avLst/>
+          </a:prstGeom>
+          <a:noFill/>
+          <a:ln w="25400" cap="flat" cmpd="sng">
+            <a:solidFill>
+              <a:schemeClr val="accent1"/>
+            </a:solidFill>
+            <a:prstDash val="solid"/>
+            <a:round/>
+            <a:headEnd type="none" w="sm" len="sm"/>
+            <a:tailEnd type="stealth" w="med" len="med"/>
+          </a:ln>
+          <a:effectLst>
+            <a:outerShdw blurRad="40000" dist="20000" dir="5400000" rotWithShape="0">
+              <a:srgbClr val="000000">
+                <a:alpha val="37647"/>
+              </a:srgbClr>
+            </a:outerShdw>
+          </a:effectLst>
+        </p:spPr>
+      </p:cxnSp>
+      <p:sp>
+        <p:nvSpPr>
+          <p:cNvPr id="47" name="Google Shape;294;p37">
+            <a:extLst>
+              <a:ext uri="{FF2B5EF4-FFF2-40B4-BE49-F238E27FC236}">
+                <a16:creationId xmlns:a16="http://schemas.microsoft.com/office/drawing/2014/main" id="{893F9895-A85C-4155-B720-B20A55D835E6}"/>
+              </a:ext>
+            </a:extLst>
+          </p:cNvPr>
           <p:cNvSpPr txBox="1"/>
           <p:nvPr/>
         </p:nvSpPr>
         <p:spPr>
           <a:xfrm>
-            <a:off x="20255" y="1967976"/>
-            <a:ext cx="1102732" cy="449165"/>
+            <a:off x="3568096" y="1654561"/>
+            <a:ext cx="1426102" cy="469291"/>
           </a:xfrm>
           <a:prstGeom prst="rect">
             <a:avLst/>
@@ -18715,6 +18785,18 @@
           </a:bodyPr>
           <a:lstStyle/>
           <a:p>
+            <a:r>
+              <a:rPr lang="it-IT" sz="1400" dirty="0" err="1">
+                <a:solidFill>
+                  <a:schemeClr val="dk1"/>
+                </a:solidFill>
+                <a:latin typeface="Calibri"/>
+                <a:ea typeface="Calibri"/>
+                <a:cs typeface="Calibri"/>
+                <a:sym typeface="Calibri"/>
+              </a:rPr>
+              <a:t>resetButtonNext&amp;Previous</a:t>
+            </a:r>
             <a:r>
               <a:rPr lang="it-IT" sz="1400" dirty="0">
                 <a:solidFill>
@@ -18725,9 +18807,9 @@
                 <a:cs typeface="Calibri"/>
                 <a:sym typeface="Calibri"/>
               </a:rPr>
-              <a:t>Click album</a:t>
-            </a:r>
-            <a:endParaRPr dirty="0">
+              <a:t>()</a:t>
+            </a:r>
+            <a:endParaRPr sz="1400" dirty="0">
               <a:solidFill>
                 <a:schemeClr val="dk1"/>
               </a:solidFill>
@@ -18741,14 +18823,22 @@
       </p:sp>
       <p:cxnSp>
         <p:nvCxnSpPr>
-          <p:cNvPr id="89" name="Straight Arrow Connector 88"/>
-          <p:cNvCxnSpPr/>
+          <p:cNvPr id="48" name="Google Shape;275;p37">
+            <a:extLst>
+              <a:ext uri="{FF2B5EF4-FFF2-40B4-BE49-F238E27FC236}">
+                <a16:creationId xmlns:a16="http://schemas.microsoft.com/office/drawing/2014/main" id="{21F9333F-2C6A-4F45-859A-AD405DBAF00B}"/>
+              </a:ext>
+            </a:extLst>
+          </p:cNvPr>
+          <p:cNvCxnSpPr>
+            <a:cxnSpLocks/>
+          </p:cNvCxnSpPr>
           <p:nvPr/>
         </p:nvCxnSpPr>
         <p:spPr>
           <a:xfrm>
-            <a:off x="870184" y="2241492"/>
-            <a:ext cx="336277" cy="0"/>
+            <a:off x="3563520" y="2718938"/>
+            <a:ext cx="1369248" cy="0"/>
           </a:xfrm>
           <a:prstGeom prst="straightConnector1">
             <a:avLst/>
@@ -18772,15 +18862,304 @@
           </a:effectLst>
         </p:spPr>
       </p:cxnSp>
+      <p:sp>
+        <p:nvSpPr>
+          <p:cNvPr id="49" name="Google Shape;294;p37">
+            <a:extLst>
+              <a:ext uri="{FF2B5EF4-FFF2-40B4-BE49-F238E27FC236}">
+                <a16:creationId xmlns:a16="http://schemas.microsoft.com/office/drawing/2014/main" id="{7CAD38D1-3830-4823-A48C-2241865A5687}"/>
+              </a:ext>
+            </a:extLst>
+          </p:cNvPr>
+          <p:cNvSpPr txBox="1"/>
+          <p:nvPr/>
+        </p:nvSpPr>
+        <p:spPr>
+          <a:xfrm>
+            <a:off x="3640139" y="2366193"/>
+            <a:ext cx="1261304" cy="284114"/>
+          </a:xfrm>
+          <a:prstGeom prst="rect">
+            <a:avLst/>
+          </a:prstGeom>
+          <a:noFill/>
+          <a:ln>
+            <a:noFill/>
+          </a:ln>
+        </p:spPr>
+        <p:txBody>
+          <a:bodyPr spcFirstLastPara="1" wrap="square" lIns="107269" tIns="53620" rIns="107269" bIns="53620" anchor="t" anchorCtr="0">
+            <a:noAutofit/>
+          </a:bodyPr>
+          <a:lstStyle/>
+          <a:p>
+            <a:r>
+              <a:rPr lang="it-IT" sz="1400" dirty="0" err="1">
+                <a:solidFill>
+                  <a:schemeClr val="dk1"/>
+                </a:solidFill>
+                <a:latin typeface="Calibri"/>
+                <a:ea typeface="Calibri"/>
+                <a:cs typeface="Calibri"/>
+                <a:sym typeface="Calibri"/>
+              </a:rPr>
+              <a:t>resetImages</a:t>
+            </a:r>
+            <a:r>
+              <a:rPr lang="it-IT" sz="1400" dirty="0">
+                <a:solidFill>
+                  <a:schemeClr val="dk1"/>
+                </a:solidFill>
+                <a:latin typeface="Calibri"/>
+                <a:ea typeface="Calibri"/>
+                <a:cs typeface="Calibri"/>
+                <a:sym typeface="Calibri"/>
+              </a:rPr>
+              <a:t>()</a:t>
+            </a:r>
+            <a:endParaRPr sz="1400" dirty="0">
+              <a:solidFill>
+                <a:schemeClr val="dk1"/>
+              </a:solidFill>
+              <a:latin typeface="Calibri"/>
+              <a:ea typeface="Calibri"/>
+              <a:cs typeface="Calibri"/>
+              <a:sym typeface="Calibri"/>
+            </a:endParaRPr>
+          </a:p>
+        </p:txBody>
+      </p:sp>
+      <p:cxnSp>
+        <p:nvCxnSpPr>
+          <p:cNvPr id="51" name="Google Shape;275;p37">
+            <a:extLst>
+              <a:ext uri="{FF2B5EF4-FFF2-40B4-BE49-F238E27FC236}">
+                <a16:creationId xmlns:a16="http://schemas.microsoft.com/office/drawing/2014/main" id="{55E90C84-3FC7-4C81-8E52-DC697977938A}"/>
+              </a:ext>
+            </a:extLst>
+          </p:cNvPr>
+          <p:cNvCxnSpPr>
+            <a:cxnSpLocks/>
+          </p:cNvCxnSpPr>
+          <p:nvPr/>
+        </p:nvCxnSpPr>
+        <p:spPr>
+          <a:xfrm>
+            <a:off x="3595799" y="3209680"/>
+            <a:ext cx="1369248" cy="0"/>
+          </a:xfrm>
+          <a:prstGeom prst="straightConnector1">
+            <a:avLst/>
+          </a:prstGeom>
+          <a:noFill/>
+          <a:ln w="25400" cap="flat" cmpd="sng">
+            <a:solidFill>
+              <a:schemeClr val="accent1"/>
+            </a:solidFill>
+            <a:prstDash val="solid"/>
+            <a:round/>
+            <a:headEnd type="none" w="sm" len="sm"/>
+            <a:tailEnd type="stealth" w="med" len="med"/>
+          </a:ln>
+          <a:effectLst>
+            <a:outerShdw blurRad="40000" dist="20000" dir="5400000" rotWithShape="0">
+              <a:srgbClr val="000000">
+                <a:alpha val="37647"/>
+              </a:srgbClr>
+            </a:outerShdw>
+          </a:effectLst>
+        </p:spPr>
+      </p:cxnSp>
+      <p:sp>
+        <p:nvSpPr>
+          <p:cNvPr id="52" name="Google Shape;294;p37">
+            <a:extLst>
+              <a:ext uri="{FF2B5EF4-FFF2-40B4-BE49-F238E27FC236}">
+                <a16:creationId xmlns:a16="http://schemas.microsoft.com/office/drawing/2014/main" id="{88D1922F-741D-489B-BC3D-6FD352B39066}"/>
+              </a:ext>
+            </a:extLst>
+          </p:cNvPr>
+          <p:cNvSpPr txBox="1"/>
+          <p:nvPr/>
+        </p:nvSpPr>
+        <p:spPr>
+          <a:xfrm>
+            <a:off x="3872984" y="2872257"/>
+            <a:ext cx="795614" cy="284114"/>
+          </a:xfrm>
+          <a:prstGeom prst="rect">
+            <a:avLst/>
+          </a:prstGeom>
+          <a:noFill/>
+          <a:ln>
+            <a:noFill/>
+          </a:ln>
+        </p:spPr>
+        <p:txBody>
+          <a:bodyPr spcFirstLastPara="1" wrap="square" lIns="107269" tIns="53620" rIns="107269" bIns="53620" anchor="t" anchorCtr="0">
+            <a:noAutofit/>
+          </a:bodyPr>
+          <a:lstStyle/>
+          <a:p>
+            <a:r>
+              <a:rPr lang="it-IT" sz="1400" dirty="0">
+                <a:solidFill>
+                  <a:schemeClr val="dk1"/>
+                </a:solidFill>
+                <a:latin typeface="Calibri"/>
+                <a:ea typeface="Calibri"/>
+                <a:cs typeface="Calibri"/>
+                <a:sym typeface="Calibri"/>
+              </a:rPr>
+              <a:t>reset()</a:t>
+            </a:r>
+            <a:endParaRPr sz="1400" dirty="0">
+              <a:solidFill>
+                <a:schemeClr val="dk1"/>
+              </a:solidFill>
+              <a:latin typeface="Calibri"/>
+              <a:ea typeface="Calibri"/>
+              <a:cs typeface="Calibri"/>
+              <a:sym typeface="Calibri"/>
+            </a:endParaRPr>
+          </a:p>
+        </p:txBody>
+      </p:sp>
+      <p:cxnSp>
+        <p:nvCxnSpPr>
+          <p:cNvPr id="56" name="Google Shape;275;p37">
+            <a:extLst>
+              <a:ext uri="{FF2B5EF4-FFF2-40B4-BE49-F238E27FC236}">
+                <a16:creationId xmlns:a16="http://schemas.microsoft.com/office/drawing/2014/main" id="{7734DFEC-EC0A-4C1C-B030-9C301B7C2266}"/>
+              </a:ext>
+            </a:extLst>
+          </p:cNvPr>
+          <p:cNvCxnSpPr>
+            <a:cxnSpLocks/>
+          </p:cNvCxnSpPr>
+          <p:nvPr/>
+        </p:nvCxnSpPr>
+        <p:spPr>
+          <a:xfrm>
+            <a:off x="3583494" y="3676963"/>
+            <a:ext cx="1369248" cy="0"/>
+          </a:xfrm>
+          <a:prstGeom prst="straightConnector1">
+            <a:avLst/>
+          </a:prstGeom>
+          <a:noFill/>
+          <a:ln w="25400" cap="flat" cmpd="sng">
+            <a:solidFill>
+              <a:schemeClr val="accent1"/>
+            </a:solidFill>
+            <a:prstDash val="solid"/>
+            <a:round/>
+            <a:headEnd type="none" w="sm" len="sm"/>
+            <a:tailEnd type="stealth" w="med" len="med"/>
+          </a:ln>
+          <a:effectLst>
+            <a:outerShdw blurRad="40000" dist="20000" dir="5400000" rotWithShape="0">
+              <a:srgbClr val="000000">
+                <a:alpha val="37647"/>
+              </a:srgbClr>
+            </a:outerShdw>
+          </a:effectLst>
+        </p:spPr>
+      </p:cxnSp>
+      <p:sp>
+        <p:nvSpPr>
+          <p:cNvPr id="57" name="Google Shape;294;p37">
+            <a:extLst>
+              <a:ext uri="{FF2B5EF4-FFF2-40B4-BE49-F238E27FC236}">
+                <a16:creationId xmlns:a16="http://schemas.microsoft.com/office/drawing/2014/main" id="{DA204D40-A98E-4531-A15C-448B0A01EACE}"/>
+              </a:ext>
+            </a:extLst>
+          </p:cNvPr>
+          <p:cNvSpPr txBox="1"/>
+          <p:nvPr/>
+        </p:nvSpPr>
+        <p:spPr>
+          <a:xfrm>
+            <a:off x="3642694" y="3350342"/>
+            <a:ext cx="1337305" cy="284114"/>
+          </a:xfrm>
+          <a:prstGeom prst="rect">
+            <a:avLst/>
+          </a:prstGeom>
+          <a:noFill/>
+          <a:ln>
+            <a:noFill/>
+          </a:ln>
+        </p:spPr>
+        <p:txBody>
+          <a:bodyPr spcFirstLastPara="1" wrap="square" lIns="107269" tIns="53620" rIns="107269" bIns="53620" anchor="t" anchorCtr="0">
+            <a:noAutofit/>
+          </a:bodyPr>
+          <a:lstStyle/>
+          <a:p>
+            <a:r>
+              <a:rPr lang="it-IT" sz="1400" dirty="0">
+                <a:solidFill>
+                  <a:schemeClr val="dk1"/>
+                </a:solidFill>
+                <a:latin typeface="Calibri"/>
+                <a:ea typeface="Calibri"/>
+                <a:cs typeface="Calibri"/>
+                <a:sym typeface="Calibri"/>
+              </a:rPr>
+              <a:t>show(</a:t>
+            </a:r>
+            <a:r>
+              <a:rPr lang="it-IT" sz="1400" dirty="0" err="1">
+                <a:solidFill>
+                  <a:schemeClr val="dk1"/>
+                </a:solidFill>
+                <a:latin typeface="Calibri"/>
+                <a:ea typeface="Calibri"/>
+                <a:cs typeface="Calibri"/>
+                <a:sym typeface="Calibri"/>
+              </a:rPr>
+              <a:t>albumId</a:t>
+            </a:r>
+            <a:r>
+              <a:rPr lang="it-IT" sz="1400" dirty="0">
+                <a:solidFill>
+                  <a:schemeClr val="dk1"/>
+                </a:solidFill>
+                <a:latin typeface="Calibri"/>
+                <a:ea typeface="Calibri"/>
+                <a:cs typeface="Calibri"/>
+                <a:sym typeface="Calibri"/>
+              </a:rPr>
+              <a:t>)</a:t>
+            </a:r>
+            <a:endParaRPr sz="1400" dirty="0">
+              <a:solidFill>
+                <a:schemeClr val="dk1"/>
+              </a:solidFill>
+              <a:latin typeface="Calibri"/>
+              <a:ea typeface="Calibri"/>
+              <a:cs typeface="Calibri"/>
+              <a:sym typeface="Calibri"/>
+            </a:endParaRPr>
+          </a:p>
+        </p:txBody>
+      </p:sp>
       <p:grpSp>
         <p:nvGrpSpPr>
-          <p:cNvPr id="95" name="Group 94"/>
+          <p:cNvPr id="58" name="Group 94">
+            <a:extLst>
+              <a:ext uri="{FF2B5EF4-FFF2-40B4-BE49-F238E27FC236}">
+                <a16:creationId xmlns:a16="http://schemas.microsoft.com/office/drawing/2014/main" id="{89455872-A121-40C4-BE3E-68E92300D413}"/>
+              </a:ext>
+            </a:extLst>
+          </p:cNvPr>
           <p:cNvGrpSpPr/>
           <p:nvPr/>
         </p:nvGrpSpPr>
         <p:grpSpPr>
           <a:xfrm>
-            <a:off x="4925904" y="5004252"/>
+            <a:off x="6417818" y="4907866"/>
             <a:ext cx="484693" cy="265456"/>
             <a:chOff x="614149" y="4401223"/>
             <a:chExt cx="484693" cy="507248"/>
@@ -18788,7 +19167,13 @@
         </p:grpSpPr>
         <p:cxnSp>
           <p:nvCxnSpPr>
-            <p:cNvPr id="100" name="Straight Connector 99"/>
+            <p:cNvPr id="59" name="Straight Connector 99">
+              <a:extLst>
+                <a:ext uri="{FF2B5EF4-FFF2-40B4-BE49-F238E27FC236}">
+                  <a16:creationId xmlns:a16="http://schemas.microsoft.com/office/drawing/2014/main" id="{58CD338C-79A6-4399-B442-FC5CCC9B80B2}"/>
+                </a:ext>
+              </a:extLst>
+            </p:cNvPr>
             <p:cNvCxnSpPr/>
             <p:nvPr/>
           </p:nvCxnSpPr>
@@ -18823,7 +19208,13 @@
         </p:cxnSp>
         <p:cxnSp>
           <p:nvCxnSpPr>
-            <p:cNvPr id="101" name="Straight Connector 100"/>
+            <p:cNvPr id="60" name="Straight Connector 100">
+              <a:extLst>
+                <a:ext uri="{FF2B5EF4-FFF2-40B4-BE49-F238E27FC236}">
+                  <a16:creationId xmlns:a16="http://schemas.microsoft.com/office/drawing/2014/main" id="{08DB2AFE-88FF-47E9-93F3-91963EA06836}"/>
+                </a:ext>
+              </a:extLst>
+            </p:cNvPr>
             <p:cNvCxnSpPr/>
             <p:nvPr/>
           </p:nvCxnSpPr>
@@ -18858,7 +19249,13 @@
         </p:cxnSp>
         <p:cxnSp>
           <p:nvCxnSpPr>
-            <p:cNvPr id="102" name="Straight Arrow Connector 101"/>
+            <p:cNvPr id="61" name="Straight Arrow Connector 101">
+              <a:extLst>
+                <a:ext uri="{FF2B5EF4-FFF2-40B4-BE49-F238E27FC236}">
+                  <a16:creationId xmlns:a16="http://schemas.microsoft.com/office/drawing/2014/main" id="{C2AA394E-B060-4DA8-99E5-18E6EBEDA82E}"/>
+                </a:ext>
+              </a:extLst>
+            </p:cNvPr>
             <p:cNvCxnSpPr/>
             <p:nvPr/>
           </p:nvCxnSpPr>
@@ -18895,14 +19292,20 @@
       </p:grpSp>
       <p:sp>
         <p:nvSpPr>
-          <p:cNvPr id="103" name="Google Shape;318;p38"/>
+          <p:cNvPr id="62" name="Google Shape;318;p38">
+            <a:extLst>
+              <a:ext uri="{FF2B5EF4-FFF2-40B4-BE49-F238E27FC236}">
+                <a16:creationId xmlns:a16="http://schemas.microsoft.com/office/drawing/2014/main" id="{B013099F-E67B-4119-98A9-174BCFF13439}"/>
+              </a:ext>
+            </a:extLst>
+          </p:cNvPr>
           <p:cNvSpPr txBox="1"/>
           <p:nvPr/>
         </p:nvSpPr>
         <p:spPr>
           <a:xfrm>
-            <a:off x="4737764" y="4692620"/>
-            <a:ext cx="771106" cy="311632"/>
+            <a:off x="5674804" y="4602470"/>
+            <a:ext cx="1389624" cy="311632"/>
           </a:xfrm>
           <a:prstGeom prst="rect">
             <a:avLst/>
@@ -18928,7 +19331,97 @@
                 <a:cs typeface="Calibri"/>
                 <a:sym typeface="Calibri"/>
               </a:rPr>
-              <a:t>update</a:t>
+              <a:t>CheckAlbumId</a:t>
+            </a:r>
+            <a:r>
+              <a:rPr lang="es-419" sz="1200" dirty="0">
+                <a:solidFill>
+                  <a:schemeClr val="dk1"/>
+                </a:solidFill>
+                <a:latin typeface="Calibri"/>
+                <a:ea typeface="Calibri"/>
+                <a:cs typeface="Calibri"/>
+                <a:sym typeface="Calibri"/>
+              </a:rPr>
+              <a:t>()</a:t>
+            </a:r>
+            <a:endParaRPr sz="1200" dirty="0">
+              <a:solidFill>
+                <a:schemeClr val="dk1"/>
+              </a:solidFill>
+              <a:latin typeface="Calibri"/>
+              <a:ea typeface="Calibri"/>
+              <a:cs typeface="Calibri"/>
+              <a:sym typeface="Calibri"/>
+            </a:endParaRPr>
+          </a:p>
+        </p:txBody>
+      </p:sp>
+      <p:sp>
+        <p:nvSpPr>
+          <p:cNvPr id="15" name="Google Shape;333;p38">
+            <a:extLst>
+              <a:ext uri="{FF2B5EF4-FFF2-40B4-BE49-F238E27FC236}">
+                <a16:creationId xmlns:a16="http://schemas.microsoft.com/office/drawing/2014/main" id="{3EE7DE62-B7E2-4260-A4AB-3A3A447571E2}"/>
+              </a:ext>
+            </a:extLst>
+          </p:cNvPr>
+          <p:cNvSpPr txBox="1"/>
+          <p:nvPr/>
+        </p:nvSpPr>
+        <p:spPr>
+          <a:xfrm>
+            <a:off x="7270154" y="4807547"/>
+            <a:ext cx="1859740" cy="504365"/>
+          </a:xfrm>
+          <a:prstGeom prst="rect">
+            <a:avLst/>
+          </a:prstGeom>
+          <a:noFill/>
+          <a:ln>
+            <a:noFill/>
+          </a:ln>
+        </p:spPr>
+        <p:txBody>
+          <a:bodyPr spcFirstLastPara="1" wrap="square" lIns="107269" tIns="53620" rIns="107269" bIns="53620" anchor="t" anchorCtr="0">
+            <a:noAutofit/>
+          </a:bodyPr>
+          <a:lstStyle/>
+          <a:p>
+            <a:r>
+              <a:rPr lang="es-419" sz="1400" dirty="0">
+                <a:solidFill>
+                  <a:schemeClr val="dk1"/>
+                </a:solidFill>
+                <a:latin typeface="Calibri"/>
+                <a:ea typeface="Calibri"/>
+                <a:cs typeface="Calibri"/>
+                <a:sym typeface="Calibri"/>
+              </a:rPr>
+              <a:t>findImagesByAlbum</a:t>
+            </a:r>
+            <a:br>
+              <a:rPr lang="es-419" sz="1400" dirty="0">
+                <a:solidFill>
+                  <a:schemeClr val="dk1"/>
+                </a:solidFill>
+                <a:latin typeface="Calibri"/>
+                <a:ea typeface="Calibri"/>
+                <a:cs typeface="Calibri"/>
+                <a:sym typeface="Calibri"/>
+              </a:rPr>
+            </a:br>
+            <a:r>
+              <a:rPr lang="es-419" sz="1400" dirty="0">
+                <a:solidFill>
+                  <a:schemeClr val="dk1"/>
+                </a:solidFill>
+                <a:latin typeface="Calibri"/>
+                <a:ea typeface="Calibri"/>
+                <a:cs typeface="Calibri"/>
+                <a:sym typeface="Calibri"/>
+              </a:rPr>
+              <a:t> (albumId)</a:t>
             </a:r>
             <a:endParaRPr sz="1400" dirty="0">
               <a:solidFill>
@@ -18942,43 +19435,78 @@
           </a:p>
         </p:txBody>
       </p:sp>
-      <p:sp>
-        <p:nvSpPr>
-          <p:cNvPr id="111" name="Google Shape;315;p38"/>
-          <p:cNvSpPr/>
-          <p:nvPr/>
-        </p:nvSpPr>
-        <p:spPr>
-          <a:xfrm>
-            <a:off x="9531194" y="1067912"/>
-            <a:ext cx="887105" cy="624557"/>
-          </a:xfrm>
-          <a:prstGeom prst="rect">
-            <a:avLst/>
-          </a:prstGeom>
-          <a:solidFill>
-            <a:schemeClr val="tx2">
-              <a:lumMod val="20000"/>
-              <a:lumOff val="80000"/>
-            </a:schemeClr>
-          </a:solidFill>
+      <p:cxnSp>
+        <p:nvCxnSpPr>
+          <p:cNvPr id="76" name="Google Shape;382;p40">
+            <a:extLst>
+              <a:ext uri="{FF2B5EF4-FFF2-40B4-BE49-F238E27FC236}">
+                <a16:creationId xmlns:a16="http://schemas.microsoft.com/office/drawing/2014/main" id="{474C4AC2-E1C7-4565-ACAA-AF9FC8398B77}"/>
+              </a:ext>
+            </a:extLst>
+          </p:cNvPr>
+          <p:cNvCxnSpPr>
+            <a:cxnSpLocks/>
+          </p:cNvCxnSpPr>
+          <p:nvPr/>
+        </p:nvCxnSpPr>
+        <p:spPr>
+          <a:xfrm>
+            <a:off x="7378034" y="5807713"/>
+            <a:ext cx="1861760" cy="0"/>
+          </a:xfrm>
+          <a:prstGeom prst="straightConnector1">
+            <a:avLst/>
+          </a:prstGeom>
+          <a:noFill/>
           <a:ln w="25400" cap="flat" cmpd="sng">
             <a:solidFill>
               <a:schemeClr val="accent1"/>
             </a:solidFill>
-            <a:prstDash val="solid"/>
+            <a:prstDash val="dash"/>
             <a:round/>
-            <a:headEnd type="none" w="sm" len="sm"/>
-            <a:tailEnd type="none" w="sm" len="sm"/>
+            <a:headEnd type="arrow" w="med" len="med"/>
+            <a:tailEnd type="none" w="med" len="med"/>
+          </a:ln>
+          <a:effectLst>
+            <a:outerShdw blurRad="40000" dist="20000" dir="5400000" rotWithShape="0">
+              <a:srgbClr val="000000">
+                <a:alpha val="37650"/>
+              </a:srgbClr>
+            </a:outerShdw>
+          </a:effectLst>
+        </p:spPr>
+      </p:cxnSp>
+      <p:sp>
+        <p:nvSpPr>
+          <p:cNvPr id="17" name="Google Shape;318;p38">
+            <a:extLst>
+              <a:ext uri="{FF2B5EF4-FFF2-40B4-BE49-F238E27FC236}">
+                <a16:creationId xmlns:a16="http://schemas.microsoft.com/office/drawing/2014/main" id="{7774BD78-C356-441E-8F9C-34CD399EC210}"/>
+              </a:ext>
+            </a:extLst>
+          </p:cNvPr>
+          <p:cNvSpPr txBox="1"/>
+          <p:nvPr/>
+        </p:nvSpPr>
+        <p:spPr>
+          <a:xfrm>
+            <a:off x="7966178" y="5513583"/>
+            <a:ext cx="991900" cy="308000"/>
+          </a:xfrm>
+          <a:prstGeom prst="rect">
+            <a:avLst/>
+          </a:prstGeom>
+          <a:noFill/>
+          <a:ln>
+            <a:noFill/>
           </a:ln>
         </p:spPr>
         <p:txBody>
-          <a:bodyPr spcFirstLastPara="1" wrap="square" lIns="107269" tIns="53620" rIns="107269" bIns="53620" anchor="ctr" anchorCtr="0">
+          <a:bodyPr spcFirstLastPara="1" wrap="square" lIns="107269" tIns="53620" rIns="107269" bIns="53620" anchor="t" anchorCtr="0">
             <a:noAutofit/>
           </a:bodyPr>
           <a:lstStyle/>
           <a:p>
-            <a:pPr algn="ctr"/>
             <a:r>
               <a:rPr lang="es-419" sz="1400" dirty="0">
                 <a:solidFill>
@@ -18989,11 +19517,92 @@
                 <a:cs typeface="Calibri"/>
                 <a:sym typeface="Calibri"/>
               </a:rPr>
-              <a:t>Expenses</a:t>
-            </a:r>
-          </a:p>
-          <a:p>
-            <a:pPr algn="ctr"/>
+              <a:t>images</a:t>
+            </a:r>
+            <a:endParaRPr sz="1400" dirty="0">
+              <a:solidFill>
+                <a:schemeClr val="dk1"/>
+              </a:solidFill>
+              <a:latin typeface="Calibri"/>
+              <a:ea typeface="Calibri"/>
+              <a:cs typeface="Calibri"/>
+              <a:sym typeface="Calibri"/>
+            </a:endParaRPr>
+          </a:p>
+        </p:txBody>
+      </p:sp>
+      <p:cxnSp>
+        <p:nvCxnSpPr>
+          <p:cNvPr id="79" name="Google Shape;382;p40">
+            <a:extLst>
+              <a:ext uri="{FF2B5EF4-FFF2-40B4-BE49-F238E27FC236}">
+                <a16:creationId xmlns:a16="http://schemas.microsoft.com/office/drawing/2014/main" id="{3ECAD428-63F5-4268-9176-BFFAD322D85A}"/>
+              </a:ext>
+            </a:extLst>
+          </p:cNvPr>
+          <p:cNvCxnSpPr>
+            <a:cxnSpLocks/>
+          </p:cNvCxnSpPr>
+          <p:nvPr/>
+        </p:nvCxnSpPr>
+        <p:spPr>
+          <a:xfrm>
+            <a:off x="5411897" y="5983251"/>
+            <a:ext cx="1515990" cy="0"/>
+          </a:xfrm>
+          <a:prstGeom prst="straightConnector1">
+            <a:avLst/>
+          </a:prstGeom>
+          <a:noFill/>
+          <a:ln w="25400" cap="flat" cmpd="sng">
+            <a:solidFill>
+              <a:schemeClr val="accent1"/>
+            </a:solidFill>
+            <a:prstDash val="dash"/>
+            <a:round/>
+            <a:headEnd type="arrow" w="med" len="med"/>
+            <a:tailEnd type="none" w="med" len="med"/>
+          </a:ln>
+          <a:effectLst>
+            <a:outerShdw blurRad="40000" dist="20000" dir="5400000" rotWithShape="0">
+              <a:srgbClr val="000000">
+                <a:alpha val="37650"/>
+              </a:srgbClr>
+            </a:outerShdw>
+          </a:effectLst>
+        </p:spPr>
+      </p:cxnSp>
+      <p:sp>
+        <p:nvSpPr>
+          <p:cNvPr id="80" name="Google Shape;318;p38">
+            <a:extLst>
+              <a:ext uri="{FF2B5EF4-FFF2-40B4-BE49-F238E27FC236}">
+                <a16:creationId xmlns:a16="http://schemas.microsoft.com/office/drawing/2014/main" id="{A8A5C05A-E88A-4194-8663-69B8F2DC380C}"/>
+              </a:ext>
+            </a:extLst>
+          </p:cNvPr>
+          <p:cNvSpPr txBox="1"/>
+          <p:nvPr/>
+        </p:nvSpPr>
+        <p:spPr>
+          <a:xfrm>
+            <a:off x="5913467" y="5675250"/>
+            <a:ext cx="991900" cy="308000"/>
+          </a:xfrm>
+          <a:prstGeom prst="rect">
+            <a:avLst/>
+          </a:prstGeom>
+          <a:noFill/>
+          <a:ln>
+            <a:noFill/>
+          </a:ln>
+        </p:spPr>
+        <p:txBody>
+          <a:bodyPr spcFirstLastPara="1" wrap="square" lIns="107269" tIns="53620" rIns="107269" bIns="53620" anchor="t" anchorCtr="0">
+            <a:noAutofit/>
+          </a:bodyPr>
+          <a:lstStyle/>
+          <a:p>
             <a:r>
               <a:rPr lang="es-419" sz="1400" dirty="0">
                 <a:solidFill>
@@ -19004,7 +19613,7 @@
                 <a:cs typeface="Calibri"/>
                 <a:sym typeface="Calibri"/>
               </a:rPr>
-              <a:t>DAO</a:t>
+              <a:t>images</a:t>
             </a:r>
             <a:endParaRPr sz="1400" dirty="0">
               <a:solidFill>
@@ -19018,131 +19627,167 @@
           </a:p>
         </p:txBody>
       </p:sp>
-      <p:cxnSp>
-        <p:nvCxnSpPr>
-          <p:cNvPr id="112" name="Google Shape;316;p38"/>
-          <p:cNvCxnSpPr/>
-          <p:nvPr/>
-        </p:nvCxnSpPr>
-        <p:spPr>
-          <a:xfrm flipH="1">
-            <a:off x="9945972" y="1793366"/>
-            <a:ext cx="28774" cy="4343600"/>
-          </a:xfrm>
-          <a:prstGeom prst="straightConnector1">
-            <a:avLst/>
-          </a:prstGeom>
-          <a:noFill/>
-          <a:ln w="38100" cap="flat" cmpd="sng">
-            <a:solidFill>
+      <p:grpSp>
+        <p:nvGrpSpPr>
+          <p:cNvPr id="81" name="Group 94">
+            <a:extLst>
+              <a:ext uri="{FF2B5EF4-FFF2-40B4-BE49-F238E27FC236}">
+                <a16:creationId xmlns:a16="http://schemas.microsoft.com/office/drawing/2014/main" id="{D98C208E-1FF2-4E3C-B31A-F19EBF36C598}"/>
+              </a:ext>
+            </a:extLst>
+          </p:cNvPr>
+          <p:cNvGrpSpPr/>
+          <p:nvPr/>
+        </p:nvGrpSpPr>
+        <p:grpSpPr>
+          <a:xfrm>
+            <a:off x="4443079" y="6161044"/>
+            <a:ext cx="484693" cy="265456"/>
+            <a:chOff x="614149" y="4401223"/>
+            <a:chExt cx="484693" cy="507248"/>
+          </a:xfrm>
+        </p:grpSpPr>
+        <p:cxnSp>
+          <p:nvCxnSpPr>
+            <p:cNvPr id="82" name="Straight Connector 99">
+              <a:extLst>
+                <a:ext uri="{FF2B5EF4-FFF2-40B4-BE49-F238E27FC236}">
+                  <a16:creationId xmlns:a16="http://schemas.microsoft.com/office/drawing/2014/main" id="{F8E7E7D4-C873-4178-8DF7-167CD0F0D309}"/>
+                </a:ext>
+              </a:extLst>
+            </p:cNvPr>
+            <p:cNvCxnSpPr/>
+            <p:nvPr/>
+          </p:nvCxnSpPr>
+          <p:spPr>
+            <a:xfrm flipH="1">
+              <a:off x="614149" y="4401223"/>
+              <a:ext cx="484693" cy="0"/>
+            </a:xfrm>
+            <a:prstGeom prst="line">
+              <a:avLst/>
+            </a:prstGeom>
+            <a:ln w="28575">
+              <a:solidFill>
+                <a:srgbClr val="0070C0"/>
+              </a:solidFill>
+            </a:ln>
+          </p:spPr>
+          <p:style>
+            <a:lnRef idx="1">
               <a:schemeClr val="accent1"/>
-            </a:solidFill>
-            <a:prstDash val="dot"/>
-            <a:round/>
-            <a:headEnd type="none" w="sm" len="sm"/>
-            <a:tailEnd type="none" w="sm" len="sm"/>
-          </a:ln>
-          <a:effectLst>
-            <a:outerShdw blurRad="40000" dist="23000" dir="5400000" rotWithShape="0">
-              <a:srgbClr val="000000">
-                <a:alpha val="34900"/>
-              </a:srgbClr>
-            </a:outerShdw>
-          </a:effectLst>
-        </p:spPr>
-      </p:cxnSp>
-      <p:sp>
-        <p:nvSpPr>
-          <p:cNvPr id="113" name="Google Shape;319;p38"/>
-          <p:cNvSpPr/>
-          <p:nvPr/>
-        </p:nvSpPr>
-        <p:spPr>
-          <a:xfrm>
-            <a:off x="9813709" y="3880131"/>
-            <a:ext cx="330200" cy="991199"/>
-          </a:xfrm>
-          <a:prstGeom prst="rect">
-            <a:avLst/>
-          </a:prstGeom>
-          <a:solidFill>
-            <a:schemeClr val="tx2">
-              <a:lumMod val="20000"/>
-              <a:lumOff val="80000"/>
-            </a:schemeClr>
-          </a:solidFill>
-          <a:ln w="25400" cap="flat" cmpd="sng">
-            <a:solidFill>
+            </a:lnRef>
+            <a:fillRef idx="0">
               <a:schemeClr val="accent1"/>
-            </a:solidFill>
-            <a:prstDash val="solid"/>
-            <a:round/>
-            <a:headEnd type="none" w="sm" len="sm"/>
-            <a:tailEnd type="none" w="sm" len="sm"/>
-          </a:ln>
-        </p:spPr>
-        <p:txBody>
-          <a:bodyPr spcFirstLastPara="1" wrap="square" lIns="107269" tIns="53620" rIns="107269" bIns="53620" anchor="ctr" anchorCtr="0">
-            <a:noAutofit/>
-          </a:bodyPr>
-          <a:lstStyle/>
-          <a:p>
-            <a:pPr algn="ctr"/>
-            <a:endParaRPr sz="2000">
+            </a:fillRef>
+            <a:effectRef idx="0">
+              <a:schemeClr val="accent1"/>
+            </a:effectRef>
+            <a:fontRef idx="minor">
+              <a:schemeClr val="tx1"/>
+            </a:fontRef>
+          </p:style>
+        </p:cxnSp>
+        <p:cxnSp>
+          <p:nvCxnSpPr>
+            <p:cNvPr id="85" name="Straight Connector 100">
+              <a:extLst>
+                <a:ext uri="{FF2B5EF4-FFF2-40B4-BE49-F238E27FC236}">
+                  <a16:creationId xmlns:a16="http://schemas.microsoft.com/office/drawing/2014/main" id="{3CDFB136-CAC4-4771-9BD0-42B37400A3D8}"/>
+                </a:ext>
+              </a:extLst>
+            </p:cNvPr>
+            <p:cNvCxnSpPr/>
+            <p:nvPr/>
+          </p:nvCxnSpPr>
+          <p:spPr>
+            <a:xfrm>
+              <a:off x="614149" y="4401223"/>
+              <a:ext cx="0" cy="505677"/>
+            </a:xfrm>
+            <a:prstGeom prst="line">
+              <a:avLst/>
+            </a:prstGeom>
+            <a:ln w="28575">
               <a:solidFill>
-                <a:schemeClr val="dk1"/>
+                <a:srgbClr val="0070C0"/>
               </a:solidFill>
-              <a:latin typeface="Calibri"/>
-              <a:ea typeface="Calibri"/>
-              <a:cs typeface="Calibri"/>
-              <a:sym typeface="Calibri"/>
-            </a:endParaRPr>
-          </a:p>
-        </p:txBody>
-      </p:sp>
-      <p:cxnSp>
-        <p:nvCxnSpPr>
-          <p:cNvPr id="114" name="Google Shape;382;p40"/>
-          <p:cNvCxnSpPr/>
-          <p:nvPr/>
-        </p:nvCxnSpPr>
-        <p:spPr>
-          <a:xfrm flipV="1">
-            <a:off x="7118839" y="4663346"/>
-            <a:ext cx="2694871" cy="1"/>
-          </a:xfrm>
-          <a:prstGeom prst="straightConnector1">
-            <a:avLst/>
-          </a:prstGeom>
-          <a:noFill/>
-          <a:ln w="25400" cap="flat" cmpd="sng">
-            <a:solidFill>
+            </a:ln>
+          </p:spPr>
+          <p:style>
+            <a:lnRef idx="1">
               <a:schemeClr val="accent1"/>
-            </a:solidFill>
-            <a:prstDash val="dash"/>
-            <a:round/>
-            <a:headEnd type="arrow" w="med" len="med"/>
-            <a:tailEnd type="none" w="med" len="med"/>
-          </a:ln>
-          <a:effectLst>
-            <a:outerShdw blurRad="40000" dist="20000" dir="5400000" rotWithShape="0">
-              <a:srgbClr val="000000">
-                <a:alpha val="37650"/>
-              </a:srgbClr>
-            </a:outerShdw>
-          </a:effectLst>
-        </p:spPr>
-      </p:cxnSp>
-      <p:sp>
-        <p:nvSpPr>
-          <p:cNvPr id="115" name="Google Shape;383;p40"/>
+            </a:lnRef>
+            <a:fillRef idx="0">
+              <a:schemeClr val="accent1"/>
+            </a:fillRef>
+            <a:effectRef idx="0">
+              <a:schemeClr val="accent1"/>
+            </a:effectRef>
+            <a:fontRef idx="minor">
+              <a:schemeClr val="tx1"/>
+            </a:fontRef>
+          </p:style>
+        </p:cxnSp>
+        <p:cxnSp>
+          <p:nvCxnSpPr>
+            <p:cNvPr id="86" name="Straight Arrow Connector 101">
+              <a:extLst>
+                <a:ext uri="{FF2B5EF4-FFF2-40B4-BE49-F238E27FC236}">
+                  <a16:creationId xmlns:a16="http://schemas.microsoft.com/office/drawing/2014/main" id="{1A12B6FD-F223-4B0C-806B-98D267776327}"/>
+                </a:ext>
+              </a:extLst>
+            </p:cNvPr>
+            <p:cNvCxnSpPr/>
+            <p:nvPr/>
+          </p:nvCxnSpPr>
+          <p:spPr>
+            <a:xfrm>
+              <a:off x="614149" y="4908471"/>
+              <a:ext cx="484693" cy="0"/>
+            </a:xfrm>
+            <a:prstGeom prst="straightConnector1">
+              <a:avLst/>
+            </a:prstGeom>
+            <a:ln w="28575">
+              <a:solidFill>
+                <a:srgbClr val="0070C0"/>
+              </a:solidFill>
+              <a:tailEnd type="arrow"/>
+            </a:ln>
+          </p:spPr>
+          <p:style>
+            <a:lnRef idx="1">
+              <a:schemeClr val="accent1"/>
+            </a:lnRef>
+            <a:fillRef idx="0">
+              <a:schemeClr val="accent1"/>
+            </a:fillRef>
+            <a:effectRef idx="0">
+              <a:schemeClr val="accent1"/>
+            </a:effectRef>
+            <a:fontRef idx="minor">
+              <a:schemeClr val="tx1"/>
+            </a:fontRef>
+          </p:style>
+        </p:cxnSp>
+      </p:grpSp>
+      <p:sp>
+        <p:nvSpPr>
+          <p:cNvPr id="87" name="Google Shape;318;p38">
+            <a:extLst>
+              <a:ext uri="{FF2B5EF4-FFF2-40B4-BE49-F238E27FC236}">
+                <a16:creationId xmlns:a16="http://schemas.microsoft.com/office/drawing/2014/main" id="{151FB217-9B29-4A90-867E-BA07EC719018}"/>
+              </a:ext>
+            </a:extLst>
+          </p:cNvPr>
           <p:cNvSpPr txBox="1"/>
           <p:nvPr/>
         </p:nvSpPr>
         <p:spPr>
           <a:xfrm>
-            <a:off x="7140600" y="4203813"/>
-            <a:ext cx="2503947" cy="360275"/>
+            <a:off x="3986508" y="5806904"/>
+            <a:ext cx="921069" cy="311632"/>
           </a:xfrm>
           <a:prstGeom prst="rect">
             <a:avLst/>
@@ -19158,9 +19803,8 @@
           </a:bodyPr>
           <a:lstStyle/>
           <a:p>
-            <a:pPr lvl="0"/>
-            <a:r>
-              <a:rPr lang="en-US" sz="1200" dirty="0" err="1">
+            <a:r>
+              <a:rPr lang="es-419" sz="1400" dirty="0">
                 <a:solidFill>
                   <a:schemeClr val="dk1"/>
                 </a:solidFill>
@@ -19169,258 +19813,9 @@
                 <a:cs typeface="Calibri"/>
                 <a:sym typeface="Calibri"/>
               </a:rPr>
-              <a:t>findExpensesForMission</a:t>
-            </a:r>
-            <a:r>
-              <a:rPr lang="es-419" sz="1200" dirty="0">
-                <a:solidFill>
-                  <a:schemeClr val="dk1"/>
-                </a:solidFill>
-                <a:latin typeface="Calibri"/>
-                <a:ea typeface="Calibri"/>
-                <a:cs typeface="Calibri"/>
-                <a:sym typeface="Calibri"/>
-              </a:rPr>
-              <a:t>(missionid)</a:t>
-            </a:r>
-            <a:endParaRPr sz="1200" dirty="0">
-              <a:solidFill>
-                <a:schemeClr val="dk1"/>
-              </a:solidFill>
-              <a:latin typeface="Calibri"/>
-              <a:ea typeface="Calibri"/>
-              <a:cs typeface="Calibri"/>
-              <a:sym typeface="Calibri"/>
-            </a:endParaRPr>
-          </a:p>
-        </p:txBody>
-      </p:sp>
-      <p:cxnSp>
-        <p:nvCxnSpPr>
-          <p:cNvPr id="116" name="Google Shape;384;p40"/>
-          <p:cNvCxnSpPr/>
-          <p:nvPr/>
-        </p:nvCxnSpPr>
-        <p:spPr>
-          <a:xfrm>
-            <a:off x="7118839" y="4151563"/>
-            <a:ext cx="2694871" cy="1"/>
-          </a:xfrm>
-          <a:prstGeom prst="straightConnector1">
-            <a:avLst/>
-          </a:prstGeom>
-          <a:noFill/>
-          <a:ln w="25400" cap="flat" cmpd="sng">
-            <a:solidFill>
-              <a:schemeClr val="accent1"/>
-            </a:solidFill>
-            <a:prstDash val="solid"/>
-            <a:round/>
-            <a:headEnd type="none" w="sm" len="sm"/>
-            <a:tailEnd type="stealth" w="med" len="med"/>
-          </a:ln>
-          <a:effectLst>
-            <a:outerShdw blurRad="40000" dist="20000" dir="5400000" rotWithShape="0">
-              <a:srgbClr val="000000">
-                <a:alpha val="37650"/>
-              </a:srgbClr>
-            </a:outerShdw>
-          </a:effectLst>
-        </p:spPr>
-      </p:cxnSp>
-      <p:sp>
-        <p:nvSpPr>
-          <p:cNvPr id="117" name="Google Shape;387;p40"/>
-          <p:cNvSpPr txBox="1"/>
-          <p:nvPr/>
-        </p:nvSpPr>
-        <p:spPr>
-          <a:xfrm>
-            <a:off x="7900796" y="4621904"/>
-            <a:ext cx="991900" cy="308000"/>
-          </a:xfrm>
-          <a:prstGeom prst="rect">
-            <a:avLst/>
-          </a:prstGeom>
-          <a:noFill/>
-          <a:ln>
-            <a:noFill/>
-          </a:ln>
-        </p:spPr>
-        <p:txBody>
-          <a:bodyPr spcFirstLastPara="1" wrap="square" lIns="107269" tIns="53620" rIns="107269" bIns="53620" anchor="t" anchorCtr="0">
-            <a:noAutofit/>
-          </a:bodyPr>
-          <a:lstStyle/>
-          <a:p>
-            <a:r>
-              <a:rPr lang="es-419" sz="1200">
-                <a:solidFill>
-                  <a:schemeClr val="dk1"/>
-                </a:solidFill>
-                <a:latin typeface="Calibri"/>
-                <a:ea typeface="Calibri"/>
-                <a:cs typeface="Calibri"/>
-                <a:sym typeface="Calibri"/>
-              </a:rPr>
-              <a:t>expenses</a:t>
-            </a:r>
-            <a:endParaRPr sz="1200">
-              <a:solidFill>
-                <a:schemeClr val="dk1"/>
-              </a:solidFill>
-              <a:latin typeface="Calibri"/>
-              <a:ea typeface="Calibri"/>
-              <a:cs typeface="Calibri"/>
-              <a:sym typeface="Calibri"/>
-            </a:endParaRPr>
-          </a:p>
-        </p:txBody>
-      </p:sp>
-      <p:sp>
-        <p:nvSpPr>
-          <p:cNvPr id="2" name="Google Shape;290;p37">
-            <a:extLst>
-              <a:ext uri="{FF2B5EF4-FFF2-40B4-BE49-F238E27FC236}">
-                <a16:creationId xmlns:a16="http://schemas.microsoft.com/office/drawing/2014/main" id="{02B5153D-A46F-4720-A82E-B1F36C24FFE6}"/>
-              </a:ext>
-            </a:extLst>
-          </p:cNvPr>
-          <p:cNvSpPr/>
-          <p:nvPr/>
-        </p:nvSpPr>
-        <p:spPr>
-          <a:xfrm>
-            <a:off x="5243847" y="1149042"/>
-            <a:ext cx="846161" cy="651379"/>
-          </a:xfrm>
-          <a:prstGeom prst="rect">
-            <a:avLst/>
-          </a:prstGeom>
-          <a:solidFill>
-            <a:schemeClr val="lt1"/>
-          </a:solidFill>
-          <a:ln w="25400" cap="flat" cmpd="sng">
-            <a:solidFill>
-              <a:schemeClr val="accent1"/>
-            </a:solidFill>
-            <a:prstDash val="solid"/>
-            <a:round/>
-            <a:headEnd type="none" w="sm" len="sm"/>
-            <a:tailEnd type="none" w="sm" len="sm"/>
-          </a:ln>
-        </p:spPr>
-        <p:txBody>
-          <a:bodyPr spcFirstLastPara="1" wrap="square" lIns="107269" tIns="53620" rIns="107269" bIns="53620" anchor="ctr" anchorCtr="0">
-            <a:noAutofit/>
-          </a:bodyPr>
-          <a:lstStyle/>
-          <a:p>
-            <a:pPr algn="ctr"/>
-            <a:r>
-              <a:rPr lang="es-419" sz="1200">
-                <a:solidFill>
-                  <a:schemeClr val="dk1"/>
-                </a:solidFill>
-                <a:latin typeface="Calibri"/>
-                <a:ea typeface="Calibri"/>
-                <a:cs typeface="Calibri"/>
-                <a:sym typeface="Calibri"/>
-              </a:rPr>
-              <a:t>Image Details</a:t>
-            </a:r>
-            <a:endParaRPr sz="1200" dirty="0">
-              <a:solidFill>
-                <a:schemeClr val="dk1"/>
-              </a:solidFill>
-              <a:latin typeface="Calibri"/>
-              <a:ea typeface="Calibri"/>
-              <a:cs typeface="Calibri"/>
-              <a:sym typeface="Calibri"/>
-            </a:endParaRPr>
-          </a:p>
-        </p:txBody>
-      </p:sp>
-      <p:cxnSp>
-        <p:nvCxnSpPr>
-          <p:cNvPr id="41" name="Straight Connector 52">
-            <a:extLst>
-              <a:ext uri="{FF2B5EF4-FFF2-40B4-BE49-F238E27FC236}">
-                <a16:creationId xmlns:a16="http://schemas.microsoft.com/office/drawing/2014/main" id="{928D1D6F-9098-47DF-8289-194D299E0C5F}"/>
-              </a:ext>
-            </a:extLst>
-          </p:cNvPr>
-          <p:cNvCxnSpPr/>
-          <p:nvPr/>
-        </p:nvCxnSpPr>
-        <p:spPr>
-          <a:xfrm flipH="1">
-            <a:off x="3364968" y="1742706"/>
-            <a:ext cx="10587" cy="4405636"/>
-          </a:xfrm>
-          <a:prstGeom prst="line">
-            <a:avLst/>
-          </a:prstGeom>
-          <a:noFill/>
-          <a:ln w="38100" cap="flat" cmpd="sng">
-            <a:solidFill>
-              <a:schemeClr val="accent1"/>
-            </a:solidFill>
-            <a:prstDash val="dot"/>
-            <a:round/>
-            <a:headEnd type="none" w="sm" len="sm"/>
-            <a:tailEnd type="none" w="sm" len="sm"/>
-          </a:ln>
-          <a:effectLst>
-            <a:outerShdw blurRad="40000" dist="23000" dir="5400000" rotWithShape="0">
-              <a:srgbClr val="000000">
-                <a:alpha val="34901"/>
-              </a:srgbClr>
-            </a:outerShdw>
-          </a:effectLst>
-        </p:spPr>
-      </p:cxnSp>
-      <p:sp>
-        <p:nvSpPr>
-          <p:cNvPr id="42" name="Google Shape;292;p37">
-            <a:extLst>
-              <a:ext uri="{FF2B5EF4-FFF2-40B4-BE49-F238E27FC236}">
-                <a16:creationId xmlns:a16="http://schemas.microsoft.com/office/drawing/2014/main" id="{EC2375AF-7438-4CBB-8A8B-3AE68559F82D}"/>
-              </a:ext>
-            </a:extLst>
-          </p:cNvPr>
-          <p:cNvSpPr/>
-          <p:nvPr/>
-        </p:nvSpPr>
-        <p:spPr>
-          <a:xfrm>
-            <a:off x="3204496" y="1967976"/>
-            <a:ext cx="342116" cy="3444478"/>
-          </a:xfrm>
-          <a:prstGeom prst="rect">
-            <a:avLst/>
-          </a:prstGeom>
-          <a:solidFill>
-            <a:schemeClr val="lt1"/>
-          </a:solidFill>
-          <a:ln w="25400" cap="flat" cmpd="sng">
-            <a:solidFill>
-              <a:schemeClr val="accent1"/>
-            </a:solidFill>
-            <a:prstDash val="solid"/>
-            <a:round/>
-            <a:headEnd type="none" w="sm" len="sm"/>
-            <a:tailEnd type="none" w="sm" len="sm"/>
-          </a:ln>
-        </p:spPr>
-        <p:txBody>
-          <a:bodyPr spcFirstLastPara="1" wrap="square" lIns="107269" tIns="53620" rIns="107269" bIns="53620" anchor="ctr" anchorCtr="0">
-            <a:noAutofit/>
-          </a:bodyPr>
-          <a:lstStyle/>
-          <a:p>
-            <a:pPr algn="ctr"/>
-            <a:endParaRPr sz="2100">
+              <a:t>update()</a:t>
+            </a:r>
+            <a:endParaRPr sz="1400" dirty="0">
               <a:solidFill>
                 <a:schemeClr val="dk1"/>
               </a:solidFill>

--- a/Presentazioni Powerpoint/Progetto1_versione_RIA.pptx
+++ b/Presentazioni Powerpoint/Progetto1_versione_RIA.pptx
@@ -5,7 +5,7 @@
     <p:sldMasterId id="2147483648" r:id="rId1"/>
   </p:sldMasterIdLst>
   <p:notesMasterIdLst>
-    <p:notesMasterId r:id="rId18"/>
+    <p:notesMasterId r:id="rId20"/>
   </p:notesMasterIdLst>
   <p:sldIdLst>
     <p:sldId id="283" r:id="rId2"/>
@@ -24,6 +24,8 @@
     <p:sldId id="269" r:id="rId15"/>
     <p:sldId id="289" r:id="rId16"/>
     <p:sldId id="290" r:id="rId17"/>
+    <p:sldId id="292" r:id="rId18"/>
+    <p:sldId id="293" r:id="rId19"/>
   </p:sldIdLst>
   <p:sldSz cx="12192000" cy="6858000"/>
   <p:notesSz cx="6858000" cy="9144000"/>
@@ -1160,6 +1162,224 @@
         </p:spPr>
       </p:sp>
     </p:spTree>
+  </p:cSld>
+  <p:clrMapOvr>
+    <a:masterClrMapping/>
+  </p:clrMapOvr>
+</p:notes>
+</file>
+
+<file path=ppt/notesSlides/notesSlide8.xml><?xml version="1.0" encoding="utf-8"?>
+<p:notes xmlns:a="http://schemas.openxmlformats.org/drawingml/2006/main" xmlns:r="http://schemas.openxmlformats.org/officeDocument/2006/relationships" xmlns:p="http://schemas.openxmlformats.org/presentationml/2006/main" showMasterSp="0" showMasterPhAnim="0">
+  <p:cSld>
+    <p:spTree>
+      <p:nvGrpSpPr>
+        <p:cNvPr id="1" name="Shape 305"/>
+        <p:cNvGrpSpPr/>
+        <p:nvPr/>
+      </p:nvGrpSpPr>
+      <p:grpSpPr>
+        <a:xfrm>
+          <a:off x="0" y="0"/>
+          <a:ext cx="0" cy="0"/>
+          <a:chOff x="0" y="0"/>
+          <a:chExt cx="0" cy="0"/>
+        </a:xfrm>
+      </p:grpSpPr>
+      <p:sp>
+        <p:nvSpPr>
+          <p:cNvPr id="306" name="Google Shape;306;g7138c9699d_1_4:notes"/>
+          <p:cNvSpPr txBox="1">
+            <a:spLocks noGrp="1"/>
+          </p:cNvSpPr>
+          <p:nvPr>
+            <p:ph type="body" idx="1"/>
+          </p:nvPr>
+        </p:nvSpPr>
+        <p:spPr>
+          <a:xfrm>
+            <a:off x="685800" y="4343400"/>
+            <a:ext cx="5486400" cy="4114800"/>
+          </a:xfrm>
+          <a:prstGeom prst="rect">
+            <a:avLst/>
+          </a:prstGeom>
+        </p:spPr>
+        <p:txBody>
+          <a:bodyPr spcFirstLastPara="1" wrap="square" lIns="91425" tIns="91425" rIns="91425" bIns="91425" anchor="t" anchorCtr="0">
+            <a:noAutofit/>
+          </a:bodyPr>
+          <a:lstStyle/>
+          <a:p>
+            <a:pPr marL="0" lvl="0" indent="0" algn="l" rtl="0">
+              <a:spcBef>
+                <a:spcPts val="0"/>
+              </a:spcBef>
+              <a:spcAft>
+                <a:spcPts val="0"/>
+              </a:spcAft>
+              <a:buNone/>
+            </a:pPr>
+            <a:endParaRPr dirty="0"/>
+          </a:p>
+        </p:txBody>
+      </p:sp>
+      <p:sp>
+        <p:nvSpPr>
+          <p:cNvPr id="307" name="Google Shape;307;g7138c9699d_1_4:notes"/>
+          <p:cNvSpPr>
+            <a:spLocks noGrp="1" noRot="1" noChangeAspect="1"/>
+          </p:cNvSpPr>
+          <p:nvPr>
+            <p:ph type="sldImg" idx="2"/>
+          </p:nvPr>
+        </p:nvSpPr>
+        <p:spPr>
+          <a:xfrm>
+            <a:off x="381000" y="685800"/>
+            <a:ext cx="6096000" cy="3429000"/>
+          </a:xfrm>
+          <a:custGeom>
+            <a:avLst/>
+            <a:gdLst/>
+            <a:ahLst/>
+            <a:cxnLst/>
+            <a:rect l="l" t="t" r="r" b="b"/>
+            <a:pathLst>
+              <a:path w="120000" h="120000" extrusionOk="0">
+                <a:moveTo>
+                  <a:pt x="0" y="0"/>
+                </a:moveTo>
+                <a:lnTo>
+                  <a:pt x="120000" y="0"/>
+                </a:lnTo>
+                <a:lnTo>
+                  <a:pt x="120000" y="120000"/>
+                </a:lnTo>
+                <a:lnTo>
+                  <a:pt x="0" y="120000"/>
+                </a:lnTo>
+                <a:close/>
+              </a:path>
+            </a:pathLst>
+          </a:custGeom>
+        </p:spPr>
+      </p:sp>
+    </p:spTree>
+    <p:extLst>
+      <p:ext uri="{BB962C8B-B14F-4D97-AF65-F5344CB8AC3E}">
+        <p14:creationId xmlns:p14="http://schemas.microsoft.com/office/powerpoint/2010/main" val="3748917668"/>
+      </p:ext>
+    </p:extLst>
+  </p:cSld>
+  <p:clrMapOvr>
+    <a:masterClrMapping/>
+  </p:clrMapOvr>
+</p:notes>
+</file>
+
+<file path=ppt/notesSlides/notesSlide9.xml><?xml version="1.0" encoding="utf-8"?>
+<p:notes xmlns:a="http://schemas.openxmlformats.org/drawingml/2006/main" xmlns:r="http://schemas.openxmlformats.org/officeDocument/2006/relationships" xmlns:p="http://schemas.openxmlformats.org/presentationml/2006/main" showMasterSp="0" showMasterPhAnim="0">
+  <p:cSld>
+    <p:spTree>
+      <p:nvGrpSpPr>
+        <p:cNvPr id="1" name="Shape 305"/>
+        <p:cNvGrpSpPr/>
+        <p:nvPr/>
+      </p:nvGrpSpPr>
+      <p:grpSpPr>
+        <a:xfrm>
+          <a:off x="0" y="0"/>
+          <a:ext cx="0" cy="0"/>
+          <a:chOff x="0" y="0"/>
+          <a:chExt cx="0" cy="0"/>
+        </a:xfrm>
+      </p:grpSpPr>
+      <p:sp>
+        <p:nvSpPr>
+          <p:cNvPr id="306" name="Google Shape;306;g7138c9699d_1_4:notes"/>
+          <p:cNvSpPr txBox="1">
+            <a:spLocks noGrp="1"/>
+          </p:cNvSpPr>
+          <p:nvPr>
+            <p:ph type="body" idx="1"/>
+          </p:nvPr>
+        </p:nvSpPr>
+        <p:spPr>
+          <a:xfrm>
+            <a:off x="685800" y="4343400"/>
+            <a:ext cx="5486400" cy="4114800"/>
+          </a:xfrm>
+          <a:prstGeom prst="rect">
+            <a:avLst/>
+          </a:prstGeom>
+        </p:spPr>
+        <p:txBody>
+          <a:bodyPr spcFirstLastPara="1" wrap="square" lIns="91425" tIns="91425" rIns="91425" bIns="91425" anchor="t" anchorCtr="0">
+            <a:noAutofit/>
+          </a:bodyPr>
+          <a:lstStyle/>
+          <a:p>
+            <a:pPr marL="0" lvl="0" indent="0" algn="l" rtl="0">
+              <a:spcBef>
+                <a:spcPts val="0"/>
+              </a:spcBef>
+              <a:spcAft>
+                <a:spcPts val="0"/>
+              </a:spcAft>
+              <a:buNone/>
+            </a:pPr>
+            <a:endParaRPr dirty="0"/>
+          </a:p>
+        </p:txBody>
+      </p:sp>
+      <p:sp>
+        <p:nvSpPr>
+          <p:cNvPr id="307" name="Google Shape;307;g7138c9699d_1_4:notes"/>
+          <p:cNvSpPr>
+            <a:spLocks noGrp="1" noRot="1" noChangeAspect="1"/>
+          </p:cNvSpPr>
+          <p:nvPr>
+            <p:ph type="sldImg" idx="2"/>
+          </p:nvPr>
+        </p:nvSpPr>
+        <p:spPr>
+          <a:xfrm>
+            <a:off x="381000" y="685800"/>
+            <a:ext cx="6096000" cy="3429000"/>
+          </a:xfrm>
+          <a:custGeom>
+            <a:avLst/>
+            <a:gdLst/>
+            <a:ahLst/>
+            <a:cxnLst/>
+            <a:rect l="l" t="t" r="r" b="b"/>
+            <a:pathLst>
+              <a:path w="120000" h="120000" extrusionOk="0">
+                <a:moveTo>
+                  <a:pt x="0" y="0"/>
+                </a:moveTo>
+                <a:lnTo>
+                  <a:pt x="120000" y="0"/>
+                </a:lnTo>
+                <a:lnTo>
+                  <a:pt x="120000" y="120000"/>
+                </a:lnTo>
+                <a:lnTo>
+                  <a:pt x="0" y="120000"/>
+                </a:lnTo>
+                <a:close/>
+              </a:path>
+            </a:pathLst>
+          </a:custGeom>
+        </p:spPr>
+      </p:sp>
+    </p:spTree>
+    <p:extLst>
+      <p:ext uri="{BB962C8B-B14F-4D97-AF65-F5344CB8AC3E}">
+        <p14:creationId xmlns:p14="http://schemas.microsoft.com/office/powerpoint/2010/main" val="3208928099"/>
+      </p:ext>
+    </p:extLst>
   </p:cSld>
   <p:clrMapOvr>
     <a:masterClrMapping/>
@@ -5851,7 +6071,15 @@
                       </a:r>
                       <a:r>
                         <a:rPr lang="it-IT" sz="1200" baseline="0" noProof="0" dirty="0"/>
-                        <a:t> Orchestrator.afterClickAlbum -&gt; Image List -&gt; </a:t>
+                        <a:t> </a:t>
+                      </a:r>
+                      <a:r>
+                        <a:rPr lang="it-IT" sz="1200" baseline="0" noProof="0" dirty="0" err="1"/>
+                        <a:t>Orchestrator.afterClickAlbum</a:t>
+                      </a:r>
+                      <a:r>
+                        <a:rPr lang="it-IT" sz="1200" baseline="0" noProof="0" dirty="0"/>
+                        <a:t> -&gt; Image List -&gt; </a:t>
                       </a:r>
                       <a:r>
                         <a:rPr lang="it-IT" sz="1200" noProof="0" dirty="0"/>
@@ -7845,7 +8073,7 @@
           </a:p>
           <a:p>
             <a:r>
-              <a:rPr lang="it-IT" sz="1400" dirty="0" err="1">
+              <a:rPr lang="it-IT" sz="1400" dirty="0">
                 <a:solidFill>
                   <a:schemeClr val="dk1"/>
                 </a:solidFill>
@@ -7856,19 +8084,10 @@
               </a:rPr>
               <a:t>submit</a:t>
             </a:r>
-            <a:endParaRPr lang="it-IT" sz="1400" dirty="0">
-              <a:solidFill>
-                <a:schemeClr val="dk1"/>
-              </a:solidFill>
-              <a:latin typeface="Calibri"/>
-              <a:ea typeface="Calibri"/>
-              <a:cs typeface="Calibri"/>
-              <a:sym typeface="Calibri"/>
-            </a:endParaRPr>
-          </a:p>
-          <a:p>
-            <a:r>
-              <a:rPr lang="it-IT" sz="1400" dirty="0" err="1">
+          </a:p>
+          <a:p>
+            <a:r>
+              <a:rPr lang="it-IT" sz="1400" dirty="0">
                 <a:solidFill>
                   <a:schemeClr val="dk1"/>
                 </a:solidFill>
@@ -8847,7 +9066,7 @@
               <a:t>[location  = </a:t>
             </a:r>
             <a:r>
-              <a:rPr lang="it-IT" sz="1400" dirty="0" err="1">
+              <a:rPr lang="it-IT" sz="1400" dirty="0">
                 <a:solidFill>
                   <a:schemeClr val="dk1"/>
                 </a:solidFill>
@@ -9039,31 +9258,7 @@
                 <a:cs typeface="Calibri"/>
                 <a:sym typeface="Calibri"/>
               </a:rPr>
-              <a:t>Show </a:t>
-            </a:r>
-            <a:r>
-              <a:rPr lang="it-IT" sz="1400" dirty="0" err="1">
-                <a:solidFill>
-                  <a:schemeClr val="dk1"/>
-                </a:solidFill>
-                <a:latin typeface="Calibri"/>
-                <a:ea typeface="Calibri"/>
-                <a:cs typeface="Calibri"/>
-                <a:sym typeface="Calibri"/>
-              </a:rPr>
-              <a:t>error</a:t>
-            </a:r>
-            <a:r>
-              <a:rPr lang="it-IT" sz="1400" dirty="0">
-                <a:solidFill>
-                  <a:schemeClr val="dk1"/>
-                </a:solidFill>
-                <a:latin typeface="Calibri"/>
-                <a:ea typeface="Calibri"/>
-                <a:cs typeface="Calibri"/>
-                <a:sym typeface="Calibri"/>
-              </a:rPr>
-              <a:t> msg</a:t>
+              <a:t>Show error msg</a:t>
             </a:r>
             <a:endParaRPr sz="1400" dirty="0">
               <a:solidFill>
@@ -9895,31 +10090,7 @@
                 <a:cs typeface="Calibri"/>
                 <a:sym typeface="Calibri"/>
               </a:rPr>
-              <a:t>(Username, Password, </a:t>
-            </a:r>
-            <a:r>
-              <a:rPr lang="it-IT" sz="1200" dirty="0" err="1">
-                <a:solidFill>
-                  <a:schemeClr val="dk1"/>
-                </a:solidFill>
-                <a:latin typeface="Calibri"/>
-                <a:ea typeface="Calibri"/>
-                <a:cs typeface="Calibri"/>
-                <a:sym typeface="Calibri"/>
-              </a:rPr>
-              <a:t>PasswordReinserted</a:t>
-            </a:r>
-            <a:r>
-              <a:rPr lang="it-IT" sz="1200" dirty="0">
-                <a:solidFill>
-                  <a:schemeClr val="dk1"/>
-                </a:solidFill>
-                <a:latin typeface="Calibri"/>
-                <a:ea typeface="Calibri"/>
-                <a:cs typeface="Calibri"/>
-                <a:sym typeface="Calibri"/>
-              </a:rPr>
-              <a:t>, Email)</a:t>
+              <a:t>(Username, Password, PasswordReinserted, Email)</a:t>
             </a:r>
             <a:endParaRPr lang="es-419" sz="1200" dirty="0">
               <a:solidFill>
@@ -10507,18 +10678,6 @@
               </a:rPr>
             </a:br>
             <a:r>
-              <a:rPr lang="it-IT" sz="1200" dirty="0" err="1">
-                <a:solidFill>
-                  <a:schemeClr val="dk1"/>
-                </a:solidFill>
-                <a:latin typeface="Calibri"/>
-                <a:ea typeface="Calibri"/>
-                <a:cs typeface="Calibri"/>
-                <a:sym typeface="Calibri"/>
-              </a:rPr>
-              <a:t>button</a:t>
-            </a:r>
-            <a:r>
               <a:rPr lang="it-IT" sz="1200" dirty="0">
                 <a:solidFill>
                   <a:schemeClr val="dk1"/>
@@ -10528,29 +10687,8 @@
                 <a:cs typeface="Calibri"/>
                 <a:sym typeface="Calibri"/>
               </a:rPr>
-              <a:t> </a:t>
-            </a:r>
-            <a:r>
-              <a:rPr lang="it-IT" sz="1200" dirty="0" err="1">
-                <a:solidFill>
-                  <a:schemeClr val="dk1"/>
-                </a:solidFill>
-                <a:latin typeface="Calibri"/>
-                <a:ea typeface="Calibri"/>
-                <a:cs typeface="Calibri"/>
-                <a:sym typeface="Calibri"/>
-              </a:rPr>
-              <a:t>registration</a:t>
-            </a:r>
-            <a:endParaRPr lang="it-IT" sz="1200" dirty="0">
-              <a:solidFill>
-                <a:schemeClr val="dk1"/>
-              </a:solidFill>
-              <a:latin typeface="Calibri"/>
-              <a:ea typeface="Calibri"/>
-              <a:cs typeface="Calibri"/>
-              <a:sym typeface="Calibri"/>
-            </a:endParaRPr>
+              <a:t>button registration</a:t>
+            </a:r>
           </a:p>
         </p:txBody>
       </p:sp>
@@ -11431,31 +11569,7 @@
                 <a:cs typeface="Calibri"/>
                 <a:sym typeface="Calibri"/>
               </a:rPr>
-              <a:t>Show </a:t>
-            </a:r>
-            <a:r>
-              <a:rPr lang="it-IT" sz="1400" dirty="0" err="1">
-                <a:solidFill>
-                  <a:schemeClr val="dk1"/>
-                </a:solidFill>
-                <a:latin typeface="Calibri"/>
-                <a:ea typeface="Calibri"/>
-                <a:cs typeface="Calibri"/>
-                <a:sym typeface="Calibri"/>
-              </a:rPr>
-              <a:t>error</a:t>
-            </a:r>
-            <a:r>
-              <a:rPr lang="it-IT" sz="1400" dirty="0">
-                <a:solidFill>
-                  <a:schemeClr val="dk1"/>
-                </a:solidFill>
-                <a:latin typeface="Calibri"/>
-                <a:ea typeface="Calibri"/>
-                <a:cs typeface="Calibri"/>
-                <a:sym typeface="Calibri"/>
-              </a:rPr>
-              <a:t> msg</a:t>
+              <a:t>Show error msg</a:t>
             </a:r>
             <a:endParaRPr sz="1400" dirty="0">
               <a:solidFill>
@@ -11723,18 +11837,6 @@
           <a:lstStyle/>
           <a:p>
             <a:r>
-              <a:rPr lang="it-IT" sz="1400" dirty="0" err="1">
-                <a:solidFill>
-                  <a:schemeClr val="dk1"/>
-                </a:solidFill>
-                <a:latin typeface="Calibri"/>
-                <a:ea typeface="Calibri"/>
-                <a:cs typeface="Calibri"/>
-                <a:sym typeface="Calibri"/>
-              </a:rPr>
-              <a:t>Refresh</a:t>
-            </a:r>
-            <a:r>
               <a:rPr lang="it-IT" sz="1400" dirty="0">
                 <a:solidFill>
                   <a:schemeClr val="dk1"/>
@@ -11744,7 +11846,7 @@
                 <a:cs typeface="Calibri"/>
                 <a:sym typeface="Calibri"/>
               </a:rPr>
-              <a:t>()</a:t>
+              <a:t>Refresh()</a:t>
             </a:r>
           </a:p>
         </p:txBody>
@@ -11926,18 +12028,6 @@
           <a:lstStyle/>
           <a:p>
             <a:r>
-              <a:rPr lang="it-IT" sz="1200" dirty="0" err="1">
-                <a:solidFill>
-                  <a:schemeClr val="dk1"/>
-                </a:solidFill>
-                <a:latin typeface="Calibri"/>
-                <a:ea typeface="Calibri"/>
-                <a:cs typeface="Calibri"/>
-                <a:sym typeface="Calibri"/>
-              </a:rPr>
-              <a:t>isBadRequest</a:t>
-            </a:r>
-            <a:r>
               <a:rPr lang="it-IT" sz="1200" dirty="0">
                 <a:solidFill>
                   <a:schemeClr val="dk1"/>
@@ -11947,55 +12037,7 @@
                 <a:cs typeface="Calibri"/>
                 <a:sym typeface="Calibri"/>
               </a:rPr>
-              <a:t> = !</a:t>
-            </a:r>
-            <a:r>
-              <a:rPr lang="it-IT" sz="1200" dirty="0" err="1">
-                <a:solidFill>
-                  <a:schemeClr val="dk1"/>
-                </a:solidFill>
-                <a:latin typeface="Calibri"/>
-                <a:ea typeface="Calibri"/>
-                <a:cs typeface="Calibri"/>
-                <a:sym typeface="Calibri"/>
-              </a:rPr>
-              <a:t>password.equals</a:t>
-            </a:r>
-            <a:r>
-              <a:rPr lang="it-IT" sz="1200" dirty="0">
-                <a:solidFill>
-                  <a:schemeClr val="dk1"/>
-                </a:solidFill>
-                <a:latin typeface="Calibri"/>
-                <a:ea typeface="Calibri"/>
-                <a:cs typeface="Calibri"/>
-                <a:sym typeface="Calibri"/>
-              </a:rPr>
-              <a:t>(</a:t>
-            </a:r>
-            <a:r>
-              <a:rPr lang="it-IT" sz="1200" dirty="0" err="1">
-                <a:solidFill>
-                  <a:schemeClr val="dk1"/>
-                </a:solidFill>
-                <a:latin typeface="Calibri"/>
-                <a:ea typeface="Calibri"/>
-                <a:cs typeface="Calibri"/>
-                <a:sym typeface="Calibri"/>
-              </a:rPr>
-              <a:t>passwordReinserted</a:t>
-            </a:r>
-            <a:r>
-              <a:rPr lang="it-IT" sz="1200" dirty="0">
-                <a:solidFill>
-                  <a:schemeClr val="dk1"/>
-                </a:solidFill>
-                <a:latin typeface="Calibri"/>
-                <a:ea typeface="Calibri"/>
-                <a:cs typeface="Calibri"/>
-                <a:sym typeface="Calibri"/>
-              </a:rPr>
-              <a:t>)</a:t>
+              <a:t>isBadRequest = !password.equals(passwordReinserted)</a:t>
             </a:r>
             <a:endParaRPr sz="1200" dirty="0">
               <a:solidFill>
@@ -12133,7 +12175,7 @@
           <a:lstStyle/>
           <a:p>
             <a:r>
-              <a:rPr lang="it-IT" sz="1400" dirty="0" err="1">
+              <a:rPr lang="it-IT" sz="1400" dirty="0">
                 <a:solidFill>
                   <a:schemeClr val="dk1"/>
                 </a:solidFill>
@@ -12656,18 +12698,6 @@
           <a:lstStyle/>
           <a:p>
             <a:r>
-              <a:rPr lang="it-IT" sz="1000" dirty="0" err="1">
-                <a:solidFill>
-                  <a:schemeClr val="dk1"/>
-                </a:solidFill>
-                <a:latin typeface="Calibri"/>
-                <a:ea typeface="Calibri"/>
-                <a:cs typeface="Calibri"/>
-                <a:sym typeface="Calibri"/>
-              </a:rPr>
-              <a:t>RegisterEvents</a:t>
-            </a:r>
-            <a:r>
               <a:rPr lang="it-IT" sz="1000" dirty="0">
                 <a:solidFill>
                   <a:schemeClr val="dk1"/>
@@ -12677,31 +12707,7 @@
                 <a:cs typeface="Calibri"/>
                 <a:sym typeface="Calibri"/>
               </a:rPr>
-              <a:t> (</a:t>
-            </a:r>
-            <a:r>
-              <a:rPr lang="it-IT" sz="1000" dirty="0" err="1">
-                <a:solidFill>
-                  <a:schemeClr val="dk1"/>
-                </a:solidFill>
-                <a:latin typeface="Calibri"/>
-                <a:ea typeface="Calibri"/>
-                <a:cs typeface="Calibri"/>
-                <a:sym typeface="Calibri"/>
-              </a:rPr>
-              <a:t>this</a:t>
-            </a:r>
-            <a:r>
-              <a:rPr lang="it-IT" sz="1000" dirty="0">
-                <a:solidFill>
-                  <a:schemeClr val="dk1"/>
-                </a:solidFill>
-                <a:latin typeface="Calibri"/>
-                <a:ea typeface="Calibri"/>
-                <a:cs typeface="Calibri"/>
-                <a:sym typeface="Calibri"/>
-              </a:rPr>
-              <a:t>)</a:t>
+              <a:t>RegisterEvents (this)</a:t>
             </a:r>
             <a:endParaRPr sz="1000" dirty="0">
               <a:solidFill>
@@ -12809,7 +12815,7 @@
           <a:lstStyle/>
           <a:p>
             <a:r>
-              <a:rPr lang="it-IT" sz="1400" dirty="0" err="1">
+              <a:rPr lang="it-IT" sz="1400" dirty="0">
                 <a:solidFill>
                   <a:schemeClr val="dk1"/>
                 </a:solidFill>
@@ -14191,18 +14197,6 @@
           <a:lstStyle/>
           <a:p>
             <a:r>
-              <a:rPr lang="it-IT" sz="1000" dirty="0" err="1">
-                <a:solidFill>
-                  <a:schemeClr val="dk1"/>
-                </a:solidFill>
-                <a:latin typeface="Calibri"/>
-                <a:ea typeface="Calibri"/>
-                <a:cs typeface="Calibri"/>
-                <a:sym typeface="Calibri"/>
-              </a:rPr>
-              <a:t>RegisterEvents</a:t>
-            </a:r>
-            <a:r>
               <a:rPr lang="it-IT" sz="1000" dirty="0">
                 <a:solidFill>
                   <a:schemeClr val="dk1"/>
@@ -14212,31 +14206,7 @@
                 <a:cs typeface="Calibri"/>
                 <a:sym typeface="Calibri"/>
               </a:rPr>
-              <a:t> (</a:t>
-            </a:r>
-            <a:r>
-              <a:rPr lang="it-IT" sz="1000" dirty="0" err="1">
-                <a:solidFill>
-                  <a:schemeClr val="dk1"/>
-                </a:solidFill>
-                <a:latin typeface="Calibri"/>
-                <a:ea typeface="Calibri"/>
-                <a:cs typeface="Calibri"/>
-                <a:sym typeface="Calibri"/>
-              </a:rPr>
-              <a:t>this</a:t>
-            </a:r>
-            <a:r>
-              <a:rPr lang="it-IT" sz="1000" dirty="0">
-                <a:solidFill>
-                  <a:schemeClr val="dk1"/>
-                </a:solidFill>
-                <a:latin typeface="Calibri"/>
-                <a:ea typeface="Calibri"/>
-                <a:cs typeface="Calibri"/>
-                <a:sym typeface="Calibri"/>
-              </a:rPr>
-              <a:t>)</a:t>
+              <a:t>RegisterEvents (this)</a:t>
             </a:r>
             <a:endParaRPr sz="1000" dirty="0">
               <a:solidFill>
@@ -14323,18 +14293,6 @@
           <a:lstStyle/>
           <a:p>
             <a:r>
-              <a:rPr lang="it-IT" sz="1000" dirty="0" err="1">
-                <a:solidFill>
-                  <a:schemeClr val="dk1"/>
-                </a:solidFill>
-                <a:latin typeface="Calibri"/>
-                <a:ea typeface="Calibri"/>
-                <a:cs typeface="Calibri"/>
-                <a:sym typeface="Calibri"/>
-              </a:rPr>
-              <a:t>RegisterEvents</a:t>
-            </a:r>
-            <a:r>
               <a:rPr lang="it-IT" sz="1000" dirty="0">
                 <a:solidFill>
                   <a:schemeClr val="dk1"/>
@@ -14344,31 +14302,7 @@
                 <a:cs typeface="Calibri"/>
                 <a:sym typeface="Calibri"/>
               </a:rPr>
-              <a:t> (</a:t>
-            </a:r>
-            <a:r>
-              <a:rPr lang="it-IT" sz="1000" dirty="0" err="1">
-                <a:solidFill>
-                  <a:schemeClr val="dk1"/>
-                </a:solidFill>
-                <a:latin typeface="Calibri"/>
-                <a:ea typeface="Calibri"/>
-                <a:cs typeface="Calibri"/>
-                <a:sym typeface="Calibri"/>
-              </a:rPr>
-              <a:t>this</a:t>
-            </a:r>
-            <a:r>
-              <a:rPr lang="it-IT" sz="1000" dirty="0">
-                <a:solidFill>
-                  <a:schemeClr val="dk1"/>
-                </a:solidFill>
-                <a:latin typeface="Calibri"/>
-                <a:ea typeface="Calibri"/>
-                <a:cs typeface="Calibri"/>
-                <a:sym typeface="Calibri"/>
-              </a:rPr>
-              <a:t>)</a:t>
+              <a:t>RegisterEvents (this)</a:t>
             </a:r>
             <a:endParaRPr sz="1000" dirty="0">
               <a:solidFill>
@@ -14455,7 +14389,7 @@
           <a:lstStyle/>
           <a:p>
             <a:r>
-              <a:rPr lang="it-IT" sz="1000" dirty="0" err="1">
+              <a:rPr lang="it-IT" sz="1000" dirty="0">
                 <a:solidFill>
                   <a:schemeClr val="dk1"/>
                 </a:solidFill>
@@ -14551,7 +14485,7 @@
           <a:lstStyle/>
           <a:p>
             <a:r>
-              <a:rPr lang="it-IT" sz="1000" dirty="0" err="1">
+              <a:rPr lang="it-IT" sz="1000" dirty="0">
                 <a:solidFill>
                   <a:schemeClr val="dk1"/>
                 </a:solidFill>
@@ -14647,18 +14581,6 @@
           <a:lstStyle/>
           <a:p>
             <a:r>
-              <a:rPr lang="it-IT" sz="1000" dirty="0" err="1">
-                <a:solidFill>
-                  <a:schemeClr val="dk1"/>
-                </a:solidFill>
-                <a:latin typeface="Calibri"/>
-                <a:ea typeface="Calibri"/>
-                <a:cs typeface="Calibri"/>
-                <a:sym typeface="Calibri"/>
-              </a:rPr>
-              <a:t>RegisterEvents</a:t>
-            </a:r>
-            <a:r>
               <a:rPr lang="it-IT" sz="1000" dirty="0">
                 <a:solidFill>
                   <a:schemeClr val="dk1"/>
@@ -14668,31 +14590,7 @@
                 <a:cs typeface="Calibri"/>
                 <a:sym typeface="Calibri"/>
               </a:rPr>
-              <a:t> (</a:t>
-            </a:r>
-            <a:r>
-              <a:rPr lang="it-IT" sz="1000" dirty="0" err="1">
-                <a:solidFill>
-                  <a:schemeClr val="dk1"/>
-                </a:solidFill>
-                <a:latin typeface="Calibri"/>
-                <a:ea typeface="Calibri"/>
-                <a:cs typeface="Calibri"/>
-                <a:sym typeface="Calibri"/>
-              </a:rPr>
-              <a:t>this</a:t>
-            </a:r>
-            <a:r>
-              <a:rPr lang="it-IT" sz="1000" dirty="0">
-                <a:solidFill>
-                  <a:schemeClr val="dk1"/>
-                </a:solidFill>
-                <a:latin typeface="Calibri"/>
-                <a:ea typeface="Calibri"/>
-                <a:cs typeface="Calibri"/>
-                <a:sym typeface="Calibri"/>
-              </a:rPr>
-              <a:t>)</a:t>
+              <a:t>RegisterEvents (this)</a:t>
             </a:r>
             <a:endParaRPr sz="1000" dirty="0">
               <a:solidFill>
@@ -14779,7 +14677,7 @@
           <a:lstStyle/>
           <a:p>
             <a:r>
-              <a:rPr lang="it-IT" sz="1000" dirty="0" err="1">
+              <a:rPr lang="it-IT" sz="1000" dirty="0">
                 <a:solidFill>
                   <a:schemeClr val="dk1"/>
                 </a:solidFill>
@@ -14875,18 +14773,6 @@
           <a:lstStyle/>
           <a:p>
             <a:r>
-              <a:rPr lang="it-IT" sz="1000" dirty="0" err="1">
-                <a:solidFill>
-                  <a:schemeClr val="dk1"/>
-                </a:solidFill>
-                <a:latin typeface="Calibri"/>
-                <a:ea typeface="Calibri"/>
-                <a:cs typeface="Calibri"/>
-                <a:sym typeface="Calibri"/>
-              </a:rPr>
-              <a:t>RegisterEvents</a:t>
-            </a:r>
-            <a:r>
               <a:rPr lang="it-IT" sz="1000" dirty="0">
                 <a:solidFill>
                   <a:schemeClr val="dk1"/>
@@ -14896,31 +14782,7 @@
                 <a:cs typeface="Calibri"/>
                 <a:sym typeface="Calibri"/>
               </a:rPr>
-              <a:t> (</a:t>
-            </a:r>
-            <a:r>
-              <a:rPr lang="it-IT" sz="1000" dirty="0" err="1">
-                <a:solidFill>
-                  <a:schemeClr val="dk1"/>
-                </a:solidFill>
-                <a:latin typeface="Calibri"/>
-                <a:ea typeface="Calibri"/>
-                <a:cs typeface="Calibri"/>
-                <a:sym typeface="Calibri"/>
-              </a:rPr>
-              <a:t>this</a:t>
-            </a:r>
-            <a:r>
-              <a:rPr lang="it-IT" sz="1000" dirty="0">
-                <a:solidFill>
-                  <a:schemeClr val="dk1"/>
-                </a:solidFill>
-                <a:latin typeface="Calibri"/>
-                <a:ea typeface="Calibri"/>
-                <a:cs typeface="Calibri"/>
-                <a:sym typeface="Calibri"/>
-              </a:rPr>
-              <a:t>)</a:t>
+              <a:t>RegisterEvents (this)</a:t>
             </a:r>
             <a:endParaRPr sz="1000" dirty="0">
               <a:solidFill>
@@ -15007,18 +14869,6 @@
           <a:lstStyle/>
           <a:p>
             <a:r>
-              <a:rPr lang="it-IT" sz="1000" dirty="0" err="1">
-                <a:solidFill>
-                  <a:schemeClr val="dk1"/>
-                </a:solidFill>
-                <a:latin typeface="Calibri"/>
-                <a:ea typeface="Calibri"/>
-                <a:cs typeface="Calibri"/>
-                <a:sym typeface="Calibri"/>
-              </a:rPr>
-              <a:t>RegisterEvents</a:t>
-            </a:r>
-            <a:r>
               <a:rPr lang="it-IT" sz="1000" dirty="0">
                 <a:solidFill>
                   <a:schemeClr val="dk1"/>
@@ -15028,31 +14878,7 @@
                 <a:cs typeface="Calibri"/>
                 <a:sym typeface="Calibri"/>
               </a:rPr>
-              <a:t> (</a:t>
-            </a:r>
-            <a:r>
-              <a:rPr lang="it-IT" sz="1000" dirty="0" err="1">
-                <a:solidFill>
-                  <a:schemeClr val="dk1"/>
-                </a:solidFill>
-                <a:latin typeface="Calibri"/>
-                <a:ea typeface="Calibri"/>
-                <a:cs typeface="Calibri"/>
-                <a:sym typeface="Calibri"/>
-              </a:rPr>
-              <a:t>this</a:t>
-            </a:r>
-            <a:r>
-              <a:rPr lang="it-IT" sz="1000" dirty="0">
-                <a:solidFill>
-                  <a:schemeClr val="dk1"/>
-                </a:solidFill>
-                <a:latin typeface="Calibri"/>
-                <a:ea typeface="Calibri"/>
-                <a:cs typeface="Calibri"/>
-                <a:sym typeface="Calibri"/>
-              </a:rPr>
-              <a:t>)</a:t>
+              <a:t>RegisterEvents (this)</a:t>
             </a:r>
             <a:endParaRPr sz="1000" dirty="0">
               <a:solidFill>
@@ -15148,31 +14974,7 @@
                 <a:cs typeface="Calibri"/>
                 <a:sym typeface="Calibri"/>
               </a:rPr>
-              <a:t>Show(</a:t>
-            </a:r>
-            <a:r>
-              <a:rPr lang="it-IT" sz="1400" dirty="0" err="1">
-                <a:solidFill>
-                  <a:schemeClr val="dk1"/>
-                </a:solidFill>
-                <a:latin typeface="Calibri"/>
-                <a:ea typeface="Calibri"/>
-                <a:cs typeface="Calibri"/>
-                <a:sym typeface="Calibri"/>
-              </a:rPr>
-              <a:t>this</a:t>
-            </a:r>
-            <a:r>
-              <a:rPr lang="it-IT" sz="1400" dirty="0">
-                <a:solidFill>
-                  <a:schemeClr val="dk1"/>
-                </a:solidFill>
-                <a:latin typeface="Calibri"/>
-                <a:ea typeface="Calibri"/>
-                <a:cs typeface="Calibri"/>
-                <a:sym typeface="Calibri"/>
-              </a:rPr>
-              <a:t>)</a:t>
+              <a:t>Show(this)</a:t>
             </a:r>
             <a:endParaRPr sz="1400" dirty="0">
               <a:solidFill>
@@ -16231,31 +16033,7 @@
                 <a:cs typeface="Calibri"/>
                 <a:sym typeface="Calibri"/>
               </a:rPr>
-              <a:t>Show(</a:t>
-            </a:r>
-            <a:r>
-              <a:rPr lang="it-IT" sz="1400" dirty="0" err="1">
-                <a:solidFill>
-                  <a:schemeClr val="dk1"/>
-                </a:solidFill>
-                <a:latin typeface="Calibri"/>
-                <a:ea typeface="Calibri"/>
-                <a:cs typeface="Calibri"/>
-                <a:sym typeface="Calibri"/>
-              </a:rPr>
-              <a:t>this</a:t>
-            </a:r>
-            <a:r>
-              <a:rPr lang="it-IT" sz="1400" dirty="0">
-                <a:solidFill>
-                  <a:schemeClr val="dk1"/>
-                </a:solidFill>
-                <a:latin typeface="Calibri"/>
-                <a:ea typeface="Calibri"/>
-                <a:cs typeface="Calibri"/>
-                <a:sym typeface="Calibri"/>
-              </a:rPr>
-              <a:t>)</a:t>
+              <a:t>Show(this)</a:t>
             </a:r>
             <a:endParaRPr sz="1400" dirty="0">
               <a:solidFill>
@@ -16721,19 +16499,7 @@
             </a:r>
             <a:r>
               <a:rPr lang="en-US" sz="1400" dirty="0"/>
-              <a:t> </a:t>
-            </a:r>
-            <a:r>
-              <a:rPr lang="en-US" sz="1400" dirty="0" err="1"/>
-              <a:t>getPrefAlbumOrder</a:t>
-            </a:r>
-            <a:r>
-              <a:rPr lang="en-US" sz="1400" dirty="0"/>
-              <a:t>()!=null] </a:t>
-            </a:r>
-            <a:r>
-              <a:rPr lang="en-US" sz="1400" dirty="0" err="1"/>
-              <a:t>findAlbumsOrderedById</a:t>
+              <a:t> getPrefAlbumOrder()!=null] findAlbumsOrderedById</a:t>
             </a:r>
             <a:endParaRPr sz="1400" dirty="0">
               <a:sym typeface="Calibri"/>
@@ -16782,19 +16548,7 @@
             </a:r>
             <a:r>
               <a:rPr lang="en-US" sz="1400" dirty="0"/>
-              <a:t> </a:t>
-            </a:r>
-            <a:r>
-              <a:rPr lang="en-US" sz="1400" dirty="0" err="1"/>
-              <a:t>getPrefAlbumOrder</a:t>
-            </a:r>
-            <a:r>
-              <a:rPr lang="en-US" sz="1400" dirty="0"/>
-              <a:t>()==null] </a:t>
-            </a:r>
-            <a:r>
-              <a:rPr lang="en-US" sz="1400" dirty="0" err="1"/>
-              <a:t>findAlbumsOrderedByDate</a:t>
+              <a:t> getPrefAlbumOrder()==null] findAlbumsOrderedByDate</a:t>
             </a:r>
             <a:endParaRPr sz="1400" dirty="0">
               <a:ea typeface="Calibri"/>
@@ -17119,16 +16873,8 @@
           <a:p>
             <a:pPr algn="ctr"/>
             <a:r>
-              <a:rPr lang="en-US" sz="1400" dirty="0" err="1"/>
-              <a:t>sortAlbumBy</a:t>
-            </a:r>
-            <a:r>
               <a:rPr lang="en-US" sz="1400" dirty="0"/>
-              <a:t> </a:t>
-            </a:r>
-            <a:r>
-              <a:rPr lang="en-US" sz="1400" dirty="0" err="1"/>
-              <a:t>UserPreference</a:t>
+              <a:t>sortAlbumBy UserPreference</a:t>
             </a:r>
             <a:endParaRPr sz="1400" dirty="0">
               <a:sym typeface="Calibri"/>
@@ -18168,18 +17914,6 @@
           <a:lstStyle/>
           <a:p>
             <a:r>
-              <a:rPr lang="it-IT" sz="1400" dirty="0" err="1">
-                <a:solidFill>
-                  <a:schemeClr val="dk1"/>
-                </a:solidFill>
-                <a:latin typeface="Calibri"/>
-                <a:ea typeface="Calibri"/>
-                <a:cs typeface="Calibri"/>
-                <a:sym typeface="Calibri"/>
-              </a:rPr>
-              <a:t>afterClickAlbum</a:t>
-            </a:r>
-            <a:r>
               <a:rPr lang="it-IT" sz="1400" dirty="0">
                 <a:solidFill>
                   <a:schemeClr val="dk1"/>
@@ -18189,7 +17923,7 @@
                 <a:cs typeface="Calibri"/>
                 <a:sym typeface="Calibri"/>
               </a:rPr>
-              <a:t> </a:t>
+              <a:t>afterClickAlbum </a:t>
             </a:r>
             <a:r>
               <a:rPr lang="it-IT" sz="1200" dirty="0">
@@ -18201,28 +17935,10 @@
               <a:t>(e.</a:t>
             </a:r>
             <a:r>
-              <a:rPr lang="en-US" sz="1200" dirty="0" err="1">
-                <a:latin typeface="Consolas" panose="020B0609020204030204" pitchFamily="49" charset="0"/>
-              </a:rPr>
-              <a:t>target.getAttribute</a:t>
-            </a:r>
-            <a:r>
               <a:rPr lang="en-US" sz="1200" dirty="0">
                 <a:latin typeface="Consolas" panose="020B0609020204030204" pitchFamily="49" charset="0"/>
               </a:rPr>
-              <a:t>("</a:t>
-            </a:r>
-            <a:r>
-              <a:rPr lang="en-US" sz="1200" dirty="0" err="1">
-                <a:latin typeface="Consolas" panose="020B0609020204030204" pitchFamily="49" charset="0"/>
-              </a:rPr>
-              <a:t>albumId</a:t>
-            </a:r>
-            <a:r>
-              <a:rPr lang="en-US" sz="1200" dirty="0">
-                <a:latin typeface="Consolas" panose="020B0609020204030204" pitchFamily="49" charset="0"/>
-              </a:rPr>
-              <a:t>")</a:t>
+              <a:t>target.getAttribute("albumId")</a:t>
             </a:r>
             <a:r>
               <a:rPr lang="it-IT" sz="1200" dirty="0">
@@ -18786,18 +18502,6 @@
           <a:lstStyle/>
           <a:p>
             <a:r>
-              <a:rPr lang="it-IT" sz="1400" dirty="0" err="1">
-                <a:solidFill>
-                  <a:schemeClr val="dk1"/>
-                </a:solidFill>
-                <a:latin typeface="Calibri"/>
-                <a:ea typeface="Calibri"/>
-                <a:cs typeface="Calibri"/>
-                <a:sym typeface="Calibri"/>
-              </a:rPr>
-              <a:t>resetButtonNext&amp;Previous</a:t>
-            </a:r>
-            <a:r>
               <a:rPr lang="it-IT" sz="1400" dirty="0">
                 <a:solidFill>
                   <a:schemeClr val="dk1"/>
@@ -18807,7 +18511,7 @@
                 <a:cs typeface="Calibri"/>
                 <a:sym typeface="Calibri"/>
               </a:rPr>
-              <a:t>()</a:t>
+              <a:t>resetButtonNext&amp;Previous()</a:t>
             </a:r>
             <a:endParaRPr sz="1400" dirty="0">
               <a:solidFill>
@@ -18894,18 +18598,6 @@
           <a:lstStyle/>
           <a:p>
             <a:r>
-              <a:rPr lang="it-IT" sz="1400" dirty="0" err="1">
-                <a:solidFill>
-                  <a:schemeClr val="dk1"/>
-                </a:solidFill>
-                <a:latin typeface="Calibri"/>
-                <a:ea typeface="Calibri"/>
-                <a:cs typeface="Calibri"/>
-                <a:sym typeface="Calibri"/>
-              </a:rPr>
-              <a:t>resetImages</a:t>
-            </a:r>
-            <a:r>
               <a:rPr lang="it-IT" sz="1400" dirty="0">
                 <a:solidFill>
                   <a:schemeClr val="dk1"/>
@@ -18915,7 +18607,7 @@
                 <a:cs typeface="Calibri"/>
                 <a:sym typeface="Calibri"/>
               </a:rPr>
-              <a:t>()</a:t>
+              <a:t>resetImages()</a:t>
             </a:r>
             <a:endParaRPr sz="1400" dirty="0">
               <a:solidFill>
@@ -19107,31 +18799,7 @@
                 <a:cs typeface="Calibri"/>
                 <a:sym typeface="Calibri"/>
               </a:rPr>
-              <a:t>show(</a:t>
-            </a:r>
-            <a:r>
-              <a:rPr lang="it-IT" sz="1400" dirty="0" err="1">
-                <a:solidFill>
-                  <a:schemeClr val="dk1"/>
-                </a:solidFill>
-                <a:latin typeface="Calibri"/>
-                <a:ea typeface="Calibri"/>
-                <a:cs typeface="Calibri"/>
-                <a:sym typeface="Calibri"/>
-              </a:rPr>
-              <a:t>albumId</a:t>
-            </a:r>
-            <a:r>
-              <a:rPr lang="it-IT" sz="1400" dirty="0">
-                <a:solidFill>
-                  <a:schemeClr val="dk1"/>
-                </a:solidFill>
-                <a:latin typeface="Calibri"/>
-                <a:ea typeface="Calibri"/>
-                <a:cs typeface="Calibri"/>
-                <a:sym typeface="Calibri"/>
-              </a:rPr>
-              <a:t>)</a:t>
+              <a:t>show(albumId)</a:t>
             </a:r>
             <a:endParaRPr sz="1400" dirty="0">
               <a:solidFill>
@@ -19840,6 +19508,4945 @@
 </p:sld>
 </file>
 
+<file path=ppt/slides/slide17.xml><?xml version="1.0" encoding="utf-8"?>
+<p:sld xmlns:a="http://schemas.openxmlformats.org/drawingml/2006/main" xmlns:r="http://schemas.openxmlformats.org/officeDocument/2006/relationships" xmlns:p="http://schemas.openxmlformats.org/presentationml/2006/main">
+  <p:cSld>
+    <p:spTree>
+      <p:nvGrpSpPr>
+        <p:cNvPr id="1" name="Shape 308"/>
+        <p:cNvGrpSpPr/>
+        <p:nvPr/>
+      </p:nvGrpSpPr>
+      <p:grpSpPr>
+        <a:xfrm>
+          <a:off x="0" y="0"/>
+          <a:ext cx="0" cy="0"/>
+          <a:chOff x="0" y="0"/>
+          <a:chExt cx="0" cy="0"/>
+        </a:xfrm>
+      </p:grpSpPr>
+      <p:sp>
+        <p:nvSpPr>
+          <p:cNvPr id="313" name="Google Shape;313;p38"/>
+          <p:cNvSpPr txBox="1"/>
+          <p:nvPr/>
+        </p:nvSpPr>
+        <p:spPr>
+          <a:xfrm>
+            <a:off x="5996872" y="2873553"/>
+            <a:ext cx="2061603" cy="993087"/>
+          </a:xfrm>
+          <a:prstGeom prst="rect">
+            <a:avLst/>
+          </a:prstGeom>
+          <a:noFill/>
+          <a:ln>
+            <a:noFill/>
+          </a:ln>
+        </p:spPr>
+        <p:txBody>
+          <a:bodyPr spcFirstLastPara="1" wrap="square" lIns="107269" tIns="53620" rIns="107269" bIns="53620" anchor="t" anchorCtr="0">
+            <a:noAutofit/>
+          </a:bodyPr>
+          <a:lstStyle/>
+          <a:p>
+            <a:r>
+              <a:rPr lang="es-419" sz="1400" dirty="0">
+                <a:solidFill>
+                  <a:schemeClr val="dk1"/>
+                </a:solidFill>
+                <a:latin typeface="Calibri"/>
+                <a:ea typeface="Calibri"/>
+                <a:cs typeface="Calibri"/>
+                <a:sym typeface="Calibri"/>
+              </a:rPr>
+              <a:t>AJAX GET</a:t>
+            </a:r>
+          </a:p>
+          <a:p>
+            <a:endParaRPr lang="es-419" sz="1400" dirty="0">
+              <a:solidFill>
+                <a:schemeClr val="dk1"/>
+              </a:solidFill>
+              <a:latin typeface="Calibri"/>
+              <a:ea typeface="Calibri"/>
+              <a:cs typeface="Calibri"/>
+              <a:sym typeface="Calibri"/>
+            </a:endParaRPr>
+          </a:p>
+          <a:p>
+            <a:r>
+              <a:rPr lang="it-IT" sz="1400" dirty="0"/>
+              <a:t>"GetCommentsOfImage?imageId=" + </a:t>
+            </a:r>
+            <a:r>
+              <a:rPr lang="it-IT" sz="1400" b="1" dirty="0">
+                <a:solidFill>
+                  <a:srgbClr val="7030A0"/>
+                </a:solidFill>
+              </a:rPr>
+              <a:t>imageId</a:t>
+            </a:r>
+          </a:p>
+          <a:p>
+            <a:endParaRPr sz="1400" dirty="0">
+              <a:solidFill>
+                <a:schemeClr val="dk1"/>
+              </a:solidFill>
+              <a:latin typeface="Calibri"/>
+              <a:ea typeface="Calibri"/>
+              <a:cs typeface="Calibri"/>
+              <a:sym typeface="Calibri"/>
+            </a:endParaRPr>
+          </a:p>
+        </p:txBody>
+      </p:sp>
+      <p:sp>
+        <p:nvSpPr>
+          <p:cNvPr id="309" name="Google Shape;309;p38"/>
+          <p:cNvSpPr txBox="1">
+            <a:spLocks noGrp="1"/>
+          </p:cNvSpPr>
+          <p:nvPr>
+            <p:ph type="title"/>
+          </p:nvPr>
+        </p:nvSpPr>
+        <p:spPr>
+          <a:xfrm>
+            <a:off x="407561" y="51140"/>
+            <a:ext cx="9791189" cy="555655"/>
+          </a:xfrm>
+          <a:prstGeom prst="rect">
+            <a:avLst/>
+          </a:prstGeom>
+          <a:noFill/>
+          <a:ln>
+            <a:noFill/>
+          </a:ln>
+        </p:spPr>
+        <p:txBody>
+          <a:bodyPr spcFirstLastPara="1" vert="horz" wrap="square" lIns="107269" tIns="53620" rIns="107269" bIns="53620" rtlCol="0" anchor="ctr" anchorCtr="0">
+            <a:noAutofit/>
+          </a:bodyPr>
+          <a:lstStyle/>
+          <a:p>
+            <a:pPr>
+              <a:buSzPts val="4400"/>
+            </a:pPr>
+            <a:r>
+              <a:rPr lang="es-419" dirty="0"/>
+              <a:t>Evento: mouseenter on thumbnail image</a:t>
+            </a:r>
+            <a:endParaRPr dirty="0"/>
+          </a:p>
+        </p:txBody>
+      </p:sp>
+      <p:sp>
+        <p:nvSpPr>
+          <p:cNvPr id="310" name="Google Shape;310;p38"/>
+          <p:cNvSpPr/>
+          <p:nvPr/>
+        </p:nvSpPr>
+        <p:spPr>
+          <a:xfrm>
+            <a:off x="7840192" y="701715"/>
+            <a:ext cx="1323398" cy="668530"/>
+          </a:xfrm>
+          <a:prstGeom prst="rect">
+            <a:avLst/>
+          </a:prstGeom>
+          <a:solidFill>
+            <a:schemeClr val="tx2">
+              <a:lumMod val="20000"/>
+              <a:lumOff val="80000"/>
+            </a:schemeClr>
+          </a:solidFill>
+          <a:ln w="25400" cap="flat" cmpd="sng">
+            <a:solidFill>
+              <a:schemeClr val="accent1"/>
+            </a:solidFill>
+            <a:prstDash val="solid"/>
+            <a:round/>
+            <a:headEnd type="none" w="sm" len="sm"/>
+            <a:tailEnd type="none" w="sm" len="sm"/>
+          </a:ln>
+        </p:spPr>
+        <p:txBody>
+          <a:bodyPr spcFirstLastPara="1" wrap="square" lIns="107269" tIns="53620" rIns="107269" bIns="53620" anchor="ctr" anchorCtr="0">
+            <a:noAutofit/>
+          </a:bodyPr>
+          <a:lstStyle/>
+          <a:p>
+            <a:pPr algn="ctr"/>
+            <a:r>
+              <a:rPr lang="es-419" sz="1400" dirty="0">
+                <a:solidFill>
+                  <a:schemeClr val="dk1"/>
+                </a:solidFill>
+                <a:latin typeface="Calibri"/>
+                <a:ea typeface="Calibri"/>
+                <a:cs typeface="Calibri"/>
+                <a:sym typeface="Calibri"/>
+              </a:rPr>
+              <a:t>GetCommentsOfImage</a:t>
+            </a:r>
+            <a:endParaRPr sz="2000" dirty="0">
+              <a:solidFill>
+                <a:schemeClr val="dk1"/>
+              </a:solidFill>
+              <a:latin typeface="Calibri"/>
+              <a:ea typeface="Calibri"/>
+              <a:cs typeface="Calibri"/>
+              <a:sym typeface="Calibri"/>
+            </a:endParaRPr>
+          </a:p>
+        </p:txBody>
+      </p:sp>
+      <p:cxnSp>
+        <p:nvCxnSpPr>
+          <p:cNvPr id="311" name="Google Shape;311;p38"/>
+          <p:cNvCxnSpPr>
+            <a:cxnSpLocks/>
+            <a:stCxn id="310" idx="2"/>
+          </p:cNvCxnSpPr>
+          <p:nvPr/>
+        </p:nvCxnSpPr>
+        <p:spPr>
+          <a:xfrm>
+            <a:off x="8501891" y="1370245"/>
+            <a:ext cx="0" cy="5487755"/>
+          </a:xfrm>
+          <a:prstGeom prst="straightConnector1">
+            <a:avLst/>
+          </a:prstGeom>
+          <a:noFill/>
+          <a:ln w="38100" cap="flat" cmpd="sng">
+            <a:solidFill>
+              <a:schemeClr val="accent1"/>
+            </a:solidFill>
+            <a:prstDash val="dot"/>
+            <a:round/>
+            <a:headEnd type="none" w="sm" len="sm"/>
+            <a:tailEnd type="none" w="sm" len="sm"/>
+          </a:ln>
+          <a:effectLst>
+            <a:outerShdw blurRad="40000" dist="23000" dir="5400000" rotWithShape="0">
+              <a:srgbClr val="000000">
+                <a:alpha val="34900"/>
+              </a:srgbClr>
+            </a:outerShdw>
+          </a:effectLst>
+        </p:spPr>
+      </p:cxnSp>
+      <p:cxnSp>
+        <p:nvCxnSpPr>
+          <p:cNvPr id="312" name="Google Shape;312;p38"/>
+          <p:cNvCxnSpPr>
+            <a:cxnSpLocks/>
+          </p:cNvCxnSpPr>
+          <p:nvPr/>
+        </p:nvCxnSpPr>
+        <p:spPr>
+          <a:xfrm flipV="1">
+            <a:off x="6037116" y="3296394"/>
+            <a:ext cx="2283929" cy="8592"/>
+          </a:xfrm>
+          <a:prstGeom prst="straightConnector1">
+            <a:avLst/>
+          </a:prstGeom>
+          <a:noFill/>
+          <a:ln w="25400" cap="flat" cmpd="sng">
+            <a:solidFill>
+              <a:schemeClr val="accent1"/>
+            </a:solidFill>
+            <a:prstDash val="solid"/>
+            <a:round/>
+            <a:headEnd type="none" w="sm" len="sm"/>
+            <a:tailEnd type="stealth" w="med" len="med"/>
+          </a:ln>
+          <a:effectLst>
+            <a:outerShdw blurRad="40000" dist="20000" dir="5400000" rotWithShape="0">
+              <a:srgbClr val="000000">
+                <a:alpha val="37650"/>
+              </a:srgbClr>
+            </a:outerShdw>
+          </a:effectLst>
+        </p:spPr>
+      </p:cxnSp>
+      <p:sp>
+        <p:nvSpPr>
+          <p:cNvPr id="314" name="Google Shape;314;p38"/>
+          <p:cNvSpPr/>
+          <p:nvPr/>
+        </p:nvSpPr>
+        <p:spPr>
+          <a:xfrm>
+            <a:off x="8321046" y="1957220"/>
+            <a:ext cx="352002" cy="4630981"/>
+          </a:xfrm>
+          <a:prstGeom prst="rect">
+            <a:avLst/>
+          </a:prstGeom>
+          <a:solidFill>
+            <a:schemeClr val="tx2">
+              <a:lumMod val="20000"/>
+              <a:lumOff val="80000"/>
+            </a:schemeClr>
+          </a:solidFill>
+          <a:ln w="25400" cap="flat" cmpd="sng">
+            <a:solidFill>
+              <a:schemeClr val="accent1"/>
+            </a:solidFill>
+            <a:prstDash val="solid"/>
+            <a:round/>
+            <a:headEnd type="none" w="sm" len="sm"/>
+            <a:tailEnd type="none" w="sm" len="sm"/>
+          </a:ln>
+        </p:spPr>
+        <p:txBody>
+          <a:bodyPr spcFirstLastPara="1" wrap="square" lIns="107269" tIns="53620" rIns="107269" bIns="53620" anchor="ctr" anchorCtr="0">
+            <a:noAutofit/>
+          </a:bodyPr>
+          <a:lstStyle/>
+          <a:p>
+            <a:pPr algn="ctr"/>
+            <a:endParaRPr sz="2000">
+              <a:solidFill>
+                <a:schemeClr val="dk1"/>
+              </a:solidFill>
+              <a:latin typeface="Calibri"/>
+              <a:ea typeface="Calibri"/>
+              <a:cs typeface="Calibri"/>
+              <a:sym typeface="Calibri"/>
+            </a:endParaRPr>
+          </a:p>
+        </p:txBody>
+      </p:sp>
+      <p:sp>
+        <p:nvSpPr>
+          <p:cNvPr id="315" name="Google Shape;315;p38"/>
+          <p:cNvSpPr/>
+          <p:nvPr/>
+        </p:nvSpPr>
+        <p:spPr>
+          <a:xfrm>
+            <a:off x="11169840" y="701715"/>
+            <a:ext cx="1009670" cy="624557"/>
+          </a:xfrm>
+          <a:prstGeom prst="rect">
+            <a:avLst/>
+          </a:prstGeom>
+          <a:solidFill>
+            <a:schemeClr val="tx2">
+              <a:lumMod val="20000"/>
+              <a:lumOff val="80000"/>
+            </a:schemeClr>
+          </a:solidFill>
+          <a:ln w="25400" cap="flat" cmpd="sng">
+            <a:solidFill>
+              <a:schemeClr val="accent1"/>
+            </a:solidFill>
+            <a:prstDash val="solid"/>
+            <a:round/>
+            <a:headEnd type="none" w="sm" len="sm"/>
+            <a:tailEnd type="none" w="sm" len="sm"/>
+          </a:ln>
+        </p:spPr>
+        <p:txBody>
+          <a:bodyPr spcFirstLastPara="1" wrap="square" lIns="107269" tIns="53620" rIns="107269" bIns="53620" anchor="ctr" anchorCtr="0">
+            <a:noAutofit/>
+          </a:bodyPr>
+          <a:lstStyle/>
+          <a:p>
+            <a:pPr algn="ctr"/>
+            <a:r>
+              <a:rPr lang="es-419" sz="1400" dirty="0">
+                <a:solidFill>
+                  <a:schemeClr val="dk1"/>
+                </a:solidFill>
+                <a:latin typeface="Calibri"/>
+                <a:ea typeface="Calibri"/>
+                <a:cs typeface="Calibri"/>
+                <a:sym typeface="Calibri"/>
+              </a:rPr>
+              <a:t>Comment</a:t>
+            </a:r>
+          </a:p>
+          <a:p>
+            <a:pPr algn="ctr"/>
+            <a:r>
+              <a:rPr lang="es-419" sz="1400" dirty="0">
+                <a:solidFill>
+                  <a:schemeClr val="dk1"/>
+                </a:solidFill>
+                <a:latin typeface="Calibri"/>
+                <a:ea typeface="Calibri"/>
+                <a:cs typeface="Calibri"/>
+                <a:sym typeface="Calibri"/>
+              </a:rPr>
+              <a:t>DAO</a:t>
+            </a:r>
+            <a:endParaRPr sz="1400" dirty="0">
+              <a:solidFill>
+                <a:schemeClr val="dk1"/>
+              </a:solidFill>
+              <a:latin typeface="Calibri"/>
+              <a:ea typeface="Calibri"/>
+              <a:cs typeface="Calibri"/>
+              <a:sym typeface="Calibri"/>
+            </a:endParaRPr>
+          </a:p>
+        </p:txBody>
+      </p:sp>
+      <p:cxnSp>
+        <p:nvCxnSpPr>
+          <p:cNvPr id="316" name="Google Shape;316;p38"/>
+          <p:cNvCxnSpPr>
+            <a:cxnSpLocks/>
+            <a:stCxn id="315" idx="2"/>
+          </p:cNvCxnSpPr>
+          <p:nvPr/>
+        </p:nvCxnSpPr>
+        <p:spPr>
+          <a:xfrm>
+            <a:off x="11674675" y="1326272"/>
+            <a:ext cx="23582" cy="5531728"/>
+          </a:xfrm>
+          <a:prstGeom prst="straightConnector1">
+            <a:avLst/>
+          </a:prstGeom>
+          <a:noFill/>
+          <a:ln w="38100" cap="flat" cmpd="sng">
+            <a:solidFill>
+              <a:schemeClr val="accent1"/>
+            </a:solidFill>
+            <a:prstDash val="dot"/>
+            <a:round/>
+            <a:headEnd type="none" w="sm" len="sm"/>
+            <a:tailEnd type="none" w="sm" len="sm"/>
+          </a:ln>
+          <a:effectLst>
+            <a:outerShdw blurRad="40000" dist="23000" dir="5400000" rotWithShape="0">
+              <a:srgbClr val="000000">
+                <a:alpha val="34900"/>
+              </a:srgbClr>
+            </a:outerShdw>
+          </a:effectLst>
+        </p:spPr>
+      </p:cxnSp>
+      <p:sp>
+        <p:nvSpPr>
+          <p:cNvPr id="319" name="Google Shape;319;p38"/>
+          <p:cNvSpPr/>
+          <p:nvPr/>
+        </p:nvSpPr>
+        <p:spPr>
+          <a:xfrm>
+            <a:off x="11529603" y="4740394"/>
+            <a:ext cx="330200" cy="1847807"/>
+          </a:xfrm>
+          <a:prstGeom prst="rect">
+            <a:avLst/>
+          </a:prstGeom>
+          <a:solidFill>
+            <a:schemeClr val="tx2">
+              <a:lumMod val="20000"/>
+              <a:lumOff val="80000"/>
+            </a:schemeClr>
+          </a:solidFill>
+          <a:ln w="25400" cap="flat" cmpd="sng">
+            <a:solidFill>
+              <a:schemeClr val="accent1"/>
+            </a:solidFill>
+            <a:prstDash val="solid"/>
+            <a:round/>
+            <a:headEnd type="none" w="sm" len="sm"/>
+            <a:tailEnd type="none" w="sm" len="sm"/>
+          </a:ln>
+        </p:spPr>
+        <p:txBody>
+          <a:bodyPr spcFirstLastPara="1" wrap="square" lIns="107269" tIns="53620" rIns="107269" bIns="53620" anchor="ctr" anchorCtr="0">
+            <a:noAutofit/>
+          </a:bodyPr>
+          <a:lstStyle/>
+          <a:p>
+            <a:pPr algn="ctr"/>
+            <a:endParaRPr sz="2000">
+              <a:solidFill>
+                <a:schemeClr val="dk1"/>
+              </a:solidFill>
+              <a:latin typeface="Calibri"/>
+              <a:ea typeface="Calibri"/>
+              <a:cs typeface="Calibri"/>
+              <a:sym typeface="Calibri"/>
+            </a:endParaRPr>
+          </a:p>
+        </p:txBody>
+      </p:sp>
+      <p:cxnSp>
+        <p:nvCxnSpPr>
+          <p:cNvPr id="320" name="Google Shape;320;p38"/>
+          <p:cNvCxnSpPr>
+            <a:cxnSpLocks/>
+          </p:cNvCxnSpPr>
+          <p:nvPr/>
+        </p:nvCxnSpPr>
+        <p:spPr>
+          <a:xfrm>
+            <a:off x="8667850" y="4898021"/>
+            <a:ext cx="2812869" cy="0"/>
+          </a:xfrm>
+          <a:prstGeom prst="straightConnector1">
+            <a:avLst/>
+          </a:prstGeom>
+          <a:noFill/>
+          <a:ln w="25400" cap="flat" cmpd="sng">
+            <a:solidFill>
+              <a:schemeClr val="accent1"/>
+            </a:solidFill>
+            <a:prstDash val="solid"/>
+            <a:round/>
+            <a:headEnd type="none" w="sm" len="sm"/>
+            <a:tailEnd type="stealth" w="med" len="med"/>
+          </a:ln>
+          <a:effectLst>
+            <a:outerShdw blurRad="40000" dist="20000" dir="5400000" rotWithShape="0">
+              <a:srgbClr val="000000">
+                <a:alpha val="37650"/>
+              </a:srgbClr>
+            </a:outerShdw>
+          </a:effectLst>
+        </p:spPr>
+      </p:cxnSp>
+      <p:sp>
+        <p:nvSpPr>
+          <p:cNvPr id="54" name="Google Shape;290;p37"/>
+          <p:cNvSpPr/>
+          <p:nvPr/>
+        </p:nvSpPr>
+        <p:spPr>
+          <a:xfrm>
+            <a:off x="3313721" y="704557"/>
+            <a:ext cx="1201264" cy="651379"/>
+          </a:xfrm>
+          <a:prstGeom prst="rect">
+            <a:avLst/>
+          </a:prstGeom>
+          <a:solidFill>
+            <a:schemeClr val="lt1"/>
+          </a:solidFill>
+          <a:ln w="25400" cap="flat" cmpd="sng">
+            <a:solidFill>
+              <a:schemeClr val="accent1"/>
+            </a:solidFill>
+            <a:prstDash val="solid"/>
+            <a:round/>
+            <a:headEnd type="none" w="sm" len="sm"/>
+            <a:tailEnd type="none" w="sm" len="sm"/>
+          </a:ln>
+        </p:spPr>
+        <p:txBody>
+          <a:bodyPr spcFirstLastPara="1" wrap="square" lIns="107269" tIns="53620" rIns="107269" bIns="53620" anchor="ctr" anchorCtr="0">
+            <a:noAutofit/>
+          </a:bodyPr>
+          <a:lstStyle/>
+          <a:p>
+            <a:pPr algn="ctr"/>
+            <a:r>
+              <a:rPr lang="es-419" sz="1400" dirty="0">
+                <a:solidFill>
+                  <a:schemeClr val="dk1"/>
+                </a:solidFill>
+                <a:latin typeface="Calibri"/>
+                <a:ea typeface="Calibri"/>
+                <a:cs typeface="Calibri"/>
+                <a:sym typeface="Calibri"/>
+              </a:rPr>
+              <a:t>Orchestrator</a:t>
+            </a:r>
+            <a:endParaRPr sz="1400" dirty="0">
+              <a:solidFill>
+                <a:schemeClr val="dk1"/>
+              </a:solidFill>
+              <a:latin typeface="Calibri"/>
+              <a:ea typeface="Calibri"/>
+              <a:cs typeface="Calibri"/>
+              <a:sym typeface="Calibri"/>
+            </a:endParaRPr>
+          </a:p>
+        </p:txBody>
+      </p:sp>
+      <p:cxnSp>
+        <p:nvCxnSpPr>
+          <p:cNvPr id="65" name="Google Shape;275;p37"/>
+          <p:cNvCxnSpPr>
+            <a:cxnSpLocks/>
+          </p:cNvCxnSpPr>
+          <p:nvPr/>
+        </p:nvCxnSpPr>
+        <p:spPr>
+          <a:xfrm>
+            <a:off x="1880746" y="2422335"/>
+            <a:ext cx="1858658" cy="0"/>
+          </a:xfrm>
+          <a:prstGeom prst="straightConnector1">
+            <a:avLst/>
+          </a:prstGeom>
+          <a:noFill/>
+          <a:ln w="25400" cap="flat" cmpd="sng">
+            <a:solidFill>
+              <a:schemeClr val="accent1"/>
+            </a:solidFill>
+            <a:prstDash val="solid"/>
+            <a:round/>
+            <a:headEnd type="none" w="sm" len="sm"/>
+            <a:tailEnd type="stealth" w="med" len="med"/>
+          </a:ln>
+          <a:effectLst>
+            <a:outerShdw blurRad="40000" dist="20000" dir="5400000" rotWithShape="0">
+              <a:srgbClr val="000000">
+                <a:alpha val="37647"/>
+              </a:srgbClr>
+            </a:outerShdw>
+          </a:effectLst>
+        </p:spPr>
+      </p:cxnSp>
+      <p:cxnSp>
+        <p:nvCxnSpPr>
+          <p:cNvPr id="73" name="Straight Connector 72"/>
+          <p:cNvCxnSpPr>
+            <a:cxnSpLocks/>
+          </p:cNvCxnSpPr>
+          <p:nvPr/>
+        </p:nvCxnSpPr>
+        <p:spPr>
+          <a:xfrm>
+            <a:off x="1738998" y="1370247"/>
+            <a:ext cx="0" cy="5091513"/>
+          </a:xfrm>
+          <a:prstGeom prst="line">
+            <a:avLst/>
+          </a:prstGeom>
+          <a:noFill/>
+          <a:ln w="38100" cap="flat" cmpd="sng">
+            <a:solidFill>
+              <a:schemeClr val="accent1"/>
+            </a:solidFill>
+            <a:prstDash val="dot"/>
+            <a:round/>
+            <a:headEnd type="none" w="sm" len="sm"/>
+            <a:tailEnd type="none" w="sm" len="sm"/>
+          </a:ln>
+          <a:effectLst>
+            <a:outerShdw blurRad="40000" dist="23000" dir="5400000" rotWithShape="0">
+              <a:srgbClr val="000000">
+                <a:alpha val="34901"/>
+              </a:srgbClr>
+            </a:outerShdw>
+          </a:effectLst>
+        </p:spPr>
+      </p:cxnSp>
+      <p:sp>
+        <p:nvSpPr>
+          <p:cNvPr id="74" name="Google Shape;290;p37"/>
+          <p:cNvSpPr/>
+          <p:nvPr/>
+        </p:nvSpPr>
+        <p:spPr>
+          <a:xfrm>
+            <a:off x="1316689" y="704557"/>
+            <a:ext cx="818867" cy="651379"/>
+          </a:xfrm>
+          <a:prstGeom prst="rect">
+            <a:avLst/>
+          </a:prstGeom>
+          <a:solidFill>
+            <a:schemeClr val="lt1"/>
+          </a:solidFill>
+          <a:ln w="25400" cap="flat" cmpd="sng">
+            <a:solidFill>
+              <a:schemeClr val="accent1"/>
+            </a:solidFill>
+            <a:prstDash val="solid"/>
+            <a:round/>
+            <a:headEnd type="none" w="sm" len="sm"/>
+            <a:tailEnd type="none" w="sm" len="sm"/>
+          </a:ln>
+        </p:spPr>
+        <p:txBody>
+          <a:bodyPr spcFirstLastPara="1" wrap="square" lIns="107269" tIns="53620" rIns="107269" bIns="53620" anchor="ctr" anchorCtr="0">
+            <a:noAutofit/>
+          </a:bodyPr>
+          <a:lstStyle/>
+          <a:p>
+            <a:pPr algn="ctr"/>
+            <a:r>
+              <a:rPr lang="es-419" sz="1400" dirty="0">
+                <a:solidFill>
+                  <a:schemeClr val="dk1"/>
+                </a:solidFill>
+                <a:latin typeface="Calibri"/>
+                <a:ea typeface="Calibri"/>
+                <a:cs typeface="Calibri"/>
+                <a:sym typeface="Calibri"/>
+              </a:rPr>
+              <a:t>Image List</a:t>
+            </a:r>
+            <a:endParaRPr sz="1400" dirty="0">
+              <a:solidFill>
+                <a:schemeClr val="dk1"/>
+              </a:solidFill>
+              <a:latin typeface="Calibri"/>
+              <a:ea typeface="Calibri"/>
+              <a:cs typeface="Calibri"/>
+              <a:sym typeface="Calibri"/>
+            </a:endParaRPr>
+          </a:p>
+        </p:txBody>
+      </p:sp>
+      <p:sp>
+        <p:nvSpPr>
+          <p:cNvPr id="75" name="Google Shape;292;p37"/>
+          <p:cNvSpPr/>
+          <p:nvPr/>
+        </p:nvSpPr>
+        <p:spPr>
+          <a:xfrm>
+            <a:off x="1567940" y="1595255"/>
+            <a:ext cx="312806" cy="3707859"/>
+          </a:xfrm>
+          <a:prstGeom prst="rect">
+            <a:avLst/>
+          </a:prstGeom>
+          <a:solidFill>
+            <a:schemeClr val="lt1"/>
+          </a:solidFill>
+          <a:ln w="25400" cap="flat" cmpd="sng">
+            <a:solidFill>
+              <a:schemeClr val="accent1"/>
+            </a:solidFill>
+            <a:prstDash val="solid"/>
+            <a:round/>
+            <a:headEnd type="none" w="sm" len="sm"/>
+            <a:tailEnd type="none" w="sm" len="sm"/>
+          </a:ln>
+        </p:spPr>
+        <p:txBody>
+          <a:bodyPr spcFirstLastPara="1" wrap="square" lIns="107269" tIns="53620" rIns="107269" bIns="53620" anchor="ctr" anchorCtr="0">
+            <a:noAutofit/>
+          </a:bodyPr>
+          <a:lstStyle/>
+          <a:p>
+            <a:pPr algn="ctr"/>
+            <a:endParaRPr sz="2100">
+              <a:solidFill>
+                <a:schemeClr val="dk1"/>
+              </a:solidFill>
+              <a:latin typeface="Calibri"/>
+              <a:ea typeface="Calibri"/>
+              <a:cs typeface="Calibri"/>
+              <a:sym typeface="Calibri"/>
+            </a:endParaRPr>
+          </a:p>
+        </p:txBody>
+      </p:sp>
+      <p:sp>
+        <p:nvSpPr>
+          <p:cNvPr id="88" name="Google Shape;294;p37"/>
+          <p:cNvSpPr txBox="1"/>
+          <p:nvPr/>
+        </p:nvSpPr>
+        <p:spPr>
+          <a:xfrm>
+            <a:off x="208587" y="1274072"/>
+            <a:ext cx="1167009" cy="816234"/>
+          </a:xfrm>
+          <a:prstGeom prst="rect">
+            <a:avLst/>
+          </a:prstGeom>
+          <a:noFill/>
+          <a:ln>
+            <a:noFill/>
+          </a:ln>
+        </p:spPr>
+        <p:txBody>
+          <a:bodyPr spcFirstLastPara="1" wrap="square" lIns="107269" tIns="53620" rIns="107269" bIns="53620" anchor="t" anchorCtr="0">
+            <a:noAutofit/>
+          </a:bodyPr>
+          <a:lstStyle/>
+          <a:p>
+            <a:r>
+              <a:rPr lang="it-IT" sz="1400" dirty="0">
+                <a:solidFill>
+                  <a:schemeClr val="dk1"/>
+                </a:solidFill>
+                <a:latin typeface="Calibri"/>
+                <a:ea typeface="Calibri"/>
+                <a:cs typeface="Calibri"/>
+                <a:sym typeface="Calibri"/>
+              </a:rPr>
+              <a:t>Mouseenter thumbnail image</a:t>
+            </a:r>
+            <a:endParaRPr dirty="0">
+              <a:solidFill>
+                <a:schemeClr val="dk1"/>
+              </a:solidFill>
+              <a:latin typeface="Calibri"/>
+              <a:ea typeface="Calibri"/>
+              <a:cs typeface="Calibri"/>
+              <a:sym typeface="Calibri"/>
+            </a:endParaRPr>
+          </a:p>
+        </p:txBody>
+      </p:sp>
+      <p:cxnSp>
+        <p:nvCxnSpPr>
+          <p:cNvPr id="89" name="Straight Arrow Connector 88"/>
+          <p:cNvCxnSpPr/>
+          <p:nvPr/>
+        </p:nvCxnSpPr>
+        <p:spPr>
+          <a:xfrm>
+            <a:off x="1231663" y="1709298"/>
+            <a:ext cx="336277" cy="0"/>
+          </a:xfrm>
+          <a:prstGeom prst="straightConnector1">
+            <a:avLst/>
+          </a:prstGeom>
+          <a:noFill/>
+          <a:ln w="25400" cap="flat" cmpd="sng">
+            <a:solidFill>
+              <a:schemeClr val="accent1"/>
+            </a:solidFill>
+            <a:prstDash val="solid"/>
+            <a:round/>
+            <a:headEnd type="none" w="sm" len="sm"/>
+            <a:tailEnd type="stealth" w="med" len="med"/>
+          </a:ln>
+          <a:effectLst>
+            <a:outerShdw blurRad="40000" dist="20000" dir="5400000" rotWithShape="0">
+              <a:srgbClr val="000000">
+                <a:alpha val="37647"/>
+              </a:srgbClr>
+            </a:outerShdw>
+          </a:effectLst>
+        </p:spPr>
+      </p:cxnSp>
+      <p:cxnSp>
+        <p:nvCxnSpPr>
+          <p:cNvPr id="41" name="Straight Connector 52">
+            <a:extLst>
+              <a:ext uri="{FF2B5EF4-FFF2-40B4-BE49-F238E27FC236}">
+                <a16:creationId xmlns:a16="http://schemas.microsoft.com/office/drawing/2014/main" id="{928D1D6F-9098-47DF-8289-194D299E0C5F}"/>
+              </a:ext>
+            </a:extLst>
+          </p:cNvPr>
+          <p:cNvCxnSpPr>
+            <a:cxnSpLocks/>
+            <a:stCxn id="54" idx="2"/>
+          </p:cNvCxnSpPr>
+          <p:nvPr/>
+        </p:nvCxnSpPr>
+        <p:spPr>
+          <a:xfrm>
+            <a:off x="3914353" y="1355936"/>
+            <a:ext cx="45665" cy="5287460"/>
+          </a:xfrm>
+          <a:prstGeom prst="line">
+            <a:avLst/>
+          </a:prstGeom>
+          <a:noFill/>
+          <a:ln w="38100" cap="flat" cmpd="sng">
+            <a:solidFill>
+              <a:schemeClr val="accent1"/>
+            </a:solidFill>
+            <a:prstDash val="dot"/>
+            <a:round/>
+            <a:headEnd type="none" w="sm" len="sm"/>
+            <a:tailEnd type="none" w="sm" len="sm"/>
+          </a:ln>
+          <a:effectLst>
+            <a:outerShdw blurRad="40000" dist="23000" dir="5400000" rotWithShape="0">
+              <a:srgbClr val="000000">
+                <a:alpha val="34901"/>
+              </a:srgbClr>
+            </a:outerShdw>
+          </a:effectLst>
+        </p:spPr>
+      </p:cxnSp>
+      <p:sp>
+        <p:nvSpPr>
+          <p:cNvPr id="42" name="Google Shape;292;p37">
+            <a:extLst>
+              <a:ext uri="{FF2B5EF4-FFF2-40B4-BE49-F238E27FC236}">
+                <a16:creationId xmlns:a16="http://schemas.microsoft.com/office/drawing/2014/main" id="{EC2375AF-7438-4CBB-8A8B-3AE68559F82D}"/>
+              </a:ext>
+            </a:extLst>
+          </p:cNvPr>
+          <p:cNvSpPr/>
+          <p:nvPr/>
+        </p:nvSpPr>
+        <p:spPr>
+          <a:xfrm>
+            <a:off x="3739404" y="1595255"/>
+            <a:ext cx="342116" cy="2396400"/>
+          </a:xfrm>
+          <a:prstGeom prst="rect">
+            <a:avLst/>
+          </a:prstGeom>
+          <a:solidFill>
+            <a:schemeClr val="lt1"/>
+          </a:solidFill>
+          <a:ln w="25400" cap="flat" cmpd="sng">
+            <a:solidFill>
+              <a:schemeClr val="accent1"/>
+            </a:solidFill>
+            <a:prstDash val="solid"/>
+            <a:round/>
+            <a:headEnd type="none" w="sm" len="sm"/>
+            <a:tailEnd type="none" w="sm" len="sm"/>
+          </a:ln>
+        </p:spPr>
+        <p:txBody>
+          <a:bodyPr spcFirstLastPara="1" wrap="square" lIns="107269" tIns="53620" rIns="107269" bIns="53620" anchor="ctr" anchorCtr="0">
+            <a:noAutofit/>
+          </a:bodyPr>
+          <a:lstStyle/>
+          <a:p>
+            <a:pPr algn="ctr"/>
+            <a:endParaRPr sz="2100">
+              <a:solidFill>
+                <a:schemeClr val="dk1"/>
+              </a:solidFill>
+              <a:latin typeface="Calibri"/>
+              <a:ea typeface="Calibri"/>
+              <a:cs typeface="Calibri"/>
+              <a:sym typeface="Calibri"/>
+            </a:endParaRPr>
+          </a:p>
+        </p:txBody>
+      </p:sp>
+      <p:cxnSp>
+        <p:nvCxnSpPr>
+          <p:cNvPr id="43" name="Straight Connector 52">
+            <a:extLst>
+              <a:ext uri="{FF2B5EF4-FFF2-40B4-BE49-F238E27FC236}">
+                <a16:creationId xmlns:a16="http://schemas.microsoft.com/office/drawing/2014/main" id="{F7A1ECA8-2323-49DC-9198-EACC74AA5269}"/>
+              </a:ext>
+            </a:extLst>
+          </p:cNvPr>
+          <p:cNvCxnSpPr>
+            <a:cxnSpLocks/>
+            <a:stCxn id="44" idx="2"/>
+          </p:cNvCxnSpPr>
+          <p:nvPr/>
+        </p:nvCxnSpPr>
+        <p:spPr>
+          <a:xfrm>
+            <a:off x="5842452" y="1370247"/>
+            <a:ext cx="0" cy="5487753"/>
+          </a:xfrm>
+          <a:prstGeom prst="line">
+            <a:avLst/>
+          </a:prstGeom>
+          <a:noFill/>
+          <a:ln w="38100" cap="flat" cmpd="sng">
+            <a:solidFill>
+              <a:schemeClr val="accent1"/>
+            </a:solidFill>
+            <a:prstDash val="dot"/>
+            <a:round/>
+            <a:headEnd type="none" w="sm" len="sm"/>
+            <a:tailEnd type="none" w="sm" len="sm"/>
+          </a:ln>
+          <a:effectLst>
+            <a:outerShdw blurRad="40000" dist="23000" dir="5400000" rotWithShape="0">
+              <a:srgbClr val="000000">
+                <a:alpha val="34901"/>
+              </a:srgbClr>
+            </a:outerShdw>
+          </a:effectLst>
+        </p:spPr>
+      </p:cxnSp>
+      <p:sp>
+        <p:nvSpPr>
+          <p:cNvPr id="44" name="Google Shape;290;p37">
+            <a:extLst>
+              <a:ext uri="{FF2B5EF4-FFF2-40B4-BE49-F238E27FC236}">
+                <a16:creationId xmlns:a16="http://schemas.microsoft.com/office/drawing/2014/main" id="{47C34395-4DFA-44DE-8C89-5EEF352EEDEF}"/>
+              </a:ext>
+            </a:extLst>
+          </p:cNvPr>
+          <p:cNvSpPr/>
+          <p:nvPr/>
+        </p:nvSpPr>
+        <p:spPr>
+          <a:xfrm>
+            <a:off x="5364329" y="701716"/>
+            <a:ext cx="956245" cy="668531"/>
+          </a:xfrm>
+          <a:prstGeom prst="rect">
+            <a:avLst/>
+          </a:prstGeom>
+          <a:solidFill>
+            <a:schemeClr val="lt1"/>
+          </a:solidFill>
+          <a:ln w="25400" cap="flat" cmpd="sng">
+            <a:solidFill>
+              <a:schemeClr val="accent1"/>
+            </a:solidFill>
+            <a:prstDash val="solid"/>
+            <a:round/>
+            <a:headEnd type="none" w="sm" len="sm"/>
+            <a:tailEnd type="none" w="sm" len="sm"/>
+          </a:ln>
+        </p:spPr>
+        <p:txBody>
+          <a:bodyPr spcFirstLastPara="1" wrap="square" lIns="107269" tIns="53620" rIns="107269" bIns="53620" anchor="ctr" anchorCtr="0">
+            <a:noAutofit/>
+          </a:bodyPr>
+          <a:lstStyle/>
+          <a:p>
+            <a:pPr algn="ctr"/>
+            <a:r>
+              <a:rPr lang="es-419" sz="1400" dirty="0">
+                <a:solidFill>
+                  <a:schemeClr val="dk1"/>
+                </a:solidFill>
+                <a:latin typeface="Calibri"/>
+                <a:ea typeface="Calibri"/>
+                <a:cs typeface="Calibri"/>
+                <a:sym typeface="Calibri"/>
+              </a:rPr>
+              <a:t>Image Details</a:t>
+            </a:r>
+            <a:endParaRPr sz="1400" dirty="0">
+              <a:solidFill>
+                <a:schemeClr val="dk1"/>
+              </a:solidFill>
+              <a:latin typeface="Calibri"/>
+              <a:ea typeface="Calibri"/>
+              <a:cs typeface="Calibri"/>
+              <a:sym typeface="Calibri"/>
+            </a:endParaRPr>
+          </a:p>
+        </p:txBody>
+      </p:sp>
+      <p:sp>
+        <p:nvSpPr>
+          <p:cNvPr id="45" name="Google Shape;292;p37">
+            <a:extLst>
+              <a:ext uri="{FF2B5EF4-FFF2-40B4-BE49-F238E27FC236}">
+                <a16:creationId xmlns:a16="http://schemas.microsoft.com/office/drawing/2014/main" id="{204CE6C8-D808-4272-A44B-096D244FAD07}"/>
+              </a:ext>
+            </a:extLst>
+          </p:cNvPr>
+          <p:cNvSpPr/>
+          <p:nvPr/>
+        </p:nvSpPr>
+        <p:spPr>
+          <a:xfrm>
+            <a:off x="5670354" y="1546738"/>
+            <a:ext cx="342116" cy="5180633"/>
+          </a:xfrm>
+          <a:prstGeom prst="rect">
+            <a:avLst/>
+          </a:prstGeom>
+          <a:solidFill>
+            <a:schemeClr val="lt1"/>
+          </a:solidFill>
+          <a:ln w="25400" cap="flat" cmpd="sng">
+            <a:solidFill>
+              <a:schemeClr val="accent1"/>
+            </a:solidFill>
+            <a:prstDash val="solid"/>
+            <a:round/>
+            <a:headEnd type="none" w="sm" len="sm"/>
+            <a:tailEnd type="none" w="sm" len="sm"/>
+          </a:ln>
+        </p:spPr>
+        <p:txBody>
+          <a:bodyPr spcFirstLastPara="1" wrap="square" lIns="107269" tIns="53620" rIns="107269" bIns="53620" anchor="ctr" anchorCtr="0">
+            <a:noAutofit/>
+          </a:bodyPr>
+          <a:lstStyle/>
+          <a:p>
+            <a:pPr algn="ctr"/>
+            <a:endParaRPr sz="2100">
+              <a:solidFill>
+                <a:schemeClr val="dk1"/>
+              </a:solidFill>
+              <a:latin typeface="Calibri"/>
+              <a:ea typeface="Calibri"/>
+              <a:cs typeface="Calibri"/>
+              <a:sym typeface="Calibri"/>
+            </a:endParaRPr>
+          </a:p>
+        </p:txBody>
+      </p:sp>
+      <p:cxnSp>
+        <p:nvCxnSpPr>
+          <p:cNvPr id="46" name="Google Shape;275;p37">
+            <a:extLst>
+              <a:ext uri="{FF2B5EF4-FFF2-40B4-BE49-F238E27FC236}">
+                <a16:creationId xmlns:a16="http://schemas.microsoft.com/office/drawing/2014/main" id="{334676E5-B578-4DEF-8E96-5DD79E7BEB30}"/>
+              </a:ext>
+            </a:extLst>
+          </p:cNvPr>
+          <p:cNvCxnSpPr>
+            <a:cxnSpLocks/>
+          </p:cNvCxnSpPr>
+          <p:nvPr/>
+        </p:nvCxnSpPr>
+        <p:spPr>
+          <a:xfrm>
+            <a:off x="4081520" y="2592097"/>
+            <a:ext cx="1588834" cy="0"/>
+          </a:xfrm>
+          <a:prstGeom prst="straightConnector1">
+            <a:avLst/>
+          </a:prstGeom>
+          <a:noFill/>
+          <a:ln w="25400" cap="flat" cmpd="sng">
+            <a:solidFill>
+              <a:schemeClr val="accent1"/>
+            </a:solidFill>
+            <a:prstDash val="solid"/>
+            <a:round/>
+            <a:headEnd type="none" w="sm" len="sm"/>
+            <a:tailEnd type="stealth" w="med" len="med"/>
+          </a:ln>
+          <a:effectLst>
+            <a:outerShdw blurRad="40000" dist="20000" dir="5400000" rotWithShape="0">
+              <a:srgbClr val="000000">
+                <a:alpha val="37647"/>
+              </a:srgbClr>
+            </a:outerShdw>
+          </a:effectLst>
+        </p:spPr>
+      </p:cxnSp>
+      <p:cxnSp>
+        <p:nvCxnSpPr>
+          <p:cNvPr id="48" name="Google Shape;275;p37">
+            <a:extLst>
+              <a:ext uri="{FF2B5EF4-FFF2-40B4-BE49-F238E27FC236}">
+                <a16:creationId xmlns:a16="http://schemas.microsoft.com/office/drawing/2014/main" id="{21F9333F-2C6A-4F45-859A-AD405DBAF00B}"/>
+              </a:ext>
+            </a:extLst>
+          </p:cNvPr>
+          <p:cNvCxnSpPr>
+            <a:cxnSpLocks/>
+          </p:cNvCxnSpPr>
+          <p:nvPr/>
+        </p:nvCxnSpPr>
+        <p:spPr>
+          <a:xfrm>
+            <a:off x="4081520" y="3096916"/>
+            <a:ext cx="1588834" cy="0"/>
+          </a:xfrm>
+          <a:prstGeom prst="straightConnector1">
+            <a:avLst/>
+          </a:prstGeom>
+          <a:noFill/>
+          <a:ln w="25400" cap="flat" cmpd="sng">
+            <a:solidFill>
+              <a:schemeClr val="accent1"/>
+            </a:solidFill>
+            <a:prstDash val="solid"/>
+            <a:round/>
+            <a:headEnd type="none" w="sm" len="sm"/>
+            <a:tailEnd type="stealth" w="med" len="med"/>
+          </a:ln>
+          <a:effectLst>
+            <a:outerShdw blurRad="40000" dist="20000" dir="5400000" rotWithShape="0">
+              <a:srgbClr val="000000">
+                <a:alpha val="37647"/>
+              </a:srgbClr>
+            </a:outerShdw>
+          </a:effectLst>
+        </p:spPr>
+      </p:cxnSp>
+      <p:sp>
+        <p:nvSpPr>
+          <p:cNvPr id="62" name="Google Shape;318;p38">
+            <a:extLst>
+              <a:ext uri="{FF2B5EF4-FFF2-40B4-BE49-F238E27FC236}">
+                <a16:creationId xmlns:a16="http://schemas.microsoft.com/office/drawing/2014/main" id="{B013099F-E67B-4119-98A9-174BCFF13439}"/>
+              </a:ext>
+            </a:extLst>
+          </p:cNvPr>
+          <p:cNvSpPr txBox="1"/>
+          <p:nvPr/>
+        </p:nvSpPr>
+        <p:spPr>
+          <a:xfrm>
+            <a:off x="8942776" y="2993354"/>
+            <a:ext cx="1158396" cy="311632"/>
+          </a:xfrm>
+          <a:prstGeom prst="rect">
+            <a:avLst/>
+          </a:prstGeom>
+          <a:noFill/>
+          <a:ln>
+            <a:noFill/>
+          </a:ln>
+        </p:spPr>
+        <p:txBody>
+          <a:bodyPr spcFirstLastPara="1" wrap="square" lIns="107269" tIns="53620" rIns="107269" bIns="53620" anchor="t" anchorCtr="0">
+            <a:noAutofit/>
+          </a:bodyPr>
+          <a:lstStyle/>
+          <a:p>
+            <a:r>
+              <a:rPr lang="it-IT" sz="1400" dirty="0"/>
+              <a:t>checkImage</a:t>
+            </a:r>
+          </a:p>
+          <a:p>
+            <a:r>
+              <a:rPr lang="it-IT" sz="1400" dirty="0"/>
+              <a:t>(</a:t>
+            </a:r>
+            <a:r>
+              <a:rPr lang="it-IT" sz="1400" b="1" dirty="0">
+                <a:solidFill>
+                  <a:srgbClr val="7030A0"/>
+                </a:solidFill>
+              </a:rPr>
+              <a:t>imageId</a:t>
+            </a:r>
+            <a:r>
+              <a:rPr lang="it-IT" sz="1400" dirty="0"/>
+              <a:t>)</a:t>
+            </a:r>
+            <a:endParaRPr sz="1400" dirty="0">
+              <a:ea typeface="Calibri"/>
+              <a:cs typeface="Calibri"/>
+              <a:sym typeface="Calibri"/>
+            </a:endParaRPr>
+          </a:p>
+        </p:txBody>
+      </p:sp>
+      <p:cxnSp>
+        <p:nvCxnSpPr>
+          <p:cNvPr id="76" name="Google Shape;382;p40">
+            <a:extLst>
+              <a:ext uri="{FF2B5EF4-FFF2-40B4-BE49-F238E27FC236}">
+                <a16:creationId xmlns:a16="http://schemas.microsoft.com/office/drawing/2014/main" id="{474C4AC2-E1C7-4565-ACAA-AF9FC8398B77}"/>
+              </a:ext>
+            </a:extLst>
+          </p:cNvPr>
+          <p:cNvCxnSpPr>
+            <a:cxnSpLocks/>
+          </p:cNvCxnSpPr>
+          <p:nvPr/>
+        </p:nvCxnSpPr>
+        <p:spPr>
+          <a:xfrm>
+            <a:off x="8679148" y="6042021"/>
+            <a:ext cx="2850455" cy="1"/>
+          </a:xfrm>
+          <a:prstGeom prst="straightConnector1">
+            <a:avLst/>
+          </a:prstGeom>
+          <a:noFill/>
+          <a:ln w="25400" cap="flat" cmpd="sng">
+            <a:solidFill>
+              <a:schemeClr val="accent1"/>
+            </a:solidFill>
+            <a:prstDash val="dash"/>
+            <a:round/>
+            <a:headEnd type="arrow" w="med" len="med"/>
+            <a:tailEnd type="none" w="med" len="med"/>
+          </a:ln>
+          <a:effectLst>
+            <a:outerShdw blurRad="40000" dist="20000" dir="5400000" rotWithShape="0">
+              <a:srgbClr val="000000">
+                <a:alpha val="37650"/>
+              </a:srgbClr>
+            </a:outerShdw>
+          </a:effectLst>
+        </p:spPr>
+      </p:cxnSp>
+      <p:sp>
+        <p:nvSpPr>
+          <p:cNvPr id="17" name="Google Shape;318;p38">
+            <a:extLst>
+              <a:ext uri="{FF2B5EF4-FFF2-40B4-BE49-F238E27FC236}">
+                <a16:creationId xmlns:a16="http://schemas.microsoft.com/office/drawing/2014/main" id="{7774BD78-C356-441E-8F9C-34CD399EC210}"/>
+              </a:ext>
+            </a:extLst>
+          </p:cNvPr>
+          <p:cNvSpPr txBox="1"/>
+          <p:nvPr/>
+        </p:nvSpPr>
+        <p:spPr>
+          <a:xfrm>
+            <a:off x="8784887" y="5728614"/>
+            <a:ext cx="991900" cy="308000"/>
+          </a:xfrm>
+          <a:prstGeom prst="rect">
+            <a:avLst/>
+          </a:prstGeom>
+          <a:noFill/>
+          <a:ln>
+            <a:noFill/>
+          </a:ln>
+        </p:spPr>
+        <p:txBody>
+          <a:bodyPr spcFirstLastPara="1" wrap="square" lIns="107269" tIns="53620" rIns="107269" bIns="53620" anchor="t" anchorCtr="0">
+            <a:noAutofit/>
+          </a:bodyPr>
+          <a:lstStyle/>
+          <a:p>
+            <a:r>
+              <a:rPr lang="es-419" sz="1400" b="1" dirty="0">
+                <a:solidFill>
+                  <a:schemeClr val="accent6">
+                    <a:lumMod val="75000"/>
+                  </a:schemeClr>
+                </a:solidFill>
+                <a:latin typeface="Calibri"/>
+                <a:ea typeface="Calibri"/>
+                <a:cs typeface="Calibri"/>
+                <a:sym typeface="Calibri"/>
+              </a:rPr>
+              <a:t>comments</a:t>
+            </a:r>
+            <a:endParaRPr sz="1400" b="1" dirty="0">
+              <a:solidFill>
+                <a:schemeClr val="accent6">
+                  <a:lumMod val="75000"/>
+                </a:schemeClr>
+              </a:solidFill>
+              <a:latin typeface="Calibri"/>
+              <a:ea typeface="Calibri"/>
+              <a:cs typeface="Calibri"/>
+              <a:sym typeface="Calibri"/>
+            </a:endParaRPr>
+          </a:p>
+        </p:txBody>
+      </p:sp>
+      <p:cxnSp>
+        <p:nvCxnSpPr>
+          <p:cNvPr id="79" name="Google Shape;382;p40">
+            <a:extLst>
+              <a:ext uri="{FF2B5EF4-FFF2-40B4-BE49-F238E27FC236}">
+                <a16:creationId xmlns:a16="http://schemas.microsoft.com/office/drawing/2014/main" id="{3ECAD428-63F5-4268-9176-BFFAD322D85A}"/>
+              </a:ext>
+            </a:extLst>
+          </p:cNvPr>
+          <p:cNvCxnSpPr>
+            <a:cxnSpLocks/>
+          </p:cNvCxnSpPr>
+          <p:nvPr/>
+        </p:nvCxnSpPr>
+        <p:spPr>
+          <a:xfrm>
+            <a:off x="5999162" y="6242890"/>
+            <a:ext cx="2251234" cy="0"/>
+          </a:xfrm>
+          <a:prstGeom prst="straightConnector1">
+            <a:avLst/>
+          </a:prstGeom>
+          <a:noFill/>
+          <a:ln w="25400" cap="flat" cmpd="sng">
+            <a:solidFill>
+              <a:schemeClr val="accent1"/>
+            </a:solidFill>
+            <a:prstDash val="dash"/>
+            <a:round/>
+            <a:headEnd type="arrow" w="med" len="med"/>
+            <a:tailEnd type="none" w="med" len="med"/>
+          </a:ln>
+          <a:effectLst>
+            <a:outerShdw blurRad="40000" dist="20000" dir="5400000" rotWithShape="0">
+              <a:srgbClr val="000000">
+                <a:alpha val="37650"/>
+              </a:srgbClr>
+            </a:outerShdw>
+          </a:effectLst>
+        </p:spPr>
+      </p:cxnSp>
+      <p:sp>
+        <p:nvSpPr>
+          <p:cNvPr id="80" name="Google Shape;318;p38">
+            <a:extLst>
+              <a:ext uri="{FF2B5EF4-FFF2-40B4-BE49-F238E27FC236}">
+                <a16:creationId xmlns:a16="http://schemas.microsoft.com/office/drawing/2014/main" id="{A8A5C05A-E88A-4194-8663-69B8F2DC380C}"/>
+              </a:ext>
+            </a:extLst>
+          </p:cNvPr>
+          <p:cNvSpPr txBox="1"/>
+          <p:nvPr/>
+        </p:nvSpPr>
+        <p:spPr>
+          <a:xfrm>
+            <a:off x="6336833" y="5934890"/>
+            <a:ext cx="991900" cy="308000"/>
+          </a:xfrm>
+          <a:prstGeom prst="rect">
+            <a:avLst/>
+          </a:prstGeom>
+          <a:noFill/>
+          <a:ln>
+            <a:noFill/>
+          </a:ln>
+        </p:spPr>
+        <p:txBody>
+          <a:bodyPr spcFirstLastPara="1" wrap="square" lIns="107269" tIns="53620" rIns="107269" bIns="53620" anchor="t" anchorCtr="0">
+            <a:noAutofit/>
+          </a:bodyPr>
+          <a:lstStyle/>
+          <a:p>
+            <a:r>
+              <a:rPr lang="es-419" sz="1400" b="1" dirty="0">
+                <a:solidFill>
+                  <a:schemeClr val="accent6">
+                    <a:lumMod val="75000"/>
+                  </a:schemeClr>
+                </a:solidFill>
+                <a:latin typeface="Calibri"/>
+                <a:ea typeface="Calibri"/>
+                <a:cs typeface="Calibri"/>
+                <a:sym typeface="Calibri"/>
+              </a:rPr>
+              <a:t>comments</a:t>
+            </a:r>
+            <a:endParaRPr sz="1400" b="1" dirty="0">
+              <a:solidFill>
+                <a:schemeClr val="accent6">
+                  <a:lumMod val="75000"/>
+                </a:schemeClr>
+              </a:solidFill>
+              <a:latin typeface="Calibri"/>
+              <a:ea typeface="Calibri"/>
+              <a:cs typeface="Calibri"/>
+              <a:sym typeface="Calibri"/>
+            </a:endParaRPr>
+          </a:p>
+        </p:txBody>
+      </p:sp>
+      <p:grpSp>
+        <p:nvGrpSpPr>
+          <p:cNvPr id="81" name="Group 94">
+            <a:extLst>
+              <a:ext uri="{FF2B5EF4-FFF2-40B4-BE49-F238E27FC236}">
+                <a16:creationId xmlns:a16="http://schemas.microsoft.com/office/drawing/2014/main" id="{D98C208E-1FF2-4E3C-B31A-F19EBF36C598}"/>
+              </a:ext>
+            </a:extLst>
+          </p:cNvPr>
+          <p:cNvGrpSpPr/>
+          <p:nvPr/>
+        </p:nvGrpSpPr>
+        <p:grpSpPr>
+          <a:xfrm>
+            <a:off x="5164971" y="6318440"/>
+            <a:ext cx="484693" cy="265456"/>
+            <a:chOff x="614149" y="4401223"/>
+            <a:chExt cx="484693" cy="507248"/>
+          </a:xfrm>
+        </p:grpSpPr>
+        <p:cxnSp>
+          <p:nvCxnSpPr>
+            <p:cNvPr id="82" name="Straight Connector 99">
+              <a:extLst>
+                <a:ext uri="{FF2B5EF4-FFF2-40B4-BE49-F238E27FC236}">
+                  <a16:creationId xmlns:a16="http://schemas.microsoft.com/office/drawing/2014/main" id="{F8E7E7D4-C873-4178-8DF7-167CD0F0D309}"/>
+                </a:ext>
+              </a:extLst>
+            </p:cNvPr>
+            <p:cNvCxnSpPr/>
+            <p:nvPr/>
+          </p:nvCxnSpPr>
+          <p:spPr>
+            <a:xfrm flipH="1">
+              <a:off x="614149" y="4401223"/>
+              <a:ext cx="484693" cy="0"/>
+            </a:xfrm>
+            <a:prstGeom prst="line">
+              <a:avLst/>
+            </a:prstGeom>
+            <a:ln w="28575">
+              <a:solidFill>
+                <a:srgbClr val="0070C0"/>
+              </a:solidFill>
+            </a:ln>
+          </p:spPr>
+          <p:style>
+            <a:lnRef idx="1">
+              <a:schemeClr val="accent1"/>
+            </a:lnRef>
+            <a:fillRef idx="0">
+              <a:schemeClr val="accent1"/>
+            </a:fillRef>
+            <a:effectRef idx="0">
+              <a:schemeClr val="accent1"/>
+            </a:effectRef>
+            <a:fontRef idx="minor">
+              <a:schemeClr val="tx1"/>
+            </a:fontRef>
+          </p:style>
+        </p:cxnSp>
+        <p:cxnSp>
+          <p:nvCxnSpPr>
+            <p:cNvPr id="85" name="Straight Connector 100">
+              <a:extLst>
+                <a:ext uri="{FF2B5EF4-FFF2-40B4-BE49-F238E27FC236}">
+                  <a16:creationId xmlns:a16="http://schemas.microsoft.com/office/drawing/2014/main" id="{3CDFB136-CAC4-4771-9BD0-42B37400A3D8}"/>
+                </a:ext>
+              </a:extLst>
+            </p:cNvPr>
+            <p:cNvCxnSpPr/>
+            <p:nvPr/>
+          </p:nvCxnSpPr>
+          <p:spPr>
+            <a:xfrm>
+              <a:off x="614149" y="4401223"/>
+              <a:ext cx="0" cy="505677"/>
+            </a:xfrm>
+            <a:prstGeom prst="line">
+              <a:avLst/>
+            </a:prstGeom>
+            <a:ln w="28575">
+              <a:solidFill>
+                <a:srgbClr val="0070C0"/>
+              </a:solidFill>
+            </a:ln>
+          </p:spPr>
+          <p:style>
+            <a:lnRef idx="1">
+              <a:schemeClr val="accent1"/>
+            </a:lnRef>
+            <a:fillRef idx="0">
+              <a:schemeClr val="accent1"/>
+            </a:fillRef>
+            <a:effectRef idx="0">
+              <a:schemeClr val="accent1"/>
+            </a:effectRef>
+            <a:fontRef idx="minor">
+              <a:schemeClr val="tx1"/>
+            </a:fontRef>
+          </p:style>
+        </p:cxnSp>
+        <p:cxnSp>
+          <p:nvCxnSpPr>
+            <p:cNvPr id="86" name="Straight Arrow Connector 101">
+              <a:extLst>
+                <a:ext uri="{FF2B5EF4-FFF2-40B4-BE49-F238E27FC236}">
+                  <a16:creationId xmlns:a16="http://schemas.microsoft.com/office/drawing/2014/main" id="{1A12B6FD-F223-4B0C-806B-98D267776327}"/>
+                </a:ext>
+              </a:extLst>
+            </p:cNvPr>
+            <p:cNvCxnSpPr/>
+            <p:nvPr/>
+          </p:nvCxnSpPr>
+          <p:spPr>
+            <a:xfrm>
+              <a:off x="614149" y="4908471"/>
+              <a:ext cx="484693" cy="0"/>
+            </a:xfrm>
+            <a:prstGeom prst="straightConnector1">
+              <a:avLst/>
+            </a:prstGeom>
+            <a:ln w="28575">
+              <a:solidFill>
+                <a:srgbClr val="0070C0"/>
+              </a:solidFill>
+              <a:tailEnd type="arrow"/>
+            </a:ln>
+          </p:spPr>
+          <p:style>
+            <a:lnRef idx="1">
+              <a:schemeClr val="accent1"/>
+            </a:lnRef>
+            <a:fillRef idx="0">
+              <a:schemeClr val="accent1"/>
+            </a:fillRef>
+            <a:effectRef idx="0">
+              <a:schemeClr val="accent1"/>
+            </a:effectRef>
+            <a:fontRef idx="minor">
+              <a:schemeClr val="tx1"/>
+            </a:fontRef>
+          </p:style>
+        </p:cxnSp>
+      </p:grpSp>
+      <p:sp>
+        <p:nvSpPr>
+          <p:cNvPr id="87" name="Google Shape;318;p38">
+            <a:extLst>
+              <a:ext uri="{FF2B5EF4-FFF2-40B4-BE49-F238E27FC236}">
+                <a16:creationId xmlns:a16="http://schemas.microsoft.com/office/drawing/2014/main" id="{151FB217-9B29-4A90-867E-BA07EC719018}"/>
+              </a:ext>
+            </a:extLst>
+          </p:cNvPr>
+          <p:cNvSpPr txBox="1"/>
+          <p:nvPr/>
+        </p:nvSpPr>
+        <p:spPr>
+          <a:xfrm>
+            <a:off x="3631210" y="5967237"/>
+            <a:ext cx="2367952" cy="311632"/>
+          </a:xfrm>
+          <a:prstGeom prst="rect">
+            <a:avLst/>
+          </a:prstGeom>
+          <a:noFill/>
+          <a:ln>
+            <a:noFill/>
+          </a:ln>
+        </p:spPr>
+        <p:txBody>
+          <a:bodyPr spcFirstLastPara="1" wrap="square" lIns="107269" tIns="53620" rIns="107269" bIns="53620" anchor="t" anchorCtr="0">
+            <a:noAutofit/>
+          </a:bodyPr>
+          <a:lstStyle/>
+          <a:p>
+            <a:r>
+              <a:rPr lang="es-419" sz="1400" dirty="0">
+                <a:solidFill>
+                  <a:schemeClr val="dk1"/>
+                </a:solidFill>
+                <a:latin typeface="Calibri"/>
+                <a:ea typeface="Calibri"/>
+                <a:cs typeface="Calibri"/>
+                <a:sym typeface="Calibri"/>
+              </a:rPr>
+              <a:t>update(image,</a:t>
+            </a:r>
+            <a:r>
+              <a:rPr lang="es-419" sz="1400" b="1" dirty="0">
+                <a:solidFill>
+                  <a:schemeClr val="accent6">
+                    <a:lumMod val="75000"/>
+                  </a:schemeClr>
+                </a:solidFill>
+                <a:latin typeface="Calibri"/>
+                <a:ea typeface="Calibri"/>
+                <a:cs typeface="Calibri"/>
+                <a:sym typeface="Calibri"/>
+              </a:rPr>
+              <a:t>comments</a:t>
+            </a:r>
+            <a:r>
+              <a:rPr lang="es-419" sz="1400" dirty="0">
+                <a:solidFill>
+                  <a:schemeClr val="dk1"/>
+                </a:solidFill>
+                <a:latin typeface="Calibri"/>
+                <a:ea typeface="Calibri"/>
+                <a:cs typeface="Calibri"/>
+                <a:sym typeface="Calibri"/>
+              </a:rPr>
+              <a:t>)</a:t>
+            </a:r>
+            <a:endParaRPr sz="1400" dirty="0">
+              <a:solidFill>
+                <a:schemeClr val="dk1"/>
+              </a:solidFill>
+              <a:latin typeface="Calibri"/>
+              <a:ea typeface="Calibri"/>
+              <a:cs typeface="Calibri"/>
+              <a:sym typeface="Calibri"/>
+            </a:endParaRPr>
+          </a:p>
+        </p:txBody>
+      </p:sp>
+      <p:sp>
+        <p:nvSpPr>
+          <p:cNvPr id="50" name="CasellaDiTesto 49">
+            <a:extLst>
+              <a:ext uri="{FF2B5EF4-FFF2-40B4-BE49-F238E27FC236}">
+                <a16:creationId xmlns:a16="http://schemas.microsoft.com/office/drawing/2014/main" id="{2CF61613-1D86-4C9F-BBE5-74A240D09019}"/>
+              </a:ext>
+            </a:extLst>
+          </p:cNvPr>
+          <p:cNvSpPr txBox="1"/>
+          <p:nvPr/>
+        </p:nvSpPr>
+        <p:spPr>
+          <a:xfrm>
+            <a:off x="1827977" y="1938270"/>
+            <a:ext cx="2405830" cy="523220"/>
+          </a:xfrm>
+          <a:prstGeom prst="rect">
+            <a:avLst/>
+          </a:prstGeom>
+          <a:noFill/>
+        </p:spPr>
+        <p:txBody>
+          <a:bodyPr wrap="square">
+            <a:spAutoFit/>
+          </a:bodyPr>
+          <a:lstStyle/>
+          <a:p>
+            <a:r>
+              <a:rPr lang="en-US" sz="1400" dirty="0">
+                <a:solidFill>
+                  <a:schemeClr val="dk1"/>
+                </a:solidFill>
+                <a:latin typeface="Calibri"/>
+                <a:cs typeface="Calibri"/>
+              </a:rPr>
+              <a:t>showImageDetails</a:t>
+            </a:r>
+          </a:p>
+          <a:p>
+            <a:r>
+              <a:rPr lang="en-US" sz="1400" dirty="0">
+                <a:solidFill>
+                  <a:schemeClr val="dk1"/>
+                </a:solidFill>
+                <a:latin typeface="Calibri"/>
+                <a:cs typeface="Calibri"/>
+              </a:rPr>
+              <a:t>(</a:t>
+            </a:r>
+            <a:r>
+              <a:rPr lang="en-US" sz="1400" b="1" dirty="0">
+                <a:solidFill>
+                  <a:srgbClr val="7030A0"/>
+                </a:solidFill>
+                <a:latin typeface="Calibri"/>
+                <a:cs typeface="Calibri"/>
+              </a:rPr>
+              <a:t>imageId,</a:t>
+            </a:r>
+            <a:r>
+              <a:rPr lang="it-IT" sz="1400" b="1" dirty="0">
+                <a:solidFill>
+                  <a:srgbClr val="268BD2"/>
+                </a:solidFill>
+              </a:rPr>
+              <a:t>imageEntered</a:t>
+            </a:r>
+            <a:r>
+              <a:rPr lang="en-US" sz="1400" dirty="0">
+                <a:latin typeface="Calibri"/>
+                <a:cs typeface="Calibri"/>
+              </a:rPr>
+              <a:t>);</a:t>
+            </a:r>
+            <a:endParaRPr lang="it-IT" sz="1400" dirty="0">
+              <a:latin typeface="Calibri"/>
+              <a:cs typeface="Calibri"/>
+            </a:endParaRPr>
+          </a:p>
+        </p:txBody>
+      </p:sp>
+      <p:sp>
+        <p:nvSpPr>
+          <p:cNvPr id="53" name="CasellaDiTesto 52">
+            <a:extLst>
+              <a:ext uri="{FF2B5EF4-FFF2-40B4-BE49-F238E27FC236}">
+                <a16:creationId xmlns:a16="http://schemas.microsoft.com/office/drawing/2014/main" id="{6BE1E667-30CB-45DD-B990-00BC17D48848}"/>
+              </a:ext>
+            </a:extLst>
+          </p:cNvPr>
+          <p:cNvSpPr txBox="1"/>
+          <p:nvPr/>
+        </p:nvSpPr>
+        <p:spPr>
+          <a:xfrm>
+            <a:off x="4037670" y="2258030"/>
+            <a:ext cx="1714360" cy="307777"/>
+          </a:xfrm>
+          <a:prstGeom prst="rect">
+            <a:avLst/>
+          </a:prstGeom>
+          <a:noFill/>
+        </p:spPr>
+        <p:txBody>
+          <a:bodyPr wrap="square">
+            <a:spAutoFit/>
+          </a:bodyPr>
+          <a:lstStyle/>
+          <a:p>
+            <a:r>
+              <a:rPr lang="it-IT" sz="1400" dirty="0">
+                <a:solidFill>
+                  <a:schemeClr val="dk1"/>
+                </a:solidFill>
+                <a:latin typeface="Calibri"/>
+                <a:cs typeface="Calibri"/>
+              </a:rPr>
+              <a:t>imageDetails.reset();</a:t>
+            </a:r>
+          </a:p>
+        </p:txBody>
+      </p:sp>
+      <p:sp>
+        <p:nvSpPr>
+          <p:cNvPr id="55" name="CasellaDiTesto 54">
+            <a:extLst>
+              <a:ext uri="{FF2B5EF4-FFF2-40B4-BE49-F238E27FC236}">
+                <a16:creationId xmlns:a16="http://schemas.microsoft.com/office/drawing/2014/main" id="{D357D8A4-2E13-4149-BE4D-D0C9742ED0E0}"/>
+              </a:ext>
+            </a:extLst>
+          </p:cNvPr>
+          <p:cNvSpPr txBox="1"/>
+          <p:nvPr/>
+        </p:nvSpPr>
+        <p:spPr>
+          <a:xfrm>
+            <a:off x="4055520" y="2593945"/>
+            <a:ext cx="2301589" cy="523220"/>
+          </a:xfrm>
+          <a:prstGeom prst="rect">
+            <a:avLst/>
+          </a:prstGeom>
+          <a:noFill/>
+        </p:spPr>
+        <p:txBody>
+          <a:bodyPr wrap="square">
+            <a:spAutoFit/>
+          </a:bodyPr>
+          <a:lstStyle/>
+          <a:p>
+            <a:r>
+              <a:rPr lang="it-IT" sz="1400" dirty="0">
+                <a:solidFill>
+                  <a:schemeClr val="dk1"/>
+                </a:solidFill>
+                <a:latin typeface="Calibri"/>
+                <a:cs typeface="Calibri"/>
+              </a:rPr>
+              <a:t>imageDetails.show</a:t>
+            </a:r>
+          </a:p>
+          <a:p>
+            <a:r>
+              <a:rPr lang="it-IT" sz="1400" dirty="0">
+                <a:solidFill>
+                  <a:schemeClr val="dk1"/>
+                </a:solidFill>
+                <a:latin typeface="Calibri"/>
+                <a:cs typeface="Calibri"/>
+              </a:rPr>
+              <a:t>(</a:t>
+            </a:r>
+            <a:r>
+              <a:rPr lang="it-IT" sz="1400" b="1" dirty="0">
+                <a:solidFill>
+                  <a:srgbClr val="7030A0"/>
+                </a:solidFill>
+                <a:latin typeface="Calibri"/>
+                <a:cs typeface="Calibri"/>
+              </a:rPr>
+              <a:t>imageId,</a:t>
+            </a:r>
+            <a:r>
+              <a:rPr lang="it-IT" sz="1400" b="1" dirty="0">
+                <a:solidFill>
+                  <a:srgbClr val="268BD2"/>
+                </a:solidFill>
+              </a:rPr>
+              <a:t> imageEntered</a:t>
+            </a:r>
+            <a:r>
+              <a:rPr lang="it-IT" sz="1400" dirty="0">
+                <a:solidFill>
+                  <a:schemeClr val="dk1"/>
+                </a:solidFill>
+                <a:latin typeface="Calibri"/>
+                <a:cs typeface="Calibri"/>
+              </a:rPr>
+              <a:t>);</a:t>
+            </a:r>
+          </a:p>
+        </p:txBody>
+      </p:sp>
+      <p:cxnSp>
+        <p:nvCxnSpPr>
+          <p:cNvPr id="64" name="Google Shape;320;p38">
+            <a:extLst>
+              <a:ext uri="{FF2B5EF4-FFF2-40B4-BE49-F238E27FC236}">
+                <a16:creationId xmlns:a16="http://schemas.microsoft.com/office/drawing/2014/main" id="{547A1131-AD29-4DF6-871E-6C1962C468B9}"/>
+              </a:ext>
+            </a:extLst>
+          </p:cNvPr>
+          <p:cNvCxnSpPr>
+            <a:cxnSpLocks/>
+          </p:cNvCxnSpPr>
+          <p:nvPr/>
+        </p:nvCxnSpPr>
+        <p:spPr>
+          <a:xfrm>
+            <a:off x="8679148" y="5368170"/>
+            <a:ext cx="2791298" cy="1"/>
+          </a:xfrm>
+          <a:prstGeom prst="straightConnector1">
+            <a:avLst/>
+          </a:prstGeom>
+          <a:noFill/>
+          <a:ln w="25400" cap="flat" cmpd="sng">
+            <a:solidFill>
+              <a:schemeClr val="accent1"/>
+            </a:solidFill>
+            <a:prstDash val="solid"/>
+            <a:round/>
+            <a:headEnd type="none" w="sm" len="sm"/>
+            <a:tailEnd type="stealth" w="med" len="med"/>
+          </a:ln>
+          <a:effectLst>
+            <a:outerShdw blurRad="40000" dist="20000" dir="5400000" rotWithShape="0">
+              <a:srgbClr val="000000">
+                <a:alpha val="37650"/>
+              </a:srgbClr>
+            </a:outerShdw>
+          </a:effectLst>
+        </p:spPr>
+      </p:cxnSp>
+      <p:sp>
+        <p:nvSpPr>
+          <p:cNvPr id="90" name="Google Shape;315;p38">
+            <a:extLst>
+              <a:ext uri="{FF2B5EF4-FFF2-40B4-BE49-F238E27FC236}">
+                <a16:creationId xmlns:a16="http://schemas.microsoft.com/office/drawing/2014/main" id="{1E6F4E07-4AF6-4283-B20E-8CB10A5B5465}"/>
+              </a:ext>
+            </a:extLst>
+          </p:cNvPr>
+          <p:cNvSpPr/>
+          <p:nvPr/>
+        </p:nvSpPr>
+        <p:spPr>
+          <a:xfrm>
+            <a:off x="10010614" y="701715"/>
+            <a:ext cx="1009670" cy="624557"/>
+          </a:xfrm>
+          <a:prstGeom prst="rect">
+            <a:avLst/>
+          </a:prstGeom>
+          <a:solidFill>
+            <a:schemeClr val="tx2">
+              <a:lumMod val="20000"/>
+              <a:lumOff val="80000"/>
+            </a:schemeClr>
+          </a:solidFill>
+          <a:ln w="25400" cap="flat" cmpd="sng">
+            <a:solidFill>
+              <a:schemeClr val="accent1"/>
+            </a:solidFill>
+            <a:prstDash val="solid"/>
+            <a:round/>
+            <a:headEnd type="none" w="sm" len="sm"/>
+            <a:tailEnd type="none" w="sm" len="sm"/>
+          </a:ln>
+        </p:spPr>
+        <p:txBody>
+          <a:bodyPr spcFirstLastPara="1" wrap="square" lIns="107269" tIns="53620" rIns="107269" bIns="53620" anchor="ctr" anchorCtr="0">
+            <a:noAutofit/>
+          </a:bodyPr>
+          <a:lstStyle/>
+          <a:p>
+            <a:pPr algn="ctr"/>
+            <a:r>
+              <a:rPr lang="es-419" sz="1400" dirty="0">
+                <a:solidFill>
+                  <a:schemeClr val="dk1"/>
+                </a:solidFill>
+                <a:latin typeface="Calibri"/>
+                <a:ea typeface="Calibri"/>
+                <a:cs typeface="Calibri"/>
+                <a:sym typeface="Calibri"/>
+              </a:rPr>
+              <a:t>Image</a:t>
+            </a:r>
+          </a:p>
+          <a:p>
+            <a:pPr algn="ctr"/>
+            <a:r>
+              <a:rPr lang="es-419" sz="1400" dirty="0">
+                <a:solidFill>
+                  <a:schemeClr val="dk1"/>
+                </a:solidFill>
+                <a:latin typeface="Calibri"/>
+                <a:ea typeface="Calibri"/>
+                <a:cs typeface="Calibri"/>
+                <a:sym typeface="Calibri"/>
+              </a:rPr>
+              <a:t>DAO</a:t>
+            </a:r>
+            <a:endParaRPr sz="1400" dirty="0">
+              <a:solidFill>
+                <a:schemeClr val="dk1"/>
+              </a:solidFill>
+              <a:latin typeface="Calibri"/>
+              <a:ea typeface="Calibri"/>
+              <a:cs typeface="Calibri"/>
+              <a:sym typeface="Calibri"/>
+            </a:endParaRPr>
+          </a:p>
+        </p:txBody>
+      </p:sp>
+      <p:cxnSp>
+        <p:nvCxnSpPr>
+          <p:cNvPr id="91" name="Google Shape;316;p38">
+            <a:extLst>
+              <a:ext uri="{FF2B5EF4-FFF2-40B4-BE49-F238E27FC236}">
+                <a16:creationId xmlns:a16="http://schemas.microsoft.com/office/drawing/2014/main" id="{4B8CD60E-078E-4E0E-9837-F37D7EDEE18C}"/>
+              </a:ext>
+            </a:extLst>
+          </p:cNvPr>
+          <p:cNvCxnSpPr>
+            <a:cxnSpLocks/>
+            <a:stCxn id="90" idx="2"/>
+          </p:cNvCxnSpPr>
+          <p:nvPr/>
+        </p:nvCxnSpPr>
+        <p:spPr>
+          <a:xfrm>
+            <a:off x="10515449" y="1326272"/>
+            <a:ext cx="33132" cy="5531728"/>
+          </a:xfrm>
+          <a:prstGeom prst="straightConnector1">
+            <a:avLst/>
+          </a:prstGeom>
+          <a:noFill/>
+          <a:ln w="38100" cap="flat" cmpd="sng">
+            <a:solidFill>
+              <a:schemeClr val="accent1"/>
+            </a:solidFill>
+            <a:prstDash val="dot"/>
+            <a:round/>
+            <a:headEnd type="none" w="sm" len="sm"/>
+            <a:tailEnd type="none" w="sm" len="sm"/>
+          </a:ln>
+          <a:effectLst>
+            <a:outerShdw blurRad="40000" dist="23000" dir="5400000" rotWithShape="0">
+              <a:srgbClr val="000000">
+                <a:alpha val="34900"/>
+              </a:srgbClr>
+            </a:outerShdw>
+          </a:effectLst>
+        </p:spPr>
+      </p:cxnSp>
+      <p:sp>
+        <p:nvSpPr>
+          <p:cNvPr id="40" name="Google Shape;319;p38">
+            <a:extLst>
+              <a:ext uri="{FF2B5EF4-FFF2-40B4-BE49-F238E27FC236}">
+                <a16:creationId xmlns:a16="http://schemas.microsoft.com/office/drawing/2014/main" id="{7F594FF8-D553-4E8B-B73E-B631BC62613E}"/>
+              </a:ext>
+            </a:extLst>
+          </p:cNvPr>
+          <p:cNvSpPr/>
+          <p:nvPr/>
+        </p:nvSpPr>
+        <p:spPr>
+          <a:xfrm>
+            <a:off x="10344822" y="2724008"/>
+            <a:ext cx="330200" cy="3909684"/>
+          </a:xfrm>
+          <a:prstGeom prst="rect">
+            <a:avLst/>
+          </a:prstGeom>
+          <a:solidFill>
+            <a:schemeClr val="tx2">
+              <a:lumMod val="20000"/>
+              <a:lumOff val="80000"/>
+            </a:schemeClr>
+          </a:solidFill>
+          <a:ln w="25400" cap="flat" cmpd="sng">
+            <a:solidFill>
+              <a:schemeClr val="accent1"/>
+            </a:solidFill>
+            <a:prstDash val="solid"/>
+            <a:round/>
+            <a:headEnd type="none" w="sm" len="sm"/>
+            <a:tailEnd type="none" w="sm" len="sm"/>
+          </a:ln>
+        </p:spPr>
+        <p:txBody>
+          <a:bodyPr spcFirstLastPara="1" wrap="square" lIns="107269" tIns="53620" rIns="107269" bIns="53620" anchor="ctr" anchorCtr="0">
+            <a:noAutofit/>
+          </a:bodyPr>
+          <a:lstStyle/>
+          <a:p>
+            <a:pPr algn="ctr"/>
+            <a:endParaRPr sz="2000">
+              <a:solidFill>
+                <a:schemeClr val="dk1"/>
+              </a:solidFill>
+              <a:latin typeface="Calibri"/>
+              <a:ea typeface="Calibri"/>
+              <a:cs typeface="Calibri"/>
+              <a:sym typeface="Calibri"/>
+            </a:endParaRPr>
+          </a:p>
+        </p:txBody>
+      </p:sp>
+      <p:cxnSp>
+        <p:nvCxnSpPr>
+          <p:cNvPr id="94" name="Google Shape;312;p38">
+            <a:extLst>
+              <a:ext uri="{FF2B5EF4-FFF2-40B4-BE49-F238E27FC236}">
+                <a16:creationId xmlns:a16="http://schemas.microsoft.com/office/drawing/2014/main" id="{B61A6AE2-E8B4-4E59-8D68-8F53D1914E18}"/>
+              </a:ext>
+            </a:extLst>
+          </p:cNvPr>
+          <p:cNvCxnSpPr>
+            <a:cxnSpLocks/>
+          </p:cNvCxnSpPr>
+          <p:nvPr/>
+        </p:nvCxnSpPr>
+        <p:spPr>
+          <a:xfrm>
+            <a:off x="8665519" y="3525837"/>
+            <a:ext cx="1679302" cy="0"/>
+          </a:xfrm>
+          <a:prstGeom prst="straightConnector1">
+            <a:avLst/>
+          </a:prstGeom>
+          <a:noFill/>
+          <a:ln w="25400" cap="flat" cmpd="sng">
+            <a:solidFill>
+              <a:schemeClr val="accent1"/>
+            </a:solidFill>
+            <a:prstDash val="solid"/>
+            <a:round/>
+            <a:headEnd type="none" w="sm" len="sm"/>
+            <a:tailEnd type="stealth" w="med" len="med"/>
+          </a:ln>
+          <a:effectLst>
+            <a:outerShdw blurRad="40000" dist="20000" dir="5400000" rotWithShape="0">
+              <a:srgbClr val="000000">
+                <a:alpha val="37650"/>
+              </a:srgbClr>
+            </a:outerShdw>
+          </a:effectLst>
+        </p:spPr>
+      </p:cxnSp>
+      <p:cxnSp>
+        <p:nvCxnSpPr>
+          <p:cNvPr id="96" name="Google Shape;382;p40">
+            <a:extLst>
+              <a:ext uri="{FF2B5EF4-FFF2-40B4-BE49-F238E27FC236}">
+                <a16:creationId xmlns:a16="http://schemas.microsoft.com/office/drawing/2014/main" id="{A8E88B36-44D2-49B2-8A28-B8826B74B875}"/>
+              </a:ext>
+            </a:extLst>
+          </p:cNvPr>
+          <p:cNvCxnSpPr>
+            <a:cxnSpLocks/>
+          </p:cNvCxnSpPr>
+          <p:nvPr/>
+        </p:nvCxnSpPr>
+        <p:spPr>
+          <a:xfrm>
+            <a:off x="8665519" y="4136462"/>
+            <a:ext cx="1679303" cy="0"/>
+          </a:xfrm>
+          <a:prstGeom prst="straightConnector1">
+            <a:avLst/>
+          </a:prstGeom>
+          <a:noFill/>
+          <a:ln w="25400" cap="flat" cmpd="sng">
+            <a:solidFill>
+              <a:schemeClr val="accent1"/>
+            </a:solidFill>
+            <a:prstDash val="dash"/>
+            <a:round/>
+            <a:headEnd type="arrow" w="med" len="med"/>
+            <a:tailEnd type="none" w="med" len="med"/>
+          </a:ln>
+          <a:effectLst>
+            <a:outerShdw blurRad="40000" dist="20000" dir="5400000" rotWithShape="0">
+              <a:srgbClr val="000000">
+                <a:alpha val="37650"/>
+              </a:srgbClr>
+            </a:outerShdw>
+          </a:effectLst>
+        </p:spPr>
+      </p:cxnSp>
+      <p:sp>
+        <p:nvSpPr>
+          <p:cNvPr id="84" name="Google Shape;318;p38">
+            <a:extLst>
+              <a:ext uri="{FF2B5EF4-FFF2-40B4-BE49-F238E27FC236}">
+                <a16:creationId xmlns:a16="http://schemas.microsoft.com/office/drawing/2014/main" id="{4BF4A3A4-D842-4862-AC6C-E5D465F7113F}"/>
+              </a:ext>
+            </a:extLst>
+          </p:cNvPr>
+          <p:cNvSpPr txBox="1"/>
+          <p:nvPr/>
+        </p:nvSpPr>
+        <p:spPr>
+          <a:xfrm>
+            <a:off x="8889135" y="3768369"/>
+            <a:ext cx="1309615" cy="308000"/>
+          </a:xfrm>
+          <a:prstGeom prst="rect">
+            <a:avLst/>
+          </a:prstGeom>
+          <a:noFill/>
+          <a:ln>
+            <a:noFill/>
+          </a:ln>
+        </p:spPr>
+        <p:txBody>
+          <a:bodyPr spcFirstLastPara="1" wrap="square" lIns="107269" tIns="53620" rIns="107269" bIns="53620" anchor="t" anchorCtr="0">
+            <a:noAutofit/>
+          </a:bodyPr>
+          <a:lstStyle/>
+          <a:p>
+            <a:r>
+              <a:rPr lang="es-419" sz="1400" dirty="0">
+                <a:solidFill>
+                  <a:schemeClr val="dk1"/>
+                </a:solidFill>
+                <a:latin typeface="Calibri"/>
+                <a:ea typeface="Calibri"/>
+                <a:cs typeface="Calibri"/>
+                <a:sym typeface="Calibri"/>
+              </a:rPr>
+              <a:t>TRUE || FALSE</a:t>
+            </a:r>
+          </a:p>
+        </p:txBody>
+      </p:sp>
+      <p:sp>
+        <p:nvSpPr>
+          <p:cNvPr id="15" name="Google Shape;333;p38">
+            <a:extLst>
+              <a:ext uri="{FF2B5EF4-FFF2-40B4-BE49-F238E27FC236}">
+                <a16:creationId xmlns:a16="http://schemas.microsoft.com/office/drawing/2014/main" id="{3EE7DE62-B7E2-4260-A4AB-3A3A447571E2}"/>
+              </a:ext>
+            </a:extLst>
+          </p:cNvPr>
+          <p:cNvSpPr txBox="1"/>
+          <p:nvPr/>
+        </p:nvSpPr>
+        <p:spPr>
+          <a:xfrm>
+            <a:off x="8610064" y="4369238"/>
+            <a:ext cx="2666896" cy="504365"/>
+          </a:xfrm>
+          <a:prstGeom prst="rect">
+            <a:avLst/>
+          </a:prstGeom>
+          <a:noFill/>
+          <a:ln>
+            <a:noFill/>
+          </a:ln>
+        </p:spPr>
+        <p:txBody>
+          <a:bodyPr spcFirstLastPara="1" wrap="square" lIns="107269" tIns="53620" rIns="107269" bIns="53620" anchor="t" anchorCtr="0">
+            <a:noAutofit/>
+          </a:bodyPr>
+          <a:lstStyle/>
+          <a:p>
+            <a:r>
+              <a:rPr lang="es-419" sz="1400" dirty="0">
+                <a:solidFill>
+                  <a:schemeClr val="dk1"/>
+                </a:solidFill>
+                <a:latin typeface="Calibri"/>
+                <a:ea typeface="Calibri"/>
+                <a:cs typeface="Calibri"/>
+                <a:sym typeface="Calibri"/>
+              </a:rPr>
+              <a:t>[return =True] </a:t>
+            </a:r>
+            <a:r>
+              <a:rPr lang="it-IT" sz="1400" dirty="0"/>
+              <a:t>findCommentsOfImage(</a:t>
+            </a:r>
+            <a:r>
+              <a:rPr lang="it-IT" sz="1400" b="1" dirty="0">
+                <a:solidFill>
+                  <a:srgbClr val="7030A0"/>
+                </a:solidFill>
+              </a:rPr>
+              <a:t>imageId</a:t>
+            </a:r>
+            <a:r>
+              <a:rPr lang="it-IT" sz="1400" dirty="0"/>
+              <a:t>)</a:t>
+            </a:r>
+            <a:endParaRPr sz="1400" dirty="0">
+              <a:ea typeface="Calibri"/>
+              <a:cs typeface="Calibri"/>
+              <a:sym typeface="Calibri"/>
+            </a:endParaRPr>
+          </a:p>
+        </p:txBody>
+      </p:sp>
+      <p:sp>
+        <p:nvSpPr>
+          <p:cNvPr id="66" name="CasellaDiTesto 65">
+            <a:extLst>
+              <a:ext uri="{FF2B5EF4-FFF2-40B4-BE49-F238E27FC236}">
+                <a16:creationId xmlns:a16="http://schemas.microsoft.com/office/drawing/2014/main" id="{540688D8-E614-43B8-A1A2-8051A1527F63}"/>
+              </a:ext>
+            </a:extLst>
+          </p:cNvPr>
+          <p:cNvSpPr txBox="1"/>
+          <p:nvPr/>
+        </p:nvSpPr>
+        <p:spPr>
+          <a:xfrm>
+            <a:off x="8618966" y="4864316"/>
+            <a:ext cx="2687484" cy="523220"/>
+          </a:xfrm>
+          <a:prstGeom prst="rect">
+            <a:avLst/>
+          </a:prstGeom>
+          <a:noFill/>
+        </p:spPr>
+        <p:txBody>
+          <a:bodyPr wrap="square">
+            <a:spAutoFit/>
+          </a:bodyPr>
+          <a:lstStyle/>
+          <a:p>
+            <a:r>
+              <a:rPr lang="it-IT" sz="1400" dirty="0"/>
+              <a:t>findUsernameOfComments</a:t>
+            </a:r>
+          </a:p>
+          <a:p>
+            <a:r>
+              <a:rPr lang="it-IT" sz="1400" dirty="0"/>
+              <a:t>(image.getComments());</a:t>
+            </a:r>
+          </a:p>
+        </p:txBody>
+      </p:sp>
+      <p:grpSp>
+        <p:nvGrpSpPr>
+          <p:cNvPr id="146" name="Group 61">
+            <a:extLst>
+              <a:ext uri="{FF2B5EF4-FFF2-40B4-BE49-F238E27FC236}">
+                <a16:creationId xmlns:a16="http://schemas.microsoft.com/office/drawing/2014/main" id="{7225F4F6-2ABD-4EE6-88A7-62EAB5DBFD55}"/>
+              </a:ext>
+            </a:extLst>
+          </p:cNvPr>
+          <p:cNvGrpSpPr/>
+          <p:nvPr/>
+        </p:nvGrpSpPr>
+        <p:grpSpPr>
+          <a:xfrm>
+            <a:off x="11044910" y="5519988"/>
+            <a:ext cx="484693" cy="272090"/>
+            <a:chOff x="614149" y="4401223"/>
+            <a:chExt cx="484693" cy="507248"/>
+          </a:xfrm>
+        </p:grpSpPr>
+        <p:cxnSp>
+          <p:nvCxnSpPr>
+            <p:cNvPr id="147" name="Straight Connector 51">
+              <a:extLst>
+                <a:ext uri="{FF2B5EF4-FFF2-40B4-BE49-F238E27FC236}">
+                  <a16:creationId xmlns:a16="http://schemas.microsoft.com/office/drawing/2014/main" id="{9A5F278A-4EC4-4167-ABCC-35FC3E72630A}"/>
+                </a:ext>
+              </a:extLst>
+            </p:cNvPr>
+            <p:cNvCxnSpPr/>
+            <p:nvPr/>
+          </p:nvCxnSpPr>
+          <p:spPr>
+            <a:xfrm flipH="1">
+              <a:off x="614149" y="4401223"/>
+              <a:ext cx="484693" cy="0"/>
+            </a:xfrm>
+            <a:prstGeom prst="line">
+              <a:avLst/>
+            </a:prstGeom>
+            <a:ln w="28575">
+              <a:solidFill>
+                <a:srgbClr val="0070C0"/>
+              </a:solidFill>
+            </a:ln>
+          </p:spPr>
+          <p:style>
+            <a:lnRef idx="1">
+              <a:schemeClr val="accent1"/>
+            </a:lnRef>
+            <a:fillRef idx="0">
+              <a:schemeClr val="accent1"/>
+            </a:fillRef>
+            <a:effectRef idx="0">
+              <a:schemeClr val="accent1"/>
+            </a:effectRef>
+            <a:fontRef idx="minor">
+              <a:schemeClr val="tx1"/>
+            </a:fontRef>
+          </p:style>
+        </p:cxnSp>
+        <p:cxnSp>
+          <p:nvCxnSpPr>
+            <p:cNvPr id="148" name="Straight Connector 56">
+              <a:extLst>
+                <a:ext uri="{FF2B5EF4-FFF2-40B4-BE49-F238E27FC236}">
+                  <a16:creationId xmlns:a16="http://schemas.microsoft.com/office/drawing/2014/main" id="{55FCDF73-C675-46E3-B9A8-C400C0D5CE87}"/>
+                </a:ext>
+              </a:extLst>
+            </p:cNvPr>
+            <p:cNvCxnSpPr/>
+            <p:nvPr/>
+          </p:nvCxnSpPr>
+          <p:spPr>
+            <a:xfrm>
+              <a:off x="614149" y="4401223"/>
+              <a:ext cx="0" cy="505677"/>
+            </a:xfrm>
+            <a:prstGeom prst="line">
+              <a:avLst/>
+            </a:prstGeom>
+            <a:ln w="28575">
+              <a:solidFill>
+                <a:srgbClr val="0070C0"/>
+              </a:solidFill>
+            </a:ln>
+          </p:spPr>
+          <p:style>
+            <a:lnRef idx="1">
+              <a:schemeClr val="accent1"/>
+            </a:lnRef>
+            <a:fillRef idx="0">
+              <a:schemeClr val="accent1"/>
+            </a:fillRef>
+            <a:effectRef idx="0">
+              <a:schemeClr val="accent1"/>
+            </a:effectRef>
+            <a:fontRef idx="minor">
+              <a:schemeClr val="tx1"/>
+            </a:fontRef>
+          </p:style>
+        </p:cxnSp>
+        <p:cxnSp>
+          <p:nvCxnSpPr>
+            <p:cNvPr id="149" name="Straight Arrow Connector 60">
+              <a:extLst>
+                <a:ext uri="{FF2B5EF4-FFF2-40B4-BE49-F238E27FC236}">
+                  <a16:creationId xmlns:a16="http://schemas.microsoft.com/office/drawing/2014/main" id="{9C4CC2C4-ACB6-45AF-963F-175548B42312}"/>
+                </a:ext>
+              </a:extLst>
+            </p:cNvPr>
+            <p:cNvCxnSpPr/>
+            <p:nvPr/>
+          </p:nvCxnSpPr>
+          <p:spPr>
+            <a:xfrm>
+              <a:off x="614149" y="4908471"/>
+              <a:ext cx="484693" cy="0"/>
+            </a:xfrm>
+            <a:prstGeom prst="straightConnector1">
+              <a:avLst/>
+            </a:prstGeom>
+            <a:ln w="28575">
+              <a:solidFill>
+                <a:srgbClr val="0070C0"/>
+              </a:solidFill>
+              <a:tailEnd type="arrow"/>
+            </a:ln>
+          </p:spPr>
+          <p:style>
+            <a:lnRef idx="1">
+              <a:schemeClr val="accent1"/>
+            </a:lnRef>
+            <a:fillRef idx="0">
+              <a:schemeClr val="accent1"/>
+            </a:fillRef>
+            <a:effectRef idx="0">
+              <a:schemeClr val="accent1"/>
+            </a:effectRef>
+            <a:fontRef idx="minor">
+              <a:schemeClr val="tx1"/>
+            </a:fontRef>
+          </p:style>
+        </p:cxnSp>
+      </p:grpSp>
+      <p:sp>
+        <p:nvSpPr>
+          <p:cNvPr id="151" name="CasellaDiTesto 150">
+            <a:extLst>
+              <a:ext uri="{FF2B5EF4-FFF2-40B4-BE49-F238E27FC236}">
+                <a16:creationId xmlns:a16="http://schemas.microsoft.com/office/drawing/2014/main" id="{038A066B-B7AB-4E25-8EB5-775B1A35C2B7}"/>
+              </a:ext>
+            </a:extLst>
+          </p:cNvPr>
+          <p:cNvSpPr txBox="1"/>
+          <p:nvPr/>
+        </p:nvSpPr>
+        <p:spPr>
+          <a:xfrm>
+            <a:off x="9512692" y="5495119"/>
+            <a:ext cx="1740637" cy="307777"/>
+          </a:xfrm>
+          <a:prstGeom prst="rect">
+            <a:avLst/>
+          </a:prstGeom>
+          <a:noFill/>
+        </p:spPr>
+        <p:txBody>
+          <a:bodyPr wrap="square">
+            <a:spAutoFit/>
+          </a:bodyPr>
+          <a:lstStyle/>
+          <a:p>
+            <a:r>
+              <a:rPr lang="es-419" sz="1400" b="1" dirty="0">
+                <a:latin typeface="Calibri"/>
+                <a:ea typeface="Calibri"/>
+                <a:cs typeface="Calibri"/>
+                <a:sym typeface="Calibri"/>
+              </a:rPr>
+              <a:t>Update(</a:t>
+            </a:r>
+            <a:r>
+              <a:rPr lang="es-419" sz="1400" b="1" dirty="0">
+                <a:solidFill>
+                  <a:schemeClr val="accent6">
+                    <a:lumMod val="75000"/>
+                  </a:schemeClr>
+                </a:solidFill>
+                <a:latin typeface="Calibri"/>
+                <a:ea typeface="Calibri"/>
+                <a:cs typeface="Calibri"/>
+                <a:sym typeface="Calibri"/>
+              </a:rPr>
+              <a:t>comments</a:t>
+            </a:r>
+            <a:r>
+              <a:rPr lang="es-419" sz="1400" b="1" dirty="0">
+                <a:latin typeface="Calibri"/>
+                <a:ea typeface="Calibri"/>
+                <a:cs typeface="Calibri"/>
+                <a:sym typeface="Calibri"/>
+              </a:rPr>
+              <a:t>)</a:t>
+            </a:r>
+          </a:p>
+        </p:txBody>
+      </p:sp>
+      <p:grpSp>
+        <p:nvGrpSpPr>
+          <p:cNvPr id="152" name="Group 61">
+            <a:extLst>
+              <a:ext uri="{FF2B5EF4-FFF2-40B4-BE49-F238E27FC236}">
+                <a16:creationId xmlns:a16="http://schemas.microsoft.com/office/drawing/2014/main" id="{22803C0A-D6B3-49BA-ABA3-1A5517CB2396}"/>
+              </a:ext>
+            </a:extLst>
+          </p:cNvPr>
+          <p:cNvGrpSpPr/>
+          <p:nvPr/>
+        </p:nvGrpSpPr>
+        <p:grpSpPr>
+          <a:xfrm>
+            <a:off x="1249983" y="2023212"/>
+            <a:ext cx="317956" cy="256689"/>
+            <a:chOff x="614149" y="4401223"/>
+            <a:chExt cx="484693" cy="507248"/>
+          </a:xfrm>
+        </p:grpSpPr>
+        <p:cxnSp>
+          <p:nvCxnSpPr>
+            <p:cNvPr id="153" name="Straight Connector 51">
+              <a:extLst>
+                <a:ext uri="{FF2B5EF4-FFF2-40B4-BE49-F238E27FC236}">
+                  <a16:creationId xmlns:a16="http://schemas.microsoft.com/office/drawing/2014/main" id="{3E6613F0-F27E-46EA-B9EF-7FC04A7033BA}"/>
+                </a:ext>
+              </a:extLst>
+            </p:cNvPr>
+            <p:cNvCxnSpPr/>
+            <p:nvPr/>
+          </p:nvCxnSpPr>
+          <p:spPr>
+            <a:xfrm flipH="1">
+              <a:off x="614149" y="4401223"/>
+              <a:ext cx="484693" cy="0"/>
+            </a:xfrm>
+            <a:prstGeom prst="line">
+              <a:avLst/>
+            </a:prstGeom>
+            <a:ln w="28575">
+              <a:solidFill>
+                <a:srgbClr val="0070C0"/>
+              </a:solidFill>
+            </a:ln>
+          </p:spPr>
+          <p:style>
+            <a:lnRef idx="1">
+              <a:schemeClr val="accent1"/>
+            </a:lnRef>
+            <a:fillRef idx="0">
+              <a:schemeClr val="accent1"/>
+            </a:fillRef>
+            <a:effectRef idx="0">
+              <a:schemeClr val="accent1"/>
+            </a:effectRef>
+            <a:fontRef idx="minor">
+              <a:schemeClr val="tx1"/>
+            </a:fontRef>
+          </p:style>
+        </p:cxnSp>
+        <p:cxnSp>
+          <p:nvCxnSpPr>
+            <p:cNvPr id="154" name="Straight Connector 56">
+              <a:extLst>
+                <a:ext uri="{FF2B5EF4-FFF2-40B4-BE49-F238E27FC236}">
+                  <a16:creationId xmlns:a16="http://schemas.microsoft.com/office/drawing/2014/main" id="{C8486A72-7937-4F90-8CEF-03C391444C1C}"/>
+                </a:ext>
+              </a:extLst>
+            </p:cNvPr>
+            <p:cNvCxnSpPr/>
+            <p:nvPr/>
+          </p:nvCxnSpPr>
+          <p:spPr>
+            <a:xfrm>
+              <a:off x="614149" y="4401223"/>
+              <a:ext cx="0" cy="505677"/>
+            </a:xfrm>
+            <a:prstGeom prst="line">
+              <a:avLst/>
+            </a:prstGeom>
+            <a:ln w="28575">
+              <a:solidFill>
+                <a:srgbClr val="0070C0"/>
+              </a:solidFill>
+            </a:ln>
+          </p:spPr>
+          <p:style>
+            <a:lnRef idx="1">
+              <a:schemeClr val="accent1"/>
+            </a:lnRef>
+            <a:fillRef idx="0">
+              <a:schemeClr val="accent1"/>
+            </a:fillRef>
+            <a:effectRef idx="0">
+              <a:schemeClr val="accent1"/>
+            </a:effectRef>
+            <a:fontRef idx="minor">
+              <a:schemeClr val="tx1"/>
+            </a:fontRef>
+          </p:style>
+        </p:cxnSp>
+        <p:cxnSp>
+          <p:nvCxnSpPr>
+            <p:cNvPr id="155" name="Straight Arrow Connector 60">
+              <a:extLst>
+                <a:ext uri="{FF2B5EF4-FFF2-40B4-BE49-F238E27FC236}">
+                  <a16:creationId xmlns:a16="http://schemas.microsoft.com/office/drawing/2014/main" id="{B2BFDD9C-D5B7-42AF-B083-7B92E10BE2D2}"/>
+                </a:ext>
+              </a:extLst>
+            </p:cNvPr>
+            <p:cNvCxnSpPr/>
+            <p:nvPr/>
+          </p:nvCxnSpPr>
+          <p:spPr>
+            <a:xfrm>
+              <a:off x="614149" y="4908471"/>
+              <a:ext cx="484693" cy="0"/>
+            </a:xfrm>
+            <a:prstGeom prst="straightConnector1">
+              <a:avLst/>
+            </a:prstGeom>
+            <a:ln w="28575">
+              <a:solidFill>
+                <a:srgbClr val="0070C0"/>
+              </a:solidFill>
+              <a:tailEnd type="arrow"/>
+            </a:ln>
+          </p:spPr>
+          <p:style>
+            <a:lnRef idx="1">
+              <a:schemeClr val="accent1"/>
+            </a:lnRef>
+            <a:fillRef idx="0">
+              <a:schemeClr val="accent1"/>
+            </a:fillRef>
+            <a:effectRef idx="0">
+              <a:schemeClr val="accent1"/>
+            </a:effectRef>
+            <a:fontRef idx="minor">
+              <a:schemeClr val="tx1"/>
+            </a:fontRef>
+          </p:style>
+        </p:cxnSp>
+      </p:grpSp>
+      <p:sp>
+        <p:nvSpPr>
+          <p:cNvPr id="157" name="CasellaDiTesto 156">
+            <a:extLst>
+              <a:ext uri="{FF2B5EF4-FFF2-40B4-BE49-F238E27FC236}">
+                <a16:creationId xmlns:a16="http://schemas.microsoft.com/office/drawing/2014/main" id="{C2129953-30E6-407F-864C-8D3C9B240460}"/>
+              </a:ext>
+            </a:extLst>
+          </p:cNvPr>
+          <p:cNvSpPr txBox="1"/>
+          <p:nvPr/>
+        </p:nvSpPr>
+        <p:spPr>
+          <a:xfrm>
+            <a:off x="-44040" y="1938270"/>
+            <a:ext cx="1360151" cy="738664"/>
+          </a:xfrm>
+          <a:prstGeom prst="rect">
+            <a:avLst/>
+          </a:prstGeom>
+          <a:noFill/>
+        </p:spPr>
+        <p:txBody>
+          <a:bodyPr wrap="square">
+            <a:spAutoFit/>
+          </a:bodyPr>
+          <a:lstStyle/>
+          <a:p>
+            <a:r>
+              <a:rPr lang="it-IT" sz="1400" b="1" dirty="0">
+                <a:solidFill>
+                  <a:srgbClr val="268BD2"/>
+                </a:solidFill>
+              </a:rPr>
+              <a:t>imageEntered</a:t>
+            </a:r>
+            <a:r>
+              <a:rPr lang="it-IT" sz="1400" dirty="0">
+                <a:solidFill>
+                  <a:srgbClr val="000000"/>
+                </a:solidFill>
+              </a:rPr>
+              <a:t> </a:t>
+            </a:r>
+            <a:r>
+              <a:rPr lang="it-IT" sz="1400" dirty="0">
+                <a:solidFill>
+                  <a:srgbClr val="859900"/>
+                </a:solidFill>
+              </a:rPr>
+              <a:t>=</a:t>
+            </a:r>
+            <a:r>
+              <a:rPr lang="it-IT" sz="1400" dirty="0">
+                <a:solidFill>
+                  <a:srgbClr val="000000"/>
+                </a:solidFill>
+              </a:rPr>
+              <a:t> </a:t>
+            </a:r>
+          </a:p>
+          <a:p>
+            <a:r>
+              <a:rPr lang="it-IT" sz="1400" dirty="0"/>
+              <a:t>findImageById</a:t>
+            </a:r>
+          </a:p>
+          <a:p>
+            <a:r>
+              <a:rPr lang="it-IT" sz="1400" dirty="0"/>
+              <a:t>(</a:t>
+            </a:r>
+            <a:r>
+              <a:rPr lang="it-IT" sz="1400" b="1" dirty="0">
+                <a:solidFill>
+                  <a:srgbClr val="7030A0"/>
+                </a:solidFill>
+              </a:rPr>
+              <a:t>imageId);</a:t>
+            </a:r>
+          </a:p>
+        </p:txBody>
+      </p:sp>
+    </p:spTree>
+    <p:extLst>
+      <p:ext uri="{BB962C8B-B14F-4D97-AF65-F5344CB8AC3E}">
+        <p14:creationId xmlns:p14="http://schemas.microsoft.com/office/powerpoint/2010/main" val="3114659120"/>
+      </p:ext>
+    </p:extLst>
+  </p:cSld>
+  <p:clrMapOvr>
+    <a:masterClrMapping/>
+  </p:clrMapOvr>
+</p:sld>
+</file>
+
+<file path=ppt/slides/slide18.xml><?xml version="1.0" encoding="utf-8"?>
+<p:sld xmlns:a="http://schemas.openxmlformats.org/drawingml/2006/main" xmlns:r="http://schemas.openxmlformats.org/officeDocument/2006/relationships" xmlns:p="http://schemas.openxmlformats.org/presentationml/2006/main">
+  <p:cSld>
+    <p:spTree>
+      <p:nvGrpSpPr>
+        <p:cNvPr id="1" name="Shape 308"/>
+        <p:cNvGrpSpPr/>
+        <p:nvPr/>
+      </p:nvGrpSpPr>
+      <p:grpSpPr>
+        <a:xfrm>
+          <a:off x="0" y="0"/>
+          <a:ext cx="0" cy="0"/>
+          <a:chOff x="0" y="0"/>
+          <a:chExt cx="0" cy="0"/>
+        </a:xfrm>
+      </p:grpSpPr>
+      <p:cxnSp>
+        <p:nvCxnSpPr>
+          <p:cNvPr id="114" name="Straight Connector 52">
+            <a:extLst>
+              <a:ext uri="{FF2B5EF4-FFF2-40B4-BE49-F238E27FC236}">
+                <a16:creationId xmlns:a16="http://schemas.microsoft.com/office/drawing/2014/main" id="{E458B794-4394-4BDD-ABF7-09FF0C03CE75}"/>
+              </a:ext>
+            </a:extLst>
+          </p:cNvPr>
+          <p:cNvCxnSpPr>
+            <a:cxnSpLocks/>
+            <a:stCxn id="33" idx="2"/>
+          </p:cNvCxnSpPr>
+          <p:nvPr/>
+        </p:nvCxnSpPr>
+        <p:spPr>
+          <a:xfrm>
+            <a:off x="11482361" y="1373087"/>
+            <a:ext cx="0" cy="5484913"/>
+          </a:xfrm>
+          <a:prstGeom prst="line">
+            <a:avLst/>
+          </a:prstGeom>
+          <a:noFill/>
+          <a:ln w="38100" cap="flat" cmpd="sng">
+            <a:solidFill>
+              <a:schemeClr val="accent1"/>
+            </a:solidFill>
+            <a:prstDash val="dot"/>
+            <a:round/>
+            <a:headEnd type="none" w="sm" len="sm"/>
+            <a:tailEnd type="none" w="sm" len="sm"/>
+          </a:ln>
+          <a:effectLst>
+            <a:outerShdw blurRad="40000" dist="23000" dir="5400000" rotWithShape="0">
+              <a:srgbClr val="000000">
+                <a:alpha val="34901"/>
+              </a:srgbClr>
+            </a:outerShdw>
+          </a:effectLst>
+        </p:spPr>
+      </p:cxnSp>
+      <p:cxnSp>
+        <p:nvCxnSpPr>
+          <p:cNvPr id="70" name="Google Shape;286;p37">
+            <a:extLst>
+              <a:ext uri="{FF2B5EF4-FFF2-40B4-BE49-F238E27FC236}">
+                <a16:creationId xmlns:a16="http://schemas.microsoft.com/office/drawing/2014/main" id="{2650426E-C3FC-4938-A48B-E3E03151D437}"/>
+              </a:ext>
+            </a:extLst>
+          </p:cNvPr>
+          <p:cNvCxnSpPr>
+            <a:cxnSpLocks/>
+            <a:stCxn id="310" idx="2"/>
+          </p:cNvCxnSpPr>
+          <p:nvPr/>
+        </p:nvCxnSpPr>
+        <p:spPr>
+          <a:xfrm>
+            <a:off x="7569297" y="1367383"/>
+            <a:ext cx="27987" cy="5337727"/>
+          </a:xfrm>
+          <a:prstGeom prst="straightConnector1">
+            <a:avLst/>
+          </a:prstGeom>
+          <a:noFill/>
+          <a:ln w="38100" cap="flat" cmpd="sng">
+            <a:solidFill>
+              <a:schemeClr val="accent1"/>
+            </a:solidFill>
+            <a:prstDash val="dot"/>
+            <a:round/>
+            <a:headEnd type="none" w="sm" len="sm"/>
+            <a:tailEnd type="none" w="sm" len="sm"/>
+          </a:ln>
+          <a:effectLst>
+            <a:outerShdw blurRad="40000" dist="23000" dir="5400000" rotWithShape="0">
+              <a:srgbClr val="000000">
+                <a:alpha val="34901"/>
+              </a:srgbClr>
+            </a:outerShdw>
+          </a:effectLst>
+        </p:spPr>
+      </p:cxnSp>
+      <p:sp>
+        <p:nvSpPr>
+          <p:cNvPr id="309" name="Google Shape;309;p38"/>
+          <p:cNvSpPr txBox="1">
+            <a:spLocks noGrp="1"/>
+          </p:cNvSpPr>
+          <p:nvPr>
+            <p:ph type="title"/>
+          </p:nvPr>
+        </p:nvSpPr>
+        <p:spPr>
+          <a:xfrm>
+            <a:off x="568685" y="25766"/>
+            <a:ext cx="8621968" cy="555655"/>
+          </a:xfrm>
+          <a:prstGeom prst="rect">
+            <a:avLst/>
+          </a:prstGeom>
+          <a:noFill/>
+          <a:ln>
+            <a:noFill/>
+          </a:ln>
+        </p:spPr>
+        <p:txBody>
+          <a:bodyPr spcFirstLastPara="1" vert="horz" wrap="square" lIns="107269" tIns="53620" rIns="107269" bIns="53620" rtlCol="0" anchor="ctr" anchorCtr="0">
+            <a:noAutofit/>
+          </a:bodyPr>
+          <a:lstStyle/>
+          <a:p>
+            <a:pPr>
+              <a:buSzPts val="4400"/>
+            </a:pPr>
+            <a:r>
+              <a:rPr lang="es-419" dirty="0"/>
+              <a:t>Evento: creation of new comment</a:t>
+            </a:r>
+            <a:endParaRPr dirty="0"/>
+          </a:p>
+        </p:txBody>
+      </p:sp>
+      <p:sp>
+        <p:nvSpPr>
+          <p:cNvPr id="310" name="Google Shape;310;p38"/>
+          <p:cNvSpPr/>
+          <p:nvPr/>
+        </p:nvSpPr>
+        <p:spPr>
+          <a:xfrm>
+            <a:off x="7041484" y="705259"/>
+            <a:ext cx="1055625" cy="662124"/>
+          </a:xfrm>
+          <a:prstGeom prst="rect">
+            <a:avLst/>
+          </a:prstGeom>
+          <a:solidFill>
+            <a:schemeClr val="tx2">
+              <a:lumMod val="20000"/>
+              <a:lumOff val="80000"/>
+            </a:schemeClr>
+          </a:solidFill>
+          <a:ln w="25400" cap="flat" cmpd="sng">
+            <a:solidFill>
+              <a:schemeClr val="accent1"/>
+            </a:solidFill>
+            <a:prstDash val="solid"/>
+            <a:round/>
+            <a:headEnd type="none" w="sm" len="sm"/>
+            <a:tailEnd type="none" w="sm" len="sm"/>
+          </a:ln>
+        </p:spPr>
+        <p:txBody>
+          <a:bodyPr spcFirstLastPara="1" wrap="square" lIns="107269" tIns="53620" rIns="107269" bIns="53620" anchor="ctr" anchorCtr="0">
+            <a:noAutofit/>
+          </a:bodyPr>
+          <a:lstStyle/>
+          <a:p>
+            <a:pPr algn="ctr"/>
+            <a:r>
+              <a:rPr lang="es-419" sz="1400" dirty="0">
+                <a:solidFill>
+                  <a:schemeClr val="dk1"/>
+                </a:solidFill>
+                <a:latin typeface="Calibri"/>
+                <a:ea typeface="Calibri"/>
+                <a:cs typeface="Calibri"/>
+                <a:sym typeface="Calibri"/>
+              </a:rPr>
+              <a:t>GetImagesOfAlbum</a:t>
+            </a:r>
+            <a:endParaRPr sz="2000" dirty="0">
+              <a:solidFill>
+                <a:schemeClr val="dk1"/>
+              </a:solidFill>
+              <a:latin typeface="Calibri"/>
+              <a:ea typeface="Calibri"/>
+              <a:cs typeface="Calibri"/>
+              <a:sym typeface="Calibri"/>
+            </a:endParaRPr>
+          </a:p>
+        </p:txBody>
+      </p:sp>
+      <p:sp>
+        <p:nvSpPr>
+          <p:cNvPr id="314" name="Google Shape;314;p38"/>
+          <p:cNvSpPr/>
+          <p:nvPr/>
+        </p:nvSpPr>
+        <p:spPr>
+          <a:xfrm>
+            <a:off x="7393296" y="1927280"/>
+            <a:ext cx="352002" cy="3927238"/>
+          </a:xfrm>
+          <a:prstGeom prst="rect">
+            <a:avLst/>
+          </a:prstGeom>
+          <a:solidFill>
+            <a:schemeClr val="tx2">
+              <a:lumMod val="20000"/>
+              <a:lumOff val="80000"/>
+            </a:schemeClr>
+          </a:solidFill>
+          <a:ln w="25400" cap="flat" cmpd="sng">
+            <a:solidFill>
+              <a:schemeClr val="accent1"/>
+            </a:solidFill>
+            <a:prstDash val="solid"/>
+            <a:round/>
+            <a:headEnd type="none" w="sm" len="sm"/>
+            <a:tailEnd type="none" w="sm" len="sm"/>
+          </a:ln>
+        </p:spPr>
+        <p:txBody>
+          <a:bodyPr spcFirstLastPara="1" wrap="square" lIns="107269" tIns="53620" rIns="107269" bIns="53620" anchor="ctr" anchorCtr="0">
+            <a:noAutofit/>
+          </a:bodyPr>
+          <a:lstStyle/>
+          <a:p>
+            <a:pPr algn="ctr"/>
+            <a:endParaRPr sz="2000">
+              <a:solidFill>
+                <a:schemeClr val="dk1"/>
+              </a:solidFill>
+              <a:latin typeface="Calibri"/>
+              <a:ea typeface="Calibri"/>
+              <a:cs typeface="Calibri"/>
+              <a:sym typeface="Calibri"/>
+            </a:endParaRPr>
+          </a:p>
+        </p:txBody>
+      </p:sp>
+      <p:cxnSp>
+        <p:nvCxnSpPr>
+          <p:cNvPr id="65" name="Google Shape;275;p37"/>
+          <p:cNvCxnSpPr>
+            <a:cxnSpLocks/>
+          </p:cNvCxnSpPr>
+          <p:nvPr/>
+        </p:nvCxnSpPr>
+        <p:spPr>
+          <a:xfrm>
+            <a:off x="1592562" y="2218838"/>
+            <a:ext cx="1636424" cy="0"/>
+          </a:xfrm>
+          <a:prstGeom prst="straightConnector1">
+            <a:avLst/>
+          </a:prstGeom>
+          <a:noFill/>
+          <a:ln w="25400" cap="flat" cmpd="sng">
+            <a:solidFill>
+              <a:schemeClr val="accent1"/>
+            </a:solidFill>
+            <a:prstDash val="solid"/>
+            <a:round/>
+            <a:headEnd type="none" w="sm" len="sm"/>
+            <a:tailEnd type="stealth" w="med" len="med"/>
+          </a:ln>
+          <a:effectLst>
+            <a:outerShdw blurRad="40000" dist="20000" dir="5400000" rotWithShape="0">
+              <a:srgbClr val="000000">
+                <a:alpha val="37647"/>
+              </a:srgbClr>
+            </a:outerShdw>
+          </a:effectLst>
+        </p:spPr>
+      </p:cxnSp>
+      <p:cxnSp>
+        <p:nvCxnSpPr>
+          <p:cNvPr id="73" name="Straight Connector 72"/>
+          <p:cNvCxnSpPr>
+            <a:cxnSpLocks/>
+          </p:cNvCxnSpPr>
+          <p:nvPr/>
+        </p:nvCxnSpPr>
+        <p:spPr>
+          <a:xfrm>
+            <a:off x="1375230" y="1370247"/>
+            <a:ext cx="0" cy="5487753"/>
+          </a:xfrm>
+          <a:prstGeom prst="line">
+            <a:avLst/>
+          </a:prstGeom>
+          <a:noFill/>
+          <a:ln w="38100" cap="flat" cmpd="sng">
+            <a:solidFill>
+              <a:schemeClr val="accent1"/>
+            </a:solidFill>
+            <a:prstDash val="dot"/>
+            <a:round/>
+            <a:headEnd type="none" w="sm" len="sm"/>
+            <a:tailEnd type="none" w="sm" len="sm"/>
+          </a:ln>
+          <a:effectLst>
+            <a:outerShdw blurRad="40000" dist="23000" dir="5400000" rotWithShape="0">
+              <a:srgbClr val="000000">
+                <a:alpha val="34901"/>
+              </a:srgbClr>
+            </a:outerShdw>
+          </a:effectLst>
+        </p:spPr>
+      </p:cxnSp>
+      <p:sp>
+        <p:nvSpPr>
+          <p:cNvPr id="74" name="Google Shape;290;p37"/>
+          <p:cNvSpPr/>
+          <p:nvPr/>
+        </p:nvSpPr>
+        <p:spPr>
+          <a:xfrm>
+            <a:off x="802436" y="704557"/>
+            <a:ext cx="1168361" cy="651379"/>
+          </a:xfrm>
+          <a:prstGeom prst="rect">
+            <a:avLst/>
+          </a:prstGeom>
+          <a:solidFill>
+            <a:schemeClr val="lt1"/>
+          </a:solidFill>
+          <a:ln w="25400" cap="flat" cmpd="sng">
+            <a:solidFill>
+              <a:schemeClr val="accent1"/>
+            </a:solidFill>
+            <a:prstDash val="solid"/>
+            <a:round/>
+            <a:headEnd type="none" w="sm" len="sm"/>
+            <a:tailEnd type="none" w="sm" len="sm"/>
+          </a:ln>
+        </p:spPr>
+        <p:txBody>
+          <a:bodyPr spcFirstLastPara="1" wrap="square" lIns="107269" tIns="53620" rIns="107269" bIns="53620" anchor="ctr" anchorCtr="0">
+            <a:noAutofit/>
+          </a:bodyPr>
+          <a:lstStyle/>
+          <a:p>
+            <a:pPr algn="ctr"/>
+            <a:r>
+              <a:rPr lang="es-419" sz="1400" dirty="0">
+                <a:solidFill>
+                  <a:schemeClr val="dk1"/>
+                </a:solidFill>
+                <a:latin typeface="Calibri"/>
+                <a:ea typeface="Calibri"/>
+                <a:cs typeface="Calibri"/>
+                <a:sym typeface="Calibri"/>
+              </a:rPr>
+              <a:t>Comment Form</a:t>
+            </a:r>
+            <a:endParaRPr sz="1400" dirty="0">
+              <a:solidFill>
+                <a:schemeClr val="dk1"/>
+              </a:solidFill>
+              <a:latin typeface="Calibri"/>
+              <a:ea typeface="Calibri"/>
+              <a:cs typeface="Calibri"/>
+              <a:sym typeface="Calibri"/>
+            </a:endParaRPr>
+          </a:p>
+        </p:txBody>
+      </p:sp>
+      <p:sp>
+        <p:nvSpPr>
+          <p:cNvPr id="75" name="Google Shape;292;p37"/>
+          <p:cNvSpPr/>
+          <p:nvPr/>
+        </p:nvSpPr>
+        <p:spPr>
+          <a:xfrm>
+            <a:off x="1204172" y="1595254"/>
+            <a:ext cx="342116" cy="4964159"/>
+          </a:xfrm>
+          <a:prstGeom prst="rect">
+            <a:avLst/>
+          </a:prstGeom>
+          <a:solidFill>
+            <a:schemeClr val="lt1"/>
+          </a:solidFill>
+          <a:ln w="25400" cap="flat" cmpd="sng">
+            <a:solidFill>
+              <a:schemeClr val="accent1"/>
+            </a:solidFill>
+            <a:prstDash val="solid"/>
+            <a:round/>
+            <a:headEnd type="none" w="sm" len="sm"/>
+            <a:tailEnd type="none" w="sm" len="sm"/>
+          </a:ln>
+        </p:spPr>
+        <p:txBody>
+          <a:bodyPr spcFirstLastPara="1" wrap="square" lIns="107269" tIns="53620" rIns="107269" bIns="53620" anchor="ctr" anchorCtr="0">
+            <a:noAutofit/>
+          </a:bodyPr>
+          <a:lstStyle/>
+          <a:p>
+            <a:pPr algn="ctr"/>
+            <a:endParaRPr sz="2100">
+              <a:solidFill>
+                <a:schemeClr val="dk1"/>
+              </a:solidFill>
+              <a:latin typeface="Calibri"/>
+              <a:ea typeface="Calibri"/>
+              <a:cs typeface="Calibri"/>
+              <a:sym typeface="Calibri"/>
+            </a:endParaRPr>
+          </a:p>
+        </p:txBody>
+      </p:sp>
+      <p:sp>
+        <p:nvSpPr>
+          <p:cNvPr id="88" name="Google Shape;294;p37"/>
+          <p:cNvSpPr txBox="1"/>
+          <p:nvPr/>
+        </p:nvSpPr>
+        <p:spPr>
+          <a:xfrm>
+            <a:off x="36224" y="1479072"/>
+            <a:ext cx="1102732" cy="449165"/>
+          </a:xfrm>
+          <a:prstGeom prst="rect">
+            <a:avLst/>
+          </a:prstGeom>
+          <a:noFill/>
+          <a:ln>
+            <a:noFill/>
+          </a:ln>
+        </p:spPr>
+        <p:txBody>
+          <a:bodyPr spcFirstLastPara="1" wrap="square" lIns="107269" tIns="53620" rIns="107269" bIns="53620" anchor="t" anchorCtr="0">
+            <a:noAutofit/>
+          </a:bodyPr>
+          <a:lstStyle/>
+          <a:p>
+            <a:r>
+              <a:rPr lang="it-IT" sz="1400" dirty="0">
+                <a:solidFill>
+                  <a:schemeClr val="dk1"/>
+                </a:solidFill>
+                <a:latin typeface="Calibri"/>
+                <a:ea typeface="Calibri"/>
+                <a:cs typeface="Calibri"/>
+                <a:sym typeface="Calibri"/>
+              </a:rPr>
+              <a:t>Click submit comment button</a:t>
+            </a:r>
+            <a:endParaRPr dirty="0">
+              <a:solidFill>
+                <a:schemeClr val="dk1"/>
+              </a:solidFill>
+              <a:latin typeface="Calibri"/>
+              <a:ea typeface="Calibri"/>
+              <a:cs typeface="Calibri"/>
+              <a:sym typeface="Calibri"/>
+            </a:endParaRPr>
+          </a:p>
+        </p:txBody>
+      </p:sp>
+      <p:cxnSp>
+        <p:nvCxnSpPr>
+          <p:cNvPr id="89" name="Straight Arrow Connector 88"/>
+          <p:cNvCxnSpPr/>
+          <p:nvPr/>
+        </p:nvCxnSpPr>
+        <p:spPr>
+          <a:xfrm>
+            <a:off x="870184" y="1823475"/>
+            <a:ext cx="336277" cy="0"/>
+          </a:xfrm>
+          <a:prstGeom prst="straightConnector1">
+            <a:avLst/>
+          </a:prstGeom>
+          <a:noFill/>
+          <a:ln w="25400" cap="flat" cmpd="sng">
+            <a:solidFill>
+              <a:schemeClr val="accent1"/>
+            </a:solidFill>
+            <a:prstDash val="solid"/>
+            <a:round/>
+            <a:headEnd type="none" w="sm" len="sm"/>
+            <a:tailEnd type="stealth" w="med" len="med"/>
+          </a:ln>
+          <a:effectLst>
+            <a:outerShdw blurRad="40000" dist="20000" dir="5400000" rotWithShape="0">
+              <a:srgbClr val="000000">
+                <a:alpha val="37647"/>
+              </a:srgbClr>
+            </a:outerShdw>
+          </a:effectLst>
+        </p:spPr>
+      </p:cxnSp>
+      <p:cxnSp>
+        <p:nvCxnSpPr>
+          <p:cNvPr id="48" name="Google Shape;275;p37">
+            <a:extLst>
+              <a:ext uri="{FF2B5EF4-FFF2-40B4-BE49-F238E27FC236}">
+                <a16:creationId xmlns:a16="http://schemas.microsoft.com/office/drawing/2014/main" id="{21F9333F-2C6A-4F45-859A-AD405DBAF00B}"/>
+              </a:ext>
+            </a:extLst>
+          </p:cNvPr>
+          <p:cNvCxnSpPr>
+            <a:cxnSpLocks/>
+          </p:cNvCxnSpPr>
+          <p:nvPr/>
+        </p:nvCxnSpPr>
+        <p:spPr>
+          <a:xfrm>
+            <a:off x="3645374" y="4035895"/>
+            <a:ext cx="3725810" cy="0"/>
+          </a:xfrm>
+          <a:prstGeom prst="straightConnector1">
+            <a:avLst/>
+          </a:prstGeom>
+          <a:noFill/>
+          <a:ln w="25400" cap="flat" cmpd="sng">
+            <a:solidFill>
+              <a:schemeClr val="accent1"/>
+            </a:solidFill>
+            <a:prstDash val="solid"/>
+            <a:round/>
+            <a:headEnd type="none" w="sm" len="sm"/>
+            <a:tailEnd type="stealth" w="med" len="med"/>
+          </a:ln>
+          <a:effectLst>
+            <a:outerShdw blurRad="40000" dist="20000" dir="5400000" rotWithShape="0">
+              <a:srgbClr val="000000">
+                <a:alpha val="37647"/>
+              </a:srgbClr>
+            </a:outerShdw>
+          </a:effectLst>
+        </p:spPr>
+      </p:cxnSp>
+      <p:sp>
+        <p:nvSpPr>
+          <p:cNvPr id="50" name="Google Shape;310;p38">
+            <a:extLst>
+              <a:ext uri="{FF2B5EF4-FFF2-40B4-BE49-F238E27FC236}">
+                <a16:creationId xmlns:a16="http://schemas.microsoft.com/office/drawing/2014/main" id="{38BD2229-29A3-4A49-AB84-BC817627CC38}"/>
+              </a:ext>
+            </a:extLst>
+          </p:cNvPr>
+          <p:cNvSpPr/>
+          <p:nvPr/>
+        </p:nvSpPr>
+        <p:spPr>
+          <a:xfrm>
+            <a:off x="2757943" y="705259"/>
+            <a:ext cx="1426102" cy="662124"/>
+          </a:xfrm>
+          <a:prstGeom prst="rect">
+            <a:avLst/>
+          </a:prstGeom>
+          <a:solidFill>
+            <a:schemeClr val="tx2">
+              <a:lumMod val="20000"/>
+              <a:lumOff val="80000"/>
+            </a:schemeClr>
+          </a:solidFill>
+          <a:ln w="25400" cap="flat" cmpd="sng">
+            <a:solidFill>
+              <a:schemeClr val="accent1"/>
+            </a:solidFill>
+            <a:prstDash val="solid"/>
+            <a:round/>
+            <a:headEnd type="none" w="sm" len="sm"/>
+            <a:tailEnd type="none" w="sm" len="sm"/>
+          </a:ln>
+        </p:spPr>
+        <p:txBody>
+          <a:bodyPr spcFirstLastPara="1" wrap="square" lIns="107269" tIns="53620" rIns="107269" bIns="53620" anchor="ctr" anchorCtr="0">
+            <a:noAutofit/>
+          </a:bodyPr>
+          <a:lstStyle/>
+          <a:p>
+            <a:pPr algn="ctr"/>
+            <a:r>
+              <a:rPr lang="es-419" sz="1400" dirty="0">
+                <a:solidFill>
+                  <a:schemeClr val="dk1"/>
+                </a:solidFill>
+                <a:latin typeface="Calibri"/>
+                <a:ea typeface="Calibri"/>
+                <a:cs typeface="Calibri"/>
+                <a:sym typeface="Calibri"/>
+              </a:rPr>
+              <a:t>CreateComment</a:t>
+            </a:r>
+            <a:endParaRPr sz="2000" dirty="0">
+              <a:solidFill>
+                <a:schemeClr val="dk1"/>
+              </a:solidFill>
+              <a:latin typeface="Calibri"/>
+              <a:ea typeface="Calibri"/>
+              <a:cs typeface="Calibri"/>
+              <a:sym typeface="Calibri"/>
+            </a:endParaRPr>
+          </a:p>
+        </p:txBody>
+      </p:sp>
+      <p:cxnSp>
+        <p:nvCxnSpPr>
+          <p:cNvPr id="53" name="Google Shape;311;p38">
+            <a:extLst>
+              <a:ext uri="{FF2B5EF4-FFF2-40B4-BE49-F238E27FC236}">
+                <a16:creationId xmlns:a16="http://schemas.microsoft.com/office/drawing/2014/main" id="{62A28226-819F-4E93-B028-5E0D641471A7}"/>
+              </a:ext>
+            </a:extLst>
+          </p:cNvPr>
+          <p:cNvCxnSpPr>
+            <a:cxnSpLocks/>
+            <a:stCxn id="50" idx="2"/>
+          </p:cNvCxnSpPr>
+          <p:nvPr/>
+        </p:nvCxnSpPr>
+        <p:spPr>
+          <a:xfrm>
+            <a:off x="3470994" y="1367383"/>
+            <a:ext cx="0" cy="5490617"/>
+          </a:xfrm>
+          <a:prstGeom prst="straightConnector1">
+            <a:avLst/>
+          </a:prstGeom>
+          <a:noFill/>
+          <a:ln w="38100" cap="flat" cmpd="sng">
+            <a:solidFill>
+              <a:schemeClr val="accent1"/>
+            </a:solidFill>
+            <a:prstDash val="dot"/>
+            <a:round/>
+            <a:headEnd type="none" w="sm" len="sm"/>
+            <a:tailEnd type="none" w="sm" len="sm"/>
+          </a:ln>
+          <a:effectLst>
+            <a:outerShdw blurRad="40000" dist="23000" dir="5400000" rotWithShape="0">
+              <a:srgbClr val="000000">
+                <a:alpha val="34900"/>
+              </a:srgbClr>
+            </a:outerShdw>
+          </a:effectLst>
+        </p:spPr>
+      </p:cxnSp>
+      <p:sp>
+        <p:nvSpPr>
+          <p:cNvPr id="55" name="Google Shape;314;p38">
+            <a:extLst>
+              <a:ext uri="{FF2B5EF4-FFF2-40B4-BE49-F238E27FC236}">
+                <a16:creationId xmlns:a16="http://schemas.microsoft.com/office/drawing/2014/main" id="{77897868-22B5-463D-806E-F89851ED8600}"/>
+              </a:ext>
+            </a:extLst>
+          </p:cNvPr>
+          <p:cNvSpPr/>
+          <p:nvPr/>
+        </p:nvSpPr>
+        <p:spPr>
+          <a:xfrm>
+            <a:off x="3293372" y="1927280"/>
+            <a:ext cx="352002" cy="4039274"/>
+          </a:xfrm>
+          <a:prstGeom prst="rect">
+            <a:avLst/>
+          </a:prstGeom>
+          <a:solidFill>
+            <a:schemeClr val="tx2">
+              <a:lumMod val="20000"/>
+              <a:lumOff val="80000"/>
+            </a:schemeClr>
+          </a:solidFill>
+          <a:ln w="25400" cap="flat" cmpd="sng">
+            <a:solidFill>
+              <a:schemeClr val="accent1"/>
+            </a:solidFill>
+            <a:prstDash val="solid"/>
+            <a:round/>
+            <a:headEnd type="none" w="sm" len="sm"/>
+            <a:tailEnd type="none" w="sm" len="sm"/>
+          </a:ln>
+        </p:spPr>
+        <p:txBody>
+          <a:bodyPr spcFirstLastPara="1" wrap="square" lIns="107269" tIns="53620" rIns="107269" bIns="53620" anchor="ctr" anchorCtr="0">
+            <a:noAutofit/>
+          </a:bodyPr>
+          <a:lstStyle/>
+          <a:p>
+            <a:pPr algn="ctr"/>
+            <a:endParaRPr sz="2000">
+              <a:solidFill>
+                <a:schemeClr val="dk1"/>
+              </a:solidFill>
+              <a:latin typeface="Calibri"/>
+              <a:ea typeface="Calibri"/>
+              <a:cs typeface="Calibri"/>
+              <a:sym typeface="Calibri"/>
+            </a:endParaRPr>
+          </a:p>
+        </p:txBody>
+      </p:sp>
+      <p:grpSp>
+        <p:nvGrpSpPr>
+          <p:cNvPr id="63" name="Group 94">
+            <a:extLst>
+              <a:ext uri="{FF2B5EF4-FFF2-40B4-BE49-F238E27FC236}">
+                <a16:creationId xmlns:a16="http://schemas.microsoft.com/office/drawing/2014/main" id="{E638E4F6-E925-4F8F-909A-6D16BFD86A31}"/>
+              </a:ext>
+            </a:extLst>
+          </p:cNvPr>
+          <p:cNvGrpSpPr/>
+          <p:nvPr/>
+        </p:nvGrpSpPr>
+        <p:grpSpPr>
+          <a:xfrm>
+            <a:off x="2950512" y="3070294"/>
+            <a:ext cx="342860" cy="274359"/>
+            <a:chOff x="614149" y="4401223"/>
+            <a:chExt cx="484693" cy="507248"/>
+          </a:xfrm>
+        </p:grpSpPr>
+        <p:cxnSp>
+          <p:nvCxnSpPr>
+            <p:cNvPr id="64" name="Straight Connector 99">
+              <a:extLst>
+                <a:ext uri="{FF2B5EF4-FFF2-40B4-BE49-F238E27FC236}">
+                  <a16:creationId xmlns:a16="http://schemas.microsoft.com/office/drawing/2014/main" id="{03F52105-0083-419D-BD20-3BA6757E7BE6}"/>
+                </a:ext>
+              </a:extLst>
+            </p:cNvPr>
+            <p:cNvCxnSpPr/>
+            <p:nvPr/>
+          </p:nvCxnSpPr>
+          <p:spPr>
+            <a:xfrm flipH="1">
+              <a:off x="614149" y="4401223"/>
+              <a:ext cx="484693" cy="0"/>
+            </a:xfrm>
+            <a:prstGeom prst="line">
+              <a:avLst/>
+            </a:prstGeom>
+            <a:ln w="28575">
+              <a:solidFill>
+                <a:srgbClr val="0070C0"/>
+              </a:solidFill>
+            </a:ln>
+          </p:spPr>
+          <p:style>
+            <a:lnRef idx="1">
+              <a:schemeClr val="accent1"/>
+            </a:lnRef>
+            <a:fillRef idx="0">
+              <a:schemeClr val="accent1"/>
+            </a:fillRef>
+            <a:effectRef idx="0">
+              <a:schemeClr val="accent1"/>
+            </a:effectRef>
+            <a:fontRef idx="minor">
+              <a:schemeClr val="tx1"/>
+            </a:fontRef>
+          </p:style>
+        </p:cxnSp>
+        <p:cxnSp>
+          <p:nvCxnSpPr>
+            <p:cNvPr id="66" name="Straight Connector 100">
+              <a:extLst>
+                <a:ext uri="{FF2B5EF4-FFF2-40B4-BE49-F238E27FC236}">
+                  <a16:creationId xmlns:a16="http://schemas.microsoft.com/office/drawing/2014/main" id="{4EE59BA2-B798-4A33-B7BC-ACE58ACA140A}"/>
+                </a:ext>
+              </a:extLst>
+            </p:cNvPr>
+            <p:cNvCxnSpPr/>
+            <p:nvPr/>
+          </p:nvCxnSpPr>
+          <p:spPr>
+            <a:xfrm>
+              <a:off x="614149" y="4401223"/>
+              <a:ext cx="0" cy="505677"/>
+            </a:xfrm>
+            <a:prstGeom prst="line">
+              <a:avLst/>
+            </a:prstGeom>
+            <a:ln w="28575">
+              <a:solidFill>
+                <a:srgbClr val="0070C0"/>
+              </a:solidFill>
+            </a:ln>
+          </p:spPr>
+          <p:style>
+            <a:lnRef idx="1">
+              <a:schemeClr val="accent1"/>
+            </a:lnRef>
+            <a:fillRef idx="0">
+              <a:schemeClr val="accent1"/>
+            </a:fillRef>
+            <a:effectRef idx="0">
+              <a:schemeClr val="accent1"/>
+            </a:effectRef>
+            <a:fontRef idx="minor">
+              <a:schemeClr val="tx1"/>
+            </a:fontRef>
+          </p:style>
+        </p:cxnSp>
+        <p:cxnSp>
+          <p:nvCxnSpPr>
+            <p:cNvPr id="67" name="Straight Arrow Connector 101">
+              <a:extLst>
+                <a:ext uri="{FF2B5EF4-FFF2-40B4-BE49-F238E27FC236}">
+                  <a16:creationId xmlns:a16="http://schemas.microsoft.com/office/drawing/2014/main" id="{64E60B7F-94AC-4430-B9CC-80F76D6C13BF}"/>
+                </a:ext>
+              </a:extLst>
+            </p:cNvPr>
+            <p:cNvCxnSpPr/>
+            <p:nvPr/>
+          </p:nvCxnSpPr>
+          <p:spPr>
+            <a:xfrm>
+              <a:off x="614149" y="4908471"/>
+              <a:ext cx="484693" cy="0"/>
+            </a:xfrm>
+            <a:prstGeom prst="straightConnector1">
+              <a:avLst/>
+            </a:prstGeom>
+            <a:ln w="28575">
+              <a:solidFill>
+                <a:srgbClr val="0070C0"/>
+              </a:solidFill>
+              <a:tailEnd type="arrow"/>
+            </a:ln>
+          </p:spPr>
+          <p:style>
+            <a:lnRef idx="1">
+              <a:schemeClr val="accent1"/>
+            </a:lnRef>
+            <a:fillRef idx="0">
+              <a:schemeClr val="accent1"/>
+            </a:fillRef>
+            <a:effectRef idx="0">
+              <a:schemeClr val="accent1"/>
+            </a:effectRef>
+            <a:fontRef idx="minor">
+              <a:schemeClr val="tx1"/>
+            </a:fontRef>
+          </p:style>
+        </p:cxnSp>
+      </p:grpSp>
+      <p:sp>
+        <p:nvSpPr>
+          <p:cNvPr id="4" name="Google Shape;313;p38">
+            <a:extLst>
+              <a:ext uri="{FF2B5EF4-FFF2-40B4-BE49-F238E27FC236}">
+                <a16:creationId xmlns:a16="http://schemas.microsoft.com/office/drawing/2014/main" id="{FEC1014D-7A07-4DB6-B483-6C48BCCA9944}"/>
+              </a:ext>
+            </a:extLst>
+          </p:cNvPr>
+          <p:cNvSpPr txBox="1"/>
+          <p:nvPr/>
+        </p:nvSpPr>
+        <p:spPr>
+          <a:xfrm>
+            <a:off x="1573106" y="1850473"/>
+            <a:ext cx="1645903" cy="993087"/>
+          </a:xfrm>
+          <a:prstGeom prst="rect">
+            <a:avLst/>
+          </a:prstGeom>
+          <a:noFill/>
+          <a:ln>
+            <a:noFill/>
+          </a:ln>
+        </p:spPr>
+        <p:txBody>
+          <a:bodyPr spcFirstLastPara="1" wrap="square" lIns="107269" tIns="53620" rIns="107269" bIns="53620" anchor="t" anchorCtr="0">
+            <a:noAutofit/>
+          </a:bodyPr>
+          <a:lstStyle/>
+          <a:p>
+            <a:r>
+              <a:rPr lang="es-419" sz="1400" dirty="0">
+                <a:solidFill>
+                  <a:schemeClr val="dk1"/>
+                </a:solidFill>
+                <a:latin typeface="Calibri"/>
+                <a:ea typeface="Calibri"/>
+                <a:cs typeface="Calibri"/>
+                <a:sym typeface="Calibri"/>
+              </a:rPr>
+              <a:t>AJAX POST</a:t>
+            </a:r>
+          </a:p>
+          <a:p>
+            <a:endParaRPr lang="es-419" sz="1400" dirty="0">
+              <a:solidFill>
+                <a:schemeClr val="dk1"/>
+              </a:solidFill>
+              <a:latin typeface="Calibri"/>
+              <a:ea typeface="Calibri"/>
+              <a:cs typeface="Calibri"/>
+              <a:sym typeface="Calibri"/>
+            </a:endParaRPr>
+          </a:p>
+          <a:p>
+            <a:r>
+              <a:rPr lang="es-419" sz="1400" dirty="0">
+                <a:solidFill>
+                  <a:schemeClr val="dk1"/>
+                </a:solidFill>
+                <a:latin typeface="Calibri"/>
+                <a:ea typeface="Calibri"/>
+                <a:cs typeface="Calibri"/>
+                <a:sym typeface="Calibri"/>
+              </a:rPr>
+              <a:t>/CreateComment</a:t>
+            </a:r>
+          </a:p>
+          <a:p>
+            <a:r>
+              <a:rPr lang="es-419" sz="1400" b="1" dirty="0">
+                <a:solidFill>
+                  <a:srgbClr val="0070C0"/>
+                </a:solidFill>
+                <a:latin typeface="Calibri"/>
+                <a:ea typeface="Calibri"/>
+                <a:cs typeface="Calibri"/>
+                <a:sym typeface="Calibri"/>
+              </a:rPr>
+              <a:t>Comment</a:t>
+            </a:r>
+            <a:r>
+              <a:rPr lang="es-419" sz="1400" dirty="0">
+                <a:solidFill>
+                  <a:schemeClr val="dk1"/>
+                </a:solidFill>
+                <a:latin typeface="Calibri"/>
+                <a:ea typeface="Calibri"/>
+                <a:cs typeface="Calibri"/>
+                <a:sym typeface="Calibri"/>
+              </a:rPr>
+              <a:t>, </a:t>
+            </a:r>
+            <a:r>
+              <a:rPr lang="es-419" sz="1400" b="1" dirty="0">
+                <a:solidFill>
+                  <a:srgbClr val="00B050"/>
+                </a:solidFill>
+                <a:latin typeface="Calibri"/>
+                <a:ea typeface="Calibri"/>
+                <a:cs typeface="Calibri"/>
+                <a:sym typeface="Calibri"/>
+              </a:rPr>
+              <a:t>imageId</a:t>
+            </a:r>
+          </a:p>
+          <a:p>
+            <a:endParaRPr sz="1400" dirty="0">
+              <a:solidFill>
+                <a:schemeClr val="dk1"/>
+              </a:solidFill>
+              <a:latin typeface="Calibri"/>
+              <a:ea typeface="Calibri"/>
+              <a:cs typeface="Calibri"/>
+              <a:sym typeface="Calibri"/>
+            </a:endParaRPr>
+          </a:p>
+        </p:txBody>
+      </p:sp>
+      <p:sp>
+        <p:nvSpPr>
+          <p:cNvPr id="78" name="CasellaDiTesto 77">
+            <a:extLst>
+              <a:ext uri="{FF2B5EF4-FFF2-40B4-BE49-F238E27FC236}">
+                <a16:creationId xmlns:a16="http://schemas.microsoft.com/office/drawing/2014/main" id="{891FF756-AE8A-49A4-83B8-7680F8525641}"/>
+              </a:ext>
+            </a:extLst>
+          </p:cNvPr>
+          <p:cNvSpPr txBox="1"/>
+          <p:nvPr/>
+        </p:nvSpPr>
+        <p:spPr>
+          <a:xfrm>
+            <a:off x="1529818" y="2843560"/>
+            <a:ext cx="1625058" cy="954107"/>
+          </a:xfrm>
+          <a:prstGeom prst="rect">
+            <a:avLst/>
+          </a:prstGeom>
+          <a:noFill/>
+        </p:spPr>
+        <p:txBody>
+          <a:bodyPr wrap="square">
+            <a:spAutoFit/>
+          </a:bodyPr>
+          <a:lstStyle/>
+          <a:p>
+            <a:r>
+              <a:rPr lang="it-IT" sz="1400" dirty="0">
+                <a:solidFill>
+                  <a:schemeClr val="dk1"/>
+                </a:solidFill>
+                <a:latin typeface="Calibri"/>
+                <a:ea typeface="Calibri"/>
+                <a:cs typeface="Calibri"/>
+                <a:sym typeface="Calibri"/>
+              </a:rPr>
+              <a:t>Check parameters of comment form and user in the session.</a:t>
+            </a:r>
+          </a:p>
+        </p:txBody>
+      </p:sp>
+      <p:cxnSp>
+        <p:nvCxnSpPr>
+          <p:cNvPr id="84" name="Google Shape;275;p37">
+            <a:extLst>
+              <a:ext uri="{FF2B5EF4-FFF2-40B4-BE49-F238E27FC236}">
+                <a16:creationId xmlns:a16="http://schemas.microsoft.com/office/drawing/2014/main" id="{0916B752-5202-460F-B2BF-1D80B3D73E12}"/>
+              </a:ext>
+            </a:extLst>
+          </p:cNvPr>
+          <p:cNvCxnSpPr>
+            <a:cxnSpLocks/>
+          </p:cNvCxnSpPr>
+          <p:nvPr/>
+        </p:nvCxnSpPr>
+        <p:spPr>
+          <a:xfrm>
+            <a:off x="3645374" y="4354777"/>
+            <a:ext cx="3725810" cy="0"/>
+          </a:xfrm>
+          <a:prstGeom prst="straightConnector1">
+            <a:avLst/>
+          </a:prstGeom>
+          <a:noFill/>
+          <a:ln w="25400" cap="flat" cmpd="sng">
+            <a:solidFill>
+              <a:schemeClr val="accent1"/>
+            </a:solidFill>
+            <a:prstDash val="solid"/>
+            <a:round/>
+            <a:headEnd type="none" w="sm" len="sm"/>
+            <a:tailEnd type="stealth" w="med" len="med"/>
+          </a:ln>
+          <a:effectLst>
+            <a:outerShdw blurRad="40000" dist="20000" dir="5400000" rotWithShape="0">
+              <a:srgbClr val="000000">
+                <a:alpha val="37647"/>
+              </a:srgbClr>
+            </a:outerShdw>
+          </a:effectLst>
+        </p:spPr>
+      </p:cxnSp>
+      <p:cxnSp>
+        <p:nvCxnSpPr>
+          <p:cNvPr id="90" name="Google Shape;275;p37">
+            <a:extLst>
+              <a:ext uri="{FF2B5EF4-FFF2-40B4-BE49-F238E27FC236}">
+                <a16:creationId xmlns:a16="http://schemas.microsoft.com/office/drawing/2014/main" id="{D1454A38-9830-416D-B50C-83D84B2852A9}"/>
+              </a:ext>
+            </a:extLst>
+          </p:cNvPr>
+          <p:cNvCxnSpPr>
+            <a:cxnSpLocks/>
+          </p:cNvCxnSpPr>
+          <p:nvPr/>
+        </p:nvCxnSpPr>
+        <p:spPr>
+          <a:xfrm>
+            <a:off x="3645374" y="5318546"/>
+            <a:ext cx="3725810" cy="0"/>
+          </a:xfrm>
+          <a:prstGeom prst="straightConnector1">
+            <a:avLst/>
+          </a:prstGeom>
+          <a:noFill/>
+          <a:ln w="25400" cap="flat" cmpd="sng">
+            <a:solidFill>
+              <a:schemeClr val="accent1"/>
+            </a:solidFill>
+            <a:prstDash val="solid"/>
+            <a:round/>
+            <a:headEnd type="none" w="sm" len="sm"/>
+            <a:tailEnd type="stealth" w="med" len="med"/>
+          </a:ln>
+          <a:effectLst>
+            <a:outerShdw blurRad="40000" dist="20000" dir="5400000" rotWithShape="0">
+              <a:srgbClr val="000000">
+                <a:alpha val="37647"/>
+              </a:srgbClr>
+            </a:outerShdw>
+          </a:effectLst>
+        </p:spPr>
+      </p:cxnSp>
+      <p:sp>
+        <p:nvSpPr>
+          <p:cNvPr id="91" name="CasellaDiTesto 90">
+            <a:extLst>
+              <a:ext uri="{FF2B5EF4-FFF2-40B4-BE49-F238E27FC236}">
+                <a16:creationId xmlns:a16="http://schemas.microsoft.com/office/drawing/2014/main" id="{10DEC1E9-136F-4CAB-9841-42147172CC9D}"/>
+              </a:ext>
+            </a:extLst>
+          </p:cNvPr>
+          <p:cNvSpPr txBox="1"/>
+          <p:nvPr/>
+        </p:nvSpPr>
+        <p:spPr>
+          <a:xfrm>
+            <a:off x="3618697" y="3688894"/>
+            <a:ext cx="4887237" cy="307777"/>
+          </a:xfrm>
+          <a:prstGeom prst="rect">
+            <a:avLst/>
+          </a:prstGeom>
+          <a:noFill/>
+        </p:spPr>
+        <p:txBody>
+          <a:bodyPr wrap="square">
+            <a:spAutoFit/>
+          </a:bodyPr>
+          <a:lstStyle/>
+          <a:p>
+            <a:pPr algn="l"/>
+            <a:r>
+              <a:rPr lang="fr-FR" sz="1400" dirty="0"/>
+              <a:t>createComment(</a:t>
+            </a:r>
+            <a:r>
+              <a:rPr lang="fr-FR" sz="1400" b="1" dirty="0">
+                <a:solidFill>
+                  <a:srgbClr val="0070C0"/>
+                </a:solidFill>
+              </a:rPr>
+              <a:t>comment</a:t>
+            </a:r>
+            <a:r>
+              <a:rPr lang="fr-FR" sz="1400" dirty="0"/>
+              <a:t>, </a:t>
+            </a:r>
+            <a:r>
+              <a:rPr lang="fr-FR" sz="1400" b="1" dirty="0">
+                <a:solidFill>
+                  <a:srgbClr val="00B050"/>
+                </a:solidFill>
+              </a:rPr>
+              <a:t>imageId</a:t>
+            </a:r>
+            <a:r>
+              <a:rPr lang="fr-FR" sz="1400" dirty="0"/>
+              <a:t>, user.getId());</a:t>
+            </a:r>
+          </a:p>
+        </p:txBody>
+      </p:sp>
+      <p:sp>
+        <p:nvSpPr>
+          <p:cNvPr id="92" name="CasellaDiTesto 91">
+            <a:extLst>
+              <a:ext uri="{FF2B5EF4-FFF2-40B4-BE49-F238E27FC236}">
+                <a16:creationId xmlns:a16="http://schemas.microsoft.com/office/drawing/2014/main" id="{829A3A7B-B8EC-4563-8D7F-50DCB02F358B}"/>
+              </a:ext>
+            </a:extLst>
+          </p:cNvPr>
+          <p:cNvSpPr txBox="1"/>
+          <p:nvPr/>
+        </p:nvSpPr>
+        <p:spPr>
+          <a:xfrm>
+            <a:off x="3618697" y="4049014"/>
+            <a:ext cx="2278996" cy="307777"/>
+          </a:xfrm>
+          <a:prstGeom prst="rect">
+            <a:avLst/>
+          </a:prstGeom>
+          <a:noFill/>
+        </p:spPr>
+        <p:txBody>
+          <a:bodyPr wrap="square">
+            <a:spAutoFit/>
+          </a:bodyPr>
+          <a:lstStyle/>
+          <a:p>
+            <a:r>
+              <a:rPr lang="it-IT" sz="1400" dirty="0"/>
+              <a:t>findLastInsertedComment();</a:t>
+            </a:r>
+          </a:p>
+        </p:txBody>
+      </p:sp>
+      <p:cxnSp>
+        <p:nvCxnSpPr>
+          <p:cNvPr id="93" name="Google Shape;382;p40">
+            <a:extLst>
+              <a:ext uri="{FF2B5EF4-FFF2-40B4-BE49-F238E27FC236}">
+                <a16:creationId xmlns:a16="http://schemas.microsoft.com/office/drawing/2014/main" id="{F5968084-75D1-4AB5-942F-E26B494093DF}"/>
+              </a:ext>
+            </a:extLst>
+          </p:cNvPr>
+          <p:cNvCxnSpPr>
+            <a:cxnSpLocks/>
+          </p:cNvCxnSpPr>
+          <p:nvPr/>
+        </p:nvCxnSpPr>
+        <p:spPr>
+          <a:xfrm>
+            <a:off x="3646459" y="4740661"/>
+            <a:ext cx="3724725" cy="11277"/>
+          </a:xfrm>
+          <a:prstGeom prst="straightConnector1">
+            <a:avLst/>
+          </a:prstGeom>
+          <a:noFill/>
+          <a:ln w="25400" cap="flat" cmpd="sng">
+            <a:solidFill>
+              <a:schemeClr val="accent1"/>
+            </a:solidFill>
+            <a:prstDash val="dash"/>
+            <a:round/>
+            <a:headEnd type="arrow" w="med" len="med"/>
+            <a:tailEnd type="none" w="med" len="med"/>
+          </a:ln>
+          <a:effectLst>
+            <a:outerShdw blurRad="40000" dist="20000" dir="5400000" rotWithShape="0">
+              <a:srgbClr val="000000">
+                <a:alpha val="37650"/>
+              </a:srgbClr>
+            </a:outerShdw>
+          </a:effectLst>
+        </p:spPr>
+      </p:cxnSp>
+      <p:sp>
+        <p:nvSpPr>
+          <p:cNvPr id="94" name="CasellaDiTesto 93">
+            <a:extLst>
+              <a:ext uri="{FF2B5EF4-FFF2-40B4-BE49-F238E27FC236}">
+                <a16:creationId xmlns:a16="http://schemas.microsoft.com/office/drawing/2014/main" id="{69F482A9-A4A6-4E47-8275-CEFCB42325D5}"/>
+              </a:ext>
+            </a:extLst>
+          </p:cNvPr>
+          <p:cNvSpPr txBox="1"/>
+          <p:nvPr/>
+        </p:nvSpPr>
+        <p:spPr>
+          <a:xfrm>
+            <a:off x="4498316" y="4444161"/>
+            <a:ext cx="1625057" cy="307777"/>
+          </a:xfrm>
+          <a:prstGeom prst="rect">
+            <a:avLst/>
+          </a:prstGeom>
+          <a:noFill/>
+        </p:spPr>
+        <p:txBody>
+          <a:bodyPr wrap="square">
+            <a:spAutoFit/>
+          </a:bodyPr>
+          <a:lstStyle/>
+          <a:p>
+            <a:r>
+              <a:rPr lang="it-IT" sz="1400" b="1" dirty="0">
+                <a:solidFill>
+                  <a:srgbClr val="7030A0"/>
+                </a:solidFill>
+              </a:rPr>
+              <a:t>commentResponse</a:t>
+            </a:r>
+          </a:p>
+        </p:txBody>
+      </p:sp>
+      <p:sp>
+        <p:nvSpPr>
+          <p:cNvPr id="95" name="CasellaDiTesto 94">
+            <a:extLst>
+              <a:ext uri="{FF2B5EF4-FFF2-40B4-BE49-F238E27FC236}">
+                <a16:creationId xmlns:a16="http://schemas.microsoft.com/office/drawing/2014/main" id="{7E137069-702F-4CE0-9004-2FFAB98CB0A5}"/>
+              </a:ext>
+            </a:extLst>
+          </p:cNvPr>
+          <p:cNvSpPr txBox="1"/>
+          <p:nvPr/>
+        </p:nvSpPr>
+        <p:spPr>
+          <a:xfrm>
+            <a:off x="3591712" y="4957404"/>
+            <a:ext cx="3682085" cy="307777"/>
+          </a:xfrm>
+          <a:prstGeom prst="rect">
+            <a:avLst/>
+          </a:prstGeom>
+          <a:noFill/>
+        </p:spPr>
+        <p:txBody>
+          <a:bodyPr wrap="square">
+            <a:spAutoFit/>
+          </a:bodyPr>
+          <a:lstStyle/>
+          <a:p>
+            <a:r>
+              <a:rPr lang="it-IT" sz="1400" dirty="0"/>
+              <a:t>findUsernameOfComment(</a:t>
+            </a:r>
+            <a:r>
+              <a:rPr lang="it-IT" sz="1400" b="1" dirty="0">
+                <a:solidFill>
+                  <a:srgbClr val="7030A0"/>
+                </a:solidFill>
+              </a:rPr>
+              <a:t>commentResponse</a:t>
+            </a:r>
+            <a:r>
+              <a:rPr lang="it-IT" sz="1400" dirty="0"/>
+              <a:t>);</a:t>
+            </a:r>
+          </a:p>
+        </p:txBody>
+      </p:sp>
+      <p:grpSp>
+        <p:nvGrpSpPr>
+          <p:cNvPr id="96" name="Group 61">
+            <a:extLst>
+              <a:ext uri="{FF2B5EF4-FFF2-40B4-BE49-F238E27FC236}">
+                <a16:creationId xmlns:a16="http://schemas.microsoft.com/office/drawing/2014/main" id="{1344BE0B-429A-4875-9E97-34C99FE67682}"/>
+              </a:ext>
+            </a:extLst>
+          </p:cNvPr>
+          <p:cNvGrpSpPr/>
+          <p:nvPr/>
+        </p:nvGrpSpPr>
+        <p:grpSpPr>
+          <a:xfrm>
+            <a:off x="6897547" y="5449151"/>
+            <a:ext cx="484693" cy="272090"/>
+            <a:chOff x="614149" y="4401223"/>
+            <a:chExt cx="484693" cy="507248"/>
+          </a:xfrm>
+        </p:grpSpPr>
+        <p:cxnSp>
+          <p:nvCxnSpPr>
+            <p:cNvPr id="97" name="Straight Connector 51">
+              <a:extLst>
+                <a:ext uri="{FF2B5EF4-FFF2-40B4-BE49-F238E27FC236}">
+                  <a16:creationId xmlns:a16="http://schemas.microsoft.com/office/drawing/2014/main" id="{A63FD088-C12A-4F48-B537-1F54781911CF}"/>
+                </a:ext>
+              </a:extLst>
+            </p:cNvPr>
+            <p:cNvCxnSpPr/>
+            <p:nvPr/>
+          </p:nvCxnSpPr>
+          <p:spPr>
+            <a:xfrm flipH="1">
+              <a:off x="614149" y="4401223"/>
+              <a:ext cx="484693" cy="0"/>
+            </a:xfrm>
+            <a:prstGeom prst="line">
+              <a:avLst/>
+            </a:prstGeom>
+            <a:ln w="28575">
+              <a:solidFill>
+                <a:srgbClr val="0070C0"/>
+              </a:solidFill>
+            </a:ln>
+          </p:spPr>
+          <p:style>
+            <a:lnRef idx="1">
+              <a:schemeClr val="accent1"/>
+            </a:lnRef>
+            <a:fillRef idx="0">
+              <a:schemeClr val="accent1"/>
+            </a:fillRef>
+            <a:effectRef idx="0">
+              <a:schemeClr val="accent1"/>
+            </a:effectRef>
+            <a:fontRef idx="minor">
+              <a:schemeClr val="tx1"/>
+            </a:fontRef>
+          </p:style>
+        </p:cxnSp>
+        <p:cxnSp>
+          <p:nvCxnSpPr>
+            <p:cNvPr id="98" name="Straight Connector 56">
+              <a:extLst>
+                <a:ext uri="{FF2B5EF4-FFF2-40B4-BE49-F238E27FC236}">
+                  <a16:creationId xmlns:a16="http://schemas.microsoft.com/office/drawing/2014/main" id="{D7EBC75E-92CB-4BA5-BD1F-05AB8C2AA328}"/>
+                </a:ext>
+              </a:extLst>
+            </p:cNvPr>
+            <p:cNvCxnSpPr/>
+            <p:nvPr/>
+          </p:nvCxnSpPr>
+          <p:spPr>
+            <a:xfrm>
+              <a:off x="614149" y="4401223"/>
+              <a:ext cx="0" cy="505677"/>
+            </a:xfrm>
+            <a:prstGeom prst="line">
+              <a:avLst/>
+            </a:prstGeom>
+            <a:ln w="28575">
+              <a:solidFill>
+                <a:srgbClr val="0070C0"/>
+              </a:solidFill>
+            </a:ln>
+          </p:spPr>
+          <p:style>
+            <a:lnRef idx="1">
+              <a:schemeClr val="accent1"/>
+            </a:lnRef>
+            <a:fillRef idx="0">
+              <a:schemeClr val="accent1"/>
+            </a:fillRef>
+            <a:effectRef idx="0">
+              <a:schemeClr val="accent1"/>
+            </a:effectRef>
+            <a:fontRef idx="minor">
+              <a:schemeClr val="tx1"/>
+            </a:fontRef>
+          </p:style>
+        </p:cxnSp>
+        <p:cxnSp>
+          <p:nvCxnSpPr>
+            <p:cNvPr id="99" name="Straight Arrow Connector 60">
+              <a:extLst>
+                <a:ext uri="{FF2B5EF4-FFF2-40B4-BE49-F238E27FC236}">
+                  <a16:creationId xmlns:a16="http://schemas.microsoft.com/office/drawing/2014/main" id="{C56E890A-5F6B-4AA2-8C1F-1541AFAC2DBB}"/>
+                </a:ext>
+              </a:extLst>
+            </p:cNvPr>
+            <p:cNvCxnSpPr/>
+            <p:nvPr/>
+          </p:nvCxnSpPr>
+          <p:spPr>
+            <a:xfrm>
+              <a:off x="614149" y="4908471"/>
+              <a:ext cx="484693" cy="0"/>
+            </a:xfrm>
+            <a:prstGeom prst="straightConnector1">
+              <a:avLst/>
+            </a:prstGeom>
+            <a:ln w="28575">
+              <a:solidFill>
+                <a:srgbClr val="0070C0"/>
+              </a:solidFill>
+              <a:tailEnd type="arrow"/>
+            </a:ln>
+          </p:spPr>
+          <p:style>
+            <a:lnRef idx="1">
+              <a:schemeClr val="accent1"/>
+            </a:lnRef>
+            <a:fillRef idx="0">
+              <a:schemeClr val="accent1"/>
+            </a:fillRef>
+            <a:effectRef idx="0">
+              <a:schemeClr val="accent1"/>
+            </a:effectRef>
+            <a:fontRef idx="minor">
+              <a:schemeClr val="tx1"/>
+            </a:fontRef>
+          </p:style>
+        </p:cxnSp>
+      </p:grpSp>
+      <p:sp>
+        <p:nvSpPr>
+          <p:cNvPr id="100" name="CasellaDiTesto 99">
+            <a:extLst>
+              <a:ext uri="{FF2B5EF4-FFF2-40B4-BE49-F238E27FC236}">
+                <a16:creationId xmlns:a16="http://schemas.microsoft.com/office/drawing/2014/main" id="{C697A611-3891-4987-A23C-2FEE347F7E5E}"/>
+              </a:ext>
+            </a:extLst>
+          </p:cNvPr>
+          <p:cNvSpPr txBox="1"/>
+          <p:nvPr/>
+        </p:nvSpPr>
+        <p:spPr>
+          <a:xfrm>
+            <a:off x="4608024" y="5428154"/>
+            <a:ext cx="2479982" cy="307777"/>
+          </a:xfrm>
+          <a:prstGeom prst="rect">
+            <a:avLst/>
+          </a:prstGeom>
+          <a:noFill/>
+        </p:spPr>
+        <p:txBody>
+          <a:bodyPr wrap="square">
+            <a:spAutoFit/>
+          </a:bodyPr>
+          <a:lstStyle/>
+          <a:p>
+            <a:r>
+              <a:rPr lang="es-419" sz="1400" b="1" dirty="0">
+                <a:latin typeface="Calibri"/>
+                <a:ea typeface="Calibri"/>
+                <a:cs typeface="Calibri"/>
+                <a:sym typeface="Calibri"/>
+              </a:rPr>
+              <a:t>Update(</a:t>
+            </a:r>
+            <a:r>
+              <a:rPr lang="it-IT" sz="1400" b="1" dirty="0">
+                <a:solidFill>
+                  <a:srgbClr val="7030A0"/>
+                </a:solidFill>
+              </a:rPr>
+              <a:t>commentResponse</a:t>
+            </a:r>
+            <a:r>
+              <a:rPr lang="es-419" sz="1400" b="1" dirty="0">
+                <a:latin typeface="Calibri"/>
+                <a:ea typeface="Calibri"/>
+                <a:cs typeface="Calibri"/>
+                <a:sym typeface="Calibri"/>
+              </a:rPr>
+              <a:t>)</a:t>
+            </a:r>
+          </a:p>
+        </p:txBody>
+      </p:sp>
+      <p:sp>
+        <p:nvSpPr>
+          <p:cNvPr id="24" name="CasellaDiTesto 23">
+            <a:extLst>
+              <a:ext uri="{FF2B5EF4-FFF2-40B4-BE49-F238E27FC236}">
+                <a16:creationId xmlns:a16="http://schemas.microsoft.com/office/drawing/2014/main" id="{88390B34-4E9D-4E6B-AA2F-51B6D358CC73}"/>
+              </a:ext>
+            </a:extLst>
+          </p:cNvPr>
+          <p:cNvSpPr txBox="1"/>
+          <p:nvPr/>
+        </p:nvSpPr>
+        <p:spPr>
+          <a:xfrm>
+            <a:off x="1646623" y="5506677"/>
+            <a:ext cx="1625057" cy="307777"/>
+          </a:xfrm>
+          <a:prstGeom prst="rect">
+            <a:avLst/>
+          </a:prstGeom>
+          <a:noFill/>
+        </p:spPr>
+        <p:txBody>
+          <a:bodyPr wrap="square">
+            <a:spAutoFit/>
+          </a:bodyPr>
+          <a:lstStyle/>
+          <a:p>
+            <a:r>
+              <a:rPr lang="it-IT" sz="1400" b="1" dirty="0">
+                <a:solidFill>
+                  <a:srgbClr val="7030A0"/>
+                </a:solidFill>
+              </a:rPr>
+              <a:t>commentResponse</a:t>
+            </a:r>
+          </a:p>
+        </p:txBody>
+      </p:sp>
+      <p:cxnSp>
+        <p:nvCxnSpPr>
+          <p:cNvPr id="102" name="Google Shape;382;p40">
+            <a:extLst>
+              <a:ext uri="{FF2B5EF4-FFF2-40B4-BE49-F238E27FC236}">
+                <a16:creationId xmlns:a16="http://schemas.microsoft.com/office/drawing/2014/main" id="{EE21D997-C682-45E6-A64F-EB813DACFE64}"/>
+              </a:ext>
+            </a:extLst>
+          </p:cNvPr>
+          <p:cNvCxnSpPr>
+            <a:cxnSpLocks/>
+          </p:cNvCxnSpPr>
+          <p:nvPr/>
+        </p:nvCxnSpPr>
+        <p:spPr>
+          <a:xfrm>
+            <a:off x="1529818" y="5865794"/>
+            <a:ext cx="1741862" cy="0"/>
+          </a:xfrm>
+          <a:prstGeom prst="straightConnector1">
+            <a:avLst/>
+          </a:prstGeom>
+          <a:noFill/>
+          <a:ln w="25400" cap="flat" cmpd="sng">
+            <a:solidFill>
+              <a:schemeClr val="accent1"/>
+            </a:solidFill>
+            <a:prstDash val="dash"/>
+            <a:round/>
+            <a:headEnd type="arrow" w="med" len="med"/>
+            <a:tailEnd type="none" w="med" len="med"/>
+          </a:ln>
+          <a:effectLst>
+            <a:outerShdw blurRad="40000" dist="20000" dir="5400000" rotWithShape="0">
+              <a:srgbClr val="000000">
+                <a:alpha val="37650"/>
+              </a:srgbClr>
+            </a:outerShdw>
+          </a:effectLst>
+        </p:spPr>
+      </p:cxnSp>
+      <p:sp>
+        <p:nvSpPr>
+          <p:cNvPr id="103" name="Google Shape;290;p37">
+            <a:extLst>
+              <a:ext uri="{FF2B5EF4-FFF2-40B4-BE49-F238E27FC236}">
+                <a16:creationId xmlns:a16="http://schemas.microsoft.com/office/drawing/2014/main" id="{5D1362F8-D919-4EC5-A44E-E7867F96D1ED}"/>
+              </a:ext>
+            </a:extLst>
+          </p:cNvPr>
+          <p:cNvSpPr/>
+          <p:nvPr/>
+        </p:nvSpPr>
+        <p:spPr>
+          <a:xfrm>
+            <a:off x="8232793" y="704556"/>
+            <a:ext cx="1201264" cy="651379"/>
+          </a:xfrm>
+          <a:prstGeom prst="rect">
+            <a:avLst/>
+          </a:prstGeom>
+          <a:solidFill>
+            <a:schemeClr val="lt1"/>
+          </a:solidFill>
+          <a:ln w="25400" cap="flat" cmpd="sng">
+            <a:solidFill>
+              <a:schemeClr val="accent1"/>
+            </a:solidFill>
+            <a:prstDash val="solid"/>
+            <a:round/>
+            <a:headEnd type="none" w="sm" len="sm"/>
+            <a:tailEnd type="none" w="sm" len="sm"/>
+          </a:ln>
+        </p:spPr>
+        <p:txBody>
+          <a:bodyPr spcFirstLastPara="1" wrap="square" lIns="107269" tIns="53620" rIns="107269" bIns="53620" anchor="ctr" anchorCtr="0">
+            <a:noAutofit/>
+          </a:bodyPr>
+          <a:lstStyle/>
+          <a:p>
+            <a:pPr algn="ctr"/>
+            <a:r>
+              <a:rPr lang="es-419" sz="1400" dirty="0">
+                <a:solidFill>
+                  <a:schemeClr val="dk1"/>
+                </a:solidFill>
+                <a:latin typeface="Calibri"/>
+                <a:ea typeface="Calibri"/>
+                <a:cs typeface="Calibri"/>
+                <a:sym typeface="Calibri"/>
+              </a:rPr>
+              <a:t>Orchestrator</a:t>
+            </a:r>
+            <a:endParaRPr sz="1400" dirty="0">
+              <a:solidFill>
+                <a:schemeClr val="dk1"/>
+              </a:solidFill>
+              <a:latin typeface="Calibri"/>
+              <a:ea typeface="Calibri"/>
+              <a:cs typeface="Calibri"/>
+              <a:sym typeface="Calibri"/>
+            </a:endParaRPr>
+          </a:p>
+        </p:txBody>
+      </p:sp>
+      <p:cxnSp>
+        <p:nvCxnSpPr>
+          <p:cNvPr id="104" name="Straight Connector 52">
+            <a:extLst>
+              <a:ext uri="{FF2B5EF4-FFF2-40B4-BE49-F238E27FC236}">
+                <a16:creationId xmlns:a16="http://schemas.microsoft.com/office/drawing/2014/main" id="{4FF52118-673B-4361-BAB9-5F799101E55B}"/>
+              </a:ext>
+            </a:extLst>
+          </p:cNvPr>
+          <p:cNvCxnSpPr>
+            <a:cxnSpLocks/>
+            <a:stCxn id="103" idx="2"/>
+          </p:cNvCxnSpPr>
+          <p:nvPr/>
+        </p:nvCxnSpPr>
+        <p:spPr>
+          <a:xfrm>
+            <a:off x="8833425" y="1355935"/>
+            <a:ext cx="44418" cy="5502065"/>
+          </a:xfrm>
+          <a:prstGeom prst="line">
+            <a:avLst/>
+          </a:prstGeom>
+          <a:noFill/>
+          <a:ln w="38100" cap="flat" cmpd="sng">
+            <a:solidFill>
+              <a:schemeClr val="accent1"/>
+            </a:solidFill>
+            <a:prstDash val="dot"/>
+            <a:round/>
+            <a:headEnd type="none" w="sm" len="sm"/>
+            <a:tailEnd type="none" w="sm" len="sm"/>
+          </a:ln>
+          <a:effectLst>
+            <a:outerShdw blurRad="40000" dist="23000" dir="5400000" rotWithShape="0">
+              <a:srgbClr val="000000">
+                <a:alpha val="34901"/>
+              </a:srgbClr>
+            </a:outerShdw>
+          </a:effectLst>
+        </p:spPr>
+      </p:cxnSp>
+      <p:sp>
+        <p:nvSpPr>
+          <p:cNvPr id="105" name="Google Shape;292;p37">
+            <a:extLst>
+              <a:ext uri="{FF2B5EF4-FFF2-40B4-BE49-F238E27FC236}">
+                <a16:creationId xmlns:a16="http://schemas.microsoft.com/office/drawing/2014/main" id="{45051CB1-2B13-4C03-AF91-214A73B5FDDC}"/>
+              </a:ext>
+            </a:extLst>
+          </p:cNvPr>
+          <p:cNvSpPr/>
+          <p:nvPr/>
+        </p:nvSpPr>
+        <p:spPr>
+          <a:xfrm>
+            <a:off x="8684576" y="5598367"/>
+            <a:ext cx="342116" cy="1101898"/>
+          </a:xfrm>
+          <a:prstGeom prst="rect">
+            <a:avLst/>
+          </a:prstGeom>
+          <a:solidFill>
+            <a:schemeClr val="lt1"/>
+          </a:solidFill>
+          <a:ln w="25400" cap="flat" cmpd="sng">
+            <a:solidFill>
+              <a:schemeClr val="accent1"/>
+            </a:solidFill>
+            <a:prstDash val="solid"/>
+            <a:round/>
+            <a:headEnd type="none" w="sm" len="sm"/>
+            <a:tailEnd type="none" w="sm" len="sm"/>
+          </a:ln>
+        </p:spPr>
+        <p:txBody>
+          <a:bodyPr spcFirstLastPara="1" wrap="square" lIns="107269" tIns="53620" rIns="107269" bIns="53620" anchor="ctr" anchorCtr="0">
+            <a:noAutofit/>
+          </a:bodyPr>
+          <a:lstStyle/>
+          <a:p>
+            <a:pPr algn="ctr"/>
+            <a:endParaRPr sz="2100">
+              <a:solidFill>
+                <a:schemeClr val="dk1"/>
+              </a:solidFill>
+              <a:latin typeface="Calibri"/>
+              <a:ea typeface="Calibri"/>
+              <a:cs typeface="Calibri"/>
+              <a:sym typeface="Calibri"/>
+            </a:endParaRPr>
+          </a:p>
+        </p:txBody>
+      </p:sp>
+      <p:sp>
+        <p:nvSpPr>
+          <p:cNvPr id="106" name="CasellaDiTesto 105">
+            <a:extLst>
+              <a:ext uri="{FF2B5EF4-FFF2-40B4-BE49-F238E27FC236}">
+                <a16:creationId xmlns:a16="http://schemas.microsoft.com/office/drawing/2014/main" id="{32C226E3-3600-4182-AD39-8C50C900BD0C}"/>
+              </a:ext>
+            </a:extLst>
+          </p:cNvPr>
+          <p:cNvSpPr txBox="1"/>
+          <p:nvPr/>
+        </p:nvSpPr>
+        <p:spPr>
+          <a:xfrm>
+            <a:off x="3754938" y="5867277"/>
+            <a:ext cx="3623639" cy="307777"/>
+          </a:xfrm>
+          <a:prstGeom prst="rect">
+            <a:avLst/>
+          </a:prstGeom>
+          <a:noFill/>
+        </p:spPr>
+        <p:txBody>
+          <a:bodyPr wrap="square">
+            <a:spAutoFit/>
+          </a:bodyPr>
+          <a:lstStyle/>
+          <a:p>
+            <a:r>
+              <a:rPr lang="en-US" sz="1400" dirty="0">
+                <a:solidFill>
+                  <a:schemeClr val="dk1"/>
+                </a:solidFill>
+                <a:latin typeface="Calibri"/>
+                <a:cs typeface="Calibri"/>
+              </a:rPr>
+              <a:t>addNewComment (</a:t>
+            </a:r>
+            <a:r>
+              <a:rPr lang="it-IT" sz="1400" b="1" dirty="0">
+                <a:solidFill>
+                  <a:srgbClr val="7030A0"/>
+                </a:solidFill>
+              </a:rPr>
+              <a:t>commentResponse</a:t>
+            </a:r>
+            <a:r>
+              <a:rPr lang="en-US" sz="1400" dirty="0">
+                <a:latin typeface="Calibri"/>
+                <a:cs typeface="Calibri"/>
+              </a:rPr>
+              <a:t>);</a:t>
+            </a:r>
+            <a:endParaRPr lang="it-IT" sz="1400" dirty="0">
+              <a:latin typeface="Calibri"/>
+              <a:cs typeface="Calibri"/>
+            </a:endParaRPr>
+          </a:p>
+        </p:txBody>
+      </p:sp>
+      <p:cxnSp>
+        <p:nvCxnSpPr>
+          <p:cNvPr id="107" name="Google Shape;275;p37">
+            <a:extLst>
+              <a:ext uri="{FF2B5EF4-FFF2-40B4-BE49-F238E27FC236}">
+                <a16:creationId xmlns:a16="http://schemas.microsoft.com/office/drawing/2014/main" id="{1D14D826-C6CA-42F4-93C2-5688B404ED48}"/>
+              </a:ext>
+            </a:extLst>
+          </p:cNvPr>
+          <p:cNvCxnSpPr>
+            <a:cxnSpLocks/>
+            <a:endCxn id="105" idx="1"/>
+          </p:cNvCxnSpPr>
+          <p:nvPr/>
+        </p:nvCxnSpPr>
+        <p:spPr>
+          <a:xfrm>
+            <a:off x="1529818" y="6146365"/>
+            <a:ext cx="7154758" cy="2951"/>
+          </a:xfrm>
+          <a:prstGeom prst="straightConnector1">
+            <a:avLst/>
+          </a:prstGeom>
+          <a:noFill/>
+          <a:ln w="25400" cap="flat" cmpd="sng">
+            <a:solidFill>
+              <a:schemeClr val="accent1"/>
+            </a:solidFill>
+            <a:prstDash val="solid"/>
+            <a:round/>
+            <a:headEnd type="none" w="sm" len="sm"/>
+            <a:tailEnd type="stealth" w="med" len="med"/>
+          </a:ln>
+          <a:effectLst>
+            <a:outerShdw blurRad="40000" dist="20000" dir="5400000" rotWithShape="0">
+              <a:srgbClr val="000000">
+                <a:alpha val="37647"/>
+              </a:srgbClr>
+            </a:outerShdw>
+          </a:effectLst>
+        </p:spPr>
+      </p:cxnSp>
+      <p:sp>
+        <p:nvSpPr>
+          <p:cNvPr id="33" name="Google Shape;290;p37">
+            <a:extLst>
+              <a:ext uri="{FF2B5EF4-FFF2-40B4-BE49-F238E27FC236}">
+                <a16:creationId xmlns:a16="http://schemas.microsoft.com/office/drawing/2014/main" id="{55655506-F1FF-4CC7-A536-41B5F7F2318F}"/>
+              </a:ext>
+            </a:extLst>
+          </p:cNvPr>
+          <p:cNvSpPr/>
+          <p:nvPr/>
+        </p:nvSpPr>
+        <p:spPr>
+          <a:xfrm>
+            <a:off x="11004238" y="704556"/>
+            <a:ext cx="956245" cy="668531"/>
+          </a:xfrm>
+          <a:prstGeom prst="rect">
+            <a:avLst/>
+          </a:prstGeom>
+          <a:solidFill>
+            <a:schemeClr val="lt1"/>
+          </a:solidFill>
+          <a:ln w="25400" cap="flat" cmpd="sng">
+            <a:solidFill>
+              <a:schemeClr val="accent1"/>
+            </a:solidFill>
+            <a:prstDash val="solid"/>
+            <a:round/>
+            <a:headEnd type="none" w="sm" len="sm"/>
+            <a:tailEnd type="none" w="sm" len="sm"/>
+          </a:ln>
+        </p:spPr>
+        <p:txBody>
+          <a:bodyPr spcFirstLastPara="1" wrap="square" lIns="107269" tIns="53620" rIns="107269" bIns="53620" anchor="ctr" anchorCtr="0">
+            <a:noAutofit/>
+          </a:bodyPr>
+          <a:lstStyle/>
+          <a:p>
+            <a:pPr algn="ctr"/>
+            <a:r>
+              <a:rPr lang="es-419" sz="1400" dirty="0">
+                <a:solidFill>
+                  <a:schemeClr val="dk1"/>
+                </a:solidFill>
+                <a:latin typeface="Calibri"/>
+                <a:ea typeface="Calibri"/>
+                <a:cs typeface="Calibri"/>
+                <a:sym typeface="Calibri"/>
+              </a:rPr>
+              <a:t>Image Details</a:t>
+            </a:r>
+            <a:endParaRPr sz="1400" dirty="0">
+              <a:solidFill>
+                <a:schemeClr val="dk1"/>
+              </a:solidFill>
+              <a:latin typeface="Calibri"/>
+              <a:ea typeface="Calibri"/>
+              <a:cs typeface="Calibri"/>
+              <a:sym typeface="Calibri"/>
+            </a:endParaRPr>
+          </a:p>
+        </p:txBody>
+      </p:sp>
+      <p:sp>
+        <p:nvSpPr>
+          <p:cNvPr id="34" name="Google Shape;292;p37">
+            <a:extLst>
+              <a:ext uri="{FF2B5EF4-FFF2-40B4-BE49-F238E27FC236}">
+                <a16:creationId xmlns:a16="http://schemas.microsoft.com/office/drawing/2014/main" id="{DF3F011A-3651-418A-AA9D-CD53046ED24D}"/>
+              </a:ext>
+            </a:extLst>
+          </p:cNvPr>
+          <p:cNvSpPr/>
+          <p:nvPr/>
+        </p:nvSpPr>
+        <p:spPr>
+          <a:xfrm>
+            <a:off x="11321122" y="5598358"/>
+            <a:ext cx="342116" cy="1101898"/>
+          </a:xfrm>
+          <a:prstGeom prst="rect">
+            <a:avLst/>
+          </a:prstGeom>
+          <a:solidFill>
+            <a:schemeClr val="lt1"/>
+          </a:solidFill>
+          <a:ln w="25400" cap="flat" cmpd="sng">
+            <a:solidFill>
+              <a:schemeClr val="accent1"/>
+            </a:solidFill>
+            <a:prstDash val="solid"/>
+            <a:round/>
+            <a:headEnd type="none" w="sm" len="sm"/>
+            <a:tailEnd type="none" w="sm" len="sm"/>
+          </a:ln>
+        </p:spPr>
+        <p:txBody>
+          <a:bodyPr spcFirstLastPara="1" wrap="square" lIns="107269" tIns="53620" rIns="107269" bIns="53620" anchor="ctr" anchorCtr="0">
+            <a:noAutofit/>
+          </a:bodyPr>
+          <a:lstStyle/>
+          <a:p>
+            <a:pPr algn="ctr"/>
+            <a:endParaRPr sz="2100">
+              <a:solidFill>
+                <a:schemeClr val="dk1"/>
+              </a:solidFill>
+              <a:latin typeface="Calibri"/>
+              <a:ea typeface="Calibri"/>
+              <a:cs typeface="Calibri"/>
+              <a:sym typeface="Calibri"/>
+            </a:endParaRPr>
+          </a:p>
+        </p:txBody>
+      </p:sp>
+      <p:cxnSp>
+        <p:nvCxnSpPr>
+          <p:cNvPr id="117" name="Google Shape;275;p37">
+            <a:extLst>
+              <a:ext uri="{FF2B5EF4-FFF2-40B4-BE49-F238E27FC236}">
+                <a16:creationId xmlns:a16="http://schemas.microsoft.com/office/drawing/2014/main" id="{E9A792EA-3B43-4277-9AD1-49D5EAEEDC0A}"/>
+              </a:ext>
+            </a:extLst>
+          </p:cNvPr>
+          <p:cNvCxnSpPr>
+            <a:cxnSpLocks/>
+          </p:cNvCxnSpPr>
+          <p:nvPr/>
+        </p:nvCxnSpPr>
+        <p:spPr>
+          <a:xfrm>
+            <a:off x="9026692" y="6300129"/>
+            <a:ext cx="2294430" cy="0"/>
+          </a:xfrm>
+          <a:prstGeom prst="straightConnector1">
+            <a:avLst/>
+          </a:prstGeom>
+          <a:noFill/>
+          <a:ln w="25400" cap="flat" cmpd="sng">
+            <a:solidFill>
+              <a:schemeClr val="accent1"/>
+            </a:solidFill>
+            <a:prstDash val="solid"/>
+            <a:round/>
+            <a:headEnd type="none" w="sm" len="sm"/>
+            <a:tailEnd type="stealth" w="med" len="med"/>
+          </a:ln>
+          <a:effectLst>
+            <a:outerShdw blurRad="40000" dist="20000" dir="5400000" rotWithShape="0">
+              <a:srgbClr val="000000">
+                <a:alpha val="37647"/>
+              </a:srgbClr>
+            </a:outerShdw>
+          </a:effectLst>
+        </p:spPr>
+      </p:cxnSp>
+      <p:sp>
+        <p:nvSpPr>
+          <p:cNvPr id="122" name="CasellaDiTesto 121">
+            <a:extLst>
+              <a:ext uri="{FF2B5EF4-FFF2-40B4-BE49-F238E27FC236}">
+                <a16:creationId xmlns:a16="http://schemas.microsoft.com/office/drawing/2014/main" id="{ADA1BAE6-050E-4283-A3D8-552300CF457A}"/>
+              </a:ext>
+            </a:extLst>
+          </p:cNvPr>
+          <p:cNvSpPr txBox="1"/>
+          <p:nvPr/>
+        </p:nvSpPr>
+        <p:spPr>
+          <a:xfrm>
+            <a:off x="8960195" y="5783123"/>
+            <a:ext cx="1759217" cy="523220"/>
+          </a:xfrm>
+          <a:prstGeom prst="rect">
+            <a:avLst/>
+          </a:prstGeom>
+          <a:noFill/>
+        </p:spPr>
+        <p:txBody>
+          <a:bodyPr wrap="square">
+            <a:spAutoFit/>
+          </a:bodyPr>
+          <a:lstStyle/>
+          <a:p>
+            <a:r>
+              <a:rPr lang="en-US" sz="1400" dirty="0">
+                <a:solidFill>
+                  <a:schemeClr val="dk1"/>
+                </a:solidFill>
+                <a:cs typeface="Calibri"/>
+              </a:rPr>
+              <a:t>addNewComment </a:t>
+            </a:r>
+          </a:p>
+          <a:p>
+            <a:r>
+              <a:rPr lang="en-US" sz="1400" dirty="0">
+                <a:solidFill>
+                  <a:schemeClr val="dk1"/>
+                </a:solidFill>
+                <a:cs typeface="Calibri"/>
+              </a:rPr>
+              <a:t>(</a:t>
+            </a:r>
+            <a:r>
+              <a:rPr lang="it-IT" sz="1400" b="1" dirty="0">
+                <a:solidFill>
+                  <a:srgbClr val="7030A0"/>
+                </a:solidFill>
+              </a:rPr>
+              <a:t>commentResponse</a:t>
+            </a:r>
+            <a:r>
+              <a:rPr lang="en-US" sz="1400" dirty="0">
+                <a:cs typeface="Calibri"/>
+              </a:rPr>
+              <a:t>);</a:t>
+            </a:r>
+            <a:endParaRPr lang="it-IT" sz="1400" dirty="0">
+              <a:cs typeface="Calibri"/>
+            </a:endParaRPr>
+          </a:p>
+        </p:txBody>
+      </p:sp>
+      <p:sp>
+        <p:nvSpPr>
+          <p:cNvPr id="126" name="CasellaDiTesto 125">
+            <a:extLst>
+              <a:ext uri="{FF2B5EF4-FFF2-40B4-BE49-F238E27FC236}">
+                <a16:creationId xmlns:a16="http://schemas.microsoft.com/office/drawing/2014/main" id="{406415BD-6913-4692-ABD2-8F65428B5547}"/>
+              </a:ext>
+            </a:extLst>
+          </p:cNvPr>
+          <p:cNvSpPr txBox="1"/>
+          <p:nvPr/>
+        </p:nvSpPr>
+        <p:spPr>
+          <a:xfrm>
+            <a:off x="9043815" y="6286970"/>
+            <a:ext cx="1791070" cy="307777"/>
+          </a:xfrm>
+          <a:prstGeom prst="rect">
+            <a:avLst/>
+          </a:prstGeom>
+          <a:noFill/>
+        </p:spPr>
+        <p:txBody>
+          <a:bodyPr wrap="square">
+            <a:spAutoFit/>
+          </a:bodyPr>
+          <a:lstStyle/>
+          <a:p>
+            <a:r>
+              <a:rPr lang="en-US" sz="1400" dirty="0">
+                <a:solidFill>
+                  <a:schemeClr val="dk1"/>
+                </a:solidFill>
+                <a:cs typeface="Calibri"/>
+              </a:rPr>
+              <a:t>showComments();</a:t>
+            </a:r>
+          </a:p>
+        </p:txBody>
+      </p:sp>
+      <p:cxnSp>
+        <p:nvCxnSpPr>
+          <p:cNvPr id="127" name="Google Shape;275;p37">
+            <a:extLst>
+              <a:ext uri="{FF2B5EF4-FFF2-40B4-BE49-F238E27FC236}">
+                <a16:creationId xmlns:a16="http://schemas.microsoft.com/office/drawing/2014/main" id="{54A6D5C0-9898-4050-9F16-93197F51E252}"/>
+              </a:ext>
+            </a:extLst>
+          </p:cNvPr>
+          <p:cNvCxnSpPr>
+            <a:cxnSpLocks/>
+          </p:cNvCxnSpPr>
+          <p:nvPr/>
+        </p:nvCxnSpPr>
+        <p:spPr>
+          <a:xfrm>
+            <a:off x="9026692" y="6527166"/>
+            <a:ext cx="2294430" cy="0"/>
+          </a:xfrm>
+          <a:prstGeom prst="straightConnector1">
+            <a:avLst/>
+          </a:prstGeom>
+          <a:noFill/>
+          <a:ln w="25400" cap="flat" cmpd="sng">
+            <a:solidFill>
+              <a:schemeClr val="accent1"/>
+            </a:solidFill>
+            <a:prstDash val="solid"/>
+            <a:round/>
+            <a:headEnd type="none" w="sm" len="sm"/>
+            <a:tailEnd type="stealth" w="med" len="med"/>
+          </a:ln>
+          <a:effectLst>
+            <a:outerShdw blurRad="40000" dist="20000" dir="5400000" rotWithShape="0">
+              <a:srgbClr val="000000">
+                <a:alpha val="37647"/>
+              </a:srgbClr>
+            </a:outerShdw>
+          </a:effectLst>
+        </p:spPr>
+      </p:cxnSp>
+    </p:spTree>
+    <p:extLst>
+      <p:ext uri="{BB962C8B-B14F-4D97-AF65-F5344CB8AC3E}">
+        <p14:creationId xmlns:p14="http://schemas.microsoft.com/office/powerpoint/2010/main" val="1316545510"/>
+      </p:ext>
+    </p:extLst>
+  </p:cSld>
+  <p:clrMapOvr>
+    <a:masterClrMapping/>
+  </p:clrMapOvr>
+</p:sld>
+</file>
+
 <file path=ppt/slides/slide2.xml><?xml version="1.0" encoding="utf-8"?>
 <p:sld xmlns:a="http://schemas.openxmlformats.org/drawingml/2006/main" xmlns:r="http://schemas.openxmlformats.org/officeDocument/2006/relationships" xmlns:p="http://schemas.openxmlformats.org/presentationml/2006/main">
   <p:cSld>
@@ -26073,8 +30680,12 @@
               <a:buChar char="•"/>
             </a:pPr>
             <a:r>
+              <a:rPr lang="it-IT" sz="1400" dirty="0" err="1"/>
+              <a:t>registerEvents</a:t>
+            </a:r>
+            <a:r>
               <a:rPr lang="it-IT" sz="1400" dirty="0"/>
-              <a:t>registerEvents(): associa all’evento «click» la funzione che interroga il server per controllare se le credenziali di login sono corrette.</a:t>
+              <a:t>(): associa all’evento «click» la funzione che interroga il server per controllare se le credenziali di login sono corrette.</a:t>
             </a:r>
           </a:p>
           <a:p>
@@ -26174,7 +30785,15 @@
             </a:pPr>
             <a:r>
               <a:rPr lang="it-IT" sz="1200" dirty="0"/>
-              <a:t>RegisterEvents(): associa all’evento «click» la funzione che interroga il server per controllare che l’ utente non sia loggato e reindirizza alla pagina «OnePage.Html»</a:t>
+              <a:t>RegisterEvents(): associa all’evento «click» la funzione che interroga il server per controllare che l’ utente non sia loggato e reindirizza alla pagina «</a:t>
+            </a:r>
+            <a:r>
+              <a:rPr lang="it-IT" sz="1200" dirty="0" err="1"/>
+              <a:t>OnePage.Html</a:t>
+            </a:r>
+            <a:r>
+              <a:rPr lang="it-IT" sz="1200" dirty="0"/>
+              <a:t>»</a:t>
             </a:r>
           </a:p>
           <a:p>
@@ -26734,7 +31353,7 @@
               <a:buChar char="•"/>
             </a:pPr>
             <a:r>
-              <a:rPr lang="it-IT" sz="1200" b="1" dirty="0"/>
+              <a:rPr lang="it-IT" sz="1200" b="1" dirty="0" err="1"/>
               <a:t>registerEvents</a:t>
             </a:r>
             <a:r>
@@ -26830,7 +31449,7 @@
               <a:buChar char="•"/>
             </a:pPr>
             <a:r>
-              <a:rPr lang="it-IT" sz="1200" b="1" dirty="0"/>
+              <a:rPr lang="it-IT" sz="1200" b="1" dirty="0" err="1"/>
               <a:t>registerEvents</a:t>
             </a:r>
             <a:r>
@@ -26866,7 +31485,7 @@
               <a:buChar char="•"/>
             </a:pPr>
             <a:r>
-              <a:rPr lang="it-IT" sz="1200" b="1" dirty="0"/>
+              <a:rPr lang="it-IT" sz="1200" b="1" dirty="0" err="1"/>
               <a:t>registerEvents</a:t>
             </a:r>
             <a:r>
@@ -26942,7 +31561,7 @@
               <a:buChar char="•"/>
             </a:pPr>
             <a:r>
-              <a:rPr lang="it-IT" sz="1200" b="1" dirty="0"/>
+              <a:rPr lang="it-IT" sz="1200" b="1" dirty="0" err="1"/>
               <a:t>registerEvents</a:t>
             </a:r>
             <a:r>
@@ -27018,7 +31637,7 @@
               <a:buChar char="•"/>
             </a:pPr>
             <a:r>
-              <a:rPr lang="it-IT" sz="1200" b="1" dirty="0"/>
+              <a:rPr lang="it-IT" sz="1200" b="1" dirty="0" err="1"/>
               <a:t>registerEvents</a:t>
             </a:r>
             <a:r>
@@ -27153,8 +31772,12 @@
               <a:buChar char="•"/>
             </a:pPr>
             <a:r>
+              <a:rPr lang="it-IT" sz="1200" dirty="0" err="1"/>
+              <a:t>registerEvents</a:t>
+            </a:r>
+            <a:r>
               <a:rPr lang="it-IT" sz="1200" dirty="0"/>
-              <a:t>registerEvents(): associa all’evento «click» la funzione che muove la lista di immagini al blocco successivo</a:t>
+              <a:t>(): associa all’evento «click» la funzione che muove la lista di immagini al blocco successivo</a:t>
             </a:r>
           </a:p>
           <a:p>
@@ -27185,8 +31808,12 @@
               <a:buChar char="•"/>
             </a:pPr>
             <a:r>
+              <a:rPr lang="it-IT" sz="1200" dirty="0" err="1"/>
+              <a:t>registerEvents</a:t>
+            </a:r>
+            <a:r>
               <a:rPr lang="it-IT" sz="1200" dirty="0"/>
-              <a:t>registerEvents(): associa all’evento «click» la funzione che muove la lista di immagini al blocco precedente</a:t>
+              <a:t>(): associa all’evento «click» la funzione che muove la lista di immagini al blocco precedente</a:t>
             </a:r>
           </a:p>
           <a:p>
@@ -27217,7 +31844,7 @@
               <a:buChar char="•"/>
             </a:pPr>
             <a:r>
-              <a:rPr lang="it-IT" sz="1200" b="1" dirty="0"/>
+              <a:rPr lang="it-IT" sz="1200" b="1" dirty="0" err="1"/>
               <a:t>registerEvents</a:t>
             </a:r>
             <a:r>
@@ -27253,7 +31880,7 @@
               <a:buChar char="•"/>
             </a:pPr>
             <a:r>
-              <a:rPr lang="it-IT" sz="1200" b="1" dirty="0"/>
+              <a:rPr lang="it-IT" sz="1200" b="1" dirty="0" err="1"/>
               <a:t>registerEvents</a:t>
             </a:r>
             <a:r>

--- a/Presentazioni Powerpoint/Progetto1_versione_RIA.pptx
+++ b/Presentazioni Powerpoint/Progetto1_versione_RIA.pptx
@@ -13,12 +13,12 @@
     <p:sldId id="263" r:id="rId4"/>
     <p:sldId id="352" r:id="rId5"/>
     <p:sldId id="353" r:id="rId6"/>
-    <p:sldId id="354" r:id="rId7"/>
-    <p:sldId id="355" r:id="rId8"/>
-    <p:sldId id="356" r:id="rId9"/>
-    <p:sldId id="357" r:id="rId10"/>
-    <p:sldId id="360" r:id="rId11"/>
-    <p:sldId id="359" r:id="rId12"/>
+    <p:sldId id="361" r:id="rId7"/>
+    <p:sldId id="362" r:id="rId8"/>
+    <p:sldId id="363" r:id="rId9"/>
+    <p:sldId id="365" r:id="rId10"/>
+    <p:sldId id="366" r:id="rId11"/>
+    <p:sldId id="367" r:id="rId12"/>
     <p:sldId id="283" r:id="rId13"/>
     <p:sldId id="284" r:id="rId14"/>
     <p:sldId id="258" r:id="rId15"/>
@@ -229,7 +229,7 @@
           <a:p>
             <a:fld id="{C25F5A86-D4B2-4CFB-9FC8-FAE097577B12}" type="datetimeFigureOut">
               <a:rPr lang="it-IT" smtClean="0"/>
-              <a:t>06/09/2020</a:t>
+              <a:t>07/09/2020</a:t>
             </a:fld>
             <a:endParaRPr lang="it-IT" dirty="0"/>
           </a:p>
@@ -547,7 +547,7 @@
               </a:spcAft>
               <a:buNone/>
             </a:pPr>
-            <a:endParaRPr/>
+            <a:endParaRPr dirty="0"/>
           </a:p>
         </p:txBody>
       </p:sp>
@@ -1245,7 +1245,7 @@
               </a:spcAft>
               <a:buNone/>
             </a:pPr>
-            <a:endParaRPr/>
+            <a:endParaRPr dirty="0"/>
           </a:p>
         </p:txBody>
       </p:sp>
@@ -1349,7 +1349,7 @@
               </a:spcAft>
               <a:buNone/>
             </a:pPr>
-            <a:endParaRPr/>
+            <a:endParaRPr dirty="0"/>
           </a:p>
         </p:txBody>
       </p:sp>
@@ -1762,7 +1762,7 @@
           <a:p>
             <a:fld id="{FE1EE28F-F736-456D-A3C7-4F5EC37410C2}" type="datetimeFigureOut">
               <a:rPr lang="it-IT" smtClean="0"/>
-              <a:t>06/09/2020</a:t>
+              <a:t>07/09/2020</a:t>
             </a:fld>
             <a:endParaRPr lang="it-IT" dirty="0"/>
           </a:p>
@@ -1960,7 +1960,7 @@
           <a:p>
             <a:fld id="{FE1EE28F-F736-456D-A3C7-4F5EC37410C2}" type="datetimeFigureOut">
               <a:rPr lang="it-IT" smtClean="0"/>
-              <a:t>06/09/2020</a:t>
+              <a:t>07/09/2020</a:t>
             </a:fld>
             <a:endParaRPr lang="it-IT" dirty="0"/>
           </a:p>
@@ -2168,7 +2168,7 @@
           <a:p>
             <a:fld id="{FE1EE28F-F736-456D-A3C7-4F5EC37410C2}" type="datetimeFigureOut">
               <a:rPr lang="it-IT" smtClean="0"/>
-              <a:t>06/09/2020</a:t>
+              <a:t>07/09/2020</a:t>
             </a:fld>
             <a:endParaRPr lang="it-IT" dirty="0"/>
           </a:p>
@@ -2366,7 +2366,7 @@
           <a:p>
             <a:fld id="{FE1EE28F-F736-456D-A3C7-4F5EC37410C2}" type="datetimeFigureOut">
               <a:rPr lang="it-IT" smtClean="0"/>
-              <a:t>06/09/2020</a:t>
+              <a:t>07/09/2020</a:t>
             </a:fld>
             <a:endParaRPr lang="it-IT" dirty="0"/>
           </a:p>
@@ -2641,7 +2641,7 @@
           <a:p>
             <a:fld id="{FE1EE28F-F736-456D-A3C7-4F5EC37410C2}" type="datetimeFigureOut">
               <a:rPr lang="it-IT" smtClean="0"/>
-              <a:t>06/09/2020</a:t>
+              <a:t>07/09/2020</a:t>
             </a:fld>
             <a:endParaRPr lang="it-IT" dirty="0"/>
           </a:p>
@@ -2906,7 +2906,7 @@
           <a:p>
             <a:fld id="{FE1EE28F-F736-456D-A3C7-4F5EC37410C2}" type="datetimeFigureOut">
               <a:rPr lang="it-IT" smtClean="0"/>
-              <a:t>06/09/2020</a:t>
+              <a:t>07/09/2020</a:t>
             </a:fld>
             <a:endParaRPr lang="it-IT" dirty="0"/>
           </a:p>
@@ -3318,7 +3318,7 @@
           <a:p>
             <a:fld id="{FE1EE28F-F736-456D-A3C7-4F5EC37410C2}" type="datetimeFigureOut">
               <a:rPr lang="it-IT" smtClean="0"/>
-              <a:t>06/09/2020</a:t>
+              <a:t>07/09/2020</a:t>
             </a:fld>
             <a:endParaRPr lang="it-IT" dirty="0"/>
           </a:p>
@@ -3459,7 +3459,7 @@
           <a:p>
             <a:fld id="{FE1EE28F-F736-456D-A3C7-4F5EC37410C2}" type="datetimeFigureOut">
               <a:rPr lang="it-IT" smtClean="0"/>
-              <a:t>06/09/2020</a:t>
+              <a:t>07/09/2020</a:t>
             </a:fld>
             <a:endParaRPr lang="it-IT" dirty="0"/>
           </a:p>
@@ -3572,7 +3572,7 @@
           <a:p>
             <a:fld id="{FE1EE28F-F736-456D-A3C7-4F5EC37410C2}" type="datetimeFigureOut">
               <a:rPr lang="it-IT" smtClean="0"/>
-              <a:t>06/09/2020</a:t>
+              <a:t>07/09/2020</a:t>
             </a:fld>
             <a:endParaRPr lang="it-IT" dirty="0"/>
           </a:p>
@@ -3883,7 +3883,7 @@
           <a:p>
             <a:fld id="{FE1EE28F-F736-456D-A3C7-4F5EC37410C2}" type="datetimeFigureOut">
               <a:rPr lang="it-IT" smtClean="0"/>
-              <a:t>06/09/2020</a:t>
+              <a:t>07/09/2020</a:t>
             </a:fld>
             <a:endParaRPr lang="it-IT" dirty="0"/>
           </a:p>
@@ -4171,7 +4171,7 @@
           <a:p>
             <a:fld id="{FE1EE28F-F736-456D-A3C7-4F5EC37410C2}" type="datetimeFigureOut">
               <a:rPr lang="it-IT" smtClean="0"/>
-              <a:t>06/09/2020</a:t>
+              <a:t>07/09/2020</a:t>
             </a:fld>
             <a:endParaRPr lang="it-IT" dirty="0"/>
           </a:p>
@@ -4412,7 +4412,7 @@
           <a:p>
             <a:fld id="{FE1EE28F-F736-456D-A3C7-4F5EC37410C2}" type="datetimeFigureOut">
               <a:rPr lang="it-IT" smtClean="0"/>
-              <a:t>06/09/2020</a:t>
+              <a:t>07/09/2020</a:t>
             </a:fld>
             <a:endParaRPr lang="it-IT" dirty="0"/>
           </a:p>
@@ -4893,7 +4893,7 @@
           <a:lstStyle/>
           <a:p>
             <a:pPr algn="ctr"/>
-            <a:endParaRPr lang="en-US"/>
+            <a:endParaRPr lang="en-US" dirty="0"/>
           </a:p>
         </p:txBody>
       </p:sp>
@@ -5033,10 +5033,10 @@
       </p:grpSpPr>
       <p:sp useBgFill="1">
         <p:nvSpPr>
-          <p:cNvPr id="16" name="Rectangle 15">
-            <a:extLst>
-              <a:ext uri="{FF2B5EF4-FFF2-40B4-BE49-F238E27FC236}">
-                <a16:creationId xmlns:a16="http://schemas.microsoft.com/office/drawing/2014/main" id="{53F29798-D584-4792-9B62-3F5F5C36D619}"/>
+          <p:cNvPr id="10" name="Rectangle 9">
+            <a:extLst>
+              <a:ext uri="{FF2B5EF4-FFF2-40B4-BE49-F238E27FC236}">
+                <a16:creationId xmlns:a16="http://schemas.microsoft.com/office/drawing/2014/main" id="{62542EEC-4F7C-4AE2-933E-EAC8EB3FA378}"/>
               </a:ext>
               <a:ext uri="{C183D7F6-B498-43B3-948B-1728B52AA6E4}">
                 <adec:decorative xmlns:adec="http://schemas.microsoft.com/office/drawing/2017/decorative" val="1"/>
@@ -5057,7 +5057,7 @@
         <p:spPr>
           <a:xfrm>
             <a:off x="0" y="0"/>
-            <a:ext cx="12188952" cy="6858000"/>
+            <a:ext cx="12191999" cy="6857365"/>
           </a:xfrm>
           <a:prstGeom prst="rect">
             <a:avLst/>
@@ -5087,147 +5087,16 @@
           <a:lstStyle/>
           <a:p>
             <a:pPr algn="ctr"/>
-            <a:endParaRPr lang="en-US"/>
+            <a:endParaRPr lang="en-US" dirty="0"/>
           </a:p>
         </p:txBody>
       </p:sp>
       <p:sp>
         <p:nvSpPr>
-          <p:cNvPr id="2" name="Titolo 1">
-            <a:extLst>
-              <a:ext uri="{FF2B5EF4-FFF2-40B4-BE49-F238E27FC236}">
-                <a16:creationId xmlns:a16="http://schemas.microsoft.com/office/drawing/2014/main" id="{921AEBED-73C8-4BA7-9CE1-752C570077E7}"/>
-              </a:ext>
-            </a:extLst>
-          </p:cNvPr>
-          <p:cNvSpPr>
-            <a:spLocks noGrp="1"/>
-          </p:cNvSpPr>
-          <p:nvPr>
-            <p:ph type="title"/>
-          </p:nvPr>
-        </p:nvSpPr>
-        <p:spPr>
-          <a:xfrm>
-            <a:off x="838200" y="184805"/>
-            <a:ext cx="10515600" cy="1505883"/>
-          </a:xfrm>
-        </p:spPr>
-        <p:txBody>
-          <a:bodyPr vert="horz" lIns="91440" tIns="45720" rIns="91440" bIns="45720" rtlCol="0" anchor="ctr">
-            <a:normAutofit/>
-          </a:bodyPr>
-          <a:lstStyle/>
-          <a:p>
-            <a:r>
-              <a:rPr lang="en-US" sz="3900" b="1" kern="1200" dirty="0">
-                <a:solidFill>
-                  <a:schemeClr val="tx1"/>
-                </a:solidFill>
-                <a:latin typeface="+mn-lt"/>
-                <a:ea typeface="+mj-ea"/>
-                <a:cs typeface="+mj-cs"/>
-              </a:rPr>
-              <a:t>OnePage.html</a:t>
-            </a:r>
-            <a:br>
-              <a:rPr lang="en-US" sz="3900" b="1" kern="1200" dirty="0">
-                <a:solidFill>
-                  <a:schemeClr val="tx1"/>
-                </a:solidFill>
-                <a:latin typeface="+mn-lt"/>
-                <a:ea typeface="+mj-ea"/>
-                <a:cs typeface="+mj-cs"/>
-              </a:rPr>
-            </a:br>
-            <a:r>
-              <a:rPr lang="en-US" sz="3900" b="1" kern="1200" dirty="0">
-                <a:solidFill>
-                  <a:srgbClr val="7030A0"/>
-                </a:solidFill>
-                <a:latin typeface="+mn-lt"/>
-                <a:ea typeface="+mj-ea"/>
-                <a:cs typeface="+mj-cs"/>
-              </a:rPr>
-              <a:t>User Logged</a:t>
-            </a:r>
-          </a:p>
-        </p:txBody>
-      </p:sp>
-      <p:pic>
-        <p:nvPicPr>
-          <p:cNvPr id="5" name="Immagine 4">
-            <a:extLst>
-              <a:ext uri="{FF2B5EF4-FFF2-40B4-BE49-F238E27FC236}">
-                <a16:creationId xmlns:a16="http://schemas.microsoft.com/office/drawing/2014/main" id="{D347EA58-D955-4F31-BED8-F346A43FEA7D}"/>
-              </a:ext>
-            </a:extLst>
-          </p:cNvPr>
-          <p:cNvPicPr>
-            <a:picLocks noChangeAspect="1"/>
-          </p:cNvPicPr>
-          <p:nvPr/>
-        </p:nvPicPr>
-        <p:blipFill>
-          <a:blip r:embed="rId2"/>
-          <a:stretch>
-            <a:fillRect/>
-          </a:stretch>
-        </p:blipFill>
-        <p:spPr>
-          <a:xfrm>
-            <a:off x="2133600" y="1509938"/>
-            <a:ext cx="7752080" cy="5019471"/>
-          </a:xfrm>
-          <a:prstGeom prst="rect">
-            <a:avLst/>
-          </a:prstGeom>
-        </p:spPr>
-      </p:pic>
-    </p:spTree>
-    <p:extLst>
-      <p:ext uri="{BB962C8B-B14F-4D97-AF65-F5344CB8AC3E}">
-        <p14:creationId xmlns:p14="http://schemas.microsoft.com/office/powerpoint/2010/main" val="3201285935"/>
-      </p:ext>
-    </p:extLst>
-  </p:cSld>
-  <p:clrMapOvr>
-    <a:masterClrMapping/>
-  </p:clrMapOvr>
-</p:sld>
-</file>
-
-<file path=ppt/slides/slide11.xml><?xml version="1.0" encoding="utf-8"?>
-<p:sld xmlns:a="http://schemas.openxmlformats.org/drawingml/2006/main" xmlns:r="http://schemas.openxmlformats.org/officeDocument/2006/relationships" xmlns:p="http://schemas.openxmlformats.org/presentationml/2006/main">
-  <p:cSld>
-    <p:bg>
-      <p:bgPr>
-        <a:solidFill>
-          <a:schemeClr val="bg1"/>
-        </a:solidFill>
-        <a:effectLst/>
-      </p:bgPr>
-    </p:bg>
-    <p:spTree>
-      <p:nvGrpSpPr>
-        <p:cNvPr id="1" name=""/>
-        <p:cNvGrpSpPr/>
-        <p:nvPr/>
-      </p:nvGrpSpPr>
-      <p:grpSpPr>
-        <a:xfrm>
-          <a:off x="0" y="0"/>
-          <a:ext cx="0" cy="0"/>
-          <a:chOff x="0" y="0"/>
-          <a:chExt cx="0" cy="0"/>
-        </a:xfrm>
-      </p:grpSpPr>
-      <p:sp useBgFill="1">
-        <p:nvSpPr>
-          <p:cNvPr id="10" name="Rectangle 9">
-            <a:extLst>
-              <a:ext uri="{FF2B5EF4-FFF2-40B4-BE49-F238E27FC236}">
-                <a16:creationId xmlns:a16="http://schemas.microsoft.com/office/drawing/2014/main" id="{62542EEC-4F7C-4AE2-933E-EAC8EB3FA378}"/>
+          <p:cNvPr id="12" name="Rectangle 11">
+            <a:extLst>
+              <a:ext uri="{FF2B5EF4-FFF2-40B4-BE49-F238E27FC236}">
+                <a16:creationId xmlns:a16="http://schemas.microsoft.com/office/drawing/2014/main" id="{B81933D1-5615-42C7-9C0B-4EB7105CCE2D}"/>
               </a:ext>
               <a:ext uri="{C183D7F6-B498-43B3-948B-1728B52AA6E4}">
                 <adec:decorative xmlns:adec="http://schemas.microsoft.com/office/drawing/2017/decorative" val="1"/>
@@ -5246,13 +5115,16 @@
           </p:nvPr>
         </p:nvSpPr>
         <p:spPr>
-          <a:xfrm>
+          <a:xfrm flipH="1">
             <a:off x="0" y="0"/>
-            <a:ext cx="12191999" cy="6857365"/>
+            <a:ext cx="1494330" cy="6858000"/>
           </a:xfrm>
           <a:prstGeom prst="rect">
             <a:avLst/>
           </a:prstGeom>
+          <a:solidFill>
+            <a:schemeClr val="accent4"/>
+          </a:solidFill>
           <a:ln>
             <a:noFill/>
           </a:ln>
@@ -5278,95 +5150,16 @@
           <a:lstStyle/>
           <a:p>
             <a:pPr algn="ctr"/>
-            <a:endParaRPr lang="en-US"/>
+            <a:endParaRPr lang="en-US" dirty="0"/>
           </a:p>
         </p:txBody>
       </p:sp>
       <p:sp>
         <p:nvSpPr>
-          <p:cNvPr id="2" name="Titolo 1">
-            <a:extLst>
-              <a:ext uri="{FF2B5EF4-FFF2-40B4-BE49-F238E27FC236}">
-                <a16:creationId xmlns:a16="http://schemas.microsoft.com/office/drawing/2014/main" id="{D01C3C1A-FE2C-461B-94A4-68E58C809BDC}"/>
-              </a:ext>
-            </a:extLst>
-          </p:cNvPr>
-          <p:cNvSpPr>
-            <a:spLocks noGrp="1"/>
-          </p:cNvSpPr>
-          <p:nvPr>
-            <p:ph type="title"/>
-          </p:nvPr>
-        </p:nvSpPr>
-        <p:spPr>
-          <a:xfrm>
-            <a:off x="7041856" y="3113415"/>
-            <a:ext cx="4036334" cy="2387600"/>
-          </a:xfrm>
-        </p:spPr>
-        <p:txBody>
-          <a:bodyPr vert="horz" lIns="91440" tIns="45720" rIns="91440" bIns="45720" rtlCol="0" anchor="t">
-            <a:normAutofit/>
-          </a:bodyPr>
-          <a:lstStyle/>
-          <a:p>
-            <a:r>
-              <a:rPr lang="en-US" sz="3900" dirty="0">
-                <a:latin typeface="+mn-lt"/>
-              </a:rPr>
-              <a:t>OnePage</a:t>
-            </a:r>
-            <a:r>
-              <a:rPr lang="en-US" sz="3900" kern="1200" dirty="0">
-                <a:solidFill>
-                  <a:schemeClr val="tx1"/>
-                </a:solidFill>
-                <a:latin typeface="+mn-lt"/>
-                <a:ea typeface="+mj-ea"/>
-                <a:cs typeface="+mj-cs"/>
-              </a:rPr>
-              <a:t>.html</a:t>
-            </a:r>
-            <a:br>
-              <a:rPr lang="en-US" sz="3900" kern="1200" dirty="0">
-                <a:solidFill>
-                  <a:schemeClr val="tx1"/>
-                </a:solidFill>
-                <a:latin typeface="+mn-lt"/>
-                <a:ea typeface="+mj-ea"/>
-                <a:cs typeface="+mj-cs"/>
-              </a:rPr>
-            </a:br>
-            <a:r>
-              <a:rPr lang="en-US" sz="3900" b="1" kern="1200" dirty="0">
-                <a:solidFill>
-                  <a:srgbClr val="7030A0"/>
-                </a:solidFill>
-                <a:latin typeface="+mn-lt"/>
-                <a:ea typeface="+mj-ea"/>
-                <a:cs typeface="+mj-cs"/>
-              </a:rPr>
-              <a:t>User </a:t>
-            </a:r>
-            <a:r>
-              <a:rPr lang="en-US" sz="3900" b="1" dirty="0">
-                <a:solidFill>
-                  <a:srgbClr val="7030A0"/>
-                </a:solidFill>
-                <a:latin typeface="+mn-lt"/>
-              </a:rPr>
-              <a:t>Logged</a:t>
-            </a:r>
-            <a:endParaRPr lang="en-US" sz="3900" b="1" dirty="0"/>
-          </a:p>
-        </p:txBody>
-      </p:sp>
-      <p:sp>
-        <p:nvSpPr>
-          <p:cNvPr id="12" name="Rectangle 11">
-            <a:extLst>
-              <a:ext uri="{FF2B5EF4-FFF2-40B4-BE49-F238E27FC236}">
-                <a16:creationId xmlns:a16="http://schemas.microsoft.com/office/drawing/2014/main" id="{B81933D1-5615-42C7-9C0B-4EB7105CCE2D}"/>
+          <p:cNvPr id="14" name="Rectangle 13">
+            <a:extLst>
+              <a:ext uri="{FF2B5EF4-FFF2-40B4-BE49-F238E27FC236}">
+                <a16:creationId xmlns:a16="http://schemas.microsoft.com/office/drawing/2014/main" id="{19C9EAEA-39D0-4B0E-A0EB-51E7B26740B1}"/>
               </a:ext>
               <a:ext uri="{C183D7F6-B498-43B3-948B-1728B52AA6E4}">
                 <adec:decorative xmlns:adec="http://schemas.microsoft.com/office/drawing/2017/decorative" val="1"/>
@@ -5385,19 +5178,26 @@
           </p:nvPr>
         </p:nvSpPr>
         <p:spPr>
-          <a:xfrm flipH="1">
-            <a:off x="0" y="0"/>
-            <a:ext cx="1494330" cy="6858000"/>
+          <a:xfrm>
+            <a:off x="496824" y="391886"/>
+            <a:ext cx="6009366" cy="6017078"/>
           </a:xfrm>
           <a:prstGeom prst="rect">
             <a:avLst/>
           </a:prstGeom>
           <a:solidFill>
-            <a:schemeClr val="accent4"/>
+            <a:schemeClr val="bg1"/>
           </a:solidFill>
           <a:ln>
             <a:noFill/>
           </a:ln>
+          <a:effectLst>
+            <a:outerShdw blurRad="139700" dist="127000" dir="5400000" algn="t" rotWithShape="0">
+              <a:prstClr val="black">
+                <a:alpha val="15000"/>
+              </a:prstClr>
+            </a:outerShdw>
+          </a:effectLst>
         </p:spPr>
         <p:style>
           <a:lnRef idx="2">
@@ -5420,77 +5220,7 @@
           <a:lstStyle/>
           <a:p>
             <a:pPr algn="ctr"/>
-            <a:endParaRPr lang="en-US"/>
-          </a:p>
-        </p:txBody>
-      </p:sp>
-      <p:sp>
-        <p:nvSpPr>
-          <p:cNvPr id="14" name="Rectangle 13">
-            <a:extLst>
-              <a:ext uri="{FF2B5EF4-FFF2-40B4-BE49-F238E27FC236}">
-                <a16:creationId xmlns:a16="http://schemas.microsoft.com/office/drawing/2014/main" id="{19C9EAEA-39D0-4B0E-A0EB-51E7B26740B1}"/>
-              </a:ext>
-              <a:ext uri="{C183D7F6-B498-43B3-948B-1728B52AA6E4}">
-                <adec:decorative xmlns:adec="http://schemas.microsoft.com/office/drawing/2017/decorative" val="1"/>
-              </a:ext>
-            </a:extLst>
-          </p:cNvPr>
-          <p:cNvSpPr>
-            <a:spLocks noGrp="1" noRot="1" noChangeAspect="1" noMove="1" noResize="1" noEditPoints="1" noAdjustHandles="1" noChangeArrowheads="1" noChangeShapeType="1" noTextEdit="1"/>
-          </p:cNvSpPr>
-          <p:nvPr>
-            <p:extLst>
-              <p:ext uri="{386F3935-93C4-4BCD-93E2-E3B085C9AB24}">
-                <p16:designElem xmlns:p16="http://schemas.microsoft.com/office/powerpoint/2015/main" val="1"/>
-              </p:ext>
-            </p:extLst>
-          </p:nvPr>
-        </p:nvSpPr>
-        <p:spPr>
-          <a:xfrm>
-            <a:off x="496824" y="391886"/>
-            <a:ext cx="6009366" cy="6017078"/>
-          </a:xfrm>
-          <a:prstGeom prst="rect">
-            <a:avLst/>
-          </a:prstGeom>
-          <a:solidFill>
-            <a:schemeClr val="bg1"/>
-          </a:solidFill>
-          <a:ln>
-            <a:noFill/>
-          </a:ln>
-          <a:effectLst>
-            <a:outerShdw blurRad="139700" dist="127000" dir="5400000" algn="t" rotWithShape="0">
-              <a:prstClr val="black">
-                <a:alpha val="15000"/>
-              </a:prstClr>
-            </a:outerShdw>
-          </a:effectLst>
-        </p:spPr>
-        <p:style>
-          <a:lnRef idx="2">
-            <a:schemeClr val="accent1">
-              <a:shade val="50000"/>
-            </a:schemeClr>
-          </a:lnRef>
-          <a:fillRef idx="1">
-            <a:schemeClr val="accent1"/>
-          </a:fillRef>
-          <a:effectRef idx="0">
-            <a:schemeClr val="accent1"/>
-          </a:effectRef>
-          <a:fontRef idx="minor">
-            <a:schemeClr val="lt1"/>
-          </a:fontRef>
-        </p:style>
-        <p:txBody>
-          <a:bodyPr rtlCol="0" anchor="ctr"/>
-          <a:lstStyle/>
-          <a:p>
-            <a:pPr algn="ctr"/>
-            <a:endParaRPr lang="en-US"/>
+            <a:endParaRPr lang="en-US" dirty="0"/>
           </a:p>
         </p:txBody>
       </p:sp>
@@ -5583,7 +5313,7 @@
             <a:lstStyle/>
             <a:p>
               <a:pPr algn="ctr"/>
-              <a:endParaRPr lang="en-US"/>
+              <a:endParaRPr lang="en-US" dirty="0"/>
             </a:p>
           </p:txBody>
         </p:sp>
@@ -5642,7 +5372,7 @@
             <a:lstStyle/>
             <a:p>
               <a:pPr algn="ctr"/>
-              <a:endParaRPr lang="en-US"/>
+              <a:endParaRPr lang="en-US" dirty="0"/>
             </a:p>
           </p:txBody>
         </p:sp>
@@ -5701,17 +5431,631 @@
             <a:lstStyle/>
             <a:p>
               <a:pPr algn="ctr"/>
-              <a:endParaRPr lang="en-US"/>
+              <a:endParaRPr lang="en-US" dirty="0"/>
             </a:p>
           </p:txBody>
         </p:sp>
       </p:grpSp>
+      <p:sp>
+        <p:nvSpPr>
+          <p:cNvPr id="20" name="Titolo 1">
+            <a:extLst>
+              <a:ext uri="{FF2B5EF4-FFF2-40B4-BE49-F238E27FC236}">
+                <a16:creationId xmlns:a16="http://schemas.microsoft.com/office/drawing/2014/main" id="{3209FF46-8E28-4D31-A897-D0EB67C2A0F1}"/>
+              </a:ext>
+            </a:extLst>
+          </p:cNvPr>
+          <p:cNvSpPr txBox="1">
+            <a:spLocks/>
+          </p:cNvSpPr>
+          <p:nvPr/>
+        </p:nvSpPr>
+        <p:spPr>
+          <a:xfrm>
+            <a:off x="8519504" y="3034646"/>
+            <a:ext cx="2868998" cy="1156654"/>
+          </a:xfrm>
+          <a:prstGeom prst="rect">
+            <a:avLst/>
+          </a:prstGeom>
+        </p:spPr>
+        <p:txBody>
+          <a:bodyPr vert="horz" lIns="91440" tIns="45720" rIns="91440" bIns="45720" rtlCol="0" anchor="t">
+            <a:normAutofit/>
+          </a:bodyPr>
+          <a:lstStyle>
+            <a:lvl1pPr algn="l" defTabSz="914400" rtl="0" eaLnBrk="1" latinLnBrk="0" hangingPunct="1">
+              <a:lnSpc>
+                <a:spcPct val="90000"/>
+              </a:lnSpc>
+              <a:spcBef>
+                <a:spcPct val="0"/>
+              </a:spcBef>
+              <a:buNone/>
+              <a:defRPr sz="4400" kern="1200">
+                <a:solidFill>
+                  <a:schemeClr val="tx1"/>
+                </a:solidFill>
+                <a:latin typeface="+mj-lt"/>
+                <a:ea typeface="+mj-ea"/>
+                <a:cs typeface="+mj-cs"/>
+              </a:defRPr>
+            </a:lvl1pPr>
+          </a:lstStyle>
+          <a:p>
+            <a:r>
+              <a:rPr lang="en-US" sz="3200" dirty="0">
+                <a:latin typeface="+mn-lt"/>
+              </a:rPr>
+              <a:t>OnePage.html</a:t>
+            </a:r>
+            <a:br>
+              <a:rPr lang="en-US" sz="3200" dirty="0">
+                <a:latin typeface="+mn-lt"/>
+              </a:rPr>
+            </a:br>
+            <a:r>
+              <a:rPr lang="en-US" sz="3200" b="1" dirty="0">
+                <a:solidFill>
+                  <a:srgbClr val="7030A0"/>
+                </a:solidFill>
+                <a:latin typeface="+mn-lt"/>
+              </a:rPr>
+              <a:t>User Logged</a:t>
+            </a:r>
+            <a:endParaRPr lang="en-US" sz="3200" b="1" dirty="0"/>
+          </a:p>
+        </p:txBody>
+      </p:sp>
+      <p:pic>
+        <p:nvPicPr>
+          <p:cNvPr id="2" name="Immagine 1">
+            <a:extLst>
+              <a:ext uri="{FF2B5EF4-FFF2-40B4-BE49-F238E27FC236}">
+                <a16:creationId xmlns:a16="http://schemas.microsoft.com/office/drawing/2014/main" id="{1053DB18-FCB6-45FE-9713-E1F6F00CB0B7}"/>
+              </a:ext>
+            </a:extLst>
+          </p:cNvPr>
+          <p:cNvPicPr>
+            <a:picLocks noChangeAspect="1"/>
+          </p:cNvPicPr>
+          <p:nvPr/>
+        </p:nvPicPr>
+        <p:blipFill rotWithShape="1">
+          <a:blip r:embed="rId2"/>
+          <a:srcRect l="1975" r="1"/>
+          <a:stretch/>
+        </p:blipFill>
+        <p:spPr>
+          <a:xfrm>
+            <a:off x="496824" y="1103237"/>
+            <a:ext cx="7560927" cy="5019471"/>
+          </a:xfrm>
+          <a:prstGeom prst="rect">
+            <a:avLst/>
+          </a:prstGeom>
+        </p:spPr>
+      </p:pic>
+    </p:spTree>
+    <p:extLst>
+      <p:ext uri="{BB962C8B-B14F-4D97-AF65-F5344CB8AC3E}">
+        <p14:creationId xmlns:p14="http://schemas.microsoft.com/office/powerpoint/2010/main" val="3104577912"/>
+      </p:ext>
+    </p:extLst>
+  </p:cSld>
+  <p:clrMapOvr>
+    <a:masterClrMapping/>
+  </p:clrMapOvr>
+</p:sld>
+</file>
+
+<file path=ppt/slides/slide11.xml><?xml version="1.0" encoding="utf-8"?>
+<p:sld xmlns:a="http://schemas.openxmlformats.org/drawingml/2006/main" xmlns:r="http://schemas.openxmlformats.org/officeDocument/2006/relationships" xmlns:p="http://schemas.openxmlformats.org/presentationml/2006/main">
+  <p:cSld>
+    <p:bg>
+      <p:bgPr>
+        <a:solidFill>
+          <a:schemeClr val="bg1"/>
+        </a:solidFill>
+        <a:effectLst/>
+      </p:bgPr>
+    </p:bg>
+    <p:spTree>
+      <p:nvGrpSpPr>
+        <p:cNvPr id="1" name=""/>
+        <p:cNvGrpSpPr/>
+        <p:nvPr/>
+      </p:nvGrpSpPr>
+      <p:grpSpPr>
+        <a:xfrm>
+          <a:off x="0" y="0"/>
+          <a:ext cx="0" cy="0"/>
+          <a:chOff x="0" y="0"/>
+          <a:chExt cx="0" cy="0"/>
+        </a:xfrm>
+      </p:grpSpPr>
+      <p:sp useBgFill="1">
+        <p:nvSpPr>
+          <p:cNvPr id="10" name="Rectangle 9">
+            <a:extLst>
+              <a:ext uri="{FF2B5EF4-FFF2-40B4-BE49-F238E27FC236}">
+                <a16:creationId xmlns:a16="http://schemas.microsoft.com/office/drawing/2014/main" id="{62542EEC-4F7C-4AE2-933E-EAC8EB3FA378}"/>
+              </a:ext>
+              <a:ext uri="{C183D7F6-B498-43B3-948B-1728B52AA6E4}">
+                <adec:decorative xmlns:adec="http://schemas.microsoft.com/office/drawing/2017/decorative" val="1"/>
+              </a:ext>
+            </a:extLst>
+          </p:cNvPr>
+          <p:cNvSpPr>
+            <a:spLocks noGrp="1" noRot="1" noChangeAspect="1" noMove="1" noResize="1" noEditPoints="1" noAdjustHandles="1" noChangeArrowheads="1" noChangeShapeType="1" noTextEdit="1"/>
+          </p:cNvSpPr>
+          <p:nvPr>
+            <p:extLst>
+              <p:ext uri="{386F3935-93C4-4BCD-93E2-E3B085C9AB24}">
+                <p16:designElem xmlns:p16="http://schemas.microsoft.com/office/powerpoint/2015/main" val="1"/>
+              </p:ext>
+            </p:extLst>
+          </p:nvPr>
+        </p:nvSpPr>
+        <p:spPr>
+          <a:xfrm>
+            <a:off x="0" y="0"/>
+            <a:ext cx="12191999" cy="6857365"/>
+          </a:xfrm>
+          <a:prstGeom prst="rect">
+            <a:avLst/>
+          </a:prstGeom>
+          <a:ln>
+            <a:noFill/>
+          </a:ln>
+        </p:spPr>
+        <p:style>
+          <a:lnRef idx="2">
+            <a:schemeClr val="accent1">
+              <a:shade val="50000"/>
+            </a:schemeClr>
+          </a:lnRef>
+          <a:fillRef idx="1">
+            <a:schemeClr val="accent1"/>
+          </a:fillRef>
+          <a:effectRef idx="0">
+            <a:schemeClr val="accent1"/>
+          </a:effectRef>
+          <a:fontRef idx="minor">
+            <a:schemeClr val="lt1"/>
+          </a:fontRef>
+        </p:style>
+        <p:txBody>
+          <a:bodyPr rtlCol="0" anchor="ctr"/>
+          <a:lstStyle/>
+          <a:p>
+            <a:pPr algn="ctr"/>
+            <a:endParaRPr lang="en-US" dirty="0"/>
+          </a:p>
+        </p:txBody>
+      </p:sp>
+      <p:sp>
+        <p:nvSpPr>
+          <p:cNvPr id="12" name="Rectangle 11">
+            <a:extLst>
+              <a:ext uri="{FF2B5EF4-FFF2-40B4-BE49-F238E27FC236}">
+                <a16:creationId xmlns:a16="http://schemas.microsoft.com/office/drawing/2014/main" id="{B81933D1-5615-42C7-9C0B-4EB7105CCE2D}"/>
+              </a:ext>
+              <a:ext uri="{C183D7F6-B498-43B3-948B-1728B52AA6E4}">
+                <adec:decorative xmlns:adec="http://schemas.microsoft.com/office/drawing/2017/decorative" val="1"/>
+              </a:ext>
+            </a:extLst>
+          </p:cNvPr>
+          <p:cNvSpPr>
+            <a:spLocks noGrp="1" noRot="1" noChangeAspect="1" noMove="1" noResize="1" noEditPoints="1" noAdjustHandles="1" noChangeArrowheads="1" noChangeShapeType="1" noTextEdit="1"/>
+          </p:cNvSpPr>
+          <p:nvPr>
+            <p:extLst>
+              <p:ext uri="{386F3935-93C4-4BCD-93E2-E3B085C9AB24}">
+                <p16:designElem xmlns:p16="http://schemas.microsoft.com/office/powerpoint/2015/main" val="1"/>
+              </p:ext>
+            </p:extLst>
+          </p:nvPr>
+        </p:nvSpPr>
+        <p:spPr>
+          <a:xfrm flipH="1">
+            <a:off x="0" y="0"/>
+            <a:ext cx="1494330" cy="6858000"/>
+          </a:xfrm>
+          <a:prstGeom prst="rect">
+            <a:avLst/>
+          </a:prstGeom>
+          <a:solidFill>
+            <a:schemeClr val="accent4"/>
+          </a:solidFill>
+          <a:ln>
+            <a:noFill/>
+          </a:ln>
+        </p:spPr>
+        <p:style>
+          <a:lnRef idx="2">
+            <a:schemeClr val="accent1">
+              <a:shade val="50000"/>
+            </a:schemeClr>
+          </a:lnRef>
+          <a:fillRef idx="1">
+            <a:schemeClr val="accent1"/>
+          </a:fillRef>
+          <a:effectRef idx="0">
+            <a:schemeClr val="accent1"/>
+          </a:effectRef>
+          <a:fontRef idx="minor">
+            <a:schemeClr val="lt1"/>
+          </a:fontRef>
+        </p:style>
+        <p:txBody>
+          <a:bodyPr rtlCol="0" anchor="ctr"/>
+          <a:lstStyle/>
+          <a:p>
+            <a:pPr algn="ctr"/>
+            <a:endParaRPr lang="en-US" dirty="0"/>
+          </a:p>
+        </p:txBody>
+      </p:sp>
+      <p:sp>
+        <p:nvSpPr>
+          <p:cNvPr id="14" name="Rectangle 13">
+            <a:extLst>
+              <a:ext uri="{FF2B5EF4-FFF2-40B4-BE49-F238E27FC236}">
+                <a16:creationId xmlns:a16="http://schemas.microsoft.com/office/drawing/2014/main" id="{19C9EAEA-39D0-4B0E-A0EB-51E7B26740B1}"/>
+              </a:ext>
+              <a:ext uri="{C183D7F6-B498-43B3-948B-1728B52AA6E4}">
+                <adec:decorative xmlns:adec="http://schemas.microsoft.com/office/drawing/2017/decorative" val="1"/>
+              </a:ext>
+            </a:extLst>
+          </p:cNvPr>
+          <p:cNvSpPr>
+            <a:spLocks noGrp="1" noRot="1" noChangeAspect="1" noMove="1" noResize="1" noEditPoints="1" noAdjustHandles="1" noChangeArrowheads="1" noChangeShapeType="1" noTextEdit="1"/>
+          </p:cNvSpPr>
+          <p:nvPr>
+            <p:extLst>
+              <p:ext uri="{386F3935-93C4-4BCD-93E2-E3B085C9AB24}">
+                <p16:designElem xmlns:p16="http://schemas.microsoft.com/office/powerpoint/2015/main" val="1"/>
+              </p:ext>
+            </p:extLst>
+          </p:nvPr>
+        </p:nvSpPr>
+        <p:spPr>
+          <a:xfrm>
+            <a:off x="496824" y="391886"/>
+            <a:ext cx="6009366" cy="6017078"/>
+          </a:xfrm>
+          <a:prstGeom prst="rect">
+            <a:avLst/>
+          </a:prstGeom>
+          <a:solidFill>
+            <a:schemeClr val="bg1"/>
+          </a:solidFill>
+          <a:ln>
+            <a:noFill/>
+          </a:ln>
+          <a:effectLst>
+            <a:outerShdw blurRad="139700" dist="127000" dir="5400000" algn="t" rotWithShape="0">
+              <a:prstClr val="black">
+                <a:alpha val="15000"/>
+              </a:prstClr>
+            </a:outerShdw>
+          </a:effectLst>
+        </p:spPr>
+        <p:style>
+          <a:lnRef idx="2">
+            <a:schemeClr val="accent1">
+              <a:shade val="50000"/>
+            </a:schemeClr>
+          </a:lnRef>
+          <a:fillRef idx="1">
+            <a:schemeClr val="accent1"/>
+          </a:fillRef>
+          <a:effectRef idx="0">
+            <a:schemeClr val="accent1"/>
+          </a:effectRef>
+          <a:fontRef idx="minor">
+            <a:schemeClr val="lt1"/>
+          </a:fontRef>
+        </p:style>
+        <p:txBody>
+          <a:bodyPr rtlCol="0" anchor="ctr"/>
+          <a:lstStyle/>
+          <a:p>
+            <a:pPr algn="ctr"/>
+            <a:endParaRPr lang="en-US" dirty="0"/>
+          </a:p>
+        </p:txBody>
+      </p:sp>
+      <p:grpSp>
+        <p:nvGrpSpPr>
+          <p:cNvPr id="16" name="Group 15">
+            <a:extLst>
+              <a:ext uri="{FF2B5EF4-FFF2-40B4-BE49-F238E27FC236}">
+                <a16:creationId xmlns:a16="http://schemas.microsoft.com/office/drawing/2014/main" id="{032D8612-31EB-44CF-A1D0-14FD4C705424}"/>
+              </a:ext>
+              <a:ext uri="{C183D7F6-B498-43B3-948B-1728B52AA6E4}">
+                <adec:decorative xmlns:adec="http://schemas.microsoft.com/office/drawing/2017/decorative" val="1"/>
+              </a:ext>
+            </a:extLst>
+          </p:cNvPr>
+          <p:cNvGrpSpPr>
+            <a:grpSpLocks noGrp="1" noUngrp="1" noRot="1" noChangeAspect="1" noMove="1" noResize="1"/>
+          </p:cNvGrpSpPr>
+          <p:nvPr>
+            <p:extLst>
+              <p:ext uri="{386F3935-93C4-4BCD-93E2-E3B085C9AB24}">
+                <p16:designElem xmlns:p16="http://schemas.microsoft.com/office/powerpoint/2015/main" val="1"/>
+              </p:ext>
+            </p:extLst>
+          </p:nvPr>
+        </p:nvGrpSpPr>
+        <p:grpSpPr>
+          <a:xfrm>
+            <a:off x="11460480" y="3154317"/>
+            <a:ext cx="731521" cy="673460"/>
+            <a:chOff x="3940602" y="308034"/>
+            <a:chExt cx="2116791" cy="3428999"/>
+          </a:xfrm>
+          <a:solidFill>
+            <a:schemeClr val="accent4"/>
+          </a:solidFill>
+        </p:grpSpPr>
+        <p:sp>
+          <p:nvSpPr>
+            <p:cNvPr id="17" name="Rectangle 16">
+              <a:extLst>
+                <a:ext uri="{FF2B5EF4-FFF2-40B4-BE49-F238E27FC236}">
+                  <a16:creationId xmlns:a16="http://schemas.microsoft.com/office/drawing/2014/main" id="{F19A4A0F-1B59-4DB0-9764-D10936E98770}"/>
+                </a:ext>
+                <a:ext uri="{C183D7F6-B498-43B3-948B-1728B52AA6E4}">
+                  <adec:decorative xmlns:adec="http://schemas.microsoft.com/office/drawing/2017/decorative" val="1"/>
+                </a:ext>
+              </a:extLst>
+            </p:cNvPr>
+            <p:cNvSpPr/>
+            <p:nvPr>
+              <p:extLst>
+                <p:ext uri="{386F3935-93C4-4BCD-93E2-E3B085C9AB24}">
+                  <p16:designElem xmlns:p16="http://schemas.microsoft.com/office/powerpoint/2015/main" val="1"/>
+                </p:ext>
+              </p:extLst>
+            </p:nvPr>
+          </p:nvSpPr>
+          <p:spPr>
+            <a:xfrm>
+              <a:off x="3940602" y="308034"/>
+              <a:ext cx="566743" cy="3428999"/>
+            </a:xfrm>
+            <a:prstGeom prst="rect">
+              <a:avLst/>
+            </a:prstGeom>
+            <a:grpFill/>
+            <a:ln>
+              <a:noFill/>
+            </a:ln>
+          </p:spPr>
+          <p:style>
+            <a:lnRef idx="2">
+              <a:schemeClr val="accent1">
+                <a:shade val="50000"/>
+              </a:schemeClr>
+            </a:lnRef>
+            <a:fillRef idx="1">
+              <a:schemeClr val="accent1"/>
+            </a:fillRef>
+            <a:effectRef idx="0">
+              <a:schemeClr val="accent1"/>
+            </a:effectRef>
+            <a:fontRef idx="minor">
+              <a:schemeClr val="lt1"/>
+            </a:fontRef>
+          </p:style>
+          <p:txBody>
+            <a:bodyPr rtlCol="0" anchor="ctr"/>
+            <a:lstStyle/>
+            <a:p>
+              <a:pPr algn="ctr"/>
+              <a:endParaRPr lang="en-US" dirty="0"/>
+            </a:p>
+          </p:txBody>
+        </p:sp>
+        <p:sp>
+          <p:nvSpPr>
+            <p:cNvPr id="18" name="Rectangle 17">
+              <a:extLst>
+                <a:ext uri="{FF2B5EF4-FFF2-40B4-BE49-F238E27FC236}">
+                  <a16:creationId xmlns:a16="http://schemas.microsoft.com/office/drawing/2014/main" id="{F399A70F-F8CD-4992-9EF5-6CF15472E73F}"/>
+                </a:ext>
+                <a:ext uri="{C183D7F6-B498-43B3-948B-1728B52AA6E4}">
+                  <adec:decorative xmlns:adec="http://schemas.microsoft.com/office/drawing/2017/decorative" val="1"/>
+                </a:ext>
+              </a:extLst>
+            </p:cNvPr>
+            <p:cNvSpPr/>
+            <p:nvPr>
+              <p:extLst>
+                <p:ext uri="{386F3935-93C4-4BCD-93E2-E3B085C9AB24}">
+                  <p16:designElem xmlns:p16="http://schemas.microsoft.com/office/powerpoint/2015/main" val="1"/>
+                </p:ext>
+              </p:extLst>
+            </p:nvPr>
+          </p:nvSpPr>
+          <p:spPr>
+            <a:xfrm>
+              <a:off x="4715626" y="308034"/>
+              <a:ext cx="566743" cy="3428999"/>
+            </a:xfrm>
+            <a:prstGeom prst="rect">
+              <a:avLst/>
+            </a:prstGeom>
+            <a:grpFill/>
+            <a:ln>
+              <a:noFill/>
+            </a:ln>
+          </p:spPr>
+          <p:style>
+            <a:lnRef idx="2">
+              <a:schemeClr val="accent1">
+                <a:shade val="50000"/>
+              </a:schemeClr>
+            </a:lnRef>
+            <a:fillRef idx="1">
+              <a:schemeClr val="accent1"/>
+            </a:fillRef>
+            <a:effectRef idx="0">
+              <a:schemeClr val="accent1"/>
+            </a:effectRef>
+            <a:fontRef idx="minor">
+              <a:schemeClr val="lt1"/>
+            </a:fontRef>
+          </p:style>
+          <p:txBody>
+            <a:bodyPr rtlCol="0" anchor="ctr"/>
+            <a:lstStyle/>
+            <a:p>
+              <a:pPr algn="ctr"/>
+              <a:endParaRPr lang="en-US" dirty="0"/>
+            </a:p>
+          </p:txBody>
+        </p:sp>
+        <p:sp>
+          <p:nvSpPr>
+            <p:cNvPr id="19" name="Rectangle 18">
+              <a:extLst>
+                <a:ext uri="{FF2B5EF4-FFF2-40B4-BE49-F238E27FC236}">
+                  <a16:creationId xmlns:a16="http://schemas.microsoft.com/office/drawing/2014/main" id="{48F4FEDC-6D80-458C-A665-075D9B9500FD}"/>
+                </a:ext>
+                <a:ext uri="{C183D7F6-B498-43B3-948B-1728B52AA6E4}">
+                  <adec:decorative xmlns:adec="http://schemas.microsoft.com/office/drawing/2017/decorative" val="1"/>
+                </a:ext>
+              </a:extLst>
+            </p:cNvPr>
+            <p:cNvSpPr/>
+            <p:nvPr>
+              <p:extLst>
+                <p:ext uri="{386F3935-93C4-4BCD-93E2-E3B085C9AB24}">
+                  <p16:designElem xmlns:p16="http://schemas.microsoft.com/office/powerpoint/2015/main" val="1"/>
+                </p:ext>
+              </p:extLst>
+            </p:nvPr>
+          </p:nvSpPr>
+          <p:spPr>
+            <a:xfrm>
+              <a:off x="5490650" y="308034"/>
+              <a:ext cx="566743" cy="3428999"/>
+            </a:xfrm>
+            <a:prstGeom prst="rect">
+              <a:avLst/>
+            </a:prstGeom>
+            <a:grpFill/>
+            <a:ln>
+              <a:noFill/>
+            </a:ln>
+          </p:spPr>
+          <p:style>
+            <a:lnRef idx="2">
+              <a:schemeClr val="accent1">
+                <a:shade val="50000"/>
+              </a:schemeClr>
+            </a:lnRef>
+            <a:fillRef idx="1">
+              <a:schemeClr val="accent1"/>
+            </a:fillRef>
+            <a:effectRef idx="0">
+              <a:schemeClr val="accent1"/>
+            </a:effectRef>
+            <a:fontRef idx="minor">
+              <a:schemeClr val="lt1"/>
+            </a:fontRef>
+          </p:style>
+          <p:txBody>
+            <a:bodyPr rtlCol="0" anchor="ctr"/>
+            <a:lstStyle/>
+            <a:p>
+              <a:pPr algn="ctr"/>
+              <a:endParaRPr lang="en-US" dirty="0"/>
+            </a:p>
+          </p:txBody>
+        </p:sp>
+      </p:grpSp>
+      <p:sp>
+        <p:nvSpPr>
+          <p:cNvPr id="20" name="Titolo 1">
+            <a:extLst>
+              <a:ext uri="{FF2B5EF4-FFF2-40B4-BE49-F238E27FC236}">
+                <a16:creationId xmlns:a16="http://schemas.microsoft.com/office/drawing/2014/main" id="{3209FF46-8E28-4D31-A897-D0EB67C2A0F1}"/>
+              </a:ext>
+            </a:extLst>
+          </p:cNvPr>
+          <p:cNvSpPr txBox="1">
+            <a:spLocks/>
+          </p:cNvSpPr>
+          <p:nvPr/>
+        </p:nvSpPr>
+        <p:spPr>
+          <a:xfrm>
+            <a:off x="8519504" y="3034646"/>
+            <a:ext cx="2868998" cy="1156654"/>
+          </a:xfrm>
+          <a:prstGeom prst="rect">
+            <a:avLst/>
+          </a:prstGeom>
+        </p:spPr>
+        <p:txBody>
+          <a:bodyPr vert="horz" lIns="91440" tIns="45720" rIns="91440" bIns="45720" rtlCol="0" anchor="t">
+            <a:normAutofit/>
+          </a:bodyPr>
+          <a:lstStyle>
+            <a:lvl1pPr algn="l" defTabSz="914400" rtl="0" eaLnBrk="1" latinLnBrk="0" hangingPunct="1">
+              <a:lnSpc>
+                <a:spcPct val="90000"/>
+              </a:lnSpc>
+              <a:spcBef>
+                <a:spcPct val="0"/>
+              </a:spcBef>
+              <a:buNone/>
+              <a:defRPr sz="4400" kern="1200">
+                <a:solidFill>
+                  <a:schemeClr val="tx1"/>
+                </a:solidFill>
+                <a:latin typeface="+mj-lt"/>
+                <a:ea typeface="+mj-ea"/>
+                <a:cs typeface="+mj-cs"/>
+              </a:defRPr>
+            </a:lvl1pPr>
+          </a:lstStyle>
+          <a:p>
+            <a:r>
+              <a:rPr lang="en-US" sz="3200" dirty="0">
+                <a:latin typeface="+mn-lt"/>
+              </a:rPr>
+              <a:t>OnePage.html</a:t>
+            </a:r>
+            <a:br>
+              <a:rPr lang="en-US" sz="3200" dirty="0">
+                <a:latin typeface="+mn-lt"/>
+              </a:rPr>
+            </a:br>
+            <a:r>
+              <a:rPr lang="en-US" sz="3200" b="1" dirty="0">
+                <a:solidFill>
+                  <a:srgbClr val="7030A0"/>
+                </a:solidFill>
+                <a:latin typeface="+mn-lt"/>
+              </a:rPr>
+              <a:t>User Logged</a:t>
+            </a:r>
+            <a:endParaRPr lang="en-US" sz="3200" b="1" dirty="0"/>
+          </a:p>
+        </p:txBody>
+      </p:sp>
       <p:pic>
         <p:nvPicPr>
           <p:cNvPr id="3" name="Immagine 2">
             <a:extLst>
               <a:ext uri="{FF2B5EF4-FFF2-40B4-BE49-F238E27FC236}">
-                <a16:creationId xmlns:a16="http://schemas.microsoft.com/office/drawing/2014/main" id="{CEAD2037-349B-41B9-AE55-22DCDBAB8ACB}"/>
+                <a16:creationId xmlns:a16="http://schemas.microsoft.com/office/drawing/2014/main" id="{4808D90A-4BAB-4C03-96E7-640D11141246}"/>
               </a:ext>
             </a:extLst>
           </p:cNvPr>
@@ -5727,8 +6071,8 @@
         </p:blipFill>
         <p:spPr>
           <a:xfrm>
-            <a:off x="835991" y="543560"/>
-            <a:ext cx="5080000" cy="5713730"/>
+            <a:off x="1494330" y="187959"/>
+            <a:ext cx="5762565" cy="6481445"/>
           </a:xfrm>
           <a:prstGeom prst="rect">
             <a:avLst/>
@@ -5738,7 +6082,7 @@
     </p:spTree>
     <p:extLst>
       <p:ext uri="{BB962C8B-B14F-4D97-AF65-F5344CB8AC3E}">
-        <p14:creationId xmlns:p14="http://schemas.microsoft.com/office/powerpoint/2010/main" val="162202557"/>
+        <p14:creationId xmlns:p14="http://schemas.microsoft.com/office/powerpoint/2010/main" val="2507424429"/>
       </p:ext>
     </p:extLst>
   </p:cSld>
@@ -5787,7 +6131,7 @@
           <a:p>
             <a:pPr algn="ctr"/>
             <a:r>
-              <a:rPr lang="en-US" dirty="0"/>
+              <a:rPr lang="en-US" b="1" dirty="0"/>
               <a:t>Server side: DAO &amp; model objects</a:t>
             </a:r>
           </a:p>
@@ -5805,7 +6149,7 @@
         </p:nvSpPr>
         <p:spPr>
           <a:xfrm>
-            <a:off x="279400" y="2388756"/>
+            <a:off x="279400" y="2118790"/>
             <a:ext cx="5816600" cy="3878694"/>
           </a:xfrm>
         </p:spPr>
@@ -6120,7 +6464,7 @@
         </p:nvSpPr>
         <p:spPr>
           <a:xfrm>
-            <a:off x="6096000" y="2656205"/>
+            <a:off x="6095999" y="2403657"/>
             <a:ext cx="5816601" cy="3908762"/>
           </a:xfrm>
           <a:prstGeom prst="rect">
@@ -6134,10 +6478,7 @@
           </a:bodyPr>
           <a:lstStyle/>
           <a:p>
-            <a:pPr marL="822183" lvl="1" indent="-285750">
-              <a:lnSpc>
-                <a:spcPct val="100000"/>
-              </a:lnSpc>
+            <a:pPr marL="364983" indent="-285750">
               <a:spcBef>
                 <a:spcPts val="352"/>
               </a:spcBef>
@@ -6151,10 +6492,7 @@
             </a:r>
           </a:p>
           <a:p>
-            <a:pPr marL="1418219" lvl="2" indent="-285750">
-              <a:lnSpc>
-                <a:spcPct val="100000"/>
-              </a:lnSpc>
+            <a:pPr marL="961019" lvl="1" indent="-285750">
               <a:spcBef>
                 <a:spcPts val="352"/>
               </a:spcBef>
@@ -6168,10 +6506,7 @@
             </a:r>
           </a:p>
           <a:p>
-            <a:pPr marL="1418219" lvl="2" indent="-285750">
-              <a:lnSpc>
-                <a:spcPct val="100000"/>
-              </a:lnSpc>
+            <a:pPr marL="961019" lvl="1" indent="-285750">
               <a:spcBef>
                 <a:spcPts val="352"/>
               </a:spcBef>
@@ -6185,10 +6520,7 @@
             </a:r>
           </a:p>
           <a:p>
-            <a:pPr marL="1418219" lvl="2" indent="-285750">
-              <a:lnSpc>
-                <a:spcPct val="100000"/>
-              </a:lnSpc>
+            <a:pPr marL="961019" lvl="1" indent="-285750">
               <a:spcBef>
                 <a:spcPts val="352"/>
               </a:spcBef>
@@ -6202,10 +6534,7 @@
             </a:r>
           </a:p>
           <a:p>
-            <a:pPr marL="822183" lvl="1" indent="-285750">
-              <a:lnSpc>
-                <a:spcPct val="100000"/>
-              </a:lnSpc>
+            <a:pPr marL="364983" indent="-285750">
               <a:spcBef>
                 <a:spcPts val="352"/>
               </a:spcBef>
@@ -6219,10 +6548,7 @@
             </a:r>
           </a:p>
           <a:p>
-            <a:pPr marL="1418219" lvl="2" indent="-285750">
-              <a:lnSpc>
-                <a:spcPct val="100000"/>
-              </a:lnSpc>
+            <a:pPr marL="961019" lvl="1" indent="-285750">
               <a:spcBef>
                 <a:spcPts val="352"/>
               </a:spcBef>
@@ -6236,10 +6562,7 @@
             </a:r>
           </a:p>
           <a:p>
-            <a:pPr marL="1418219" lvl="2" indent="-285750">
-              <a:lnSpc>
-                <a:spcPct val="100000"/>
-              </a:lnSpc>
+            <a:pPr marL="961019" lvl="1" indent="-285750">
               <a:spcBef>
                 <a:spcPts val="352"/>
               </a:spcBef>
@@ -6253,10 +6576,7 @@
             </a:r>
           </a:p>
           <a:p>
-            <a:pPr marL="1418219" lvl="2" indent="-285750">
-              <a:lnSpc>
-                <a:spcPct val="100000"/>
-              </a:lnSpc>
+            <a:pPr marL="961019" lvl="1" indent="-285750">
               <a:spcBef>
                 <a:spcPts val="352"/>
               </a:spcBef>
@@ -6270,10 +6590,7 @@
             </a:r>
           </a:p>
           <a:p>
-            <a:pPr marL="1418219" lvl="2" indent="-285750">
-              <a:lnSpc>
-                <a:spcPct val="100000"/>
-              </a:lnSpc>
+            <a:pPr marL="961019" lvl="1" indent="-285750">
               <a:spcBef>
                 <a:spcPts val="352"/>
               </a:spcBef>
@@ -6287,10 +6604,7 @@
             </a:r>
           </a:p>
           <a:p>
-            <a:pPr marL="1418219" lvl="2" indent="-285750">
-              <a:lnSpc>
-                <a:spcPct val="100000"/>
-              </a:lnSpc>
+            <a:pPr marL="961019" lvl="1" indent="-285750">
               <a:spcBef>
                 <a:spcPts val="352"/>
               </a:spcBef>
@@ -6304,10 +6618,7 @@
             </a:r>
           </a:p>
           <a:p>
-            <a:pPr marL="889237" lvl="1" indent="-285750">
-              <a:lnSpc>
-                <a:spcPct val="100000"/>
-              </a:lnSpc>
+            <a:pPr marL="432037" indent="-285750">
               <a:spcBef>
                 <a:spcPts val="352"/>
               </a:spcBef>
@@ -6321,10 +6632,7 @@
             </a:r>
           </a:p>
           <a:p>
-            <a:pPr marL="1418219" lvl="2" indent="-285750">
-              <a:lnSpc>
-                <a:spcPct val="100000"/>
-              </a:lnSpc>
+            <a:pPr marL="961019" lvl="1" indent="-285750">
               <a:spcBef>
                 <a:spcPts val="352"/>
               </a:spcBef>
@@ -6338,10 +6646,7 @@
             </a:r>
           </a:p>
           <a:p>
-            <a:pPr marL="1418219" lvl="2" indent="-285750">
-              <a:lnSpc>
-                <a:spcPct val="100000"/>
-              </a:lnSpc>
+            <a:pPr marL="961019" lvl="1" indent="-285750">
               <a:spcBef>
                 <a:spcPts val="352"/>
               </a:spcBef>
@@ -6400,7 +6705,7 @@
         </p:nvSpPr>
         <p:spPr>
           <a:xfrm>
-            <a:off x="574514" y="343912"/>
+            <a:off x="574514" y="566678"/>
             <a:ext cx="3970725" cy="2862322"/>
           </a:xfrm>
           <a:prstGeom prst="rect">
@@ -6600,7 +6905,7 @@
         </p:nvSpPr>
         <p:spPr>
           <a:xfrm>
-            <a:off x="5882730" y="343912"/>
+            <a:off x="5856604" y="566678"/>
             <a:ext cx="6096000" cy="5724644"/>
           </a:xfrm>
           <a:prstGeom prst="rect">
@@ -12691,7 +12996,7 @@
         </p:nvSpPr>
         <p:spPr>
           <a:xfrm>
-            <a:off x="0" y="338372"/>
+            <a:off x="0" y="34928"/>
             <a:ext cx="12192000" cy="695325"/>
           </a:xfrm>
         </p:spPr>
@@ -12721,8 +13026,8 @@
         </p:nvSpPr>
         <p:spPr>
           <a:xfrm>
-            <a:off x="312156" y="1910230"/>
-            <a:ext cx="11567687" cy="4462760"/>
+            <a:off x="197177" y="1379518"/>
+            <a:ext cx="11567687" cy="4955203"/>
           </a:xfrm>
           <a:prstGeom prst="rect">
             <a:avLst/>
@@ -12839,6 +13144,34 @@
             </a:r>
           </a:p>
           <a:p>
+            <a:pPr marL="1085850" lvl="2" indent="-171450">
+              <a:buFont typeface="Arial" panose="020B0604020202020204" pitchFamily="34" charset="0"/>
+              <a:buChar char="•"/>
+            </a:pPr>
+            <a:r>
+              <a:rPr lang="it-IT" sz="1600" b="1" dirty="0"/>
+              <a:t>ResetRegistrationDone</a:t>
+            </a:r>
+            <a:r>
+              <a:rPr lang="it-IT" sz="1600" dirty="0"/>
+              <a:t>(): nasconde la finestra della registrazione avvenuta</a:t>
+            </a:r>
+          </a:p>
+          <a:p>
+            <a:pPr marL="1085850" lvl="2" indent="-171450">
+              <a:buFont typeface="Arial" panose="020B0604020202020204" pitchFamily="34" charset="0"/>
+              <a:buChar char="•"/>
+            </a:pPr>
+            <a:r>
+              <a:rPr lang="it-IT" sz="1600" b="1" dirty="0"/>
+              <a:t>ShowRegistrationDone</a:t>
+            </a:r>
+            <a:r>
+              <a:rPr lang="it-IT" sz="1600" dirty="0"/>
+              <a:t>(): mostra la finestra della registrazione avvenuta</a:t>
+            </a:r>
+          </a:p>
+          <a:p>
             <a:pPr marL="742950" lvl="1" indent="-285750">
               <a:buFont typeface="Arial" panose="020B0604020202020204" pitchFamily="34" charset="0"/>
               <a:buChar char="•"/>
@@ -12975,7 +13308,7 @@
         </p:nvSpPr>
         <p:spPr>
           <a:xfrm>
-            <a:off x="-39070" y="1321134"/>
+            <a:off x="-1" y="730253"/>
             <a:ext cx="12192000" cy="461665"/>
           </a:xfrm>
           <a:prstGeom prst="rect">
@@ -13047,7 +13380,7 @@
         </p:nvSpPr>
         <p:spPr>
           <a:xfrm>
-            <a:off x="0" y="1408922"/>
+            <a:off x="0" y="1252168"/>
             <a:ext cx="12192000" cy="5449078"/>
           </a:xfrm>
           <a:prstGeom prst="rect">
@@ -13412,8 +13745,8 @@
         </p:nvSpPr>
         <p:spPr>
           <a:xfrm>
-            <a:off x="-104384" y="497424"/>
-            <a:ext cx="12192000" cy="461665"/>
+            <a:off x="87086" y="497424"/>
+            <a:ext cx="12000530" cy="461665"/>
           </a:xfrm>
           <a:prstGeom prst="rect">
             <a:avLst/>
@@ -13482,7 +13815,7 @@
         </p:nvSpPr>
         <p:spPr>
           <a:xfrm>
-            <a:off x="1" y="390122"/>
+            <a:off x="0" y="555585"/>
             <a:ext cx="12111134" cy="5614357"/>
           </a:xfrm>
           <a:prstGeom prst="rect">
@@ -14204,15 +14537,7 @@
             </a:r>
             <a:r>
               <a:rPr lang="it-IT" sz="1600" dirty="0"/>
-              <a:t>(): associa all’evento «click» la funzione che richiede al server il permesso di </a:t>
-            </a:r>
-            <a:r>
-              <a:rPr lang="it-IT" sz="1600" dirty="0" err="1"/>
-              <a:t>sloggare</a:t>
-            </a:r>
-            <a:r>
-              <a:rPr lang="it-IT" sz="1600" dirty="0"/>
-              <a:t> e di reindirizzare il sito alla pagina «index.html»</a:t>
+              <a:t>(): associa all’evento «click» la funzione che richiede al server il permesso di sloggare e di reindirizzare il sito alla pagina «index.html»</a:t>
             </a:r>
           </a:p>
           <a:p>
@@ -14459,7 +14784,7 @@
             <a:lstStyle/>
             <a:p>
               <a:pPr algn="ctr"/>
-              <a:endParaRPr lang="en-US"/>
+              <a:endParaRPr lang="en-US" dirty="0"/>
             </a:p>
           </p:txBody>
         </p:sp>
@@ -14558,7 +14883,7 @@
           <a:lstStyle/>
           <a:p>
             <a:r>
-              <a:rPr lang="en-US" sz="3600"/>
+              <a:rPr lang="en-US" sz="3600" dirty="0"/>
               <a:t>Application requirements analysis</a:t>
             </a:r>
           </a:p>
@@ -14790,7 +15115,7 @@
             <a:lstStyle/>
             <a:p>
               <a:pPr algn="ctr"/>
-              <a:endParaRPr lang="en-US"/>
+              <a:endParaRPr lang="en-US" dirty="0"/>
             </a:p>
           </p:txBody>
         </p:sp>
@@ -14853,7 +15178,7 @@
             <a:lstStyle/>
             <a:p>
               <a:pPr algn="ctr"/>
-              <a:endParaRPr lang="en-US"/>
+              <a:endParaRPr lang="en-US" dirty="0"/>
             </a:p>
           </p:txBody>
         </p:sp>
@@ -17794,15 +18119,7 @@
                       </a:r>
                       <a:r>
                         <a:rPr lang="it-IT" sz="1200" baseline="0" noProof="0" dirty="0"/>
-                        <a:t> </a:t>
-                      </a:r>
-                      <a:r>
-                        <a:rPr lang="it-IT" sz="1200" baseline="0" noProof="0" dirty="0" err="1"/>
-                        <a:t>Orchestrator.afterClickAlbum</a:t>
-                      </a:r>
-                      <a:r>
-                        <a:rPr lang="it-IT" sz="1200" baseline="0" noProof="0" dirty="0"/>
-                        <a:t> -&gt; Image List -&gt; </a:t>
+                        <a:t> Orchestrator.afterClickAlbum -&gt; Image List -&gt; </a:t>
                       </a:r>
                       <a:r>
                         <a:rPr lang="it-IT" sz="1200" noProof="0" dirty="0"/>
@@ -17891,13 +18208,8 @@
                     <a:p>
                       <a:r>
                         <a:rPr lang="it-IT" sz="1200" noProof="0" dirty="0"/>
-                        <a:t>Function </a:t>
+                        <a:t>Function setDraggable</a:t>
                       </a:r>
-                      <a:r>
-                        <a:rPr lang="it-IT" sz="1200" noProof="0" dirty="0" err="1"/>
-                        <a:t>setDraggable</a:t>
-                      </a:r>
-                      <a:endParaRPr lang="it-IT" sz="1200" noProof="0" dirty="0"/>
                     </a:p>
                   </a:txBody>
                   <a:tcPr marL="99060" marR="99060" marT="60960" marB="60960"/>
@@ -19079,8 +19391,8 @@
         </p:nvSpPr>
         <p:spPr>
           <a:xfrm>
-            <a:off x="5000083" y="35684"/>
-            <a:ext cx="5864581" cy="1008000"/>
+            <a:off x="22338" y="54284"/>
+            <a:ext cx="5864581" cy="474518"/>
           </a:xfrm>
           <a:prstGeom prst="rect">
             <a:avLst/>
@@ -19101,7 +19413,7 @@
             </a:pPr>
             <a:r>
               <a:rPr lang="es-419" dirty="0"/>
-              <a:t>Evento: login</a:t>
+              <a:t>Event: login</a:t>
             </a:r>
             <a:endParaRPr dirty="0"/>
           </a:p>
@@ -19414,7 +19726,7 @@
           <a:lstStyle/>
           <a:p>
             <a:pPr algn="ctr"/>
-            <a:endParaRPr sz="1400">
+            <a:endParaRPr sz="1400" dirty="0">
               <a:solidFill>
                 <a:schemeClr val="dk1"/>
               </a:solidFill>
@@ -19608,7 +19920,7 @@
           <a:lstStyle/>
           <a:p>
             <a:pPr algn="ctr"/>
-            <a:endParaRPr sz="1400">
+            <a:endParaRPr sz="1400" dirty="0">
               <a:solidFill>
                 <a:schemeClr val="dk1"/>
               </a:solidFill>
@@ -19905,7 +20217,7 @@
           <a:lstStyle/>
           <a:p>
             <a:pPr algn="ctr"/>
-            <a:endParaRPr sz="1400">
+            <a:endParaRPr sz="1400" dirty="0">
               <a:solidFill>
                 <a:schemeClr val="dk1"/>
               </a:solidFill>
@@ -20351,7 +20663,7 @@
           <a:lstStyle/>
           <a:p>
             <a:pPr algn="ctr"/>
-            <a:endParaRPr sz="1400">
+            <a:endParaRPr sz="1400" dirty="0">
               <a:solidFill>
                 <a:schemeClr val="dk1"/>
               </a:solidFill>
@@ -20481,7 +20793,7 @@
         </p:nvSpPr>
         <p:spPr>
           <a:xfrm>
-            <a:off x="584336" y="120557"/>
+            <a:off x="4710900" y="82850"/>
             <a:ext cx="330200" cy="628400"/>
           </a:xfrm>
           <a:prstGeom prst="rect">
@@ -20507,7 +20819,7 @@
           <a:lstStyle/>
           <a:p>
             <a:pPr algn="ctr"/>
-            <a:endParaRPr sz="2100">
+            <a:endParaRPr sz="2100" dirty="0">
               <a:solidFill>
                 <a:schemeClr val="dk1"/>
               </a:solidFill>
@@ -20527,7 +20839,7 @@
         </p:nvSpPr>
         <p:spPr>
           <a:xfrm>
-            <a:off x="875853" y="434757"/>
+            <a:off x="5002417" y="397050"/>
             <a:ext cx="1211678" cy="369332"/>
           </a:xfrm>
           <a:prstGeom prst="rect">
@@ -20556,7 +20868,7 @@
         </p:nvSpPr>
         <p:spPr>
           <a:xfrm>
-            <a:off x="2156128" y="122829"/>
+            <a:off x="6282692" y="85122"/>
             <a:ext cx="330200" cy="628400"/>
           </a:xfrm>
           <a:prstGeom prst="rect">
@@ -20585,7 +20897,7 @@
           <a:lstStyle/>
           <a:p>
             <a:pPr algn="ctr"/>
-            <a:endParaRPr sz="2100">
+            <a:endParaRPr sz="2100" dirty="0">
               <a:solidFill>
                 <a:schemeClr val="dk1"/>
               </a:solidFill>
@@ -20605,7 +20917,7 @@
         </p:nvSpPr>
         <p:spPr>
           <a:xfrm>
-            <a:off x="2447645" y="437029"/>
+            <a:off x="6574209" y="399322"/>
             <a:ext cx="1271374" cy="369332"/>
           </a:xfrm>
           <a:prstGeom prst="rect">
@@ -21150,7 +21462,7 @@
           <a:lstStyle/>
           <a:p>
             <a:pPr algn="ctr"/>
-            <a:endParaRPr sz="1400">
+            <a:endParaRPr sz="1400" dirty="0">
               <a:solidFill>
                 <a:schemeClr val="dk1"/>
               </a:solidFill>
@@ -21340,7 +21652,7 @@
           <a:lstStyle/>
           <a:p>
             <a:pPr algn="ctr"/>
-            <a:endParaRPr sz="1400">
+            <a:endParaRPr sz="1400" dirty="0">
               <a:solidFill>
                 <a:schemeClr val="dk1"/>
               </a:solidFill>
@@ -21538,6 +21850,66 @@
           </a:effectLst>
         </p:spPr>
       </p:cxnSp>
+      <p:sp>
+        <p:nvSpPr>
+          <p:cNvPr id="72" name="Google Shape;309;p38">
+            <a:extLst>
+              <a:ext uri="{FF2B5EF4-FFF2-40B4-BE49-F238E27FC236}">
+                <a16:creationId xmlns:a16="http://schemas.microsoft.com/office/drawing/2014/main" id="{E58B1DEF-AF70-4D66-B796-47D5B7D09CFF}"/>
+              </a:ext>
+            </a:extLst>
+          </p:cNvPr>
+          <p:cNvSpPr txBox="1">
+            <a:spLocks/>
+          </p:cNvSpPr>
+          <p:nvPr/>
+        </p:nvSpPr>
+        <p:spPr>
+          <a:xfrm>
+            <a:off x="4458789" y="28626"/>
+            <a:ext cx="3373026" cy="771224"/>
+          </a:xfrm>
+          <a:prstGeom prst="rect">
+            <a:avLst/>
+          </a:prstGeom>
+          <a:noFill/>
+          <a:ln w="38100">
+            <a:solidFill>
+              <a:srgbClr val="C00000"/>
+            </a:solidFill>
+          </a:ln>
+        </p:spPr>
+        <p:txBody>
+          <a:bodyPr spcFirstLastPara="1" vert="horz" wrap="square" lIns="107269" tIns="53620" rIns="107269" bIns="53620" rtlCol="0" anchor="ctr" anchorCtr="0">
+            <a:noAutofit/>
+          </a:bodyPr>
+          <a:lstStyle>
+            <a:lvl1pPr algn="l" defTabSz="914400" rtl="0" eaLnBrk="1" latinLnBrk="0" hangingPunct="1">
+              <a:lnSpc>
+                <a:spcPct val="90000"/>
+              </a:lnSpc>
+              <a:spcBef>
+                <a:spcPct val="0"/>
+              </a:spcBef>
+              <a:buNone/>
+              <a:defRPr sz="4400" kern="1200">
+                <a:solidFill>
+                  <a:schemeClr val="tx1"/>
+                </a:solidFill>
+                <a:latin typeface="+mj-lt"/>
+                <a:ea typeface="+mj-ea"/>
+                <a:cs typeface="+mj-cs"/>
+              </a:defRPr>
+            </a:lvl1pPr>
+          </a:lstStyle>
+          <a:p>
+            <a:pPr>
+              <a:buSzPts val="4400"/>
+            </a:pPr>
+            <a:endParaRPr lang="es-419" dirty="0"/>
+          </a:p>
+        </p:txBody>
+      </p:sp>
     </p:spTree>
   </p:cSld>
   <p:clrMapOvr>
@@ -21575,8 +21947,8 @@
         </p:nvSpPr>
         <p:spPr>
           <a:xfrm>
-            <a:off x="133350" y="27868"/>
-            <a:ext cx="8915400" cy="676781"/>
+            <a:off x="-6073" y="36902"/>
+            <a:ext cx="8915400" cy="519321"/>
           </a:xfrm>
           <a:prstGeom prst="rect">
             <a:avLst/>
@@ -21597,7 +21969,7 @@
             </a:pPr>
             <a:r>
               <a:rPr lang="es-419" dirty="0"/>
-              <a:t>Evento: User Registration</a:t>
+              <a:t>Event: User Registration</a:t>
             </a:r>
             <a:endParaRPr dirty="0"/>
           </a:p>
@@ -21988,7 +22360,7 @@
           <a:lstStyle/>
           <a:p>
             <a:pPr algn="ctr"/>
-            <a:endParaRPr sz="1200">
+            <a:endParaRPr sz="1200" dirty="0">
               <a:solidFill>
                 <a:schemeClr val="dk1"/>
               </a:solidFill>
@@ -22206,7 +22578,7 @@
           <a:lstStyle/>
           <a:p>
             <a:pPr algn="ctr"/>
-            <a:endParaRPr sz="1200">
+            <a:endParaRPr sz="1200" dirty="0">
               <a:solidFill>
                 <a:schemeClr val="dk1"/>
               </a:solidFill>
@@ -22345,7 +22717,7 @@
           <a:lstStyle/>
           <a:p>
             <a:pPr algn="ctr"/>
-            <a:endParaRPr sz="2100">
+            <a:endParaRPr sz="2100" dirty="0">
               <a:solidFill>
                 <a:schemeClr val="dk1"/>
               </a:solidFill>
@@ -22492,7 +22864,7 @@
           <a:lstStyle/>
           <a:p>
             <a:pPr algn="ctr"/>
-            <a:endParaRPr sz="1200">
+            <a:endParaRPr sz="1200" dirty="0">
               <a:solidFill>
                 <a:schemeClr val="dk1"/>
               </a:solidFill>
@@ -23816,8 +24188,8 @@
         </p:nvSpPr>
         <p:spPr>
           <a:xfrm>
-            <a:off x="227362" y="26556"/>
-            <a:ext cx="8915400" cy="771224"/>
+            <a:off x="0" y="17757"/>
+            <a:ext cx="8915400" cy="551634"/>
           </a:xfrm>
           <a:prstGeom prst="rect">
             <a:avLst/>
@@ -23838,7 +24210,7 @@
             </a:pPr>
             <a:r>
               <a:rPr lang="es-419" dirty="0"/>
-              <a:t>Evento: Load OnePage.html </a:t>
+              <a:t>Event: Load OnePage.html </a:t>
             </a:r>
             <a:endParaRPr dirty="0"/>
           </a:p>
@@ -24018,7 +24390,7 @@
           <a:lstStyle/>
           <a:p>
             <a:pPr algn="ctr"/>
-            <a:endParaRPr sz="2100">
+            <a:endParaRPr sz="2100" dirty="0">
               <a:solidFill>
                 <a:schemeClr val="dk1"/>
               </a:solidFill>
@@ -24180,7 +24552,7 @@
           <a:lstStyle/>
           <a:p>
             <a:pPr algn="ctr"/>
-            <a:endParaRPr sz="2100">
+            <a:endParaRPr sz="2100" dirty="0">
               <a:solidFill>
                 <a:schemeClr val="dk1"/>
               </a:solidFill>
@@ -24600,7 +24972,7 @@
           <a:lstStyle/>
           <a:p>
             <a:pPr algn="ctr"/>
-            <a:endParaRPr sz="2100">
+            <a:endParaRPr sz="2100" dirty="0">
               <a:solidFill>
                 <a:schemeClr val="dk1"/>
               </a:solidFill>
@@ -24755,7 +25127,7 @@
           <a:lstStyle/>
           <a:p>
             <a:pPr algn="ctr"/>
-            <a:endParaRPr sz="2100">
+            <a:endParaRPr sz="2100" dirty="0">
               <a:solidFill>
                 <a:schemeClr val="dk1"/>
               </a:solidFill>
@@ -24910,7 +25282,7 @@
           <a:lstStyle/>
           <a:p>
             <a:pPr algn="ctr"/>
-            <a:endParaRPr sz="2100">
+            <a:endParaRPr sz="2100" dirty="0">
               <a:solidFill>
                 <a:schemeClr val="dk1"/>
               </a:solidFill>
@@ -25065,7 +25437,7 @@
           <a:lstStyle/>
           <a:p>
             <a:pPr algn="ctr"/>
-            <a:endParaRPr sz="2100">
+            <a:endParaRPr sz="2100" dirty="0">
               <a:solidFill>
                 <a:schemeClr val="dk1"/>
               </a:solidFill>
@@ -25220,7 +25592,7 @@
           <a:lstStyle/>
           <a:p>
             <a:pPr algn="ctr"/>
-            <a:endParaRPr sz="2100">
+            <a:endParaRPr sz="2100" dirty="0">
               <a:solidFill>
                 <a:schemeClr val="dk1"/>
               </a:solidFill>
@@ -25375,7 +25747,7 @@
           <a:lstStyle/>
           <a:p>
             <a:pPr algn="ctr"/>
-            <a:endParaRPr sz="2100">
+            <a:endParaRPr sz="2100" dirty="0">
               <a:solidFill>
                 <a:schemeClr val="dk1"/>
               </a:solidFill>
@@ -25530,7 +25902,7 @@
           <a:lstStyle/>
           <a:p>
             <a:pPr algn="ctr"/>
-            <a:endParaRPr sz="2100">
+            <a:endParaRPr sz="2100" dirty="0">
               <a:solidFill>
                 <a:schemeClr val="dk1"/>
               </a:solidFill>
@@ -25685,7 +26057,7 @@
           <a:lstStyle/>
           <a:p>
             <a:pPr algn="ctr"/>
-            <a:endParaRPr sz="2100">
+            <a:endParaRPr sz="2100" dirty="0">
               <a:solidFill>
                 <a:schemeClr val="dk1"/>
               </a:solidFill>
@@ -25840,7 +26212,7 @@
           <a:lstStyle/>
           <a:p>
             <a:pPr algn="ctr"/>
-            <a:endParaRPr sz="2100">
+            <a:endParaRPr sz="2100" dirty="0">
               <a:solidFill>
                 <a:schemeClr val="dk1"/>
               </a:solidFill>
@@ -26914,7 +27286,7 @@
           <a:lstStyle/>
           <a:p>
             <a:pPr algn="ctr"/>
-            <a:endParaRPr sz="2100">
+            <a:endParaRPr sz="2100" dirty="0">
               <a:solidFill>
                 <a:schemeClr val="dk1"/>
               </a:solidFill>
@@ -27192,7 +27564,7 @@
           <a:lstStyle/>
           <a:p>
             <a:pPr algn="ctr"/>
-            <a:endParaRPr sz="2100">
+            <a:endParaRPr sz="2100" dirty="0">
               <a:solidFill>
                 <a:schemeClr val="dk1"/>
               </a:solidFill>
@@ -27288,7 +27660,7 @@
           <a:lstStyle/>
           <a:p>
             <a:pPr algn="ctr"/>
-            <a:endParaRPr sz="2000">
+            <a:endParaRPr sz="2000" dirty="0">
               <a:solidFill>
                 <a:schemeClr val="dk1"/>
               </a:solidFill>
@@ -27467,7 +27839,7 @@
           <a:lstStyle/>
           <a:p>
             <a:pPr algn="ctr"/>
-            <a:endParaRPr sz="2000">
+            <a:endParaRPr sz="2000" dirty="0">
               <a:solidFill>
                 <a:schemeClr val="dk1"/>
               </a:solidFill>
@@ -27984,7 +28356,7 @@
           <a:lstStyle/>
           <a:p>
             <a:pPr algn="ctr"/>
-            <a:endParaRPr sz="2000">
+            <a:endParaRPr sz="2000" dirty="0">
               <a:solidFill>
                 <a:schemeClr val="dk1"/>
               </a:solidFill>
@@ -28990,6 +29362,52 @@
           </a:p>
         </p:txBody>
       </p:sp>
+      <p:sp>
+        <p:nvSpPr>
+          <p:cNvPr id="45" name="Google Shape;309;p38">
+            <a:extLst>
+              <a:ext uri="{FF2B5EF4-FFF2-40B4-BE49-F238E27FC236}">
+                <a16:creationId xmlns:a16="http://schemas.microsoft.com/office/drawing/2014/main" id="{408CF69C-17D6-4B95-B656-779ACB644070}"/>
+              </a:ext>
+            </a:extLst>
+          </p:cNvPr>
+          <p:cNvSpPr txBox="1">
+            <a:spLocks noGrp="1"/>
+          </p:cNvSpPr>
+          <p:nvPr>
+            <p:ph type="title"/>
+          </p:nvPr>
+        </p:nvSpPr>
+        <p:spPr>
+          <a:xfrm>
+            <a:off x="0" y="18469"/>
+            <a:ext cx="3161850" cy="581781"/>
+          </a:xfrm>
+          <a:prstGeom prst="rect">
+            <a:avLst/>
+          </a:prstGeom>
+          <a:noFill/>
+          <a:ln>
+            <a:noFill/>
+          </a:ln>
+        </p:spPr>
+        <p:txBody>
+          <a:bodyPr spcFirstLastPara="1" vert="horz" wrap="square" lIns="107269" tIns="53620" rIns="107269" bIns="53620" rtlCol="0" anchor="ctr" anchorCtr="0">
+            <a:noAutofit/>
+          </a:bodyPr>
+          <a:lstStyle/>
+          <a:p>
+            <a:pPr>
+              <a:buSzPts val="4400"/>
+            </a:pPr>
+            <a:r>
+              <a:rPr lang="es-419" dirty="0"/>
+              <a:t>Continue....</a:t>
+            </a:r>
+            <a:endParaRPr dirty="0"/>
+          </a:p>
+        </p:txBody>
+      </p:sp>
     </p:spTree>
     <p:extLst>
       <p:ext uri="{BB962C8B-B14F-4D97-AF65-F5344CB8AC3E}">
@@ -29108,7 +29526,7 @@
         </p:nvSpPr>
         <p:spPr>
           <a:xfrm>
-            <a:off x="568685" y="25766"/>
+            <a:off x="12375" y="24586"/>
             <a:ext cx="7306524" cy="555655"/>
           </a:xfrm>
           <a:prstGeom prst="rect">
@@ -29130,7 +29548,7 @@
             </a:pPr>
             <a:r>
               <a:rPr lang="es-419" dirty="0"/>
-              <a:t>Evento: click album</a:t>
+              <a:t>Event: click album</a:t>
             </a:r>
             <a:endParaRPr dirty="0"/>
           </a:p>
@@ -29304,7 +29722,7 @@
           <a:lstStyle/>
           <a:p>
             <a:pPr algn="ctr"/>
-            <a:endParaRPr sz="2000">
+            <a:endParaRPr sz="2000" dirty="0">
               <a:solidFill>
                 <a:schemeClr val="dk1"/>
               </a:solidFill>
@@ -29464,7 +29882,7 @@
           <a:lstStyle/>
           <a:p>
             <a:pPr algn="ctr"/>
-            <a:endParaRPr sz="2000">
+            <a:endParaRPr sz="2000" dirty="0">
               <a:solidFill>
                 <a:schemeClr val="dk1"/>
               </a:solidFill>
@@ -29801,7 +30219,7 @@
           <a:lstStyle/>
           <a:p>
             <a:pPr algn="ctr"/>
-            <a:endParaRPr sz="2100">
+            <a:endParaRPr sz="2100" dirty="0">
               <a:solidFill>
                 <a:schemeClr val="dk1"/>
               </a:solidFill>
@@ -29976,7 +30394,7 @@
           <a:lstStyle/>
           <a:p>
             <a:pPr algn="ctr"/>
-            <a:endParaRPr sz="2100">
+            <a:endParaRPr sz="2100" dirty="0">
               <a:solidFill>
                 <a:schemeClr val="dk1"/>
               </a:solidFill>
@@ -30133,7 +30551,7 @@
           <a:lstStyle/>
           <a:p>
             <a:pPr algn="ctr"/>
-            <a:endParaRPr sz="2100">
+            <a:endParaRPr sz="2100" dirty="0">
               <a:solidFill>
                 <a:schemeClr val="dk1"/>
               </a:solidFill>
@@ -31329,7 +31747,7 @@
         </p:nvSpPr>
         <p:spPr>
           <a:xfrm>
-            <a:off x="407561" y="51140"/>
+            <a:off x="0" y="24794"/>
             <a:ext cx="9791189" cy="555655"/>
           </a:xfrm>
           <a:prstGeom prst="rect">
@@ -31351,7 +31769,7 @@
             </a:pPr>
             <a:r>
               <a:rPr lang="es-419" dirty="0"/>
-              <a:t>Evento: mouseenter on thumbnail image</a:t>
+              <a:t>Event: mouseenter on thumbnail image</a:t>
             </a:r>
             <a:endParaRPr dirty="0"/>
           </a:p>
@@ -31526,7 +31944,7 @@
           <a:lstStyle/>
           <a:p>
             <a:pPr algn="ctr"/>
-            <a:endParaRPr sz="2000">
+            <a:endParaRPr sz="2000" dirty="0">
               <a:solidFill>
                 <a:schemeClr val="dk1"/>
               </a:solidFill>
@@ -31687,7 +32105,7 @@
           <a:lstStyle/>
           <a:p>
             <a:pPr algn="ctr"/>
-            <a:endParaRPr sz="2000">
+            <a:endParaRPr sz="2000" dirty="0">
               <a:solidFill>
                 <a:schemeClr val="dk1"/>
               </a:solidFill>
@@ -31954,7 +32372,7 @@
           <a:lstStyle/>
           <a:p>
             <a:pPr algn="ctr"/>
-            <a:endParaRPr sz="2100">
+            <a:endParaRPr sz="2100" dirty="0">
               <a:solidFill>
                 <a:schemeClr val="dk1"/>
               </a:solidFill>
@@ -32130,7 +32548,7 @@
           <a:lstStyle/>
           <a:p>
             <a:pPr algn="ctr"/>
-            <a:endParaRPr sz="2100">
+            <a:endParaRPr sz="2100" dirty="0">
               <a:solidFill>
                 <a:schemeClr val="dk1"/>
               </a:solidFill>
@@ -32288,7 +32706,7 @@
           <a:lstStyle/>
           <a:p>
             <a:pPr algn="ctr"/>
-            <a:endParaRPr sz="2100">
+            <a:endParaRPr sz="2100" dirty="0">
               <a:solidFill>
                 <a:schemeClr val="dk1"/>
               </a:solidFill>
@@ -33281,7 +33699,7 @@
           <a:lstStyle/>
           <a:p>
             <a:pPr algn="ctr"/>
-            <a:endParaRPr sz="2000">
+            <a:endParaRPr sz="2000" dirty="0">
               <a:solidFill>
                 <a:schemeClr val="dk1"/>
               </a:solidFill>
@@ -33981,6 +34399,14 @@
 <file path=ppt/slides/slide3.xml><?xml version="1.0" encoding="utf-8"?>
 <p:sld xmlns:a="http://schemas.openxmlformats.org/drawingml/2006/main" xmlns:r="http://schemas.openxmlformats.org/officeDocument/2006/relationships" xmlns:p="http://schemas.openxmlformats.org/presentationml/2006/main">
   <p:cSld>
+    <p:bg>
+      <p:bgPr>
+        <a:solidFill>
+          <a:schemeClr val="bg1"/>
+        </a:solidFill>
+        <a:effectLst/>
+      </p:bgPr>
+    </p:bg>
     <p:spTree>
       <p:nvGrpSpPr>
         <p:cNvPr id="1" name="Shape 189"/>
@@ -34007,7 +34433,7 @@
         </p:nvSpPr>
         <p:spPr>
           <a:xfrm>
-            <a:off x="1667741" y="97992"/>
+            <a:off x="1667741" y="150244"/>
             <a:ext cx="8856518" cy="536001"/>
           </a:xfrm>
           <a:prstGeom prst="rect">
@@ -34042,7 +34468,7 @@
             <a:spLocks noGrp="1"/>
           </p:cNvSpPr>
           <p:nvPr>
-            <p:ph type="body" idx="1"/>
+            <p:ph idx="1"/>
           </p:nvPr>
         </p:nvSpPr>
         <p:spPr>
@@ -34406,7 +34832,7 @@
     </p:spTree>
   </p:cSld>
   <p:clrMapOvr>
-    <a:masterClrMapping/>
+    <a:overrideClrMapping bg1="lt1" tx1="dk1" bg2="lt2" tx2="dk2" accent1="accent1" accent2="accent2" accent3="accent3" accent4="accent4" accent5="accent5" accent6="accent6" hlink="hlink" folHlink="folHlink"/>
   </p:clrMapOvr>
 </p:sld>
 </file>
@@ -34524,8 +34950,8 @@
         </p:nvSpPr>
         <p:spPr>
           <a:xfrm>
-            <a:off x="568685" y="25766"/>
-            <a:ext cx="8621968" cy="555655"/>
+            <a:off x="36223" y="8544"/>
+            <a:ext cx="8060886" cy="555655"/>
           </a:xfrm>
           <a:prstGeom prst="rect">
             <a:avLst/>
@@ -34545,8 +34971,12 @@
               <a:buSzPts val="4400"/>
             </a:pPr>
             <a:r>
+              <a:rPr lang="en-US" dirty="0"/>
+              <a:t>Event </a:t>
+            </a:r>
+            <a:r>
               <a:rPr lang="es-419" dirty="0"/>
-              <a:t>Evento: creation of new comment</a:t>
+              <a:t>: creation of new comment</a:t>
             </a:r>
             <a:endParaRPr dirty="0"/>
           </a:p>
@@ -34650,7 +35080,7 @@
           <a:lstStyle/>
           <a:p>
             <a:pPr algn="ctr"/>
-            <a:endParaRPr sz="2000">
+            <a:endParaRPr sz="2000" dirty="0">
               <a:solidFill>
                 <a:schemeClr val="dk1"/>
               </a:solidFill>
@@ -34824,7 +35254,7 @@
           <a:lstStyle/>
           <a:p>
             <a:pPr algn="ctr"/>
-            <a:endParaRPr sz="2100">
+            <a:endParaRPr sz="2100" dirty="0">
               <a:solidFill>
                 <a:schemeClr val="dk1"/>
               </a:solidFill>
@@ -35111,7 +35541,7 @@
           <a:lstStyle/>
           <a:p>
             <a:pPr algn="ctr"/>
-            <a:endParaRPr sz="2000">
+            <a:endParaRPr sz="2000" dirty="0">
               <a:solidFill>
                 <a:schemeClr val="dk1"/>
               </a:solidFill>
@@ -36163,7 +36593,7 @@
           <a:lstStyle/>
           <a:p>
             <a:pPr algn="ctr"/>
-            <a:endParaRPr sz="2100">
+            <a:endParaRPr sz="2100" dirty="0">
               <a:solidFill>
                 <a:schemeClr val="dk1"/>
               </a:solidFill>
@@ -36381,7 +36811,7 @@
           <a:lstStyle/>
           <a:p>
             <a:pPr algn="ctr"/>
-            <a:endParaRPr sz="2100">
+            <a:endParaRPr sz="2100" dirty="0">
               <a:solidFill>
                 <a:schemeClr val="dk1"/>
               </a:solidFill>
@@ -36928,7 +37358,7 @@
           <a:lstStyle/>
           <a:p>
             <a:pPr algn="ctr"/>
-            <a:endParaRPr sz="2100">
+            <a:endParaRPr sz="2100" dirty="0">
               <a:solidFill>
                 <a:schemeClr val="dk1"/>
               </a:solidFill>
@@ -37215,7 +37645,7 @@
           <a:lstStyle/>
           <a:p>
             <a:pPr algn="ctr"/>
-            <a:endParaRPr sz="2000">
+            <a:endParaRPr sz="2000" dirty="0">
               <a:solidFill>
                 <a:schemeClr val="dk1"/>
               </a:solidFill>
@@ -37557,7 +37987,7 @@
         </p:nvSpPr>
         <p:spPr>
           <a:xfrm>
-            <a:off x="567084" y="95667"/>
+            <a:off x="103755" y="18810"/>
             <a:ext cx="8067315" cy="555655"/>
           </a:xfrm>
           <a:prstGeom prst="rect">
@@ -37578,8 +38008,12 @@
               <a:buSzPts val="4400"/>
             </a:pPr>
             <a:r>
+              <a:rPr lang="en-US" dirty="0"/>
+              <a:t>Event </a:t>
+            </a:r>
+            <a:r>
               <a:rPr lang="es-419" dirty="0"/>
-              <a:t>Evento: click “save order button”</a:t>
+              <a:t>: click “save order button”</a:t>
             </a:r>
             <a:endParaRPr dirty="0"/>
           </a:p>
@@ -38218,7 +38652,7 @@
         </p:nvSpPr>
         <p:spPr>
           <a:xfrm>
-            <a:off x="272021" y="218219"/>
+            <a:off x="0" y="0"/>
             <a:ext cx="10515600" cy="663684"/>
           </a:xfrm>
         </p:spPr>
@@ -38230,7 +38664,7 @@
           <a:p>
             <a:r>
               <a:rPr lang="en-US" dirty="0"/>
-              <a:t>Events: Click Next Button</a:t>
+              <a:t>Event: Click Next Button</a:t>
             </a:r>
           </a:p>
         </p:txBody>
@@ -38393,7 +38827,7 @@
           <a:lstStyle/>
           <a:p>
             <a:pPr algn="ctr"/>
-            <a:endParaRPr sz="1400">
+            <a:endParaRPr sz="1400" dirty="0">
               <a:solidFill>
                 <a:schemeClr val="dk1"/>
               </a:solidFill>
@@ -38551,7 +38985,7 @@
           <a:lstStyle/>
           <a:p>
             <a:pPr algn="ctr"/>
-            <a:endParaRPr sz="1400">
+            <a:endParaRPr sz="1400" dirty="0">
               <a:solidFill>
                 <a:schemeClr val="dk1"/>
               </a:solidFill>
@@ -38709,7 +39143,7 @@
           <a:lstStyle/>
           <a:p>
             <a:pPr algn="ctr"/>
-            <a:endParaRPr sz="1400">
+            <a:endParaRPr sz="1400" dirty="0">
               <a:solidFill>
                 <a:schemeClr val="dk1"/>
               </a:solidFill>
@@ -39182,7 +39616,7 @@
         </p:nvSpPr>
         <p:spPr>
           <a:xfrm>
-            <a:off x="272021" y="218219"/>
+            <a:off x="0" y="10305"/>
             <a:ext cx="10515600" cy="663684"/>
           </a:xfrm>
         </p:spPr>
@@ -39194,7 +39628,7 @@
           <a:p>
             <a:r>
               <a:rPr lang="en-US" dirty="0"/>
-              <a:t>Events: Click Previous Button</a:t>
+              <a:t>Event: Click Previous Button</a:t>
             </a:r>
           </a:p>
         </p:txBody>
@@ -39357,7 +39791,7 @@
           <a:lstStyle/>
           <a:p>
             <a:pPr algn="ctr"/>
-            <a:endParaRPr sz="1400">
+            <a:endParaRPr sz="1400" dirty="0">
               <a:solidFill>
                 <a:schemeClr val="dk1"/>
               </a:solidFill>
@@ -39515,7 +39949,7 @@
           <a:lstStyle/>
           <a:p>
             <a:pPr algn="ctr"/>
-            <a:endParaRPr sz="1400">
+            <a:endParaRPr sz="1400" dirty="0">
               <a:solidFill>
                 <a:schemeClr val="dk1"/>
               </a:solidFill>
@@ -39673,7 +40107,7 @@
           <a:lstStyle/>
           <a:p>
             <a:pPr algn="ctr"/>
-            <a:endParaRPr sz="1400">
+            <a:endParaRPr sz="1400" dirty="0">
               <a:solidFill>
                 <a:schemeClr val="dk1"/>
               </a:solidFill>
@@ -40198,7 +40632,7 @@
           <a:lstStyle/>
           <a:p>
             <a:pPr algn="ctr"/>
-            <a:endParaRPr lang="en-US"/>
+            <a:endParaRPr lang="en-US" dirty="0"/>
           </a:p>
         </p:txBody>
       </p:sp>
@@ -40216,7 +40650,7 @@
         </p:nvSpPr>
         <p:spPr>
           <a:xfrm>
-            <a:off x="1196656" y="148739"/>
+            <a:off x="806611" y="175082"/>
             <a:ext cx="9795638" cy="556719"/>
           </a:xfrm>
           <a:prstGeom prst="rect">
@@ -40272,7 +40706,7 @@
         </p:blipFill>
         <p:spPr>
           <a:xfrm>
-            <a:off x="7433833" y="1432560"/>
+            <a:off x="6641353" y="1432559"/>
             <a:ext cx="4298101" cy="4954586"/>
           </a:xfrm>
           <a:prstGeom prst="rect">
@@ -40302,8 +40736,8 @@
         </p:blipFill>
         <p:spPr>
           <a:xfrm>
-            <a:off x="157625" y="1920876"/>
-            <a:ext cx="6497698" cy="3687444"/>
+            <a:off x="471381" y="1487261"/>
+            <a:ext cx="4944548" cy="3546294"/>
           </a:xfrm>
           <a:prstGeom prst="rect">
             <a:avLst/>
@@ -40324,7 +40758,7 @@
         </p:nvCxnSpPr>
         <p:spPr>
           <a:xfrm>
-            <a:off x="6660573" y="1298864"/>
+            <a:off x="5704430" y="1169721"/>
             <a:ext cx="0" cy="5340927"/>
           </a:xfrm>
           <a:prstGeom prst="line">
@@ -40391,10 +40825,10 @@
       </p:grpSpPr>
       <p:sp useBgFill="1">
         <p:nvSpPr>
-          <p:cNvPr id="10" name="Rectangle 9">
-            <a:extLst>
-              <a:ext uri="{FF2B5EF4-FFF2-40B4-BE49-F238E27FC236}">
-                <a16:creationId xmlns:a16="http://schemas.microsoft.com/office/drawing/2014/main" id="{53F29798-D584-4792-9B62-3F5F5C36D619}"/>
+          <p:cNvPr id="15" name="Rectangle 14">
+            <a:extLst>
+              <a:ext uri="{FF2B5EF4-FFF2-40B4-BE49-F238E27FC236}">
+                <a16:creationId xmlns:a16="http://schemas.microsoft.com/office/drawing/2014/main" id="{E45B1D5C-0827-4AF0-8186-11FC5A8B8B92}"/>
               </a:ext>
               <a:ext uri="{C183D7F6-B498-43B3-948B-1728B52AA6E4}">
                 <adec:decorative xmlns:adec="http://schemas.microsoft.com/office/drawing/2017/decorative" val="1"/>
@@ -40415,7 +40849,7 @@
         <p:spPr>
           <a:xfrm>
             <a:off x="0" y="0"/>
-            <a:ext cx="12188952" cy="6858000"/>
+            <a:ext cx="12191999" cy="6857365"/>
           </a:xfrm>
           <a:prstGeom prst="rect">
             <a:avLst/>
@@ -40445,50 +40879,303 @@
           <a:lstStyle/>
           <a:p>
             <a:pPr algn="ctr"/>
-            <a:endParaRPr lang="en-US"/>
+            <a:endParaRPr lang="en-US" dirty="0"/>
           </a:p>
         </p:txBody>
       </p:sp>
       <p:sp>
         <p:nvSpPr>
-          <p:cNvPr id="5" name="CasellaDiTesto 4">
-            <a:extLst>
-              <a:ext uri="{FF2B5EF4-FFF2-40B4-BE49-F238E27FC236}">
-                <a16:creationId xmlns:a16="http://schemas.microsoft.com/office/drawing/2014/main" id="{86FEEE08-5069-4C77-A39A-8A351618842B}"/>
-              </a:ext>
-            </a:extLst>
-          </p:cNvPr>
-          <p:cNvSpPr txBox="1"/>
-          <p:nvPr/>
-        </p:nvSpPr>
-        <p:spPr>
-          <a:xfrm>
-            <a:off x="838200" y="184805"/>
-            <a:ext cx="10515600" cy="1505883"/>
+          <p:cNvPr id="17" name="Rectangle 16">
+            <a:extLst>
+              <a:ext uri="{FF2B5EF4-FFF2-40B4-BE49-F238E27FC236}">
+                <a16:creationId xmlns:a16="http://schemas.microsoft.com/office/drawing/2014/main" id="{99413ED5-9ED4-4772-BCE4-2BCAE6B12E35}"/>
+              </a:ext>
+              <a:ext uri="{C183D7F6-B498-43B3-948B-1728B52AA6E4}">
+                <adec:decorative xmlns:adec="http://schemas.microsoft.com/office/drawing/2017/decorative" val="1"/>
+              </a:ext>
+            </a:extLst>
+          </p:cNvPr>
+          <p:cNvSpPr>
+            <a:spLocks noGrp="1" noRot="1" noChangeAspect="1" noMove="1" noResize="1" noEditPoints="1" noAdjustHandles="1" noChangeArrowheads="1" noChangeShapeType="1" noTextEdit="1"/>
+          </p:cNvSpPr>
+          <p:nvPr>
+            <p:extLst>
+              <p:ext uri="{386F3935-93C4-4BCD-93E2-E3B085C9AB24}">
+                <p16:designElem xmlns:p16="http://schemas.microsoft.com/office/powerpoint/2015/main" val="1"/>
+              </p:ext>
+            </p:extLst>
+          </p:nvPr>
+        </p:nvSpPr>
+        <p:spPr>
+          <a:xfrm rot="16200000">
+            <a:off x="3433973" y="-827233"/>
+            <a:ext cx="1715478" cy="8583421"/>
           </a:xfrm>
           <a:prstGeom prst="rect">
             <a:avLst/>
           </a:prstGeom>
+          <a:solidFill>
+            <a:schemeClr val="accent4"/>
+          </a:solidFill>
+          <a:ln>
+            <a:noFill/>
+          </a:ln>
+        </p:spPr>
+        <p:style>
+          <a:lnRef idx="2">
+            <a:schemeClr val="accent1">
+              <a:shade val="50000"/>
+            </a:schemeClr>
+          </a:lnRef>
+          <a:fillRef idx="1">
+            <a:schemeClr val="accent1"/>
+          </a:fillRef>
+          <a:effectRef idx="0">
+            <a:schemeClr val="accent1"/>
+          </a:effectRef>
+          <a:fontRef idx="minor">
+            <a:schemeClr val="lt1"/>
+          </a:fontRef>
+        </p:style>
+        <p:txBody>
+          <a:bodyPr rtlCol="0" anchor="ctr"/>
+          <a:lstStyle/>
+          <a:p>
+            <a:pPr algn="ctr"/>
+            <a:endParaRPr lang="en-US" dirty="0"/>
+          </a:p>
+        </p:txBody>
+      </p:sp>
+      <p:sp>
+        <p:nvSpPr>
+          <p:cNvPr id="19" name="Rectangle 18">
+            <a:extLst>
+              <a:ext uri="{FF2B5EF4-FFF2-40B4-BE49-F238E27FC236}">
+                <a16:creationId xmlns:a16="http://schemas.microsoft.com/office/drawing/2014/main" id="{04357C93-F0CB-4A1C-8F77-4E9063789819}"/>
+              </a:ext>
+              <a:ext uri="{C183D7F6-B498-43B3-948B-1728B52AA6E4}">
+                <adec:decorative xmlns:adec="http://schemas.microsoft.com/office/drawing/2017/decorative" val="1"/>
+              </a:ext>
+            </a:extLst>
+          </p:cNvPr>
+          <p:cNvSpPr>
+            <a:spLocks noGrp="1" noRot="1" noChangeAspect="1" noMove="1" noResize="1" noEditPoints="1" noAdjustHandles="1" noChangeArrowheads="1" noChangeShapeType="1" noTextEdit="1"/>
+          </p:cNvSpPr>
+          <p:nvPr>
+            <p:extLst>
+              <p:ext uri="{386F3935-93C4-4BCD-93E2-E3B085C9AB24}">
+                <p16:designElem xmlns:p16="http://schemas.microsoft.com/office/powerpoint/2015/main" val="1"/>
+              </p:ext>
+            </p:extLst>
+          </p:nvPr>
+        </p:nvSpPr>
+        <p:spPr>
+          <a:xfrm>
+            <a:off x="302085" y="664308"/>
+            <a:ext cx="8082632" cy="5600340"/>
+          </a:xfrm>
+          <a:prstGeom prst="rect">
+            <a:avLst/>
+          </a:prstGeom>
+          <a:solidFill>
+            <a:schemeClr val="bg1"/>
+          </a:solidFill>
+          <a:ln>
+            <a:noFill/>
+          </a:ln>
+          <a:effectLst>
+            <a:outerShdw blurRad="139700" dist="127000" dir="5400000" algn="t" rotWithShape="0">
+              <a:prstClr val="black">
+                <a:alpha val="15000"/>
+              </a:prstClr>
+            </a:outerShdw>
+          </a:effectLst>
+        </p:spPr>
+        <p:style>
+          <a:lnRef idx="2">
+            <a:schemeClr val="accent1">
+              <a:shade val="50000"/>
+            </a:schemeClr>
+          </a:lnRef>
+          <a:fillRef idx="1">
+            <a:schemeClr val="accent1"/>
+          </a:fillRef>
+          <a:effectRef idx="0">
+            <a:schemeClr val="accent1"/>
+          </a:effectRef>
+          <a:fontRef idx="minor">
+            <a:schemeClr val="lt1"/>
+          </a:fontRef>
+        </p:style>
+        <p:txBody>
+          <a:bodyPr rtlCol="0" anchor="ctr"/>
+          <a:lstStyle/>
+          <a:p>
+            <a:pPr algn="ctr"/>
+            <a:endParaRPr lang="en-US" dirty="0"/>
+          </a:p>
+        </p:txBody>
+      </p:sp>
+      <p:pic>
+        <p:nvPicPr>
+          <p:cNvPr id="3" name="Immagine 2" descr="Immagine che contiene screenshot&#10;&#10;Descrizione generata automaticamente">
+            <a:extLst>
+              <a:ext uri="{FF2B5EF4-FFF2-40B4-BE49-F238E27FC236}">
+                <a16:creationId xmlns:a16="http://schemas.microsoft.com/office/drawing/2014/main" id="{61D1F282-C8E8-4F48-91F1-DAFFD8DB20A0}"/>
+              </a:ext>
+            </a:extLst>
+          </p:cNvPr>
+          <p:cNvPicPr>
+            <a:picLocks noChangeAspect="1"/>
+          </p:cNvPicPr>
+          <p:nvPr/>
+        </p:nvPicPr>
+        <p:blipFill rotWithShape="1">
+          <a:blip r:embed="rId2"/>
+          <a:srcRect l="3633" t="1" r="276" b="-1364"/>
+          <a:stretch/>
+        </p:blipFill>
+        <p:spPr>
+          <a:xfrm>
+            <a:off x="302085" y="1247004"/>
+            <a:ext cx="8082632" cy="4434946"/>
+          </a:xfrm>
+          <a:prstGeom prst="rect">
+            <a:avLst/>
+          </a:prstGeom>
+        </p:spPr>
+      </p:pic>
+      <p:sp>
+        <p:nvSpPr>
+          <p:cNvPr id="21" name="Rectangle 20">
+            <a:extLst>
+              <a:ext uri="{FF2B5EF4-FFF2-40B4-BE49-F238E27FC236}">
+                <a16:creationId xmlns:a16="http://schemas.microsoft.com/office/drawing/2014/main" id="{90F533E9-6690-41A8-A372-4C6C622D028D}"/>
+              </a:ext>
+              <a:ext uri="{C183D7F6-B498-43B3-948B-1728B52AA6E4}">
+                <adec:decorative xmlns:adec="http://schemas.microsoft.com/office/drawing/2017/decorative" val="1"/>
+              </a:ext>
+            </a:extLst>
+          </p:cNvPr>
+          <p:cNvSpPr>
+            <a:spLocks noGrp="1" noRot="1" noChangeAspect="1" noMove="1" noResize="1" noEditPoints="1" noAdjustHandles="1" noChangeArrowheads="1" noChangeShapeType="1" noTextEdit="1"/>
+          </p:cNvSpPr>
+          <p:nvPr>
+            <p:extLst>
+              <p:ext uri="{386F3935-93C4-4BCD-93E2-E3B085C9AB24}">
+                <p16:designElem xmlns:p16="http://schemas.microsoft.com/office/powerpoint/2015/main" val="1"/>
+              </p:ext>
+            </p:extLst>
+          </p:nvPr>
+        </p:nvSpPr>
+        <p:spPr>
+          <a:xfrm rot="5400000">
+            <a:off x="7950447" y="3392097"/>
+            <a:ext cx="1719072" cy="152382"/>
+          </a:xfrm>
+          <a:prstGeom prst="rect">
+            <a:avLst/>
+          </a:prstGeom>
+          <a:solidFill>
+            <a:schemeClr val="accent4"/>
+          </a:solidFill>
+          <a:ln>
+            <a:noFill/>
+          </a:ln>
+        </p:spPr>
+        <p:style>
+          <a:lnRef idx="2">
+            <a:schemeClr val="accent1">
+              <a:shade val="50000"/>
+            </a:schemeClr>
+          </a:lnRef>
+          <a:fillRef idx="1">
+            <a:schemeClr val="accent1"/>
+          </a:fillRef>
+          <a:effectRef idx="0">
+            <a:schemeClr val="accent1"/>
+          </a:effectRef>
+          <a:fontRef idx="minor">
+            <a:schemeClr val="lt1"/>
+          </a:fontRef>
+        </p:style>
+        <p:txBody>
+          <a:bodyPr rtlCol="0" anchor="ctr"/>
+          <a:lstStyle/>
+          <a:p>
+            <a:pPr algn="ctr"/>
+            <a:endParaRPr lang="en-US" dirty="0"/>
+          </a:p>
+        </p:txBody>
+      </p:sp>
+      <p:sp>
+        <p:nvSpPr>
+          <p:cNvPr id="9" name="Titolo 1">
+            <a:extLst>
+              <a:ext uri="{FF2B5EF4-FFF2-40B4-BE49-F238E27FC236}">
+                <a16:creationId xmlns:a16="http://schemas.microsoft.com/office/drawing/2014/main" id="{DDC649C9-A28D-451A-A651-2EC10BEB2AB3}"/>
+              </a:ext>
+            </a:extLst>
+          </p:cNvPr>
+          <p:cNvSpPr>
+            <a:spLocks noGrp="1"/>
+          </p:cNvSpPr>
+          <p:nvPr>
+            <p:ph type="title"/>
+          </p:nvPr>
+        </p:nvSpPr>
+        <p:spPr>
+          <a:xfrm>
+            <a:off x="9160095" y="2730790"/>
+            <a:ext cx="2653937" cy="1395784"/>
+          </a:xfrm>
         </p:spPr>
         <p:txBody>
           <a:bodyPr vert="horz" lIns="91440" tIns="45720" rIns="91440" bIns="45720" rtlCol="0" anchor="ctr">
-            <a:normAutofit/>
+            <a:normAutofit fontScale="90000"/>
           </a:bodyPr>
           <a:lstStyle/>
           <a:p>
-            <a:pPr>
-              <a:lnSpc>
-                <a:spcPct val="90000"/>
-              </a:lnSpc>
-              <a:spcBef>
-                <a:spcPct val="0"/>
-              </a:spcBef>
-              <a:spcAft>
-                <a:spcPts val="600"/>
-              </a:spcAft>
-            </a:pPr>
-            <a:r>
-              <a:rPr lang="en-US" sz="3900" b="1" kern="1200" dirty="0">
+            <a:r>
+              <a:rPr lang="en-US" sz="3300" dirty="0">
+                <a:latin typeface="+mn-lt"/>
+              </a:rPr>
+              <a:t>OnePage</a:t>
+            </a:r>
+            <a:r>
+              <a:rPr lang="en-US" sz="3300" kern="1200" dirty="0">
+                <a:solidFill>
+                  <a:schemeClr val="tx1"/>
+                </a:solidFill>
+                <a:latin typeface="+mn-lt"/>
+                <a:ea typeface="+mj-ea"/>
+                <a:cs typeface="+mj-cs"/>
+              </a:rPr>
+              <a:t>.html</a:t>
+            </a:r>
+            <a:br>
+              <a:rPr lang="en-US" sz="3300" kern="1200" dirty="0">
+                <a:solidFill>
+                  <a:schemeClr val="tx1"/>
+                </a:solidFill>
+                <a:latin typeface="+mn-lt"/>
+                <a:ea typeface="+mj-ea"/>
+                <a:cs typeface="+mj-cs"/>
+              </a:rPr>
+            </a:br>
+            <a:r>
+              <a:rPr lang="en-US" sz="3300" b="1" kern="1200" dirty="0">
+                <a:solidFill>
+                  <a:srgbClr val="7030A0"/>
+                </a:solidFill>
+                <a:latin typeface="+mn-lt"/>
+                <a:ea typeface="+mj-ea"/>
+                <a:cs typeface="+mj-cs"/>
+              </a:rPr>
+              <a:t>User Guest</a:t>
+            </a:r>
+            <a:br>
+              <a:rPr lang="en-US" sz="3300" b="1" kern="1200" dirty="0">
                 <a:solidFill>
                   <a:schemeClr val="tx1"/>
                 </a:solidFill>
@@ -40496,65 +41183,18 @@
                 <a:ea typeface="+mj-ea"/>
                 <a:cs typeface="+mj-cs"/>
               </a:rPr>
-              <a:t>OnePage.html</a:t>
-            </a:r>
-          </a:p>
-          <a:p>
-            <a:pPr>
-              <a:lnSpc>
-                <a:spcPct val="90000"/>
-              </a:lnSpc>
-              <a:spcBef>
-                <a:spcPct val="0"/>
-              </a:spcBef>
-              <a:spcAft>
-                <a:spcPts val="600"/>
-              </a:spcAft>
-            </a:pPr>
-            <a:r>
-              <a:rPr lang="en-US" sz="3900" b="1" kern="1200" dirty="0">
-                <a:solidFill>
-                  <a:srgbClr val="7030A0"/>
-                </a:solidFill>
-                <a:latin typeface="+mj-lt"/>
-                <a:ea typeface="+mj-ea"/>
-                <a:cs typeface="+mj-cs"/>
-              </a:rPr>
-              <a:t>User Guest</a:t>
-            </a:r>
+            </a:br>
+            <a:endParaRPr lang="en-US" sz="3300" kern="1200" dirty="0">
+              <a:solidFill>
+                <a:schemeClr val="tx1"/>
+              </a:solidFill>
+              <a:latin typeface="+mj-lt"/>
+              <a:ea typeface="+mj-ea"/>
+              <a:cs typeface="+mj-cs"/>
+            </a:endParaRPr>
           </a:p>
         </p:txBody>
       </p:sp>
-      <p:pic>
-        <p:nvPicPr>
-          <p:cNvPr id="3" name="Immagine 2" descr="Immagine che contiene screenshot&#10;&#10;Descrizione generata automaticamente">
-            <a:extLst>
-              <a:ext uri="{FF2B5EF4-FFF2-40B4-BE49-F238E27FC236}">
-                <a16:creationId xmlns:a16="http://schemas.microsoft.com/office/drawing/2014/main" id="{61D1F282-C8E8-4F48-91F1-DAFFD8DB20A0}"/>
-              </a:ext>
-            </a:extLst>
-          </p:cNvPr>
-          <p:cNvPicPr>
-            <a:picLocks noChangeAspect="1"/>
-          </p:cNvPicPr>
-          <p:nvPr/>
-        </p:nvPicPr>
-        <p:blipFill>
-          <a:blip r:embed="rId2"/>
-          <a:stretch>
-            <a:fillRect/>
-          </a:stretch>
-        </p:blipFill>
-        <p:spPr>
-          <a:xfrm>
-            <a:off x="1506532" y="1845426"/>
-            <a:ext cx="9175882" cy="4450303"/>
-          </a:xfrm>
-          <a:prstGeom prst="rect">
-            <a:avLst/>
-          </a:prstGeom>
-        </p:spPr>
-      </p:pic>
     </p:spTree>
     <p:extLst>
       <p:ext uri="{BB962C8B-B14F-4D97-AF65-F5344CB8AC3E}">
@@ -40595,10 +41235,10 @@
       </p:grpSpPr>
       <p:sp useBgFill="1">
         <p:nvSpPr>
-          <p:cNvPr id="9" name="Rectangle 8">
-            <a:extLst>
-              <a:ext uri="{FF2B5EF4-FFF2-40B4-BE49-F238E27FC236}">
-                <a16:creationId xmlns:a16="http://schemas.microsoft.com/office/drawing/2014/main" id="{53F29798-D584-4792-9B62-3F5F5C36D619}"/>
+          <p:cNvPr id="15" name="Rectangle 14">
+            <a:extLst>
+              <a:ext uri="{FF2B5EF4-FFF2-40B4-BE49-F238E27FC236}">
+                <a16:creationId xmlns:a16="http://schemas.microsoft.com/office/drawing/2014/main" id="{E45B1D5C-0827-4AF0-8186-11FC5A8B8B92}"/>
               </a:ext>
               <a:ext uri="{C183D7F6-B498-43B3-948B-1728B52AA6E4}">
                 <adec:decorative xmlns:adec="http://schemas.microsoft.com/office/drawing/2017/decorative" val="1"/>
@@ -40619,7 +41259,7 @@
         <p:spPr>
           <a:xfrm>
             <a:off x="0" y="0"/>
-            <a:ext cx="12188952" cy="6858000"/>
+            <a:ext cx="12191999" cy="6857365"/>
           </a:xfrm>
           <a:prstGeom prst="rect">
             <a:avLst/>
@@ -40649,16 +41289,212 @@
           <a:lstStyle/>
           <a:p>
             <a:pPr algn="ctr"/>
-            <a:endParaRPr lang="en-US"/>
+            <a:endParaRPr lang="en-US" dirty="0"/>
           </a:p>
         </p:txBody>
       </p:sp>
       <p:sp>
         <p:nvSpPr>
-          <p:cNvPr id="2" name="Titolo 1">
-            <a:extLst>
-              <a:ext uri="{FF2B5EF4-FFF2-40B4-BE49-F238E27FC236}">
-                <a16:creationId xmlns:a16="http://schemas.microsoft.com/office/drawing/2014/main" id="{3C3A7970-E91D-40AD-8584-B7F74FA384C0}"/>
+          <p:cNvPr id="17" name="Rectangle 16">
+            <a:extLst>
+              <a:ext uri="{FF2B5EF4-FFF2-40B4-BE49-F238E27FC236}">
+                <a16:creationId xmlns:a16="http://schemas.microsoft.com/office/drawing/2014/main" id="{99413ED5-9ED4-4772-BCE4-2BCAE6B12E35}"/>
+              </a:ext>
+              <a:ext uri="{C183D7F6-B498-43B3-948B-1728B52AA6E4}">
+                <adec:decorative xmlns:adec="http://schemas.microsoft.com/office/drawing/2017/decorative" val="1"/>
+              </a:ext>
+            </a:extLst>
+          </p:cNvPr>
+          <p:cNvSpPr>
+            <a:spLocks noGrp="1" noRot="1" noChangeAspect="1" noMove="1" noResize="1" noEditPoints="1" noAdjustHandles="1" noChangeArrowheads="1" noChangeShapeType="1" noTextEdit="1"/>
+          </p:cNvSpPr>
+          <p:nvPr>
+            <p:extLst>
+              <p:ext uri="{386F3935-93C4-4BCD-93E2-E3B085C9AB24}">
+                <p16:designElem xmlns:p16="http://schemas.microsoft.com/office/powerpoint/2015/main" val="1"/>
+              </p:ext>
+            </p:extLst>
+          </p:nvPr>
+        </p:nvSpPr>
+        <p:spPr>
+          <a:xfrm rot="16200000">
+            <a:off x="3433973" y="-827233"/>
+            <a:ext cx="1715478" cy="8583421"/>
+          </a:xfrm>
+          <a:prstGeom prst="rect">
+            <a:avLst/>
+          </a:prstGeom>
+          <a:solidFill>
+            <a:schemeClr val="accent4"/>
+          </a:solidFill>
+          <a:ln>
+            <a:noFill/>
+          </a:ln>
+        </p:spPr>
+        <p:style>
+          <a:lnRef idx="2">
+            <a:schemeClr val="accent1">
+              <a:shade val="50000"/>
+            </a:schemeClr>
+          </a:lnRef>
+          <a:fillRef idx="1">
+            <a:schemeClr val="accent1"/>
+          </a:fillRef>
+          <a:effectRef idx="0">
+            <a:schemeClr val="accent1"/>
+          </a:effectRef>
+          <a:fontRef idx="minor">
+            <a:schemeClr val="lt1"/>
+          </a:fontRef>
+        </p:style>
+        <p:txBody>
+          <a:bodyPr rtlCol="0" anchor="ctr"/>
+          <a:lstStyle/>
+          <a:p>
+            <a:pPr algn="ctr"/>
+            <a:endParaRPr lang="en-US" dirty="0"/>
+          </a:p>
+        </p:txBody>
+      </p:sp>
+      <p:sp>
+        <p:nvSpPr>
+          <p:cNvPr id="19" name="Rectangle 18">
+            <a:extLst>
+              <a:ext uri="{FF2B5EF4-FFF2-40B4-BE49-F238E27FC236}">
+                <a16:creationId xmlns:a16="http://schemas.microsoft.com/office/drawing/2014/main" id="{04357C93-F0CB-4A1C-8F77-4E9063789819}"/>
+              </a:ext>
+              <a:ext uri="{C183D7F6-B498-43B3-948B-1728B52AA6E4}">
+                <adec:decorative xmlns:adec="http://schemas.microsoft.com/office/drawing/2017/decorative" val="1"/>
+              </a:ext>
+            </a:extLst>
+          </p:cNvPr>
+          <p:cNvSpPr>
+            <a:spLocks noGrp="1" noRot="1" noChangeAspect="1" noMove="1" noResize="1" noEditPoints="1" noAdjustHandles="1" noChangeArrowheads="1" noChangeShapeType="1" noTextEdit="1"/>
+          </p:cNvSpPr>
+          <p:nvPr>
+            <p:extLst>
+              <p:ext uri="{386F3935-93C4-4BCD-93E2-E3B085C9AB24}">
+                <p16:designElem xmlns:p16="http://schemas.microsoft.com/office/powerpoint/2015/main" val="1"/>
+              </p:ext>
+            </p:extLst>
+          </p:nvPr>
+        </p:nvSpPr>
+        <p:spPr>
+          <a:xfrm>
+            <a:off x="302085" y="664308"/>
+            <a:ext cx="8082632" cy="5600340"/>
+          </a:xfrm>
+          <a:prstGeom prst="rect">
+            <a:avLst/>
+          </a:prstGeom>
+          <a:solidFill>
+            <a:schemeClr val="bg1"/>
+          </a:solidFill>
+          <a:ln>
+            <a:noFill/>
+          </a:ln>
+          <a:effectLst>
+            <a:outerShdw blurRad="139700" dist="127000" dir="5400000" algn="t" rotWithShape="0">
+              <a:prstClr val="black">
+                <a:alpha val="15000"/>
+              </a:prstClr>
+            </a:outerShdw>
+          </a:effectLst>
+        </p:spPr>
+        <p:style>
+          <a:lnRef idx="2">
+            <a:schemeClr val="accent1">
+              <a:shade val="50000"/>
+            </a:schemeClr>
+          </a:lnRef>
+          <a:fillRef idx="1">
+            <a:schemeClr val="accent1"/>
+          </a:fillRef>
+          <a:effectRef idx="0">
+            <a:schemeClr val="accent1"/>
+          </a:effectRef>
+          <a:fontRef idx="minor">
+            <a:schemeClr val="lt1"/>
+          </a:fontRef>
+        </p:style>
+        <p:txBody>
+          <a:bodyPr rtlCol="0" anchor="ctr"/>
+          <a:lstStyle/>
+          <a:p>
+            <a:pPr algn="ctr"/>
+            <a:endParaRPr lang="en-US" dirty="0"/>
+          </a:p>
+        </p:txBody>
+      </p:sp>
+      <p:sp>
+        <p:nvSpPr>
+          <p:cNvPr id="21" name="Rectangle 20">
+            <a:extLst>
+              <a:ext uri="{FF2B5EF4-FFF2-40B4-BE49-F238E27FC236}">
+                <a16:creationId xmlns:a16="http://schemas.microsoft.com/office/drawing/2014/main" id="{90F533E9-6690-41A8-A372-4C6C622D028D}"/>
+              </a:ext>
+              <a:ext uri="{C183D7F6-B498-43B3-948B-1728B52AA6E4}">
+                <adec:decorative xmlns:adec="http://schemas.microsoft.com/office/drawing/2017/decorative" val="1"/>
+              </a:ext>
+            </a:extLst>
+          </p:cNvPr>
+          <p:cNvSpPr>
+            <a:spLocks noGrp="1" noRot="1" noChangeAspect="1" noMove="1" noResize="1" noEditPoints="1" noAdjustHandles="1" noChangeArrowheads="1" noChangeShapeType="1" noTextEdit="1"/>
+          </p:cNvSpPr>
+          <p:nvPr>
+            <p:extLst>
+              <p:ext uri="{386F3935-93C4-4BCD-93E2-E3B085C9AB24}">
+                <p16:designElem xmlns:p16="http://schemas.microsoft.com/office/powerpoint/2015/main" val="1"/>
+              </p:ext>
+            </p:extLst>
+          </p:nvPr>
+        </p:nvSpPr>
+        <p:spPr>
+          <a:xfrm rot="5400000">
+            <a:off x="7950447" y="3392097"/>
+            <a:ext cx="1719072" cy="152382"/>
+          </a:xfrm>
+          <a:prstGeom prst="rect">
+            <a:avLst/>
+          </a:prstGeom>
+          <a:solidFill>
+            <a:schemeClr val="accent4"/>
+          </a:solidFill>
+          <a:ln>
+            <a:noFill/>
+          </a:ln>
+        </p:spPr>
+        <p:style>
+          <a:lnRef idx="2">
+            <a:schemeClr val="accent1">
+              <a:shade val="50000"/>
+            </a:schemeClr>
+          </a:lnRef>
+          <a:fillRef idx="1">
+            <a:schemeClr val="accent1"/>
+          </a:fillRef>
+          <a:effectRef idx="0">
+            <a:schemeClr val="accent1"/>
+          </a:effectRef>
+          <a:fontRef idx="minor">
+            <a:schemeClr val="lt1"/>
+          </a:fontRef>
+        </p:style>
+        <p:txBody>
+          <a:bodyPr rtlCol="0" anchor="ctr"/>
+          <a:lstStyle/>
+          <a:p>
+            <a:pPr algn="ctr"/>
+            <a:endParaRPr lang="en-US" dirty="0"/>
+          </a:p>
+        </p:txBody>
+      </p:sp>
+      <p:sp>
+        <p:nvSpPr>
+          <p:cNvPr id="9" name="Titolo 1">
+            <a:extLst>
+              <a:ext uri="{FF2B5EF4-FFF2-40B4-BE49-F238E27FC236}">
+                <a16:creationId xmlns:a16="http://schemas.microsoft.com/office/drawing/2014/main" id="{DDC649C9-A28D-451A-A651-2EC10BEB2AB3}"/>
               </a:ext>
             </a:extLst>
           </p:cNvPr>
@@ -40671,13 +41507,13 @@
         </p:nvSpPr>
         <p:spPr>
           <a:xfrm>
-            <a:off x="838200" y="184805"/>
-            <a:ext cx="10515600" cy="1505883"/>
+            <a:off x="9160095" y="2730790"/>
+            <a:ext cx="2653937" cy="1395784"/>
           </a:xfrm>
         </p:spPr>
         <p:txBody>
           <a:bodyPr vert="horz" lIns="91440" tIns="45720" rIns="91440" bIns="45720" rtlCol="0" anchor="ctr">
-            <a:normAutofit/>
+            <a:normAutofit fontScale="90000"/>
           </a:bodyPr>
           <a:lstStyle/>
           <a:p>
@@ -40742,10 +41578,10 @@
       </p:sp>
       <p:pic>
         <p:nvPicPr>
-          <p:cNvPr id="4" name="Immagine 3" descr="Immagine che contiene screenshot&#10;&#10;Descrizione generata automaticamente">
-            <a:extLst>
-              <a:ext uri="{FF2B5EF4-FFF2-40B4-BE49-F238E27FC236}">
-                <a16:creationId xmlns:a16="http://schemas.microsoft.com/office/drawing/2014/main" id="{92FF707B-9040-4BC0-B9ED-B777A10B1C15}"/>
+          <p:cNvPr id="2" name="Immagine 1" descr="Immagine che contiene screenshot&#10;&#10;Descrizione generata automaticamente">
+            <a:extLst>
+              <a:ext uri="{FF2B5EF4-FFF2-40B4-BE49-F238E27FC236}">
+                <a16:creationId xmlns:a16="http://schemas.microsoft.com/office/drawing/2014/main" id="{81F28D91-7DD7-4899-80AC-8CF526A8F726}"/>
               </a:ext>
             </a:extLst>
           </p:cNvPr>
@@ -40762,8 +41598,8 @@
         </p:blipFill>
         <p:spPr>
           <a:xfrm>
-            <a:off x="2431675" y="1601586"/>
-            <a:ext cx="7325602" cy="4450303"/>
+            <a:off x="302084" y="887484"/>
+            <a:ext cx="8053741" cy="4892647"/>
           </a:xfrm>
           <a:prstGeom prst="rect">
             <a:avLst/>
@@ -40773,7 +41609,7 @@
     </p:spTree>
     <p:extLst>
       <p:ext uri="{BB962C8B-B14F-4D97-AF65-F5344CB8AC3E}">
-        <p14:creationId xmlns:p14="http://schemas.microsoft.com/office/powerpoint/2010/main" val="3458706185"/>
+        <p14:creationId xmlns:p14="http://schemas.microsoft.com/office/powerpoint/2010/main" val="3528185790"/>
       </p:ext>
     </p:extLst>
   </p:cSld>
@@ -40810,10 +41646,10 @@
       </p:grpSpPr>
       <p:sp useBgFill="1">
         <p:nvSpPr>
-          <p:cNvPr id="10" name="Rectangle 9">
-            <a:extLst>
-              <a:ext uri="{FF2B5EF4-FFF2-40B4-BE49-F238E27FC236}">
-                <a16:creationId xmlns:a16="http://schemas.microsoft.com/office/drawing/2014/main" id="{62542EEC-4F7C-4AE2-933E-EAC8EB3FA378}"/>
+          <p:cNvPr id="15" name="Rectangle 14">
+            <a:extLst>
+              <a:ext uri="{FF2B5EF4-FFF2-40B4-BE49-F238E27FC236}">
+                <a16:creationId xmlns:a16="http://schemas.microsoft.com/office/drawing/2014/main" id="{E45B1D5C-0827-4AF0-8186-11FC5A8B8B92}"/>
               </a:ext>
               <a:ext uri="{C183D7F6-B498-43B3-948B-1728B52AA6E4}">
                 <adec:decorative xmlns:adec="http://schemas.microsoft.com/office/drawing/2017/decorative" val="1"/>
@@ -40864,86 +41700,16 @@
           <a:lstStyle/>
           <a:p>
             <a:pPr algn="ctr"/>
-            <a:endParaRPr lang="en-US"/>
+            <a:endParaRPr lang="en-US" dirty="0"/>
           </a:p>
         </p:txBody>
       </p:sp>
       <p:sp>
         <p:nvSpPr>
-          <p:cNvPr id="2" name="Titolo 1">
-            <a:extLst>
-              <a:ext uri="{FF2B5EF4-FFF2-40B4-BE49-F238E27FC236}">
-                <a16:creationId xmlns:a16="http://schemas.microsoft.com/office/drawing/2014/main" id="{D01C3C1A-FE2C-461B-94A4-68E58C809BDC}"/>
-              </a:ext>
-            </a:extLst>
-          </p:cNvPr>
-          <p:cNvSpPr>
-            <a:spLocks noGrp="1"/>
-          </p:cNvSpPr>
-          <p:nvPr>
-            <p:ph type="title"/>
-          </p:nvPr>
-        </p:nvSpPr>
-        <p:spPr>
-          <a:xfrm>
-            <a:off x="7041856" y="3113415"/>
-            <a:ext cx="4036334" cy="2387600"/>
-          </a:xfrm>
-        </p:spPr>
-        <p:txBody>
-          <a:bodyPr vert="horz" lIns="91440" tIns="45720" rIns="91440" bIns="45720" rtlCol="0" anchor="t">
-            <a:normAutofit/>
-          </a:bodyPr>
-          <a:lstStyle/>
-          <a:p>
-            <a:r>
-              <a:rPr lang="en-US" sz="3900" dirty="0">
-                <a:latin typeface="+mn-lt"/>
-              </a:rPr>
-              <a:t>OnePage</a:t>
-            </a:r>
-            <a:r>
-              <a:rPr lang="en-US" sz="3900" kern="1200" dirty="0">
-                <a:solidFill>
-                  <a:schemeClr val="tx1"/>
-                </a:solidFill>
-                <a:latin typeface="+mn-lt"/>
-                <a:ea typeface="+mj-ea"/>
-                <a:cs typeface="+mj-cs"/>
-              </a:rPr>
-              <a:t>.html</a:t>
-            </a:r>
-            <a:br>
-              <a:rPr lang="en-US" sz="3900" kern="1200" dirty="0">
-                <a:solidFill>
-                  <a:schemeClr val="tx1"/>
-                </a:solidFill>
-                <a:latin typeface="+mn-lt"/>
-                <a:ea typeface="+mj-ea"/>
-                <a:cs typeface="+mj-cs"/>
-              </a:rPr>
-            </a:br>
-            <a:r>
-              <a:rPr lang="en-US" sz="3900" b="1" kern="1200" dirty="0">
-                <a:solidFill>
-                  <a:srgbClr val="7030A0"/>
-                </a:solidFill>
-                <a:latin typeface="+mn-lt"/>
-                <a:ea typeface="+mj-ea"/>
-                <a:cs typeface="+mj-cs"/>
-              </a:rPr>
-              <a:t>User Guest</a:t>
-            </a:r>
-            <a:endParaRPr lang="en-US" sz="3900" b="1" dirty="0"/>
-          </a:p>
-        </p:txBody>
-      </p:sp>
-      <p:sp>
-        <p:nvSpPr>
-          <p:cNvPr id="12" name="Rectangle 11">
-            <a:extLst>
-              <a:ext uri="{FF2B5EF4-FFF2-40B4-BE49-F238E27FC236}">
-                <a16:creationId xmlns:a16="http://schemas.microsoft.com/office/drawing/2014/main" id="{B81933D1-5615-42C7-9C0B-4EB7105CCE2D}"/>
+          <p:cNvPr id="17" name="Rectangle 16">
+            <a:extLst>
+              <a:ext uri="{FF2B5EF4-FFF2-40B4-BE49-F238E27FC236}">
+                <a16:creationId xmlns:a16="http://schemas.microsoft.com/office/drawing/2014/main" id="{99413ED5-9ED4-4772-BCE4-2BCAE6B12E35}"/>
               </a:ext>
               <a:ext uri="{C183D7F6-B498-43B3-948B-1728B52AA6E4}">
                 <adec:decorative xmlns:adec="http://schemas.microsoft.com/office/drawing/2017/decorative" val="1"/>
@@ -40962,9 +41728,9 @@
           </p:nvPr>
         </p:nvSpPr>
         <p:spPr>
-          <a:xfrm flipH="1">
-            <a:off x="0" y="0"/>
-            <a:ext cx="1494330" cy="6858000"/>
+          <a:xfrm rot="16200000">
+            <a:off x="3433973" y="-827233"/>
+            <a:ext cx="1715478" cy="8583421"/>
           </a:xfrm>
           <a:prstGeom prst="rect">
             <a:avLst/>
@@ -40997,16 +41763,16 @@
           <a:lstStyle/>
           <a:p>
             <a:pPr algn="ctr"/>
-            <a:endParaRPr lang="en-US"/>
+            <a:endParaRPr lang="en-US" dirty="0"/>
           </a:p>
         </p:txBody>
       </p:sp>
       <p:sp>
         <p:nvSpPr>
-          <p:cNvPr id="14" name="Rectangle 13">
-            <a:extLst>
-              <a:ext uri="{FF2B5EF4-FFF2-40B4-BE49-F238E27FC236}">
-                <a16:creationId xmlns:a16="http://schemas.microsoft.com/office/drawing/2014/main" id="{19C9EAEA-39D0-4B0E-A0EB-51E7B26740B1}"/>
+          <p:cNvPr id="19" name="Rectangle 18">
+            <a:extLst>
+              <a:ext uri="{FF2B5EF4-FFF2-40B4-BE49-F238E27FC236}">
+                <a16:creationId xmlns:a16="http://schemas.microsoft.com/office/drawing/2014/main" id="{04357C93-F0CB-4A1C-8F77-4E9063789819}"/>
               </a:ext>
               <a:ext uri="{C183D7F6-B498-43B3-948B-1728B52AA6E4}">
                 <adec:decorative xmlns:adec="http://schemas.microsoft.com/office/drawing/2017/decorative" val="1"/>
@@ -41026,8 +41792,8 @@
         </p:nvSpPr>
         <p:spPr>
           <a:xfrm>
-            <a:off x="496824" y="391886"/>
-            <a:ext cx="6009366" cy="6017078"/>
+            <a:off x="302085" y="664308"/>
+            <a:ext cx="8082632" cy="5600340"/>
           </a:xfrm>
           <a:prstGeom prst="rect">
             <a:avLst/>
@@ -41067,7 +41833,496 @@
           <a:lstStyle/>
           <a:p>
             <a:pPr algn="ctr"/>
-            <a:endParaRPr lang="en-US"/>
+            <a:endParaRPr lang="en-US" dirty="0"/>
+          </a:p>
+        </p:txBody>
+      </p:sp>
+      <p:sp>
+        <p:nvSpPr>
+          <p:cNvPr id="21" name="Rectangle 20">
+            <a:extLst>
+              <a:ext uri="{FF2B5EF4-FFF2-40B4-BE49-F238E27FC236}">
+                <a16:creationId xmlns:a16="http://schemas.microsoft.com/office/drawing/2014/main" id="{90F533E9-6690-41A8-A372-4C6C622D028D}"/>
+              </a:ext>
+              <a:ext uri="{C183D7F6-B498-43B3-948B-1728B52AA6E4}">
+                <adec:decorative xmlns:adec="http://schemas.microsoft.com/office/drawing/2017/decorative" val="1"/>
+              </a:ext>
+            </a:extLst>
+          </p:cNvPr>
+          <p:cNvSpPr>
+            <a:spLocks noGrp="1" noRot="1" noChangeAspect="1" noMove="1" noResize="1" noEditPoints="1" noAdjustHandles="1" noChangeArrowheads="1" noChangeShapeType="1" noTextEdit="1"/>
+          </p:cNvSpPr>
+          <p:nvPr>
+            <p:extLst>
+              <p:ext uri="{386F3935-93C4-4BCD-93E2-E3B085C9AB24}">
+                <p16:designElem xmlns:p16="http://schemas.microsoft.com/office/powerpoint/2015/main" val="1"/>
+              </p:ext>
+            </p:extLst>
+          </p:nvPr>
+        </p:nvSpPr>
+        <p:spPr>
+          <a:xfrm rot="5400000">
+            <a:off x="7950447" y="3392097"/>
+            <a:ext cx="1719072" cy="152382"/>
+          </a:xfrm>
+          <a:prstGeom prst="rect">
+            <a:avLst/>
+          </a:prstGeom>
+          <a:solidFill>
+            <a:schemeClr val="accent4"/>
+          </a:solidFill>
+          <a:ln>
+            <a:noFill/>
+          </a:ln>
+        </p:spPr>
+        <p:style>
+          <a:lnRef idx="2">
+            <a:schemeClr val="accent1">
+              <a:shade val="50000"/>
+            </a:schemeClr>
+          </a:lnRef>
+          <a:fillRef idx="1">
+            <a:schemeClr val="accent1"/>
+          </a:fillRef>
+          <a:effectRef idx="0">
+            <a:schemeClr val="accent1"/>
+          </a:effectRef>
+          <a:fontRef idx="minor">
+            <a:schemeClr val="lt1"/>
+          </a:fontRef>
+        </p:style>
+        <p:txBody>
+          <a:bodyPr rtlCol="0" anchor="ctr"/>
+          <a:lstStyle/>
+          <a:p>
+            <a:pPr algn="ctr"/>
+            <a:endParaRPr lang="en-US" dirty="0"/>
+          </a:p>
+        </p:txBody>
+      </p:sp>
+      <p:sp>
+        <p:nvSpPr>
+          <p:cNvPr id="9" name="Titolo 1">
+            <a:extLst>
+              <a:ext uri="{FF2B5EF4-FFF2-40B4-BE49-F238E27FC236}">
+                <a16:creationId xmlns:a16="http://schemas.microsoft.com/office/drawing/2014/main" id="{DDC649C9-A28D-451A-A651-2EC10BEB2AB3}"/>
+              </a:ext>
+            </a:extLst>
+          </p:cNvPr>
+          <p:cNvSpPr>
+            <a:spLocks noGrp="1"/>
+          </p:cNvSpPr>
+          <p:nvPr>
+            <p:ph type="title"/>
+          </p:nvPr>
+        </p:nvSpPr>
+        <p:spPr>
+          <a:xfrm>
+            <a:off x="9160095" y="2730790"/>
+            <a:ext cx="2653937" cy="1395784"/>
+          </a:xfrm>
+        </p:spPr>
+        <p:txBody>
+          <a:bodyPr vert="horz" lIns="91440" tIns="45720" rIns="91440" bIns="45720" rtlCol="0" anchor="ctr">
+            <a:normAutofit fontScale="90000"/>
+          </a:bodyPr>
+          <a:lstStyle/>
+          <a:p>
+            <a:r>
+              <a:rPr lang="en-US" sz="3300" dirty="0">
+                <a:latin typeface="+mn-lt"/>
+              </a:rPr>
+              <a:t>OnePage</a:t>
+            </a:r>
+            <a:r>
+              <a:rPr lang="en-US" sz="3300" kern="1200" dirty="0">
+                <a:solidFill>
+                  <a:schemeClr val="tx1"/>
+                </a:solidFill>
+                <a:latin typeface="+mn-lt"/>
+                <a:ea typeface="+mj-ea"/>
+                <a:cs typeface="+mj-cs"/>
+              </a:rPr>
+              <a:t>.html</a:t>
+            </a:r>
+            <a:br>
+              <a:rPr lang="en-US" sz="3300" kern="1200" dirty="0">
+                <a:solidFill>
+                  <a:schemeClr val="tx1"/>
+                </a:solidFill>
+                <a:latin typeface="+mn-lt"/>
+                <a:ea typeface="+mj-ea"/>
+                <a:cs typeface="+mj-cs"/>
+              </a:rPr>
+            </a:br>
+            <a:r>
+              <a:rPr lang="en-US" sz="3300" b="1" kern="1200" dirty="0">
+                <a:solidFill>
+                  <a:srgbClr val="7030A0"/>
+                </a:solidFill>
+                <a:latin typeface="+mn-lt"/>
+                <a:ea typeface="+mj-ea"/>
+                <a:cs typeface="+mj-cs"/>
+              </a:rPr>
+              <a:t>User Guest</a:t>
+            </a:r>
+            <a:br>
+              <a:rPr lang="en-US" sz="3300" b="1" kern="1200" dirty="0">
+                <a:solidFill>
+                  <a:schemeClr val="tx1"/>
+                </a:solidFill>
+                <a:latin typeface="+mj-lt"/>
+                <a:ea typeface="+mj-ea"/>
+                <a:cs typeface="+mj-cs"/>
+              </a:rPr>
+            </a:br>
+            <a:endParaRPr lang="en-US" sz="3300" kern="1200" dirty="0">
+              <a:solidFill>
+                <a:schemeClr val="tx1"/>
+              </a:solidFill>
+              <a:latin typeface="+mj-lt"/>
+              <a:ea typeface="+mj-ea"/>
+              <a:cs typeface="+mj-cs"/>
+            </a:endParaRPr>
+          </a:p>
+        </p:txBody>
+      </p:sp>
+      <p:pic>
+        <p:nvPicPr>
+          <p:cNvPr id="3" name="Immagine 2">
+            <a:extLst>
+              <a:ext uri="{FF2B5EF4-FFF2-40B4-BE49-F238E27FC236}">
+                <a16:creationId xmlns:a16="http://schemas.microsoft.com/office/drawing/2014/main" id="{D7E0E7CD-DFAE-4A3C-94A2-B8BFB2B045FE}"/>
+              </a:ext>
+            </a:extLst>
+          </p:cNvPr>
+          <p:cNvPicPr>
+            <a:picLocks noChangeAspect="1"/>
+          </p:cNvPicPr>
+          <p:nvPr/>
+        </p:nvPicPr>
+        <p:blipFill rotWithShape="1">
+          <a:blip r:embed="rId2"/>
+          <a:srcRect l="29333" t="12485" r="29834" b="4528"/>
+          <a:stretch/>
+        </p:blipFill>
+        <p:spPr>
+          <a:xfrm>
+            <a:off x="1418680" y="154045"/>
+            <a:ext cx="5849442" cy="6377383"/>
+          </a:xfrm>
+          <a:prstGeom prst="rect">
+            <a:avLst/>
+          </a:prstGeom>
+        </p:spPr>
+      </p:pic>
+    </p:spTree>
+    <p:extLst>
+      <p:ext uri="{BB962C8B-B14F-4D97-AF65-F5344CB8AC3E}">
+        <p14:creationId xmlns:p14="http://schemas.microsoft.com/office/powerpoint/2010/main" val="1911822817"/>
+      </p:ext>
+    </p:extLst>
+  </p:cSld>
+  <p:clrMapOvr>
+    <a:masterClrMapping/>
+  </p:clrMapOvr>
+</p:sld>
+</file>
+
+<file path=ppt/slides/slide8.xml><?xml version="1.0" encoding="utf-8"?>
+<p:sld xmlns:a="http://schemas.openxmlformats.org/drawingml/2006/main" xmlns:r="http://schemas.openxmlformats.org/officeDocument/2006/relationships" xmlns:p="http://schemas.openxmlformats.org/presentationml/2006/main">
+  <p:cSld>
+    <p:bg>
+      <p:bgPr>
+        <a:solidFill>
+          <a:schemeClr val="bg1"/>
+        </a:solidFill>
+        <a:effectLst/>
+      </p:bgPr>
+    </p:bg>
+    <p:spTree>
+      <p:nvGrpSpPr>
+        <p:cNvPr id="1" name=""/>
+        <p:cNvGrpSpPr/>
+        <p:nvPr/>
+      </p:nvGrpSpPr>
+      <p:grpSpPr>
+        <a:xfrm>
+          <a:off x="0" y="0"/>
+          <a:ext cx="0" cy="0"/>
+          <a:chOff x="0" y="0"/>
+          <a:chExt cx="0" cy="0"/>
+        </a:xfrm>
+      </p:grpSpPr>
+      <p:sp useBgFill="1">
+        <p:nvSpPr>
+          <p:cNvPr id="10" name="Rectangle 9">
+            <a:extLst>
+              <a:ext uri="{FF2B5EF4-FFF2-40B4-BE49-F238E27FC236}">
+                <a16:creationId xmlns:a16="http://schemas.microsoft.com/office/drawing/2014/main" id="{62542EEC-4F7C-4AE2-933E-EAC8EB3FA378}"/>
+              </a:ext>
+              <a:ext uri="{C183D7F6-B498-43B3-948B-1728B52AA6E4}">
+                <adec:decorative xmlns:adec="http://schemas.microsoft.com/office/drawing/2017/decorative" val="1"/>
+              </a:ext>
+            </a:extLst>
+          </p:cNvPr>
+          <p:cNvSpPr>
+            <a:spLocks noGrp="1" noRot="1" noChangeAspect="1" noMove="1" noResize="1" noEditPoints="1" noAdjustHandles="1" noChangeArrowheads="1" noChangeShapeType="1" noTextEdit="1"/>
+          </p:cNvSpPr>
+          <p:nvPr>
+            <p:extLst>
+              <p:ext uri="{386F3935-93C4-4BCD-93E2-E3B085C9AB24}">
+                <p16:designElem xmlns:p16="http://schemas.microsoft.com/office/powerpoint/2015/main" val="1"/>
+              </p:ext>
+            </p:extLst>
+          </p:nvPr>
+        </p:nvSpPr>
+        <p:spPr>
+          <a:xfrm>
+            <a:off x="0" y="0"/>
+            <a:ext cx="12191999" cy="6857365"/>
+          </a:xfrm>
+          <a:prstGeom prst="rect">
+            <a:avLst/>
+          </a:prstGeom>
+          <a:ln>
+            <a:noFill/>
+          </a:ln>
+        </p:spPr>
+        <p:style>
+          <a:lnRef idx="2">
+            <a:schemeClr val="accent1">
+              <a:shade val="50000"/>
+            </a:schemeClr>
+          </a:lnRef>
+          <a:fillRef idx="1">
+            <a:schemeClr val="accent1"/>
+          </a:fillRef>
+          <a:effectRef idx="0">
+            <a:schemeClr val="accent1"/>
+          </a:effectRef>
+          <a:fontRef idx="minor">
+            <a:schemeClr val="lt1"/>
+          </a:fontRef>
+        </p:style>
+        <p:txBody>
+          <a:bodyPr rtlCol="0" anchor="ctr"/>
+          <a:lstStyle/>
+          <a:p>
+            <a:pPr algn="ctr"/>
+            <a:endParaRPr lang="en-US" dirty="0"/>
+          </a:p>
+        </p:txBody>
+      </p:sp>
+      <p:sp>
+        <p:nvSpPr>
+          <p:cNvPr id="2" name="Titolo 1">
+            <a:extLst>
+              <a:ext uri="{FF2B5EF4-FFF2-40B4-BE49-F238E27FC236}">
+                <a16:creationId xmlns:a16="http://schemas.microsoft.com/office/drawing/2014/main" id="{D01C3C1A-FE2C-461B-94A4-68E58C809BDC}"/>
+              </a:ext>
+            </a:extLst>
+          </p:cNvPr>
+          <p:cNvSpPr>
+            <a:spLocks noGrp="1"/>
+          </p:cNvSpPr>
+          <p:nvPr>
+            <p:ph type="title"/>
+          </p:nvPr>
+        </p:nvSpPr>
+        <p:spPr>
+          <a:xfrm>
+            <a:off x="8519504" y="3034646"/>
+            <a:ext cx="2868998" cy="1156654"/>
+          </a:xfrm>
+        </p:spPr>
+        <p:txBody>
+          <a:bodyPr vert="horz" lIns="91440" tIns="45720" rIns="91440" bIns="45720" rtlCol="0" anchor="t">
+            <a:normAutofit/>
+          </a:bodyPr>
+          <a:lstStyle/>
+          <a:p>
+            <a:r>
+              <a:rPr lang="en-US" sz="3200" dirty="0">
+                <a:latin typeface="+mn-lt"/>
+              </a:rPr>
+              <a:t>OnePage</a:t>
+            </a:r>
+            <a:r>
+              <a:rPr lang="en-US" sz="3200" kern="1200" dirty="0">
+                <a:solidFill>
+                  <a:schemeClr val="tx1"/>
+                </a:solidFill>
+                <a:latin typeface="+mn-lt"/>
+                <a:ea typeface="+mj-ea"/>
+                <a:cs typeface="+mj-cs"/>
+              </a:rPr>
+              <a:t>.html</a:t>
+            </a:r>
+            <a:br>
+              <a:rPr lang="en-US" sz="3200" kern="1200" dirty="0">
+                <a:solidFill>
+                  <a:schemeClr val="tx1"/>
+                </a:solidFill>
+                <a:latin typeface="+mn-lt"/>
+                <a:ea typeface="+mj-ea"/>
+                <a:cs typeface="+mj-cs"/>
+              </a:rPr>
+            </a:br>
+            <a:r>
+              <a:rPr lang="en-US" sz="3200" b="1" kern="1200" dirty="0">
+                <a:solidFill>
+                  <a:srgbClr val="7030A0"/>
+                </a:solidFill>
+                <a:latin typeface="+mn-lt"/>
+                <a:ea typeface="+mj-ea"/>
+                <a:cs typeface="+mj-cs"/>
+              </a:rPr>
+              <a:t>User </a:t>
+            </a:r>
+            <a:r>
+              <a:rPr lang="en-US" sz="3200" b="1" dirty="0">
+                <a:solidFill>
+                  <a:srgbClr val="7030A0"/>
+                </a:solidFill>
+                <a:latin typeface="+mn-lt"/>
+              </a:rPr>
+              <a:t>Logged</a:t>
+            </a:r>
+            <a:endParaRPr lang="en-US" sz="3200" b="1" dirty="0"/>
+          </a:p>
+        </p:txBody>
+      </p:sp>
+      <p:sp>
+        <p:nvSpPr>
+          <p:cNvPr id="12" name="Rectangle 11">
+            <a:extLst>
+              <a:ext uri="{FF2B5EF4-FFF2-40B4-BE49-F238E27FC236}">
+                <a16:creationId xmlns:a16="http://schemas.microsoft.com/office/drawing/2014/main" id="{B81933D1-5615-42C7-9C0B-4EB7105CCE2D}"/>
+              </a:ext>
+              <a:ext uri="{C183D7F6-B498-43B3-948B-1728B52AA6E4}">
+                <adec:decorative xmlns:adec="http://schemas.microsoft.com/office/drawing/2017/decorative" val="1"/>
+              </a:ext>
+            </a:extLst>
+          </p:cNvPr>
+          <p:cNvSpPr>
+            <a:spLocks noGrp="1" noRot="1" noChangeAspect="1" noMove="1" noResize="1" noEditPoints="1" noAdjustHandles="1" noChangeArrowheads="1" noChangeShapeType="1" noTextEdit="1"/>
+          </p:cNvSpPr>
+          <p:nvPr>
+            <p:extLst>
+              <p:ext uri="{386F3935-93C4-4BCD-93E2-E3B085C9AB24}">
+                <p16:designElem xmlns:p16="http://schemas.microsoft.com/office/powerpoint/2015/main" val="1"/>
+              </p:ext>
+            </p:extLst>
+          </p:nvPr>
+        </p:nvSpPr>
+        <p:spPr>
+          <a:xfrm flipH="1">
+            <a:off x="0" y="0"/>
+            <a:ext cx="1494330" cy="6858000"/>
+          </a:xfrm>
+          <a:prstGeom prst="rect">
+            <a:avLst/>
+          </a:prstGeom>
+          <a:solidFill>
+            <a:schemeClr val="accent4"/>
+          </a:solidFill>
+          <a:ln>
+            <a:noFill/>
+          </a:ln>
+        </p:spPr>
+        <p:style>
+          <a:lnRef idx="2">
+            <a:schemeClr val="accent1">
+              <a:shade val="50000"/>
+            </a:schemeClr>
+          </a:lnRef>
+          <a:fillRef idx="1">
+            <a:schemeClr val="accent1"/>
+          </a:fillRef>
+          <a:effectRef idx="0">
+            <a:schemeClr val="accent1"/>
+          </a:effectRef>
+          <a:fontRef idx="minor">
+            <a:schemeClr val="lt1"/>
+          </a:fontRef>
+        </p:style>
+        <p:txBody>
+          <a:bodyPr rtlCol="0" anchor="ctr"/>
+          <a:lstStyle/>
+          <a:p>
+            <a:pPr algn="ctr"/>
+            <a:endParaRPr lang="en-US" dirty="0"/>
+          </a:p>
+        </p:txBody>
+      </p:sp>
+      <p:sp>
+        <p:nvSpPr>
+          <p:cNvPr id="14" name="Rectangle 13">
+            <a:extLst>
+              <a:ext uri="{FF2B5EF4-FFF2-40B4-BE49-F238E27FC236}">
+                <a16:creationId xmlns:a16="http://schemas.microsoft.com/office/drawing/2014/main" id="{19C9EAEA-39D0-4B0E-A0EB-51E7B26740B1}"/>
+              </a:ext>
+              <a:ext uri="{C183D7F6-B498-43B3-948B-1728B52AA6E4}">
+                <adec:decorative xmlns:adec="http://schemas.microsoft.com/office/drawing/2017/decorative" val="1"/>
+              </a:ext>
+            </a:extLst>
+          </p:cNvPr>
+          <p:cNvSpPr>
+            <a:spLocks noGrp="1" noRot="1" noChangeAspect="1" noMove="1" noResize="1" noEditPoints="1" noAdjustHandles="1" noChangeArrowheads="1" noChangeShapeType="1" noTextEdit="1"/>
+          </p:cNvSpPr>
+          <p:nvPr>
+            <p:extLst>
+              <p:ext uri="{386F3935-93C4-4BCD-93E2-E3B085C9AB24}">
+                <p16:designElem xmlns:p16="http://schemas.microsoft.com/office/powerpoint/2015/main" val="1"/>
+              </p:ext>
+            </p:extLst>
+          </p:nvPr>
+        </p:nvSpPr>
+        <p:spPr>
+          <a:xfrm>
+            <a:off x="496824" y="391886"/>
+            <a:ext cx="6009366" cy="6017078"/>
+          </a:xfrm>
+          <a:prstGeom prst="rect">
+            <a:avLst/>
+          </a:prstGeom>
+          <a:solidFill>
+            <a:schemeClr val="bg1"/>
+          </a:solidFill>
+          <a:ln>
+            <a:noFill/>
+          </a:ln>
+          <a:effectLst>
+            <a:outerShdw blurRad="139700" dist="127000" dir="5400000" algn="t" rotWithShape="0">
+              <a:prstClr val="black">
+                <a:alpha val="15000"/>
+              </a:prstClr>
+            </a:outerShdw>
+          </a:effectLst>
+        </p:spPr>
+        <p:style>
+          <a:lnRef idx="2">
+            <a:schemeClr val="accent1">
+              <a:shade val="50000"/>
+            </a:schemeClr>
+          </a:lnRef>
+          <a:fillRef idx="1">
+            <a:schemeClr val="accent1"/>
+          </a:fillRef>
+          <a:effectRef idx="0">
+            <a:schemeClr val="accent1"/>
+          </a:effectRef>
+          <a:fontRef idx="minor">
+            <a:schemeClr val="lt1"/>
+          </a:fontRef>
+        </p:style>
+        <p:txBody>
+          <a:bodyPr rtlCol="0" anchor="ctr"/>
+          <a:lstStyle/>
+          <a:p>
+            <a:pPr algn="ctr"/>
+            <a:endParaRPr lang="en-US" dirty="0"/>
           </a:p>
         </p:txBody>
       </p:sp>
@@ -41160,7 +42415,7 @@
             <a:lstStyle/>
             <a:p>
               <a:pPr algn="ctr"/>
-              <a:endParaRPr lang="en-US"/>
+              <a:endParaRPr lang="en-US" dirty="0"/>
             </a:p>
           </p:txBody>
         </p:sp>
@@ -41219,7 +42474,7 @@
             <a:lstStyle/>
             <a:p>
               <a:pPr algn="ctr"/>
-              <a:endParaRPr lang="en-US"/>
+              <a:endParaRPr lang="en-US" dirty="0"/>
             </a:p>
           </p:txBody>
         </p:sp>
@@ -41278,17 +42533,17 @@
             <a:lstStyle/>
             <a:p>
               <a:pPr algn="ctr"/>
-              <a:endParaRPr lang="en-US"/>
+              <a:endParaRPr lang="en-US" dirty="0"/>
             </a:p>
           </p:txBody>
         </p:sp>
       </p:grpSp>
       <p:pic>
         <p:nvPicPr>
-          <p:cNvPr id="6" name="Immagine 5">
-            <a:extLst>
-              <a:ext uri="{FF2B5EF4-FFF2-40B4-BE49-F238E27FC236}">
-                <a16:creationId xmlns:a16="http://schemas.microsoft.com/office/drawing/2014/main" id="{35773ED5-9C37-40F9-B25B-2D3A8D3F816B}"/>
+          <p:cNvPr id="4" name="Immagine 3" descr="Immagine che contiene screenshot&#10;&#10;Descrizione generata automaticamente">
+            <a:extLst>
+              <a:ext uri="{FF2B5EF4-FFF2-40B4-BE49-F238E27FC236}">
+                <a16:creationId xmlns:a16="http://schemas.microsoft.com/office/drawing/2014/main" id="{BA5D0E71-6904-4F43-9815-FAA2CDB6D5AF}"/>
               </a:ext>
             </a:extLst>
           </p:cNvPr>
@@ -41299,13 +42554,13 @@
         </p:nvPicPr>
         <p:blipFill rotWithShape="1">
           <a:blip r:embed="rId2"/>
-          <a:srcRect l="29333" t="12485" r="29834"/>
+          <a:srcRect l="2227" r="2798"/>
           <a:stretch/>
         </p:blipFill>
         <p:spPr>
           <a:xfrm>
-            <a:off x="1012307" y="566737"/>
-            <a:ext cx="4978400" cy="5723890"/>
+            <a:off x="535664" y="1171032"/>
+            <a:ext cx="7798723" cy="4176031"/>
           </a:xfrm>
           <a:prstGeom prst="rect">
             <a:avLst/>
@@ -41315,204 +42570,7 @@
     </p:spTree>
     <p:extLst>
       <p:ext uri="{BB962C8B-B14F-4D97-AF65-F5344CB8AC3E}">
-        <p14:creationId xmlns:p14="http://schemas.microsoft.com/office/powerpoint/2010/main" val="469061766"/>
-      </p:ext>
-    </p:extLst>
-  </p:cSld>
-  <p:clrMapOvr>
-    <a:masterClrMapping/>
-  </p:clrMapOvr>
-</p:sld>
-</file>
-
-<file path=ppt/slides/slide8.xml><?xml version="1.0" encoding="utf-8"?>
-<p:sld xmlns:a="http://schemas.openxmlformats.org/drawingml/2006/main" xmlns:r="http://schemas.openxmlformats.org/officeDocument/2006/relationships" xmlns:p="http://schemas.openxmlformats.org/presentationml/2006/main">
-  <p:cSld>
-    <p:bg>
-      <p:bgPr>
-        <a:solidFill>
-          <a:schemeClr val="bg1"/>
-        </a:solidFill>
-        <a:effectLst/>
-      </p:bgPr>
-    </p:bg>
-    <p:spTree>
-      <p:nvGrpSpPr>
-        <p:cNvPr id="1" name=""/>
-        <p:cNvGrpSpPr/>
-        <p:nvPr/>
-      </p:nvGrpSpPr>
-      <p:grpSpPr>
-        <a:xfrm>
-          <a:off x="0" y="0"/>
-          <a:ext cx="0" cy="0"/>
-          <a:chOff x="0" y="0"/>
-          <a:chExt cx="0" cy="0"/>
-        </a:xfrm>
-      </p:grpSpPr>
-      <p:sp useBgFill="1">
-        <p:nvSpPr>
-          <p:cNvPr id="11" name="Rectangle 8">
-            <a:extLst>
-              <a:ext uri="{FF2B5EF4-FFF2-40B4-BE49-F238E27FC236}">
-                <a16:creationId xmlns:a16="http://schemas.microsoft.com/office/drawing/2014/main" id="{53F29798-D584-4792-9B62-3F5F5C36D619}"/>
-              </a:ext>
-              <a:ext uri="{C183D7F6-B498-43B3-948B-1728B52AA6E4}">
-                <adec:decorative xmlns:adec="http://schemas.microsoft.com/office/drawing/2017/decorative" val="1"/>
-              </a:ext>
-            </a:extLst>
-          </p:cNvPr>
-          <p:cNvSpPr>
-            <a:spLocks noGrp="1" noRot="1" noChangeAspect="1" noMove="1" noResize="1" noEditPoints="1" noAdjustHandles="1" noChangeArrowheads="1" noChangeShapeType="1" noTextEdit="1"/>
-          </p:cNvSpPr>
-          <p:nvPr>
-            <p:extLst>
-              <p:ext uri="{386F3935-93C4-4BCD-93E2-E3B085C9AB24}">
-                <p16:designElem xmlns:p16="http://schemas.microsoft.com/office/powerpoint/2015/main" val="1"/>
-              </p:ext>
-            </p:extLst>
-          </p:nvPr>
-        </p:nvSpPr>
-        <p:spPr>
-          <a:xfrm>
-            <a:off x="0" y="0"/>
-            <a:ext cx="12188952" cy="6858000"/>
-          </a:xfrm>
-          <a:prstGeom prst="rect">
-            <a:avLst/>
-          </a:prstGeom>
-          <a:ln>
-            <a:noFill/>
-          </a:ln>
-        </p:spPr>
-        <p:style>
-          <a:lnRef idx="2">
-            <a:schemeClr val="accent1">
-              <a:shade val="50000"/>
-            </a:schemeClr>
-          </a:lnRef>
-          <a:fillRef idx="1">
-            <a:schemeClr val="accent1"/>
-          </a:fillRef>
-          <a:effectRef idx="0">
-            <a:schemeClr val="accent1"/>
-          </a:effectRef>
-          <a:fontRef idx="minor">
-            <a:schemeClr val="lt1"/>
-          </a:fontRef>
-        </p:style>
-        <p:txBody>
-          <a:bodyPr rtlCol="0" anchor="ctr"/>
-          <a:lstStyle/>
-          <a:p>
-            <a:pPr algn="ctr"/>
-            <a:endParaRPr lang="en-US"/>
-          </a:p>
-        </p:txBody>
-      </p:sp>
-      <p:sp>
-        <p:nvSpPr>
-          <p:cNvPr id="2" name="Titolo 1">
-            <a:extLst>
-              <a:ext uri="{FF2B5EF4-FFF2-40B4-BE49-F238E27FC236}">
-                <a16:creationId xmlns:a16="http://schemas.microsoft.com/office/drawing/2014/main" id="{921AEBED-73C8-4BA7-9CE1-752C570077E7}"/>
-              </a:ext>
-            </a:extLst>
-          </p:cNvPr>
-          <p:cNvSpPr>
-            <a:spLocks noGrp="1"/>
-          </p:cNvSpPr>
-          <p:nvPr>
-            <p:ph type="title"/>
-          </p:nvPr>
-        </p:nvSpPr>
-        <p:spPr>
-          <a:xfrm>
-            <a:off x="838200" y="184805"/>
-            <a:ext cx="10515600" cy="1505883"/>
-          </a:xfrm>
-        </p:spPr>
-        <p:txBody>
-          <a:bodyPr vert="horz" lIns="91440" tIns="45720" rIns="91440" bIns="45720" rtlCol="0" anchor="ctr">
-            <a:normAutofit/>
-          </a:bodyPr>
-          <a:lstStyle/>
-          <a:p>
-            <a:r>
-              <a:rPr lang="en-US" sz="3900" b="1" dirty="0">
-                <a:latin typeface="+mn-lt"/>
-              </a:rPr>
-              <a:t>OnePage</a:t>
-            </a:r>
-            <a:r>
-              <a:rPr lang="en-US" sz="3900" b="1" kern="1200" dirty="0">
-                <a:solidFill>
-                  <a:schemeClr val="tx1"/>
-                </a:solidFill>
-                <a:latin typeface="+mn-lt"/>
-                <a:ea typeface="+mj-ea"/>
-                <a:cs typeface="+mj-cs"/>
-              </a:rPr>
-              <a:t>.html</a:t>
-            </a:r>
-            <a:br>
-              <a:rPr lang="en-US" sz="3900" b="1" kern="1200" dirty="0">
-                <a:solidFill>
-                  <a:schemeClr val="tx1"/>
-                </a:solidFill>
-                <a:latin typeface="+mn-lt"/>
-                <a:ea typeface="+mj-ea"/>
-                <a:cs typeface="+mj-cs"/>
-              </a:rPr>
-            </a:br>
-            <a:r>
-              <a:rPr lang="en-US" sz="3900" b="1" kern="1200" dirty="0">
-                <a:solidFill>
-                  <a:srgbClr val="7030A0"/>
-                </a:solidFill>
-                <a:latin typeface="+mn-lt"/>
-                <a:ea typeface="+mj-ea"/>
-                <a:cs typeface="+mj-cs"/>
-              </a:rPr>
-              <a:t>User Logged</a:t>
-            </a:r>
-          </a:p>
-        </p:txBody>
-      </p:sp>
-      <p:pic>
-        <p:nvPicPr>
-          <p:cNvPr id="4" name="Immagine 3" descr="Immagine che contiene screenshot&#10;&#10;Descrizione generata automaticamente">
-            <a:extLst>
-              <a:ext uri="{FF2B5EF4-FFF2-40B4-BE49-F238E27FC236}">
-                <a16:creationId xmlns:a16="http://schemas.microsoft.com/office/drawing/2014/main" id="{CAF496D0-28CA-4EF5-A87B-38E071C1BBE3}"/>
-              </a:ext>
-            </a:extLst>
-          </p:cNvPr>
-          <p:cNvPicPr>
-            <a:picLocks noChangeAspect="1"/>
-          </p:cNvPicPr>
-          <p:nvPr/>
-        </p:nvPicPr>
-        <p:blipFill>
-          <a:blip r:embed="rId2"/>
-          <a:stretch>
-            <a:fillRect/>
-          </a:stretch>
-        </p:blipFill>
-        <p:spPr>
-          <a:xfrm>
-            <a:off x="1458740" y="1845426"/>
-            <a:ext cx="9271466" cy="4450303"/>
-          </a:xfrm>
-          <a:prstGeom prst="rect">
-            <a:avLst/>
-          </a:prstGeom>
-        </p:spPr>
-      </p:pic>
-    </p:spTree>
-    <p:extLst>
-      <p:ext uri="{BB962C8B-B14F-4D97-AF65-F5344CB8AC3E}">
-        <p14:creationId xmlns:p14="http://schemas.microsoft.com/office/powerpoint/2010/main" val="1313681356"/>
+        <p14:creationId xmlns:p14="http://schemas.microsoft.com/office/powerpoint/2010/main" val="426129041"/>
       </p:ext>
     </p:extLst>
   </p:cSld>
@@ -41549,10 +42607,10 @@
       </p:grpSpPr>
       <p:sp useBgFill="1">
         <p:nvSpPr>
-          <p:cNvPr id="16" name="Rectangle 15">
-            <a:extLst>
-              <a:ext uri="{FF2B5EF4-FFF2-40B4-BE49-F238E27FC236}">
-                <a16:creationId xmlns:a16="http://schemas.microsoft.com/office/drawing/2014/main" id="{53F29798-D584-4792-9B62-3F5F5C36D619}"/>
+          <p:cNvPr id="10" name="Rectangle 9">
+            <a:extLst>
+              <a:ext uri="{FF2B5EF4-FFF2-40B4-BE49-F238E27FC236}">
+                <a16:creationId xmlns:a16="http://schemas.microsoft.com/office/drawing/2014/main" id="{62542EEC-4F7C-4AE2-933E-EAC8EB3FA378}"/>
               </a:ext>
               <a:ext uri="{C183D7F6-B498-43B3-948B-1728B52AA6E4}">
                 <adec:decorative xmlns:adec="http://schemas.microsoft.com/office/drawing/2017/decorative" val="1"/>
@@ -41573,7 +42631,7 @@
         <p:spPr>
           <a:xfrm>
             <a:off x="0" y="0"/>
-            <a:ext cx="12188952" cy="6858000"/>
+            <a:ext cx="12191999" cy="6857365"/>
           </a:xfrm>
           <a:prstGeom prst="rect">
             <a:avLst/>
@@ -41603,61 +42661,486 @@
           <a:lstStyle/>
           <a:p>
             <a:pPr algn="ctr"/>
-            <a:endParaRPr lang="en-US"/>
+            <a:endParaRPr lang="en-US" dirty="0"/>
           </a:p>
         </p:txBody>
       </p:sp>
       <p:sp>
         <p:nvSpPr>
-          <p:cNvPr id="2" name="Titolo 1">
-            <a:extLst>
-              <a:ext uri="{FF2B5EF4-FFF2-40B4-BE49-F238E27FC236}">
-                <a16:creationId xmlns:a16="http://schemas.microsoft.com/office/drawing/2014/main" id="{921AEBED-73C8-4BA7-9CE1-752C570077E7}"/>
+          <p:cNvPr id="12" name="Rectangle 11">
+            <a:extLst>
+              <a:ext uri="{FF2B5EF4-FFF2-40B4-BE49-F238E27FC236}">
+                <a16:creationId xmlns:a16="http://schemas.microsoft.com/office/drawing/2014/main" id="{B81933D1-5615-42C7-9C0B-4EB7105CCE2D}"/>
+              </a:ext>
+              <a:ext uri="{C183D7F6-B498-43B3-948B-1728B52AA6E4}">
+                <adec:decorative xmlns:adec="http://schemas.microsoft.com/office/drawing/2017/decorative" val="1"/>
               </a:ext>
             </a:extLst>
           </p:cNvPr>
           <p:cNvSpPr>
-            <a:spLocks noGrp="1"/>
+            <a:spLocks noGrp="1" noRot="1" noChangeAspect="1" noMove="1" noResize="1" noEditPoints="1" noAdjustHandles="1" noChangeArrowheads="1" noChangeShapeType="1" noTextEdit="1"/>
           </p:cNvSpPr>
           <p:nvPr>
-            <p:ph type="title"/>
+            <p:extLst>
+              <p:ext uri="{386F3935-93C4-4BCD-93E2-E3B085C9AB24}">
+                <p16:designElem xmlns:p16="http://schemas.microsoft.com/office/powerpoint/2015/main" val="1"/>
+              </p:ext>
+            </p:extLst>
           </p:nvPr>
         </p:nvSpPr>
         <p:spPr>
-          <a:xfrm>
-            <a:off x="477520" y="184805"/>
-            <a:ext cx="11074400" cy="1505883"/>
-          </a:xfrm>
-        </p:spPr>
+          <a:xfrm flipH="1">
+            <a:off x="0" y="0"/>
+            <a:ext cx="1494330" cy="6858000"/>
+          </a:xfrm>
+          <a:prstGeom prst="rect">
+            <a:avLst/>
+          </a:prstGeom>
+          <a:solidFill>
+            <a:schemeClr val="accent4"/>
+          </a:solidFill>
+          <a:ln>
+            <a:noFill/>
+          </a:ln>
+        </p:spPr>
+        <p:style>
+          <a:lnRef idx="2">
+            <a:schemeClr val="accent1">
+              <a:shade val="50000"/>
+            </a:schemeClr>
+          </a:lnRef>
+          <a:fillRef idx="1">
+            <a:schemeClr val="accent1"/>
+          </a:fillRef>
+          <a:effectRef idx="0">
+            <a:schemeClr val="accent1"/>
+          </a:effectRef>
+          <a:fontRef idx="minor">
+            <a:schemeClr val="lt1"/>
+          </a:fontRef>
+        </p:style>
         <p:txBody>
-          <a:bodyPr vert="horz" lIns="91440" tIns="45720" rIns="91440" bIns="45720" rtlCol="0" anchor="ctr">
-            <a:normAutofit fontScale="90000"/>
+          <a:bodyPr rtlCol="0" anchor="ctr"/>
+          <a:lstStyle/>
+          <a:p>
+            <a:pPr algn="ctr"/>
+            <a:endParaRPr lang="en-US" dirty="0"/>
+          </a:p>
+        </p:txBody>
+      </p:sp>
+      <p:sp>
+        <p:nvSpPr>
+          <p:cNvPr id="14" name="Rectangle 13">
+            <a:extLst>
+              <a:ext uri="{FF2B5EF4-FFF2-40B4-BE49-F238E27FC236}">
+                <a16:creationId xmlns:a16="http://schemas.microsoft.com/office/drawing/2014/main" id="{19C9EAEA-39D0-4B0E-A0EB-51E7B26740B1}"/>
+              </a:ext>
+              <a:ext uri="{C183D7F6-B498-43B3-948B-1728B52AA6E4}">
+                <adec:decorative xmlns:adec="http://schemas.microsoft.com/office/drawing/2017/decorative" val="1"/>
+              </a:ext>
+            </a:extLst>
+          </p:cNvPr>
+          <p:cNvSpPr>
+            <a:spLocks noGrp="1" noRot="1" noChangeAspect="1" noMove="1" noResize="1" noEditPoints="1" noAdjustHandles="1" noChangeArrowheads="1" noChangeShapeType="1" noTextEdit="1"/>
+          </p:cNvSpPr>
+          <p:nvPr>
+            <p:extLst>
+              <p:ext uri="{386F3935-93C4-4BCD-93E2-E3B085C9AB24}">
+                <p16:designElem xmlns:p16="http://schemas.microsoft.com/office/powerpoint/2015/main" val="1"/>
+              </p:ext>
+            </p:extLst>
+          </p:nvPr>
+        </p:nvSpPr>
+        <p:spPr>
+          <a:xfrm>
+            <a:off x="496824" y="391886"/>
+            <a:ext cx="6009366" cy="6017078"/>
+          </a:xfrm>
+          <a:prstGeom prst="rect">
+            <a:avLst/>
+          </a:prstGeom>
+          <a:solidFill>
+            <a:schemeClr val="bg1"/>
+          </a:solidFill>
+          <a:ln>
+            <a:noFill/>
+          </a:ln>
+          <a:effectLst>
+            <a:outerShdw blurRad="139700" dist="127000" dir="5400000" algn="t" rotWithShape="0">
+              <a:prstClr val="black">
+                <a:alpha val="15000"/>
+              </a:prstClr>
+            </a:outerShdw>
+          </a:effectLst>
+        </p:spPr>
+        <p:style>
+          <a:lnRef idx="2">
+            <a:schemeClr val="accent1">
+              <a:shade val="50000"/>
+            </a:schemeClr>
+          </a:lnRef>
+          <a:fillRef idx="1">
+            <a:schemeClr val="accent1"/>
+          </a:fillRef>
+          <a:effectRef idx="0">
+            <a:schemeClr val="accent1"/>
+          </a:effectRef>
+          <a:fontRef idx="minor">
+            <a:schemeClr val="lt1"/>
+          </a:fontRef>
+        </p:style>
+        <p:txBody>
+          <a:bodyPr rtlCol="0" anchor="ctr"/>
+          <a:lstStyle/>
+          <a:p>
+            <a:pPr algn="ctr"/>
+            <a:endParaRPr lang="en-US" dirty="0"/>
+          </a:p>
+        </p:txBody>
+      </p:sp>
+      <p:grpSp>
+        <p:nvGrpSpPr>
+          <p:cNvPr id="16" name="Group 15">
+            <a:extLst>
+              <a:ext uri="{FF2B5EF4-FFF2-40B4-BE49-F238E27FC236}">
+                <a16:creationId xmlns:a16="http://schemas.microsoft.com/office/drawing/2014/main" id="{032D8612-31EB-44CF-A1D0-14FD4C705424}"/>
+              </a:ext>
+              <a:ext uri="{C183D7F6-B498-43B3-948B-1728B52AA6E4}">
+                <adec:decorative xmlns:adec="http://schemas.microsoft.com/office/drawing/2017/decorative" val="1"/>
+              </a:ext>
+            </a:extLst>
+          </p:cNvPr>
+          <p:cNvGrpSpPr>
+            <a:grpSpLocks noGrp="1" noUngrp="1" noRot="1" noChangeAspect="1" noMove="1" noResize="1"/>
+          </p:cNvGrpSpPr>
+          <p:nvPr>
+            <p:extLst>
+              <p:ext uri="{386F3935-93C4-4BCD-93E2-E3B085C9AB24}">
+                <p16:designElem xmlns:p16="http://schemas.microsoft.com/office/powerpoint/2015/main" val="1"/>
+              </p:ext>
+            </p:extLst>
+          </p:nvPr>
+        </p:nvGrpSpPr>
+        <p:grpSpPr>
+          <a:xfrm>
+            <a:off x="11460480" y="3154317"/>
+            <a:ext cx="731521" cy="673460"/>
+            <a:chOff x="3940602" y="308034"/>
+            <a:chExt cx="2116791" cy="3428999"/>
+          </a:xfrm>
+          <a:solidFill>
+            <a:schemeClr val="accent4"/>
+          </a:solidFill>
+        </p:grpSpPr>
+        <p:sp>
+          <p:nvSpPr>
+            <p:cNvPr id="17" name="Rectangle 16">
+              <a:extLst>
+                <a:ext uri="{FF2B5EF4-FFF2-40B4-BE49-F238E27FC236}">
+                  <a16:creationId xmlns:a16="http://schemas.microsoft.com/office/drawing/2014/main" id="{F19A4A0F-1B59-4DB0-9764-D10936E98770}"/>
+                </a:ext>
+                <a:ext uri="{C183D7F6-B498-43B3-948B-1728B52AA6E4}">
+                  <adec:decorative xmlns:adec="http://schemas.microsoft.com/office/drawing/2017/decorative" val="1"/>
+                </a:ext>
+              </a:extLst>
+            </p:cNvPr>
+            <p:cNvSpPr/>
+            <p:nvPr>
+              <p:extLst>
+                <p:ext uri="{386F3935-93C4-4BCD-93E2-E3B085C9AB24}">
+                  <p16:designElem xmlns:p16="http://schemas.microsoft.com/office/powerpoint/2015/main" val="1"/>
+                </p:ext>
+              </p:extLst>
+            </p:nvPr>
+          </p:nvSpPr>
+          <p:spPr>
+            <a:xfrm>
+              <a:off x="3940602" y="308034"/>
+              <a:ext cx="566743" cy="3428999"/>
+            </a:xfrm>
+            <a:prstGeom prst="rect">
+              <a:avLst/>
+            </a:prstGeom>
+            <a:grpFill/>
+            <a:ln>
+              <a:noFill/>
+            </a:ln>
+          </p:spPr>
+          <p:style>
+            <a:lnRef idx="2">
+              <a:schemeClr val="accent1">
+                <a:shade val="50000"/>
+              </a:schemeClr>
+            </a:lnRef>
+            <a:fillRef idx="1">
+              <a:schemeClr val="accent1"/>
+            </a:fillRef>
+            <a:effectRef idx="0">
+              <a:schemeClr val="accent1"/>
+            </a:effectRef>
+            <a:fontRef idx="minor">
+              <a:schemeClr val="lt1"/>
+            </a:fontRef>
+          </p:style>
+          <p:txBody>
+            <a:bodyPr rtlCol="0" anchor="ctr"/>
+            <a:lstStyle/>
+            <a:p>
+              <a:pPr algn="ctr"/>
+              <a:endParaRPr lang="en-US" dirty="0"/>
+            </a:p>
+          </p:txBody>
+        </p:sp>
+        <p:sp>
+          <p:nvSpPr>
+            <p:cNvPr id="18" name="Rectangle 17">
+              <a:extLst>
+                <a:ext uri="{FF2B5EF4-FFF2-40B4-BE49-F238E27FC236}">
+                  <a16:creationId xmlns:a16="http://schemas.microsoft.com/office/drawing/2014/main" id="{F399A70F-F8CD-4992-9EF5-6CF15472E73F}"/>
+                </a:ext>
+                <a:ext uri="{C183D7F6-B498-43B3-948B-1728B52AA6E4}">
+                  <adec:decorative xmlns:adec="http://schemas.microsoft.com/office/drawing/2017/decorative" val="1"/>
+                </a:ext>
+              </a:extLst>
+            </p:cNvPr>
+            <p:cNvSpPr/>
+            <p:nvPr>
+              <p:extLst>
+                <p:ext uri="{386F3935-93C4-4BCD-93E2-E3B085C9AB24}">
+                  <p16:designElem xmlns:p16="http://schemas.microsoft.com/office/powerpoint/2015/main" val="1"/>
+                </p:ext>
+              </p:extLst>
+            </p:nvPr>
+          </p:nvSpPr>
+          <p:spPr>
+            <a:xfrm>
+              <a:off x="4715626" y="308034"/>
+              <a:ext cx="566743" cy="3428999"/>
+            </a:xfrm>
+            <a:prstGeom prst="rect">
+              <a:avLst/>
+            </a:prstGeom>
+            <a:grpFill/>
+            <a:ln>
+              <a:noFill/>
+            </a:ln>
+          </p:spPr>
+          <p:style>
+            <a:lnRef idx="2">
+              <a:schemeClr val="accent1">
+                <a:shade val="50000"/>
+              </a:schemeClr>
+            </a:lnRef>
+            <a:fillRef idx="1">
+              <a:schemeClr val="accent1"/>
+            </a:fillRef>
+            <a:effectRef idx="0">
+              <a:schemeClr val="accent1"/>
+            </a:effectRef>
+            <a:fontRef idx="minor">
+              <a:schemeClr val="lt1"/>
+            </a:fontRef>
+          </p:style>
+          <p:txBody>
+            <a:bodyPr rtlCol="0" anchor="ctr"/>
+            <a:lstStyle/>
+            <a:p>
+              <a:pPr algn="ctr"/>
+              <a:endParaRPr lang="en-US" dirty="0"/>
+            </a:p>
+          </p:txBody>
+        </p:sp>
+        <p:sp>
+          <p:nvSpPr>
+            <p:cNvPr id="19" name="Rectangle 18">
+              <a:extLst>
+                <a:ext uri="{FF2B5EF4-FFF2-40B4-BE49-F238E27FC236}">
+                  <a16:creationId xmlns:a16="http://schemas.microsoft.com/office/drawing/2014/main" id="{48F4FEDC-6D80-458C-A665-075D9B9500FD}"/>
+                </a:ext>
+                <a:ext uri="{C183D7F6-B498-43B3-948B-1728B52AA6E4}">
+                  <adec:decorative xmlns:adec="http://schemas.microsoft.com/office/drawing/2017/decorative" val="1"/>
+                </a:ext>
+              </a:extLst>
+            </p:cNvPr>
+            <p:cNvSpPr/>
+            <p:nvPr>
+              <p:extLst>
+                <p:ext uri="{386F3935-93C4-4BCD-93E2-E3B085C9AB24}">
+                  <p16:designElem xmlns:p16="http://schemas.microsoft.com/office/powerpoint/2015/main" val="1"/>
+                </p:ext>
+              </p:extLst>
+            </p:nvPr>
+          </p:nvSpPr>
+          <p:spPr>
+            <a:xfrm>
+              <a:off x="5490650" y="308034"/>
+              <a:ext cx="566743" cy="3428999"/>
+            </a:xfrm>
+            <a:prstGeom prst="rect">
+              <a:avLst/>
+            </a:prstGeom>
+            <a:grpFill/>
+            <a:ln>
+              <a:noFill/>
+            </a:ln>
+          </p:spPr>
+          <p:style>
+            <a:lnRef idx="2">
+              <a:schemeClr val="accent1">
+                <a:shade val="50000"/>
+              </a:schemeClr>
+            </a:lnRef>
+            <a:fillRef idx="1">
+              <a:schemeClr val="accent1"/>
+            </a:fillRef>
+            <a:effectRef idx="0">
+              <a:schemeClr val="accent1"/>
+            </a:effectRef>
+            <a:fontRef idx="minor">
+              <a:schemeClr val="lt1"/>
+            </a:fontRef>
+          </p:style>
+          <p:txBody>
+            <a:bodyPr rtlCol="0" anchor="ctr"/>
+            <a:lstStyle/>
+            <a:p>
+              <a:pPr algn="ctr"/>
+              <a:endParaRPr lang="en-US" dirty="0"/>
+            </a:p>
+          </p:txBody>
+        </p:sp>
+      </p:grpSp>
+      <p:pic>
+        <p:nvPicPr>
+          <p:cNvPr id="3" name="Immagine 2">
+            <a:extLst>
+              <a:ext uri="{FF2B5EF4-FFF2-40B4-BE49-F238E27FC236}">
+                <a16:creationId xmlns:a16="http://schemas.microsoft.com/office/drawing/2014/main" id="{7842A6E9-8C3B-4802-8B50-B78E69C5AF09}"/>
+              </a:ext>
+            </a:extLst>
+          </p:cNvPr>
+          <p:cNvPicPr>
+            <a:picLocks noChangeAspect="1"/>
+          </p:cNvPicPr>
+          <p:nvPr/>
+        </p:nvPicPr>
+        <p:blipFill>
+          <a:blip r:embed="rId2"/>
+          <a:stretch>
+            <a:fillRect/>
+          </a:stretch>
+        </p:blipFill>
+        <p:spPr>
+          <a:xfrm>
+            <a:off x="496825" y="1206471"/>
+            <a:ext cx="7889530" cy="4440564"/>
+          </a:xfrm>
+          <a:prstGeom prst="rect">
+            <a:avLst/>
+          </a:prstGeom>
+        </p:spPr>
+      </p:pic>
+      <p:sp>
+        <p:nvSpPr>
+          <p:cNvPr id="20" name="Titolo 1">
+            <a:extLst>
+              <a:ext uri="{FF2B5EF4-FFF2-40B4-BE49-F238E27FC236}">
+                <a16:creationId xmlns:a16="http://schemas.microsoft.com/office/drawing/2014/main" id="{3209FF46-8E28-4D31-A897-D0EB67C2A0F1}"/>
+              </a:ext>
+            </a:extLst>
+          </p:cNvPr>
+          <p:cNvSpPr txBox="1">
+            <a:spLocks/>
+          </p:cNvSpPr>
+          <p:nvPr/>
+        </p:nvSpPr>
+        <p:spPr>
+          <a:xfrm>
+            <a:off x="8519504" y="3034646"/>
+            <a:ext cx="2868998" cy="1156654"/>
+          </a:xfrm>
+          <a:prstGeom prst="rect">
+            <a:avLst/>
+          </a:prstGeom>
+        </p:spPr>
+        <p:txBody>
+          <a:bodyPr vert="horz" lIns="91440" tIns="45720" rIns="91440" bIns="45720" rtlCol="0" anchor="t">
+            <a:normAutofit/>
           </a:bodyPr>
-          <a:lstStyle/>
-          <a:p>
-            <a:r>
-              <a:rPr lang="en-US" sz="3900" b="1" kern="1200" dirty="0">
+          <a:lstStyle>
+            <a:lvl1pPr algn="l" defTabSz="914400" rtl="0" eaLnBrk="1" latinLnBrk="0" hangingPunct="1">
+              <a:lnSpc>
+                <a:spcPct val="90000"/>
+              </a:lnSpc>
+              <a:spcBef>
+                <a:spcPct val="0"/>
+              </a:spcBef>
+              <a:buNone/>
+              <a:defRPr sz="4400" kern="1200">
                 <a:solidFill>
                   <a:schemeClr val="tx1"/>
                 </a:solidFill>
-                <a:latin typeface="+mn-lt"/>
+                <a:latin typeface="+mj-lt"/>
                 <a:ea typeface="+mj-ea"/>
                 <a:cs typeface="+mj-cs"/>
+              </a:defRPr>
+            </a:lvl1pPr>
+          </a:lstStyle>
+          <a:p>
+            <a:r>
+              <a:rPr lang="en-US" sz="3200" dirty="0">
+                <a:latin typeface="+mn-lt"/>
               </a:rPr>
               <a:t>OnePage.html</a:t>
             </a:r>
             <a:br>
-              <a:rPr lang="en-US" sz="3900" b="1" kern="1200" dirty="0">
+              <a:rPr lang="en-US" sz="3200" dirty="0">
+                <a:latin typeface="+mn-lt"/>
+              </a:rPr>
+            </a:br>
+            <a:r>
+              <a:rPr lang="en-US" sz="3200" b="1" dirty="0">
                 <a:solidFill>
-                  <a:schemeClr val="tx1"/>
+                  <a:srgbClr val="7030A0"/>
                 </a:solidFill>
                 <a:latin typeface="+mn-lt"/>
-                <a:ea typeface="+mj-ea"/>
-                <a:cs typeface="+mj-cs"/>
               </a:rPr>
-            </a:br>
-            <a:r>
-              <a:rPr lang="en-US" sz="3900" b="1" kern="1200" dirty="0">
+              <a:t>User Logged</a:t>
+            </a:r>
+            <a:endParaRPr lang="en-US" sz="3200" b="1" dirty="0"/>
+          </a:p>
+        </p:txBody>
+      </p:sp>
+      <p:sp>
+        <p:nvSpPr>
+          <p:cNvPr id="21" name="CasellaDiTesto 20">
+            <a:extLst>
+              <a:ext uri="{FF2B5EF4-FFF2-40B4-BE49-F238E27FC236}">
+                <a16:creationId xmlns:a16="http://schemas.microsoft.com/office/drawing/2014/main" id="{CD7AB8BF-D636-4CE2-859F-5DAD2F59E9C6}"/>
+              </a:ext>
+            </a:extLst>
+          </p:cNvPr>
+          <p:cNvSpPr txBox="1"/>
+          <p:nvPr/>
+        </p:nvSpPr>
+        <p:spPr>
+          <a:xfrm>
+            <a:off x="7600165" y="3970170"/>
+            <a:ext cx="4654981" cy="400110"/>
+          </a:xfrm>
+          <a:prstGeom prst="rect">
+            <a:avLst/>
+          </a:prstGeom>
+          <a:noFill/>
+        </p:spPr>
+        <p:txBody>
+          <a:bodyPr wrap="square">
+            <a:spAutoFit/>
+          </a:bodyPr>
+          <a:lstStyle/>
+          <a:p>
+            <a:r>
+              <a:rPr lang="en-US" sz="2000" b="1" kern="1200" dirty="0">
                 <a:solidFill>
                   <a:srgbClr val="7030A0"/>
                 </a:solidFill>
@@ -41665,45 +43148,16 @@
                 <a:ea typeface="+mj-ea"/>
                 <a:cs typeface="+mj-cs"/>
               </a:rPr>
-              <a:t>User Logged -&gt; drag &amp; drop -&gt; “save album order” button</a:t>
-            </a:r>
+              <a:t>drag &amp; drop -&gt; “save album order” button</a:t>
+            </a:r>
+            <a:endParaRPr lang="en-US" sz="2000" dirty="0"/>
           </a:p>
         </p:txBody>
       </p:sp>
-      <p:pic>
-        <p:nvPicPr>
-          <p:cNvPr id="5" name="Immagine 4">
-            <a:extLst>
-              <a:ext uri="{FF2B5EF4-FFF2-40B4-BE49-F238E27FC236}">
-                <a16:creationId xmlns:a16="http://schemas.microsoft.com/office/drawing/2014/main" id="{9E8DECFC-E204-4B7D-90F3-3A5C37411F37}"/>
-              </a:ext>
-            </a:extLst>
-          </p:cNvPr>
-          <p:cNvPicPr>
-            <a:picLocks noChangeAspect="1"/>
-          </p:cNvPicPr>
-          <p:nvPr/>
-        </p:nvPicPr>
-        <p:blipFill>
-          <a:blip r:embed="rId2"/>
-          <a:stretch>
-            <a:fillRect/>
-          </a:stretch>
-        </p:blipFill>
-        <p:spPr>
-          <a:xfrm>
-            <a:off x="1973822" y="1845426"/>
-            <a:ext cx="8241302" cy="4450303"/>
-          </a:xfrm>
-          <a:prstGeom prst="rect">
-            <a:avLst/>
-          </a:prstGeom>
-        </p:spPr>
-      </p:pic>
     </p:spTree>
     <p:extLst>
       <p:ext uri="{BB962C8B-B14F-4D97-AF65-F5344CB8AC3E}">
-        <p14:creationId xmlns:p14="http://schemas.microsoft.com/office/powerpoint/2010/main" val="2021523980"/>
+        <p14:creationId xmlns:p14="http://schemas.microsoft.com/office/powerpoint/2010/main" val="2606049287"/>
       </p:ext>
     </p:extLst>
   </p:cSld>
@@ -42301,4 +43755,47 @@
     </a:ext>
   </a:extLst>
 </a:theme>
+</file>
+
+<file path=ppt/theme/themeOverride1.xml><?xml version="1.0" encoding="utf-8"?>
+<a:themeOverride xmlns:a="http://schemas.openxmlformats.org/drawingml/2006/main">
+  <a:clrScheme name="Office">
+    <a:dk1>
+      <a:sysClr val="windowText" lastClr="000000"/>
+    </a:dk1>
+    <a:lt1>
+      <a:sysClr val="window" lastClr="FFFFFF"/>
+    </a:lt1>
+    <a:dk2>
+      <a:srgbClr val="44546A"/>
+    </a:dk2>
+    <a:lt2>
+      <a:srgbClr val="E7E6E6"/>
+    </a:lt2>
+    <a:accent1>
+      <a:srgbClr val="4472C4"/>
+    </a:accent1>
+    <a:accent2>
+      <a:srgbClr val="ED7D31"/>
+    </a:accent2>
+    <a:accent3>
+      <a:srgbClr val="A5A5A5"/>
+    </a:accent3>
+    <a:accent4>
+      <a:srgbClr val="FFC000"/>
+    </a:accent4>
+    <a:accent5>
+      <a:srgbClr val="5B9BD5"/>
+    </a:accent5>
+    <a:accent6>
+      <a:srgbClr val="70AD47"/>
+    </a:accent6>
+    <a:hlink>
+      <a:srgbClr val="0563C1"/>
+    </a:hlink>
+    <a:folHlink>
+      <a:srgbClr val="954F72"/>
+    </a:folHlink>
+  </a:clrScheme>
+</a:themeOverride>
 </file>